--- a/The miner’s dilemma.pptx
+++ b/The miner’s dilemma.pptx
@@ -7,6 +7,8 @@
   <p:sldIdLst>
     <p:sldId id="256" r:id="rId2"/>
     <p:sldId id="257" r:id="rId3"/>
+    <p:sldId id="258" r:id="rId4"/>
+    <p:sldId id="259" r:id="rId5"/>
   </p:sldIdLst>
   <p:sldSz cx="12192000" cy="6858000"/>
   <p:notesSz cx="6858000" cy="9144000"/>
@@ -3452,7 +3454,12 @@
           <a:bodyPr/>
           <a:lstStyle/>
           <a:p>
-            <a:endParaRPr lang="en-US"/>
+            <a:pPr algn="ctr"/>
+            <a:r>
+              <a:rPr lang="he-IL" dirty="0"/>
+              <a:t>שיווי משקל נאש</a:t>
+            </a:r>
+            <a:endParaRPr lang="en-US" dirty="0"/>
           </a:p>
         </p:txBody>
       </p:sp>
@@ -3477,7 +3484,7 @@
           <a:bodyPr/>
           <a:lstStyle/>
           <a:p>
-            <a:endParaRPr lang="en-US"/>
+            <a:endParaRPr lang="en-US" dirty="0"/>
           </a:p>
         </p:txBody>
       </p:sp>
@@ -3485,6 +3492,244 @@
     <p:extLst>
       <p:ext uri="{BB962C8B-B14F-4D97-AF65-F5344CB8AC3E}">
         <p14:creationId xmlns:p14="http://schemas.microsoft.com/office/powerpoint/2010/main" val="880859063"/>
+      </p:ext>
+    </p:extLst>
+  </p:cSld>
+  <p:clrMapOvr>
+    <a:masterClrMapping/>
+  </p:clrMapOvr>
+</p:sld>
+</file>
+
+<file path=ppt/slides/slide3.xml><?xml version="1.0" encoding="utf-8"?>
+<p:sld xmlns:a="http://schemas.openxmlformats.org/drawingml/2006/main" xmlns:r="http://schemas.openxmlformats.org/officeDocument/2006/relationships" xmlns:p="http://schemas.openxmlformats.org/presentationml/2006/main">
+  <p:cSld>
+    <p:spTree>
+      <p:nvGrpSpPr>
+        <p:cNvPr id="1" name=""/>
+        <p:cNvGrpSpPr/>
+        <p:nvPr/>
+      </p:nvGrpSpPr>
+      <p:grpSpPr>
+        <a:xfrm>
+          <a:off x="0" y="0"/>
+          <a:ext cx="0" cy="0"/>
+          <a:chOff x="0" y="0"/>
+          <a:chExt cx="0" cy="0"/>
+        </a:xfrm>
+      </p:grpSpPr>
+      <p:sp>
+        <p:nvSpPr>
+          <p:cNvPr id="2" name="כותרת 1">
+            <a:extLst>
+              <a:ext uri="{FF2B5EF4-FFF2-40B4-BE49-F238E27FC236}">
+                <a16:creationId xmlns:a16="http://schemas.microsoft.com/office/drawing/2014/main" id="{1838FD50-1CDD-4868-A5D7-7DBF5020D819}"/>
+              </a:ext>
+            </a:extLst>
+          </p:cNvPr>
+          <p:cNvSpPr>
+            <a:spLocks noGrp="1"/>
+          </p:cNvSpPr>
+          <p:nvPr>
+            <p:ph type="title"/>
+          </p:nvPr>
+        </p:nvSpPr>
+        <p:spPr/>
+        <p:txBody>
+          <a:bodyPr/>
+          <a:lstStyle/>
+          <a:p>
+            <a:r>
+              <a:rPr lang="he-IL" dirty="0"/>
+              <a:t>הצגה</a:t>
+            </a:r>
+            <a:endParaRPr lang="en-US" dirty="0"/>
+          </a:p>
+        </p:txBody>
+      </p:sp>
+      <p:sp>
+        <p:nvSpPr>
+          <p:cNvPr id="3" name="מציין מיקום תוכן 2">
+            <a:extLst>
+              <a:ext uri="{FF2B5EF4-FFF2-40B4-BE49-F238E27FC236}">
+                <a16:creationId xmlns:a16="http://schemas.microsoft.com/office/drawing/2014/main" id="{69B4348A-7A91-4CBF-969A-8ECB786F32FB}"/>
+              </a:ext>
+            </a:extLst>
+          </p:cNvPr>
+          <p:cNvSpPr>
+            <a:spLocks noGrp="1"/>
+          </p:cNvSpPr>
+          <p:nvPr>
+            <p:ph idx="1"/>
+          </p:nvPr>
+        </p:nvSpPr>
+        <p:spPr/>
+        <p:txBody>
+          <a:bodyPr>
+            <a:normAutofit fontScale="92500" lnSpcReduction="10000"/>
+          </a:bodyPr>
+          <a:lstStyle/>
+          <a:p>
+            <a:r>
+              <a:rPr lang="he-IL" dirty="0"/>
+              <a:t>הגדרת משחק הקבוצות(</a:t>
+            </a:r>
+            <a:r>
+              <a:rPr lang="en-US" dirty="0"/>
+              <a:t>(pools</a:t>
+            </a:r>
+            <a:r>
+              <a:rPr lang="he-IL" dirty="0"/>
+              <a:t> עם מערכת בטיחות של הוכחת עבודה תוקפים אחת את השנייה בשיטת </a:t>
+            </a:r>
+            <a:r>
+              <a:rPr lang="en-US" dirty="0"/>
+              <a:t>block withholding attack</a:t>
+            </a:r>
+          </a:p>
+          <a:p>
+            <a:r>
+              <a:rPr lang="he-IL" dirty="0"/>
+              <a:t>במקרה הכללי, אף התקפה של הקבוצות זה לא אי שיווי משקל.</a:t>
+            </a:r>
+            <a:endParaRPr lang="en-US" dirty="0"/>
+          </a:p>
+          <a:p>
+            <a:r>
+              <a:rPr lang="he-IL" dirty="0"/>
+              <a:t>עם 2 קבוצות בלבד שמשתתפות, שיווי משקל נאש נוצר כאשר שתיהן תוקפות וגם שתיהן מרוויחות פחות אם אף אחת לא הייתה תוקפת. (זוהי בעצם דילמת האסיר, עם הבחירה לתקוף או לא)</a:t>
+            </a:r>
+          </a:p>
+          <a:p>
+            <a:r>
+              <a:rPr lang="he-IL" dirty="0"/>
+              <a:t>עם הרבה קבוצות בגודל שווה, יש </a:t>
+            </a:r>
+            <a:r>
+              <a:rPr lang="he-IL" dirty="0" err="1"/>
+              <a:t>שיוויון</a:t>
+            </a:r>
+            <a:r>
+              <a:rPr lang="he-IL" dirty="0"/>
+              <a:t> נאש סימטרי כאשר כל הקבוצות מרוויחות פחות מאשר שאף אחת לא תקפה.</a:t>
+            </a:r>
+          </a:p>
+          <a:p>
+            <a:r>
+              <a:rPr lang="he-IL" dirty="0"/>
+              <a:t>לגבי </a:t>
+            </a:r>
+            <a:r>
+              <a:rPr lang="he-IL" dirty="0" err="1"/>
+              <a:t>ביטקוין</a:t>
+            </a:r>
+            <a:r>
+              <a:rPr lang="he-IL" dirty="0"/>
+              <a:t>, אי </a:t>
+            </a:r>
+            <a:r>
+              <a:rPr lang="he-IL" dirty="0" err="1"/>
+              <a:t>שיוויון</a:t>
+            </a:r>
+            <a:r>
+              <a:rPr lang="he-IL" dirty="0"/>
+              <a:t> לקבוצות פתוחות יעשה טוב, כי ככה יהיו יותר קבוצות קטנות ולכל קבוצה השפעה פחותה יותר. וכך תעבוד מערכת הביזור שעמדה בבסיס </a:t>
+            </a:r>
+            <a:r>
+              <a:rPr lang="he-IL" dirty="0" err="1"/>
+              <a:t>הביטקוין</a:t>
+            </a:r>
+            <a:r>
+              <a:rPr lang="he-IL" dirty="0"/>
+              <a:t>.</a:t>
+            </a:r>
+          </a:p>
+        </p:txBody>
+      </p:sp>
+    </p:spTree>
+    <p:extLst>
+      <p:ext uri="{BB962C8B-B14F-4D97-AF65-F5344CB8AC3E}">
+        <p14:creationId xmlns:p14="http://schemas.microsoft.com/office/powerpoint/2010/main" val="612204638"/>
+      </p:ext>
+    </p:extLst>
+  </p:cSld>
+  <p:clrMapOvr>
+    <a:masterClrMapping/>
+  </p:clrMapOvr>
+</p:sld>
+</file>
+
+<file path=ppt/slides/slide4.xml><?xml version="1.0" encoding="utf-8"?>
+<p:sld xmlns:a="http://schemas.openxmlformats.org/drawingml/2006/main" xmlns:r="http://schemas.openxmlformats.org/officeDocument/2006/relationships" xmlns:p="http://schemas.openxmlformats.org/presentationml/2006/main">
+  <p:cSld>
+    <p:spTree>
+      <p:nvGrpSpPr>
+        <p:cNvPr id="1" name=""/>
+        <p:cNvGrpSpPr/>
+        <p:nvPr/>
+      </p:nvGrpSpPr>
+      <p:grpSpPr>
+        <a:xfrm>
+          <a:off x="0" y="0"/>
+          <a:ext cx="0" cy="0"/>
+          <a:chOff x="0" y="0"/>
+          <a:chExt cx="0" cy="0"/>
+        </a:xfrm>
+      </p:grpSpPr>
+      <p:sp>
+        <p:nvSpPr>
+          <p:cNvPr id="2" name="כותרת 1">
+            <a:extLst>
+              <a:ext uri="{FF2B5EF4-FFF2-40B4-BE49-F238E27FC236}">
+                <a16:creationId xmlns:a16="http://schemas.microsoft.com/office/drawing/2014/main" id="{C562EE16-7697-4D72-8162-893CEDC6AACB}"/>
+              </a:ext>
+            </a:extLst>
+          </p:cNvPr>
+          <p:cNvSpPr>
+            <a:spLocks noGrp="1"/>
+          </p:cNvSpPr>
+          <p:nvPr>
+            <p:ph type="title"/>
+          </p:nvPr>
+        </p:nvSpPr>
+        <p:spPr/>
+        <p:txBody>
+          <a:bodyPr/>
+          <a:lstStyle/>
+          <a:p>
+            <a:endParaRPr lang="en-US"/>
+          </a:p>
+        </p:txBody>
+      </p:sp>
+      <p:sp>
+        <p:nvSpPr>
+          <p:cNvPr id="3" name="מציין מיקום תוכן 2">
+            <a:extLst>
+              <a:ext uri="{FF2B5EF4-FFF2-40B4-BE49-F238E27FC236}">
+                <a16:creationId xmlns:a16="http://schemas.microsoft.com/office/drawing/2014/main" id="{55E15608-81E8-466F-8EC2-FCC4E3EBD796}"/>
+              </a:ext>
+            </a:extLst>
+          </p:cNvPr>
+          <p:cNvSpPr>
+            <a:spLocks noGrp="1"/>
+          </p:cNvSpPr>
+          <p:nvPr>
+            <p:ph idx="1"/>
+          </p:nvPr>
+        </p:nvSpPr>
+        <p:spPr/>
+        <p:txBody>
+          <a:bodyPr/>
+          <a:lstStyle/>
+          <a:p>
+            <a:endParaRPr lang="en-US"/>
+          </a:p>
+        </p:txBody>
+      </p:sp>
+    </p:spTree>
+    <p:extLst>
+      <p:ext uri="{BB962C8B-B14F-4D97-AF65-F5344CB8AC3E}">
+        <p14:creationId xmlns:p14="http://schemas.microsoft.com/office/powerpoint/2010/main" val="2583959241"/>
       </p:ext>
     </p:extLst>
   </p:cSld>

--- a/The miner’s dilemma.pptx
+++ b/The miner’s dilemma.pptx
@@ -4,11 +4,17 @@
   <p:sldMasterIdLst>
     <p:sldMasterId id="2147483648" r:id="rId1"/>
   </p:sldMasterIdLst>
+  <p:notesMasterIdLst>
+    <p:notesMasterId r:id="rId9"/>
+  </p:notesMasterIdLst>
   <p:sldIdLst>
     <p:sldId id="256" r:id="rId2"/>
-    <p:sldId id="257" r:id="rId3"/>
-    <p:sldId id="258" r:id="rId4"/>
-    <p:sldId id="259" r:id="rId5"/>
+    <p:sldId id="258" r:id="rId3"/>
+    <p:sldId id="261" r:id="rId4"/>
+    <p:sldId id="260" r:id="rId5"/>
+    <p:sldId id="262" r:id="rId6"/>
+    <p:sldId id="257" r:id="rId7"/>
+    <p:sldId id="259" r:id="rId8"/>
   </p:sldIdLst>
   <p:sldSz cx="12192000" cy="6858000"/>
   <p:notesSz cx="6858000" cy="9144000"/>
@@ -107,7 +113,362 @@
       </a:defRPr>
     </a:lvl9pPr>
   </p:defaultTextStyle>
+  <p:extLst>
+    <p:ext uri="{EFAFB233-063F-42B5-8137-9DF3F51BA10A}">
+      <p15:sldGuideLst xmlns:p15="http://schemas.microsoft.com/office/powerpoint/2012/main"/>
+    </p:ext>
+  </p:extLst>
 </p:presentation>
+</file>
+
+<file path=ppt/notesMasters/notesMaster1.xml><?xml version="1.0" encoding="utf-8"?>
+<p:notesMaster xmlns:a="http://schemas.openxmlformats.org/drawingml/2006/main" xmlns:r="http://schemas.openxmlformats.org/officeDocument/2006/relationships" xmlns:p="http://schemas.openxmlformats.org/presentationml/2006/main">
+  <p:cSld>
+    <p:bg>
+      <p:bgRef idx="1001">
+        <a:schemeClr val="bg1"/>
+      </p:bgRef>
+    </p:bg>
+    <p:spTree>
+      <p:nvGrpSpPr>
+        <p:cNvPr id="1" name=""/>
+        <p:cNvGrpSpPr/>
+        <p:nvPr/>
+      </p:nvGrpSpPr>
+      <p:grpSpPr>
+        <a:xfrm>
+          <a:off x="0" y="0"/>
+          <a:ext cx="0" cy="0"/>
+          <a:chOff x="0" y="0"/>
+          <a:chExt cx="0" cy="0"/>
+        </a:xfrm>
+      </p:grpSpPr>
+      <p:sp>
+        <p:nvSpPr>
+          <p:cNvPr id="2" name="מציין מיקום של כותרת עליונה 1"/>
+          <p:cNvSpPr>
+            <a:spLocks noGrp="1"/>
+          </p:cNvSpPr>
+          <p:nvPr>
+            <p:ph type="hdr" sz="quarter"/>
+          </p:nvPr>
+        </p:nvSpPr>
+        <p:spPr>
+          <a:xfrm>
+            <a:off x="3886200" y="0"/>
+            <a:ext cx="2971800" cy="458788"/>
+          </a:xfrm>
+          <a:prstGeom prst="rect">
+            <a:avLst/>
+          </a:prstGeom>
+        </p:spPr>
+        <p:txBody>
+          <a:bodyPr vert="horz" lIns="91440" tIns="45720" rIns="91440" bIns="45720" rtlCol="1"/>
+          <a:lstStyle>
+            <a:lvl1pPr algn="l">
+              <a:defRPr sz="1200"/>
+            </a:lvl1pPr>
+          </a:lstStyle>
+          <a:p>
+            <a:endParaRPr lang="en-US"/>
+          </a:p>
+        </p:txBody>
+      </p:sp>
+      <p:sp>
+        <p:nvSpPr>
+          <p:cNvPr id="3" name="מציין מיקום של תאריך 2"/>
+          <p:cNvSpPr>
+            <a:spLocks noGrp="1"/>
+          </p:cNvSpPr>
+          <p:nvPr>
+            <p:ph type="dt" idx="1"/>
+          </p:nvPr>
+        </p:nvSpPr>
+        <p:spPr>
+          <a:xfrm>
+            <a:off x="1588" y="0"/>
+            <a:ext cx="2971800" cy="458788"/>
+          </a:xfrm>
+          <a:prstGeom prst="rect">
+            <a:avLst/>
+          </a:prstGeom>
+        </p:spPr>
+        <p:txBody>
+          <a:bodyPr vert="horz" lIns="91440" tIns="45720" rIns="91440" bIns="45720" rtlCol="1"/>
+          <a:lstStyle>
+            <a:lvl1pPr algn="r">
+              <a:defRPr sz="1200"/>
+            </a:lvl1pPr>
+          </a:lstStyle>
+          <a:p>
+            <a:fld id="{FF61DEA7-F1E6-454B-87DB-58B10850CF92}" type="datetimeFigureOut">
+              <a:rPr lang="en-US" smtClean="0"/>
+              <a:t>12/19/2018</a:t>
+            </a:fld>
+            <a:endParaRPr lang="en-US"/>
+          </a:p>
+        </p:txBody>
+      </p:sp>
+      <p:sp>
+        <p:nvSpPr>
+          <p:cNvPr id="4" name="מציין מיקום של תמונת שקופית 3"/>
+          <p:cNvSpPr>
+            <a:spLocks noGrp="1" noRot="1" noChangeAspect="1"/>
+          </p:cNvSpPr>
+          <p:nvPr>
+            <p:ph type="sldImg" idx="2"/>
+          </p:nvPr>
+        </p:nvSpPr>
+        <p:spPr>
+          <a:xfrm>
+            <a:off x="685800" y="1143000"/>
+            <a:ext cx="5486400" cy="3086100"/>
+          </a:xfrm>
+          <a:prstGeom prst="rect">
+            <a:avLst/>
+          </a:prstGeom>
+          <a:noFill/>
+          <a:ln w="12700">
+            <a:solidFill>
+              <a:prstClr val="black"/>
+            </a:solidFill>
+          </a:ln>
+        </p:spPr>
+        <p:txBody>
+          <a:bodyPr vert="horz" lIns="91440" tIns="45720" rIns="91440" bIns="45720" rtlCol="1" anchor="ctr"/>
+          <a:lstStyle/>
+          <a:p>
+            <a:endParaRPr lang="en-US"/>
+          </a:p>
+        </p:txBody>
+      </p:sp>
+      <p:sp>
+        <p:nvSpPr>
+          <p:cNvPr id="5" name="מציין מיקום של הערות 4"/>
+          <p:cNvSpPr>
+            <a:spLocks noGrp="1"/>
+          </p:cNvSpPr>
+          <p:nvPr>
+            <p:ph type="body" sz="quarter" idx="3"/>
+          </p:nvPr>
+        </p:nvSpPr>
+        <p:spPr>
+          <a:xfrm>
+            <a:off x="685800" y="4400550"/>
+            <a:ext cx="5486400" cy="3600450"/>
+          </a:xfrm>
+          <a:prstGeom prst="rect">
+            <a:avLst/>
+          </a:prstGeom>
+        </p:spPr>
+        <p:txBody>
+          <a:bodyPr vert="horz" lIns="91440" tIns="45720" rIns="91440" bIns="45720" rtlCol="1"/>
+          <a:lstStyle/>
+          <a:p>
+            <a:pPr lvl="0"/>
+            <a:r>
+              <a:rPr lang="he-IL"/>
+              <a:t>ערוך סגנונות טקסט של תבנית בסיס</a:t>
+            </a:r>
+          </a:p>
+          <a:p>
+            <a:pPr lvl="1"/>
+            <a:r>
+              <a:rPr lang="he-IL"/>
+              <a:t>רמה שניה</a:t>
+            </a:r>
+          </a:p>
+          <a:p>
+            <a:pPr lvl="2"/>
+            <a:r>
+              <a:rPr lang="he-IL"/>
+              <a:t>רמה שלישית</a:t>
+            </a:r>
+          </a:p>
+          <a:p>
+            <a:pPr lvl="3"/>
+            <a:r>
+              <a:rPr lang="he-IL"/>
+              <a:t>רמה רביעית</a:t>
+            </a:r>
+          </a:p>
+          <a:p>
+            <a:pPr lvl="4"/>
+            <a:r>
+              <a:rPr lang="he-IL"/>
+              <a:t>רמה חמישית</a:t>
+            </a:r>
+            <a:endParaRPr lang="en-US"/>
+          </a:p>
+        </p:txBody>
+      </p:sp>
+      <p:sp>
+        <p:nvSpPr>
+          <p:cNvPr id="6" name="מציין מיקום של כותרת תחתונה 5"/>
+          <p:cNvSpPr>
+            <a:spLocks noGrp="1"/>
+          </p:cNvSpPr>
+          <p:nvPr>
+            <p:ph type="ftr" sz="quarter" idx="4"/>
+          </p:nvPr>
+        </p:nvSpPr>
+        <p:spPr>
+          <a:xfrm>
+            <a:off x="3886200" y="8685213"/>
+            <a:ext cx="2971800" cy="458787"/>
+          </a:xfrm>
+          <a:prstGeom prst="rect">
+            <a:avLst/>
+          </a:prstGeom>
+        </p:spPr>
+        <p:txBody>
+          <a:bodyPr vert="horz" lIns="91440" tIns="45720" rIns="91440" bIns="45720" rtlCol="1" anchor="b"/>
+          <a:lstStyle>
+            <a:lvl1pPr algn="l">
+              <a:defRPr sz="1200"/>
+            </a:lvl1pPr>
+          </a:lstStyle>
+          <a:p>
+            <a:endParaRPr lang="en-US"/>
+          </a:p>
+        </p:txBody>
+      </p:sp>
+      <p:sp>
+        <p:nvSpPr>
+          <p:cNvPr id="7" name="מציין מיקום של מספר שקופית 6"/>
+          <p:cNvSpPr>
+            <a:spLocks noGrp="1"/>
+          </p:cNvSpPr>
+          <p:nvPr>
+            <p:ph type="sldNum" sz="quarter" idx="5"/>
+          </p:nvPr>
+        </p:nvSpPr>
+        <p:spPr>
+          <a:xfrm>
+            <a:off x="1588" y="8685213"/>
+            <a:ext cx="2971800" cy="458787"/>
+          </a:xfrm>
+          <a:prstGeom prst="rect">
+            <a:avLst/>
+          </a:prstGeom>
+        </p:spPr>
+        <p:txBody>
+          <a:bodyPr vert="horz" lIns="91440" tIns="45720" rIns="91440" bIns="45720" rtlCol="1" anchor="b"/>
+          <a:lstStyle>
+            <a:lvl1pPr algn="r">
+              <a:defRPr sz="1200"/>
+            </a:lvl1pPr>
+          </a:lstStyle>
+          <a:p>
+            <a:fld id="{0ADA7C10-A76D-4B4A-86D3-8C67903D2123}" type="slidenum">
+              <a:rPr lang="en-US" smtClean="0"/>
+              <a:t>‹#›</a:t>
+            </a:fld>
+            <a:endParaRPr lang="en-US"/>
+          </a:p>
+        </p:txBody>
+      </p:sp>
+    </p:spTree>
+    <p:extLst>
+      <p:ext uri="{BB962C8B-B14F-4D97-AF65-F5344CB8AC3E}">
+        <p14:creationId xmlns:p14="http://schemas.microsoft.com/office/powerpoint/2010/main" val="3122039899"/>
+      </p:ext>
+    </p:extLst>
+  </p:cSld>
+  <p:clrMap bg1="lt1" tx1="dk1" bg2="lt2" tx2="dk2" accent1="accent1" accent2="accent2" accent3="accent3" accent4="accent4" accent5="accent5" accent6="accent6" hlink="hlink" folHlink="folHlink"/>
+  <p:notesStyle>
+    <a:lvl1pPr marL="0" algn="r" defTabSz="914400" rtl="1" eaLnBrk="1" latinLnBrk="0" hangingPunct="1">
+      <a:defRPr sz="1200" kern="1200">
+        <a:solidFill>
+          <a:schemeClr val="tx1"/>
+        </a:solidFill>
+        <a:latin typeface="+mn-lt"/>
+        <a:ea typeface="+mn-ea"/>
+        <a:cs typeface="+mn-cs"/>
+      </a:defRPr>
+    </a:lvl1pPr>
+    <a:lvl2pPr marL="457200" algn="r" defTabSz="914400" rtl="1" eaLnBrk="1" latinLnBrk="0" hangingPunct="1">
+      <a:defRPr sz="1200" kern="1200">
+        <a:solidFill>
+          <a:schemeClr val="tx1"/>
+        </a:solidFill>
+        <a:latin typeface="+mn-lt"/>
+        <a:ea typeface="+mn-ea"/>
+        <a:cs typeface="+mn-cs"/>
+      </a:defRPr>
+    </a:lvl2pPr>
+    <a:lvl3pPr marL="914400" algn="r" defTabSz="914400" rtl="1" eaLnBrk="1" latinLnBrk="0" hangingPunct="1">
+      <a:defRPr sz="1200" kern="1200">
+        <a:solidFill>
+          <a:schemeClr val="tx1"/>
+        </a:solidFill>
+        <a:latin typeface="+mn-lt"/>
+        <a:ea typeface="+mn-ea"/>
+        <a:cs typeface="+mn-cs"/>
+      </a:defRPr>
+    </a:lvl3pPr>
+    <a:lvl4pPr marL="1371600" algn="r" defTabSz="914400" rtl="1" eaLnBrk="1" latinLnBrk="0" hangingPunct="1">
+      <a:defRPr sz="1200" kern="1200">
+        <a:solidFill>
+          <a:schemeClr val="tx1"/>
+        </a:solidFill>
+        <a:latin typeface="+mn-lt"/>
+        <a:ea typeface="+mn-ea"/>
+        <a:cs typeface="+mn-cs"/>
+      </a:defRPr>
+    </a:lvl4pPr>
+    <a:lvl5pPr marL="1828800" algn="r" defTabSz="914400" rtl="1" eaLnBrk="1" latinLnBrk="0" hangingPunct="1">
+      <a:defRPr sz="1200" kern="1200">
+        <a:solidFill>
+          <a:schemeClr val="tx1"/>
+        </a:solidFill>
+        <a:latin typeface="+mn-lt"/>
+        <a:ea typeface="+mn-ea"/>
+        <a:cs typeface="+mn-cs"/>
+      </a:defRPr>
+    </a:lvl5pPr>
+    <a:lvl6pPr marL="2286000" algn="r" defTabSz="914400" rtl="1" eaLnBrk="1" latinLnBrk="0" hangingPunct="1">
+      <a:defRPr sz="1200" kern="1200">
+        <a:solidFill>
+          <a:schemeClr val="tx1"/>
+        </a:solidFill>
+        <a:latin typeface="+mn-lt"/>
+        <a:ea typeface="+mn-ea"/>
+        <a:cs typeface="+mn-cs"/>
+      </a:defRPr>
+    </a:lvl6pPr>
+    <a:lvl7pPr marL="2743200" algn="r" defTabSz="914400" rtl="1" eaLnBrk="1" latinLnBrk="0" hangingPunct="1">
+      <a:defRPr sz="1200" kern="1200">
+        <a:solidFill>
+          <a:schemeClr val="tx1"/>
+        </a:solidFill>
+        <a:latin typeface="+mn-lt"/>
+        <a:ea typeface="+mn-ea"/>
+        <a:cs typeface="+mn-cs"/>
+      </a:defRPr>
+    </a:lvl7pPr>
+    <a:lvl8pPr marL="3200400" algn="r" defTabSz="914400" rtl="1" eaLnBrk="1" latinLnBrk="0" hangingPunct="1">
+      <a:defRPr sz="1200" kern="1200">
+        <a:solidFill>
+          <a:schemeClr val="tx1"/>
+        </a:solidFill>
+        <a:latin typeface="+mn-lt"/>
+        <a:ea typeface="+mn-ea"/>
+        <a:cs typeface="+mn-cs"/>
+      </a:defRPr>
+    </a:lvl8pPr>
+    <a:lvl9pPr marL="3657600" algn="r" defTabSz="914400" rtl="1" eaLnBrk="1" latinLnBrk="0" hangingPunct="1">
+      <a:defRPr sz="1200" kern="1200">
+        <a:solidFill>
+          <a:schemeClr val="tx1"/>
+        </a:solidFill>
+        <a:latin typeface="+mn-lt"/>
+        <a:ea typeface="+mn-ea"/>
+        <a:cs typeface="+mn-cs"/>
+      </a:defRPr>
+    </a:lvl9pPr>
+  </p:notesStyle>
+</p:notesMaster>
 </file>
 
 <file path=ppt/slideLayouts/slideLayout1.xml><?xml version="1.0" encoding="utf-8"?>
@@ -259,7 +620,7 @@
           <a:p>
             <a:fld id="{DF6A03F8-23AB-4376-ADEC-E9B1DB750C39}" type="datetimeFigureOut">
               <a:rPr lang="en-US" smtClean="0"/>
-              <a:t>12/18/2018</a:t>
+              <a:t>12/19/2018</a:t>
             </a:fld>
             <a:endParaRPr lang="en-US"/>
           </a:p>
@@ -459,7 +820,7 @@
           <a:p>
             <a:fld id="{DF6A03F8-23AB-4376-ADEC-E9B1DB750C39}" type="datetimeFigureOut">
               <a:rPr lang="en-US" smtClean="0"/>
-              <a:t>12/18/2018</a:t>
+              <a:t>12/19/2018</a:t>
             </a:fld>
             <a:endParaRPr lang="en-US"/>
           </a:p>
@@ -669,7 +1030,7 @@
           <a:p>
             <a:fld id="{DF6A03F8-23AB-4376-ADEC-E9B1DB750C39}" type="datetimeFigureOut">
               <a:rPr lang="en-US" smtClean="0"/>
-              <a:t>12/18/2018</a:t>
+              <a:t>12/19/2018</a:t>
             </a:fld>
             <a:endParaRPr lang="en-US"/>
           </a:p>
@@ -869,7 +1230,7 @@
           <a:p>
             <a:fld id="{DF6A03F8-23AB-4376-ADEC-E9B1DB750C39}" type="datetimeFigureOut">
               <a:rPr lang="en-US" smtClean="0"/>
-              <a:t>12/18/2018</a:t>
+              <a:t>12/19/2018</a:t>
             </a:fld>
             <a:endParaRPr lang="en-US"/>
           </a:p>
@@ -1145,7 +1506,7 @@
           <a:p>
             <a:fld id="{DF6A03F8-23AB-4376-ADEC-E9B1DB750C39}" type="datetimeFigureOut">
               <a:rPr lang="en-US" smtClean="0"/>
-              <a:t>12/18/2018</a:t>
+              <a:t>12/19/2018</a:t>
             </a:fld>
             <a:endParaRPr lang="en-US"/>
           </a:p>
@@ -1413,7 +1774,7 @@
           <a:p>
             <a:fld id="{DF6A03F8-23AB-4376-ADEC-E9B1DB750C39}" type="datetimeFigureOut">
               <a:rPr lang="en-US" smtClean="0"/>
-              <a:t>12/18/2018</a:t>
+              <a:t>12/19/2018</a:t>
             </a:fld>
             <a:endParaRPr lang="en-US"/>
           </a:p>
@@ -1828,7 +2189,7 @@
           <a:p>
             <a:fld id="{DF6A03F8-23AB-4376-ADEC-E9B1DB750C39}" type="datetimeFigureOut">
               <a:rPr lang="en-US" smtClean="0"/>
-              <a:t>12/18/2018</a:t>
+              <a:t>12/19/2018</a:t>
             </a:fld>
             <a:endParaRPr lang="en-US"/>
           </a:p>
@@ -1970,7 +2331,7 @@
           <a:p>
             <a:fld id="{DF6A03F8-23AB-4376-ADEC-E9B1DB750C39}" type="datetimeFigureOut">
               <a:rPr lang="en-US" smtClean="0"/>
-              <a:t>12/18/2018</a:t>
+              <a:t>12/19/2018</a:t>
             </a:fld>
             <a:endParaRPr lang="en-US"/>
           </a:p>
@@ -2083,7 +2444,7 @@
           <a:p>
             <a:fld id="{DF6A03F8-23AB-4376-ADEC-E9B1DB750C39}" type="datetimeFigureOut">
               <a:rPr lang="en-US" smtClean="0"/>
-              <a:t>12/18/2018</a:t>
+              <a:t>12/19/2018</a:t>
             </a:fld>
             <a:endParaRPr lang="en-US"/>
           </a:p>
@@ -2396,7 +2757,7 @@
           <a:p>
             <a:fld id="{DF6A03F8-23AB-4376-ADEC-E9B1DB750C39}" type="datetimeFigureOut">
               <a:rPr lang="en-US" smtClean="0"/>
-              <a:t>12/18/2018</a:t>
+              <a:t>12/19/2018</a:t>
             </a:fld>
             <a:endParaRPr lang="en-US"/>
           </a:p>
@@ -2685,7 +3046,7 @@
           <a:p>
             <a:fld id="{DF6A03F8-23AB-4376-ADEC-E9B1DB750C39}" type="datetimeFigureOut">
               <a:rPr lang="en-US" smtClean="0"/>
-              <a:t>12/18/2018</a:t>
+              <a:t>12/19/2018</a:t>
             </a:fld>
             <a:endParaRPr lang="en-US"/>
           </a:p>
@@ -2928,7 +3289,7 @@
           <a:p>
             <a:fld id="{DF6A03F8-23AB-4376-ADEC-E9B1DB750C39}" type="datetimeFigureOut">
               <a:rPr lang="en-US" smtClean="0"/>
-              <a:t>12/18/2018</a:t>
+              <a:t>12/19/2018</a:t>
             </a:fld>
             <a:endParaRPr lang="en-US"/>
           </a:p>
@@ -3438,7 +3799,7 @@
           <p:cNvPr id="2" name="כותרת 1">
             <a:extLst>
               <a:ext uri="{FF2B5EF4-FFF2-40B4-BE49-F238E27FC236}">
-                <a16:creationId xmlns:a16="http://schemas.microsoft.com/office/drawing/2014/main" id="{59FB4CF8-B5A2-4DAE-827D-788071E38561}"/>
+                <a16:creationId xmlns:a16="http://schemas.microsoft.com/office/drawing/2014/main" id="{1838FD50-1CDD-4868-A5D7-7DBF5020D819}"/>
               </a:ext>
             </a:extLst>
           </p:cNvPr>
@@ -3454,10 +3815,9 @@
           <a:bodyPr/>
           <a:lstStyle/>
           <a:p>
-            <a:pPr algn="ctr"/>
             <a:r>
               <a:rPr lang="he-IL" dirty="0"/>
-              <a:t>שיווי משקל נאש</a:t>
+              <a:t>הצגה</a:t>
             </a:r>
             <a:endParaRPr lang="en-US" dirty="0"/>
           </a:p>
@@ -3468,7 +3828,7 @@
           <p:cNvPr id="3" name="מציין מיקום תוכן 2">
             <a:extLst>
               <a:ext uri="{FF2B5EF4-FFF2-40B4-BE49-F238E27FC236}">
-                <a16:creationId xmlns:a16="http://schemas.microsoft.com/office/drawing/2014/main" id="{0D6BD5DD-834E-41C1-8543-1821619DA1F5}"/>
+                <a16:creationId xmlns:a16="http://schemas.microsoft.com/office/drawing/2014/main" id="{69B4348A-7A91-4CBF-969A-8ECB786F32FB}"/>
               </a:ext>
             </a:extLst>
           </p:cNvPr>
@@ -3481,17 +3841,59 @@
         </p:nvSpPr>
         <p:spPr/>
         <p:txBody>
-          <a:bodyPr/>
-          <a:lstStyle/>
-          <a:p>
+          <a:bodyPr>
+            <a:normAutofit fontScale="92500" lnSpcReduction="10000"/>
+          </a:bodyPr>
+          <a:lstStyle/>
+          <a:p>
+            <a:r>
+              <a:rPr lang="he-IL" dirty="0"/>
+              <a:t>הגדרת משחק הקבוצות(</a:t>
+            </a:r>
+            <a:r>
+              <a:rPr lang="en-US" dirty="0"/>
+              <a:t>(pools</a:t>
+            </a:r>
+            <a:r>
+              <a:rPr lang="he-IL" dirty="0"/>
+              <a:t> עם מערכת בטיחות של הוכחת עבודה, תוקפים אחת את השנייה בשיטת </a:t>
+            </a:r>
+            <a:r>
+              <a:rPr lang="en-US" dirty="0"/>
+              <a:t>block withholding attack</a:t>
+            </a:r>
+          </a:p>
+          <a:p>
+            <a:r>
+              <a:rPr lang="he-IL" dirty="0"/>
+              <a:t>במקרה הכללי, אף התקפה של הקבוצות זה לא אי שיווי משקל נאש.</a:t>
+            </a:r>
             <a:endParaRPr lang="en-US" dirty="0"/>
+          </a:p>
+          <a:p>
+            <a:r>
+              <a:rPr lang="he-IL" dirty="0"/>
+              <a:t>עם 2 קבוצות בלבד שמשתתפות, שיווי משקל נאש נוצר כאשר שתיהן תוקפות וגם שתיהן מרוויחות פחות אם אף אחת לא הייתה תוקפת. (זוהי בעצם דילמת האסיר, עם הבחירה לתקוף או לא)</a:t>
+            </a:r>
+          </a:p>
+          <a:p>
+            <a:r>
+              <a:rPr lang="he-IL" dirty="0"/>
+              <a:t>עם הרבה קבוצות בגודל שווה, יש שיוויון נאש סימטרי כאשר כל הקבוצות מרוויחות פחות מאשר שאף אחת לא תקפה.</a:t>
+            </a:r>
+          </a:p>
+          <a:p>
+            <a:r>
+              <a:rPr lang="he-IL" dirty="0"/>
+              <a:t>לגבי ביטקוין, אי שיוויון לקבוצות פתוחות יעשה טוב, כי ככה יהיו יותר קבוצות קטנות ולכל קבוצה השפעה פחותה יותר. וכך תעבוד מערכת הביזור שעמדה בבסיס הביטקוין.</a:t>
+            </a:r>
           </a:p>
         </p:txBody>
       </p:sp>
     </p:spTree>
     <p:extLst>
       <p:ext uri="{BB962C8B-B14F-4D97-AF65-F5344CB8AC3E}">
-        <p14:creationId xmlns:p14="http://schemas.microsoft.com/office/powerpoint/2010/main" val="880859063"/>
+        <p14:creationId xmlns:p14="http://schemas.microsoft.com/office/powerpoint/2010/main" val="612204638"/>
       </p:ext>
     </p:extLst>
   </p:cSld>
@@ -3523,7 +3925,7 @@
           <p:cNvPr id="2" name="כותרת 1">
             <a:extLst>
               <a:ext uri="{FF2B5EF4-FFF2-40B4-BE49-F238E27FC236}">
-                <a16:creationId xmlns:a16="http://schemas.microsoft.com/office/drawing/2014/main" id="{1838FD50-1CDD-4868-A5D7-7DBF5020D819}"/>
+                <a16:creationId xmlns:a16="http://schemas.microsoft.com/office/drawing/2014/main" id="{205F096B-8F4E-4254-97A8-83C741C76A46}"/>
               </a:ext>
             </a:extLst>
           </p:cNvPr>
@@ -3539,109 +3941,93 @@
           <a:bodyPr/>
           <a:lstStyle/>
           <a:p>
+            <a:pPr algn="ctr"/>
+            <a:r>
+              <a:rPr lang="en-US" dirty="0"/>
+              <a:t>Block withholding attack</a:t>
+            </a:r>
+          </a:p>
+        </p:txBody>
+      </p:sp>
+      <p:sp>
+        <p:nvSpPr>
+          <p:cNvPr id="3" name="מציין מיקום תוכן 2">
+            <a:extLst>
+              <a:ext uri="{FF2B5EF4-FFF2-40B4-BE49-F238E27FC236}">
+                <a16:creationId xmlns:a16="http://schemas.microsoft.com/office/drawing/2014/main" id="{9F790863-06C6-4706-98A9-3022AA962E39}"/>
+              </a:ext>
+            </a:extLst>
+          </p:cNvPr>
+          <p:cNvSpPr>
+            <a:spLocks noGrp="1"/>
+          </p:cNvSpPr>
+          <p:nvPr>
+            <p:ph idx="1"/>
+          </p:nvPr>
+        </p:nvSpPr>
+        <p:spPr/>
+        <p:txBody>
+          <a:bodyPr/>
+          <a:lstStyle/>
+          <a:p>
+            <a:pPr marL="0" indent="0">
+              <a:buNone/>
+            </a:pPr>
             <a:r>
               <a:rPr lang="he-IL" dirty="0"/>
-              <a:t>הצגה</a:t>
-            </a:r>
-            <a:endParaRPr lang="en-US" dirty="0"/>
-          </a:p>
-        </p:txBody>
-      </p:sp>
-      <p:sp>
-        <p:nvSpPr>
-          <p:cNvPr id="3" name="מציין מיקום תוכן 2">
-            <a:extLst>
-              <a:ext uri="{FF2B5EF4-FFF2-40B4-BE49-F238E27FC236}">
-                <a16:creationId xmlns:a16="http://schemas.microsoft.com/office/drawing/2014/main" id="{69B4348A-7A91-4CBF-969A-8ECB786F32FB}"/>
-              </a:ext>
-            </a:extLst>
-          </p:cNvPr>
-          <p:cNvSpPr>
-            <a:spLocks noGrp="1"/>
-          </p:cNvSpPr>
-          <p:nvPr>
-            <p:ph idx="1"/>
-          </p:nvPr>
-        </p:nvSpPr>
-        <p:spPr/>
-        <p:txBody>
-          <a:bodyPr>
-            <a:normAutofit fontScale="92500" lnSpcReduction="10000"/>
-          </a:bodyPr>
-          <a:lstStyle/>
-          <a:p>
+              <a:t>איך זה עובד?</a:t>
+            </a:r>
+          </a:p>
+          <a:p>
+            <a:pPr marL="0" indent="0">
+              <a:buNone/>
+            </a:pPr>
             <a:r>
               <a:rPr lang="he-IL" dirty="0"/>
-              <a:t>הגדרת משחק הקבוצות(</a:t>
+              <a:t>מנהל מקבוצה 1 נרשם לקבוצה שתיים ומקבל משימות ממנה.</a:t>
+            </a:r>
+          </a:p>
+          <a:p>
+            <a:pPr marL="0" indent="0">
+              <a:buNone/>
+            </a:pPr>
+            <a:r>
+              <a:rPr lang="he-IL" dirty="0"/>
+              <a:t>לאחר מכן הוא מחלק את המשימות האלו לכורים שלו ונותן להם לבצע אותן.</a:t>
+            </a:r>
+          </a:p>
+          <a:p>
+            <a:pPr marL="0" indent="0">
+              <a:buNone/>
+            </a:pPr>
+            <a:r>
+              <a:rPr lang="he-IL" dirty="0"/>
+              <a:t>כאשר הוא מקבל </a:t>
             </a:r>
             <a:r>
               <a:rPr lang="en-US" dirty="0"/>
-              <a:t>(pools</a:t>
+              <a:t>partial proof of work </a:t>
             </a:r>
             <a:r>
               <a:rPr lang="he-IL" dirty="0"/>
-              <a:t> עם מערכת בטיחות של הוכחת עבודה תוקפים אחת את השנייה בשיטת </a:t>
+              <a:t> הוא מעביר את זה למנהל הקבוצה שהוא תוקף, אם במקרה הוא הצליח לפתור את הפאזל הוא לא מעביר אותו.</a:t>
+            </a:r>
+          </a:p>
+          <a:p>
+            <a:pPr marL="0" indent="0">
+              <a:buNone/>
+            </a:pPr>
+            <a:r>
+              <a:rPr lang="he-IL" dirty="0"/>
+              <a:t>וכך, כאשר מגיעים הרווחים מקבוצה 2, המנהל מחלק פחות רווחים ליותר אנשים, ובקבוצה אחת מקבלים גם רווחים ממה שהם הצליחו לפתור וגם רווחים מהקבוצה השנייה על </a:t>
             </a:r>
             <a:r>
               <a:rPr lang="en-US" dirty="0"/>
-              <a:t>block withholding attack</a:t>
-            </a:r>
-          </a:p>
-          <a:p>
+              <a:t>partial proof of work</a:t>
+            </a:r>
             <a:r>
               <a:rPr lang="he-IL" dirty="0"/>
-              <a:t>במקרה הכללי, אף התקפה של הקבוצות זה לא אי שיווי משקל.</a:t>
-            </a:r>
-            <a:endParaRPr lang="en-US" dirty="0"/>
-          </a:p>
-          <a:p>
-            <a:r>
-              <a:rPr lang="he-IL" dirty="0"/>
-              <a:t>עם 2 קבוצות בלבד שמשתתפות, שיווי משקל נאש נוצר כאשר שתיהן תוקפות וגם שתיהן מרוויחות פחות אם אף אחת לא הייתה תוקפת. (זוהי בעצם דילמת האסיר, עם הבחירה לתקוף או לא)</a:t>
-            </a:r>
-          </a:p>
-          <a:p>
-            <a:r>
-              <a:rPr lang="he-IL" dirty="0"/>
-              <a:t>עם הרבה קבוצות בגודל שווה, יש </a:t>
-            </a:r>
-            <a:r>
-              <a:rPr lang="he-IL" dirty="0" err="1"/>
-              <a:t>שיוויון</a:t>
-            </a:r>
-            <a:r>
-              <a:rPr lang="he-IL" dirty="0"/>
-              <a:t> נאש סימטרי כאשר כל הקבוצות מרוויחות פחות מאשר שאף אחת לא תקפה.</a:t>
-            </a:r>
-          </a:p>
-          <a:p>
-            <a:r>
-              <a:rPr lang="he-IL" dirty="0"/>
-              <a:t>לגבי </a:t>
-            </a:r>
-            <a:r>
-              <a:rPr lang="he-IL" dirty="0" err="1"/>
-              <a:t>ביטקוין</a:t>
-            </a:r>
-            <a:r>
-              <a:rPr lang="he-IL" dirty="0"/>
-              <a:t>, אי </a:t>
-            </a:r>
-            <a:r>
-              <a:rPr lang="he-IL" dirty="0" err="1"/>
-              <a:t>שיוויון</a:t>
-            </a:r>
-            <a:r>
-              <a:rPr lang="he-IL" dirty="0"/>
-              <a:t> לקבוצות פתוחות יעשה טוב, כי ככה יהיו יותר קבוצות קטנות ולכל קבוצה השפעה פחותה יותר. וכך תעבוד מערכת הביזור שעמדה בבסיס </a:t>
-            </a:r>
-            <a:r>
-              <a:rPr lang="he-IL" dirty="0" err="1"/>
-              <a:t>הביטקוין</a:t>
-            </a:r>
-            <a:r>
-              <a:rPr lang="he-IL" dirty="0"/>
-              <a:t>.</a:t>
+              <a:t>. </a:t>
             </a:r>
           </a:p>
         </p:txBody>
@@ -3649,7 +4035,7 @@
     </p:spTree>
     <p:extLst>
       <p:ext uri="{BB962C8B-B14F-4D97-AF65-F5344CB8AC3E}">
-        <p14:creationId xmlns:p14="http://schemas.microsoft.com/office/powerpoint/2010/main" val="612204638"/>
+        <p14:creationId xmlns:p14="http://schemas.microsoft.com/office/powerpoint/2010/main" val="1070638557"/>
       </p:ext>
     </p:extLst>
   </p:cSld>
@@ -3660,6 +4046,1988 @@
 </file>
 
 <file path=ppt/slides/slide4.xml><?xml version="1.0" encoding="utf-8"?>
+<p:sld xmlns:a="http://schemas.openxmlformats.org/drawingml/2006/main" xmlns:r="http://schemas.openxmlformats.org/officeDocument/2006/relationships" xmlns:p="http://schemas.openxmlformats.org/presentationml/2006/main">
+  <p:cSld>
+    <p:spTree>
+      <p:nvGrpSpPr>
+        <p:cNvPr id="1" name=""/>
+        <p:cNvGrpSpPr/>
+        <p:nvPr/>
+      </p:nvGrpSpPr>
+      <p:grpSpPr>
+        <a:xfrm>
+          <a:off x="0" y="0"/>
+          <a:ext cx="0" cy="0"/>
+          <a:chOff x="0" y="0"/>
+          <a:chExt cx="0" cy="0"/>
+        </a:xfrm>
+      </p:grpSpPr>
+      <p:sp>
+        <p:nvSpPr>
+          <p:cNvPr id="2" name="כותרת 1">
+            <a:extLst>
+              <a:ext uri="{FF2B5EF4-FFF2-40B4-BE49-F238E27FC236}">
+                <a16:creationId xmlns:a16="http://schemas.microsoft.com/office/drawing/2014/main" id="{BE4A859A-7DD0-4695-93C5-100244DBE7E3}"/>
+              </a:ext>
+            </a:extLst>
+          </p:cNvPr>
+          <p:cNvSpPr>
+            <a:spLocks noGrp="1"/>
+          </p:cNvSpPr>
+          <p:nvPr>
+            <p:ph type="title"/>
+          </p:nvPr>
+        </p:nvSpPr>
+        <p:spPr/>
+        <p:txBody>
+          <a:bodyPr/>
+          <a:lstStyle/>
+          <a:p>
+            <a:pPr algn="ctr"/>
+            <a:r>
+              <a:rPr lang="en-US" dirty="0"/>
+              <a:t>Block withholding attack</a:t>
+            </a:r>
+          </a:p>
+        </p:txBody>
+      </p:sp>
+      <p:sp>
+        <p:nvSpPr>
+          <p:cNvPr id="4" name="מלבן 3">
+            <a:extLst>
+              <a:ext uri="{FF2B5EF4-FFF2-40B4-BE49-F238E27FC236}">
+                <a16:creationId xmlns:a16="http://schemas.microsoft.com/office/drawing/2014/main" id="{19F39D0C-FB22-4511-9F7D-9CED33805996}"/>
+              </a:ext>
+            </a:extLst>
+          </p:cNvPr>
+          <p:cNvSpPr/>
+          <p:nvPr/>
+        </p:nvSpPr>
+        <p:spPr>
+          <a:xfrm>
+            <a:off x="1633329" y="1726043"/>
+            <a:ext cx="2080592" cy="752631"/>
+          </a:xfrm>
+          <a:prstGeom prst="rect">
+            <a:avLst/>
+          </a:prstGeom>
+          <a:solidFill>
+            <a:schemeClr val="bg1"/>
+          </a:solidFill>
+          <a:ln>
+            <a:solidFill>
+              <a:schemeClr val="tx1"/>
+            </a:solidFill>
+          </a:ln>
+        </p:spPr>
+        <p:style>
+          <a:lnRef idx="2">
+            <a:schemeClr val="accent1">
+              <a:shade val="50000"/>
+            </a:schemeClr>
+          </a:lnRef>
+          <a:fillRef idx="1">
+            <a:schemeClr val="accent1"/>
+          </a:fillRef>
+          <a:effectRef idx="0">
+            <a:schemeClr val="accent1"/>
+          </a:effectRef>
+          <a:fontRef idx="minor">
+            <a:schemeClr val="lt1"/>
+          </a:fontRef>
+        </p:style>
+        <p:txBody>
+          <a:bodyPr rtlCol="0" anchor="ctr"/>
+          <a:lstStyle/>
+          <a:p>
+            <a:pPr algn="ctr"/>
+            <a:r>
+              <a:rPr lang="en-US" dirty="0">
+                <a:solidFill>
+                  <a:schemeClr val="tx1"/>
+                </a:solidFill>
+              </a:rPr>
+              <a:t>miners</a:t>
+            </a:r>
+          </a:p>
+        </p:txBody>
+      </p:sp>
+      <p:sp>
+        <p:nvSpPr>
+          <p:cNvPr id="5" name="צורה חופשית: צורה 4">
+            <a:extLst>
+              <a:ext uri="{FF2B5EF4-FFF2-40B4-BE49-F238E27FC236}">
+                <a16:creationId xmlns:a16="http://schemas.microsoft.com/office/drawing/2014/main" id="{64D228B4-3808-4A10-AA33-1858D1B36786}"/>
+              </a:ext>
+            </a:extLst>
+          </p:cNvPr>
+          <p:cNvSpPr/>
+          <p:nvPr/>
+        </p:nvSpPr>
+        <p:spPr>
+          <a:xfrm>
+            <a:off x="3061252" y="4755641"/>
+            <a:ext cx="6228522" cy="1737234"/>
+          </a:xfrm>
+          <a:custGeom>
+            <a:avLst/>
+            <a:gdLst>
+              <a:gd name="connsiteX0" fmla="*/ 1563757 w 6228522"/>
+              <a:gd name="connsiteY0" fmla="*/ 1669774 h 1737234"/>
+              <a:gd name="connsiteX1" fmla="*/ 1033670 w 6228522"/>
+              <a:gd name="connsiteY1" fmla="*/ 1643270 h 1737234"/>
+              <a:gd name="connsiteX2" fmla="*/ 940905 w 6228522"/>
+              <a:gd name="connsiteY2" fmla="*/ 1616766 h 1737234"/>
+              <a:gd name="connsiteX3" fmla="*/ 848139 w 6228522"/>
+              <a:gd name="connsiteY3" fmla="*/ 1603513 h 1737234"/>
+              <a:gd name="connsiteX4" fmla="*/ 755374 w 6228522"/>
+              <a:gd name="connsiteY4" fmla="*/ 1577009 h 1737234"/>
+              <a:gd name="connsiteX5" fmla="*/ 569844 w 6228522"/>
+              <a:gd name="connsiteY5" fmla="*/ 1550505 h 1737234"/>
+              <a:gd name="connsiteX6" fmla="*/ 477078 w 6228522"/>
+              <a:gd name="connsiteY6" fmla="*/ 1524000 h 1737234"/>
+              <a:gd name="connsiteX7" fmla="*/ 410818 w 6228522"/>
+              <a:gd name="connsiteY7" fmla="*/ 1510748 h 1737234"/>
+              <a:gd name="connsiteX8" fmla="*/ 265044 w 6228522"/>
+              <a:gd name="connsiteY8" fmla="*/ 1457739 h 1737234"/>
+              <a:gd name="connsiteX9" fmla="*/ 212035 w 6228522"/>
+              <a:gd name="connsiteY9" fmla="*/ 1444487 h 1737234"/>
+              <a:gd name="connsiteX10" fmla="*/ 119270 w 6228522"/>
+              <a:gd name="connsiteY10" fmla="*/ 1378226 h 1737234"/>
+              <a:gd name="connsiteX11" fmla="*/ 53009 w 6228522"/>
+              <a:gd name="connsiteY11" fmla="*/ 1311966 h 1737234"/>
+              <a:gd name="connsiteX12" fmla="*/ 26505 w 6228522"/>
+              <a:gd name="connsiteY12" fmla="*/ 1285461 h 1737234"/>
+              <a:gd name="connsiteX13" fmla="*/ 0 w 6228522"/>
+              <a:gd name="connsiteY13" fmla="*/ 1166192 h 1737234"/>
+              <a:gd name="connsiteX14" fmla="*/ 13252 w 6228522"/>
+              <a:gd name="connsiteY14" fmla="*/ 861392 h 1737234"/>
+              <a:gd name="connsiteX15" fmla="*/ 39757 w 6228522"/>
+              <a:gd name="connsiteY15" fmla="*/ 808383 h 1737234"/>
+              <a:gd name="connsiteX16" fmla="*/ 185531 w 6228522"/>
+              <a:gd name="connsiteY16" fmla="*/ 702366 h 1737234"/>
+              <a:gd name="connsiteX17" fmla="*/ 291548 w 6228522"/>
+              <a:gd name="connsiteY17" fmla="*/ 662609 h 1737234"/>
+              <a:gd name="connsiteX18" fmla="*/ 371061 w 6228522"/>
+              <a:gd name="connsiteY18" fmla="*/ 649357 h 1737234"/>
+              <a:gd name="connsiteX19" fmla="*/ 437322 w 6228522"/>
+              <a:gd name="connsiteY19" fmla="*/ 662609 h 1737234"/>
+              <a:gd name="connsiteX20" fmla="*/ 702365 w 6228522"/>
+              <a:gd name="connsiteY20" fmla="*/ 609600 h 1737234"/>
+              <a:gd name="connsiteX21" fmla="*/ 728870 w 6228522"/>
+              <a:gd name="connsiteY21" fmla="*/ 583096 h 1737234"/>
+              <a:gd name="connsiteX22" fmla="*/ 795131 w 6228522"/>
+              <a:gd name="connsiteY22" fmla="*/ 543339 h 1737234"/>
+              <a:gd name="connsiteX23" fmla="*/ 834887 w 6228522"/>
+              <a:gd name="connsiteY23" fmla="*/ 490331 h 1737234"/>
+              <a:gd name="connsiteX24" fmla="*/ 927652 w 6228522"/>
+              <a:gd name="connsiteY24" fmla="*/ 424070 h 1737234"/>
+              <a:gd name="connsiteX25" fmla="*/ 993913 w 6228522"/>
+              <a:gd name="connsiteY25" fmla="*/ 357809 h 1737234"/>
+              <a:gd name="connsiteX26" fmla="*/ 1060174 w 6228522"/>
+              <a:gd name="connsiteY26" fmla="*/ 304800 h 1737234"/>
+              <a:gd name="connsiteX27" fmla="*/ 1139687 w 6228522"/>
+              <a:gd name="connsiteY27" fmla="*/ 278296 h 1737234"/>
+              <a:gd name="connsiteX28" fmla="*/ 1192696 w 6228522"/>
+              <a:gd name="connsiteY28" fmla="*/ 251792 h 1737234"/>
+              <a:gd name="connsiteX29" fmla="*/ 1325218 w 6228522"/>
+              <a:gd name="connsiteY29" fmla="*/ 212035 h 1737234"/>
+              <a:gd name="connsiteX30" fmla="*/ 1404731 w 6228522"/>
+              <a:gd name="connsiteY30" fmla="*/ 198783 h 1737234"/>
+              <a:gd name="connsiteX31" fmla="*/ 1470991 w 6228522"/>
+              <a:gd name="connsiteY31" fmla="*/ 185531 h 1737234"/>
+              <a:gd name="connsiteX32" fmla="*/ 1722783 w 6228522"/>
+              <a:gd name="connsiteY32" fmla="*/ 172279 h 1737234"/>
+              <a:gd name="connsiteX33" fmla="*/ 2001078 w 6228522"/>
+              <a:gd name="connsiteY33" fmla="*/ 185531 h 1737234"/>
+              <a:gd name="connsiteX34" fmla="*/ 2040835 w 6228522"/>
+              <a:gd name="connsiteY34" fmla="*/ 212035 h 1737234"/>
+              <a:gd name="connsiteX35" fmla="*/ 2054087 w 6228522"/>
+              <a:gd name="connsiteY35" fmla="*/ 251792 h 1737234"/>
+              <a:gd name="connsiteX36" fmla="*/ 2173357 w 6228522"/>
+              <a:gd name="connsiteY36" fmla="*/ 318053 h 1737234"/>
+              <a:gd name="connsiteX37" fmla="*/ 2809461 w 6228522"/>
+              <a:gd name="connsiteY37" fmla="*/ 265044 h 1737234"/>
+              <a:gd name="connsiteX38" fmla="*/ 3127513 w 6228522"/>
+              <a:gd name="connsiteY38" fmla="*/ 159026 h 1737234"/>
+              <a:gd name="connsiteX39" fmla="*/ 3193774 w 6228522"/>
+              <a:gd name="connsiteY39" fmla="*/ 132522 h 1737234"/>
+              <a:gd name="connsiteX40" fmla="*/ 3273287 w 6228522"/>
+              <a:gd name="connsiteY40" fmla="*/ 92766 h 1737234"/>
+              <a:gd name="connsiteX41" fmla="*/ 3405809 w 6228522"/>
+              <a:gd name="connsiteY41" fmla="*/ 53009 h 1737234"/>
+              <a:gd name="connsiteX42" fmla="*/ 3458818 w 6228522"/>
+              <a:gd name="connsiteY42" fmla="*/ 26505 h 1737234"/>
+              <a:gd name="connsiteX43" fmla="*/ 3644348 w 6228522"/>
+              <a:gd name="connsiteY43" fmla="*/ 13253 h 1737234"/>
+              <a:gd name="connsiteX44" fmla="*/ 3763618 w 6228522"/>
+              <a:gd name="connsiteY44" fmla="*/ 0 h 1737234"/>
+              <a:gd name="connsiteX45" fmla="*/ 4479235 w 6228522"/>
+              <a:gd name="connsiteY45" fmla="*/ 13253 h 1737234"/>
+              <a:gd name="connsiteX46" fmla="*/ 4518991 w 6228522"/>
+              <a:gd name="connsiteY46" fmla="*/ 53009 h 1737234"/>
+              <a:gd name="connsiteX47" fmla="*/ 4558748 w 6228522"/>
+              <a:gd name="connsiteY47" fmla="*/ 66261 h 1737234"/>
+              <a:gd name="connsiteX48" fmla="*/ 4651513 w 6228522"/>
+              <a:gd name="connsiteY48" fmla="*/ 119270 h 1737234"/>
+              <a:gd name="connsiteX49" fmla="*/ 4664765 w 6228522"/>
+              <a:gd name="connsiteY49" fmla="*/ 172279 h 1737234"/>
+              <a:gd name="connsiteX50" fmla="*/ 4704522 w 6228522"/>
+              <a:gd name="connsiteY50" fmla="*/ 198783 h 1737234"/>
+              <a:gd name="connsiteX51" fmla="*/ 5473148 w 6228522"/>
+              <a:gd name="connsiteY51" fmla="*/ 238539 h 1737234"/>
+              <a:gd name="connsiteX52" fmla="*/ 5499652 w 6228522"/>
+              <a:gd name="connsiteY52" fmla="*/ 265044 h 1737234"/>
+              <a:gd name="connsiteX53" fmla="*/ 5512905 w 6228522"/>
+              <a:gd name="connsiteY53" fmla="*/ 304800 h 1737234"/>
+              <a:gd name="connsiteX54" fmla="*/ 5539409 w 6228522"/>
+              <a:gd name="connsiteY54" fmla="*/ 357809 h 1737234"/>
+              <a:gd name="connsiteX55" fmla="*/ 5565913 w 6228522"/>
+              <a:gd name="connsiteY55" fmla="*/ 530087 h 1737234"/>
+              <a:gd name="connsiteX56" fmla="*/ 5711687 w 6228522"/>
+              <a:gd name="connsiteY56" fmla="*/ 622853 h 1737234"/>
+              <a:gd name="connsiteX57" fmla="*/ 5923722 w 6228522"/>
+              <a:gd name="connsiteY57" fmla="*/ 662609 h 1737234"/>
+              <a:gd name="connsiteX58" fmla="*/ 6069496 w 6228522"/>
+              <a:gd name="connsiteY58" fmla="*/ 689113 h 1737234"/>
+              <a:gd name="connsiteX59" fmla="*/ 6135757 w 6228522"/>
+              <a:gd name="connsiteY59" fmla="*/ 715618 h 1737234"/>
+              <a:gd name="connsiteX60" fmla="*/ 6202018 w 6228522"/>
+              <a:gd name="connsiteY60" fmla="*/ 728870 h 1737234"/>
+              <a:gd name="connsiteX61" fmla="*/ 6228522 w 6228522"/>
+              <a:gd name="connsiteY61" fmla="*/ 768626 h 1737234"/>
+              <a:gd name="connsiteX62" fmla="*/ 6215270 w 6228522"/>
+              <a:gd name="connsiteY62" fmla="*/ 861392 h 1737234"/>
+              <a:gd name="connsiteX63" fmla="*/ 6122505 w 6228522"/>
+              <a:gd name="connsiteY63" fmla="*/ 954157 h 1737234"/>
+              <a:gd name="connsiteX64" fmla="*/ 6029739 w 6228522"/>
+              <a:gd name="connsiteY64" fmla="*/ 1060174 h 1737234"/>
+              <a:gd name="connsiteX65" fmla="*/ 5950226 w 6228522"/>
+              <a:gd name="connsiteY65" fmla="*/ 1113183 h 1737234"/>
+              <a:gd name="connsiteX66" fmla="*/ 5897218 w 6228522"/>
+              <a:gd name="connsiteY66" fmla="*/ 1152939 h 1737234"/>
+              <a:gd name="connsiteX67" fmla="*/ 5910470 w 6228522"/>
+              <a:gd name="connsiteY67" fmla="*/ 1272209 h 1737234"/>
+              <a:gd name="connsiteX68" fmla="*/ 5950226 w 6228522"/>
+              <a:gd name="connsiteY68" fmla="*/ 1285461 h 1737234"/>
+              <a:gd name="connsiteX69" fmla="*/ 6029739 w 6228522"/>
+              <a:gd name="connsiteY69" fmla="*/ 1378226 h 1737234"/>
+              <a:gd name="connsiteX70" fmla="*/ 6016487 w 6228522"/>
+              <a:gd name="connsiteY70" fmla="*/ 1431235 h 1737234"/>
+              <a:gd name="connsiteX71" fmla="*/ 5936974 w 6228522"/>
+              <a:gd name="connsiteY71" fmla="*/ 1457739 h 1737234"/>
+              <a:gd name="connsiteX72" fmla="*/ 5830957 w 6228522"/>
+              <a:gd name="connsiteY72" fmla="*/ 1497496 h 1737234"/>
+              <a:gd name="connsiteX73" fmla="*/ 5738191 w 6228522"/>
+              <a:gd name="connsiteY73" fmla="*/ 1537253 h 1737234"/>
+              <a:gd name="connsiteX74" fmla="*/ 5632174 w 6228522"/>
+              <a:gd name="connsiteY74" fmla="*/ 1563757 h 1737234"/>
+              <a:gd name="connsiteX75" fmla="*/ 5552661 w 6228522"/>
+              <a:gd name="connsiteY75" fmla="*/ 1590261 h 1737234"/>
+              <a:gd name="connsiteX76" fmla="*/ 5446644 w 6228522"/>
+              <a:gd name="connsiteY76" fmla="*/ 1616766 h 1737234"/>
+              <a:gd name="connsiteX77" fmla="*/ 4041913 w 6228522"/>
+              <a:gd name="connsiteY77" fmla="*/ 1630018 h 1737234"/>
+              <a:gd name="connsiteX78" fmla="*/ 3988905 w 6228522"/>
+              <a:gd name="connsiteY78" fmla="*/ 1643270 h 1737234"/>
+              <a:gd name="connsiteX79" fmla="*/ 2862470 w 6228522"/>
+              <a:gd name="connsiteY79" fmla="*/ 1656522 h 1737234"/>
+              <a:gd name="connsiteX80" fmla="*/ 2796209 w 6228522"/>
+              <a:gd name="connsiteY80" fmla="*/ 1669774 h 1737234"/>
+              <a:gd name="connsiteX81" fmla="*/ 1616765 w 6228522"/>
+              <a:gd name="connsiteY81" fmla="*/ 1683026 h 1737234"/>
+              <a:gd name="connsiteX82" fmla="*/ 1524000 w 6228522"/>
+              <a:gd name="connsiteY82" fmla="*/ 1696279 h 1737234"/>
+              <a:gd name="connsiteX83" fmla="*/ 1417983 w 6228522"/>
+              <a:gd name="connsiteY83" fmla="*/ 1709531 h 1737234"/>
+              <a:gd name="connsiteX84" fmla="*/ 1245705 w 6228522"/>
+              <a:gd name="connsiteY84" fmla="*/ 1736035 h 1737234"/>
+            </a:gdLst>
+            <a:ahLst/>
+            <a:cxnLst>
+              <a:cxn ang="0">
+                <a:pos x="connsiteX0" y="connsiteY0"/>
+              </a:cxn>
+              <a:cxn ang="0">
+                <a:pos x="connsiteX1" y="connsiteY1"/>
+              </a:cxn>
+              <a:cxn ang="0">
+                <a:pos x="connsiteX2" y="connsiteY2"/>
+              </a:cxn>
+              <a:cxn ang="0">
+                <a:pos x="connsiteX3" y="connsiteY3"/>
+              </a:cxn>
+              <a:cxn ang="0">
+                <a:pos x="connsiteX4" y="connsiteY4"/>
+              </a:cxn>
+              <a:cxn ang="0">
+                <a:pos x="connsiteX5" y="connsiteY5"/>
+              </a:cxn>
+              <a:cxn ang="0">
+                <a:pos x="connsiteX6" y="connsiteY6"/>
+              </a:cxn>
+              <a:cxn ang="0">
+                <a:pos x="connsiteX7" y="connsiteY7"/>
+              </a:cxn>
+              <a:cxn ang="0">
+                <a:pos x="connsiteX8" y="connsiteY8"/>
+              </a:cxn>
+              <a:cxn ang="0">
+                <a:pos x="connsiteX9" y="connsiteY9"/>
+              </a:cxn>
+              <a:cxn ang="0">
+                <a:pos x="connsiteX10" y="connsiteY10"/>
+              </a:cxn>
+              <a:cxn ang="0">
+                <a:pos x="connsiteX11" y="connsiteY11"/>
+              </a:cxn>
+              <a:cxn ang="0">
+                <a:pos x="connsiteX12" y="connsiteY12"/>
+              </a:cxn>
+              <a:cxn ang="0">
+                <a:pos x="connsiteX13" y="connsiteY13"/>
+              </a:cxn>
+              <a:cxn ang="0">
+                <a:pos x="connsiteX14" y="connsiteY14"/>
+              </a:cxn>
+              <a:cxn ang="0">
+                <a:pos x="connsiteX15" y="connsiteY15"/>
+              </a:cxn>
+              <a:cxn ang="0">
+                <a:pos x="connsiteX16" y="connsiteY16"/>
+              </a:cxn>
+              <a:cxn ang="0">
+                <a:pos x="connsiteX17" y="connsiteY17"/>
+              </a:cxn>
+              <a:cxn ang="0">
+                <a:pos x="connsiteX18" y="connsiteY18"/>
+              </a:cxn>
+              <a:cxn ang="0">
+                <a:pos x="connsiteX19" y="connsiteY19"/>
+              </a:cxn>
+              <a:cxn ang="0">
+                <a:pos x="connsiteX20" y="connsiteY20"/>
+              </a:cxn>
+              <a:cxn ang="0">
+                <a:pos x="connsiteX21" y="connsiteY21"/>
+              </a:cxn>
+              <a:cxn ang="0">
+                <a:pos x="connsiteX22" y="connsiteY22"/>
+              </a:cxn>
+              <a:cxn ang="0">
+                <a:pos x="connsiteX23" y="connsiteY23"/>
+              </a:cxn>
+              <a:cxn ang="0">
+                <a:pos x="connsiteX24" y="connsiteY24"/>
+              </a:cxn>
+              <a:cxn ang="0">
+                <a:pos x="connsiteX25" y="connsiteY25"/>
+              </a:cxn>
+              <a:cxn ang="0">
+                <a:pos x="connsiteX26" y="connsiteY26"/>
+              </a:cxn>
+              <a:cxn ang="0">
+                <a:pos x="connsiteX27" y="connsiteY27"/>
+              </a:cxn>
+              <a:cxn ang="0">
+                <a:pos x="connsiteX28" y="connsiteY28"/>
+              </a:cxn>
+              <a:cxn ang="0">
+                <a:pos x="connsiteX29" y="connsiteY29"/>
+              </a:cxn>
+              <a:cxn ang="0">
+                <a:pos x="connsiteX30" y="connsiteY30"/>
+              </a:cxn>
+              <a:cxn ang="0">
+                <a:pos x="connsiteX31" y="connsiteY31"/>
+              </a:cxn>
+              <a:cxn ang="0">
+                <a:pos x="connsiteX32" y="connsiteY32"/>
+              </a:cxn>
+              <a:cxn ang="0">
+                <a:pos x="connsiteX33" y="connsiteY33"/>
+              </a:cxn>
+              <a:cxn ang="0">
+                <a:pos x="connsiteX34" y="connsiteY34"/>
+              </a:cxn>
+              <a:cxn ang="0">
+                <a:pos x="connsiteX35" y="connsiteY35"/>
+              </a:cxn>
+              <a:cxn ang="0">
+                <a:pos x="connsiteX36" y="connsiteY36"/>
+              </a:cxn>
+              <a:cxn ang="0">
+                <a:pos x="connsiteX37" y="connsiteY37"/>
+              </a:cxn>
+              <a:cxn ang="0">
+                <a:pos x="connsiteX38" y="connsiteY38"/>
+              </a:cxn>
+              <a:cxn ang="0">
+                <a:pos x="connsiteX39" y="connsiteY39"/>
+              </a:cxn>
+              <a:cxn ang="0">
+                <a:pos x="connsiteX40" y="connsiteY40"/>
+              </a:cxn>
+              <a:cxn ang="0">
+                <a:pos x="connsiteX41" y="connsiteY41"/>
+              </a:cxn>
+              <a:cxn ang="0">
+                <a:pos x="connsiteX42" y="connsiteY42"/>
+              </a:cxn>
+              <a:cxn ang="0">
+                <a:pos x="connsiteX43" y="connsiteY43"/>
+              </a:cxn>
+              <a:cxn ang="0">
+                <a:pos x="connsiteX44" y="connsiteY44"/>
+              </a:cxn>
+              <a:cxn ang="0">
+                <a:pos x="connsiteX45" y="connsiteY45"/>
+              </a:cxn>
+              <a:cxn ang="0">
+                <a:pos x="connsiteX46" y="connsiteY46"/>
+              </a:cxn>
+              <a:cxn ang="0">
+                <a:pos x="connsiteX47" y="connsiteY47"/>
+              </a:cxn>
+              <a:cxn ang="0">
+                <a:pos x="connsiteX48" y="connsiteY48"/>
+              </a:cxn>
+              <a:cxn ang="0">
+                <a:pos x="connsiteX49" y="connsiteY49"/>
+              </a:cxn>
+              <a:cxn ang="0">
+                <a:pos x="connsiteX50" y="connsiteY50"/>
+              </a:cxn>
+              <a:cxn ang="0">
+                <a:pos x="connsiteX51" y="connsiteY51"/>
+              </a:cxn>
+              <a:cxn ang="0">
+                <a:pos x="connsiteX52" y="connsiteY52"/>
+              </a:cxn>
+              <a:cxn ang="0">
+                <a:pos x="connsiteX53" y="connsiteY53"/>
+              </a:cxn>
+              <a:cxn ang="0">
+                <a:pos x="connsiteX54" y="connsiteY54"/>
+              </a:cxn>
+              <a:cxn ang="0">
+                <a:pos x="connsiteX55" y="connsiteY55"/>
+              </a:cxn>
+              <a:cxn ang="0">
+                <a:pos x="connsiteX56" y="connsiteY56"/>
+              </a:cxn>
+              <a:cxn ang="0">
+                <a:pos x="connsiteX57" y="connsiteY57"/>
+              </a:cxn>
+              <a:cxn ang="0">
+                <a:pos x="connsiteX58" y="connsiteY58"/>
+              </a:cxn>
+              <a:cxn ang="0">
+                <a:pos x="connsiteX59" y="connsiteY59"/>
+              </a:cxn>
+              <a:cxn ang="0">
+                <a:pos x="connsiteX60" y="connsiteY60"/>
+              </a:cxn>
+              <a:cxn ang="0">
+                <a:pos x="connsiteX61" y="connsiteY61"/>
+              </a:cxn>
+              <a:cxn ang="0">
+                <a:pos x="connsiteX62" y="connsiteY62"/>
+              </a:cxn>
+              <a:cxn ang="0">
+                <a:pos x="connsiteX63" y="connsiteY63"/>
+              </a:cxn>
+              <a:cxn ang="0">
+                <a:pos x="connsiteX64" y="connsiteY64"/>
+              </a:cxn>
+              <a:cxn ang="0">
+                <a:pos x="connsiteX65" y="connsiteY65"/>
+              </a:cxn>
+              <a:cxn ang="0">
+                <a:pos x="connsiteX66" y="connsiteY66"/>
+              </a:cxn>
+              <a:cxn ang="0">
+                <a:pos x="connsiteX67" y="connsiteY67"/>
+              </a:cxn>
+              <a:cxn ang="0">
+                <a:pos x="connsiteX68" y="connsiteY68"/>
+              </a:cxn>
+              <a:cxn ang="0">
+                <a:pos x="connsiteX69" y="connsiteY69"/>
+              </a:cxn>
+              <a:cxn ang="0">
+                <a:pos x="connsiteX70" y="connsiteY70"/>
+              </a:cxn>
+              <a:cxn ang="0">
+                <a:pos x="connsiteX71" y="connsiteY71"/>
+              </a:cxn>
+              <a:cxn ang="0">
+                <a:pos x="connsiteX72" y="connsiteY72"/>
+              </a:cxn>
+              <a:cxn ang="0">
+                <a:pos x="connsiteX73" y="connsiteY73"/>
+              </a:cxn>
+              <a:cxn ang="0">
+                <a:pos x="connsiteX74" y="connsiteY74"/>
+              </a:cxn>
+              <a:cxn ang="0">
+                <a:pos x="connsiteX75" y="connsiteY75"/>
+              </a:cxn>
+              <a:cxn ang="0">
+                <a:pos x="connsiteX76" y="connsiteY76"/>
+              </a:cxn>
+              <a:cxn ang="0">
+                <a:pos x="connsiteX77" y="connsiteY77"/>
+              </a:cxn>
+              <a:cxn ang="0">
+                <a:pos x="connsiteX78" y="connsiteY78"/>
+              </a:cxn>
+              <a:cxn ang="0">
+                <a:pos x="connsiteX79" y="connsiteY79"/>
+              </a:cxn>
+              <a:cxn ang="0">
+                <a:pos x="connsiteX80" y="connsiteY80"/>
+              </a:cxn>
+              <a:cxn ang="0">
+                <a:pos x="connsiteX81" y="connsiteY81"/>
+              </a:cxn>
+              <a:cxn ang="0">
+                <a:pos x="connsiteX82" y="connsiteY82"/>
+              </a:cxn>
+              <a:cxn ang="0">
+                <a:pos x="connsiteX83" y="connsiteY83"/>
+              </a:cxn>
+              <a:cxn ang="0">
+                <a:pos x="connsiteX84" y="connsiteY84"/>
+              </a:cxn>
+            </a:cxnLst>
+            <a:rect l="l" t="t" r="r" b="b"/>
+            <a:pathLst>
+              <a:path w="6228522" h="1737234">
+                <a:moveTo>
+                  <a:pt x="1563757" y="1669774"/>
+                </a:moveTo>
+                <a:cubicBezTo>
+                  <a:pt x="1525076" y="1668602"/>
+                  <a:pt x="1178744" y="1674357"/>
+                  <a:pt x="1033670" y="1643270"/>
+                </a:cubicBezTo>
+                <a:cubicBezTo>
+                  <a:pt x="1002225" y="1636532"/>
+                  <a:pt x="972350" y="1623504"/>
+                  <a:pt x="940905" y="1616766"/>
+                </a:cubicBezTo>
+                <a:cubicBezTo>
+                  <a:pt x="910362" y="1610221"/>
+                  <a:pt x="878682" y="1610058"/>
+                  <a:pt x="848139" y="1603513"/>
+                </a:cubicBezTo>
+                <a:cubicBezTo>
+                  <a:pt x="816694" y="1596775"/>
+                  <a:pt x="786965" y="1583026"/>
+                  <a:pt x="755374" y="1577009"/>
+                </a:cubicBezTo>
+                <a:cubicBezTo>
+                  <a:pt x="694006" y="1565320"/>
+                  <a:pt x="569844" y="1550505"/>
+                  <a:pt x="569844" y="1550505"/>
+                </a:cubicBezTo>
+                <a:cubicBezTo>
+                  <a:pt x="538922" y="1541670"/>
+                  <a:pt x="508277" y="1531800"/>
+                  <a:pt x="477078" y="1524000"/>
+                </a:cubicBezTo>
+                <a:cubicBezTo>
+                  <a:pt x="455226" y="1518537"/>
+                  <a:pt x="432548" y="1516674"/>
+                  <a:pt x="410818" y="1510748"/>
+                </a:cubicBezTo>
+                <a:cubicBezTo>
+                  <a:pt x="291692" y="1478259"/>
+                  <a:pt x="371758" y="1493311"/>
+                  <a:pt x="265044" y="1457739"/>
+                </a:cubicBezTo>
+                <a:cubicBezTo>
+                  <a:pt x="247765" y="1451979"/>
+                  <a:pt x="229705" y="1448904"/>
+                  <a:pt x="212035" y="1444487"/>
+                </a:cubicBezTo>
+                <a:cubicBezTo>
+                  <a:pt x="183527" y="1425482"/>
+                  <a:pt x="143935" y="1400150"/>
+                  <a:pt x="119270" y="1378226"/>
+                </a:cubicBezTo>
+                <a:cubicBezTo>
+                  <a:pt x="95924" y="1357474"/>
+                  <a:pt x="75096" y="1334053"/>
+                  <a:pt x="53009" y="1311966"/>
+                </a:cubicBezTo>
+                <a:lnTo>
+                  <a:pt x="26505" y="1285461"/>
+                </a:lnTo>
+                <a:cubicBezTo>
+                  <a:pt x="21392" y="1265012"/>
+                  <a:pt x="0" y="1183022"/>
+                  <a:pt x="0" y="1166192"/>
+                </a:cubicBezTo>
+                <a:cubicBezTo>
+                  <a:pt x="0" y="1064496"/>
+                  <a:pt x="2021" y="962466"/>
+                  <a:pt x="13252" y="861392"/>
+                </a:cubicBezTo>
+                <a:cubicBezTo>
+                  <a:pt x="15434" y="841757"/>
+                  <a:pt x="27416" y="823809"/>
+                  <a:pt x="39757" y="808383"/>
+                </a:cubicBezTo>
+                <a:cubicBezTo>
+                  <a:pt x="125215" y="701561"/>
+                  <a:pt x="91371" y="749447"/>
+                  <a:pt x="185531" y="702366"/>
+                </a:cubicBezTo>
+                <a:cubicBezTo>
+                  <a:pt x="271364" y="659449"/>
+                  <a:pt x="171010" y="684525"/>
+                  <a:pt x="291548" y="662609"/>
+                </a:cubicBezTo>
+                <a:cubicBezTo>
+                  <a:pt x="317985" y="657802"/>
+                  <a:pt x="344557" y="653774"/>
+                  <a:pt x="371061" y="649357"/>
+                </a:cubicBezTo>
+                <a:cubicBezTo>
+                  <a:pt x="393148" y="653774"/>
+                  <a:pt x="414826" y="663734"/>
+                  <a:pt x="437322" y="662609"/>
+                </a:cubicBezTo>
+                <a:cubicBezTo>
+                  <a:pt x="606744" y="654138"/>
+                  <a:pt x="592878" y="653396"/>
+                  <a:pt x="702365" y="609600"/>
+                </a:cubicBezTo>
+                <a:cubicBezTo>
+                  <a:pt x="711200" y="600765"/>
+                  <a:pt x="718703" y="590358"/>
+                  <a:pt x="728870" y="583096"/>
+                </a:cubicBezTo>
+                <a:cubicBezTo>
+                  <a:pt x="749830" y="568125"/>
+                  <a:pt x="775746" y="560301"/>
+                  <a:pt x="795131" y="543339"/>
+                </a:cubicBezTo>
+                <a:cubicBezTo>
+                  <a:pt x="811753" y="528795"/>
+                  <a:pt x="819269" y="505949"/>
+                  <a:pt x="834887" y="490331"/>
+                </a:cubicBezTo>
+                <a:cubicBezTo>
+                  <a:pt x="851326" y="473892"/>
+                  <a:pt x="905077" y="439120"/>
+                  <a:pt x="927652" y="424070"/>
+                </a:cubicBezTo>
+                <a:cubicBezTo>
+                  <a:pt x="950461" y="355647"/>
+                  <a:pt x="923732" y="404596"/>
+                  <a:pt x="993913" y="357809"/>
+                </a:cubicBezTo>
+                <a:cubicBezTo>
+                  <a:pt x="1048981" y="321097"/>
+                  <a:pt x="987968" y="336892"/>
+                  <a:pt x="1060174" y="304800"/>
+                </a:cubicBezTo>
+                <a:cubicBezTo>
+                  <a:pt x="1085704" y="293453"/>
+                  <a:pt x="1113747" y="288672"/>
+                  <a:pt x="1139687" y="278296"/>
+                </a:cubicBezTo>
+                <a:cubicBezTo>
+                  <a:pt x="1158029" y="270959"/>
+                  <a:pt x="1175026" y="260627"/>
+                  <a:pt x="1192696" y="251792"/>
+                </a:cubicBezTo>
+                <a:cubicBezTo>
+                  <a:pt x="1245248" y="199238"/>
+                  <a:pt x="1204335" y="229304"/>
+                  <a:pt x="1325218" y="212035"/>
+                </a:cubicBezTo>
+                <a:cubicBezTo>
+                  <a:pt x="1351818" y="208235"/>
+                  <a:pt x="1378294" y="203590"/>
+                  <a:pt x="1404731" y="198783"/>
+                </a:cubicBezTo>
+                <a:cubicBezTo>
+                  <a:pt x="1426892" y="194754"/>
+                  <a:pt x="1448545" y="187401"/>
+                  <a:pt x="1470991" y="185531"/>
+                </a:cubicBezTo>
+                <a:cubicBezTo>
+                  <a:pt x="1554748" y="178551"/>
+                  <a:pt x="1638852" y="176696"/>
+                  <a:pt x="1722783" y="172279"/>
+                </a:cubicBezTo>
+                <a:cubicBezTo>
+                  <a:pt x="1838419" y="143368"/>
+                  <a:pt x="1802239" y="145763"/>
+                  <a:pt x="2001078" y="185531"/>
+                </a:cubicBezTo>
+                <a:cubicBezTo>
+                  <a:pt x="2016696" y="188655"/>
+                  <a:pt x="2027583" y="203200"/>
+                  <a:pt x="2040835" y="212035"/>
+                </a:cubicBezTo>
+                <a:cubicBezTo>
+                  <a:pt x="2045252" y="225287"/>
+                  <a:pt x="2044209" y="241914"/>
+                  <a:pt x="2054087" y="251792"/>
+                </a:cubicBezTo>
+                <a:cubicBezTo>
+                  <a:pt x="2099653" y="297358"/>
+                  <a:pt x="2123365" y="301388"/>
+                  <a:pt x="2173357" y="318053"/>
+                </a:cubicBezTo>
+                <a:cubicBezTo>
+                  <a:pt x="2576511" y="296834"/>
+                  <a:pt x="2551081" y="322462"/>
+                  <a:pt x="2809461" y="265044"/>
+                </a:cubicBezTo>
+                <a:cubicBezTo>
+                  <a:pt x="2952880" y="233173"/>
+                  <a:pt x="2955616" y="224510"/>
+                  <a:pt x="3127513" y="159026"/>
+                </a:cubicBezTo>
+                <a:cubicBezTo>
+                  <a:pt x="3149743" y="150557"/>
+                  <a:pt x="3172497" y="143160"/>
+                  <a:pt x="3193774" y="132522"/>
+                </a:cubicBezTo>
+                <a:cubicBezTo>
+                  <a:pt x="3220278" y="119270"/>
+                  <a:pt x="3245934" y="104163"/>
+                  <a:pt x="3273287" y="92766"/>
+                </a:cubicBezTo>
+                <a:cubicBezTo>
+                  <a:pt x="3545133" y="-20504"/>
+                  <a:pt x="3211574" y="125846"/>
+                  <a:pt x="3405809" y="53009"/>
+                </a:cubicBezTo>
+                <a:cubicBezTo>
+                  <a:pt x="3424306" y="46073"/>
+                  <a:pt x="3439332" y="29753"/>
+                  <a:pt x="3458818" y="26505"/>
+                </a:cubicBezTo>
+                <a:cubicBezTo>
+                  <a:pt x="3519975" y="16312"/>
+                  <a:pt x="3582580" y="18624"/>
+                  <a:pt x="3644348" y="13253"/>
+                </a:cubicBezTo>
+                <a:cubicBezTo>
+                  <a:pt x="3684199" y="9788"/>
+                  <a:pt x="3723861" y="4418"/>
+                  <a:pt x="3763618" y="0"/>
+                </a:cubicBezTo>
+                <a:cubicBezTo>
+                  <a:pt x="4002157" y="4418"/>
+                  <a:pt x="4241240" y="-3448"/>
+                  <a:pt x="4479235" y="13253"/>
+                </a:cubicBezTo>
+                <a:cubicBezTo>
+                  <a:pt x="4497930" y="14565"/>
+                  <a:pt x="4503397" y="42613"/>
+                  <a:pt x="4518991" y="53009"/>
+                </a:cubicBezTo>
+                <a:cubicBezTo>
+                  <a:pt x="4530614" y="60758"/>
+                  <a:pt x="4545908" y="60758"/>
+                  <a:pt x="4558748" y="66261"/>
+                </a:cubicBezTo>
+                <a:cubicBezTo>
+                  <a:pt x="4605824" y="86436"/>
+                  <a:pt x="4611588" y="92653"/>
+                  <a:pt x="4651513" y="119270"/>
+                </a:cubicBezTo>
+                <a:cubicBezTo>
+                  <a:pt x="4655930" y="136940"/>
+                  <a:pt x="4654662" y="157125"/>
+                  <a:pt x="4664765" y="172279"/>
+                </a:cubicBezTo>
+                <a:cubicBezTo>
+                  <a:pt x="4673600" y="185531"/>
+                  <a:pt x="4688648" y="197482"/>
+                  <a:pt x="4704522" y="198783"/>
+                </a:cubicBezTo>
+                <a:cubicBezTo>
+                  <a:pt x="4960216" y="219741"/>
+                  <a:pt x="5216939" y="225287"/>
+                  <a:pt x="5473148" y="238539"/>
+                </a:cubicBezTo>
+                <a:cubicBezTo>
+                  <a:pt x="5481983" y="247374"/>
+                  <a:pt x="5493224" y="254330"/>
+                  <a:pt x="5499652" y="265044"/>
+                </a:cubicBezTo>
+                <a:cubicBezTo>
+                  <a:pt x="5506839" y="277022"/>
+                  <a:pt x="5507402" y="291961"/>
+                  <a:pt x="5512905" y="304800"/>
+                </a:cubicBezTo>
+                <a:cubicBezTo>
+                  <a:pt x="5520687" y="322958"/>
+                  <a:pt x="5530574" y="340139"/>
+                  <a:pt x="5539409" y="357809"/>
+                </a:cubicBezTo>
+                <a:cubicBezTo>
+                  <a:pt x="5548244" y="415235"/>
+                  <a:pt x="5534248" y="481372"/>
+                  <a:pt x="5565913" y="530087"/>
+                </a:cubicBezTo>
+                <a:cubicBezTo>
+                  <a:pt x="5597302" y="578378"/>
+                  <a:pt x="5655078" y="612239"/>
+                  <a:pt x="5711687" y="622853"/>
+                </a:cubicBezTo>
+                <a:lnTo>
+                  <a:pt x="5923722" y="662609"/>
+                </a:lnTo>
+                <a:cubicBezTo>
+                  <a:pt x="6110229" y="696519"/>
+                  <a:pt x="5905821" y="656379"/>
+                  <a:pt x="6069496" y="689113"/>
+                </a:cubicBezTo>
+                <a:cubicBezTo>
+                  <a:pt x="6091583" y="697948"/>
+                  <a:pt x="6112972" y="708782"/>
+                  <a:pt x="6135757" y="715618"/>
+                </a:cubicBezTo>
+                <a:cubicBezTo>
+                  <a:pt x="6157331" y="722090"/>
+                  <a:pt x="6182461" y="717695"/>
+                  <a:pt x="6202018" y="728870"/>
+                </a:cubicBezTo>
+                <a:cubicBezTo>
+                  <a:pt x="6215846" y="736772"/>
+                  <a:pt x="6219687" y="755374"/>
+                  <a:pt x="6228522" y="768626"/>
+                </a:cubicBezTo>
+                <a:cubicBezTo>
+                  <a:pt x="6224105" y="799548"/>
+                  <a:pt x="6230767" y="834272"/>
+                  <a:pt x="6215270" y="861392"/>
+                </a:cubicBezTo>
+                <a:cubicBezTo>
+                  <a:pt x="6193574" y="899360"/>
+                  <a:pt x="6148743" y="919173"/>
+                  <a:pt x="6122505" y="954157"/>
+                </a:cubicBezTo>
+                <a:cubicBezTo>
+                  <a:pt x="6090501" y="996829"/>
+                  <a:pt x="6072633" y="1025859"/>
+                  <a:pt x="6029739" y="1060174"/>
+                </a:cubicBezTo>
+                <a:cubicBezTo>
+                  <a:pt x="6004865" y="1080073"/>
+                  <a:pt x="5975709" y="1094070"/>
+                  <a:pt x="5950226" y="1113183"/>
+                </a:cubicBezTo>
+                <a:lnTo>
+                  <a:pt x="5897218" y="1152939"/>
+                </a:lnTo>
+                <a:cubicBezTo>
+                  <a:pt x="5901635" y="1192696"/>
+                  <a:pt x="5895614" y="1235069"/>
+                  <a:pt x="5910470" y="1272209"/>
+                </a:cubicBezTo>
+                <a:cubicBezTo>
+                  <a:pt x="5915658" y="1285179"/>
+                  <a:pt x="5938859" y="1277342"/>
+                  <a:pt x="5950226" y="1285461"/>
+                </a:cubicBezTo>
+                <a:cubicBezTo>
+                  <a:pt x="5991126" y="1314675"/>
+                  <a:pt x="6004270" y="1340022"/>
+                  <a:pt x="6029739" y="1378226"/>
+                </a:cubicBezTo>
+                <a:cubicBezTo>
+                  <a:pt x="6025322" y="1395896"/>
+                  <a:pt x="6030316" y="1419382"/>
+                  <a:pt x="6016487" y="1431235"/>
+                </a:cubicBezTo>
+                <a:cubicBezTo>
+                  <a:pt x="5995275" y="1449417"/>
+                  <a:pt x="5961962" y="1445245"/>
+                  <a:pt x="5936974" y="1457739"/>
+                </a:cubicBezTo>
+                <a:cubicBezTo>
+                  <a:pt x="5867675" y="1492389"/>
+                  <a:pt x="5903131" y="1479453"/>
+                  <a:pt x="5830957" y="1497496"/>
+                </a:cubicBezTo>
+                <a:cubicBezTo>
+                  <a:pt x="5786783" y="1541668"/>
+                  <a:pt x="5819843" y="1518410"/>
+                  <a:pt x="5738191" y="1537253"/>
+                </a:cubicBezTo>
+                <a:cubicBezTo>
+                  <a:pt x="5702697" y="1545444"/>
+                  <a:pt x="5667513" y="1554922"/>
+                  <a:pt x="5632174" y="1563757"/>
+                </a:cubicBezTo>
+                <a:cubicBezTo>
+                  <a:pt x="5605070" y="1570533"/>
+                  <a:pt x="5579765" y="1583485"/>
+                  <a:pt x="5552661" y="1590261"/>
+                </a:cubicBezTo>
+                <a:cubicBezTo>
+                  <a:pt x="5517322" y="1599096"/>
+                  <a:pt x="5483069" y="1616422"/>
+                  <a:pt x="5446644" y="1616766"/>
+                </a:cubicBezTo>
+                <a:lnTo>
+                  <a:pt x="4041913" y="1630018"/>
+                </a:lnTo>
+                <a:cubicBezTo>
+                  <a:pt x="4024244" y="1634435"/>
+                  <a:pt x="4007114" y="1642861"/>
+                  <a:pt x="3988905" y="1643270"/>
+                </a:cubicBezTo>
+                <a:cubicBezTo>
+                  <a:pt x="3613495" y="1651706"/>
+                  <a:pt x="3237882" y="1648180"/>
+                  <a:pt x="2862470" y="1656522"/>
+                </a:cubicBezTo>
+                <a:cubicBezTo>
+                  <a:pt x="2839951" y="1657022"/>
+                  <a:pt x="2818728" y="1669295"/>
+                  <a:pt x="2796209" y="1669774"/>
+                </a:cubicBezTo>
+                <a:cubicBezTo>
+                  <a:pt x="2403125" y="1678137"/>
+                  <a:pt x="2009913" y="1678609"/>
+                  <a:pt x="1616765" y="1683026"/>
+                </a:cubicBezTo>
+                <a:lnTo>
+                  <a:pt x="1524000" y="1696279"/>
+                </a:lnTo>
+                <a:cubicBezTo>
+                  <a:pt x="1488698" y="1700986"/>
+                  <a:pt x="1452806" y="1702069"/>
+                  <a:pt x="1417983" y="1709531"/>
+                </a:cubicBezTo>
+                <a:cubicBezTo>
+                  <a:pt x="1248664" y="1745813"/>
+                  <a:pt x="1433337" y="1736035"/>
+                  <a:pt x="1245705" y="1736035"/>
+                </a:cubicBezTo>
+              </a:path>
+            </a:pathLst>
+          </a:custGeom>
+          <a:noFill/>
+        </p:spPr>
+        <p:style>
+          <a:lnRef idx="2">
+            <a:schemeClr val="accent1">
+              <a:shade val="50000"/>
+            </a:schemeClr>
+          </a:lnRef>
+          <a:fillRef idx="1">
+            <a:schemeClr val="accent1"/>
+          </a:fillRef>
+          <a:effectRef idx="0">
+            <a:schemeClr val="accent1"/>
+          </a:effectRef>
+          <a:fontRef idx="minor">
+            <a:schemeClr val="lt1"/>
+          </a:fontRef>
+        </p:style>
+        <p:txBody>
+          <a:bodyPr rtlCol="0" anchor="ctr"/>
+          <a:lstStyle/>
+          <a:p>
+            <a:pPr algn="ctr"/>
+            <a:r>
+              <a:rPr lang="en-US" dirty="0">
+                <a:solidFill>
+                  <a:schemeClr val="tx1"/>
+                </a:solidFill>
+              </a:rPr>
+              <a:t>Bitcoin Network</a:t>
+            </a:r>
+          </a:p>
+        </p:txBody>
+      </p:sp>
+      <p:sp>
+        <p:nvSpPr>
+          <p:cNvPr id="6" name="מלבן 5">
+            <a:extLst>
+              <a:ext uri="{FF2B5EF4-FFF2-40B4-BE49-F238E27FC236}">
+                <a16:creationId xmlns:a16="http://schemas.microsoft.com/office/drawing/2014/main" id="{CEEAD121-43CC-4F3A-82F9-D81C37635010}"/>
+              </a:ext>
+            </a:extLst>
+          </p:cNvPr>
+          <p:cNvSpPr/>
+          <p:nvPr/>
+        </p:nvSpPr>
+        <p:spPr>
+          <a:xfrm>
+            <a:off x="4850294" y="1757039"/>
+            <a:ext cx="1888435" cy="744115"/>
+          </a:xfrm>
+          <a:prstGeom prst="rect">
+            <a:avLst/>
+          </a:prstGeom>
+          <a:solidFill>
+            <a:schemeClr val="bg1"/>
+          </a:solidFill>
+          <a:ln>
+            <a:solidFill>
+              <a:schemeClr val="tx1"/>
+            </a:solidFill>
+          </a:ln>
+        </p:spPr>
+        <p:style>
+          <a:lnRef idx="2">
+            <a:schemeClr val="accent1">
+              <a:shade val="50000"/>
+            </a:schemeClr>
+          </a:lnRef>
+          <a:fillRef idx="1">
+            <a:schemeClr val="accent1"/>
+          </a:fillRef>
+          <a:effectRef idx="0">
+            <a:schemeClr val="accent1"/>
+          </a:effectRef>
+          <a:fontRef idx="minor">
+            <a:schemeClr val="lt1"/>
+          </a:fontRef>
+        </p:style>
+        <p:txBody>
+          <a:bodyPr rtlCol="0" anchor="ctr"/>
+          <a:lstStyle/>
+          <a:p>
+            <a:pPr algn="ctr"/>
+            <a:r>
+              <a:rPr lang="en-US" dirty="0">
+                <a:solidFill>
+                  <a:schemeClr val="tx1"/>
+                </a:solidFill>
+              </a:rPr>
+              <a:t>miners</a:t>
+            </a:r>
+          </a:p>
+        </p:txBody>
+      </p:sp>
+      <p:sp>
+        <p:nvSpPr>
+          <p:cNvPr id="7" name="מלבן 6">
+            <a:extLst>
+              <a:ext uri="{FF2B5EF4-FFF2-40B4-BE49-F238E27FC236}">
+                <a16:creationId xmlns:a16="http://schemas.microsoft.com/office/drawing/2014/main" id="{6C81804D-8156-45FB-AB08-E7DE0CFA4651}"/>
+              </a:ext>
+            </a:extLst>
+          </p:cNvPr>
+          <p:cNvSpPr/>
+          <p:nvPr/>
+        </p:nvSpPr>
+        <p:spPr>
+          <a:xfrm>
+            <a:off x="8362123" y="1753117"/>
+            <a:ext cx="2080592" cy="752631"/>
+          </a:xfrm>
+          <a:prstGeom prst="rect">
+            <a:avLst/>
+          </a:prstGeom>
+          <a:solidFill>
+            <a:schemeClr val="bg1"/>
+          </a:solidFill>
+          <a:ln>
+            <a:solidFill>
+              <a:schemeClr val="tx1"/>
+            </a:solidFill>
+          </a:ln>
+        </p:spPr>
+        <p:style>
+          <a:lnRef idx="2">
+            <a:schemeClr val="accent1">
+              <a:shade val="50000"/>
+            </a:schemeClr>
+          </a:lnRef>
+          <a:fillRef idx="1">
+            <a:schemeClr val="accent1"/>
+          </a:fillRef>
+          <a:effectRef idx="0">
+            <a:schemeClr val="accent1"/>
+          </a:effectRef>
+          <a:fontRef idx="minor">
+            <a:schemeClr val="lt1"/>
+          </a:fontRef>
+        </p:style>
+        <p:txBody>
+          <a:bodyPr rtlCol="0" anchor="ctr"/>
+          <a:lstStyle/>
+          <a:p>
+            <a:pPr algn="ctr"/>
+            <a:r>
+              <a:rPr lang="en-US" dirty="0">
+                <a:solidFill>
+                  <a:schemeClr val="tx1"/>
+                </a:solidFill>
+              </a:rPr>
+              <a:t>miners</a:t>
+            </a:r>
+          </a:p>
+        </p:txBody>
+      </p:sp>
+      <p:sp>
+        <p:nvSpPr>
+          <p:cNvPr id="8" name="אליפסה 7">
+            <a:extLst>
+              <a:ext uri="{FF2B5EF4-FFF2-40B4-BE49-F238E27FC236}">
+                <a16:creationId xmlns:a16="http://schemas.microsoft.com/office/drawing/2014/main" id="{7532328B-C42A-4E29-88BF-3E91756FA76C}"/>
+              </a:ext>
+            </a:extLst>
+          </p:cNvPr>
+          <p:cNvSpPr/>
+          <p:nvPr/>
+        </p:nvSpPr>
+        <p:spPr>
+          <a:xfrm>
+            <a:off x="1901688" y="3108534"/>
+            <a:ext cx="2080591" cy="1039726"/>
+          </a:xfrm>
+          <a:prstGeom prst="ellipse">
+            <a:avLst/>
+          </a:prstGeom>
+          <a:solidFill>
+            <a:schemeClr val="bg1"/>
+          </a:solidFill>
+        </p:spPr>
+        <p:style>
+          <a:lnRef idx="2">
+            <a:schemeClr val="accent1">
+              <a:shade val="50000"/>
+            </a:schemeClr>
+          </a:lnRef>
+          <a:fillRef idx="1">
+            <a:schemeClr val="accent1"/>
+          </a:fillRef>
+          <a:effectRef idx="0">
+            <a:schemeClr val="accent1"/>
+          </a:effectRef>
+          <a:fontRef idx="minor">
+            <a:schemeClr val="lt1"/>
+          </a:fontRef>
+        </p:style>
+        <p:txBody>
+          <a:bodyPr rtlCol="0" anchor="ctr"/>
+          <a:lstStyle/>
+          <a:p>
+            <a:pPr algn="ctr"/>
+            <a:r>
+              <a:rPr lang="en-US" dirty="0">
+                <a:solidFill>
+                  <a:schemeClr val="tx1"/>
+                </a:solidFill>
+              </a:rPr>
+              <a:t>Pool 1</a:t>
+            </a:r>
+          </a:p>
+        </p:txBody>
+      </p:sp>
+      <p:sp>
+        <p:nvSpPr>
+          <p:cNvPr id="9" name="אליפסה 8">
+            <a:extLst>
+              <a:ext uri="{FF2B5EF4-FFF2-40B4-BE49-F238E27FC236}">
+                <a16:creationId xmlns:a16="http://schemas.microsoft.com/office/drawing/2014/main" id="{CA090052-CE75-42D9-B33B-B23E3E06DE49}"/>
+              </a:ext>
+            </a:extLst>
+          </p:cNvPr>
+          <p:cNvSpPr/>
+          <p:nvPr/>
+        </p:nvSpPr>
+        <p:spPr>
+          <a:xfrm>
+            <a:off x="4850294" y="3108534"/>
+            <a:ext cx="2080591" cy="1039726"/>
+          </a:xfrm>
+          <a:prstGeom prst="ellipse">
+            <a:avLst/>
+          </a:prstGeom>
+          <a:solidFill>
+            <a:schemeClr val="bg1"/>
+          </a:solidFill>
+        </p:spPr>
+        <p:style>
+          <a:lnRef idx="2">
+            <a:schemeClr val="accent1">
+              <a:shade val="50000"/>
+            </a:schemeClr>
+          </a:lnRef>
+          <a:fillRef idx="1">
+            <a:schemeClr val="accent1"/>
+          </a:fillRef>
+          <a:effectRef idx="0">
+            <a:schemeClr val="accent1"/>
+          </a:effectRef>
+          <a:fontRef idx="minor">
+            <a:schemeClr val="lt1"/>
+          </a:fontRef>
+        </p:style>
+        <p:txBody>
+          <a:bodyPr rtlCol="0" anchor="ctr"/>
+          <a:lstStyle/>
+          <a:p>
+            <a:pPr algn="ctr"/>
+            <a:r>
+              <a:rPr lang="en-US" dirty="0">
+                <a:solidFill>
+                  <a:schemeClr val="tx1"/>
+                </a:solidFill>
+              </a:rPr>
+              <a:t>Pool 2</a:t>
+            </a:r>
+          </a:p>
+        </p:txBody>
+      </p:sp>
+      <p:sp>
+        <p:nvSpPr>
+          <p:cNvPr id="10" name="אליפסה 9">
+            <a:extLst>
+              <a:ext uri="{FF2B5EF4-FFF2-40B4-BE49-F238E27FC236}">
+                <a16:creationId xmlns:a16="http://schemas.microsoft.com/office/drawing/2014/main" id="{C8718C6D-5AEE-4A1C-B864-4F64E9A92DC5}"/>
+              </a:ext>
+            </a:extLst>
+          </p:cNvPr>
+          <p:cNvSpPr/>
+          <p:nvPr/>
+        </p:nvSpPr>
+        <p:spPr>
+          <a:xfrm>
+            <a:off x="8362124" y="3108534"/>
+            <a:ext cx="2080591" cy="1039726"/>
+          </a:xfrm>
+          <a:prstGeom prst="ellipse">
+            <a:avLst/>
+          </a:prstGeom>
+          <a:solidFill>
+            <a:schemeClr val="bg1"/>
+          </a:solidFill>
+        </p:spPr>
+        <p:style>
+          <a:lnRef idx="2">
+            <a:schemeClr val="accent1">
+              <a:shade val="50000"/>
+            </a:schemeClr>
+          </a:lnRef>
+          <a:fillRef idx="1">
+            <a:schemeClr val="accent1"/>
+          </a:fillRef>
+          <a:effectRef idx="0">
+            <a:schemeClr val="accent1"/>
+          </a:effectRef>
+          <a:fontRef idx="minor">
+            <a:schemeClr val="lt1"/>
+          </a:fontRef>
+        </p:style>
+        <p:txBody>
+          <a:bodyPr rtlCol="0" anchor="ctr"/>
+          <a:lstStyle/>
+          <a:p>
+            <a:pPr algn="ctr"/>
+            <a:r>
+              <a:rPr lang="en-US" dirty="0">
+                <a:solidFill>
+                  <a:schemeClr val="tx1"/>
+                </a:solidFill>
+              </a:rPr>
+              <a:t>Pool 3</a:t>
+            </a:r>
+          </a:p>
+        </p:txBody>
+      </p:sp>
+      <p:cxnSp>
+        <p:nvCxnSpPr>
+          <p:cNvPr id="12" name="מחבר חץ ישר 11">
+            <a:extLst>
+              <a:ext uri="{FF2B5EF4-FFF2-40B4-BE49-F238E27FC236}">
+                <a16:creationId xmlns:a16="http://schemas.microsoft.com/office/drawing/2014/main" id="{1644760D-94FF-4805-83C9-C15DC3B254B6}"/>
+              </a:ext>
+            </a:extLst>
+          </p:cNvPr>
+          <p:cNvCxnSpPr/>
+          <p:nvPr/>
+        </p:nvCxnSpPr>
+        <p:spPr>
+          <a:xfrm>
+            <a:off x="2822713" y="2501154"/>
+            <a:ext cx="0" cy="607380"/>
+          </a:xfrm>
+          <a:prstGeom prst="straightConnector1">
+            <a:avLst/>
+          </a:prstGeom>
+          <a:ln>
+            <a:solidFill>
+              <a:schemeClr val="tx1"/>
+            </a:solidFill>
+            <a:tailEnd type="triangle"/>
+          </a:ln>
+        </p:spPr>
+        <p:style>
+          <a:lnRef idx="1">
+            <a:schemeClr val="accent1"/>
+          </a:lnRef>
+          <a:fillRef idx="0">
+            <a:schemeClr val="accent1"/>
+          </a:fillRef>
+          <a:effectRef idx="0">
+            <a:schemeClr val="accent1"/>
+          </a:effectRef>
+          <a:fontRef idx="minor">
+            <a:schemeClr val="tx1"/>
+          </a:fontRef>
+        </p:style>
+      </p:cxnSp>
+      <p:cxnSp>
+        <p:nvCxnSpPr>
+          <p:cNvPr id="14" name="מחבר חץ ישר 13">
+            <a:extLst>
+              <a:ext uri="{FF2B5EF4-FFF2-40B4-BE49-F238E27FC236}">
+                <a16:creationId xmlns:a16="http://schemas.microsoft.com/office/drawing/2014/main" id="{70E09919-F00B-4CA1-8E0E-0676AE07C104}"/>
+              </a:ext>
+            </a:extLst>
+          </p:cNvPr>
+          <p:cNvCxnSpPr>
+            <a:stCxn id="6" idx="2"/>
+            <a:endCxn id="9" idx="0"/>
+          </p:cNvCxnSpPr>
+          <p:nvPr/>
+        </p:nvCxnSpPr>
+        <p:spPr>
+          <a:xfrm>
+            <a:off x="5794512" y="2501154"/>
+            <a:ext cx="96078" cy="607380"/>
+          </a:xfrm>
+          <a:prstGeom prst="straightConnector1">
+            <a:avLst/>
+          </a:prstGeom>
+          <a:ln>
+            <a:solidFill>
+              <a:schemeClr val="tx1"/>
+            </a:solidFill>
+            <a:tailEnd type="triangle"/>
+          </a:ln>
+        </p:spPr>
+        <p:style>
+          <a:lnRef idx="1">
+            <a:schemeClr val="accent1"/>
+          </a:lnRef>
+          <a:fillRef idx="0">
+            <a:schemeClr val="accent1"/>
+          </a:fillRef>
+          <a:effectRef idx="0">
+            <a:schemeClr val="accent1"/>
+          </a:effectRef>
+          <a:fontRef idx="minor">
+            <a:schemeClr val="tx1"/>
+          </a:fontRef>
+        </p:style>
+      </p:cxnSp>
+      <p:cxnSp>
+        <p:nvCxnSpPr>
+          <p:cNvPr id="15" name="מחבר חץ ישר 14">
+            <a:extLst>
+              <a:ext uri="{FF2B5EF4-FFF2-40B4-BE49-F238E27FC236}">
+                <a16:creationId xmlns:a16="http://schemas.microsoft.com/office/drawing/2014/main" id="{10DB0613-CA78-4709-AAFC-6416BE66AE23}"/>
+              </a:ext>
+            </a:extLst>
+          </p:cNvPr>
+          <p:cNvCxnSpPr/>
+          <p:nvPr/>
+        </p:nvCxnSpPr>
+        <p:spPr>
+          <a:xfrm>
+            <a:off x="9402419" y="2501153"/>
+            <a:ext cx="96078" cy="607380"/>
+          </a:xfrm>
+          <a:prstGeom prst="straightConnector1">
+            <a:avLst/>
+          </a:prstGeom>
+          <a:ln>
+            <a:solidFill>
+              <a:schemeClr val="tx1"/>
+            </a:solidFill>
+            <a:tailEnd type="triangle"/>
+          </a:ln>
+        </p:spPr>
+        <p:style>
+          <a:lnRef idx="1">
+            <a:schemeClr val="accent1"/>
+          </a:lnRef>
+          <a:fillRef idx="0">
+            <a:schemeClr val="accent1"/>
+          </a:fillRef>
+          <a:effectRef idx="0">
+            <a:schemeClr val="accent1"/>
+          </a:effectRef>
+          <a:fontRef idx="minor">
+            <a:schemeClr val="tx1"/>
+          </a:fontRef>
+        </p:style>
+      </p:cxnSp>
+      <p:cxnSp>
+        <p:nvCxnSpPr>
+          <p:cNvPr id="16" name="מחבר חץ ישר 15">
+            <a:extLst>
+              <a:ext uri="{FF2B5EF4-FFF2-40B4-BE49-F238E27FC236}">
+                <a16:creationId xmlns:a16="http://schemas.microsoft.com/office/drawing/2014/main" id="{352E715C-0F2F-4C64-A3D0-E77435978511}"/>
+              </a:ext>
+            </a:extLst>
+          </p:cNvPr>
+          <p:cNvCxnSpPr>
+            <a:cxnSpLocks/>
+            <a:endCxn id="5" idx="54"/>
+          </p:cNvCxnSpPr>
+          <p:nvPr/>
+        </p:nvCxnSpPr>
+        <p:spPr>
+          <a:xfrm flipH="1">
+            <a:off x="8600661" y="4148260"/>
+            <a:ext cx="556591" cy="965190"/>
+          </a:xfrm>
+          <a:prstGeom prst="straightConnector1">
+            <a:avLst/>
+          </a:prstGeom>
+          <a:ln>
+            <a:solidFill>
+              <a:schemeClr val="tx1"/>
+            </a:solidFill>
+            <a:tailEnd type="triangle"/>
+          </a:ln>
+        </p:spPr>
+        <p:style>
+          <a:lnRef idx="1">
+            <a:schemeClr val="accent1"/>
+          </a:lnRef>
+          <a:fillRef idx="0">
+            <a:schemeClr val="accent1"/>
+          </a:fillRef>
+          <a:effectRef idx="0">
+            <a:schemeClr val="accent1"/>
+          </a:effectRef>
+          <a:fontRef idx="minor">
+            <a:schemeClr val="tx1"/>
+          </a:fontRef>
+        </p:style>
+      </p:cxnSp>
+      <p:cxnSp>
+        <p:nvCxnSpPr>
+          <p:cNvPr id="17" name="מחבר חץ ישר 16">
+            <a:extLst>
+              <a:ext uri="{FF2B5EF4-FFF2-40B4-BE49-F238E27FC236}">
+                <a16:creationId xmlns:a16="http://schemas.microsoft.com/office/drawing/2014/main" id="{9E3609AD-08E1-42F6-81EA-137282242E31}"/>
+              </a:ext>
+            </a:extLst>
+          </p:cNvPr>
+          <p:cNvCxnSpPr>
+            <a:cxnSpLocks/>
+            <a:stCxn id="9" idx="4"/>
+          </p:cNvCxnSpPr>
+          <p:nvPr/>
+        </p:nvCxnSpPr>
+        <p:spPr>
+          <a:xfrm flipH="1">
+            <a:off x="5486400" y="4148260"/>
+            <a:ext cx="404190" cy="861062"/>
+          </a:xfrm>
+          <a:prstGeom prst="straightConnector1">
+            <a:avLst/>
+          </a:prstGeom>
+          <a:ln>
+            <a:solidFill>
+              <a:schemeClr val="tx1"/>
+            </a:solidFill>
+            <a:tailEnd type="triangle"/>
+          </a:ln>
+        </p:spPr>
+        <p:style>
+          <a:lnRef idx="1">
+            <a:schemeClr val="accent1"/>
+          </a:lnRef>
+          <a:fillRef idx="0">
+            <a:schemeClr val="accent1"/>
+          </a:fillRef>
+          <a:effectRef idx="0">
+            <a:schemeClr val="accent1"/>
+          </a:effectRef>
+          <a:fontRef idx="minor">
+            <a:schemeClr val="tx1"/>
+          </a:fontRef>
+        </p:style>
+      </p:cxnSp>
+      <p:cxnSp>
+        <p:nvCxnSpPr>
+          <p:cNvPr id="18" name="מחבר חץ ישר 17">
+            <a:extLst>
+              <a:ext uri="{FF2B5EF4-FFF2-40B4-BE49-F238E27FC236}">
+                <a16:creationId xmlns:a16="http://schemas.microsoft.com/office/drawing/2014/main" id="{C9352B6F-42AC-4BED-9064-6F50800321FA}"/>
+              </a:ext>
+            </a:extLst>
+          </p:cNvPr>
+          <p:cNvCxnSpPr>
+            <a:cxnSpLocks/>
+            <a:endCxn id="5" idx="24"/>
+          </p:cNvCxnSpPr>
+          <p:nvPr/>
+        </p:nvCxnSpPr>
+        <p:spPr>
+          <a:xfrm>
+            <a:off x="3419055" y="4148260"/>
+            <a:ext cx="569849" cy="1031451"/>
+          </a:xfrm>
+          <a:prstGeom prst="straightConnector1">
+            <a:avLst/>
+          </a:prstGeom>
+          <a:ln>
+            <a:solidFill>
+              <a:schemeClr val="tx1"/>
+            </a:solidFill>
+            <a:tailEnd type="triangle"/>
+          </a:ln>
+        </p:spPr>
+        <p:style>
+          <a:lnRef idx="1">
+            <a:schemeClr val="accent1"/>
+          </a:lnRef>
+          <a:fillRef idx="0">
+            <a:schemeClr val="accent1"/>
+          </a:fillRef>
+          <a:effectRef idx="0">
+            <a:schemeClr val="accent1"/>
+          </a:effectRef>
+          <a:fontRef idx="minor">
+            <a:schemeClr val="tx1"/>
+          </a:fontRef>
+        </p:style>
+      </p:cxnSp>
+      <p:cxnSp>
+        <p:nvCxnSpPr>
+          <p:cNvPr id="29" name="מחבר: מעוקל 28">
+            <a:extLst>
+              <a:ext uri="{FF2B5EF4-FFF2-40B4-BE49-F238E27FC236}">
+                <a16:creationId xmlns:a16="http://schemas.microsoft.com/office/drawing/2014/main" id="{5E54FE04-0AD9-4A24-A5B0-0512A86D86DD}"/>
+              </a:ext>
+            </a:extLst>
+          </p:cNvPr>
+          <p:cNvCxnSpPr>
+            <a:cxnSpLocks/>
+            <a:stCxn id="8" idx="6"/>
+          </p:cNvCxnSpPr>
+          <p:nvPr/>
+        </p:nvCxnSpPr>
+        <p:spPr>
+          <a:xfrm>
+            <a:off x="3982279" y="3628397"/>
+            <a:ext cx="1000538" cy="290603"/>
+          </a:xfrm>
+          <a:prstGeom prst="curvedConnector3">
+            <a:avLst/>
+          </a:prstGeom>
+          <a:ln>
+            <a:solidFill>
+              <a:srgbClr val="FF0000"/>
+            </a:solidFill>
+            <a:tailEnd type="triangle"/>
+          </a:ln>
+        </p:spPr>
+        <p:style>
+          <a:lnRef idx="1">
+            <a:schemeClr val="accent1"/>
+          </a:lnRef>
+          <a:fillRef idx="0">
+            <a:schemeClr val="accent1"/>
+          </a:fillRef>
+          <a:effectRef idx="0">
+            <a:schemeClr val="accent1"/>
+          </a:effectRef>
+          <a:fontRef idx="minor">
+            <a:schemeClr val="tx1"/>
+          </a:fontRef>
+        </p:style>
+      </p:cxnSp>
+      <mc:AlternateContent xmlns:mc="http://schemas.openxmlformats.org/markup-compatibility/2006">
+        <mc:Choice xmlns:a14="http://schemas.microsoft.com/office/drawing/2010/main" Requires="a14">
+          <p:sp>
+            <p:nvSpPr>
+              <p:cNvPr id="32" name="TextBox 31">
+                <a:extLst>
+                  <a:ext uri="{FF2B5EF4-FFF2-40B4-BE49-F238E27FC236}">
+                    <a16:creationId xmlns:a16="http://schemas.microsoft.com/office/drawing/2014/main" id="{0034B93A-133E-405D-A416-4ED7CEC436AB}"/>
+                  </a:ext>
+                </a:extLst>
+              </p:cNvPr>
+              <p:cNvSpPr txBox="1"/>
+              <p:nvPr/>
+            </p:nvSpPr>
+            <p:spPr>
+              <a:xfrm>
+                <a:off x="4336936" y="3744448"/>
+                <a:ext cx="52900" cy="289182"/>
+              </a:xfrm>
+              <a:prstGeom prst="rect">
+                <a:avLst/>
+              </a:prstGeom>
+              <a:noFill/>
+            </p:spPr>
+            <p:txBody>
+              <a:bodyPr wrap="none" lIns="0" tIns="0" rIns="0" bIns="0" rtlCol="0">
+                <a:spAutoFit/>
+              </a:bodyPr>
+              <a:lstStyle/>
+              <a:p>
+                <a14:m>
+                  <m:oMathPara xmlns:m="http://schemas.openxmlformats.org/officeDocument/2006/math">
+                    <m:oMathParaPr>
+                      <m:jc m:val="centerGroup"/>
+                    </m:oMathParaPr>
+                    <m:oMath xmlns:m="http://schemas.openxmlformats.org/officeDocument/2006/math">
+                      <m:sSub>
+                        <m:sSubPr>
+                          <m:ctrlPr>
+                            <a:rPr lang="en-US" b="0" i="1" smtClean="0">
+                              <a:latin typeface="Cambria Math" panose="02040503050406030204" pitchFamily="18" charset="0"/>
+                            </a:rPr>
+                          </m:ctrlPr>
+                        </m:sSubPr>
+                        <m:e>
+                          <m:r>
+                            <a:rPr lang="en-US" b="0" i="1" smtClean="0">
+                              <a:latin typeface="Cambria Math" panose="02040503050406030204" pitchFamily="18" charset="0"/>
+                            </a:rPr>
+                            <m:t>𝑥</m:t>
+                          </m:r>
+                        </m:e>
+                        <m:sub>
+                          <m:r>
+                            <a:rPr lang="en-US" b="0" i="1" smtClean="0">
+                              <a:latin typeface="Cambria Math" panose="02040503050406030204" pitchFamily="18" charset="0"/>
+                            </a:rPr>
+                            <m:t>1</m:t>
+                          </m:r>
+                          <m:r>
+                            <a:rPr lang="en-US" b="0" i="1" smtClean="0">
+                              <a:latin typeface="Cambria Math" panose="02040503050406030204" pitchFamily="18" charset="0"/>
+                            </a:rPr>
+                            <m:t>,</m:t>
+                          </m:r>
+                          <m:r>
+                            <a:rPr lang="en-US" b="0" i="1" smtClean="0">
+                              <a:latin typeface="Cambria Math" panose="02040503050406030204" pitchFamily="18" charset="0"/>
+                            </a:rPr>
+                            <m:t>2</m:t>
+                          </m:r>
+                        </m:sub>
+                      </m:sSub>
+                    </m:oMath>
+                  </m:oMathPara>
+                </a14:m>
+                <a:endParaRPr lang="en-US" dirty="0"/>
+              </a:p>
+            </p:txBody>
+          </p:sp>
+        </mc:Choice>
+        <mc:Fallback>
+          <p:sp>
+            <p:nvSpPr>
+              <p:cNvPr id="32" name="TextBox 31">
+                <a:extLst>
+                  <a:ext uri="{FF2B5EF4-FFF2-40B4-BE49-F238E27FC236}">
+                    <a16:creationId xmlns:a16="http://schemas.microsoft.com/office/drawing/2014/main" id="{0034B93A-133E-405D-A416-4ED7CEC436AB}"/>
+                  </a:ext>
+                </a:extLst>
+              </p:cNvPr>
+              <p:cNvSpPr txBox="1">
+                <a:spLocks noRot="1" noChangeAspect="1" noMove="1" noResize="1" noEditPoints="1" noAdjustHandles="1" noChangeArrowheads="1" noChangeShapeType="1" noTextEdit="1"/>
+              </p:cNvSpPr>
+              <p:nvPr/>
+            </p:nvSpPr>
+            <p:spPr>
+              <a:xfrm>
+                <a:off x="4336936" y="3744448"/>
+                <a:ext cx="52900" cy="289182"/>
+              </a:xfrm>
+              <a:prstGeom prst="rect">
+                <a:avLst/>
+              </a:prstGeom>
+              <a:blipFill>
+                <a:blip r:embed="rId2"/>
+                <a:stretch>
+                  <a:fillRect l="-111111" r="-644444" b="-12500"/>
+                </a:stretch>
+              </a:blipFill>
+            </p:spPr>
+            <p:txBody>
+              <a:bodyPr/>
+              <a:lstStyle/>
+              <a:p>
+                <a:r>
+                  <a:rPr lang="en-US">
+                    <a:noFill/>
+                  </a:rPr>
+                  <a:t> </a:t>
+                </a:r>
+              </a:p>
+            </p:txBody>
+          </p:sp>
+        </mc:Fallback>
+      </mc:AlternateContent>
+    </p:spTree>
+    <p:extLst>
+      <p:ext uri="{BB962C8B-B14F-4D97-AF65-F5344CB8AC3E}">
+        <p14:creationId xmlns:p14="http://schemas.microsoft.com/office/powerpoint/2010/main" val="3978851116"/>
+      </p:ext>
+    </p:extLst>
+  </p:cSld>
+  <p:clrMapOvr>
+    <a:masterClrMapping/>
+  </p:clrMapOvr>
+</p:sld>
+</file>
+
+<file path=ppt/slides/slide5.xml><?xml version="1.0" encoding="utf-8"?>
+<p:sld xmlns:a="http://schemas.openxmlformats.org/drawingml/2006/main" xmlns:r="http://schemas.openxmlformats.org/officeDocument/2006/relationships" xmlns:p="http://schemas.openxmlformats.org/presentationml/2006/main">
+  <p:cSld>
+    <p:spTree>
+      <p:nvGrpSpPr>
+        <p:cNvPr id="1" name=""/>
+        <p:cNvGrpSpPr/>
+        <p:nvPr/>
+      </p:nvGrpSpPr>
+      <p:grpSpPr>
+        <a:xfrm>
+          <a:off x="0" y="0"/>
+          <a:ext cx="0" cy="0"/>
+          <a:chOff x="0" y="0"/>
+          <a:chExt cx="0" cy="0"/>
+        </a:xfrm>
+      </p:grpSpPr>
+      <p:sp>
+        <p:nvSpPr>
+          <p:cNvPr id="2" name="כותרת 1">
+            <a:extLst>
+              <a:ext uri="{FF2B5EF4-FFF2-40B4-BE49-F238E27FC236}">
+                <a16:creationId xmlns:a16="http://schemas.microsoft.com/office/drawing/2014/main" id="{B1D9EC5D-0BDF-468E-9BD9-089CA8C8E1DF}"/>
+              </a:ext>
+            </a:extLst>
+          </p:cNvPr>
+          <p:cNvSpPr>
+            <a:spLocks noGrp="1"/>
+          </p:cNvSpPr>
+          <p:nvPr>
+            <p:ph type="title"/>
+          </p:nvPr>
+        </p:nvSpPr>
+        <p:spPr/>
+        <p:txBody>
+          <a:bodyPr/>
+          <a:lstStyle/>
+          <a:p>
+            <a:pPr algn="ctr"/>
+            <a:r>
+              <a:rPr lang="en-US" dirty="0"/>
+              <a:t>Block withholding attack</a:t>
+            </a:r>
+          </a:p>
+        </p:txBody>
+      </p:sp>
+      <p:sp>
+        <p:nvSpPr>
+          <p:cNvPr id="3" name="מציין מיקום תוכן 2">
+            <a:extLst>
+              <a:ext uri="{FF2B5EF4-FFF2-40B4-BE49-F238E27FC236}">
+                <a16:creationId xmlns:a16="http://schemas.microsoft.com/office/drawing/2014/main" id="{418965AD-B911-4752-A49B-390696D50605}"/>
+              </a:ext>
+            </a:extLst>
+          </p:cNvPr>
+          <p:cNvSpPr>
+            <a:spLocks noGrp="1"/>
+          </p:cNvSpPr>
+          <p:nvPr>
+            <p:ph idx="1"/>
+          </p:nvPr>
+        </p:nvSpPr>
+        <p:spPr/>
+        <p:txBody>
+          <a:bodyPr/>
+          <a:lstStyle/>
+          <a:p>
+            <a:pPr marL="0" indent="0">
+              <a:buNone/>
+            </a:pPr>
+            <a:r>
+              <a:rPr lang="he-IL" dirty="0"/>
+              <a:t>הערות:</a:t>
+            </a:r>
+          </a:p>
+          <a:p>
+            <a:pPr marL="0" indent="0">
+              <a:buNone/>
+            </a:pPr>
+            <a:r>
+              <a:rPr lang="he-IL" dirty="0"/>
+              <a:t>כאשר קבוצה תוקפת כוח החישוב שלה יורד עקב הקצאת משאבים לתקיפת הקבוצה השנייה.</a:t>
+            </a:r>
+          </a:p>
+          <a:p>
+            <a:pPr marL="0" indent="0">
+              <a:buNone/>
+            </a:pPr>
+            <a:endParaRPr lang="he-IL" dirty="0"/>
+          </a:p>
+          <a:p>
+            <a:pPr marL="0" indent="0">
+              <a:buNone/>
+            </a:pPr>
+            <a:r>
+              <a:rPr lang="he-IL" dirty="0"/>
+              <a:t>אחרי התקופה הראשונה של ההתקפה קושי הפאזלים ירד עקב פתירה מואטת של פאזלים ( </a:t>
+            </a:r>
+            <a:r>
+              <a:rPr lang="he-IL" dirty="0" err="1"/>
+              <a:t>כח</a:t>
+            </a:r>
+            <a:r>
+              <a:rPr lang="he-IL" dirty="0"/>
+              <a:t> החישוב הכללי יורד).</a:t>
+            </a:r>
+          </a:p>
+          <a:p>
+            <a:pPr marL="0" indent="0">
+              <a:buNone/>
+            </a:pPr>
+            <a:endParaRPr lang="he-IL" dirty="0"/>
+          </a:p>
+          <a:p>
+            <a:pPr marL="0" indent="0">
+              <a:buNone/>
+            </a:pPr>
+            <a:r>
+              <a:rPr lang="he-IL" dirty="0"/>
+              <a:t>לא ניתן לזהות את  זהות התוקף  כי אי אפשר להבדיל בין כורים חסרי מזל לכאלה שהם פשוט זדוניים.</a:t>
+            </a:r>
+            <a:endParaRPr lang="en-US" dirty="0"/>
+          </a:p>
+        </p:txBody>
+      </p:sp>
+    </p:spTree>
+    <p:extLst>
+      <p:ext uri="{BB962C8B-B14F-4D97-AF65-F5344CB8AC3E}">
+        <p14:creationId xmlns:p14="http://schemas.microsoft.com/office/powerpoint/2010/main" val="1417853180"/>
+      </p:ext>
+    </p:extLst>
+  </p:cSld>
+  <p:clrMapOvr>
+    <a:masterClrMapping/>
+  </p:clrMapOvr>
+</p:sld>
+</file>
+
+<file path=ppt/slides/slide6.xml><?xml version="1.0" encoding="utf-8"?>
+<p:sld xmlns:a="http://schemas.openxmlformats.org/drawingml/2006/main" xmlns:r="http://schemas.openxmlformats.org/officeDocument/2006/relationships" xmlns:p="http://schemas.openxmlformats.org/presentationml/2006/main">
+  <p:cSld>
+    <p:spTree>
+      <p:nvGrpSpPr>
+        <p:cNvPr id="1" name=""/>
+        <p:cNvGrpSpPr/>
+        <p:nvPr/>
+      </p:nvGrpSpPr>
+      <p:grpSpPr>
+        <a:xfrm>
+          <a:off x="0" y="0"/>
+          <a:ext cx="0" cy="0"/>
+          <a:chOff x="0" y="0"/>
+          <a:chExt cx="0" cy="0"/>
+        </a:xfrm>
+      </p:grpSpPr>
+      <p:sp>
+        <p:nvSpPr>
+          <p:cNvPr id="2" name="כותרת 1">
+            <a:extLst>
+              <a:ext uri="{FF2B5EF4-FFF2-40B4-BE49-F238E27FC236}">
+                <a16:creationId xmlns:a16="http://schemas.microsoft.com/office/drawing/2014/main" id="{59FB4CF8-B5A2-4DAE-827D-788071E38561}"/>
+              </a:ext>
+            </a:extLst>
+          </p:cNvPr>
+          <p:cNvSpPr>
+            <a:spLocks noGrp="1"/>
+          </p:cNvSpPr>
+          <p:nvPr>
+            <p:ph type="title"/>
+          </p:nvPr>
+        </p:nvSpPr>
+        <p:spPr/>
+        <p:txBody>
+          <a:bodyPr/>
+          <a:lstStyle/>
+          <a:p>
+            <a:pPr algn="ctr"/>
+            <a:r>
+              <a:rPr lang="he-IL" dirty="0"/>
+              <a:t>שיווי משקל נאש</a:t>
+            </a:r>
+            <a:endParaRPr lang="en-US" dirty="0"/>
+          </a:p>
+        </p:txBody>
+      </p:sp>
+      <p:sp>
+        <p:nvSpPr>
+          <p:cNvPr id="3" name="מציין מיקום תוכן 2">
+            <a:extLst>
+              <a:ext uri="{FF2B5EF4-FFF2-40B4-BE49-F238E27FC236}">
+                <a16:creationId xmlns:a16="http://schemas.microsoft.com/office/drawing/2014/main" id="{0D6BD5DD-834E-41C1-8543-1821619DA1F5}"/>
+              </a:ext>
+            </a:extLst>
+          </p:cNvPr>
+          <p:cNvSpPr>
+            <a:spLocks noGrp="1"/>
+          </p:cNvSpPr>
+          <p:nvPr>
+            <p:ph idx="1"/>
+          </p:nvPr>
+        </p:nvSpPr>
+        <p:spPr/>
+        <p:txBody>
+          <a:bodyPr/>
+          <a:lstStyle/>
+          <a:p>
+            <a:pPr marL="0" indent="0">
+              <a:buNone/>
+            </a:pPr>
+            <a:r>
+              <a:rPr lang="he-IL" dirty="0"/>
+              <a:t>מצב בו אף אחד לא ישפר את עמדתו על ידי שינוי אסטרטגיה.</a:t>
+            </a:r>
+          </a:p>
+          <a:p>
+            <a:pPr marL="0" indent="0">
+              <a:buNone/>
+            </a:pPr>
+            <a:endParaRPr lang="en-US" dirty="0"/>
+          </a:p>
+        </p:txBody>
+      </p:sp>
+    </p:spTree>
+    <p:extLst>
+      <p:ext uri="{BB962C8B-B14F-4D97-AF65-F5344CB8AC3E}">
+        <p14:creationId xmlns:p14="http://schemas.microsoft.com/office/powerpoint/2010/main" val="880859063"/>
+      </p:ext>
+    </p:extLst>
+  </p:cSld>
+  <p:clrMapOvr>
+    <a:masterClrMapping/>
+  </p:clrMapOvr>
+</p:sld>
+</file>
+
+<file path=ppt/slides/slide7.xml><?xml version="1.0" encoding="utf-8"?>
 <p:sld xmlns:a="http://schemas.openxmlformats.org/drawingml/2006/main" xmlns:r="http://schemas.openxmlformats.org/officeDocument/2006/relationships" xmlns:p="http://schemas.openxmlformats.org/presentationml/2006/main">
   <p:cSld>
     <p:spTree>
@@ -4032,4 +6400,299 @@
     </a:ext>
   </a:extLst>
 </a:theme>
+</file>
+
+<file path=ppt/theme/theme2.xml><?xml version="1.0" encoding="utf-8"?>
+<a:theme xmlns:a="http://schemas.openxmlformats.org/drawingml/2006/main" name="ערכת נושא Office">
+  <a:themeElements>
+    <a:clrScheme name="Office">
+      <a:dk1>
+        <a:sysClr val="windowText" lastClr="000000"/>
+      </a:dk1>
+      <a:lt1>
+        <a:sysClr val="window" lastClr="FFFFFF"/>
+      </a:lt1>
+      <a:dk2>
+        <a:srgbClr val="44546A"/>
+      </a:dk2>
+      <a:lt2>
+        <a:srgbClr val="E7E6E6"/>
+      </a:lt2>
+      <a:accent1>
+        <a:srgbClr val="4472C4"/>
+      </a:accent1>
+      <a:accent2>
+        <a:srgbClr val="ED7D31"/>
+      </a:accent2>
+      <a:accent3>
+        <a:srgbClr val="A5A5A5"/>
+      </a:accent3>
+      <a:accent4>
+        <a:srgbClr val="FFC000"/>
+      </a:accent4>
+      <a:accent5>
+        <a:srgbClr val="5B9BD5"/>
+      </a:accent5>
+      <a:accent6>
+        <a:srgbClr val="70AD47"/>
+      </a:accent6>
+      <a:hlink>
+        <a:srgbClr val="0563C1"/>
+      </a:hlink>
+      <a:folHlink>
+        <a:srgbClr val="954F72"/>
+      </a:folHlink>
+    </a:clrScheme>
+    <a:fontScheme name="Office">
+      <a:majorFont>
+        <a:latin typeface="Calibri Light" panose="020F0302020204030204"/>
+        <a:ea typeface=""/>
+        <a:cs typeface=""/>
+        <a:font script="Jpan" typeface="游ゴシック Light"/>
+        <a:font script="Hang" typeface="맑은 고딕"/>
+        <a:font script="Hans" typeface="等线 Light"/>
+        <a:font script="Hant" typeface="新細明體"/>
+        <a:font script="Arab" typeface="Times New Roman"/>
+        <a:font script="Hebr" typeface="Times New Roman"/>
+        <a:font script="Thai" typeface="Angsana New"/>
+        <a:font script="Ethi" typeface="Nyala"/>
+        <a:font script="Beng" typeface="Vrinda"/>
+        <a:font script="Gujr" typeface="Shruti"/>
+        <a:font script="Khmr" typeface="MoolBoran"/>
+        <a:font script="Knda" typeface="Tunga"/>
+        <a:font script="Guru" typeface="Raavi"/>
+        <a:font script="Cans" typeface="Euphemia"/>
+        <a:font script="Cher" typeface="Plantagenet Cherokee"/>
+        <a:font script="Yiii" typeface="Microsoft Yi Baiti"/>
+        <a:font script="Tibt" typeface="Microsoft Himalaya"/>
+        <a:font script="Thaa" typeface="MV Boli"/>
+        <a:font script="Deva" typeface="Mangal"/>
+        <a:font script="Telu" typeface="Gautami"/>
+        <a:font script="Taml" typeface="Latha"/>
+        <a:font script="Syrc" typeface="Estrangelo Edessa"/>
+        <a:font script="Orya" typeface="Kalinga"/>
+        <a:font script="Mlym" typeface="Kartika"/>
+        <a:font script="Laoo" typeface="DokChampa"/>
+        <a:font script="Sinh" typeface="Iskoola Pota"/>
+        <a:font script="Mong" typeface="Mongolian Baiti"/>
+        <a:font script="Viet" typeface="Times New Roman"/>
+        <a:font script="Uigh" typeface="Microsoft Uighur"/>
+        <a:font script="Geor" typeface="Sylfaen"/>
+        <a:font script="Armn" typeface="Arial"/>
+        <a:font script="Bugi" typeface="Leelawadee UI"/>
+        <a:font script="Bopo" typeface="Microsoft JhengHei"/>
+        <a:font script="Java" typeface="Javanese Text"/>
+        <a:font script="Lisu" typeface="Segoe UI"/>
+        <a:font script="Mymr" typeface="Myanmar Text"/>
+        <a:font script="Nkoo" typeface="Ebrima"/>
+        <a:font script="Olck" typeface="Nirmala UI"/>
+        <a:font script="Osma" typeface="Ebrima"/>
+        <a:font script="Phag" typeface="Phagspa"/>
+        <a:font script="Syrn" typeface="Estrangelo Edessa"/>
+        <a:font script="Syrj" typeface="Estrangelo Edessa"/>
+        <a:font script="Syre" typeface="Estrangelo Edessa"/>
+        <a:font script="Sora" typeface="Nirmala UI"/>
+        <a:font script="Tale" typeface="Microsoft Tai Le"/>
+        <a:font script="Talu" typeface="Microsoft New Tai Lue"/>
+        <a:font script="Tfng" typeface="Ebrima"/>
+      </a:majorFont>
+      <a:minorFont>
+        <a:latin typeface="Calibri" panose="020F0502020204030204"/>
+        <a:ea typeface=""/>
+        <a:cs typeface=""/>
+        <a:font script="Jpan" typeface="游ゴシック"/>
+        <a:font script="Hang" typeface="맑은 고딕"/>
+        <a:font script="Hans" typeface="等线"/>
+        <a:font script="Hant" typeface="新細明體"/>
+        <a:font script="Arab" typeface="Arial"/>
+        <a:font script="Hebr" typeface="Arial"/>
+        <a:font script="Thai" typeface="Cordia New"/>
+        <a:font script="Ethi" typeface="Nyala"/>
+        <a:font script="Beng" typeface="Vrinda"/>
+        <a:font script="Gujr" typeface="Shruti"/>
+        <a:font script="Khmr" typeface="DaunPenh"/>
+        <a:font script="Knda" typeface="Tunga"/>
+        <a:font script="Guru" typeface="Raavi"/>
+        <a:font script="Cans" typeface="Euphemia"/>
+        <a:font script="Cher" typeface="Plantagenet Cherokee"/>
+        <a:font script="Yiii" typeface="Microsoft Yi Baiti"/>
+        <a:font script="Tibt" typeface="Microsoft Himalaya"/>
+        <a:font script="Thaa" typeface="MV Boli"/>
+        <a:font script="Deva" typeface="Mangal"/>
+        <a:font script="Telu" typeface="Gautami"/>
+        <a:font script="Taml" typeface="Latha"/>
+        <a:font script="Syrc" typeface="Estrangelo Edessa"/>
+        <a:font script="Orya" typeface="Kalinga"/>
+        <a:font script="Mlym" typeface="Kartika"/>
+        <a:font script="Laoo" typeface="DokChampa"/>
+        <a:font script="Sinh" typeface="Iskoola Pota"/>
+        <a:font script="Mong" typeface="Mongolian Baiti"/>
+        <a:font script="Viet" typeface="Arial"/>
+        <a:font script="Uigh" typeface="Microsoft Uighur"/>
+        <a:font script="Geor" typeface="Sylfaen"/>
+        <a:font script="Armn" typeface="Arial"/>
+        <a:font script="Bugi" typeface="Leelawadee UI"/>
+        <a:font script="Bopo" typeface="Microsoft JhengHei"/>
+        <a:font script="Java" typeface="Javanese Text"/>
+        <a:font script="Lisu" typeface="Segoe UI"/>
+        <a:font script="Mymr" typeface="Myanmar Text"/>
+        <a:font script="Nkoo" typeface="Ebrima"/>
+        <a:font script="Olck" typeface="Nirmala UI"/>
+        <a:font script="Osma" typeface="Ebrima"/>
+        <a:font script="Phag" typeface="Phagspa"/>
+        <a:font script="Syrn" typeface="Estrangelo Edessa"/>
+        <a:font script="Syrj" typeface="Estrangelo Edessa"/>
+        <a:font script="Syre" typeface="Estrangelo Edessa"/>
+        <a:font script="Sora" typeface="Nirmala UI"/>
+        <a:font script="Tale" typeface="Microsoft Tai Le"/>
+        <a:font script="Talu" typeface="Microsoft New Tai Lue"/>
+        <a:font script="Tfng" typeface="Ebrima"/>
+      </a:minorFont>
+    </a:fontScheme>
+    <a:fmtScheme name="Office">
+      <a:fillStyleLst>
+        <a:solidFill>
+          <a:schemeClr val="phClr"/>
+        </a:solidFill>
+        <a:gradFill rotWithShape="1">
+          <a:gsLst>
+            <a:gs pos="0">
+              <a:schemeClr val="phClr">
+                <a:lumMod val="110000"/>
+                <a:satMod val="105000"/>
+                <a:tint val="67000"/>
+              </a:schemeClr>
+            </a:gs>
+            <a:gs pos="50000">
+              <a:schemeClr val="phClr">
+                <a:lumMod val="105000"/>
+                <a:satMod val="103000"/>
+                <a:tint val="73000"/>
+              </a:schemeClr>
+            </a:gs>
+            <a:gs pos="100000">
+              <a:schemeClr val="phClr">
+                <a:lumMod val="105000"/>
+                <a:satMod val="109000"/>
+                <a:tint val="81000"/>
+              </a:schemeClr>
+            </a:gs>
+          </a:gsLst>
+          <a:lin ang="5400000" scaled="0"/>
+        </a:gradFill>
+        <a:gradFill rotWithShape="1">
+          <a:gsLst>
+            <a:gs pos="0">
+              <a:schemeClr val="phClr">
+                <a:satMod val="103000"/>
+                <a:lumMod val="102000"/>
+                <a:tint val="94000"/>
+              </a:schemeClr>
+            </a:gs>
+            <a:gs pos="50000">
+              <a:schemeClr val="phClr">
+                <a:satMod val="110000"/>
+                <a:lumMod val="100000"/>
+                <a:shade val="100000"/>
+              </a:schemeClr>
+            </a:gs>
+            <a:gs pos="100000">
+              <a:schemeClr val="phClr">
+                <a:lumMod val="99000"/>
+                <a:satMod val="120000"/>
+                <a:shade val="78000"/>
+              </a:schemeClr>
+            </a:gs>
+          </a:gsLst>
+          <a:lin ang="5400000" scaled="0"/>
+        </a:gradFill>
+      </a:fillStyleLst>
+      <a:lnStyleLst>
+        <a:ln w="6350" cap="flat" cmpd="sng" algn="ctr">
+          <a:solidFill>
+            <a:schemeClr val="phClr"/>
+          </a:solidFill>
+          <a:prstDash val="solid"/>
+          <a:miter lim="800000"/>
+        </a:ln>
+        <a:ln w="12700" cap="flat" cmpd="sng" algn="ctr">
+          <a:solidFill>
+            <a:schemeClr val="phClr"/>
+          </a:solidFill>
+          <a:prstDash val="solid"/>
+          <a:miter lim="800000"/>
+        </a:ln>
+        <a:ln w="19050" cap="flat" cmpd="sng" algn="ctr">
+          <a:solidFill>
+            <a:schemeClr val="phClr"/>
+          </a:solidFill>
+          <a:prstDash val="solid"/>
+          <a:miter lim="800000"/>
+        </a:ln>
+      </a:lnStyleLst>
+      <a:effectStyleLst>
+        <a:effectStyle>
+          <a:effectLst/>
+        </a:effectStyle>
+        <a:effectStyle>
+          <a:effectLst/>
+        </a:effectStyle>
+        <a:effectStyle>
+          <a:effectLst>
+            <a:outerShdw blurRad="57150" dist="19050" dir="5400000" algn="ctr" rotWithShape="0">
+              <a:srgbClr val="000000">
+                <a:alpha val="63000"/>
+              </a:srgbClr>
+            </a:outerShdw>
+          </a:effectLst>
+        </a:effectStyle>
+      </a:effectStyleLst>
+      <a:bgFillStyleLst>
+        <a:solidFill>
+          <a:schemeClr val="phClr"/>
+        </a:solidFill>
+        <a:solidFill>
+          <a:schemeClr val="phClr">
+            <a:tint val="95000"/>
+            <a:satMod val="170000"/>
+          </a:schemeClr>
+        </a:solidFill>
+        <a:gradFill rotWithShape="1">
+          <a:gsLst>
+            <a:gs pos="0">
+              <a:schemeClr val="phClr">
+                <a:tint val="93000"/>
+                <a:satMod val="150000"/>
+                <a:shade val="98000"/>
+                <a:lumMod val="102000"/>
+              </a:schemeClr>
+            </a:gs>
+            <a:gs pos="50000">
+              <a:schemeClr val="phClr">
+                <a:tint val="98000"/>
+                <a:satMod val="130000"/>
+                <a:shade val="90000"/>
+                <a:lumMod val="103000"/>
+              </a:schemeClr>
+            </a:gs>
+            <a:gs pos="100000">
+              <a:schemeClr val="phClr">
+                <a:shade val="63000"/>
+                <a:satMod val="120000"/>
+              </a:schemeClr>
+            </a:gs>
+          </a:gsLst>
+          <a:lin ang="5400000" scaled="0"/>
+        </a:gradFill>
+      </a:bgFillStyleLst>
+    </a:fmtScheme>
+  </a:themeElements>
+  <a:objectDefaults/>
+  <a:extraClrSchemeLst/>
+  <a:extLst>
+    <a:ext uri="{05A4C25C-085E-4340-85A3-A5531E510DB2}">
+      <thm15:themeFamily xmlns:thm15="http://schemas.microsoft.com/office/thememl/2012/main" name="Office Theme" id="{62F939B6-93AF-4DB8-9C6B-D6C7DFDC589F}" vid="{4A3C46E8-61CC-4603-A589-7422A47A8E4A}"/>
+    </a:ext>
+  </a:extLst>
+</a:theme>
 </file>
--- a/The miner’s dilemma.pptx
+++ b/The miner’s dilemma.pptx
@@ -10,10 +10,10 @@
   <p:sldIdLst>
     <p:sldId id="256" r:id="rId2"/>
     <p:sldId id="258" r:id="rId3"/>
-    <p:sldId id="261" r:id="rId4"/>
-    <p:sldId id="260" r:id="rId5"/>
-    <p:sldId id="262" r:id="rId6"/>
-    <p:sldId id="257" r:id="rId7"/>
+    <p:sldId id="257" r:id="rId4"/>
+    <p:sldId id="261" r:id="rId5"/>
+    <p:sldId id="260" r:id="rId6"/>
+    <p:sldId id="262" r:id="rId7"/>
     <p:sldId id="259" r:id="rId8"/>
   </p:sldIdLst>
   <p:sldSz cx="12192000" cy="6858000"/>
@@ -3739,31 +3739,6 @@
           </a:p>
         </p:txBody>
       </p:sp>
-      <p:sp>
-        <p:nvSpPr>
-          <p:cNvPr id="3" name="כותרת משנה 2">
-            <a:extLst>
-              <a:ext uri="{FF2B5EF4-FFF2-40B4-BE49-F238E27FC236}">
-                <a16:creationId xmlns:a16="http://schemas.microsoft.com/office/drawing/2014/main" id="{75DEFB8D-501D-4E2A-96B0-2C907106D33B}"/>
-              </a:ext>
-            </a:extLst>
-          </p:cNvPr>
-          <p:cNvSpPr>
-            <a:spLocks noGrp="1"/>
-          </p:cNvSpPr>
-          <p:nvPr>
-            <p:ph type="subTitle" idx="1"/>
-          </p:nvPr>
-        </p:nvSpPr>
-        <p:spPr/>
-        <p:txBody>
-          <a:bodyPr/>
-          <a:lstStyle/>
-          <a:p>
-            <a:endParaRPr lang="en-US" dirty="0"/>
-          </a:p>
-        </p:txBody>
-      </p:sp>
     </p:spTree>
     <p:extLst>
       <p:ext uri="{BB962C8B-B14F-4D97-AF65-F5344CB8AC3E}">
@@ -3925,6 +3900,580 @@
           <p:cNvPr id="2" name="כותרת 1">
             <a:extLst>
               <a:ext uri="{FF2B5EF4-FFF2-40B4-BE49-F238E27FC236}">
+                <a16:creationId xmlns:a16="http://schemas.microsoft.com/office/drawing/2014/main" id="{59FB4CF8-B5A2-4DAE-827D-788071E38561}"/>
+              </a:ext>
+            </a:extLst>
+          </p:cNvPr>
+          <p:cNvSpPr>
+            <a:spLocks noGrp="1"/>
+          </p:cNvSpPr>
+          <p:nvPr>
+            <p:ph type="title"/>
+          </p:nvPr>
+        </p:nvSpPr>
+        <p:spPr/>
+        <p:txBody>
+          <a:bodyPr/>
+          <a:lstStyle/>
+          <a:p>
+            <a:pPr algn="ctr"/>
+            <a:r>
+              <a:rPr lang="he-IL" dirty="0"/>
+              <a:t>שיווי משקל נאש</a:t>
+            </a:r>
+            <a:endParaRPr lang="en-US" dirty="0"/>
+          </a:p>
+        </p:txBody>
+      </p:sp>
+      <p:sp>
+        <p:nvSpPr>
+          <p:cNvPr id="3" name="מציין מיקום תוכן 2">
+            <a:extLst>
+              <a:ext uri="{FF2B5EF4-FFF2-40B4-BE49-F238E27FC236}">
+                <a16:creationId xmlns:a16="http://schemas.microsoft.com/office/drawing/2014/main" id="{0D6BD5DD-834E-41C1-8543-1821619DA1F5}"/>
+              </a:ext>
+            </a:extLst>
+          </p:cNvPr>
+          <p:cNvSpPr>
+            <a:spLocks noGrp="1"/>
+          </p:cNvSpPr>
+          <p:nvPr>
+            <p:ph idx="1"/>
+          </p:nvPr>
+        </p:nvSpPr>
+        <p:spPr>
+          <a:xfrm>
+            <a:off x="838200" y="1825625"/>
+            <a:ext cx="10515600" cy="586271"/>
+          </a:xfrm>
+        </p:spPr>
+        <p:txBody>
+          <a:bodyPr/>
+          <a:lstStyle/>
+          <a:p>
+            <a:pPr marL="0" indent="0">
+              <a:buNone/>
+            </a:pPr>
+            <a:r>
+              <a:rPr lang="he-IL" dirty="0"/>
+              <a:t>מצב בו אף אחד לא ישפר את עמדתו על ידי שינוי אסטרטגיה.</a:t>
+            </a:r>
+          </a:p>
+          <a:p>
+            <a:pPr marL="0" indent="0">
+              <a:buNone/>
+            </a:pPr>
+            <a:endParaRPr lang="en-US" dirty="0"/>
+          </a:p>
+        </p:txBody>
+      </p:sp>
+      <p:sp>
+        <p:nvSpPr>
+          <p:cNvPr id="4" name="מלבן: פינות מעוגלות 3">
+            <a:extLst>
+              <a:ext uri="{FF2B5EF4-FFF2-40B4-BE49-F238E27FC236}">
+                <a16:creationId xmlns:a16="http://schemas.microsoft.com/office/drawing/2014/main" id="{9DF1BDD7-0D6B-4989-AC21-76ABC39E1236}"/>
+              </a:ext>
+            </a:extLst>
+          </p:cNvPr>
+          <p:cNvSpPr/>
+          <p:nvPr/>
+        </p:nvSpPr>
+        <p:spPr>
+          <a:xfrm>
+            <a:off x="5526157" y="2546833"/>
+            <a:ext cx="2252869" cy="712304"/>
+          </a:xfrm>
+          <a:prstGeom prst="roundRect">
+            <a:avLst/>
+          </a:prstGeom>
+        </p:spPr>
+        <p:style>
+          <a:lnRef idx="2">
+            <a:schemeClr val="accent6"/>
+          </a:lnRef>
+          <a:fillRef idx="1">
+            <a:schemeClr val="lt1"/>
+          </a:fillRef>
+          <a:effectRef idx="0">
+            <a:schemeClr val="accent6"/>
+          </a:effectRef>
+          <a:fontRef idx="minor">
+            <a:schemeClr val="dk1"/>
+          </a:fontRef>
+        </p:style>
+        <p:txBody>
+          <a:bodyPr rtlCol="0" anchor="ctr"/>
+          <a:lstStyle/>
+          <a:p>
+            <a:pPr algn="ctr"/>
+            <a:r>
+              <a:rPr lang="en-US" b="1" dirty="0">
+                <a:solidFill>
+                  <a:schemeClr val="accent5">
+                    <a:lumMod val="75000"/>
+                  </a:schemeClr>
+                </a:solidFill>
+              </a:rPr>
+              <a:t>Pool 1</a:t>
+            </a:r>
+          </a:p>
+        </p:txBody>
+      </p:sp>
+      <p:sp>
+        <p:nvSpPr>
+          <p:cNvPr id="5" name="מלבן: פינות מעוגלות 4">
+            <a:extLst>
+              <a:ext uri="{FF2B5EF4-FFF2-40B4-BE49-F238E27FC236}">
+                <a16:creationId xmlns:a16="http://schemas.microsoft.com/office/drawing/2014/main" id="{FDD3A5B0-A3DC-4472-8193-21152E48AC34}"/>
+              </a:ext>
+            </a:extLst>
+          </p:cNvPr>
+          <p:cNvSpPr/>
+          <p:nvPr/>
+        </p:nvSpPr>
+        <p:spPr>
+          <a:xfrm>
+            <a:off x="377687" y="4403035"/>
+            <a:ext cx="2047461" cy="712304"/>
+          </a:xfrm>
+          <a:prstGeom prst="roundRect">
+            <a:avLst/>
+          </a:prstGeom>
+        </p:spPr>
+        <p:style>
+          <a:lnRef idx="2">
+            <a:schemeClr val="accent6"/>
+          </a:lnRef>
+          <a:fillRef idx="1">
+            <a:schemeClr val="lt1"/>
+          </a:fillRef>
+          <a:effectRef idx="0">
+            <a:schemeClr val="accent6"/>
+          </a:effectRef>
+          <a:fontRef idx="minor">
+            <a:schemeClr val="dk1"/>
+          </a:fontRef>
+        </p:style>
+        <p:txBody>
+          <a:bodyPr rtlCol="0" anchor="ctr"/>
+          <a:lstStyle/>
+          <a:p>
+            <a:pPr algn="ctr"/>
+            <a:r>
+              <a:rPr lang="en-US" b="1" dirty="0">
+                <a:solidFill>
+                  <a:schemeClr val="bg2">
+                    <a:lumMod val="10000"/>
+                  </a:schemeClr>
+                </a:solidFill>
+              </a:rPr>
+              <a:t>Pool 2</a:t>
+            </a:r>
+          </a:p>
+        </p:txBody>
+      </p:sp>
+      <p:graphicFrame>
+        <p:nvGraphicFramePr>
+          <p:cNvPr id="10" name="טבלה 9">
+            <a:extLst>
+              <a:ext uri="{FF2B5EF4-FFF2-40B4-BE49-F238E27FC236}">
+                <a16:creationId xmlns:a16="http://schemas.microsoft.com/office/drawing/2014/main" id="{FFE3573B-08EB-4445-AFF4-5781FF441259}"/>
+              </a:ext>
+            </a:extLst>
+          </p:cNvPr>
+          <p:cNvGraphicFramePr>
+            <a:graphicFrameLocks noGrp="1"/>
+          </p:cNvGraphicFramePr>
+          <p:nvPr>
+            <p:extLst>
+              <p:ext uri="{D42A27DB-BD31-4B8C-83A1-F6EECF244321}">
+                <p14:modId xmlns:p14="http://schemas.microsoft.com/office/powerpoint/2010/main" val="878377504"/>
+              </p:ext>
+            </p:extLst>
+          </p:nvPr>
+        </p:nvGraphicFramePr>
+        <p:xfrm>
+          <a:off x="2747618" y="3394072"/>
+          <a:ext cx="7893879" cy="2847702"/>
+        </p:xfrm>
+        <a:graphic>
+          <a:graphicData uri="http://schemas.openxmlformats.org/drawingml/2006/table">
+            <a:tbl>
+              <a:tblPr firstRow="1" bandRow="1">
+                <a:tableStyleId>{5C22544A-7EE6-4342-B048-85BDC9FD1C3A}</a:tableStyleId>
+              </a:tblPr>
+              <a:tblGrid>
+                <a:gridCol w="2631293">
+                  <a:extLst>
+                    <a:ext uri="{9D8B030D-6E8A-4147-A177-3AD203B41FA5}">
+                      <a16:colId xmlns:a16="http://schemas.microsoft.com/office/drawing/2014/main" val="1492537969"/>
+                    </a:ext>
+                  </a:extLst>
+                </a:gridCol>
+                <a:gridCol w="2631293">
+                  <a:extLst>
+                    <a:ext uri="{9D8B030D-6E8A-4147-A177-3AD203B41FA5}">
+                      <a16:colId xmlns:a16="http://schemas.microsoft.com/office/drawing/2014/main" val="2031442963"/>
+                    </a:ext>
+                  </a:extLst>
+                </a:gridCol>
+                <a:gridCol w="2631293">
+                  <a:extLst>
+                    <a:ext uri="{9D8B030D-6E8A-4147-A177-3AD203B41FA5}">
+                      <a16:colId xmlns:a16="http://schemas.microsoft.com/office/drawing/2014/main" val="2611323456"/>
+                    </a:ext>
+                  </a:extLst>
+                </a:gridCol>
+              </a:tblGrid>
+              <a:tr h="949234">
+                <a:tc>
+                  <a:txBody>
+                    <a:bodyPr/>
+                    <a:lstStyle/>
+                    <a:p>
+                      <a:pPr algn="ctr"/>
+                      <a:endParaRPr lang="en-US" dirty="0"/>
+                    </a:p>
+                  </a:txBody>
+                  <a:tcPr>
+                    <a:solidFill>
+                      <a:schemeClr val="tx2">
+                        <a:lumMod val="40000"/>
+                        <a:lumOff val="60000"/>
+                      </a:schemeClr>
+                    </a:solidFill>
+                  </a:tcPr>
+                </a:tc>
+                <a:tc>
+                  <a:txBody>
+                    <a:bodyPr/>
+                    <a:lstStyle/>
+                    <a:p>
+                      <a:pPr algn="ctr"/>
+                      <a:r>
+                        <a:rPr lang="en-US" b="1" dirty="0">
+                          <a:solidFill>
+                            <a:schemeClr val="bg2">
+                              <a:lumMod val="10000"/>
+                            </a:schemeClr>
+                          </a:solidFill>
+                        </a:rPr>
+                        <a:t>Attack </a:t>
+                      </a:r>
+                    </a:p>
+                  </a:txBody>
+                  <a:tcPr>
+                    <a:solidFill>
+                      <a:schemeClr val="tx2">
+                        <a:lumMod val="40000"/>
+                        <a:lumOff val="60000"/>
+                      </a:schemeClr>
+                    </a:solidFill>
+                  </a:tcPr>
+                </a:tc>
+                <a:tc>
+                  <a:txBody>
+                    <a:bodyPr/>
+                    <a:lstStyle/>
+                    <a:p>
+                      <a:pPr marL="0" marR="0" lvl="0" indent="0" algn="ctr" defTabSz="914400" rtl="1" eaLnBrk="1" fontAlgn="auto" latinLnBrk="0" hangingPunct="1">
+                        <a:lnSpc>
+                          <a:spcPct val="100000"/>
+                        </a:lnSpc>
+                        <a:spcBef>
+                          <a:spcPts val="0"/>
+                        </a:spcBef>
+                        <a:spcAft>
+                          <a:spcPts val="0"/>
+                        </a:spcAft>
+                        <a:buClrTx/>
+                        <a:buSzTx/>
+                        <a:buFontTx/>
+                        <a:buNone/>
+                        <a:tabLst/>
+                        <a:defRPr/>
+                      </a:pPr>
+                      <a:r>
+                        <a:rPr lang="en-US" b="1" dirty="0">
+                          <a:solidFill>
+                            <a:schemeClr val="bg2">
+                              <a:lumMod val="10000"/>
+                            </a:schemeClr>
+                          </a:solidFill>
+                        </a:rPr>
+                        <a:t>No Attack</a:t>
+                      </a:r>
+                    </a:p>
+                    <a:p>
+                      <a:pPr algn="ctr"/>
+                      <a:endParaRPr lang="en-US" dirty="0"/>
+                    </a:p>
+                  </a:txBody>
+                  <a:tcPr>
+                    <a:solidFill>
+                      <a:schemeClr val="tx2">
+                        <a:lumMod val="40000"/>
+                        <a:lumOff val="60000"/>
+                      </a:schemeClr>
+                    </a:solidFill>
+                  </a:tcPr>
+                </a:tc>
+                <a:extLst>
+                  <a:ext uri="{0D108BD9-81ED-4DB2-BD59-A6C34878D82A}">
+                    <a16:rowId xmlns:a16="http://schemas.microsoft.com/office/drawing/2014/main" val="1117821095"/>
+                  </a:ext>
+                </a:extLst>
+              </a:tr>
+              <a:tr h="949234">
+                <a:tc>
+                  <a:txBody>
+                    <a:bodyPr/>
+                    <a:lstStyle/>
+                    <a:p>
+                      <a:pPr algn="ctr"/>
+                      <a:r>
+                        <a:rPr lang="en-US" b="1" dirty="0">
+                          <a:solidFill>
+                            <a:schemeClr val="bg2">
+                              <a:lumMod val="10000"/>
+                            </a:schemeClr>
+                          </a:solidFill>
+                        </a:rPr>
+                        <a:t>Attack</a:t>
+                      </a:r>
+                      <a:endParaRPr lang="en-US" dirty="0"/>
+                    </a:p>
+                  </a:txBody>
+                  <a:tcPr>
+                    <a:solidFill>
+                      <a:schemeClr val="tx2">
+                        <a:lumMod val="40000"/>
+                        <a:lumOff val="60000"/>
+                      </a:schemeClr>
+                    </a:solidFill>
+                  </a:tcPr>
+                </a:tc>
+                <a:tc>
+                  <a:txBody>
+                    <a:bodyPr/>
+                    <a:lstStyle/>
+                    <a:p>
+                      <a:pPr algn="ctr"/>
+                      <a:r>
+                        <a:rPr lang="en-US" b="1" dirty="0">
+                          <a:solidFill>
+                            <a:schemeClr val="bg2">
+                              <a:lumMod val="10000"/>
+                            </a:schemeClr>
+                          </a:solidFill>
+                        </a:rPr>
+                        <a:t>8/</a:t>
+                      </a:r>
+                      <a:r>
+                        <a:rPr lang="en-US" b="1" dirty="0">
+                          <a:solidFill>
+                            <a:schemeClr val="accent1"/>
+                          </a:solidFill>
+                        </a:rPr>
+                        <a:t>8</a:t>
+                      </a:r>
+                      <a:endParaRPr lang="en-US" b="1" dirty="0">
+                        <a:solidFill>
+                          <a:schemeClr val="bg2">
+                            <a:lumMod val="10000"/>
+                          </a:schemeClr>
+                        </a:solidFill>
+                      </a:endParaRPr>
+                    </a:p>
+                  </a:txBody>
+                  <a:tcPr>
+                    <a:solidFill>
+                      <a:schemeClr val="accent6">
+                        <a:lumMod val="60000"/>
+                        <a:lumOff val="40000"/>
+                      </a:schemeClr>
+                    </a:solidFill>
+                  </a:tcPr>
+                </a:tc>
+                <a:tc>
+                  <a:txBody>
+                    <a:bodyPr/>
+                    <a:lstStyle/>
+                    <a:p>
+                      <a:pPr algn="ctr"/>
+                      <a:r>
+                        <a:rPr lang="en-US" b="1" dirty="0">
+                          <a:solidFill>
+                            <a:schemeClr val="bg2">
+                              <a:lumMod val="10000"/>
+                            </a:schemeClr>
+                          </a:solidFill>
+                        </a:rPr>
+                        <a:t>13/</a:t>
+                      </a:r>
+                      <a:r>
+                        <a:rPr lang="en-US" b="1" dirty="0">
+                          <a:solidFill>
+                            <a:schemeClr val="accent1"/>
+                          </a:solidFill>
+                        </a:rPr>
+                        <a:t>5</a:t>
+                      </a:r>
+                      <a:endParaRPr lang="en-US" dirty="0"/>
+                    </a:p>
+                  </a:txBody>
+                  <a:tcPr>
+                    <a:solidFill>
+                      <a:srgbClr val="FFC000"/>
+                    </a:solidFill>
+                  </a:tcPr>
+                </a:tc>
+                <a:extLst>
+                  <a:ext uri="{0D108BD9-81ED-4DB2-BD59-A6C34878D82A}">
+                    <a16:rowId xmlns:a16="http://schemas.microsoft.com/office/drawing/2014/main" val="69688423"/>
+                  </a:ext>
+                </a:extLst>
+              </a:tr>
+              <a:tr h="949234">
+                <a:tc>
+                  <a:txBody>
+                    <a:bodyPr/>
+                    <a:lstStyle/>
+                    <a:p>
+                      <a:pPr algn="ctr"/>
+                      <a:r>
+                        <a:rPr lang="en-US" b="1" dirty="0">
+                          <a:solidFill>
+                            <a:schemeClr val="bg2">
+                              <a:lumMod val="10000"/>
+                            </a:schemeClr>
+                          </a:solidFill>
+                        </a:rPr>
+                        <a:t>No Attack</a:t>
+                      </a:r>
+                    </a:p>
+                  </a:txBody>
+                  <a:tcPr>
+                    <a:solidFill>
+                      <a:schemeClr val="tx2">
+                        <a:lumMod val="40000"/>
+                        <a:lumOff val="60000"/>
+                      </a:schemeClr>
+                    </a:solidFill>
+                  </a:tcPr>
+                </a:tc>
+                <a:tc>
+                  <a:txBody>
+                    <a:bodyPr/>
+                    <a:lstStyle/>
+                    <a:p>
+                      <a:pPr algn="ctr"/>
+                      <a:r>
+                        <a:rPr lang="en-US" b="1" dirty="0">
+                          <a:solidFill>
+                            <a:schemeClr val="bg2">
+                              <a:lumMod val="10000"/>
+                            </a:schemeClr>
+                          </a:solidFill>
+                        </a:rPr>
+                        <a:t>5/</a:t>
+                      </a:r>
+                      <a:r>
+                        <a:rPr lang="en-US" b="1" dirty="0">
+                          <a:solidFill>
+                            <a:schemeClr val="accent1"/>
+                          </a:solidFill>
+                        </a:rPr>
+                        <a:t>13</a:t>
+                      </a:r>
+                      <a:endParaRPr lang="en-US" dirty="0"/>
+                    </a:p>
+                  </a:txBody>
+                  <a:tcPr>
+                    <a:solidFill>
+                      <a:srgbClr val="FFC000"/>
+                    </a:solidFill>
+                  </a:tcPr>
+                </a:tc>
+                <a:tc>
+                  <a:txBody>
+                    <a:bodyPr/>
+                    <a:lstStyle/>
+                    <a:p>
+                      <a:pPr algn="ctr"/>
+                      <a:r>
+                        <a:rPr lang="en-US" b="1" dirty="0">
+                          <a:solidFill>
+                            <a:schemeClr val="bg2">
+                              <a:lumMod val="10000"/>
+                            </a:schemeClr>
+                          </a:solidFill>
+                        </a:rPr>
+                        <a:t>10/</a:t>
+                      </a:r>
+                      <a:r>
+                        <a:rPr lang="en-US" b="1" dirty="0">
+                          <a:solidFill>
+                            <a:schemeClr val="accent1"/>
+                          </a:solidFill>
+                        </a:rPr>
+                        <a:t>10</a:t>
+                      </a:r>
+                      <a:endParaRPr lang="en-US" dirty="0"/>
+                    </a:p>
+                  </a:txBody>
+                  <a:tcPr>
+                    <a:solidFill>
+                      <a:srgbClr val="92D050"/>
+                    </a:solidFill>
+                  </a:tcPr>
+                </a:tc>
+                <a:extLst>
+                  <a:ext uri="{0D108BD9-81ED-4DB2-BD59-A6C34878D82A}">
+                    <a16:rowId xmlns:a16="http://schemas.microsoft.com/office/drawing/2014/main" val="25593232"/>
+                  </a:ext>
+                </a:extLst>
+              </a:tr>
+            </a:tbl>
+          </a:graphicData>
+        </a:graphic>
+      </p:graphicFrame>
+    </p:spTree>
+    <p:extLst>
+      <p:ext uri="{BB962C8B-B14F-4D97-AF65-F5344CB8AC3E}">
+        <p14:creationId xmlns:p14="http://schemas.microsoft.com/office/powerpoint/2010/main" val="880859063"/>
+      </p:ext>
+    </p:extLst>
+  </p:cSld>
+  <p:clrMapOvr>
+    <a:masterClrMapping/>
+  </p:clrMapOvr>
+</p:sld>
+</file>
+
+<file path=ppt/slides/slide4.xml><?xml version="1.0" encoding="utf-8"?>
+<p:sld xmlns:a="http://schemas.openxmlformats.org/drawingml/2006/main" xmlns:r="http://schemas.openxmlformats.org/officeDocument/2006/relationships" xmlns:p="http://schemas.openxmlformats.org/presentationml/2006/main">
+  <p:cSld>
+    <p:spTree>
+      <p:nvGrpSpPr>
+        <p:cNvPr id="1" name=""/>
+        <p:cNvGrpSpPr/>
+        <p:nvPr/>
+      </p:nvGrpSpPr>
+      <p:grpSpPr>
+        <a:xfrm>
+          <a:off x="0" y="0"/>
+          <a:ext cx="0" cy="0"/>
+          <a:chOff x="0" y="0"/>
+          <a:chExt cx="0" cy="0"/>
+        </a:xfrm>
+      </p:grpSpPr>
+      <p:sp>
+        <p:nvSpPr>
+          <p:cNvPr id="2" name="כותרת 1">
+            <a:extLst>
+              <a:ext uri="{FF2B5EF4-FFF2-40B4-BE49-F238E27FC236}">
                 <a16:creationId xmlns:a16="http://schemas.microsoft.com/office/drawing/2014/main" id="{205F096B-8F4E-4254-97A8-83C741C76A46}"/>
               </a:ext>
             </a:extLst>
@@ -4045,7 +4594,7 @@
 </p:sld>
 </file>
 
-<file path=ppt/slides/slide4.xml><?xml version="1.0" encoding="utf-8"?>
+<file path=ppt/slides/slide5.xml><?xml version="1.0" encoding="utf-8"?>
 <p:sld xmlns:a="http://schemas.openxmlformats.org/drawingml/2006/main" xmlns:r="http://schemas.openxmlformats.org/officeDocument/2006/relationships" xmlns:p="http://schemas.openxmlformats.org/presentationml/2006/main">
   <p:cSld>
     <p:spTree>
@@ -5653,8 +6202,8 @@
           </a:fontRef>
         </p:style>
       </p:cxnSp>
-      <mc:AlternateContent xmlns:mc="http://schemas.openxmlformats.org/markup-compatibility/2006">
-        <mc:Choice xmlns:a14="http://schemas.microsoft.com/office/drawing/2010/main" Requires="a14">
+      <mc:AlternateContent xmlns:mc="http://schemas.openxmlformats.org/markup-compatibility/2006" xmlns:a14="http://schemas.microsoft.com/office/drawing/2010/main">
+        <mc:Choice Requires="a14">
           <p:sp>
             <p:nvSpPr>
               <p:cNvPr id="32" name="TextBox 31">
@@ -5683,6 +6232,7 @@
               </a:bodyPr>
               <a:lstStyle/>
               <a:p>
+                <a:pPr/>
                 <a14:m>
                   <m:oMathPara xmlns:m="http://schemas.openxmlformats.org/officeDocument/2006/math">
                     <m:oMathParaPr>
@@ -5710,19 +6260,7 @@
                             <a:rPr lang="en-US" b="0" i="1" smtClean="0">
                               <a:latin typeface="Cambria Math" panose="02040503050406030204" pitchFamily="18" charset="0"/>
                             </a:rPr>
-                            <m:t>1</m:t>
-                          </m:r>
-                          <m:r>
-                            <a:rPr lang="en-US" b="0" i="1" smtClean="0">
-                              <a:latin typeface="Cambria Math" panose="02040503050406030204" pitchFamily="18" charset="0"/>
-                            </a:rPr>
-                            <m:t>,</m:t>
-                          </m:r>
-                          <m:r>
-                            <a:rPr lang="en-US" b="0" i="1" smtClean="0">
-                              <a:latin typeface="Cambria Math" panose="02040503050406030204" pitchFamily="18" charset="0"/>
-                            </a:rPr>
-                            <m:t>2</m:t>
+                            <m:t>1,2</m:t>
                           </m:r>
                         </m:sub>
                       </m:sSub>
@@ -5734,7 +6272,7 @@
             </p:txBody>
           </p:sp>
         </mc:Choice>
-        <mc:Fallback>
+        <mc:Fallback xmlns="">
           <p:sp>
             <p:nvSpPr>
               <p:cNvPr id="32" name="TextBox 31">
@@ -5792,144 +6330,6 @@
 </p:sld>
 </file>
 
-<file path=ppt/slides/slide5.xml><?xml version="1.0" encoding="utf-8"?>
-<p:sld xmlns:a="http://schemas.openxmlformats.org/drawingml/2006/main" xmlns:r="http://schemas.openxmlformats.org/officeDocument/2006/relationships" xmlns:p="http://schemas.openxmlformats.org/presentationml/2006/main">
-  <p:cSld>
-    <p:spTree>
-      <p:nvGrpSpPr>
-        <p:cNvPr id="1" name=""/>
-        <p:cNvGrpSpPr/>
-        <p:nvPr/>
-      </p:nvGrpSpPr>
-      <p:grpSpPr>
-        <a:xfrm>
-          <a:off x="0" y="0"/>
-          <a:ext cx="0" cy="0"/>
-          <a:chOff x="0" y="0"/>
-          <a:chExt cx="0" cy="0"/>
-        </a:xfrm>
-      </p:grpSpPr>
-      <p:sp>
-        <p:nvSpPr>
-          <p:cNvPr id="2" name="כותרת 1">
-            <a:extLst>
-              <a:ext uri="{FF2B5EF4-FFF2-40B4-BE49-F238E27FC236}">
-                <a16:creationId xmlns:a16="http://schemas.microsoft.com/office/drawing/2014/main" id="{B1D9EC5D-0BDF-468E-9BD9-089CA8C8E1DF}"/>
-              </a:ext>
-            </a:extLst>
-          </p:cNvPr>
-          <p:cNvSpPr>
-            <a:spLocks noGrp="1"/>
-          </p:cNvSpPr>
-          <p:nvPr>
-            <p:ph type="title"/>
-          </p:nvPr>
-        </p:nvSpPr>
-        <p:spPr/>
-        <p:txBody>
-          <a:bodyPr/>
-          <a:lstStyle/>
-          <a:p>
-            <a:pPr algn="ctr"/>
-            <a:r>
-              <a:rPr lang="en-US" dirty="0"/>
-              <a:t>Block withholding attack</a:t>
-            </a:r>
-          </a:p>
-        </p:txBody>
-      </p:sp>
-      <p:sp>
-        <p:nvSpPr>
-          <p:cNvPr id="3" name="מציין מיקום תוכן 2">
-            <a:extLst>
-              <a:ext uri="{FF2B5EF4-FFF2-40B4-BE49-F238E27FC236}">
-                <a16:creationId xmlns:a16="http://schemas.microsoft.com/office/drawing/2014/main" id="{418965AD-B911-4752-A49B-390696D50605}"/>
-              </a:ext>
-            </a:extLst>
-          </p:cNvPr>
-          <p:cNvSpPr>
-            <a:spLocks noGrp="1"/>
-          </p:cNvSpPr>
-          <p:nvPr>
-            <p:ph idx="1"/>
-          </p:nvPr>
-        </p:nvSpPr>
-        <p:spPr/>
-        <p:txBody>
-          <a:bodyPr/>
-          <a:lstStyle/>
-          <a:p>
-            <a:pPr marL="0" indent="0">
-              <a:buNone/>
-            </a:pPr>
-            <a:r>
-              <a:rPr lang="he-IL" dirty="0"/>
-              <a:t>הערות:</a:t>
-            </a:r>
-          </a:p>
-          <a:p>
-            <a:pPr marL="0" indent="0">
-              <a:buNone/>
-            </a:pPr>
-            <a:r>
-              <a:rPr lang="he-IL" dirty="0"/>
-              <a:t>כאשר קבוצה תוקפת כוח החישוב שלה יורד עקב הקצאת משאבים לתקיפת הקבוצה השנייה.</a:t>
-            </a:r>
-          </a:p>
-          <a:p>
-            <a:pPr marL="0" indent="0">
-              <a:buNone/>
-            </a:pPr>
-            <a:endParaRPr lang="he-IL" dirty="0"/>
-          </a:p>
-          <a:p>
-            <a:pPr marL="0" indent="0">
-              <a:buNone/>
-            </a:pPr>
-            <a:r>
-              <a:rPr lang="he-IL" dirty="0"/>
-              <a:t>אחרי התקופה הראשונה של ההתקפה קושי הפאזלים ירד עקב פתירה מואטת של פאזלים ( </a:t>
-            </a:r>
-            <a:r>
-              <a:rPr lang="he-IL" dirty="0" err="1"/>
-              <a:t>כח</a:t>
-            </a:r>
-            <a:r>
-              <a:rPr lang="he-IL" dirty="0"/>
-              <a:t> החישוב הכללי יורד).</a:t>
-            </a:r>
-          </a:p>
-          <a:p>
-            <a:pPr marL="0" indent="0">
-              <a:buNone/>
-            </a:pPr>
-            <a:endParaRPr lang="he-IL" dirty="0"/>
-          </a:p>
-          <a:p>
-            <a:pPr marL="0" indent="0">
-              <a:buNone/>
-            </a:pPr>
-            <a:r>
-              <a:rPr lang="he-IL" dirty="0"/>
-              <a:t>לא ניתן לזהות את  זהות התוקף  כי אי אפשר להבדיל בין כורים חסרי מזל לכאלה שהם פשוט זדוניים.</a:t>
-            </a:r>
-            <a:endParaRPr lang="en-US" dirty="0"/>
-          </a:p>
-        </p:txBody>
-      </p:sp>
-    </p:spTree>
-    <p:extLst>
-      <p:ext uri="{BB962C8B-B14F-4D97-AF65-F5344CB8AC3E}">
-        <p14:creationId xmlns:p14="http://schemas.microsoft.com/office/powerpoint/2010/main" val="1417853180"/>
-      </p:ext>
-    </p:extLst>
-  </p:cSld>
-  <p:clrMapOvr>
-    <a:masterClrMapping/>
-  </p:clrMapOvr>
-</p:sld>
-</file>
-
 <file path=ppt/slides/slide6.xml><?xml version="1.0" encoding="utf-8"?>
 <p:sld xmlns:a="http://schemas.openxmlformats.org/drawingml/2006/main" xmlns:r="http://schemas.openxmlformats.org/officeDocument/2006/relationships" xmlns:p="http://schemas.openxmlformats.org/presentationml/2006/main">
   <p:cSld>
@@ -5952,7 +6352,7 @@
           <p:cNvPr id="2" name="כותרת 1">
             <a:extLst>
               <a:ext uri="{FF2B5EF4-FFF2-40B4-BE49-F238E27FC236}">
-                <a16:creationId xmlns:a16="http://schemas.microsoft.com/office/drawing/2014/main" id="{59FB4CF8-B5A2-4DAE-827D-788071E38561}"/>
+                <a16:creationId xmlns:a16="http://schemas.microsoft.com/office/drawing/2014/main" id="{B1D9EC5D-0BDF-468E-9BD9-089CA8C8E1DF}"/>
               </a:ext>
             </a:extLst>
           </p:cNvPr>
@@ -5970,10 +6370,9 @@
           <a:p>
             <a:pPr algn="ctr"/>
             <a:r>
-              <a:rPr lang="he-IL" dirty="0"/>
-              <a:t>שיווי משקל נאש</a:t>
-            </a:r>
-            <a:endParaRPr lang="en-US" dirty="0"/>
+              <a:rPr lang="en-US" dirty="0"/>
+              <a:t>Block withholding attack</a:t>
+            </a:r>
           </a:p>
         </p:txBody>
       </p:sp>
@@ -5982,7 +6381,7 @@
           <p:cNvPr id="3" name="מציין מיקום תוכן 2">
             <a:extLst>
               <a:ext uri="{FF2B5EF4-FFF2-40B4-BE49-F238E27FC236}">
-                <a16:creationId xmlns:a16="http://schemas.microsoft.com/office/drawing/2014/main" id="{0D6BD5DD-834E-41C1-8543-1821619DA1F5}"/>
+                <a16:creationId xmlns:a16="http://schemas.microsoft.com/office/drawing/2014/main" id="{418965AD-B911-4752-A49B-390696D50605}"/>
               </a:ext>
             </a:extLst>
           </p:cNvPr>
@@ -6003,13 +6402,55 @@
             </a:pPr>
             <a:r>
               <a:rPr lang="he-IL" dirty="0"/>
-              <a:t>מצב בו אף אחד לא ישפר את עמדתו על ידי שינוי אסטרטגיה.</a:t>
+              <a:t>הערות:</a:t>
             </a:r>
           </a:p>
           <a:p>
             <a:pPr marL="0" indent="0">
               <a:buNone/>
             </a:pPr>
+            <a:r>
+              <a:rPr lang="he-IL" dirty="0"/>
+              <a:t>כאשר קבוצה תוקפת כוח החישוב שלה יורד עקב הקצאת משאבים לתקיפת הקבוצה השנייה.</a:t>
+            </a:r>
+          </a:p>
+          <a:p>
+            <a:pPr marL="0" indent="0">
+              <a:buNone/>
+            </a:pPr>
+            <a:endParaRPr lang="he-IL" dirty="0"/>
+          </a:p>
+          <a:p>
+            <a:pPr marL="0" indent="0">
+              <a:buNone/>
+            </a:pPr>
+            <a:r>
+              <a:rPr lang="he-IL" dirty="0"/>
+              <a:t>אחרי התקופה הראשונה של ההתקפה קושי הפאזלים ירד עקב פתירה מואטת של פאזלים ( </a:t>
+            </a:r>
+            <a:r>
+              <a:rPr lang="he-IL" dirty="0" err="1"/>
+              <a:t>כח</a:t>
+            </a:r>
+            <a:r>
+              <a:rPr lang="he-IL" dirty="0"/>
+              <a:t> החישוב הכללי יורד).</a:t>
+            </a:r>
+          </a:p>
+          <a:p>
+            <a:pPr marL="0" indent="0">
+              <a:buNone/>
+            </a:pPr>
+            <a:endParaRPr lang="he-IL" dirty="0"/>
+          </a:p>
+          <a:p>
+            <a:pPr marL="0" indent="0">
+              <a:buNone/>
+            </a:pPr>
+            <a:r>
+              <a:rPr lang="he-IL" dirty="0"/>
+              <a:t>לא ניתן לזהות את  זהות התוקף  כי אי אפשר להבדיל בין כורים חסרי מזל לכאלה שהם פשוט זדוניים.</a:t>
+            </a:r>
             <a:endParaRPr lang="en-US" dirty="0"/>
           </a:p>
         </p:txBody>
@@ -6017,7 +6458,7 @@
     </p:spTree>
     <p:extLst>
       <p:ext uri="{BB962C8B-B14F-4D97-AF65-F5344CB8AC3E}">
-        <p14:creationId xmlns:p14="http://schemas.microsoft.com/office/powerpoint/2010/main" val="880859063"/>
+        <p14:creationId xmlns:p14="http://schemas.microsoft.com/office/powerpoint/2010/main" val="1417853180"/>
       </p:ext>
     </p:extLst>
   </p:cSld>

--- a/The miner’s dilemma.pptx
+++ b/The miner’s dilemma.pptx
@@ -5,7 +5,7 @@
     <p:sldMasterId id="2147483648" r:id="rId1"/>
   </p:sldMasterIdLst>
   <p:notesMasterIdLst>
-    <p:notesMasterId r:id="rId9"/>
+    <p:notesMasterId r:id="rId10"/>
   </p:notesMasterIdLst>
   <p:sldIdLst>
     <p:sldId id="256" r:id="rId2"/>
@@ -15,6 +15,7 @@
     <p:sldId id="260" r:id="rId6"/>
     <p:sldId id="262" r:id="rId7"/>
     <p:sldId id="259" r:id="rId8"/>
+    <p:sldId id="263" r:id="rId9"/>
   </p:sldIdLst>
   <p:sldSz cx="12192000" cy="6858000"/>
   <p:notesSz cx="6858000" cy="9144000"/>
@@ -4439,6 +4440,103 @@
           </a:graphicData>
         </a:graphic>
       </p:graphicFrame>
+      <p:sp>
+        <p:nvSpPr>
+          <p:cNvPr id="11" name="מלבן 10">
+            <a:extLst>
+              <a:ext uri="{FF2B5EF4-FFF2-40B4-BE49-F238E27FC236}">
+                <a16:creationId xmlns:a16="http://schemas.microsoft.com/office/drawing/2014/main" id="{E6371E79-EE49-4845-9C1A-ACF86888C5A2}"/>
+              </a:ext>
+            </a:extLst>
+          </p:cNvPr>
+          <p:cNvSpPr/>
+          <p:nvPr/>
+        </p:nvSpPr>
+        <p:spPr>
+          <a:xfrm>
+            <a:off x="11198086" y="5459895"/>
+            <a:ext cx="815009" cy="410817"/>
+          </a:xfrm>
+          <a:prstGeom prst="rect">
+            <a:avLst/>
+          </a:prstGeom>
+          <a:solidFill>
+            <a:schemeClr val="bg1"/>
+          </a:solidFill>
+        </p:spPr>
+        <p:style>
+          <a:lnRef idx="2">
+            <a:schemeClr val="accent1">
+              <a:shade val="50000"/>
+            </a:schemeClr>
+          </a:lnRef>
+          <a:fillRef idx="1">
+            <a:schemeClr val="accent1"/>
+          </a:fillRef>
+          <a:effectRef idx="0">
+            <a:schemeClr val="accent1"/>
+          </a:effectRef>
+          <a:fontRef idx="minor">
+            <a:schemeClr val="lt1"/>
+          </a:fontRef>
+        </p:style>
+        <p:txBody>
+          <a:bodyPr rtlCol="0" anchor="ctr"/>
+          <a:lstStyle/>
+          <a:p>
+            <a:pPr algn="ctr"/>
+            <a:r>
+              <a:rPr lang="en-US" dirty="0">
+                <a:solidFill>
+                  <a:schemeClr val="tx1"/>
+                </a:solidFill>
+              </a:rPr>
+              <a:t>NE</a:t>
+            </a:r>
+          </a:p>
+        </p:txBody>
+      </p:sp>
+      <p:cxnSp>
+        <p:nvCxnSpPr>
+          <p:cNvPr id="13" name="מחבר חץ ישר 12">
+            <a:extLst>
+              <a:ext uri="{FF2B5EF4-FFF2-40B4-BE49-F238E27FC236}">
+                <a16:creationId xmlns:a16="http://schemas.microsoft.com/office/drawing/2014/main" id="{125DC08B-1384-4BA7-B233-54F8CD0B8B03}"/>
+              </a:ext>
+            </a:extLst>
+          </p:cNvPr>
+          <p:cNvCxnSpPr>
+            <a:stCxn id="11" idx="1"/>
+          </p:cNvCxnSpPr>
+          <p:nvPr/>
+        </p:nvCxnSpPr>
+        <p:spPr>
+          <a:xfrm flipH="1">
+            <a:off x="10641497" y="5665304"/>
+            <a:ext cx="556589" cy="59635"/>
+          </a:xfrm>
+          <a:prstGeom prst="straightConnector1">
+            <a:avLst/>
+          </a:prstGeom>
+          <a:ln>
+            <a:tailEnd type="triangle"/>
+          </a:ln>
+        </p:spPr>
+        <p:style>
+          <a:lnRef idx="1">
+            <a:schemeClr val="accent1"/>
+          </a:lnRef>
+          <a:fillRef idx="0">
+            <a:schemeClr val="accent1"/>
+          </a:fillRef>
+          <a:effectRef idx="0">
+            <a:schemeClr val="accent1"/>
+          </a:effectRef>
+          <a:fontRef idx="minor">
+            <a:schemeClr val="tx1"/>
+          </a:fontRef>
+        </p:style>
+      </p:cxnSp>
     </p:spTree>
     <p:extLst>
       <p:ext uri="{BB962C8B-B14F-4D97-AF65-F5344CB8AC3E}">
@@ -6260,7 +6358,19 @@
                             <a:rPr lang="en-US" b="0" i="1" smtClean="0">
                               <a:latin typeface="Cambria Math" panose="02040503050406030204" pitchFamily="18" charset="0"/>
                             </a:rPr>
-                            <m:t>1,2</m:t>
+                            <m:t>1</m:t>
+                          </m:r>
+                          <m:r>
+                            <a:rPr lang="en-US" b="0" i="1" smtClean="0">
+                              <a:latin typeface="Cambria Math" panose="02040503050406030204" pitchFamily="18" charset="0"/>
+                            </a:rPr>
+                            <m:t>,</m:t>
+                          </m:r>
+                          <m:r>
+                            <a:rPr lang="en-US" b="0" i="1" smtClean="0">
+                              <a:latin typeface="Cambria Math" panose="02040503050406030204" pitchFamily="18" charset="0"/>
+                            </a:rPr>
+                            <m:t>2</m:t>
                           </m:r>
                         </m:sub>
                       </m:sSub>
@@ -6426,15 +6536,7 @@
             </a:pPr>
             <a:r>
               <a:rPr lang="he-IL" dirty="0"/>
-              <a:t>אחרי התקופה הראשונה של ההתקפה קושי הפאזלים ירד עקב פתירה מואטת של פאזלים ( </a:t>
-            </a:r>
-            <a:r>
-              <a:rPr lang="he-IL" dirty="0" err="1"/>
-              <a:t>כח</a:t>
-            </a:r>
-            <a:r>
-              <a:rPr lang="he-IL" dirty="0"/>
-              <a:t> החישוב הכללי יורד).</a:t>
+              <a:t>אחרי התקופה הראשונה של ההתקפה קושי הפאזלים ירד עקב פתירה מואטת של פאזלים ( כוח החישוב הכללי יורד).</a:t>
             </a:r>
           </a:p>
           <a:p>
@@ -6506,7 +6608,11 @@
           <a:bodyPr/>
           <a:lstStyle/>
           <a:p>
-            <a:endParaRPr lang="en-US"/>
+            <a:pPr algn="ctr"/>
+            <a:r>
+              <a:rPr lang="en-US" dirty="0"/>
+              <a:t>Block withholding attack</a:t>
+            </a:r>
           </a:p>
         </p:txBody>
       </p:sp>
@@ -6531,7 +6637,23 @@
           <a:bodyPr/>
           <a:lstStyle/>
           <a:p>
-            <a:endParaRPr lang="en-US"/>
+            <a:pPr marL="0" indent="0">
+              <a:buNone/>
+            </a:pPr>
+            <a:r>
+              <a:rPr lang="he-IL" dirty="0"/>
+              <a:t>למה לא להשתמש בבלוק שהצלחתי למצוא?</a:t>
+            </a:r>
+          </a:p>
+          <a:p>
+            <a:pPr marL="0" indent="0">
+              <a:buNone/>
+            </a:pPr>
+            <a:r>
+              <a:rPr lang="he-IL" dirty="0"/>
+              <a:t>מכיוון שהפאזל מסומן, זה לא משנה אם תפרסם אותו הרווח יגיע למנהל הקבוצה.</a:t>
+            </a:r>
+            <a:endParaRPr lang="en-US" dirty="0"/>
           </a:p>
         </p:txBody>
       </p:sp>
@@ -6539,6 +6661,146 @@
     <p:extLst>
       <p:ext uri="{BB962C8B-B14F-4D97-AF65-F5344CB8AC3E}">
         <p14:creationId xmlns:p14="http://schemas.microsoft.com/office/powerpoint/2010/main" val="2583959241"/>
+      </p:ext>
+    </p:extLst>
+  </p:cSld>
+  <p:clrMapOvr>
+    <a:masterClrMapping/>
+  </p:clrMapOvr>
+</p:sld>
+</file>
+
+<file path=ppt/slides/slide8.xml><?xml version="1.0" encoding="utf-8"?>
+<p:sld xmlns:a="http://schemas.openxmlformats.org/drawingml/2006/main" xmlns:r="http://schemas.openxmlformats.org/officeDocument/2006/relationships" xmlns:p="http://schemas.openxmlformats.org/presentationml/2006/main">
+  <p:cSld>
+    <p:spTree>
+      <p:nvGrpSpPr>
+        <p:cNvPr id="1" name=""/>
+        <p:cNvGrpSpPr/>
+        <p:nvPr/>
+      </p:nvGrpSpPr>
+      <p:grpSpPr>
+        <a:xfrm>
+          <a:off x="0" y="0"/>
+          <a:ext cx="0" cy="0"/>
+          <a:chOff x="0" y="0"/>
+          <a:chExt cx="0" cy="0"/>
+        </a:xfrm>
+      </p:grpSpPr>
+      <p:sp>
+        <p:nvSpPr>
+          <p:cNvPr id="2" name="כותרת 1">
+            <a:extLst>
+              <a:ext uri="{FF2B5EF4-FFF2-40B4-BE49-F238E27FC236}">
+                <a16:creationId xmlns:a16="http://schemas.microsoft.com/office/drawing/2014/main" id="{493228D5-1ACF-4C50-B7E9-4ACCB1605B6C}"/>
+              </a:ext>
+            </a:extLst>
+          </p:cNvPr>
+          <p:cNvSpPr>
+            <a:spLocks noGrp="1"/>
+          </p:cNvSpPr>
+          <p:nvPr>
+            <p:ph type="title"/>
+          </p:nvPr>
+        </p:nvSpPr>
+        <p:spPr/>
+        <p:txBody>
+          <a:bodyPr/>
+          <a:lstStyle/>
+          <a:p>
+            <a:pPr algn="ctr"/>
+            <a:r>
+              <a:rPr lang="he-IL" dirty="0"/>
+              <a:t>שיטות להתמודד עם התקיפה</a:t>
+            </a:r>
+            <a:endParaRPr lang="en-US" dirty="0"/>
+          </a:p>
+        </p:txBody>
+      </p:sp>
+      <p:sp>
+        <p:nvSpPr>
+          <p:cNvPr id="3" name="מציין מיקום תוכן 2">
+            <a:extLst>
+              <a:ext uri="{FF2B5EF4-FFF2-40B4-BE49-F238E27FC236}">
+                <a16:creationId xmlns:a16="http://schemas.microsoft.com/office/drawing/2014/main" id="{CB34039A-37A8-4625-B3FE-248D3258CF20}"/>
+              </a:ext>
+            </a:extLst>
+          </p:cNvPr>
+          <p:cNvSpPr>
+            <a:spLocks noGrp="1"/>
+          </p:cNvSpPr>
+          <p:nvPr>
+            <p:ph idx="1"/>
+          </p:nvPr>
+        </p:nvSpPr>
+        <p:spPr/>
+        <p:txBody>
+          <a:bodyPr/>
+          <a:lstStyle/>
+          <a:p>
+            <a:r>
+              <a:rPr lang="he-IL" dirty="0"/>
+              <a:t>חלוקת בונוסים לאנשים עם וותק או לאנשים שמספקים </a:t>
+            </a:r>
+            <a:r>
+              <a:rPr lang="en-US" dirty="0"/>
+              <a:t>full proof of work</a:t>
+            </a:r>
+            <a:r>
+              <a:rPr lang="he-IL" dirty="0"/>
+              <a:t>.</a:t>
+            </a:r>
+          </a:p>
+          <a:p>
+            <a:pPr marL="0" indent="0">
+              <a:buNone/>
+            </a:pPr>
+            <a:r>
+              <a:rPr lang="he-IL" dirty="0"/>
+              <a:t>*הופך את הקבוצה לפחות אטרקטיבית לכורים חדשים או קטנים, מקטין את המשאבים הפוטנציאלים -&gt; מקטין רווחים פוטנציאלי.</a:t>
+            </a:r>
+          </a:p>
+          <a:p>
+            <a:pPr marL="0" indent="0">
+              <a:buNone/>
+            </a:pPr>
+            <a:endParaRPr lang="he-IL" dirty="0"/>
+          </a:p>
+          <a:p>
+            <a:r>
+              <a:rPr lang="he-IL" dirty="0"/>
+              <a:t>מלכודת – נותנים לכורה משימה עם פתרון קל ולכן מצפים שהוא ייתן את </a:t>
+            </a:r>
+            <a:r>
+              <a:rPr lang="en-US" dirty="0"/>
+              <a:t>full proof of work</a:t>
+            </a:r>
+            <a:r>
+              <a:rPr lang="he-IL" dirty="0"/>
+              <a:t>.</a:t>
+            </a:r>
+          </a:p>
+          <a:p>
+            <a:pPr marL="0" indent="0">
+              <a:buNone/>
+            </a:pPr>
+            <a:r>
+              <a:rPr lang="he-IL" dirty="0"/>
+              <a:t>*לוקח המון זמן לעשות את זה כמו שצריך ולוקח הרבה משאבים שיכלו לנסות לפתור פאזלים אמתיים -&gt; מקטין רווחים.</a:t>
+            </a:r>
+          </a:p>
+          <a:p>
+            <a:r>
+              <a:rPr lang="he-IL" dirty="0"/>
+              <a:t>הפיכת הקבוצות לסגורות.</a:t>
+            </a:r>
+          </a:p>
+        </p:txBody>
+      </p:sp>
+    </p:spTree>
+    <p:extLst>
+      <p:ext uri="{BB962C8B-B14F-4D97-AF65-F5344CB8AC3E}">
+        <p14:creationId xmlns:p14="http://schemas.microsoft.com/office/powerpoint/2010/main" val="1484296688"/>
       </p:ext>
     </p:extLst>
   </p:cSld>

--- a/The miner’s dilemma.pptx
+++ b/The miner’s dilemma.pptx
@@ -5,17 +5,33 @@
     <p:sldMasterId id="2147483648" r:id="rId1"/>
   </p:sldMasterIdLst>
   <p:notesMasterIdLst>
-    <p:notesMasterId r:id="rId10"/>
+    <p:notesMasterId r:id="rId26"/>
   </p:notesMasterIdLst>
   <p:sldIdLst>
     <p:sldId id="256" r:id="rId2"/>
     <p:sldId id="258" r:id="rId3"/>
-    <p:sldId id="257" r:id="rId4"/>
-    <p:sldId id="261" r:id="rId5"/>
-    <p:sldId id="260" r:id="rId6"/>
-    <p:sldId id="262" r:id="rId7"/>
-    <p:sldId id="259" r:id="rId8"/>
-    <p:sldId id="263" r:id="rId9"/>
+    <p:sldId id="264" r:id="rId4"/>
+    <p:sldId id="266" r:id="rId5"/>
+    <p:sldId id="271" r:id="rId6"/>
+    <p:sldId id="272" r:id="rId7"/>
+    <p:sldId id="273" r:id="rId8"/>
+    <p:sldId id="274" r:id="rId9"/>
+    <p:sldId id="275" r:id="rId10"/>
+    <p:sldId id="265" r:id="rId11"/>
+    <p:sldId id="257" r:id="rId12"/>
+    <p:sldId id="276" r:id="rId13"/>
+    <p:sldId id="277" r:id="rId14"/>
+    <p:sldId id="278" r:id="rId15"/>
+    <p:sldId id="279" r:id="rId16"/>
+    <p:sldId id="280" r:id="rId17"/>
+    <p:sldId id="261" r:id="rId18"/>
+    <p:sldId id="260" r:id="rId19"/>
+    <p:sldId id="262" r:id="rId20"/>
+    <p:sldId id="259" r:id="rId21"/>
+    <p:sldId id="267" r:id="rId22"/>
+    <p:sldId id="268" r:id="rId23"/>
+    <p:sldId id="269" r:id="rId24"/>
+    <p:sldId id="263" r:id="rId25"/>
   </p:sldIdLst>
   <p:sldSz cx="12192000" cy="6858000"/>
   <p:notesSz cx="6858000" cy="9144000"/>
@@ -122,6 +138,18 @@
 </p:presentation>
 </file>
 
+<file path=ppt/commentAuthors.xml><?xml version="1.0" encoding="utf-8"?>
+<p:cmAuthorLst xmlns:a="http://schemas.openxmlformats.org/drawingml/2006/main" xmlns:r="http://schemas.openxmlformats.org/officeDocument/2006/relationships" xmlns:p="http://schemas.openxmlformats.org/presentationml/2006/main">
+  <p:cmAuthor id="1" name="eliyahu levi" initials="el" lastIdx="1" clrIdx="0">
+    <p:extLst>
+      <p:ext uri="{19B8F6BF-5375-455C-9EA6-DF929625EA0E}">
+        <p15:presenceInfo xmlns:p15="http://schemas.microsoft.com/office/powerpoint/2012/main" userId="eliyahu levi" providerId="None"/>
+      </p:ext>
+    </p:extLst>
+  </p:cmAuthor>
+</p:cmAuthorLst>
+</file>
+
 <file path=ppt/notesMasters/notesMaster1.xml><?xml version="1.0" encoding="utf-8"?>
 <p:notesMaster xmlns:a="http://schemas.openxmlformats.org/drawingml/2006/main" xmlns:r="http://schemas.openxmlformats.org/officeDocument/2006/relationships" xmlns:p="http://schemas.openxmlformats.org/presentationml/2006/main">
   <p:cSld>
@@ -204,7 +232,7 @@
           <a:p>
             <a:fld id="{FF61DEA7-F1E6-454B-87DB-58B10850CF92}" type="datetimeFigureOut">
               <a:rPr lang="en-US" smtClean="0"/>
-              <a:t>12/19/2018</a:t>
+              <a:t>12/21/2018</a:t>
             </a:fld>
             <a:endParaRPr lang="en-US"/>
           </a:p>
@@ -621,7 +649,7 @@
           <a:p>
             <a:fld id="{DF6A03F8-23AB-4376-ADEC-E9B1DB750C39}" type="datetimeFigureOut">
               <a:rPr lang="en-US" smtClean="0"/>
-              <a:t>12/19/2018</a:t>
+              <a:t>12/21/2018</a:t>
             </a:fld>
             <a:endParaRPr lang="en-US"/>
           </a:p>
@@ -821,7 +849,7 @@
           <a:p>
             <a:fld id="{DF6A03F8-23AB-4376-ADEC-E9B1DB750C39}" type="datetimeFigureOut">
               <a:rPr lang="en-US" smtClean="0"/>
-              <a:t>12/19/2018</a:t>
+              <a:t>12/21/2018</a:t>
             </a:fld>
             <a:endParaRPr lang="en-US"/>
           </a:p>
@@ -1031,7 +1059,7 @@
           <a:p>
             <a:fld id="{DF6A03F8-23AB-4376-ADEC-E9B1DB750C39}" type="datetimeFigureOut">
               <a:rPr lang="en-US" smtClean="0"/>
-              <a:t>12/19/2018</a:t>
+              <a:t>12/21/2018</a:t>
             </a:fld>
             <a:endParaRPr lang="en-US"/>
           </a:p>
@@ -1231,7 +1259,7 @@
           <a:p>
             <a:fld id="{DF6A03F8-23AB-4376-ADEC-E9B1DB750C39}" type="datetimeFigureOut">
               <a:rPr lang="en-US" smtClean="0"/>
-              <a:t>12/19/2018</a:t>
+              <a:t>12/21/2018</a:t>
             </a:fld>
             <a:endParaRPr lang="en-US"/>
           </a:p>
@@ -1507,7 +1535,7 @@
           <a:p>
             <a:fld id="{DF6A03F8-23AB-4376-ADEC-E9B1DB750C39}" type="datetimeFigureOut">
               <a:rPr lang="en-US" smtClean="0"/>
-              <a:t>12/19/2018</a:t>
+              <a:t>12/21/2018</a:t>
             </a:fld>
             <a:endParaRPr lang="en-US"/>
           </a:p>
@@ -1775,7 +1803,7 @@
           <a:p>
             <a:fld id="{DF6A03F8-23AB-4376-ADEC-E9B1DB750C39}" type="datetimeFigureOut">
               <a:rPr lang="en-US" smtClean="0"/>
-              <a:t>12/19/2018</a:t>
+              <a:t>12/21/2018</a:t>
             </a:fld>
             <a:endParaRPr lang="en-US"/>
           </a:p>
@@ -2190,7 +2218,7 @@
           <a:p>
             <a:fld id="{DF6A03F8-23AB-4376-ADEC-E9B1DB750C39}" type="datetimeFigureOut">
               <a:rPr lang="en-US" smtClean="0"/>
-              <a:t>12/19/2018</a:t>
+              <a:t>12/21/2018</a:t>
             </a:fld>
             <a:endParaRPr lang="en-US"/>
           </a:p>
@@ -2332,7 +2360,7 @@
           <a:p>
             <a:fld id="{DF6A03F8-23AB-4376-ADEC-E9B1DB750C39}" type="datetimeFigureOut">
               <a:rPr lang="en-US" smtClean="0"/>
-              <a:t>12/19/2018</a:t>
+              <a:t>12/21/2018</a:t>
             </a:fld>
             <a:endParaRPr lang="en-US"/>
           </a:p>
@@ -2445,7 +2473,7 @@
           <a:p>
             <a:fld id="{DF6A03F8-23AB-4376-ADEC-E9B1DB750C39}" type="datetimeFigureOut">
               <a:rPr lang="en-US" smtClean="0"/>
-              <a:t>12/19/2018</a:t>
+              <a:t>12/21/2018</a:t>
             </a:fld>
             <a:endParaRPr lang="en-US"/>
           </a:p>
@@ -2758,7 +2786,7 @@
           <a:p>
             <a:fld id="{DF6A03F8-23AB-4376-ADEC-E9B1DB750C39}" type="datetimeFigureOut">
               <a:rPr lang="en-US" smtClean="0"/>
-              <a:t>12/19/2018</a:t>
+              <a:t>12/21/2018</a:t>
             </a:fld>
             <a:endParaRPr lang="en-US"/>
           </a:p>
@@ -3047,7 +3075,7 @@
           <a:p>
             <a:fld id="{DF6A03F8-23AB-4376-ADEC-E9B1DB750C39}" type="datetimeFigureOut">
               <a:rPr lang="en-US" smtClean="0"/>
-              <a:t>12/19/2018</a:t>
+              <a:t>12/21/2018</a:t>
             </a:fld>
             <a:endParaRPr lang="en-US"/>
           </a:p>
@@ -3290,7 +3318,7 @@
           <a:p>
             <a:fld id="{DF6A03F8-23AB-4376-ADEC-E9B1DB750C39}" type="datetimeFigureOut">
               <a:rPr lang="en-US" smtClean="0"/>
-              <a:t>12/19/2018</a:t>
+              <a:t>12/21/2018</a:t>
             </a:fld>
             <a:endParaRPr lang="en-US"/>
           </a:p>
@@ -3753,7 +3781,366 @@
 </p:sld>
 </file>
 
-<file path=ppt/slides/slide2.xml><?xml version="1.0" encoding="utf-8"?>
+<file path=ppt/slides/slide10.xml><?xml version="1.0" encoding="utf-8"?>
+<p:sld xmlns:a="http://schemas.openxmlformats.org/drawingml/2006/main" xmlns:r="http://schemas.openxmlformats.org/officeDocument/2006/relationships" xmlns:p="http://schemas.openxmlformats.org/presentationml/2006/main">
+  <p:cSld>
+    <p:bg>
+      <p:bgPr>
+        <a:solidFill>
+          <a:schemeClr val="bg1"/>
+        </a:solidFill>
+        <a:effectLst/>
+      </p:bgPr>
+    </p:bg>
+    <p:spTree>
+      <p:nvGrpSpPr>
+        <p:cNvPr id="1" name=""/>
+        <p:cNvGrpSpPr/>
+        <p:nvPr/>
+      </p:nvGrpSpPr>
+      <p:grpSpPr>
+        <a:xfrm>
+          <a:off x="0" y="0"/>
+          <a:ext cx="0" cy="0"/>
+          <a:chOff x="0" y="0"/>
+          <a:chExt cx="0" cy="0"/>
+        </a:xfrm>
+      </p:grpSpPr>
+      <p:sp>
+        <p:nvSpPr>
+          <p:cNvPr id="12" name="Rectangle 11">
+            <a:extLst>
+              <a:ext uri="{FF2B5EF4-FFF2-40B4-BE49-F238E27FC236}">
+                <a16:creationId xmlns:a16="http://schemas.microsoft.com/office/drawing/2014/main" id="{6753252F-4873-4F63-801D-CC719279A7D5}"/>
+              </a:ext>
+              <a:ext uri="{C183D7F6-B498-43B3-948B-1728B52AA6E4}">
+                <adec:decorative xmlns:adec="http://schemas.microsoft.com/office/drawing/2017/decorative" val="1"/>
+              </a:ext>
+            </a:extLst>
+          </p:cNvPr>
+          <p:cNvSpPr>
+            <a:spLocks noGrp="1" noRot="1" noChangeAspect="1" noMove="1" noResize="1" noEditPoints="1" noAdjustHandles="1" noChangeArrowheads="1" noChangeShapeType="1" noTextEdit="1"/>
+          </p:cNvSpPr>
+          <p:nvPr>
+            <p:extLst>
+              <p:ext uri="{386F3935-93C4-4BCD-93E2-E3B085C9AB24}">
+                <p16:designElem xmlns:p16="http://schemas.microsoft.com/office/powerpoint/2015/main" val="1"/>
+              </p:ext>
+            </p:extLst>
+          </p:nvPr>
+        </p:nvSpPr>
+        <p:spPr>
+          <a:xfrm>
+            <a:off x="0" y="0"/>
+            <a:ext cx="12192000" cy="6858000"/>
+          </a:xfrm>
+          <a:prstGeom prst="rect">
+            <a:avLst/>
+          </a:prstGeom>
+          <a:solidFill>
+            <a:srgbClr val="FFFFFF"/>
+          </a:solidFill>
+          <a:ln>
+            <a:noFill/>
+          </a:ln>
+        </p:spPr>
+        <p:style>
+          <a:lnRef idx="2">
+            <a:schemeClr val="accent1">
+              <a:shade val="50000"/>
+            </a:schemeClr>
+          </a:lnRef>
+          <a:fillRef idx="1">
+            <a:schemeClr val="accent1"/>
+          </a:fillRef>
+          <a:effectRef idx="0">
+            <a:schemeClr val="accent1"/>
+          </a:effectRef>
+          <a:fontRef idx="minor">
+            <a:schemeClr val="lt1"/>
+          </a:fontRef>
+        </p:style>
+        <p:txBody>
+          <a:bodyPr rtlCol="0" anchor="ctr"/>
+          <a:lstStyle/>
+          <a:p>
+            <a:pPr algn="ctr"/>
+            <a:endParaRPr lang="en-US"/>
+          </a:p>
+        </p:txBody>
+      </p:sp>
+      <p:sp>
+        <p:nvSpPr>
+          <p:cNvPr id="14" name="Rectangle 13">
+            <a:extLst>
+              <a:ext uri="{FF2B5EF4-FFF2-40B4-BE49-F238E27FC236}">
+                <a16:creationId xmlns:a16="http://schemas.microsoft.com/office/drawing/2014/main" id="{047C8CCB-F95D-4249-92DD-651249D3535A}"/>
+              </a:ext>
+              <a:ext uri="{C183D7F6-B498-43B3-948B-1728B52AA6E4}">
+                <adec:decorative xmlns:adec="http://schemas.microsoft.com/office/drawing/2017/decorative" val="1"/>
+              </a:ext>
+            </a:extLst>
+          </p:cNvPr>
+          <p:cNvSpPr>
+            <a:spLocks noGrp="1" noRot="1" noChangeAspect="1" noMove="1" noResize="1" noEditPoints="1" noAdjustHandles="1" noChangeArrowheads="1" noChangeShapeType="1" noTextEdit="1"/>
+          </p:cNvSpPr>
+          <p:nvPr>
+            <p:extLst>
+              <p:ext uri="{386F3935-93C4-4BCD-93E2-E3B085C9AB24}">
+                <p16:designElem xmlns:p16="http://schemas.microsoft.com/office/powerpoint/2015/main" val="1"/>
+              </p:ext>
+            </p:extLst>
+          </p:nvPr>
+        </p:nvSpPr>
+        <p:spPr>
+          <a:xfrm>
+            <a:off x="0" y="0"/>
+            <a:ext cx="2013557" cy="6858000"/>
+          </a:xfrm>
+          <a:prstGeom prst="rect">
+            <a:avLst/>
+          </a:prstGeom>
+          <a:solidFill>
+            <a:srgbClr val="533942"/>
+          </a:solidFill>
+          <a:ln>
+            <a:noFill/>
+          </a:ln>
+        </p:spPr>
+        <p:style>
+          <a:lnRef idx="2">
+            <a:schemeClr val="accent1">
+              <a:shade val="50000"/>
+            </a:schemeClr>
+          </a:lnRef>
+          <a:fillRef idx="1">
+            <a:schemeClr val="accent1"/>
+          </a:fillRef>
+          <a:effectRef idx="0">
+            <a:schemeClr val="accent1"/>
+          </a:effectRef>
+          <a:fontRef idx="minor">
+            <a:schemeClr val="lt1"/>
+          </a:fontRef>
+        </p:style>
+        <p:txBody>
+          <a:bodyPr rtlCol="0" anchor="ctr"/>
+          <a:lstStyle/>
+          <a:p>
+            <a:pPr algn="ctr"/>
+            <a:endParaRPr lang="en-US"/>
+          </a:p>
+        </p:txBody>
+      </p:sp>
+      <p:sp>
+        <p:nvSpPr>
+          <p:cNvPr id="2" name="כותרת 1">
+            <a:extLst>
+              <a:ext uri="{FF2B5EF4-FFF2-40B4-BE49-F238E27FC236}">
+                <a16:creationId xmlns:a16="http://schemas.microsoft.com/office/drawing/2014/main" id="{98605F97-7B13-44CB-AD05-F48D89D54701}"/>
+              </a:ext>
+            </a:extLst>
+          </p:cNvPr>
+          <p:cNvSpPr>
+            <a:spLocks noGrp="1"/>
+          </p:cNvSpPr>
+          <p:nvPr>
+            <p:ph type="title"/>
+          </p:nvPr>
+        </p:nvSpPr>
+        <p:spPr>
+          <a:xfrm>
+            <a:off x="640080" y="2074363"/>
+            <a:ext cx="2752354" cy="2709275"/>
+          </a:xfrm>
+          <a:prstGeom prst="ellipse">
+            <a:avLst/>
+          </a:prstGeom>
+          <a:solidFill>
+            <a:srgbClr val="262626"/>
+          </a:solidFill>
+          <a:ln w="174625" cmpd="thinThick">
+            <a:solidFill>
+              <a:srgbClr val="262626"/>
+            </a:solidFill>
+          </a:ln>
+        </p:spPr>
+        <p:txBody>
+          <a:bodyPr vert="horz" lIns="91440" tIns="45720" rIns="91440" bIns="45720" rtlCol="0" anchor="ctr">
+            <a:normAutofit/>
+          </a:bodyPr>
+          <a:lstStyle/>
+          <a:p>
+            <a:pPr algn="ctr" rtl="0"/>
+            <a:r>
+              <a:rPr lang="en-US" sz="2600" kern="1200" dirty="0">
+                <a:solidFill>
+                  <a:srgbClr val="FFFFFF"/>
+                </a:solidFill>
+                <a:latin typeface="+mj-lt"/>
+                <a:ea typeface="+mj-ea"/>
+                <a:cs typeface="+mj-cs"/>
+              </a:rPr>
+              <a:t>Mining Pools</a:t>
+            </a:r>
+            <a:br>
+              <a:rPr lang="en-US" sz="2600" dirty="0">
+                <a:solidFill>
+                  <a:srgbClr val="FFFFFF"/>
+                </a:solidFill>
+              </a:rPr>
+            </a:br>
+            <a:r>
+              <a:rPr lang="en-US" sz="2600" dirty="0">
+                <a:solidFill>
+                  <a:srgbClr val="FFFFFF"/>
+                </a:solidFill>
+              </a:rPr>
+              <a:t>distribution</a:t>
+            </a:r>
+            <a:endParaRPr lang="en-US" sz="2600" kern="1200" dirty="0">
+              <a:solidFill>
+                <a:srgbClr val="FFFFFF"/>
+              </a:solidFill>
+              <a:latin typeface="+mj-lt"/>
+              <a:ea typeface="+mj-ea"/>
+              <a:cs typeface="+mj-cs"/>
+            </a:endParaRPr>
+          </a:p>
+        </p:txBody>
+      </p:sp>
+      <p:pic>
+        <p:nvPicPr>
+          <p:cNvPr id="7" name="מציין מיקום תוכן 6">
+            <a:extLst>
+              <a:ext uri="{FF2B5EF4-FFF2-40B4-BE49-F238E27FC236}">
+                <a16:creationId xmlns:a16="http://schemas.microsoft.com/office/drawing/2014/main" id="{1CE73F96-6766-4EAB-AF57-EE664581038D}"/>
+              </a:ext>
+            </a:extLst>
+          </p:cNvPr>
+          <p:cNvPicPr>
+            <a:picLocks noGrp="1" noChangeAspect="1"/>
+          </p:cNvPicPr>
+          <p:nvPr>
+            <p:ph idx="1"/>
+          </p:nvPr>
+        </p:nvPicPr>
+        <p:blipFill>
+          <a:blip r:embed="rId2">
+            <a:extLst>
+              <a:ext uri="{28A0092B-C50C-407E-A947-70E740481C1C}">
+                <a14:useLocalDpi xmlns:a14="http://schemas.microsoft.com/office/drawing/2010/main" val="0"/>
+              </a:ext>
+            </a:extLst>
+          </a:blip>
+          <a:stretch>
+            <a:fillRect/>
+          </a:stretch>
+        </p:blipFill>
+        <p:spPr>
+          <a:xfrm>
+            <a:off x="4038600" y="1145052"/>
+            <a:ext cx="7188199" cy="4564506"/>
+          </a:xfrm>
+          <a:prstGeom prst="rect">
+            <a:avLst/>
+          </a:prstGeom>
+        </p:spPr>
+      </p:pic>
+      <p:sp>
+        <p:nvSpPr>
+          <p:cNvPr id="9" name="מלבן 8">
+            <a:extLst>
+              <a:ext uri="{FF2B5EF4-FFF2-40B4-BE49-F238E27FC236}">
+                <a16:creationId xmlns:a16="http://schemas.microsoft.com/office/drawing/2014/main" id="{12BE9AB3-739E-4530-8F1A-478666B5E6FF}"/>
+              </a:ext>
+            </a:extLst>
+          </p:cNvPr>
+          <p:cNvSpPr/>
+          <p:nvPr/>
+        </p:nvSpPr>
+        <p:spPr>
+          <a:xfrm>
+            <a:off x="9462052" y="5709558"/>
+            <a:ext cx="2582904" cy="384313"/>
+          </a:xfrm>
+          <a:prstGeom prst="rect">
+            <a:avLst/>
+          </a:prstGeom>
+          <a:solidFill>
+            <a:schemeClr val="bg1"/>
+          </a:solidFill>
+          <a:ln>
+            <a:solidFill>
+              <a:schemeClr val="bg1"/>
+            </a:solidFill>
+          </a:ln>
+        </p:spPr>
+        <p:style>
+          <a:lnRef idx="2">
+            <a:schemeClr val="accent1">
+              <a:shade val="50000"/>
+            </a:schemeClr>
+          </a:lnRef>
+          <a:fillRef idx="1">
+            <a:schemeClr val="accent1"/>
+          </a:fillRef>
+          <a:effectRef idx="0">
+            <a:schemeClr val="accent1"/>
+          </a:effectRef>
+          <a:fontRef idx="minor">
+            <a:schemeClr val="lt1"/>
+          </a:fontRef>
+        </p:style>
+        <p:txBody>
+          <a:bodyPr rtlCol="0" anchor="ctr"/>
+          <a:lstStyle/>
+          <a:p>
+            <a:pPr algn="ctr"/>
+            <a:r>
+              <a:rPr lang="he-IL" dirty="0">
+                <a:solidFill>
+                  <a:schemeClr val="tx1"/>
+                </a:solidFill>
+              </a:rPr>
+              <a:t>נלקח מ</a:t>
+            </a:r>
+            <a:r>
+              <a:rPr lang="en-US" dirty="0">
+                <a:solidFill>
+                  <a:schemeClr val="tx1"/>
+                </a:solidFill>
+              </a:rPr>
+              <a:t> blockchain.com/en/pools</a:t>
+            </a:r>
+          </a:p>
+          <a:p>
+            <a:pPr algn="ctr"/>
+            <a:r>
+              <a:rPr lang="en-US" dirty="0">
+                <a:solidFill>
+                  <a:schemeClr val="tx1"/>
+                </a:solidFill>
+              </a:rPr>
+              <a:t>21/12/18</a:t>
+            </a:r>
+          </a:p>
+        </p:txBody>
+      </p:sp>
+    </p:spTree>
+    <p:extLst>
+      <p:ext uri="{BB962C8B-B14F-4D97-AF65-F5344CB8AC3E}">
+        <p14:creationId xmlns:p14="http://schemas.microsoft.com/office/powerpoint/2010/main" val="1179653674"/>
+      </p:ext>
+    </p:extLst>
+  </p:cSld>
+  <p:clrMapOvr>
+    <a:masterClrMapping/>
+  </p:clrMapOvr>
+</p:sld>
+</file>
+
+<file path=ppt/slides/slide11.xml><?xml version="1.0" encoding="utf-8"?>
 <p:sld xmlns:a="http://schemas.openxmlformats.org/drawingml/2006/main" xmlns:r="http://schemas.openxmlformats.org/officeDocument/2006/relationships" xmlns:p="http://schemas.openxmlformats.org/presentationml/2006/main">
   <p:cSld>
     <p:spTree>
@@ -3775,7 +4162,7 @@
           <p:cNvPr id="2" name="כותרת 1">
             <a:extLst>
               <a:ext uri="{FF2B5EF4-FFF2-40B4-BE49-F238E27FC236}">
-                <a16:creationId xmlns:a16="http://schemas.microsoft.com/office/drawing/2014/main" id="{1838FD50-1CDD-4868-A5D7-7DBF5020D819}"/>
+                <a16:creationId xmlns:a16="http://schemas.microsoft.com/office/drawing/2014/main" id="{59FB4CF8-B5A2-4DAE-827D-788071E38561}"/>
               </a:ext>
             </a:extLst>
           </p:cNvPr>
@@ -3791,9 +4178,10 @@
           <a:bodyPr/>
           <a:lstStyle/>
           <a:p>
+            <a:pPr algn="ctr"/>
             <a:r>
               <a:rPr lang="he-IL" dirty="0"/>
-              <a:t>הצגה</a:t>
+              <a:t>שיווי משקל נאש</a:t>
             </a:r>
             <a:endParaRPr lang="en-US" dirty="0"/>
           </a:p>
@@ -3804,7 +4192,7 @@
           <p:cNvPr id="3" name="מציין מיקום תוכן 2">
             <a:extLst>
               <a:ext uri="{FF2B5EF4-FFF2-40B4-BE49-F238E27FC236}">
-                <a16:creationId xmlns:a16="http://schemas.microsoft.com/office/drawing/2014/main" id="{69B4348A-7A91-4CBF-969A-8ECB786F32FB}"/>
+                <a16:creationId xmlns:a16="http://schemas.microsoft.com/office/drawing/2014/main" id="{0D6BD5DD-834E-41C1-8543-1821619DA1F5}"/>
               </a:ext>
             </a:extLst>
           </p:cNvPr>
@@ -3815,61 +4203,436 @@
             <p:ph idx="1"/>
           </p:nvPr>
         </p:nvSpPr>
-        <p:spPr/>
+        <p:spPr>
+          <a:xfrm>
+            <a:off x="838200" y="1825625"/>
+            <a:ext cx="10515600" cy="586271"/>
+          </a:xfrm>
+        </p:spPr>
         <p:txBody>
-          <a:bodyPr>
-            <a:normAutofit fontScale="92500" lnSpcReduction="10000"/>
-          </a:bodyPr>
+          <a:bodyPr/>
           <a:lstStyle/>
           <a:p>
+            <a:pPr marL="0" indent="0">
+              <a:buNone/>
+            </a:pPr>
             <a:r>
               <a:rPr lang="he-IL" dirty="0"/>
-              <a:t>הגדרת משחק הקבוצות(</a:t>
-            </a:r>
-            <a:r>
-              <a:rPr lang="en-US" dirty="0"/>
-              <a:t>(pools</a:t>
-            </a:r>
-            <a:r>
-              <a:rPr lang="he-IL" dirty="0"/>
-              <a:t> עם מערכת בטיחות של הוכחת עבודה, תוקפים אחת את השנייה בשיטת </a:t>
-            </a:r>
-            <a:r>
-              <a:rPr lang="en-US" dirty="0"/>
-              <a:t>block withholding attack</a:t>
-            </a:r>
-          </a:p>
-          <a:p>
-            <a:r>
-              <a:rPr lang="he-IL" dirty="0"/>
-              <a:t>במקרה הכללי, אף התקפה של הקבוצות זה לא אי שיווי משקל נאש.</a:t>
-            </a:r>
+              <a:t>מצב בו אף אחד לא ישפר את עמדתו על ידי שינוי אסטרטגיה.</a:t>
+            </a:r>
+          </a:p>
+          <a:p>
+            <a:pPr marL="0" indent="0">
+              <a:buNone/>
+            </a:pPr>
             <a:endParaRPr lang="en-US" dirty="0"/>
-          </a:p>
-          <a:p>
-            <a:r>
-              <a:rPr lang="he-IL" dirty="0"/>
-              <a:t>עם 2 קבוצות בלבד שמשתתפות, שיווי משקל נאש נוצר כאשר שתיהן תוקפות וגם שתיהן מרוויחות פחות אם אף אחת לא הייתה תוקפת. (זוהי בעצם דילמת האסיר, עם הבחירה לתקוף או לא)</a:t>
-            </a:r>
-          </a:p>
-          <a:p>
-            <a:r>
-              <a:rPr lang="he-IL" dirty="0"/>
-              <a:t>עם הרבה קבוצות בגודל שווה, יש שיוויון נאש סימטרי כאשר כל הקבוצות מרוויחות פחות מאשר שאף אחת לא תקפה.</a:t>
-            </a:r>
-          </a:p>
-          <a:p>
-            <a:r>
-              <a:rPr lang="he-IL" dirty="0"/>
-              <a:t>לגבי ביטקוין, אי שיוויון לקבוצות פתוחות יעשה טוב, כי ככה יהיו יותר קבוצות קטנות ולכל קבוצה השפעה פחותה יותר. וכך תעבוד מערכת הביזור שעמדה בבסיס הביטקוין.</a:t>
-            </a:r>
           </a:p>
         </p:txBody>
       </p:sp>
+      <p:sp>
+        <p:nvSpPr>
+          <p:cNvPr id="4" name="מלבן: פינות מעוגלות 3">
+            <a:extLst>
+              <a:ext uri="{FF2B5EF4-FFF2-40B4-BE49-F238E27FC236}">
+                <a16:creationId xmlns:a16="http://schemas.microsoft.com/office/drawing/2014/main" id="{9DF1BDD7-0D6B-4989-AC21-76ABC39E1236}"/>
+              </a:ext>
+            </a:extLst>
+          </p:cNvPr>
+          <p:cNvSpPr/>
+          <p:nvPr/>
+        </p:nvSpPr>
+        <p:spPr>
+          <a:xfrm>
+            <a:off x="5526157" y="2546833"/>
+            <a:ext cx="2252869" cy="712304"/>
+          </a:xfrm>
+          <a:prstGeom prst="roundRect">
+            <a:avLst/>
+          </a:prstGeom>
+        </p:spPr>
+        <p:style>
+          <a:lnRef idx="2">
+            <a:schemeClr val="accent6"/>
+          </a:lnRef>
+          <a:fillRef idx="1">
+            <a:schemeClr val="lt1"/>
+          </a:fillRef>
+          <a:effectRef idx="0">
+            <a:schemeClr val="accent6"/>
+          </a:effectRef>
+          <a:fontRef idx="minor">
+            <a:schemeClr val="dk1"/>
+          </a:fontRef>
+        </p:style>
+        <p:txBody>
+          <a:bodyPr rtlCol="0" anchor="ctr"/>
+          <a:lstStyle/>
+          <a:p>
+            <a:pPr algn="ctr"/>
+            <a:r>
+              <a:rPr lang="en-US" b="1" dirty="0">
+                <a:solidFill>
+                  <a:schemeClr val="accent5">
+                    <a:lumMod val="75000"/>
+                  </a:schemeClr>
+                </a:solidFill>
+              </a:rPr>
+              <a:t>Pool 1</a:t>
+            </a:r>
+          </a:p>
+        </p:txBody>
+      </p:sp>
+      <p:sp>
+        <p:nvSpPr>
+          <p:cNvPr id="5" name="מלבן: פינות מעוגלות 4">
+            <a:extLst>
+              <a:ext uri="{FF2B5EF4-FFF2-40B4-BE49-F238E27FC236}">
+                <a16:creationId xmlns:a16="http://schemas.microsoft.com/office/drawing/2014/main" id="{FDD3A5B0-A3DC-4472-8193-21152E48AC34}"/>
+              </a:ext>
+            </a:extLst>
+          </p:cNvPr>
+          <p:cNvSpPr/>
+          <p:nvPr/>
+        </p:nvSpPr>
+        <p:spPr>
+          <a:xfrm>
+            <a:off x="377687" y="4403035"/>
+            <a:ext cx="2047461" cy="712304"/>
+          </a:xfrm>
+          <a:prstGeom prst="roundRect">
+            <a:avLst/>
+          </a:prstGeom>
+        </p:spPr>
+        <p:style>
+          <a:lnRef idx="2">
+            <a:schemeClr val="accent6"/>
+          </a:lnRef>
+          <a:fillRef idx="1">
+            <a:schemeClr val="lt1"/>
+          </a:fillRef>
+          <a:effectRef idx="0">
+            <a:schemeClr val="accent6"/>
+          </a:effectRef>
+          <a:fontRef idx="minor">
+            <a:schemeClr val="dk1"/>
+          </a:fontRef>
+        </p:style>
+        <p:txBody>
+          <a:bodyPr rtlCol="0" anchor="ctr"/>
+          <a:lstStyle/>
+          <a:p>
+            <a:pPr algn="ctr"/>
+            <a:r>
+              <a:rPr lang="en-US" b="1" dirty="0">
+                <a:solidFill>
+                  <a:schemeClr val="bg2">
+                    <a:lumMod val="10000"/>
+                  </a:schemeClr>
+                </a:solidFill>
+              </a:rPr>
+              <a:t>Pool 2</a:t>
+            </a:r>
+          </a:p>
+        </p:txBody>
+      </p:sp>
+      <p:graphicFrame>
+        <p:nvGraphicFramePr>
+          <p:cNvPr id="10" name="טבלה 9">
+            <a:extLst>
+              <a:ext uri="{FF2B5EF4-FFF2-40B4-BE49-F238E27FC236}">
+                <a16:creationId xmlns:a16="http://schemas.microsoft.com/office/drawing/2014/main" id="{FFE3573B-08EB-4445-AFF4-5781FF441259}"/>
+              </a:ext>
+            </a:extLst>
+          </p:cNvPr>
+          <p:cNvGraphicFramePr>
+            <a:graphicFrameLocks noGrp="1"/>
+          </p:cNvGraphicFramePr>
+          <p:nvPr>
+            <p:extLst>
+              <p:ext uri="{D42A27DB-BD31-4B8C-83A1-F6EECF244321}">
+                <p14:modId xmlns:p14="http://schemas.microsoft.com/office/powerpoint/2010/main" val="4265211915"/>
+              </p:ext>
+            </p:extLst>
+          </p:nvPr>
+        </p:nvGraphicFramePr>
+        <p:xfrm>
+          <a:off x="2747618" y="3394072"/>
+          <a:ext cx="7893879" cy="2847702"/>
+        </p:xfrm>
+        <a:graphic>
+          <a:graphicData uri="http://schemas.openxmlformats.org/drawingml/2006/table">
+            <a:tbl>
+              <a:tblPr firstRow="1" bandRow="1">
+                <a:tableStyleId>{5C22544A-7EE6-4342-B048-85BDC9FD1C3A}</a:tableStyleId>
+              </a:tblPr>
+              <a:tblGrid>
+                <a:gridCol w="2631293">
+                  <a:extLst>
+                    <a:ext uri="{9D8B030D-6E8A-4147-A177-3AD203B41FA5}">
+                      <a16:colId xmlns:a16="http://schemas.microsoft.com/office/drawing/2014/main" val="1492537969"/>
+                    </a:ext>
+                  </a:extLst>
+                </a:gridCol>
+                <a:gridCol w="2631293">
+                  <a:extLst>
+                    <a:ext uri="{9D8B030D-6E8A-4147-A177-3AD203B41FA5}">
+                      <a16:colId xmlns:a16="http://schemas.microsoft.com/office/drawing/2014/main" val="2031442963"/>
+                    </a:ext>
+                  </a:extLst>
+                </a:gridCol>
+                <a:gridCol w="2631293">
+                  <a:extLst>
+                    <a:ext uri="{9D8B030D-6E8A-4147-A177-3AD203B41FA5}">
+                      <a16:colId xmlns:a16="http://schemas.microsoft.com/office/drawing/2014/main" val="2611323456"/>
+                    </a:ext>
+                  </a:extLst>
+                </a:gridCol>
+              </a:tblGrid>
+              <a:tr h="949234">
+                <a:tc>
+                  <a:txBody>
+                    <a:bodyPr/>
+                    <a:lstStyle/>
+                    <a:p>
+                      <a:pPr algn="ctr"/>
+                      <a:endParaRPr lang="en-US" dirty="0"/>
+                    </a:p>
+                  </a:txBody>
+                  <a:tcPr>
+                    <a:solidFill>
+                      <a:schemeClr val="tx2">
+                        <a:lumMod val="40000"/>
+                        <a:lumOff val="60000"/>
+                      </a:schemeClr>
+                    </a:solidFill>
+                  </a:tcPr>
+                </a:tc>
+                <a:tc>
+                  <a:txBody>
+                    <a:bodyPr/>
+                    <a:lstStyle/>
+                    <a:p>
+                      <a:pPr algn="ctr"/>
+                      <a:r>
+                        <a:rPr lang="en-US" b="1" dirty="0">
+                          <a:solidFill>
+                            <a:schemeClr val="bg2">
+                              <a:lumMod val="10000"/>
+                            </a:schemeClr>
+                          </a:solidFill>
+                        </a:rPr>
+                        <a:t>Attack </a:t>
+                      </a:r>
+                    </a:p>
+                  </a:txBody>
+                  <a:tcPr>
+                    <a:solidFill>
+                      <a:schemeClr val="tx2">
+                        <a:lumMod val="40000"/>
+                        <a:lumOff val="60000"/>
+                      </a:schemeClr>
+                    </a:solidFill>
+                  </a:tcPr>
+                </a:tc>
+                <a:tc>
+                  <a:txBody>
+                    <a:bodyPr/>
+                    <a:lstStyle/>
+                    <a:p>
+                      <a:pPr marL="0" marR="0" lvl="0" indent="0" algn="ctr" defTabSz="914400" rtl="1" eaLnBrk="1" fontAlgn="auto" latinLnBrk="0" hangingPunct="1">
+                        <a:lnSpc>
+                          <a:spcPct val="100000"/>
+                        </a:lnSpc>
+                        <a:spcBef>
+                          <a:spcPts val="0"/>
+                        </a:spcBef>
+                        <a:spcAft>
+                          <a:spcPts val="0"/>
+                        </a:spcAft>
+                        <a:buClrTx/>
+                        <a:buSzTx/>
+                        <a:buFontTx/>
+                        <a:buNone/>
+                        <a:tabLst/>
+                        <a:defRPr/>
+                      </a:pPr>
+                      <a:r>
+                        <a:rPr lang="en-US" b="1" dirty="0">
+                          <a:solidFill>
+                            <a:schemeClr val="bg2">
+                              <a:lumMod val="10000"/>
+                            </a:schemeClr>
+                          </a:solidFill>
+                        </a:rPr>
+                        <a:t>No Attack</a:t>
+                      </a:r>
+                    </a:p>
+                    <a:p>
+                      <a:pPr algn="ctr"/>
+                      <a:endParaRPr lang="en-US" dirty="0"/>
+                    </a:p>
+                  </a:txBody>
+                  <a:tcPr>
+                    <a:solidFill>
+                      <a:schemeClr val="tx2">
+                        <a:lumMod val="40000"/>
+                        <a:lumOff val="60000"/>
+                      </a:schemeClr>
+                    </a:solidFill>
+                  </a:tcPr>
+                </a:tc>
+                <a:extLst>
+                  <a:ext uri="{0D108BD9-81ED-4DB2-BD59-A6C34878D82A}">
+                    <a16:rowId xmlns:a16="http://schemas.microsoft.com/office/drawing/2014/main" val="1117821095"/>
+                  </a:ext>
+                </a:extLst>
+              </a:tr>
+              <a:tr h="949234">
+                <a:tc>
+                  <a:txBody>
+                    <a:bodyPr/>
+                    <a:lstStyle/>
+                    <a:p>
+                      <a:pPr algn="ctr"/>
+                      <a:r>
+                        <a:rPr lang="en-US" b="1" dirty="0">
+                          <a:solidFill>
+                            <a:schemeClr val="bg2">
+                              <a:lumMod val="10000"/>
+                            </a:schemeClr>
+                          </a:solidFill>
+                        </a:rPr>
+                        <a:t>Attack</a:t>
+                      </a:r>
+                      <a:endParaRPr lang="en-US" dirty="0"/>
+                    </a:p>
+                  </a:txBody>
+                  <a:tcPr>
+                    <a:solidFill>
+                      <a:schemeClr val="tx2">
+                        <a:lumMod val="40000"/>
+                        <a:lumOff val="60000"/>
+                      </a:schemeClr>
+                    </a:solidFill>
+                  </a:tcPr>
+                </a:tc>
+                <a:tc>
+                  <a:txBody>
+                    <a:bodyPr/>
+                    <a:lstStyle/>
+                    <a:p>
+                      <a:pPr algn="ctr"/>
+                      <a:endParaRPr lang="en-US" b="1" dirty="0">
+                        <a:solidFill>
+                          <a:schemeClr val="bg2">
+                            <a:lumMod val="10000"/>
+                          </a:schemeClr>
+                        </a:solidFill>
+                      </a:endParaRPr>
+                    </a:p>
+                  </a:txBody>
+                  <a:tcPr>
+                    <a:solidFill>
+                      <a:schemeClr val="accent6">
+                        <a:lumMod val="60000"/>
+                        <a:lumOff val="40000"/>
+                      </a:schemeClr>
+                    </a:solidFill>
+                  </a:tcPr>
+                </a:tc>
+                <a:tc>
+                  <a:txBody>
+                    <a:bodyPr/>
+                    <a:lstStyle/>
+                    <a:p>
+                      <a:pPr algn="ctr"/>
+                      <a:endParaRPr lang="en-US" dirty="0"/>
+                    </a:p>
+                  </a:txBody>
+                  <a:tcPr>
+                    <a:solidFill>
+                      <a:srgbClr val="FFC000"/>
+                    </a:solidFill>
+                  </a:tcPr>
+                </a:tc>
+                <a:extLst>
+                  <a:ext uri="{0D108BD9-81ED-4DB2-BD59-A6C34878D82A}">
+                    <a16:rowId xmlns:a16="http://schemas.microsoft.com/office/drawing/2014/main" val="69688423"/>
+                  </a:ext>
+                </a:extLst>
+              </a:tr>
+              <a:tr h="949234">
+                <a:tc>
+                  <a:txBody>
+                    <a:bodyPr/>
+                    <a:lstStyle/>
+                    <a:p>
+                      <a:pPr algn="ctr"/>
+                      <a:r>
+                        <a:rPr lang="en-US" b="1" dirty="0">
+                          <a:solidFill>
+                            <a:schemeClr val="bg2">
+                              <a:lumMod val="10000"/>
+                            </a:schemeClr>
+                          </a:solidFill>
+                        </a:rPr>
+                        <a:t>No Attack</a:t>
+                      </a:r>
+                    </a:p>
+                  </a:txBody>
+                  <a:tcPr>
+                    <a:solidFill>
+                      <a:schemeClr val="tx2">
+                        <a:lumMod val="40000"/>
+                        <a:lumOff val="60000"/>
+                      </a:schemeClr>
+                    </a:solidFill>
+                  </a:tcPr>
+                </a:tc>
+                <a:tc>
+                  <a:txBody>
+                    <a:bodyPr/>
+                    <a:lstStyle/>
+                    <a:p>
+                      <a:pPr algn="ctr"/>
+                      <a:endParaRPr lang="en-US" dirty="0"/>
+                    </a:p>
+                  </a:txBody>
+                  <a:tcPr>
+                    <a:solidFill>
+                      <a:srgbClr val="FFC000"/>
+                    </a:solidFill>
+                  </a:tcPr>
+                </a:tc>
+                <a:tc>
+                  <a:txBody>
+                    <a:bodyPr/>
+                    <a:lstStyle/>
+                    <a:p>
+                      <a:pPr algn="ctr"/>
+                      <a:endParaRPr lang="en-US" dirty="0"/>
+                    </a:p>
+                  </a:txBody>
+                  <a:tcPr>
+                    <a:solidFill>
+                      <a:srgbClr val="92D050"/>
+                    </a:solidFill>
+                  </a:tcPr>
+                </a:tc>
+                <a:extLst>
+                  <a:ext uri="{0D108BD9-81ED-4DB2-BD59-A6C34878D82A}">
+                    <a16:rowId xmlns:a16="http://schemas.microsoft.com/office/drawing/2014/main" val="25593232"/>
+                  </a:ext>
+                </a:extLst>
+              </a:tr>
+            </a:tbl>
+          </a:graphicData>
+        </a:graphic>
+      </p:graphicFrame>
     </p:spTree>
     <p:extLst>
       <p:ext uri="{BB962C8B-B14F-4D97-AF65-F5344CB8AC3E}">
-        <p14:creationId xmlns:p14="http://schemas.microsoft.com/office/powerpoint/2010/main" val="612204638"/>
+        <p14:creationId xmlns:p14="http://schemas.microsoft.com/office/powerpoint/2010/main" val="880859063"/>
       </p:ext>
     </p:extLst>
   </p:cSld>
@@ -3879,7 +4642,7 @@
 </p:sld>
 </file>
 
-<file path=ppt/slides/slide3.xml><?xml version="1.0" encoding="utf-8"?>
+<file path=ppt/slides/slide12.xml><?xml version="1.0" encoding="utf-8"?>
 <p:sld xmlns:a="http://schemas.openxmlformats.org/drawingml/2006/main" xmlns:r="http://schemas.openxmlformats.org/officeDocument/2006/relationships" xmlns:p="http://schemas.openxmlformats.org/presentationml/2006/main">
   <p:cSld>
     <p:spTree>
@@ -4087,11 +4850,7 @@
             <a:graphicFrameLocks noGrp="1"/>
           </p:cNvGraphicFramePr>
           <p:nvPr>
-            <p:extLst>
-              <p:ext uri="{D42A27DB-BD31-4B8C-83A1-F6EECF244321}">
-                <p14:modId xmlns:p14="http://schemas.microsoft.com/office/powerpoint/2010/main" val="878377504"/>
-              </p:ext>
-            </p:extLst>
+            <p:extLst/>
           </p:nvPr>
         </p:nvGraphicFramePr>
         <p:xfrm>
@@ -4454,7 +5213,7 @@
         </p:nvSpPr>
         <p:spPr>
           <a:xfrm>
-            <a:off x="11198086" y="5459895"/>
+            <a:off x="11198086" y="3394072"/>
             <a:ext cx="815009" cy="410817"/>
           </a:xfrm>
           <a:prstGeom prst="rect">
@@ -4506,14 +5265,15 @@
             </a:extLst>
           </p:cNvPr>
           <p:cNvCxnSpPr>
+            <a:cxnSpLocks/>
             <a:stCxn id="11" idx="1"/>
           </p:cNvCxnSpPr>
           <p:nvPr/>
         </p:nvCxnSpPr>
         <p:spPr>
           <a:xfrm flipH="1">
-            <a:off x="10641497" y="5665304"/>
-            <a:ext cx="556589" cy="59635"/>
+            <a:off x="7593496" y="3599481"/>
+            <a:ext cx="3604590" cy="959267"/>
           </a:xfrm>
           <a:prstGeom prst="straightConnector1">
             <a:avLst/>
@@ -4540,7 +5300,7 @@
     </p:spTree>
     <p:extLst>
       <p:ext uri="{BB962C8B-B14F-4D97-AF65-F5344CB8AC3E}">
-        <p14:creationId xmlns:p14="http://schemas.microsoft.com/office/powerpoint/2010/main" val="880859063"/>
+        <p14:creationId xmlns:p14="http://schemas.microsoft.com/office/powerpoint/2010/main" val="1312261750"/>
       </p:ext>
     </p:extLst>
   </p:cSld>
@@ -4550,7 +5310,7 @@
 </p:sld>
 </file>
 
-<file path=ppt/slides/slide4.xml><?xml version="1.0" encoding="utf-8"?>
+<file path=ppt/slides/slide13.xml><?xml version="1.0" encoding="utf-8"?>
 <p:sld xmlns:a="http://schemas.openxmlformats.org/drawingml/2006/main" xmlns:r="http://schemas.openxmlformats.org/officeDocument/2006/relationships" xmlns:p="http://schemas.openxmlformats.org/presentationml/2006/main">
   <p:cSld>
     <p:spTree>
@@ -4572,6 +5332,2288 @@
           <p:cNvPr id="2" name="כותרת 1">
             <a:extLst>
               <a:ext uri="{FF2B5EF4-FFF2-40B4-BE49-F238E27FC236}">
+                <a16:creationId xmlns:a16="http://schemas.microsoft.com/office/drawing/2014/main" id="{59FB4CF8-B5A2-4DAE-827D-788071E38561}"/>
+              </a:ext>
+            </a:extLst>
+          </p:cNvPr>
+          <p:cNvSpPr>
+            <a:spLocks noGrp="1"/>
+          </p:cNvSpPr>
+          <p:nvPr>
+            <p:ph type="title"/>
+          </p:nvPr>
+        </p:nvSpPr>
+        <p:spPr/>
+        <p:txBody>
+          <a:bodyPr/>
+          <a:lstStyle/>
+          <a:p>
+            <a:pPr algn="ctr"/>
+            <a:r>
+              <a:rPr lang="he-IL" dirty="0"/>
+              <a:t>שיווי משקל נאש</a:t>
+            </a:r>
+            <a:endParaRPr lang="en-US" dirty="0"/>
+          </a:p>
+        </p:txBody>
+      </p:sp>
+      <p:sp>
+        <p:nvSpPr>
+          <p:cNvPr id="3" name="מציין מיקום תוכן 2">
+            <a:extLst>
+              <a:ext uri="{FF2B5EF4-FFF2-40B4-BE49-F238E27FC236}">
+                <a16:creationId xmlns:a16="http://schemas.microsoft.com/office/drawing/2014/main" id="{0D6BD5DD-834E-41C1-8543-1821619DA1F5}"/>
+              </a:ext>
+            </a:extLst>
+          </p:cNvPr>
+          <p:cNvSpPr>
+            <a:spLocks noGrp="1"/>
+          </p:cNvSpPr>
+          <p:nvPr>
+            <p:ph idx="1"/>
+          </p:nvPr>
+        </p:nvSpPr>
+        <p:spPr>
+          <a:xfrm>
+            <a:off x="838200" y="1825625"/>
+            <a:ext cx="10515600" cy="586271"/>
+          </a:xfrm>
+        </p:spPr>
+        <p:txBody>
+          <a:bodyPr/>
+          <a:lstStyle/>
+          <a:p>
+            <a:pPr marL="0" indent="0">
+              <a:buNone/>
+            </a:pPr>
+            <a:r>
+              <a:rPr lang="he-IL" dirty="0"/>
+              <a:t>מצב בו אף אחד לא ישפר את עמדתו על ידי שינוי אסטרטגיה.</a:t>
+            </a:r>
+          </a:p>
+          <a:p>
+            <a:pPr marL="0" indent="0">
+              <a:buNone/>
+            </a:pPr>
+            <a:endParaRPr lang="en-US" dirty="0"/>
+          </a:p>
+        </p:txBody>
+      </p:sp>
+      <p:sp>
+        <p:nvSpPr>
+          <p:cNvPr id="4" name="מלבן: פינות מעוגלות 3">
+            <a:extLst>
+              <a:ext uri="{FF2B5EF4-FFF2-40B4-BE49-F238E27FC236}">
+                <a16:creationId xmlns:a16="http://schemas.microsoft.com/office/drawing/2014/main" id="{9DF1BDD7-0D6B-4989-AC21-76ABC39E1236}"/>
+              </a:ext>
+            </a:extLst>
+          </p:cNvPr>
+          <p:cNvSpPr/>
+          <p:nvPr/>
+        </p:nvSpPr>
+        <p:spPr>
+          <a:xfrm>
+            <a:off x="5526157" y="2546833"/>
+            <a:ext cx="2252869" cy="712304"/>
+          </a:xfrm>
+          <a:prstGeom prst="roundRect">
+            <a:avLst/>
+          </a:prstGeom>
+        </p:spPr>
+        <p:style>
+          <a:lnRef idx="2">
+            <a:schemeClr val="accent6"/>
+          </a:lnRef>
+          <a:fillRef idx="1">
+            <a:schemeClr val="lt1"/>
+          </a:fillRef>
+          <a:effectRef idx="0">
+            <a:schemeClr val="accent6"/>
+          </a:effectRef>
+          <a:fontRef idx="minor">
+            <a:schemeClr val="dk1"/>
+          </a:fontRef>
+        </p:style>
+        <p:txBody>
+          <a:bodyPr rtlCol="0" anchor="ctr"/>
+          <a:lstStyle/>
+          <a:p>
+            <a:pPr algn="ctr"/>
+            <a:r>
+              <a:rPr lang="en-US" b="1" dirty="0">
+                <a:solidFill>
+                  <a:schemeClr val="accent5">
+                    <a:lumMod val="75000"/>
+                  </a:schemeClr>
+                </a:solidFill>
+              </a:rPr>
+              <a:t>Pool 1</a:t>
+            </a:r>
+          </a:p>
+        </p:txBody>
+      </p:sp>
+      <p:sp>
+        <p:nvSpPr>
+          <p:cNvPr id="5" name="מלבן: פינות מעוגלות 4">
+            <a:extLst>
+              <a:ext uri="{FF2B5EF4-FFF2-40B4-BE49-F238E27FC236}">
+                <a16:creationId xmlns:a16="http://schemas.microsoft.com/office/drawing/2014/main" id="{FDD3A5B0-A3DC-4472-8193-21152E48AC34}"/>
+              </a:ext>
+            </a:extLst>
+          </p:cNvPr>
+          <p:cNvSpPr/>
+          <p:nvPr/>
+        </p:nvSpPr>
+        <p:spPr>
+          <a:xfrm>
+            <a:off x="377687" y="4403035"/>
+            <a:ext cx="2047461" cy="712304"/>
+          </a:xfrm>
+          <a:prstGeom prst="roundRect">
+            <a:avLst/>
+          </a:prstGeom>
+        </p:spPr>
+        <p:style>
+          <a:lnRef idx="2">
+            <a:schemeClr val="accent6"/>
+          </a:lnRef>
+          <a:fillRef idx="1">
+            <a:schemeClr val="lt1"/>
+          </a:fillRef>
+          <a:effectRef idx="0">
+            <a:schemeClr val="accent6"/>
+          </a:effectRef>
+          <a:fontRef idx="minor">
+            <a:schemeClr val="dk1"/>
+          </a:fontRef>
+        </p:style>
+        <p:txBody>
+          <a:bodyPr rtlCol="0" anchor="ctr"/>
+          <a:lstStyle/>
+          <a:p>
+            <a:pPr algn="ctr"/>
+            <a:r>
+              <a:rPr lang="en-US" b="1" dirty="0">
+                <a:solidFill>
+                  <a:schemeClr val="bg2">
+                    <a:lumMod val="10000"/>
+                  </a:schemeClr>
+                </a:solidFill>
+              </a:rPr>
+              <a:t>Pool 2</a:t>
+            </a:r>
+          </a:p>
+        </p:txBody>
+      </p:sp>
+      <p:graphicFrame>
+        <p:nvGraphicFramePr>
+          <p:cNvPr id="10" name="טבלה 9">
+            <a:extLst>
+              <a:ext uri="{FF2B5EF4-FFF2-40B4-BE49-F238E27FC236}">
+                <a16:creationId xmlns:a16="http://schemas.microsoft.com/office/drawing/2014/main" id="{FFE3573B-08EB-4445-AFF4-5781FF441259}"/>
+              </a:ext>
+            </a:extLst>
+          </p:cNvPr>
+          <p:cNvGraphicFramePr>
+            <a:graphicFrameLocks noGrp="1"/>
+          </p:cNvGraphicFramePr>
+          <p:nvPr>
+            <p:extLst>
+              <p:ext uri="{D42A27DB-BD31-4B8C-83A1-F6EECF244321}">
+                <p14:modId xmlns:p14="http://schemas.microsoft.com/office/powerpoint/2010/main" val="1015603457"/>
+              </p:ext>
+            </p:extLst>
+          </p:nvPr>
+        </p:nvGraphicFramePr>
+        <p:xfrm>
+          <a:off x="2747618" y="3394072"/>
+          <a:ext cx="7893879" cy="2847702"/>
+        </p:xfrm>
+        <a:graphic>
+          <a:graphicData uri="http://schemas.openxmlformats.org/drawingml/2006/table">
+            <a:tbl>
+              <a:tblPr firstRow="1" bandRow="1">
+                <a:tableStyleId>{5C22544A-7EE6-4342-B048-85BDC9FD1C3A}</a:tableStyleId>
+              </a:tblPr>
+              <a:tblGrid>
+                <a:gridCol w="2631293">
+                  <a:extLst>
+                    <a:ext uri="{9D8B030D-6E8A-4147-A177-3AD203B41FA5}">
+                      <a16:colId xmlns:a16="http://schemas.microsoft.com/office/drawing/2014/main" val="1492537969"/>
+                    </a:ext>
+                  </a:extLst>
+                </a:gridCol>
+                <a:gridCol w="2631293">
+                  <a:extLst>
+                    <a:ext uri="{9D8B030D-6E8A-4147-A177-3AD203B41FA5}">
+                      <a16:colId xmlns:a16="http://schemas.microsoft.com/office/drawing/2014/main" val="2031442963"/>
+                    </a:ext>
+                  </a:extLst>
+                </a:gridCol>
+                <a:gridCol w="2631293">
+                  <a:extLst>
+                    <a:ext uri="{9D8B030D-6E8A-4147-A177-3AD203B41FA5}">
+                      <a16:colId xmlns:a16="http://schemas.microsoft.com/office/drawing/2014/main" val="2611323456"/>
+                    </a:ext>
+                  </a:extLst>
+                </a:gridCol>
+              </a:tblGrid>
+              <a:tr h="949234">
+                <a:tc>
+                  <a:txBody>
+                    <a:bodyPr/>
+                    <a:lstStyle/>
+                    <a:p>
+                      <a:pPr algn="ctr"/>
+                      <a:endParaRPr lang="en-US" dirty="0"/>
+                    </a:p>
+                  </a:txBody>
+                  <a:tcPr>
+                    <a:solidFill>
+                      <a:schemeClr val="tx2">
+                        <a:lumMod val="40000"/>
+                        <a:lumOff val="60000"/>
+                      </a:schemeClr>
+                    </a:solidFill>
+                  </a:tcPr>
+                </a:tc>
+                <a:tc>
+                  <a:txBody>
+                    <a:bodyPr/>
+                    <a:lstStyle/>
+                    <a:p>
+                      <a:pPr algn="ctr"/>
+                      <a:r>
+                        <a:rPr lang="en-US" b="1" dirty="0">
+                          <a:solidFill>
+                            <a:schemeClr val="bg2">
+                              <a:lumMod val="10000"/>
+                            </a:schemeClr>
+                          </a:solidFill>
+                        </a:rPr>
+                        <a:t>Attack </a:t>
+                      </a:r>
+                    </a:p>
+                  </a:txBody>
+                  <a:tcPr>
+                    <a:solidFill>
+                      <a:schemeClr val="tx2">
+                        <a:lumMod val="40000"/>
+                        <a:lumOff val="60000"/>
+                      </a:schemeClr>
+                    </a:solidFill>
+                  </a:tcPr>
+                </a:tc>
+                <a:tc>
+                  <a:txBody>
+                    <a:bodyPr/>
+                    <a:lstStyle/>
+                    <a:p>
+                      <a:pPr marL="0" marR="0" lvl="0" indent="0" algn="ctr" defTabSz="914400" rtl="1" eaLnBrk="1" fontAlgn="auto" latinLnBrk="0" hangingPunct="1">
+                        <a:lnSpc>
+                          <a:spcPct val="100000"/>
+                        </a:lnSpc>
+                        <a:spcBef>
+                          <a:spcPts val="0"/>
+                        </a:spcBef>
+                        <a:spcAft>
+                          <a:spcPts val="0"/>
+                        </a:spcAft>
+                        <a:buClrTx/>
+                        <a:buSzTx/>
+                        <a:buFontTx/>
+                        <a:buNone/>
+                        <a:tabLst/>
+                        <a:defRPr/>
+                      </a:pPr>
+                      <a:r>
+                        <a:rPr lang="en-US" b="1" dirty="0">
+                          <a:solidFill>
+                            <a:schemeClr val="bg2">
+                              <a:lumMod val="10000"/>
+                            </a:schemeClr>
+                          </a:solidFill>
+                        </a:rPr>
+                        <a:t>No Attack</a:t>
+                      </a:r>
+                    </a:p>
+                    <a:p>
+                      <a:pPr algn="ctr"/>
+                      <a:endParaRPr lang="en-US" dirty="0"/>
+                    </a:p>
+                  </a:txBody>
+                  <a:tcPr>
+                    <a:solidFill>
+                      <a:schemeClr val="tx2">
+                        <a:lumMod val="40000"/>
+                        <a:lumOff val="60000"/>
+                      </a:schemeClr>
+                    </a:solidFill>
+                  </a:tcPr>
+                </a:tc>
+                <a:extLst>
+                  <a:ext uri="{0D108BD9-81ED-4DB2-BD59-A6C34878D82A}">
+                    <a16:rowId xmlns:a16="http://schemas.microsoft.com/office/drawing/2014/main" val="1117821095"/>
+                  </a:ext>
+                </a:extLst>
+              </a:tr>
+              <a:tr h="949234">
+                <a:tc>
+                  <a:txBody>
+                    <a:bodyPr/>
+                    <a:lstStyle/>
+                    <a:p>
+                      <a:pPr algn="ctr"/>
+                      <a:r>
+                        <a:rPr lang="en-US" b="1" dirty="0">
+                          <a:solidFill>
+                            <a:schemeClr val="bg2">
+                              <a:lumMod val="10000"/>
+                            </a:schemeClr>
+                          </a:solidFill>
+                        </a:rPr>
+                        <a:t>Attack</a:t>
+                      </a:r>
+                      <a:endParaRPr lang="en-US" dirty="0"/>
+                    </a:p>
+                  </a:txBody>
+                  <a:tcPr>
+                    <a:solidFill>
+                      <a:schemeClr val="tx2">
+                        <a:lumMod val="40000"/>
+                        <a:lumOff val="60000"/>
+                      </a:schemeClr>
+                    </a:solidFill>
+                  </a:tcPr>
+                </a:tc>
+                <a:tc>
+                  <a:txBody>
+                    <a:bodyPr/>
+                    <a:lstStyle/>
+                    <a:p>
+                      <a:pPr algn="ctr"/>
+                      <a:endParaRPr lang="en-US" b="1" dirty="0">
+                        <a:solidFill>
+                          <a:schemeClr val="bg2">
+                            <a:lumMod val="10000"/>
+                          </a:schemeClr>
+                        </a:solidFill>
+                      </a:endParaRPr>
+                    </a:p>
+                  </a:txBody>
+                  <a:tcPr>
+                    <a:solidFill>
+                      <a:schemeClr val="accent6">
+                        <a:lumMod val="60000"/>
+                        <a:lumOff val="40000"/>
+                      </a:schemeClr>
+                    </a:solidFill>
+                  </a:tcPr>
+                </a:tc>
+                <a:tc>
+                  <a:txBody>
+                    <a:bodyPr/>
+                    <a:lstStyle/>
+                    <a:p>
+                      <a:pPr algn="ctr"/>
+                      <a:endParaRPr lang="en-US" dirty="0"/>
+                    </a:p>
+                  </a:txBody>
+                  <a:tcPr>
+                    <a:solidFill>
+                      <a:srgbClr val="FFC000"/>
+                    </a:solidFill>
+                  </a:tcPr>
+                </a:tc>
+                <a:extLst>
+                  <a:ext uri="{0D108BD9-81ED-4DB2-BD59-A6C34878D82A}">
+                    <a16:rowId xmlns:a16="http://schemas.microsoft.com/office/drawing/2014/main" val="69688423"/>
+                  </a:ext>
+                </a:extLst>
+              </a:tr>
+              <a:tr h="949234">
+                <a:tc>
+                  <a:txBody>
+                    <a:bodyPr/>
+                    <a:lstStyle/>
+                    <a:p>
+                      <a:pPr algn="ctr"/>
+                      <a:r>
+                        <a:rPr lang="en-US" b="1" dirty="0">
+                          <a:solidFill>
+                            <a:schemeClr val="bg2">
+                              <a:lumMod val="10000"/>
+                            </a:schemeClr>
+                          </a:solidFill>
+                        </a:rPr>
+                        <a:t>No Attack</a:t>
+                      </a:r>
+                    </a:p>
+                  </a:txBody>
+                  <a:tcPr>
+                    <a:solidFill>
+                      <a:schemeClr val="tx2">
+                        <a:lumMod val="40000"/>
+                        <a:lumOff val="60000"/>
+                      </a:schemeClr>
+                    </a:solidFill>
+                  </a:tcPr>
+                </a:tc>
+                <a:tc>
+                  <a:txBody>
+                    <a:bodyPr/>
+                    <a:lstStyle/>
+                    <a:p>
+                      <a:pPr algn="ctr"/>
+                      <a:endParaRPr lang="en-US" dirty="0"/>
+                    </a:p>
+                  </a:txBody>
+                  <a:tcPr>
+                    <a:solidFill>
+                      <a:srgbClr val="FFC000"/>
+                    </a:solidFill>
+                  </a:tcPr>
+                </a:tc>
+                <a:tc>
+                  <a:txBody>
+                    <a:bodyPr/>
+                    <a:lstStyle/>
+                    <a:p>
+                      <a:pPr algn="ctr"/>
+                      <a:r>
+                        <a:rPr lang="en-US" b="1" dirty="0">
+                          <a:solidFill>
+                            <a:schemeClr val="bg2">
+                              <a:lumMod val="10000"/>
+                            </a:schemeClr>
+                          </a:solidFill>
+                        </a:rPr>
+                        <a:t>10/</a:t>
+                      </a:r>
+                      <a:r>
+                        <a:rPr lang="en-US" b="1" dirty="0">
+                          <a:solidFill>
+                            <a:schemeClr val="accent1"/>
+                          </a:solidFill>
+                        </a:rPr>
+                        <a:t>10</a:t>
+                      </a:r>
+                      <a:endParaRPr lang="en-US" dirty="0"/>
+                    </a:p>
+                  </a:txBody>
+                  <a:tcPr>
+                    <a:solidFill>
+                      <a:srgbClr val="92D050"/>
+                    </a:solidFill>
+                  </a:tcPr>
+                </a:tc>
+                <a:extLst>
+                  <a:ext uri="{0D108BD9-81ED-4DB2-BD59-A6C34878D82A}">
+                    <a16:rowId xmlns:a16="http://schemas.microsoft.com/office/drawing/2014/main" val="25593232"/>
+                  </a:ext>
+                </a:extLst>
+              </a:tr>
+            </a:tbl>
+          </a:graphicData>
+        </a:graphic>
+      </p:graphicFrame>
+    </p:spTree>
+    <p:extLst>
+      <p:ext uri="{BB962C8B-B14F-4D97-AF65-F5344CB8AC3E}">
+        <p14:creationId xmlns:p14="http://schemas.microsoft.com/office/powerpoint/2010/main" val="830394607"/>
+      </p:ext>
+    </p:extLst>
+  </p:cSld>
+  <p:clrMapOvr>
+    <a:masterClrMapping/>
+  </p:clrMapOvr>
+</p:sld>
+</file>
+
+<file path=ppt/slides/slide14.xml><?xml version="1.0" encoding="utf-8"?>
+<p:sld xmlns:a="http://schemas.openxmlformats.org/drawingml/2006/main" xmlns:r="http://schemas.openxmlformats.org/officeDocument/2006/relationships" xmlns:p="http://schemas.openxmlformats.org/presentationml/2006/main">
+  <p:cSld>
+    <p:spTree>
+      <p:nvGrpSpPr>
+        <p:cNvPr id="1" name=""/>
+        <p:cNvGrpSpPr/>
+        <p:nvPr/>
+      </p:nvGrpSpPr>
+      <p:grpSpPr>
+        <a:xfrm>
+          <a:off x="0" y="0"/>
+          <a:ext cx="0" cy="0"/>
+          <a:chOff x="0" y="0"/>
+          <a:chExt cx="0" cy="0"/>
+        </a:xfrm>
+      </p:grpSpPr>
+      <p:sp>
+        <p:nvSpPr>
+          <p:cNvPr id="2" name="כותרת 1">
+            <a:extLst>
+              <a:ext uri="{FF2B5EF4-FFF2-40B4-BE49-F238E27FC236}">
+                <a16:creationId xmlns:a16="http://schemas.microsoft.com/office/drawing/2014/main" id="{59FB4CF8-B5A2-4DAE-827D-788071E38561}"/>
+              </a:ext>
+            </a:extLst>
+          </p:cNvPr>
+          <p:cNvSpPr>
+            <a:spLocks noGrp="1"/>
+          </p:cNvSpPr>
+          <p:nvPr>
+            <p:ph type="title"/>
+          </p:nvPr>
+        </p:nvSpPr>
+        <p:spPr/>
+        <p:txBody>
+          <a:bodyPr/>
+          <a:lstStyle/>
+          <a:p>
+            <a:pPr algn="ctr"/>
+            <a:r>
+              <a:rPr lang="he-IL" dirty="0"/>
+              <a:t>שיווי משקל נאש</a:t>
+            </a:r>
+            <a:endParaRPr lang="en-US" dirty="0"/>
+          </a:p>
+        </p:txBody>
+      </p:sp>
+      <p:sp>
+        <p:nvSpPr>
+          <p:cNvPr id="3" name="מציין מיקום תוכן 2">
+            <a:extLst>
+              <a:ext uri="{FF2B5EF4-FFF2-40B4-BE49-F238E27FC236}">
+                <a16:creationId xmlns:a16="http://schemas.microsoft.com/office/drawing/2014/main" id="{0D6BD5DD-834E-41C1-8543-1821619DA1F5}"/>
+              </a:ext>
+            </a:extLst>
+          </p:cNvPr>
+          <p:cNvSpPr>
+            <a:spLocks noGrp="1"/>
+          </p:cNvSpPr>
+          <p:nvPr>
+            <p:ph idx="1"/>
+          </p:nvPr>
+        </p:nvSpPr>
+        <p:spPr>
+          <a:xfrm>
+            <a:off x="838200" y="1825625"/>
+            <a:ext cx="10515600" cy="586271"/>
+          </a:xfrm>
+        </p:spPr>
+        <p:txBody>
+          <a:bodyPr/>
+          <a:lstStyle/>
+          <a:p>
+            <a:pPr marL="0" indent="0">
+              <a:buNone/>
+            </a:pPr>
+            <a:r>
+              <a:rPr lang="he-IL" dirty="0"/>
+              <a:t>מצב בו אף אחד לא ישפר את עמדתו על ידי שינוי אסטרטגיה.</a:t>
+            </a:r>
+          </a:p>
+          <a:p>
+            <a:pPr marL="0" indent="0">
+              <a:buNone/>
+            </a:pPr>
+            <a:endParaRPr lang="en-US" dirty="0"/>
+          </a:p>
+        </p:txBody>
+      </p:sp>
+      <p:sp>
+        <p:nvSpPr>
+          <p:cNvPr id="4" name="מלבן: פינות מעוגלות 3">
+            <a:extLst>
+              <a:ext uri="{FF2B5EF4-FFF2-40B4-BE49-F238E27FC236}">
+                <a16:creationId xmlns:a16="http://schemas.microsoft.com/office/drawing/2014/main" id="{9DF1BDD7-0D6B-4989-AC21-76ABC39E1236}"/>
+              </a:ext>
+            </a:extLst>
+          </p:cNvPr>
+          <p:cNvSpPr/>
+          <p:nvPr/>
+        </p:nvSpPr>
+        <p:spPr>
+          <a:xfrm>
+            <a:off x="5526157" y="2546833"/>
+            <a:ext cx="2252869" cy="712304"/>
+          </a:xfrm>
+          <a:prstGeom prst="roundRect">
+            <a:avLst/>
+          </a:prstGeom>
+        </p:spPr>
+        <p:style>
+          <a:lnRef idx="2">
+            <a:schemeClr val="accent6"/>
+          </a:lnRef>
+          <a:fillRef idx="1">
+            <a:schemeClr val="lt1"/>
+          </a:fillRef>
+          <a:effectRef idx="0">
+            <a:schemeClr val="accent6"/>
+          </a:effectRef>
+          <a:fontRef idx="minor">
+            <a:schemeClr val="dk1"/>
+          </a:fontRef>
+        </p:style>
+        <p:txBody>
+          <a:bodyPr rtlCol="0" anchor="ctr"/>
+          <a:lstStyle/>
+          <a:p>
+            <a:pPr algn="ctr"/>
+            <a:r>
+              <a:rPr lang="en-US" b="1" dirty="0">
+                <a:solidFill>
+                  <a:schemeClr val="accent5">
+                    <a:lumMod val="75000"/>
+                  </a:schemeClr>
+                </a:solidFill>
+              </a:rPr>
+              <a:t>Pool 1</a:t>
+            </a:r>
+          </a:p>
+        </p:txBody>
+      </p:sp>
+      <p:sp>
+        <p:nvSpPr>
+          <p:cNvPr id="5" name="מלבן: פינות מעוגלות 4">
+            <a:extLst>
+              <a:ext uri="{FF2B5EF4-FFF2-40B4-BE49-F238E27FC236}">
+                <a16:creationId xmlns:a16="http://schemas.microsoft.com/office/drawing/2014/main" id="{FDD3A5B0-A3DC-4472-8193-21152E48AC34}"/>
+              </a:ext>
+            </a:extLst>
+          </p:cNvPr>
+          <p:cNvSpPr/>
+          <p:nvPr/>
+        </p:nvSpPr>
+        <p:spPr>
+          <a:xfrm>
+            <a:off x="377687" y="4403035"/>
+            <a:ext cx="2047461" cy="712304"/>
+          </a:xfrm>
+          <a:prstGeom prst="roundRect">
+            <a:avLst/>
+          </a:prstGeom>
+        </p:spPr>
+        <p:style>
+          <a:lnRef idx="2">
+            <a:schemeClr val="accent6"/>
+          </a:lnRef>
+          <a:fillRef idx="1">
+            <a:schemeClr val="lt1"/>
+          </a:fillRef>
+          <a:effectRef idx="0">
+            <a:schemeClr val="accent6"/>
+          </a:effectRef>
+          <a:fontRef idx="minor">
+            <a:schemeClr val="dk1"/>
+          </a:fontRef>
+        </p:style>
+        <p:txBody>
+          <a:bodyPr rtlCol="0" anchor="ctr"/>
+          <a:lstStyle/>
+          <a:p>
+            <a:pPr algn="ctr"/>
+            <a:r>
+              <a:rPr lang="en-US" b="1" dirty="0">
+                <a:solidFill>
+                  <a:schemeClr val="bg2">
+                    <a:lumMod val="10000"/>
+                  </a:schemeClr>
+                </a:solidFill>
+              </a:rPr>
+              <a:t>Pool 2</a:t>
+            </a:r>
+          </a:p>
+        </p:txBody>
+      </p:sp>
+      <p:graphicFrame>
+        <p:nvGraphicFramePr>
+          <p:cNvPr id="10" name="טבלה 9">
+            <a:extLst>
+              <a:ext uri="{FF2B5EF4-FFF2-40B4-BE49-F238E27FC236}">
+                <a16:creationId xmlns:a16="http://schemas.microsoft.com/office/drawing/2014/main" id="{FFE3573B-08EB-4445-AFF4-5781FF441259}"/>
+              </a:ext>
+            </a:extLst>
+          </p:cNvPr>
+          <p:cNvGraphicFramePr>
+            <a:graphicFrameLocks noGrp="1"/>
+          </p:cNvGraphicFramePr>
+          <p:nvPr>
+            <p:extLst>
+              <p:ext uri="{D42A27DB-BD31-4B8C-83A1-F6EECF244321}">
+                <p14:modId xmlns:p14="http://schemas.microsoft.com/office/powerpoint/2010/main" val="210366916"/>
+              </p:ext>
+            </p:extLst>
+          </p:nvPr>
+        </p:nvGraphicFramePr>
+        <p:xfrm>
+          <a:off x="2747618" y="3394072"/>
+          <a:ext cx="7893879" cy="2847702"/>
+        </p:xfrm>
+        <a:graphic>
+          <a:graphicData uri="http://schemas.openxmlformats.org/drawingml/2006/table">
+            <a:tbl>
+              <a:tblPr firstRow="1" bandRow="1">
+                <a:tableStyleId>{5C22544A-7EE6-4342-B048-85BDC9FD1C3A}</a:tableStyleId>
+              </a:tblPr>
+              <a:tblGrid>
+                <a:gridCol w="2631293">
+                  <a:extLst>
+                    <a:ext uri="{9D8B030D-6E8A-4147-A177-3AD203B41FA5}">
+                      <a16:colId xmlns:a16="http://schemas.microsoft.com/office/drawing/2014/main" val="1492537969"/>
+                    </a:ext>
+                  </a:extLst>
+                </a:gridCol>
+                <a:gridCol w="2631293">
+                  <a:extLst>
+                    <a:ext uri="{9D8B030D-6E8A-4147-A177-3AD203B41FA5}">
+                      <a16:colId xmlns:a16="http://schemas.microsoft.com/office/drawing/2014/main" val="2031442963"/>
+                    </a:ext>
+                  </a:extLst>
+                </a:gridCol>
+                <a:gridCol w="2631293">
+                  <a:extLst>
+                    <a:ext uri="{9D8B030D-6E8A-4147-A177-3AD203B41FA5}">
+                      <a16:colId xmlns:a16="http://schemas.microsoft.com/office/drawing/2014/main" val="2611323456"/>
+                    </a:ext>
+                  </a:extLst>
+                </a:gridCol>
+              </a:tblGrid>
+              <a:tr h="949234">
+                <a:tc>
+                  <a:txBody>
+                    <a:bodyPr/>
+                    <a:lstStyle/>
+                    <a:p>
+                      <a:pPr algn="ctr"/>
+                      <a:endParaRPr lang="en-US" dirty="0"/>
+                    </a:p>
+                  </a:txBody>
+                  <a:tcPr>
+                    <a:solidFill>
+                      <a:schemeClr val="tx2">
+                        <a:lumMod val="40000"/>
+                        <a:lumOff val="60000"/>
+                      </a:schemeClr>
+                    </a:solidFill>
+                  </a:tcPr>
+                </a:tc>
+                <a:tc>
+                  <a:txBody>
+                    <a:bodyPr/>
+                    <a:lstStyle/>
+                    <a:p>
+                      <a:pPr algn="ctr"/>
+                      <a:r>
+                        <a:rPr lang="en-US" b="1" dirty="0">
+                          <a:solidFill>
+                            <a:schemeClr val="bg2">
+                              <a:lumMod val="10000"/>
+                            </a:schemeClr>
+                          </a:solidFill>
+                        </a:rPr>
+                        <a:t>Attack </a:t>
+                      </a:r>
+                    </a:p>
+                  </a:txBody>
+                  <a:tcPr>
+                    <a:solidFill>
+                      <a:schemeClr val="tx2">
+                        <a:lumMod val="40000"/>
+                        <a:lumOff val="60000"/>
+                      </a:schemeClr>
+                    </a:solidFill>
+                  </a:tcPr>
+                </a:tc>
+                <a:tc>
+                  <a:txBody>
+                    <a:bodyPr/>
+                    <a:lstStyle/>
+                    <a:p>
+                      <a:pPr marL="0" marR="0" lvl="0" indent="0" algn="ctr" defTabSz="914400" rtl="1" eaLnBrk="1" fontAlgn="auto" latinLnBrk="0" hangingPunct="1">
+                        <a:lnSpc>
+                          <a:spcPct val="100000"/>
+                        </a:lnSpc>
+                        <a:spcBef>
+                          <a:spcPts val="0"/>
+                        </a:spcBef>
+                        <a:spcAft>
+                          <a:spcPts val="0"/>
+                        </a:spcAft>
+                        <a:buClrTx/>
+                        <a:buSzTx/>
+                        <a:buFontTx/>
+                        <a:buNone/>
+                        <a:tabLst/>
+                        <a:defRPr/>
+                      </a:pPr>
+                      <a:r>
+                        <a:rPr lang="en-US" b="1" dirty="0">
+                          <a:solidFill>
+                            <a:schemeClr val="bg2">
+                              <a:lumMod val="10000"/>
+                            </a:schemeClr>
+                          </a:solidFill>
+                        </a:rPr>
+                        <a:t>No Attack</a:t>
+                      </a:r>
+                    </a:p>
+                    <a:p>
+                      <a:pPr algn="ctr"/>
+                      <a:endParaRPr lang="en-US" dirty="0"/>
+                    </a:p>
+                  </a:txBody>
+                  <a:tcPr>
+                    <a:solidFill>
+                      <a:schemeClr val="tx2">
+                        <a:lumMod val="40000"/>
+                        <a:lumOff val="60000"/>
+                      </a:schemeClr>
+                    </a:solidFill>
+                  </a:tcPr>
+                </a:tc>
+                <a:extLst>
+                  <a:ext uri="{0D108BD9-81ED-4DB2-BD59-A6C34878D82A}">
+                    <a16:rowId xmlns:a16="http://schemas.microsoft.com/office/drawing/2014/main" val="1117821095"/>
+                  </a:ext>
+                </a:extLst>
+              </a:tr>
+              <a:tr h="949234">
+                <a:tc>
+                  <a:txBody>
+                    <a:bodyPr/>
+                    <a:lstStyle/>
+                    <a:p>
+                      <a:pPr algn="ctr"/>
+                      <a:r>
+                        <a:rPr lang="en-US" b="1" dirty="0">
+                          <a:solidFill>
+                            <a:schemeClr val="bg2">
+                              <a:lumMod val="10000"/>
+                            </a:schemeClr>
+                          </a:solidFill>
+                        </a:rPr>
+                        <a:t>Attack</a:t>
+                      </a:r>
+                      <a:endParaRPr lang="en-US" dirty="0"/>
+                    </a:p>
+                  </a:txBody>
+                  <a:tcPr>
+                    <a:solidFill>
+                      <a:schemeClr val="tx2">
+                        <a:lumMod val="40000"/>
+                        <a:lumOff val="60000"/>
+                      </a:schemeClr>
+                    </a:solidFill>
+                  </a:tcPr>
+                </a:tc>
+                <a:tc>
+                  <a:txBody>
+                    <a:bodyPr/>
+                    <a:lstStyle/>
+                    <a:p>
+                      <a:pPr algn="ctr"/>
+                      <a:endParaRPr lang="en-US" b="1" dirty="0">
+                        <a:solidFill>
+                          <a:schemeClr val="bg2">
+                            <a:lumMod val="10000"/>
+                          </a:schemeClr>
+                        </a:solidFill>
+                      </a:endParaRPr>
+                    </a:p>
+                  </a:txBody>
+                  <a:tcPr>
+                    <a:solidFill>
+                      <a:schemeClr val="accent6">
+                        <a:lumMod val="60000"/>
+                        <a:lumOff val="40000"/>
+                      </a:schemeClr>
+                    </a:solidFill>
+                  </a:tcPr>
+                </a:tc>
+                <a:tc>
+                  <a:txBody>
+                    <a:bodyPr/>
+                    <a:lstStyle/>
+                    <a:p>
+                      <a:pPr algn="ctr"/>
+                      <a:r>
+                        <a:rPr lang="en-US" b="1" dirty="0">
+                          <a:solidFill>
+                            <a:schemeClr val="bg2">
+                              <a:lumMod val="10000"/>
+                            </a:schemeClr>
+                          </a:solidFill>
+                        </a:rPr>
+                        <a:t>13/</a:t>
+                      </a:r>
+                      <a:r>
+                        <a:rPr lang="en-US" b="1" dirty="0">
+                          <a:solidFill>
+                            <a:schemeClr val="accent1"/>
+                          </a:solidFill>
+                        </a:rPr>
+                        <a:t>5</a:t>
+                      </a:r>
+                      <a:endParaRPr lang="en-US" dirty="0"/>
+                    </a:p>
+                  </a:txBody>
+                  <a:tcPr>
+                    <a:solidFill>
+                      <a:srgbClr val="FFC000"/>
+                    </a:solidFill>
+                  </a:tcPr>
+                </a:tc>
+                <a:extLst>
+                  <a:ext uri="{0D108BD9-81ED-4DB2-BD59-A6C34878D82A}">
+                    <a16:rowId xmlns:a16="http://schemas.microsoft.com/office/drawing/2014/main" val="69688423"/>
+                  </a:ext>
+                </a:extLst>
+              </a:tr>
+              <a:tr h="949234">
+                <a:tc>
+                  <a:txBody>
+                    <a:bodyPr/>
+                    <a:lstStyle/>
+                    <a:p>
+                      <a:pPr algn="ctr"/>
+                      <a:r>
+                        <a:rPr lang="en-US" b="1" dirty="0">
+                          <a:solidFill>
+                            <a:schemeClr val="bg2">
+                              <a:lumMod val="10000"/>
+                            </a:schemeClr>
+                          </a:solidFill>
+                        </a:rPr>
+                        <a:t>No Attack</a:t>
+                      </a:r>
+                    </a:p>
+                  </a:txBody>
+                  <a:tcPr>
+                    <a:solidFill>
+                      <a:schemeClr val="tx2">
+                        <a:lumMod val="40000"/>
+                        <a:lumOff val="60000"/>
+                      </a:schemeClr>
+                    </a:solidFill>
+                  </a:tcPr>
+                </a:tc>
+                <a:tc>
+                  <a:txBody>
+                    <a:bodyPr/>
+                    <a:lstStyle/>
+                    <a:p>
+                      <a:pPr algn="ctr"/>
+                      <a:endParaRPr lang="en-US" dirty="0"/>
+                    </a:p>
+                  </a:txBody>
+                  <a:tcPr>
+                    <a:solidFill>
+                      <a:srgbClr val="FFC000"/>
+                    </a:solidFill>
+                  </a:tcPr>
+                </a:tc>
+                <a:tc>
+                  <a:txBody>
+                    <a:bodyPr/>
+                    <a:lstStyle/>
+                    <a:p>
+                      <a:pPr algn="ctr"/>
+                      <a:r>
+                        <a:rPr lang="en-US" b="1" dirty="0">
+                          <a:solidFill>
+                            <a:schemeClr val="bg2">
+                              <a:lumMod val="10000"/>
+                            </a:schemeClr>
+                          </a:solidFill>
+                        </a:rPr>
+                        <a:t>10/</a:t>
+                      </a:r>
+                      <a:r>
+                        <a:rPr lang="en-US" b="1" dirty="0">
+                          <a:solidFill>
+                            <a:schemeClr val="accent1"/>
+                          </a:solidFill>
+                        </a:rPr>
+                        <a:t>10</a:t>
+                      </a:r>
+                      <a:endParaRPr lang="en-US" dirty="0"/>
+                    </a:p>
+                  </a:txBody>
+                  <a:tcPr>
+                    <a:solidFill>
+                      <a:srgbClr val="92D050"/>
+                    </a:solidFill>
+                  </a:tcPr>
+                </a:tc>
+                <a:extLst>
+                  <a:ext uri="{0D108BD9-81ED-4DB2-BD59-A6C34878D82A}">
+                    <a16:rowId xmlns:a16="http://schemas.microsoft.com/office/drawing/2014/main" val="25593232"/>
+                  </a:ext>
+                </a:extLst>
+              </a:tr>
+            </a:tbl>
+          </a:graphicData>
+        </a:graphic>
+      </p:graphicFrame>
+    </p:spTree>
+    <p:extLst>
+      <p:ext uri="{BB962C8B-B14F-4D97-AF65-F5344CB8AC3E}">
+        <p14:creationId xmlns:p14="http://schemas.microsoft.com/office/powerpoint/2010/main" val="4113932382"/>
+      </p:ext>
+    </p:extLst>
+  </p:cSld>
+  <p:clrMapOvr>
+    <a:masterClrMapping/>
+  </p:clrMapOvr>
+</p:sld>
+</file>
+
+<file path=ppt/slides/slide15.xml><?xml version="1.0" encoding="utf-8"?>
+<p:sld xmlns:a="http://schemas.openxmlformats.org/drawingml/2006/main" xmlns:r="http://schemas.openxmlformats.org/officeDocument/2006/relationships" xmlns:p="http://schemas.openxmlformats.org/presentationml/2006/main">
+  <p:cSld>
+    <p:spTree>
+      <p:nvGrpSpPr>
+        <p:cNvPr id="1" name=""/>
+        <p:cNvGrpSpPr/>
+        <p:nvPr/>
+      </p:nvGrpSpPr>
+      <p:grpSpPr>
+        <a:xfrm>
+          <a:off x="0" y="0"/>
+          <a:ext cx="0" cy="0"/>
+          <a:chOff x="0" y="0"/>
+          <a:chExt cx="0" cy="0"/>
+        </a:xfrm>
+      </p:grpSpPr>
+      <p:sp>
+        <p:nvSpPr>
+          <p:cNvPr id="2" name="כותרת 1">
+            <a:extLst>
+              <a:ext uri="{FF2B5EF4-FFF2-40B4-BE49-F238E27FC236}">
+                <a16:creationId xmlns:a16="http://schemas.microsoft.com/office/drawing/2014/main" id="{59FB4CF8-B5A2-4DAE-827D-788071E38561}"/>
+              </a:ext>
+            </a:extLst>
+          </p:cNvPr>
+          <p:cNvSpPr>
+            <a:spLocks noGrp="1"/>
+          </p:cNvSpPr>
+          <p:nvPr>
+            <p:ph type="title"/>
+          </p:nvPr>
+        </p:nvSpPr>
+        <p:spPr/>
+        <p:txBody>
+          <a:bodyPr/>
+          <a:lstStyle/>
+          <a:p>
+            <a:pPr algn="ctr"/>
+            <a:r>
+              <a:rPr lang="he-IL" dirty="0"/>
+              <a:t>שיווי משקל נאש</a:t>
+            </a:r>
+            <a:endParaRPr lang="en-US" dirty="0"/>
+          </a:p>
+        </p:txBody>
+      </p:sp>
+      <p:sp>
+        <p:nvSpPr>
+          <p:cNvPr id="3" name="מציין מיקום תוכן 2">
+            <a:extLst>
+              <a:ext uri="{FF2B5EF4-FFF2-40B4-BE49-F238E27FC236}">
+                <a16:creationId xmlns:a16="http://schemas.microsoft.com/office/drawing/2014/main" id="{0D6BD5DD-834E-41C1-8543-1821619DA1F5}"/>
+              </a:ext>
+            </a:extLst>
+          </p:cNvPr>
+          <p:cNvSpPr>
+            <a:spLocks noGrp="1"/>
+          </p:cNvSpPr>
+          <p:nvPr>
+            <p:ph idx="1"/>
+          </p:nvPr>
+        </p:nvSpPr>
+        <p:spPr>
+          <a:xfrm>
+            <a:off x="838200" y="1825625"/>
+            <a:ext cx="10515600" cy="586271"/>
+          </a:xfrm>
+        </p:spPr>
+        <p:txBody>
+          <a:bodyPr/>
+          <a:lstStyle/>
+          <a:p>
+            <a:pPr marL="0" indent="0">
+              <a:buNone/>
+            </a:pPr>
+            <a:r>
+              <a:rPr lang="he-IL" dirty="0"/>
+              <a:t>מצב בו אף אחד לא ישפר את עמדתו על ידי שינוי אסטרטגיה.</a:t>
+            </a:r>
+          </a:p>
+          <a:p>
+            <a:pPr marL="0" indent="0">
+              <a:buNone/>
+            </a:pPr>
+            <a:endParaRPr lang="en-US" dirty="0"/>
+          </a:p>
+        </p:txBody>
+      </p:sp>
+      <p:sp>
+        <p:nvSpPr>
+          <p:cNvPr id="4" name="מלבן: פינות מעוגלות 3">
+            <a:extLst>
+              <a:ext uri="{FF2B5EF4-FFF2-40B4-BE49-F238E27FC236}">
+                <a16:creationId xmlns:a16="http://schemas.microsoft.com/office/drawing/2014/main" id="{9DF1BDD7-0D6B-4989-AC21-76ABC39E1236}"/>
+              </a:ext>
+            </a:extLst>
+          </p:cNvPr>
+          <p:cNvSpPr/>
+          <p:nvPr/>
+        </p:nvSpPr>
+        <p:spPr>
+          <a:xfrm>
+            <a:off x="5526157" y="2546833"/>
+            <a:ext cx="2252869" cy="712304"/>
+          </a:xfrm>
+          <a:prstGeom prst="roundRect">
+            <a:avLst/>
+          </a:prstGeom>
+        </p:spPr>
+        <p:style>
+          <a:lnRef idx="2">
+            <a:schemeClr val="accent6"/>
+          </a:lnRef>
+          <a:fillRef idx="1">
+            <a:schemeClr val="lt1"/>
+          </a:fillRef>
+          <a:effectRef idx="0">
+            <a:schemeClr val="accent6"/>
+          </a:effectRef>
+          <a:fontRef idx="minor">
+            <a:schemeClr val="dk1"/>
+          </a:fontRef>
+        </p:style>
+        <p:txBody>
+          <a:bodyPr rtlCol="0" anchor="ctr"/>
+          <a:lstStyle/>
+          <a:p>
+            <a:pPr algn="ctr"/>
+            <a:r>
+              <a:rPr lang="en-US" b="1" dirty="0">
+                <a:solidFill>
+                  <a:schemeClr val="accent5">
+                    <a:lumMod val="75000"/>
+                  </a:schemeClr>
+                </a:solidFill>
+              </a:rPr>
+              <a:t>Pool 1</a:t>
+            </a:r>
+          </a:p>
+        </p:txBody>
+      </p:sp>
+      <p:sp>
+        <p:nvSpPr>
+          <p:cNvPr id="5" name="מלבן: פינות מעוגלות 4">
+            <a:extLst>
+              <a:ext uri="{FF2B5EF4-FFF2-40B4-BE49-F238E27FC236}">
+                <a16:creationId xmlns:a16="http://schemas.microsoft.com/office/drawing/2014/main" id="{FDD3A5B0-A3DC-4472-8193-21152E48AC34}"/>
+              </a:ext>
+            </a:extLst>
+          </p:cNvPr>
+          <p:cNvSpPr/>
+          <p:nvPr/>
+        </p:nvSpPr>
+        <p:spPr>
+          <a:xfrm>
+            <a:off x="377687" y="4403035"/>
+            <a:ext cx="2047461" cy="712304"/>
+          </a:xfrm>
+          <a:prstGeom prst="roundRect">
+            <a:avLst/>
+          </a:prstGeom>
+        </p:spPr>
+        <p:style>
+          <a:lnRef idx="2">
+            <a:schemeClr val="accent6"/>
+          </a:lnRef>
+          <a:fillRef idx="1">
+            <a:schemeClr val="lt1"/>
+          </a:fillRef>
+          <a:effectRef idx="0">
+            <a:schemeClr val="accent6"/>
+          </a:effectRef>
+          <a:fontRef idx="minor">
+            <a:schemeClr val="dk1"/>
+          </a:fontRef>
+        </p:style>
+        <p:txBody>
+          <a:bodyPr rtlCol="0" anchor="ctr"/>
+          <a:lstStyle/>
+          <a:p>
+            <a:pPr algn="ctr"/>
+            <a:r>
+              <a:rPr lang="en-US" b="1" dirty="0">
+                <a:solidFill>
+                  <a:schemeClr val="bg2">
+                    <a:lumMod val="10000"/>
+                  </a:schemeClr>
+                </a:solidFill>
+              </a:rPr>
+              <a:t>Pool 2</a:t>
+            </a:r>
+          </a:p>
+        </p:txBody>
+      </p:sp>
+      <p:graphicFrame>
+        <p:nvGraphicFramePr>
+          <p:cNvPr id="10" name="טבלה 9">
+            <a:extLst>
+              <a:ext uri="{FF2B5EF4-FFF2-40B4-BE49-F238E27FC236}">
+                <a16:creationId xmlns:a16="http://schemas.microsoft.com/office/drawing/2014/main" id="{FFE3573B-08EB-4445-AFF4-5781FF441259}"/>
+              </a:ext>
+            </a:extLst>
+          </p:cNvPr>
+          <p:cNvGraphicFramePr>
+            <a:graphicFrameLocks noGrp="1"/>
+          </p:cNvGraphicFramePr>
+          <p:nvPr>
+            <p:extLst>
+              <p:ext uri="{D42A27DB-BD31-4B8C-83A1-F6EECF244321}">
+                <p14:modId xmlns:p14="http://schemas.microsoft.com/office/powerpoint/2010/main" val="3027365748"/>
+              </p:ext>
+            </p:extLst>
+          </p:nvPr>
+        </p:nvGraphicFramePr>
+        <p:xfrm>
+          <a:off x="2747618" y="3394072"/>
+          <a:ext cx="7893879" cy="2847702"/>
+        </p:xfrm>
+        <a:graphic>
+          <a:graphicData uri="http://schemas.openxmlformats.org/drawingml/2006/table">
+            <a:tbl>
+              <a:tblPr firstRow="1" bandRow="1">
+                <a:tableStyleId>{5C22544A-7EE6-4342-B048-85BDC9FD1C3A}</a:tableStyleId>
+              </a:tblPr>
+              <a:tblGrid>
+                <a:gridCol w="2631293">
+                  <a:extLst>
+                    <a:ext uri="{9D8B030D-6E8A-4147-A177-3AD203B41FA5}">
+                      <a16:colId xmlns:a16="http://schemas.microsoft.com/office/drawing/2014/main" val="1492537969"/>
+                    </a:ext>
+                  </a:extLst>
+                </a:gridCol>
+                <a:gridCol w="2631293">
+                  <a:extLst>
+                    <a:ext uri="{9D8B030D-6E8A-4147-A177-3AD203B41FA5}">
+                      <a16:colId xmlns:a16="http://schemas.microsoft.com/office/drawing/2014/main" val="2031442963"/>
+                    </a:ext>
+                  </a:extLst>
+                </a:gridCol>
+                <a:gridCol w="2631293">
+                  <a:extLst>
+                    <a:ext uri="{9D8B030D-6E8A-4147-A177-3AD203B41FA5}">
+                      <a16:colId xmlns:a16="http://schemas.microsoft.com/office/drawing/2014/main" val="2611323456"/>
+                    </a:ext>
+                  </a:extLst>
+                </a:gridCol>
+              </a:tblGrid>
+              <a:tr h="949234">
+                <a:tc>
+                  <a:txBody>
+                    <a:bodyPr/>
+                    <a:lstStyle/>
+                    <a:p>
+                      <a:pPr algn="ctr"/>
+                      <a:endParaRPr lang="en-US" dirty="0"/>
+                    </a:p>
+                  </a:txBody>
+                  <a:tcPr>
+                    <a:solidFill>
+                      <a:schemeClr val="tx2">
+                        <a:lumMod val="40000"/>
+                        <a:lumOff val="60000"/>
+                      </a:schemeClr>
+                    </a:solidFill>
+                  </a:tcPr>
+                </a:tc>
+                <a:tc>
+                  <a:txBody>
+                    <a:bodyPr/>
+                    <a:lstStyle/>
+                    <a:p>
+                      <a:pPr algn="ctr"/>
+                      <a:r>
+                        <a:rPr lang="en-US" b="1" dirty="0">
+                          <a:solidFill>
+                            <a:schemeClr val="bg2">
+                              <a:lumMod val="10000"/>
+                            </a:schemeClr>
+                          </a:solidFill>
+                        </a:rPr>
+                        <a:t>Attack </a:t>
+                      </a:r>
+                    </a:p>
+                  </a:txBody>
+                  <a:tcPr>
+                    <a:solidFill>
+                      <a:schemeClr val="tx2">
+                        <a:lumMod val="40000"/>
+                        <a:lumOff val="60000"/>
+                      </a:schemeClr>
+                    </a:solidFill>
+                  </a:tcPr>
+                </a:tc>
+                <a:tc>
+                  <a:txBody>
+                    <a:bodyPr/>
+                    <a:lstStyle/>
+                    <a:p>
+                      <a:pPr marL="0" marR="0" lvl="0" indent="0" algn="ctr" defTabSz="914400" rtl="1" eaLnBrk="1" fontAlgn="auto" latinLnBrk="0" hangingPunct="1">
+                        <a:lnSpc>
+                          <a:spcPct val="100000"/>
+                        </a:lnSpc>
+                        <a:spcBef>
+                          <a:spcPts val="0"/>
+                        </a:spcBef>
+                        <a:spcAft>
+                          <a:spcPts val="0"/>
+                        </a:spcAft>
+                        <a:buClrTx/>
+                        <a:buSzTx/>
+                        <a:buFontTx/>
+                        <a:buNone/>
+                        <a:tabLst/>
+                        <a:defRPr/>
+                      </a:pPr>
+                      <a:r>
+                        <a:rPr lang="en-US" b="1" dirty="0">
+                          <a:solidFill>
+                            <a:schemeClr val="bg2">
+                              <a:lumMod val="10000"/>
+                            </a:schemeClr>
+                          </a:solidFill>
+                        </a:rPr>
+                        <a:t>No Attack</a:t>
+                      </a:r>
+                    </a:p>
+                    <a:p>
+                      <a:pPr algn="ctr"/>
+                      <a:endParaRPr lang="en-US" dirty="0"/>
+                    </a:p>
+                  </a:txBody>
+                  <a:tcPr>
+                    <a:solidFill>
+                      <a:schemeClr val="tx2">
+                        <a:lumMod val="40000"/>
+                        <a:lumOff val="60000"/>
+                      </a:schemeClr>
+                    </a:solidFill>
+                  </a:tcPr>
+                </a:tc>
+                <a:extLst>
+                  <a:ext uri="{0D108BD9-81ED-4DB2-BD59-A6C34878D82A}">
+                    <a16:rowId xmlns:a16="http://schemas.microsoft.com/office/drawing/2014/main" val="1117821095"/>
+                  </a:ext>
+                </a:extLst>
+              </a:tr>
+              <a:tr h="949234">
+                <a:tc>
+                  <a:txBody>
+                    <a:bodyPr/>
+                    <a:lstStyle/>
+                    <a:p>
+                      <a:pPr algn="ctr"/>
+                      <a:r>
+                        <a:rPr lang="en-US" b="1" dirty="0">
+                          <a:solidFill>
+                            <a:schemeClr val="bg2">
+                              <a:lumMod val="10000"/>
+                            </a:schemeClr>
+                          </a:solidFill>
+                        </a:rPr>
+                        <a:t>Attack</a:t>
+                      </a:r>
+                      <a:endParaRPr lang="en-US" dirty="0"/>
+                    </a:p>
+                  </a:txBody>
+                  <a:tcPr>
+                    <a:solidFill>
+                      <a:schemeClr val="tx2">
+                        <a:lumMod val="40000"/>
+                        <a:lumOff val="60000"/>
+                      </a:schemeClr>
+                    </a:solidFill>
+                  </a:tcPr>
+                </a:tc>
+                <a:tc>
+                  <a:txBody>
+                    <a:bodyPr/>
+                    <a:lstStyle/>
+                    <a:p>
+                      <a:pPr algn="ctr"/>
+                      <a:endParaRPr lang="en-US" b="1" dirty="0">
+                        <a:solidFill>
+                          <a:schemeClr val="bg2">
+                            <a:lumMod val="10000"/>
+                          </a:schemeClr>
+                        </a:solidFill>
+                      </a:endParaRPr>
+                    </a:p>
+                  </a:txBody>
+                  <a:tcPr>
+                    <a:solidFill>
+                      <a:schemeClr val="accent6">
+                        <a:lumMod val="60000"/>
+                        <a:lumOff val="40000"/>
+                      </a:schemeClr>
+                    </a:solidFill>
+                  </a:tcPr>
+                </a:tc>
+                <a:tc>
+                  <a:txBody>
+                    <a:bodyPr/>
+                    <a:lstStyle/>
+                    <a:p>
+                      <a:pPr algn="ctr"/>
+                      <a:r>
+                        <a:rPr lang="en-US" b="1" dirty="0">
+                          <a:solidFill>
+                            <a:schemeClr val="bg2">
+                              <a:lumMod val="10000"/>
+                            </a:schemeClr>
+                          </a:solidFill>
+                        </a:rPr>
+                        <a:t>13/</a:t>
+                      </a:r>
+                      <a:r>
+                        <a:rPr lang="en-US" b="1" dirty="0">
+                          <a:solidFill>
+                            <a:schemeClr val="accent1"/>
+                          </a:solidFill>
+                        </a:rPr>
+                        <a:t>5</a:t>
+                      </a:r>
+                      <a:endParaRPr lang="en-US" dirty="0"/>
+                    </a:p>
+                  </a:txBody>
+                  <a:tcPr>
+                    <a:solidFill>
+                      <a:srgbClr val="FFC000"/>
+                    </a:solidFill>
+                  </a:tcPr>
+                </a:tc>
+                <a:extLst>
+                  <a:ext uri="{0D108BD9-81ED-4DB2-BD59-A6C34878D82A}">
+                    <a16:rowId xmlns:a16="http://schemas.microsoft.com/office/drawing/2014/main" val="69688423"/>
+                  </a:ext>
+                </a:extLst>
+              </a:tr>
+              <a:tr h="949234">
+                <a:tc>
+                  <a:txBody>
+                    <a:bodyPr/>
+                    <a:lstStyle/>
+                    <a:p>
+                      <a:pPr algn="ctr"/>
+                      <a:r>
+                        <a:rPr lang="en-US" b="1" dirty="0">
+                          <a:solidFill>
+                            <a:schemeClr val="bg2">
+                              <a:lumMod val="10000"/>
+                            </a:schemeClr>
+                          </a:solidFill>
+                        </a:rPr>
+                        <a:t>No Attack</a:t>
+                      </a:r>
+                    </a:p>
+                  </a:txBody>
+                  <a:tcPr>
+                    <a:solidFill>
+                      <a:schemeClr val="tx2">
+                        <a:lumMod val="40000"/>
+                        <a:lumOff val="60000"/>
+                      </a:schemeClr>
+                    </a:solidFill>
+                  </a:tcPr>
+                </a:tc>
+                <a:tc>
+                  <a:txBody>
+                    <a:bodyPr/>
+                    <a:lstStyle/>
+                    <a:p>
+                      <a:pPr algn="ctr"/>
+                      <a:r>
+                        <a:rPr lang="en-US" b="1" dirty="0">
+                          <a:solidFill>
+                            <a:schemeClr val="bg2">
+                              <a:lumMod val="10000"/>
+                            </a:schemeClr>
+                          </a:solidFill>
+                        </a:rPr>
+                        <a:t>5/</a:t>
+                      </a:r>
+                      <a:r>
+                        <a:rPr lang="en-US" b="1" dirty="0">
+                          <a:solidFill>
+                            <a:schemeClr val="accent1"/>
+                          </a:solidFill>
+                        </a:rPr>
+                        <a:t>13</a:t>
+                      </a:r>
+                      <a:endParaRPr lang="en-US" dirty="0"/>
+                    </a:p>
+                  </a:txBody>
+                  <a:tcPr>
+                    <a:solidFill>
+                      <a:srgbClr val="FFC000"/>
+                    </a:solidFill>
+                  </a:tcPr>
+                </a:tc>
+                <a:tc>
+                  <a:txBody>
+                    <a:bodyPr/>
+                    <a:lstStyle/>
+                    <a:p>
+                      <a:pPr algn="ctr"/>
+                      <a:r>
+                        <a:rPr lang="en-US" b="1" dirty="0">
+                          <a:solidFill>
+                            <a:schemeClr val="bg2">
+                              <a:lumMod val="10000"/>
+                            </a:schemeClr>
+                          </a:solidFill>
+                        </a:rPr>
+                        <a:t>10/</a:t>
+                      </a:r>
+                      <a:r>
+                        <a:rPr lang="en-US" b="1" dirty="0">
+                          <a:solidFill>
+                            <a:schemeClr val="accent1"/>
+                          </a:solidFill>
+                        </a:rPr>
+                        <a:t>10</a:t>
+                      </a:r>
+                      <a:endParaRPr lang="en-US" dirty="0"/>
+                    </a:p>
+                  </a:txBody>
+                  <a:tcPr>
+                    <a:solidFill>
+                      <a:srgbClr val="92D050"/>
+                    </a:solidFill>
+                  </a:tcPr>
+                </a:tc>
+                <a:extLst>
+                  <a:ext uri="{0D108BD9-81ED-4DB2-BD59-A6C34878D82A}">
+                    <a16:rowId xmlns:a16="http://schemas.microsoft.com/office/drawing/2014/main" val="25593232"/>
+                  </a:ext>
+                </a:extLst>
+              </a:tr>
+            </a:tbl>
+          </a:graphicData>
+        </a:graphic>
+      </p:graphicFrame>
+    </p:spTree>
+    <p:extLst>
+      <p:ext uri="{BB962C8B-B14F-4D97-AF65-F5344CB8AC3E}">
+        <p14:creationId xmlns:p14="http://schemas.microsoft.com/office/powerpoint/2010/main" val="3577036457"/>
+      </p:ext>
+    </p:extLst>
+  </p:cSld>
+  <p:clrMapOvr>
+    <a:masterClrMapping/>
+  </p:clrMapOvr>
+</p:sld>
+</file>
+
+<file path=ppt/slides/slide16.xml><?xml version="1.0" encoding="utf-8"?>
+<p:sld xmlns:a="http://schemas.openxmlformats.org/drawingml/2006/main" xmlns:r="http://schemas.openxmlformats.org/officeDocument/2006/relationships" xmlns:p="http://schemas.openxmlformats.org/presentationml/2006/main">
+  <p:cSld>
+    <p:spTree>
+      <p:nvGrpSpPr>
+        <p:cNvPr id="1" name=""/>
+        <p:cNvGrpSpPr/>
+        <p:nvPr/>
+      </p:nvGrpSpPr>
+      <p:grpSpPr>
+        <a:xfrm>
+          <a:off x="0" y="0"/>
+          <a:ext cx="0" cy="0"/>
+          <a:chOff x="0" y="0"/>
+          <a:chExt cx="0" cy="0"/>
+        </a:xfrm>
+      </p:grpSpPr>
+      <p:sp>
+        <p:nvSpPr>
+          <p:cNvPr id="2" name="כותרת 1">
+            <a:extLst>
+              <a:ext uri="{FF2B5EF4-FFF2-40B4-BE49-F238E27FC236}">
+                <a16:creationId xmlns:a16="http://schemas.microsoft.com/office/drawing/2014/main" id="{59FB4CF8-B5A2-4DAE-827D-788071E38561}"/>
+              </a:ext>
+            </a:extLst>
+          </p:cNvPr>
+          <p:cNvSpPr>
+            <a:spLocks noGrp="1"/>
+          </p:cNvSpPr>
+          <p:nvPr>
+            <p:ph type="title"/>
+          </p:nvPr>
+        </p:nvSpPr>
+        <p:spPr/>
+        <p:txBody>
+          <a:bodyPr/>
+          <a:lstStyle/>
+          <a:p>
+            <a:pPr algn="ctr"/>
+            <a:r>
+              <a:rPr lang="he-IL" dirty="0"/>
+              <a:t>שיווי משקל נאש</a:t>
+            </a:r>
+            <a:endParaRPr lang="en-US" dirty="0"/>
+          </a:p>
+        </p:txBody>
+      </p:sp>
+      <p:sp>
+        <p:nvSpPr>
+          <p:cNvPr id="3" name="מציין מיקום תוכן 2">
+            <a:extLst>
+              <a:ext uri="{FF2B5EF4-FFF2-40B4-BE49-F238E27FC236}">
+                <a16:creationId xmlns:a16="http://schemas.microsoft.com/office/drawing/2014/main" id="{0D6BD5DD-834E-41C1-8543-1821619DA1F5}"/>
+              </a:ext>
+            </a:extLst>
+          </p:cNvPr>
+          <p:cNvSpPr>
+            <a:spLocks noGrp="1"/>
+          </p:cNvSpPr>
+          <p:nvPr>
+            <p:ph idx="1"/>
+          </p:nvPr>
+        </p:nvSpPr>
+        <p:spPr>
+          <a:xfrm>
+            <a:off x="838200" y="1825625"/>
+            <a:ext cx="10515600" cy="586271"/>
+          </a:xfrm>
+        </p:spPr>
+        <p:txBody>
+          <a:bodyPr/>
+          <a:lstStyle/>
+          <a:p>
+            <a:pPr marL="0" indent="0">
+              <a:buNone/>
+            </a:pPr>
+            <a:r>
+              <a:rPr lang="he-IL" dirty="0"/>
+              <a:t>מצב בו אף אחד לא ישפר את עמדתו על ידי שינוי אסטרטגיה.</a:t>
+            </a:r>
+          </a:p>
+          <a:p>
+            <a:pPr marL="0" indent="0">
+              <a:buNone/>
+            </a:pPr>
+            <a:endParaRPr lang="en-US" dirty="0"/>
+          </a:p>
+        </p:txBody>
+      </p:sp>
+      <p:sp>
+        <p:nvSpPr>
+          <p:cNvPr id="4" name="מלבן: פינות מעוגלות 3">
+            <a:extLst>
+              <a:ext uri="{FF2B5EF4-FFF2-40B4-BE49-F238E27FC236}">
+                <a16:creationId xmlns:a16="http://schemas.microsoft.com/office/drawing/2014/main" id="{9DF1BDD7-0D6B-4989-AC21-76ABC39E1236}"/>
+              </a:ext>
+            </a:extLst>
+          </p:cNvPr>
+          <p:cNvSpPr/>
+          <p:nvPr/>
+        </p:nvSpPr>
+        <p:spPr>
+          <a:xfrm>
+            <a:off x="5526157" y="2546833"/>
+            <a:ext cx="2252869" cy="712304"/>
+          </a:xfrm>
+          <a:prstGeom prst="roundRect">
+            <a:avLst/>
+          </a:prstGeom>
+        </p:spPr>
+        <p:style>
+          <a:lnRef idx="2">
+            <a:schemeClr val="accent6"/>
+          </a:lnRef>
+          <a:fillRef idx="1">
+            <a:schemeClr val="lt1"/>
+          </a:fillRef>
+          <a:effectRef idx="0">
+            <a:schemeClr val="accent6"/>
+          </a:effectRef>
+          <a:fontRef idx="minor">
+            <a:schemeClr val="dk1"/>
+          </a:fontRef>
+        </p:style>
+        <p:txBody>
+          <a:bodyPr rtlCol="0" anchor="ctr"/>
+          <a:lstStyle/>
+          <a:p>
+            <a:pPr algn="ctr"/>
+            <a:r>
+              <a:rPr lang="en-US" b="1" dirty="0">
+                <a:solidFill>
+                  <a:schemeClr val="accent5">
+                    <a:lumMod val="75000"/>
+                  </a:schemeClr>
+                </a:solidFill>
+              </a:rPr>
+              <a:t>Pool 1</a:t>
+            </a:r>
+          </a:p>
+        </p:txBody>
+      </p:sp>
+      <p:sp>
+        <p:nvSpPr>
+          <p:cNvPr id="5" name="מלבן: פינות מעוגלות 4">
+            <a:extLst>
+              <a:ext uri="{FF2B5EF4-FFF2-40B4-BE49-F238E27FC236}">
+                <a16:creationId xmlns:a16="http://schemas.microsoft.com/office/drawing/2014/main" id="{FDD3A5B0-A3DC-4472-8193-21152E48AC34}"/>
+              </a:ext>
+            </a:extLst>
+          </p:cNvPr>
+          <p:cNvSpPr/>
+          <p:nvPr/>
+        </p:nvSpPr>
+        <p:spPr>
+          <a:xfrm>
+            <a:off x="377687" y="4403035"/>
+            <a:ext cx="2047461" cy="712304"/>
+          </a:xfrm>
+          <a:prstGeom prst="roundRect">
+            <a:avLst/>
+          </a:prstGeom>
+        </p:spPr>
+        <p:style>
+          <a:lnRef idx="2">
+            <a:schemeClr val="accent6"/>
+          </a:lnRef>
+          <a:fillRef idx="1">
+            <a:schemeClr val="lt1"/>
+          </a:fillRef>
+          <a:effectRef idx="0">
+            <a:schemeClr val="accent6"/>
+          </a:effectRef>
+          <a:fontRef idx="minor">
+            <a:schemeClr val="dk1"/>
+          </a:fontRef>
+        </p:style>
+        <p:txBody>
+          <a:bodyPr rtlCol="0" anchor="ctr"/>
+          <a:lstStyle/>
+          <a:p>
+            <a:pPr algn="ctr"/>
+            <a:r>
+              <a:rPr lang="en-US" b="1" dirty="0">
+                <a:solidFill>
+                  <a:schemeClr val="bg2">
+                    <a:lumMod val="10000"/>
+                  </a:schemeClr>
+                </a:solidFill>
+              </a:rPr>
+              <a:t>Pool 2</a:t>
+            </a:r>
+          </a:p>
+        </p:txBody>
+      </p:sp>
+      <p:graphicFrame>
+        <p:nvGraphicFramePr>
+          <p:cNvPr id="10" name="טבלה 9">
+            <a:extLst>
+              <a:ext uri="{FF2B5EF4-FFF2-40B4-BE49-F238E27FC236}">
+                <a16:creationId xmlns:a16="http://schemas.microsoft.com/office/drawing/2014/main" id="{FFE3573B-08EB-4445-AFF4-5781FF441259}"/>
+              </a:ext>
+            </a:extLst>
+          </p:cNvPr>
+          <p:cNvGraphicFramePr>
+            <a:graphicFrameLocks noGrp="1"/>
+          </p:cNvGraphicFramePr>
+          <p:nvPr>
+            <p:extLst/>
+          </p:nvPr>
+        </p:nvGraphicFramePr>
+        <p:xfrm>
+          <a:off x="2747618" y="3394072"/>
+          <a:ext cx="7893879" cy="2847702"/>
+        </p:xfrm>
+        <a:graphic>
+          <a:graphicData uri="http://schemas.openxmlformats.org/drawingml/2006/table">
+            <a:tbl>
+              <a:tblPr firstRow="1" bandRow="1">
+                <a:tableStyleId>{5C22544A-7EE6-4342-B048-85BDC9FD1C3A}</a:tableStyleId>
+              </a:tblPr>
+              <a:tblGrid>
+                <a:gridCol w="2631293">
+                  <a:extLst>
+                    <a:ext uri="{9D8B030D-6E8A-4147-A177-3AD203B41FA5}">
+                      <a16:colId xmlns:a16="http://schemas.microsoft.com/office/drawing/2014/main" val="1492537969"/>
+                    </a:ext>
+                  </a:extLst>
+                </a:gridCol>
+                <a:gridCol w="2631293">
+                  <a:extLst>
+                    <a:ext uri="{9D8B030D-6E8A-4147-A177-3AD203B41FA5}">
+                      <a16:colId xmlns:a16="http://schemas.microsoft.com/office/drawing/2014/main" val="2031442963"/>
+                    </a:ext>
+                  </a:extLst>
+                </a:gridCol>
+                <a:gridCol w="2631293">
+                  <a:extLst>
+                    <a:ext uri="{9D8B030D-6E8A-4147-A177-3AD203B41FA5}">
+                      <a16:colId xmlns:a16="http://schemas.microsoft.com/office/drawing/2014/main" val="2611323456"/>
+                    </a:ext>
+                  </a:extLst>
+                </a:gridCol>
+              </a:tblGrid>
+              <a:tr h="949234">
+                <a:tc>
+                  <a:txBody>
+                    <a:bodyPr/>
+                    <a:lstStyle/>
+                    <a:p>
+                      <a:pPr algn="ctr"/>
+                      <a:endParaRPr lang="en-US" dirty="0"/>
+                    </a:p>
+                  </a:txBody>
+                  <a:tcPr>
+                    <a:solidFill>
+                      <a:schemeClr val="tx2">
+                        <a:lumMod val="40000"/>
+                        <a:lumOff val="60000"/>
+                      </a:schemeClr>
+                    </a:solidFill>
+                  </a:tcPr>
+                </a:tc>
+                <a:tc>
+                  <a:txBody>
+                    <a:bodyPr/>
+                    <a:lstStyle/>
+                    <a:p>
+                      <a:pPr algn="ctr"/>
+                      <a:r>
+                        <a:rPr lang="en-US" b="1" dirty="0">
+                          <a:solidFill>
+                            <a:schemeClr val="bg2">
+                              <a:lumMod val="10000"/>
+                            </a:schemeClr>
+                          </a:solidFill>
+                        </a:rPr>
+                        <a:t>Attack </a:t>
+                      </a:r>
+                    </a:p>
+                  </a:txBody>
+                  <a:tcPr>
+                    <a:solidFill>
+                      <a:schemeClr val="tx2">
+                        <a:lumMod val="40000"/>
+                        <a:lumOff val="60000"/>
+                      </a:schemeClr>
+                    </a:solidFill>
+                  </a:tcPr>
+                </a:tc>
+                <a:tc>
+                  <a:txBody>
+                    <a:bodyPr/>
+                    <a:lstStyle/>
+                    <a:p>
+                      <a:pPr marL="0" marR="0" lvl="0" indent="0" algn="ctr" defTabSz="914400" rtl="1" eaLnBrk="1" fontAlgn="auto" latinLnBrk="0" hangingPunct="1">
+                        <a:lnSpc>
+                          <a:spcPct val="100000"/>
+                        </a:lnSpc>
+                        <a:spcBef>
+                          <a:spcPts val="0"/>
+                        </a:spcBef>
+                        <a:spcAft>
+                          <a:spcPts val="0"/>
+                        </a:spcAft>
+                        <a:buClrTx/>
+                        <a:buSzTx/>
+                        <a:buFontTx/>
+                        <a:buNone/>
+                        <a:tabLst/>
+                        <a:defRPr/>
+                      </a:pPr>
+                      <a:r>
+                        <a:rPr lang="en-US" b="1" dirty="0">
+                          <a:solidFill>
+                            <a:schemeClr val="bg2">
+                              <a:lumMod val="10000"/>
+                            </a:schemeClr>
+                          </a:solidFill>
+                        </a:rPr>
+                        <a:t>No Attack</a:t>
+                      </a:r>
+                    </a:p>
+                    <a:p>
+                      <a:pPr algn="ctr"/>
+                      <a:endParaRPr lang="en-US" dirty="0"/>
+                    </a:p>
+                  </a:txBody>
+                  <a:tcPr>
+                    <a:solidFill>
+                      <a:schemeClr val="tx2">
+                        <a:lumMod val="40000"/>
+                        <a:lumOff val="60000"/>
+                      </a:schemeClr>
+                    </a:solidFill>
+                  </a:tcPr>
+                </a:tc>
+                <a:extLst>
+                  <a:ext uri="{0D108BD9-81ED-4DB2-BD59-A6C34878D82A}">
+                    <a16:rowId xmlns:a16="http://schemas.microsoft.com/office/drawing/2014/main" val="1117821095"/>
+                  </a:ext>
+                </a:extLst>
+              </a:tr>
+              <a:tr h="949234">
+                <a:tc>
+                  <a:txBody>
+                    <a:bodyPr/>
+                    <a:lstStyle/>
+                    <a:p>
+                      <a:pPr algn="ctr"/>
+                      <a:r>
+                        <a:rPr lang="en-US" b="1" dirty="0">
+                          <a:solidFill>
+                            <a:schemeClr val="bg2">
+                              <a:lumMod val="10000"/>
+                            </a:schemeClr>
+                          </a:solidFill>
+                        </a:rPr>
+                        <a:t>Attack</a:t>
+                      </a:r>
+                      <a:endParaRPr lang="en-US" dirty="0"/>
+                    </a:p>
+                  </a:txBody>
+                  <a:tcPr>
+                    <a:solidFill>
+                      <a:schemeClr val="tx2">
+                        <a:lumMod val="40000"/>
+                        <a:lumOff val="60000"/>
+                      </a:schemeClr>
+                    </a:solidFill>
+                  </a:tcPr>
+                </a:tc>
+                <a:tc>
+                  <a:txBody>
+                    <a:bodyPr/>
+                    <a:lstStyle/>
+                    <a:p>
+                      <a:pPr algn="ctr"/>
+                      <a:r>
+                        <a:rPr lang="en-US" b="1" dirty="0">
+                          <a:solidFill>
+                            <a:schemeClr val="bg2">
+                              <a:lumMod val="10000"/>
+                            </a:schemeClr>
+                          </a:solidFill>
+                        </a:rPr>
+                        <a:t>8/</a:t>
+                      </a:r>
+                      <a:r>
+                        <a:rPr lang="en-US" b="1" dirty="0">
+                          <a:solidFill>
+                            <a:schemeClr val="accent1"/>
+                          </a:solidFill>
+                        </a:rPr>
+                        <a:t>8</a:t>
+                      </a:r>
+                      <a:endParaRPr lang="en-US" b="1" dirty="0">
+                        <a:solidFill>
+                          <a:schemeClr val="bg2">
+                            <a:lumMod val="10000"/>
+                          </a:schemeClr>
+                        </a:solidFill>
+                      </a:endParaRPr>
+                    </a:p>
+                  </a:txBody>
+                  <a:tcPr>
+                    <a:solidFill>
+                      <a:schemeClr val="accent6">
+                        <a:lumMod val="60000"/>
+                        <a:lumOff val="40000"/>
+                      </a:schemeClr>
+                    </a:solidFill>
+                  </a:tcPr>
+                </a:tc>
+                <a:tc>
+                  <a:txBody>
+                    <a:bodyPr/>
+                    <a:lstStyle/>
+                    <a:p>
+                      <a:pPr algn="ctr"/>
+                      <a:r>
+                        <a:rPr lang="en-US" b="1" dirty="0">
+                          <a:solidFill>
+                            <a:schemeClr val="bg2">
+                              <a:lumMod val="10000"/>
+                            </a:schemeClr>
+                          </a:solidFill>
+                        </a:rPr>
+                        <a:t>13/</a:t>
+                      </a:r>
+                      <a:r>
+                        <a:rPr lang="en-US" b="1" dirty="0">
+                          <a:solidFill>
+                            <a:schemeClr val="accent1"/>
+                          </a:solidFill>
+                        </a:rPr>
+                        <a:t>5</a:t>
+                      </a:r>
+                      <a:endParaRPr lang="en-US" dirty="0"/>
+                    </a:p>
+                  </a:txBody>
+                  <a:tcPr>
+                    <a:solidFill>
+                      <a:srgbClr val="FFC000"/>
+                    </a:solidFill>
+                  </a:tcPr>
+                </a:tc>
+                <a:extLst>
+                  <a:ext uri="{0D108BD9-81ED-4DB2-BD59-A6C34878D82A}">
+                    <a16:rowId xmlns:a16="http://schemas.microsoft.com/office/drawing/2014/main" val="69688423"/>
+                  </a:ext>
+                </a:extLst>
+              </a:tr>
+              <a:tr h="949234">
+                <a:tc>
+                  <a:txBody>
+                    <a:bodyPr/>
+                    <a:lstStyle/>
+                    <a:p>
+                      <a:pPr algn="ctr"/>
+                      <a:r>
+                        <a:rPr lang="en-US" b="1" dirty="0">
+                          <a:solidFill>
+                            <a:schemeClr val="bg2">
+                              <a:lumMod val="10000"/>
+                            </a:schemeClr>
+                          </a:solidFill>
+                        </a:rPr>
+                        <a:t>No Attack</a:t>
+                      </a:r>
+                    </a:p>
+                  </a:txBody>
+                  <a:tcPr>
+                    <a:solidFill>
+                      <a:schemeClr val="tx2">
+                        <a:lumMod val="40000"/>
+                        <a:lumOff val="60000"/>
+                      </a:schemeClr>
+                    </a:solidFill>
+                  </a:tcPr>
+                </a:tc>
+                <a:tc>
+                  <a:txBody>
+                    <a:bodyPr/>
+                    <a:lstStyle/>
+                    <a:p>
+                      <a:pPr algn="ctr"/>
+                      <a:r>
+                        <a:rPr lang="en-US" b="1" dirty="0">
+                          <a:solidFill>
+                            <a:schemeClr val="bg2">
+                              <a:lumMod val="10000"/>
+                            </a:schemeClr>
+                          </a:solidFill>
+                        </a:rPr>
+                        <a:t>5/</a:t>
+                      </a:r>
+                      <a:r>
+                        <a:rPr lang="en-US" b="1" dirty="0">
+                          <a:solidFill>
+                            <a:schemeClr val="accent1"/>
+                          </a:solidFill>
+                        </a:rPr>
+                        <a:t>13</a:t>
+                      </a:r>
+                      <a:endParaRPr lang="en-US" dirty="0"/>
+                    </a:p>
+                  </a:txBody>
+                  <a:tcPr>
+                    <a:solidFill>
+                      <a:srgbClr val="FFC000"/>
+                    </a:solidFill>
+                  </a:tcPr>
+                </a:tc>
+                <a:tc>
+                  <a:txBody>
+                    <a:bodyPr/>
+                    <a:lstStyle/>
+                    <a:p>
+                      <a:pPr algn="ctr"/>
+                      <a:r>
+                        <a:rPr lang="en-US" b="1" dirty="0">
+                          <a:solidFill>
+                            <a:schemeClr val="bg2">
+                              <a:lumMod val="10000"/>
+                            </a:schemeClr>
+                          </a:solidFill>
+                        </a:rPr>
+                        <a:t>10/</a:t>
+                      </a:r>
+                      <a:r>
+                        <a:rPr lang="en-US" b="1" dirty="0">
+                          <a:solidFill>
+                            <a:schemeClr val="accent1"/>
+                          </a:solidFill>
+                        </a:rPr>
+                        <a:t>10</a:t>
+                      </a:r>
+                      <a:endParaRPr lang="en-US" dirty="0"/>
+                    </a:p>
+                  </a:txBody>
+                  <a:tcPr>
+                    <a:solidFill>
+                      <a:srgbClr val="92D050"/>
+                    </a:solidFill>
+                  </a:tcPr>
+                </a:tc>
+                <a:extLst>
+                  <a:ext uri="{0D108BD9-81ED-4DB2-BD59-A6C34878D82A}">
+                    <a16:rowId xmlns:a16="http://schemas.microsoft.com/office/drawing/2014/main" val="25593232"/>
+                  </a:ext>
+                </a:extLst>
+              </a:tr>
+            </a:tbl>
+          </a:graphicData>
+        </a:graphic>
+      </p:graphicFrame>
+      <p:sp>
+        <p:nvSpPr>
+          <p:cNvPr id="11" name="מלבן 10">
+            <a:extLst>
+              <a:ext uri="{FF2B5EF4-FFF2-40B4-BE49-F238E27FC236}">
+                <a16:creationId xmlns:a16="http://schemas.microsoft.com/office/drawing/2014/main" id="{E6371E79-EE49-4845-9C1A-ACF86888C5A2}"/>
+              </a:ext>
+            </a:extLst>
+          </p:cNvPr>
+          <p:cNvSpPr/>
+          <p:nvPr/>
+        </p:nvSpPr>
+        <p:spPr>
+          <a:xfrm>
+            <a:off x="11198086" y="3394072"/>
+            <a:ext cx="815009" cy="410817"/>
+          </a:xfrm>
+          <a:prstGeom prst="rect">
+            <a:avLst/>
+          </a:prstGeom>
+          <a:solidFill>
+            <a:schemeClr val="bg1"/>
+          </a:solidFill>
+        </p:spPr>
+        <p:style>
+          <a:lnRef idx="2">
+            <a:schemeClr val="accent1">
+              <a:shade val="50000"/>
+            </a:schemeClr>
+          </a:lnRef>
+          <a:fillRef idx="1">
+            <a:schemeClr val="accent1"/>
+          </a:fillRef>
+          <a:effectRef idx="0">
+            <a:schemeClr val="accent1"/>
+          </a:effectRef>
+          <a:fontRef idx="minor">
+            <a:schemeClr val="lt1"/>
+          </a:fontRef>
+        </p:style>
+        <p:txBody>
+          <a:bodyPr rtlCol="0" anchor="ctr"/>
+          <a:lstStyle/>
+          <a:p>
+            <a:pPr algn="ctr"/>
+            <a:r>
+              <a:rPr lang="en-US" dirty="0">
+                <a:solidFill>
+                  <a:schemeClr val="tx1"/>
+                </a:solidFill>
+              </a:rPr>
+              <a:t>NE</a:t>
+            </a:r>
+          </a:p>
+        </p:txBody>
+      </p:sp>
+      <p:cxnSp>
+        <p:nvCxnSpPr>
+          <p:cNvPr id="13" name="מחבר חץ ישר 12">
+            <a:extLst>
+              <a:ext uri="{FF2B5EF4-FFF2-40B4-BE49-F238E27FC236}">
+                <a16:creationId xmlns:a16="http://schemas.microsoft.com/office/drawing/2014/main" id="{125DC08B-1384-4BA7-B233-54F8CD0B8B03}"/>
+              </a:ext>
+            </a:extLst>
+          </p:cNvPr>
+          <p:cNvCxnSpPr>
+            <a:cxnSpLocks/>
+            <a:stCxn id="11" idx="1"/>
+          </p:cNvCxnSpPr>
+          <p:nvPr/>
+        </p:nvCxnSpPr>
+        <p:spPr>
+          <a:xfrm flipH="1">
+            <a:off x="7593496" y="3599481"/>
+            <a:ext cx="3604590" cy="959267"/>
+          </a:xfrm>
+          <a:prstGeom prst="straightConnector1">
+            <a:avLst/>
+          </a:prstGeom>
+          <a:ln>
+            <a:tailEnd type="triangle"/>
+          </a:ln>
+        </p:spPr>
+        <p:style>
+          <a:lnRef idx="1">
+            <a:schemeClr val="accent1"/>
+          </a:lnRef>
+          <a:fillRef idx="0">
+            <a:schemeClr val="accent1"/>
+          </a:fillRef>
+          <a:effectRef idx="0">
+            <a:schemeClr val="accent1"/>
+          </a:effectRef>
+          <a:fontRef idx="minor">
+            <a:schemeClr val="tx1"/>
+          </a:fontRef>
+        </p:style>
+      </p:cxnSp>
+    </p:spTree>
+    <p:extLst>
+      <p:ext uri="{BB962C8B-B14F-4D97-AF65-F5344CB8AC3E}">
+        <p14:creationId xmlns:p14="http://schemas.microsoft.com/office/powerpoint/2010/main" val="1082160893"/>
+      </p:ext>
+    </p:extLst>
+  </p:cSld>
+  <p:clrMapOvr>
+    <a:masterClrMapping/>
+  </p:clrMapOvr>
+</p:sld>
+</file>
+
+<file path=ppt/slides/slide17.xml><?xml version="1.0" encoding="utf-8"?>
+<p:sld xmlns:a="http://schemas.openxmlformats.org/drawingml/2006/main" xmlns:r="http://schemas.openxmlformats.org/officeDocument/2006/relationships" xmlns:p="http://schemas.openxmlformats.org/presentationml/2006/main">
+  <p:cSld>
+    <p:spTree>
+      <p:nvGrpSpPr>
+        <p:cNvPr id="1" name=""/>
+        <p:cNvGrpSpPr/>
+        <p:nvPr/>
+      </p:nvGrpSpPr>
+      <p:grpSpPr>
+        <a:xfrm>
+          <a:off x="0" y="0"/>
+          <a:ext cx="0" cy="0"/>
+          <a:chOff x="0" y="0"/>
+          <a:chExt cx="0" cy="0"/>
+        </a:xfrm>
+      </p:grpSpPr>
+      <p:sp>
+        <p:nvSpPr>
+          <p:cNvPr id="2" name="כותרת 1">
+            <a:extLst>
+              <a:ext uri="{FF2B5EF4-FFF2-40B4-BE49-F238E27FC236}">
                 <a16:creationId xmlns:a16="http://schemas.microsoft.com/office/drawing/2014/main" id="{205F096B-8F4E-4254-97A8-83C741C76A46}"/>
               </a:ext>
             </a:extLst>
@@ -4692,7 +7734,7 @@
 </p:sld>
 </file>
 
-<file path=ppt/slides/slide5.xml><?xml version="1.0" encoding="utf-8"?>
+<file path=ppt/slides/slide18.xml><?xml version="1.0" encoding="utf-8"?>
 <p:sld xmlns:a="http://schemas.openxmlformats.org/drawingml/2006/main" xmlns:r="http://schemas.openxmlformats.org/officeDocument/2006/relationships" xmlns:p="http://schemas.openxmlformats.org/presentationml/2006/main">
   <p:cSld>
     <p:spTree>
@@ -6440,7 +9482,7 @@
 </p:sld>
 </file>
 
-<file path=ppt/slides/slide6.xml><?xml version="1.0" encoding="utf-8"?>
+<file path=ppt/slides/slide19.xml><?xml version="1.0" encoding="utf-8"?>
 <p:sld xmlns:a="http://schemas.openxmlformats.org/drawingml/2006/main" xmlns:r="http://schemas.openxmlformats.org/officeDocument/2006/relationships" xmlns:p="http://schemas.openxmlformats.org/presentationml/2006/main">
   <p:cSld>
     <p:spTree>
@@ -6561,6 +9603,2094 @@
     <p:extLst>
       <p:ext uri="{BB962C8B-B14F-4D97-AF65-F5344CB8AC3E}">
         <p14:creationId xmlns:p14="http://schemas.microsoft.com/office/powerpoint/2010/main" val="1417853180"/>
+      </p:ext>
+    </p:extLst>
+  </p:cSld>
+  <p:clrMapOvr>
+    <a:masterClrMapping/>
+  </p:clrMapOvr>
+</p:sld>
+</file>
+
+<file path=ppt/slides/slide2.xml><?xml version="1.0" encoding="utf-8"?>
+<p:sld xmlns:a="http://schemas.openxmlformats.org/drawingml/2006/main" xmlns:r="http://schemas.openxmlformats.org/officeDocument/2006/relationships" xmlns:p="http://schemas.openxmlformats.org/presentationml/2006/main">
+  <p:cSld>
+    <p:spTree>
+      <p:nvGrpSpPr>
+        <p:cNvPr id="1" name=""/>
+        <p:cNvGrpSpPr/>
+        <p:nvPr/>
+      </p:nvGrpSpPr>
+      <p:grpSpPr>
+        <a:xfrm>
+          <a:off x="0" y="0"/>
+          <a:ext cx="0" cy="0"/>
+          <a:chOff x="0" y="0"/>
+          <a:chExt cx="0" cy="0"/>
+        </a:xfrm>
+      </p:grpSpPr>
+      <p:sp>
+        <p:nvSpPr>
+          <p:cNvPr id="2" name="כותרת 1">
+            <a:extLst>
+              <a:ext uri="{FF2B5EF4-FFF2-40B4-BE49-F238E27FC236}">
+                <a16:creationId xmlns:a16="http://schemas.microsoft.com/office/drawing/2014/main" id="{1838FD50-1CDD-4868-A5D7-7DBF5020D819}"/>
+              </a:ext>
+            </a:extLst>
+          </p:cNvPr>
+          <p:cNvSpPr>
+            <a:spLocks noGrp="1"/>
+          </p:cNvSpPr>
+          <p:nvPr>
+            <p:ph type="title"/>
+          </p:nvPr>
+        </p:nvSpPr>
+        <p:spPr/>
+        <p:txBody>
+          <a:bodyPr/>
+          <a:lstStyle/>
+          <a:p>
+            <a:r>
+              <a:rPr lang="he-IL" dirty="0"/>
+              <a:t>הצגה</a:t>
+            </a:r>
+            <a:endParaRPr lang="en-US" dirty="0"/>
+          </a:p>
+        </p:txBody>
+      </p:sp>
+      <p:sp>
+        <p:nvSpPr>
+          <p:cNvPr id="3" name="מציין מיקום תוכן 2">
+            <a:extLst>
+              <a:ext uri="{FF2B5EF4-FFF2-40B4-BE49-F238E27FC236}">
+                <a16:creationId xmlns:a16="http://schemas.microsoft.com/office/drawing/2014/main" id="{69B4348A-7A91-4CBF-969A-8ECB786F32FB}"/>
+              </a:ext>
+            </a:extLst>
+          </p:cNvPr>
+          <p:cNvSpPr>
+            <a:spLocks noGrp="1"/>
+          </p:cNvSpPr>
+          <p:nvPr>
+            <p:ph idx="1"/>
+          </p:nvPr>
+        </p:nvSpPr>
+        <p:spPr>
+          <a:xfrm>
+            <a:off x="838200" y="1364974"/>
+            <a:ext cx="10515600" cy="4811989"/>
+          </a:xfrm>
+        </p:spPr>
+        <p:txBody>
+          <a:bodyPr>
+            <a:normAutofit fontScale="92500" lnSpcReduction="10000"/>
+          </a:bodyPr>
+          <a:lstStyle/>
+          <a:p>
+            <a:r>
+              <a:rPr lang="he-IL" dirty="0"/>
+              <a:t>הסבר קצר על מה זה כורים, והסבר על מעבר לכרייה בקבוצות.</a:t>
+            </a:r>
+          </a:p>
+          <a:p>
+            <a:r>
+              <a:rPr lang="he-IL" dirty="0"/>
+              <a:t>בהגדרת משחק הקבוצות(</a:t>
+            </a:r>
+            <a:r>
+              <a:rPr lang="en-US" dirty="0"/>
+              <a:t>(pools</a:t>
+            </a:r>
+            <a:r>
+              <a:rPr lang="he-IL" dirty="0"/>
+              <a:t> עם מערכת בטיחות של הוכחת עבודה, תוקפים אחת את השנייה בשיטת </a:t>
+            </a:r>
+            <a:r>
+              <a:rPr lang="en-US" dirty="0"/>
+              <a:t>block withholding attack</a:t>
+            </a:r>
+          </a:p>
+          <a:p>
+            <a:r>
+              <a:rPr lang="he-IL" dirty="0"/>
+              <a:t>מקרה הכללי, אף התקפה של הקבוצות זה לא אי שיווי משקל נאש.</a:t>
+            </a:r>
+            <a:endParaRPr lang="en-US" dirty="0"/>
+          </a:p>
+          <a:p>
+            <a:r>
+              <a:rPr lang="he-IL" dirty="0"/>
+              <a:t>עם 2 קבוצות בלבד שמשתתפות, שיווי משקל נאש נוצר כאשר שתיהן תוקפות וגם שתיהן מרוויחות פחות אם אף אחת לא הייתה תוקפת. (זוהי בעצם דילמת האסיר, עם הבחירה לתקוף או לא)</a:t>
+            </a:r>
+          </a:p>
+          <a:p>
+            <a:r>
+              <a:rPr lang="he-IL" dirty="0"/>
+              <a:t>עם הרבה קבוצות בגודל שווה, יש שיוויון נאש סימטרי כאשר כל הקבוצות מרוויחות פחות מאשר שאף אחת לא תקפה.</a:t>
+            </a:r>
+          </a:p>
+          <a:p>
+            <a:r>
+              <a:rPr lang="he-IL" dirty="0"/>
+              <a:t>לגבי ביטקוין, אי שיוויון לקבוצות פתוחות יעשה טוב, כי ככה יהיו יותר קבוצות קטנות ולכל קבוצה השפעה פחותה יותר. וכך תעבוד מערכת הביזור שעמדה בבסיס הביטקוין.</a:t>
+            </a:r>
+          </a:p>
+        </p:txBody>
+      </p:sp>
+    </p:spTree>
+    <p:extLst>
+      <p:ext uri="{BB962C8B-B14F-4D97-AF65-F5344CB8AC3E}">
+        <p14:creationId xmlns:p14="http://schemas.microsoft.com/office/powerpoint/2010/main" val="612204638"/>
+      </p:ext>
+    </p:extLst>
+  </p:cSld>
+  <p:clrMapOvr>
+    <a:masterClrMapping/>
+  </p:clrMapOvr>
+</p:sld>
+</file>
+
+<file path=ppt/slides/slide20.xml><?xml version="1.0" encoding="utf-8"?>
+<p:sld xmlns:a="http://schemas.openxmlformats.org/drawingml/2006/main" xmlns:r="http://schemas.openxmlformats.org/officeDocument/2006/relationships" xmlns:p="http://schemas.openxmlformats.org/presentationml/2006/main">
+  <p:cSld>
+    <p:spTree>
+      <p:nvGrpSpPr>
+        <p:cNvPr id="1" name=""/>
+        <p:cNvGrpSpPr/>
+        <p:nvPr/>
+      </p:nvGrpSpPr>
+      <p:grpSpPr>
+        <a:xfrm>
+          <a:off x="0" y="0"/>
+          <a:ext cx="0" cy="0"/>
+          <a:chOff x="0" y="0"/>
+          <a:chExt cx="0" cy="0"/>
+        </a:xfrm>
+      </p:grpSpPr>
+      <p:sp>
+        <p:nvSpPr>
+          <p:cNvPr id="2" name="כותרת 1">
+            <a:extLst>
+              <a:ext uri="{FF2B5EF4-FFF2-40B4-BE49-F238E27FC236}">
+                <a16:creationId xmlns:a16="http://schemas.microsoft.com/office/drawing/2014/main" id="{C562EE16-7697-4D72-8162-893CEDC6AACB}"/>
+              </a:ext>
+            </a:extLst>
+          </p:cNvPr>
+          <p:cNvSpPr>
+            <a:spLocks noGrp="1"/>
+          </p:cNvSpPr>
+          <p:nvPr>
+            <p:ph type="title"/>
+          </p:nvPr>
+        </p:nvSpPr>
+        <p:spPr/>
+        <p:txBody>
+          <a:bodyPr/>
+          <a:lstStyle/>
+          <a:p>
+            <a:pPr algn="ctr"/>
+            <a:r>
+              <a:rPr lang="en-US" dirty="0"/>
+              <a:t>Block withholding attack</a:t>
+            </a:r>
+          </a:p>
+        </p:txBody>
+      </p:sp>
+      <p:sp>
+        <p:nvSpPr>
+          <p:cNvPr id="3" name="מציין מיקום תוכן 2">
+            <a:extLst>
+              <a:ext uri="{FF2B5EF4-FFF2-40B4-BE49-F238E27FC236}">
+                <a16:creationId xmlns:a16="http://schemas.microsoft.com/office/drawing/2014/main" id="{55E15608-81E8-466F-8EC2-FCC4E3EBD796}"/>
+              </a:ext>
+            </a:extLst>
+          </p:cNvPr>
+          <p:cNvSpPr>
+            <a:spLocks noGrp="1"/>
+          </p:cNvSpPr>
+          <p:nvPr>
+            <p:ph idx="1"/>
+          </p:nvPr>
+        </p:nvSpPr>
+        <p:spPr/>
+        <p:txBody>
+          <a:bodyPr/>
+          <a:lstStyle/>
+          <a:p>
+            <a:pPr marL="0" indent="0">
+              <a:buNone/>
+            </a:pPr>
+            <a:r>
+              <a:rPr lang="he-IL" dirty="0"/>
+              <a:t>למה לא להשתמש בבלוק שהצלחתי למצוא?</a:t>
+            </a:r>
+          </a:p>
+          <a:p>
+            <a:pPr marL="0" indent="0">
+              <a:buNone/>
+            </a:pPr>
+            <a:r>
+              <a:rPr lang="he-IL" dirty="0"/>
+              <a:t>מכיוון שהפאזל מסומן, זה לא משנה אם תפרסם אותו הרווח יגיע למנהל הקבוצה.</a:t>
+            </a:r>
+            <a:endParaRPr lang="en-US" dirty="0"/>
+          </a:p>
+        </p:txBody>
+      </p:sp>
+    </p:spTree>
+    <p:extLst>
+      <p:ext uri="{BB962C8B-B14F-4D97-AF65-F5344CB8AC3E}">
+        <p14:creationId xmlns:p14="http://schemas.microsoft.com/office/powerpoint/2010/main" val="2583959241"/>
+      </p:ext>
+    </p:extLst>
+  </p:cSld>
+  <p:clrMapOvr>
+    <a:masterClrMapping/>
+  </p:clrMapOvr>
+</p:sld>
+</file>
+
+<file path=ppt/slides/slide21.xml><?xml version="1.0" encoding="utf-8"?>
+<p:sld xmlns:a="http://schemas.openxmlformats.org/drawingml/2006/main" xmlns:r="http://schemas.openxmlformats.org/officeDocument/2006/relationships" xmlns:p="http://schemas.openxmlformats.org/presentationml/2006/main">
+  <p:cSld>
+    <p:spTree>
+      <p:nvGrpSpPr>
+        <p:cNvPr id="1" name=""/>
+        <p:cNvGrpSpPr/>
+        <p:nvPr/>
+      </p:nvGrpSpPr>
+      <p:grpSpPr>
+        <a:xfrm>
+          <a:off x="0" y="0"/>
+          <a:ext cx="0" cy="0"/>
+          <a:chOff x="0" y="0"/>
+          <a:chExt cx="0" cy="0"/>
+        </a:xfrm>
+      </p:grpSpPr>
+      <p:sp>
+        <p:nvSpPr>
+          <p:cNvPr id="2" name="כותרת 1">
+            <a:extLst>
+              <a:ext uri="{FF2B5EF4-FFF2-40B4-BE49-F238E27FC236}">
+                <a16:creationId xmlns:a16="http://schemas.microsoft.com/office/drawing/2014/main" id="{94D4060E-6B5C-4136-95E8-BCC193F885B6}"/>
+              </a:ext>
+            </a:extLst>
+          </p:cNvPr>
+          <p:cNvSpPr>
+            <a:spLocks noGrp="1"/>
+          </p:cNvSpPr>
+          <p:nvPr>
+            <p:ph type="title"/>
+          </p:nvPr>
+        </p:nvSpPr>
+        <p:spPr/>
+        <p:txBody>
+          <a:bodyPr/>
+          <a:lstStyle/>
+          <a:p>
+            <a:pPr algn="ctr"/>
+            <a:r>
+              <a:rPr lang="he-IL" dirty="0"/>
+              <a:t>המשחק</a:t>
+            </a:r>
+            <a:endParaRPr lang="en-US" dirty="0"/>
+          </a:p>
+        </p:txBody>
+      </p:sp>
+      <p:sp>
+        <p:nvSpPr>
+          <p:cNvPr id="3" name="מציין מיקום תוכן 2">
+            <a:extLst>
+              <a:ext uri="{FF2B5EF4-FFF2-40B4-BE49-F238E27FC236}">
+                <a16:creationId xmlns:a16="http://schemas.microsoft.com/office/drawing/2014/main" id="{D1C20A07-D6BC-4C39-A6C1-73E24D6090C9}"/>
+              </a:ext>
+            </a:extLst>
+          </p:cNvPr>
+          <p:cNvSpPr>
+            <a:spLocks noGrp="1"/>
+          </p:cNvSpPr>
+          <p:nvPr>
+            <p:ph idx="1"/>
+          </p:nvPr>
+        </p:nvSpPr>
+        <p:spPr/>
+        <p:txBody>
+          <a:bodyPr/>
+          <a:lstStyle/>
+          <a:p>
+            <a:r>
+              <a:rPr lang="he-IL" dirty="0"/>
+              <a:t>שתי קבוצות שלא משתפות פעולה</a:t>
+            </a:r>
+          </a:p>
+          <a:p>
+            <a:r>
+              <a:rPr lang="he-IL" dirty="0"/>
+              <a:t>המשחק הוא בעל חזרות – כל סיבוב ניתן לשנות אסטרטגיה (לתקוף או לא)</a:t>
+            </a:r>
+          </a:p>
+          <a:p>
+            <a:r>
+              <a:rPr lang="he-IL" dirty="0"/>
+              <a:t>כל קבוצה יודעת מה הרווח של עצמה ואת הרווח של הקבוצה השנייה</a:t>
+            </a:r>
+          </a:p>
+          <a:p>
+            <a:r>
+              <a:rPr lang="he-IL" dirty="0"/>
+              <a:t>מניחים שהקבוצות פתוחות.</a:t>
+            </a:r>
+            <a:endParaRPr lang="en-US" dirty="0"/>
+          </a:p>
+        </p:txBody>
+      </p:sp>
+    </p:spTree>
+    <p:extLst>
+      <p:ext uri="{BB962C8B-B14F-4D97-AF65-F5344CB8AC3E}">
+        <p14:creationId xmlns:p14="http://schemas.microsoft.com/office/powerpoint/2010/main" val="1758900522"/>
+      </p:ext>
+    </p:extLst>
+  </p:cSld>
+  <p:clrMapOvr>
+    <a:masterClrMapping/>
+  </p:clrMapOvr>
+</p:sld>
+</file>
+
+<file path=ppt/slides/slide22.xml><?xml version="1.0" encoding="utf-8"?>
+<p:sld xmlns:a="http://schemas.openxmlformats.org/drawingml/2006/main" xmlns:r="http://schemas.openxmlformats.org/officeDocument/2006/relationships" xmlns:p="http://schemas.openxmlformats.org/presentationml/2006/main">
+  <p:cSld>
+    <p:spTree>
+      <p:nvGrpSpPr>
+        <p:cNvPr id="1" name=""/>
+        <p:cNvGrpSpPr/>
+        <p:nvPr/>
+      </p:nvGrpSpPr>
+      <p:grpSpPr>
+        <a:xfrm>
+          <a:off x="0" y="0"/>
+          <a:ext cx="0" cy="0"/>
+          <a:chOff x="0" y="0"/>
+          <a:chExt cx="0" cy="0"/>
+        </a:xfrm>
+      </p:grpSpPr>
+      <p:sp>
+        <p:nvSpPr>
+          <p:cNvPr id="2" name="כותרת 1">
+            <a:extLst>
+              <a:ext uri="{FF2B5EF4-FFF2-40B4-BE49-F238E27FC236}">
+                <a16:creationId xmlns:a16="http://schemas.microsoft.com/office/drawing/2014/main" id="{E5051FA8-E07B-42AF-81E7-C7B8DBC8F441}"/>
+              </a:ext>
+            </a:extLst>
+          </p:cNvPr>
+          <p:cNvSpPr>
+            <a:spLocks noGrp="1"/>
+          </p:cNvSpPr>
+          <p:nvPr>
+            <p:ph type="title"/>
+          </p:nvPr>
+        </p:nvSpPr>
+        <p:spPr/>
+        <p:txBody>
+          <a:bodyPr/>
+          <a:lstStyle/>
+          <a:p>
+            <a:pPr algn="ctr"/>
+            <a:r>
+              <a:rPr lang="he-IL" dirty="0"/>
+              <a:t>המשחק</a:t>
+            </a:r>
+            <a:endParaRPr lang="en-US" dirty="0"/>
+          </a:p>
+        </p:txBody>
+      </p:sp>
+      <p:sp>
+        <p:nvSpPr>
+          <p:cNvPr id="3" name="מציין מיקום תוכן 2">
+            <a:extLst>
+              <a:ext uri="{FF2B5EF4-FFF2-40B4-BE49-F238E27FC236}">
+                <a16:creationId xmlns:a16="http://schemas.microsoft.com/office/drawing/2014/main" id="{7A1E07AE-CC35-45E5-A6C2-B36B5E35853E}"/>
+              </a:ext>
+            </a:extLst>
+          </p:cNvPr>
+          <p:cNvSpPr>
+            <a:spLocks noGrp="1"/>
+          </p:cNvSpPr>
+          <p:nvPr>
+            <p:ph idx="1"/>
+          </p:nvPr>
+        </p:nvSpPr>
+        <p:spPr>
+          <a:xfrm>
+            <a:off x="838200" y="1825625"/>
+            <a:ext cx="10515600" cy="3912566"/>
+          </a:xfrm>
+        </p:spPr>
+        <p:txBody>
+          <a:bodyPr/>
+          <a:lstStyle/>
+          <a:p>
+            <a:r>
+              <a:rPr lang="he-IL" dirty="0"/>
+              <a:t>בעצם המשחק עצמו הוא כמו הבעיה בתורת המשחקים של דילמת האסיר עם חזרות.</a:t>
+            </a:r>
+          </a:p>
+          <a:p>
+            <a:r>
+              <a:rPr lang="he-IL" dirty="0"/>
+              <a:t>במשחקים עם חזרות יש יותר היבטים ממתמטיקה פשוטה:</a:t>
+            </a:r>
+          </a:p>
+          <a:p>
+            <a:r>
+              <a:rPr lang="he-IL" dirty="0"/>
+              <a:t>יש היבט פסיכולוגי</a:t>
+            </a:r>
+          </a:p>
+          <a:p>
+            <a:r>
+              <a:rPr lang="he-IL" dirty="0"/>
+              <a:t>היבט רציונלי</a:t>
+            </a:r>
+          </a:p>
+          <a:p>
+            <a:r>
+              <a:rPr lang="he-IL" dirty="0"/>
+              <a:t>והחשוב מכל אסטרטגיה לטווח ארוך</a:t>
+            </a:r>
+            <a:endParaRPr lang="en-US" dirty="0"/>
+          </a:p>
+        </p:txBody>
+      </p:sp>
+    </p:spTree>
+    <p:extLst>
+      <p:ext uri="{BB962C8B-B14F-4D97-AF65-F5344CB8AC3E}">
+        <p14:creationId xmlns:p14="http://schemas.microsoft.com/office/powerpoint/2010/main" val="3344461376"/>
+      </p:ext>
+    </p:extLst>
+  </p:cSld>
+  <p:clrMapOvr>
+    <a:masterClrMapping/>
+  </p:clrMapOvr>
+</p:sld>
+</file>
+
+<file path=ppt/slides/slide23.xml><?xml version="1.0" encoding="utf-8"?>
+<p:sld xmlns:a="http://schemas.openxmlformats.org/drawingml/2006/main" xmlns:r="http://schemas.openxmlformats.org/officeDocument/2006/relationships" xmlns:p="http://schemas.openxmlformats.org/presentationml/2006/main">
+  <p:cSld>
+    <p:spTree>
+      <p:nvGrpSpPr>
+        <p:cNvPr id="1" name=""/>
+        <p:cNvGrpSpPr/>
+        <p:nvPr/>
+      </p:nvGrpSpPr>
+      <p:grpSpPr>
+        <a:xfrm>
+          <a:off x="0" y="0"/>
+          <a:ext cx="0" cy="0"/>
+          <a:chOff x="0" y="0"/>
+          <a:chExt cx="0" cy="0"/>
+        </a:xfrm>
+      </p:grpSpPr>
+      <p:sp>
+        <p:nvSpPr>
+          <p:cNvPr id="2" name="כותרת 1">
+            <a:extLst>
+              <a:ext uri="{FF2B5EF4-FFF2-40B4-BE49-F238E27FC236}">
+                <a16:creationId xmlns:a16="http://schemas.microsoft.com/office/drawing/2014/main" id="{1A46F434-5326-469B-B608-0A7375518E10}"/>
+              </a:ext>
+            </a:extLst>
+          </p:cNvPr>
+          <p:cNvSpPr>
+            <a:spLocks noGrp="1"/>
+          </p:cNvSpPr>
+          <p:nvPr>
+            <p:ph type="title"/>
+          </p:nvPr>
+        </p:nvSpPr>
+        <p:spPr/>
+        <p:txBody>
+          <a:bodyPr/>
+          <a:lstStyle/>
+          <a:p>
+            <a:pPr algn="ctr"/>
+            <a:r>
+              <a:rPr lang="he-IL" dirty="0"/>
+              <a:t>המשחק</a:t>
+            </a:r>
+            <a:endParaRPr lang="en-US" dirty="0"/>
+          </a:p>
+        </p:txBody>
+      </p:sp>
+      <p:sp>
+        <p:nvSpPr>
+          <p:cNvPr id="3" name="מציין מיקום תוכן 2">
+            <a:extLst>
+              <a:ext uri="{FF2B5EF4-FFF2-40B4-BE49-F238E27FC236}">
+                <a16:creationId xmlns:a16="http://schemas.microsoft.com/office/drawing/2014/main" id="{839E2EF0-91B2-459B-9B73-087019A68D71}"/>
+              </a:ext>
+            </a:extLst>
+          </p:cNvPr>
+          <p:cNvSpPr>
+            <a:spLocks noGrp="1"/>
+          </p:cNvSpPr>
+          <p:nvPr>
+            <p:ph idx="1"/>
+          </p:nvPr>
+        </p:nvSpPr>
+        <p:spPr>
+          <a:xfrm>
+            <a:off x="838200" y="1825625"/>
+            <a:ext cx="10515600" cy="1603375"/>
+          </a:xfrm>
+        </p:spPr>
+        <p:txBody>
+          <a:bodyPr/>
+          <a:lstStyle/>
+          <a:p>
+            <a:pPr marL="0" indent="0">
+              <a:buNone/>
+            </a:pPr>
+            <a:r>
+              <a:rPr lang="he-IL" dirty="0"/>
+              <a:t>אין הוכחה לאסטרטגיה עדיפה </a:t>
+            </a:r>
+          </a:p>
+          <a:p>
+            <a:pPr marL="0" indent="0">
+              <a:buNone/>
+            </a:pPr>
+            <a:r>
+              <a:rPr lang="he-IL" dirty="0"/>
+              <a:t>אבל אסטרטגיית מידה כנגד מידה הוכחה כיעילה באופן יחסי בטורניר של דילמת האסיר</a:t>
+            </a:r>
+            <a:endParaRPr lang="en-US" dirty="0"/>
+          </a:p>
+        </p:txBody>
+      </p:sp>
+      <p:pic>
+        <p:nvPicPr>
+          <p:cNvPr id="5" name="תמונה 4">
+            <a:extLst>
+              <a:ext uri="{FF2B5EF4-FFF2-40B4-BE49-F238E27FC236}">
+                <a16:creationId xmlns:a16="http://schemas.microsoft.com/office/drawing/2014/main" id="{4BD1E6AD-8358-4DAB-BAFE-38CC8FC42C72}"/>
+              </a:ext>
+            </a:extLst>
+          </p:cNvPr>
+          <p:cNvPicPr>
+            <a:picLocks noChangeAspect="1"/>
+          </p:cNvPicPr>
+          <p:nvPr/>
+        </p:nvPicPr>
+        <p:blipFill>
+          <a:blip r:embed="rId2">
+            <a:extLst>
+              <a:ext uri="{28A0092B-C50C-407E-A947-70E740481C1C}">
+                <a14:useLocalDpi xmlns:a14="http://schemas.microsoft.com/office/drawing/2010/main" val="0"/>
+              </a:ext>
+            </a:extLst>
+          </a:blip>
+          <a:stretch>
+            <a:fillRect/>
+          </a:stretch>
+        </p:blipFill>
+        <p:spPr>
+          <a:xfrm>
+            <a:off x="5065461" y="2883876"/>
+            <a:ext cx="3259759" cy="2748297"/>
+          </a:xfrm>
+          <a:prstGeom prst="rect">
+            <a:avLst/>
+          </a:prstGeom>
+        </p:spPr>
+      </p:pic>
+      <p:sp>
+        <p:nvSpPr>
+          <p:cNvPr id="6" name="מלבן 5">
+            <a:extLst>
+              <a:ext uri="{FF2B5EF4-FFF2-40B4-BE49-F238E27FC236}">
+                <a16:creationId xmlns:a16="http://schemas.microsoft.com/office/drawing/2014/main" id="{4BBEEF32-6869-4A1C-B6B1-3CE0286BE871}"/>
+              </a:ext>
+            </a:extLst>
+          </p:cNvPr>
+          <p:cNvSpPr/>
+          <p:nvPr/>
+        </p:nvSpPr>
+        <p:spPr>
+          <a:xfrm>
+            <a:off x="838200" y="5770847"/>
+            <a:ext cx="10293626" cy="365760"/>
+          </a:xfrm>
+          <a:prstGeom prst="rect">
+            <a:avLst/>
+          </a:prstGeom>
+          <a:solidFill>
+            <a:schemeClr val="bg1"/>
+          </a:solidFill>
+          <a:ln>
+            <a:solidFill>
+              <a:schemeClr val="bg1"/>
+            </a:solidFill>
+          </a:ln>
+        </p:spPr>
+        <p:style>
+          <a:lnRef idx="2">
+            <a:schemeClr val="accent1">
+              <a:shade val="50000"/>
+            </a:schemeClr>
+          </a:lnRef>
+          <a:fillRef idx="1">
+            <a:schemeClr val="accent1"/>
+          </a:fillRef>
+          <a:effectRef idx="0">
+            <a:schemeClr val="accent1"/>
+          </a:effectRef>
+          <a:fontRef idx="minor">
+            <a:schemeClr val="lt1"/>
+          </a:fontRef>
+        </p:style>
+        <p:txBody>
+          <a:bodyPr rtlCol="0" anchor="ctr"/>
+          <a:lstStyle/>
+          <a:p>
+            <a:pPr algn="ctr"/>
+            <a:r>
+              <a:rPr lang="en-US" dirty="0">
+                <a:solidFill>
+                  <a:schemeClr val="tx1"/>
+                </a:solidFill>
+              </a:rPr>
+              <a:t>https://www.lesswrong.com/posts/hamma4XgeNrsvAJv5/prisoner-s-dilemma-tournament-results</a:t>
+            </a:r>
+            <a:endParaRPr lang="en-US" dirty="0"/>
+          </a:p>
+        </p:txBody>
+      </p:sp>
+    </p:spTree>
+    <p:extLst>
+      <p:ext uri="{BB962C8B-B14F-4D97-AF65-F5344CB8AC3E}">
+        <p14:creationId xmlns:p14="http://schemas.microsoft.com/office/powerpoint/2010/main" val="3037372213"/>
+      </p:ext>
+    </p:extLst>
+  </p:cSld>
+  <p:clrMapOvr>
+    <a:masterClrMapping/>
+  </p:clrMapOvr>
+</p:sld>
+</file>
+
+<file path=ppt/slides/slide24.xml><?xml version="1.0" encoding="utf-8"?>
+<p:sld xmlns:a="http://schemas.openxmlformats.org/drawingml/2006/main" xmlns:r="http://schemas.openxmlformats.org/officeDocument/2006/relationships" xmlns:p="http://schemas.openxmlformats.org/presentationml/2006/main">
+  <p:cSld>
+    <p:spTree>
+      <p:nvGrpSpPr>
+        <p:cNvPr id="1" name=""/>
+        <p:cNvGrpSpPr/>
+        <p:nvPr/>
+      </p:nvGrpSpPr>
+      <p:grpSpPr>
+        <a:xfrm>
+          <a:off x="0" y="0"/>
+          <a:ext cx="0" cy="0"/>
+          <a:chOff x="0" y="0"/>
+          <a:chExt cx="0" cy="0"/>
+        </a:xfrm>
+      </p:grpSpPr>
+      <p:sp>
+        <p:nvSpPr>
+          <p:cNvPr id="2" name="כותרת 1">
+            <a:extLst>
+              <a:ext uri="{FF2B5EF4-FFF2-40B4-BE49-F238E27FC236}">
+                <a16:creationId xmlns:a16="http://schemas.microsoft.com/office/drawing/2014/main" id="{493228D5-1ACF-4C50-B7E9-4ACCB1605B6C}"/>
+              </a:ext>
+            </a:extLst>
+          </p:cNvPr>
+          <p:cNvSpPr>
+            <a:spLocks noGrp="1"/>
+          </p:cNvSpPr>
+          <p:nvPr>
+            <p:ph type="title"/>
+          </p:nvPr>
+        </p:nvSpPr>
+        <p:spPr/>
+        <p:txBody>
+          <a:bodyPr/>
+          <a:lstStyle/>
+          <a:p>
+            <a:pPr algn="ctr"/>
+            <a:r>
+              <a:rPr lang="he-IL" dirty="0"/>
+              <a:t>שיטות להתמודד עם התקיפה</a:t>
+            </a:r>
+            <a:endParaRPr lang="en-US" dirty="0"/>
+          </a:p>
+        </p:txBody>
+      </p:sp>
+      <p:sp>
+        <p:nvSpPr>
+          <p:cNvPr id="3" name="מציין מיקום תוכן 2">
+            <a:extLst>
+              <a:ext uri="{FF2B5EF4-FFF2-40B4-BE49-F238E27FC236}">
+                <a16:creationId xmlns:a16="http://schemas.microsoft.com/office/drawing/2014/main" id="{CB34039A-37A8-4625-B3FE-248D3258CF20}"/>
+              </a:ext>
+            </a:extLst>
+          </p:cNvPr>
+          <p:cNvSpPr>
+            <a:spLocks noGrp="1"/>
+          </p:cNvSpPr>
+          <p:nvPr>
+            <p:ph idx="1"/>
+          </p:nvPr>
+        </p:nvSpPr>
+        <p:spPr/>
+        <p:txBody>
+          <a:bodyPr/>
+          <a:lstStyle/>
+          <a:p>
+            <a:r>
+              <a:rPr lang="he-IL" dirty="0"/>
+              <a:t>חלוקת בונוסים לאנשים עם וותק או לאנשים שמספקים </a:t>
+            </a:r>
+            <a:r>
+              <a:rPr lang="en-US" dirty="0"/>
+              <a:t>full proof of work</a:t>
+            </a:r>
+            <a:r>
+              <a:rPr lang="he-IL" dirty="0"/>
+              <a:t>.</a:t>
+            </a:r>
+          </a:p>
+          <a:p>
+            <a:pPr marL="0" indent="0">
+              <a:buNone/>
+            </a:pPr>
+            <a:r>
+              <a:rPr lang="he-IL" dirty="0"/>
+              <a:t>*הופך את הקבוצה לפחות אטרקטיבית לכורים חדשים או קטנים, מקטין את המשאבים הפוטנציאלים -&gt; מקטין רווחים פוטנציאלי.</a:t>
+            </a:r>
+          </a:p>
+          <a:p>
+            <a:pPr marL="0" indent="0">
+              <a:buNone/>
+            </a:pPr>
+            <a:endParaRPr lang="he-IL" dirty="0"/>
+          </a:p>
+          <a:p>
+            <a:r>
+              <a:rPr lang="he-IL" dirty="0"/>
+              <a:t>מלכודת – נותנים לכורה משימה עם פתרון קל ולכן מצפים שהוא ייתן את </a:t>
+            </a:r>
+            <a:r>
+              <a:rPr lang="en-US" dirty="0"/>
+              <a:t>full proof of work</a:t>
+            </a:r>
+            <a:r>
+              <a:rPr lang="he-IL" dirty="0"/>
+              <a:t>.</a:t>
+            </a:r>
+          </a:p>
+          <a:p>
+            <a:pPr marL="0" indent="0">
+              <a:buNone/>
+            </a:pPr>
+            <a:r>
+              <a:rPr lang="he-IL" dirty="0"/>
+              <a:t>*לוקח המון זמן לעשות את זה כמו שצריך ולוקח הרבה משאבים שיכלו לנסות לפתור פאזלים אמתיים -&gt; מקטין רווחים.</a:t>
+            </a:r>
+          </a:p>
+          <a:p>
+            <a:r>
+              <a:rPr lang="he-IL" dirty="0"/>
+              <a:t>הפיכת הקבוצות לסגורות.</a:t>
+            </a:r>
+          </a:p>
+        </p:txBody>
+      </p:sp>
+    </p:spTree>
+    <p:extLst>
+      <p:ext uri="{BB962C8B-B14F-4D97-AF65-F5344CB8AC3E}">
+        <p14:creationId xmlns:p14="http://schemas.microsoft.com/office/powerpoint/2010/main" val="1484296688"/>
+      </p:ext>
+    </p:extLst>
+  </p:cSld>
+  <p:clrMapOvr>
+    <a:masterClrMapping/>
+  </p:clrMapOvr>
+</p:sld>
+</file>
+
+<file path=ppt/slides/slide3.xml><?xml version="1.0" encoding="utf-8"?>
+<p:sld xmlns:a="http://schemas.openxmlformats.org/drawingml/2006/main" xmlns:r="http://schemas.openxmlformats.org/officeDocument/2006/relationships" xmlns:p="http://schemas.openxmlformats.org/presentationml/2006/main">
+  <p:cSld>
+    <p:spTree>
+      <p:nvGrpSpPr>
+        <p:cNvPr id="1" name=""/>
+        <p:cNvGrpSpPr/>
+        <p:nvPr/>
+      </p:nvGrpSpPr>
+      <p:grpSpPr>
+        <a:xfrm>
+          <a:off x="0" y="0"/>
+          <a:ext cx="0" cy="0"/>
+          <a:chOff x="0" y="0"/>
+          <a:chExt cx="0" cy="0"/>
+        </a:xfrm>
+      </p:grpSpPr>
+      <p:sp>
+        <p:nvSpPr>
+          <p:cNvPr id="2" name="כותרת 1">
+            <a:extLst>
+              <a:ext uri="{FF2B5EF4-FFF2-40B4-BE49-F238E27FC236}">
+                <a16:creationId xmlns:a16="http://schemas.microsoft.com/office/drawing/2014/main" id="{F3A18203-541B-4B92-83A7-8D92A93D1365}"/>
+              </a:ext>
+            </a:extLst>
+          </p:cNvPr>
+          <p:cNvSpPr>
+            <a:spLocks noGrp="1"/>
+          </p:cNvSpPr>
+          <p:nvPr>
+            <p:ph type="title"/>
+          </p:nvPr>
+        </p:nvSpPr>
+        <p:spPr/>
+        <p:txBody>
+          <a:bodyPr/>
+          <a:lstStyle/>
+          <a:p>
+            <a:pPr algn="ctr"/>
+            <a:r>
+              <a:rPr lang="en-US" dirty="0"/>
+              <a:t>Pool Mining </a:t>
+            </a:r>
+          </a:p>
+        </p:txBody>
+      </p:sp>
+      <p:sp>
+        <p:nvSpPr>
+          <p:cNvPr id="3" name="מציין מיקום תוכן 2">
+            <a:extLst>
+              <a:ext uri="{FF2B5EF4-FFF2-40B4-BE49-F238E27FC236}">
+                <a16:creationId xmlns:a16="http://schemas.microsoft.com/office/drawing/2014/main" id="{88C5B091-A46A-4284-BBDB-4E0D44517EE0}"/>
+              </a:ext>
+            </a:extLst>
+          </p:cNvPr>
+          <p:cNvSpPr>
+            <a:spLocks noGrp="1"/>
+          </p:cNvSpPr>
+          <p:nvPr>
+            <p:ph idx="1"/>
+          </p:nvPr>
+        </p:nvSpPr>
+        <p:spPr>
+          <a:xfrm>
+            <a:off x="838200" y="1825625"/>
+            <a:ext cx="10515600" cy="1964497"/>
+          </a:xfrm>
+        </p:spPr>
+        <p:txBody>
+          <a:bodyPr/>
+          <a:lstStyle/>
+          <a:p>
+            <a:r>
+              <a:rPr lang="he-IL" dirty="0"/>
+              <a:t>כרייה של ביטקוין מגיעה מפתירה של פאזל מרשת הביטקוין, מאחר שזה נעשה בלתי ריאלי לכרות מהמחשב האישי נוצרו קבוצות כרייה כדי ליצור רווח יציב וקבוע.</a:t>
+            </a:r>
+            <a:endParaRPr lang="en-US" dirty="0"/>
+          </a:p>
+          <a:p>
+            <a:r>
+              <a:rPr lang="he-IL" dirty="0"/>
+              <a:t>איך זה עובד?</a:t>
+            </a:r>
+          </a:p>
+          <a:p>
+            <a:pPr marL="0" indent="0">
+              <a:buNone/>
+            </a:pPr>
+            <a:endParaRPr lang="en-US" dirty="0"/>
+          </a:p>
+        </p:txBody>
+      </p:sp>
+    </p:spTree>
+    <p:extLst>
+      <p:ext uri="{BB962C8B-B14F-4D97-AF65-F5344CB8AC3E}">
+        <p14:creationId xmlns:p14="http://schemas.microsoft.com/office/powerpoint/2010/main" val="3988579060"/>
+      </p:ext>
+    </p:extLst>
+  </p:cSld>
+  <p:clrMapOvr>
+    <a:masterClrMapping/>
+  </p:clrMapOvr>
+</p:sld>
+</file>
+
+<file path=ppt/slides/slide4.xml><?xml version="1.0" encoding="utf-8"?>
+<p:sld xmlns:a="http://schemas.openxmlformats.org/drawingml/2006/main" xmlns:r="http://schemas.openxmlformats.org/officeDocument/2006/relationships" xmlns:p="http://schemas.openxmlformats.org/presentationml/2006/main">
+  <p:cSld>
+    <p:spTree>
+      <p:nvGrpSpPr>
+        <p:cNvPr id="1" name=""/>
+        <p:cNvGrpSpPr/>
+        <p:nvPr/>
+      </p:nvGrpSpPr>
+      <p:grpSpPr>
+        <a:xfrm>
+          <a:off x="0" y="0"/>
+          <a:ext cx="0" cy="0"/>
+          <a:chOff x="0" y="0"/>
+          <a:chExt cx="0" cy="0"/>
+        </a:xfrm>
+      </p:grpSpPr>
+      <p:sp>
+        <p:nvSpPr>
+          <p:cNvPr id="2" name="כותרת 1">
+            <a:extLst>
+              <a:ext uri="{FF2B5EF4-FFF2-40B4-BE49-F238E27FC236}">
+                <a16:creationId xmlns:a16="http://schemas.microsoft.com/office/drawing/2014/main" id="{9179A7BF-343A-4697-A794-0078A4509BAD}"/>
+              </a:ext>
+            </a:extLst>
+          </p:cNvPr>
+          <p:cNvSpPr>
+            <a:spLocks noGrp="1"/>
+          </p:cNvSpPr>
+          <p:nvPr>
+            <p:ph type="title"/>
+          </p:nvPr>
+        </p:nvSpPr>
+        <p:spPr/>
+        <p:txBody>
+          <a:bodyPr/>
+          <a:lstStyle/>
+          <a:p>
+            <a:pPr algn="ctr"/>
+            <a:r>
+              <a:rPr lang="en-US" dirty="0"/>
+              <a:t>Pool Mining </a:t>
+            </a:r>
+          </a:p>
+        </p:txBody>
+      </p:sp>
+      <p:pic>
+        <p:nvPicPr>
+          <p:cNvPr id="23" name="תמונה 22">
+            <a:extLst>
+              <a:ext uri="{FF2B5EF4-FFF2-40B4-BE49-F238E27FC236}">
+                <a16:creationId xmlns:a16="http://schemas.microsoft.com/office/drawing/2014/main" id="{28ABCF65-2309-4143-98A0-6D3973CB5ABE}"/>
+              </a:ext>
+            </a:extLst>
+          </p:cNvPr>
+          <p:cNvPicPr>
+            <a:picLocks noChangeAspect="1"/>
+          </p:cNvPicPr>
+          <p:nvPr/>
+        </p:nvPicPr>
+        <p:blipFill>
+          <a:blip r:embed="rId2">
+            <a:extLst>
+              <a:ext uri="{28A0092B-C50C-407E-A947-70E740481C1C}">
+                <a14:useLocalDpi xmlns:a14="http://schemas.microsoft.com/office/drawing/2010/main" val="0"/>
+              </a:ext>
+            </a:extLst>
+          </a:blip>
+          <a:stretch>
+            <a:fillRect/>
+          </a:stretch>
+        </p:blipFill>
+        <p:spPr>
+          <a:xfrm>
+            <a:off x="8739016" y="2478576"/>
+            <a:ext cx="2651126" cy="1325563"/>
+          </a:xfrm>
+          <a:prstGeom prst="rect">
+            <a:avLst/>
+          </a:prstGeom>
+        </p:spPr>
+      </p:pic>
+      <p:pic>
+        <p:nvPicPr>
+          <p:cNvPr id="25" name="תמונה 24">
+            <a:extLst>
+              <a:ext uri="{FF2B5EF4-FFF2-40B4-BE49-F238E27FC236}">
+                <a16:creationId xmlns:a16="http://schemas.microsoft.com/office/drawing/2014/main" id="{34B3BD7E-8AF6-4807-B708-5AD521F75C6D}"/>
+              </a:ext>
+            </a:extLst>
+          </p:cNvPr>
+          <p:cNvPicPr>
+            <a:picLocks noChangeAspect="1"/>
+          </p:cNvPicPr>
+          <p:nvPr/>
+        </p:nvPicPr>
+        <p:blipFill>
+          <a:blip r:embed="rId3">
+            <a:extLst>
+              <a:ext uri="{28A0092B-C50C-407E-A947-70E740481C1C}">
+                <a14:useLocalDpi xmlns:a14="http://schemas.microsoft.com/office/drawing/2010/main" val="0"/>
+              </a:ext>
+            </a:extLst>
+          </a:blip>
+          <a:stretch>
+            <a:fillRect/>
+          </a:stretch>
+        </p:blipFill>
+        <p:spPr>
+          <a:xfrm>
+            <a:off x="4950656" y="2715065"/>
+            <a:ext cx="1365738" cy="1365738"/>
+          </a:xfrm>
+          <a:prstGeom prst="rect">
+            <a:avLst/>
+          </a:prstGeom>
+        </p:spPr>
+      </p:pic>
+      <p:pic>
+        <p:nvPicPr>
+          <p:cNvPr id="44" name="תמונה 43">
+            <a:extLst>
+              <a:ext uri="{FF2B5EF4-FFF2-40B4-BE49-F238E27FC236}">
+                <a16:creationId xmlns:a16="http://schemas.microsoft.com/office/drawing/2014/main" id="{49403C56-A35F-40A1-98B1-48EE99E71524}"/>
+              </a:ext>
+            </a:extLst>
+          </p:cNvPr>
+          <p:cNvPicPr>
+            <a:picLocks noChangeAspect="1"/>
+          </p:cNvPicPr>
+          <p:nvPr/>
+        </p:nvPicPr>
+        <p:blipFill>
+          <a:blip r:embed="rId4">
+            <a:extLst>
+              <a:ext uri="{28A0092B-C50C-407E-A947-70E740481C1C}">
+                <a14:useLocalDpi xmlns:a14="http://schemas.microsoft.com/office/drawing/2010/main" val="0"/>
+              </a:ext>
+            </a:extLst>
+          </a:blip>
+          <a:stretch>
+            <a:fillRect/>
+          </a:stretch>
+        </p:blipFill>
+        <p:spPr>
+          <a:xfrm>
+            <a:off x="1843460" y="5083865"/>
+            <a:ext cx="752550" cy="717274"/>
+          </a:xfrm>
+          <a:prstGeom prst="rect">
+            <a:avLst/>
+          </a:prstGeom>
+        </p:spPr>
+      </p:pic>
+      <p:pic>
+        <p:nvPicPr>
+          <p:cNvPr id="45" name="תמונה 44">
+            <a:extLst>
+              <a:ext uri="{FF2B5EF4-FFF2-40B4-BE49-F238E27FC236}">
+                <a16:creationId xmlns:a16="http://schemas.microsoft.com/office/drawing/2014/main" id="{415D2602-020E-4D2F-91B6-4E719E0F14DF}"/>
+              </a:ext>
+            </a:extLst>
+          </p:cNvPr>
+          <p:cNvPicPr>
+            <a:picLocks noChangeAspect="1"/>
+          </p:cNvPicPr>
+          <p:nvPr/>
+        </p:nvPicPr>
+        <p:blipFill>
+          <a:blip r:embed="rId4">
+            <a:extLst>
+              <a:ext uri="{28A0092B-C50C-407E-A947-70E740481C1C}">
+                <a14:useLocalDpi xmlns:a14="http://schemas.microsoft.com/office/drawing/2010/main" val="0"/>
+              </a:ext>
+            </a:extLst>
+          </a:blip>
+          <a:stretch>
+            <a:fillRect/>
+          </a:stretch>
+        </p:blipFill>
+        <p:spPr>
+          <a:xfrm>
+            <a:off x="1758253" y="3418999"/>
+            <a:ext cx="752550" cy="717274"/>
+          </a:xfrm>
+          <a:prstGeom prst="rect">
+            <a:avLst/>
+          </a:prstGeom>
+        </p:spPr>
+      </p:pic>
+      <p:pic>
+        <p:nvPicPr>
+          <p:cNvPr id="46" name="תמונה 45">
+            <a:extLst>
+              <a:ext uri="{FF2B5EF4-FFF2-40B4-BE49-F238E27FC236}">
+                <a16:creationId xmlns:a16="http://schemas.microsoft.com/office/drawing/2014/main" id="{48992091-FDAF-47DE-8BA6-CDFF2CA42014}"/>
+              </a:ext>
+            </a:extLst>
+          </p:cNvPr>
+          <p:cNvPicPr>
+            <a:picLocks noChangeAspect="1"/>
+          </p:cNvPicPr>
+          <p:nvPr/>
+        </p:nvPicPr>
+        <p:blipFill>
+          <a:blip r:embed="rId4">
+            <a:extLst>
+              <a:ext uri="{28A0092B-C50C-407E-A947-70E740481C1C}">
+                <a14:useLocalDpi xmlns:a14="http://schemas.microsoft.com/office/drawing/2010/main" val="0"/>
+              </a:ext>
+            </a:extLst>
+          </a:blip>
+          <a:stretch>
+            <a:fillRect/>
+          </a:stretch>
+        </p:blipFill>
+        <p:spPr>
+          <a:xfrm>
+            <a:off x="1770937" y="2270528"/>
+            <a:ext cx="752550" cy="717274"/>
+          </a:xfrm>
+          <a:prstGeom prst="rect">
+            <a:avLst/>
+          </a:prstGeom>
+        </p:spPr>
+      </p:pic>
+      <p:pic>
+        <p:nvPicPr>
+          <p:cNvPr id="47" name="תמונה 46">
+            <a:extLst>
+              <a:ext uri="{FF2B5EF4-FFF2-40B4-BE49-F238E27FC236}">
+                <a16:creationId xmlns:a16="http://schemas.microsoft.com/office/drawing/2014/main" id="{44A62A51-7F52-4FCD-90B5-F1B5A07F1FB6}"/>
+              </a:ext>
+            </a:extLst>
+          </p:cNvPr>
+          <p:cNvPicPr>
+            <a:picLocks noChangeAspect="1"/>
+          </p:cNvPicPr>
+          <p:nvPr/>
+        </p:nvPicPr>
+        <p:blipFill>
+          <a:blip r:embed="rId4">
+            <a:extLst>
+              <a:ext uri="{28A0092B-C50C-407E-A947-70E740481C1C}">
+                <a14:useLocalDpi xmlns:a14="http://schemas.microsoft.com/office/drawing/2010/main" val="0"/>
+              </a:ext>
+            </a:extLst>
+          </a:blip>
+          <a:stretch>
+            <a:fillRect/>
+          </a:stretch>
+        </p:blipFill>
+        <p:spPr>
+          <a:xfrm>
+            <a:off x="1862546" y="1100061"/>
+            <a:ext cx="752550" cy="717274"/>
+          </a:xfrm>
+          <a:prstGeom prst="rect">
+            <a:avLst/>
+          </a:prstGeom>
+        </p:spPr>
+      </p:pic>
+    </p:spTree>
+    <p:extLst>
+      <p:ext uri="{BB962C8B-B14F-4D97-AF65-F5344CB8AC3E}">
+        <p14:creationId xmlns:p14="http://schemas.microsoft.com/office/powerpoint/2010/main" val="1091330487"/>
+      </p:ext>
+    </p:extLst>
+  </p:cSld>
+  <p:clrMapOvr>
+    <a:masterClrMapping/>
+  </p:clrMapOvr>
+</p:sld>
+</file>
+
+<file path=ppt/slides/slide5.xml><?xml version="1.0" encoding="utf-8"?>
+<p:sld xmlns:a="http://schemas.openxmlformats.org/drawingml/2006/main" xmlns:r="http://schemas.openxmlformats.org/officeDocument/2006/relationships" xmlns:p="http://schemas.openxmlformats.org/presentationml/2006/main">
+  <p:cSld>
+    <p:spTree>
+      <p:nvGrpSpPr>
+        <p:cNvPr id="1" name=""/>
+        <p:cNvGrpSpPr/>
+        <p:nvPr/>
+      </p:nvGrpSpPr>
+      <p:grpSpPr>
+        <a:xfrm>
+          <a:off x="0" y="0"/>
+          <a:ext cx="0" cy="0"/>
+          <a:chOff x="0" y="0"/>
+          <a:chExt cx="0" cy="0"/>
+        </a:xfrm>
+      </p:grpSpPr>
+      <p:sp>
+        <p:nvSpPr>
+          <p:cNvPr id="2" name="כותרת 1">
+            <a:extLst>
+              <a:ext uri="{FF2B5EF4-FFF2-40B4-BE49-F238E27FC236}">
+                <a16:creationId xmlns:a16="http://schemas.microsoft.com/office/drawing/2014/main" id="{9179A7BF-343A-4697-A794-0078A4509BAD}"/>
+              </a:ext>
+            </a:extLst>
+          </p:cNvPr>
+          <p:cNvSpPr>
+            <a:spLocks noGrp="1"/>
+          </p:cNvSpPr>
+          <p:nvPr>
+            <p:ph type="title"/>
+          </p:nvPr>
+        </p:nvSpPr>
+        <p:spPr/>
+        <p:txBody>
+          <a:bodyPr/>
+          <a:lstStyle/>
+          <a:p>
+            <a:pPr algn="ctr"/>
+            <a:r>
+              <a:rPr lang="en-US" dirty="0"/>
+              <a:t>Pool Mining </a:t>
+            </a:r>
+          </a:p>
+        </p:txBody>
+      </p:sp>
+      <p:pic>
+        <p:nvPicPr>
+          <p:cNvPr id="23" name="תמונה 22">
+            <a:extLst>
+              <a:ext uri="{FF2B5EF4-FFF2-40B4-BE49-F238E27FC236}">
+                <a16:creationId xmlns:a16="http://schemas.microsoft.com/office/drawing/2014/main" id="{28ABCF65-2309-4143-98A0-6D3973CB5ABE}"/>
+              </a:ext>
+            </a:extLst>
+          </p:cNvPr>
+          <p:cNvPicPr>
+            <a:picLocks noChangeAspect="1"/>
+          </p:cNvPicPr>
+          <p:nvPr/>
+        </p:nvPicPr>
+        <p:blipFill>
+          <a:blip r:embed="rId2">
+            <a:extLst>
+              <a:ext uri="{28A0092B-C50C-407E-A947-70E740481C1C}">
+                <a14:useLocalDpi xmlns:a14="http://schemas.microsoft.com/office/drawing/2010/main" val="0"/>
+              </a:ext>
+            </a:extLst>
+          </a:blip>
+          <a:stretch>
+            <a:fillRect/>
+          </a:stretch>
+        </p:blipFill>
+        <p:spPr>
+          <a:xfrm>
+            <a:off x="8739016" y="2478576"/>
+            <a:ext cx="2651126" cy="1325563"/>
+          </a:xfrm>
+          <a:prstGeom prst="rect">
+            <a:avLst/>
+          </a:prstGeom>
+        </p:spPr>
+      </p:pic>
+      <p:pic>
+        <p:nvPicPr>
+          <p:cNvPr id="25" name="תמונה 24">
+            <a:extLst>
+              <a:ext uri="{FF2B5EF4-FFF2-40B4-BE49-F238E27FC236}">
+                <a16:creationId xmlns:a16="http://schemas.microsoft.com/office/drawing/2014/main" id="{34B3BD7E-8AF6-4807-B708-5AD521F75C6D}"/>
+              </a:ext>
+            </a:extLst>
+          </p:cNvPr>
+          <p:cNvPicPr>
+            <a:picLocks noChangeAspect="1"/>
+          </p:cNvPicPr>
+          <p:nvPr/>
+        </p:nvPicPr>
+        <p:blipFill>
+          <a:blip r:embed="rId3">
+            <a:extLst>
+              <a:ext uri="{28A0092B-C50C-407E-A947-70E740481C1C}">
+                <a14:useLocalDpi xmlns:a14="http://schemas.microsoft.com/office/drawing/2010/main" val="0"/>
+              </a:ext>
+            </a:extLst>
+          </a:blip>
+          <a:stretch>
+            <a:fillRect/>
+          </a:stretch>
+        </p:blipFill>
+        <p:spPr>
+          <a:xfrm>
+            <a:off x="4950656" y="2715065"/>
+            <a:ext cx="1365738" cy="1365738"/>
+          </a:xfrm>
+          <a:prstGeom prst="rect">
+            <a:avLst/>
+          </a:prstGeom>
+        </p:spPr>
+      </p:pic>
+      <p:cxnSp>
+        <p:nvCxnSpPr>
+          <p:cNvPr id="27" name="מחבר: מרפקי 26">
+            <a:extLst>
+              <a:ext uri="{FF2B5EF4-FFF2-40B4-BE49-F238E27FC236}">
+                <a16:creationId xmlns:a16="http://schemas.microsoft.com/office/drawing/2014/main" id="{A03D8BE9-AE2F-47E9-A383-09C6004A1017}"/>
+              </a:ext>
+            </a:extLst>
+          </p:cNvPr>
+          <p:cNvCxnSpPr/>
+          <p:nvPr/>
+        </p:nvCxnSpPr>
+        <p:spPr>
+          <a:xfrm rot="10800000" flipV="1">
+            <a:off x="6096000" y="2715064"/>
+            <a:ext cx="2643016" cy="590843"/>
+          </a:xfrm>
+          <a:prstGeom prst="bentConnector3">
+            <a:avLst/>
+          </a:prstGeom>
+          <a:ln>
+            <a:tailEnd type="triangle"/>
+          </a:ln>
+        </p:spPr>
+        <p:style>
+          <a:lnRef idx="1">
+            <a:schemeClr val="accent1"/>
+          </a:lnRef>
+          <a:fillRef idx="0">
+            <a:schemeClr val="accent1"/>
+          </a:fillRef>
+          <a:effectRef idx="0">
+            <a:schemeClr val="accent1"/>
+          </a:effectRef>
+          <a:fontRef idx="minor">
+            <a:schemeClr val="tx1"/>
+          </a:fontRef>
+        </p:style>
+      </p:cxnSp>
+      <p:pic>
+        <p:nvPicPr>
+          <p:cNvPr id="44" name="תמונה 43">
+            <a:extLst>
+              <a:ext uri="{FF2B5EF4-FFF2-40B4-BE49-F238E27FC236}">
+                <a16:creationId xmlns:a16="http://schemas.microsoft.com/office/drawing/2014/main" id="{49403C56-A35F-40A1-98B1-48EE99E71524}"/>
+              </a:ext>
+            </a:extLst>
+          </p:cNvPr>
+          <p:cNvPicPr>
+            <a:picLocks noChangeAspect="1"/>
+          </p:cNvPicPr>
+          <p:nvPr/>
+        </p:nvPicPr>
+        <p:blipFill>
+          <a:blip r:embed="rId4">
+            <a:extLst>
+              <a:ext uri="{28A0092B-C50C-407E-A947-70E740481C1C}">
+                <a14:useLocalDpi xmlns:a14="http://schemas.microsoft.com/office/drawing/2010/main" val="0"/>
+              </a:ext>
+            </a:extLst>
+          </a:blip>
+          <a:stretch>
+            <a:fillRect/>
+          </a:stretch>
+        </p:blipFill>
+        <p:spPr>
+          <a:xfrm>
+            <a:off x="1843460" y="5083865"/>
+            <a:ext cx="752550" cy="717274"/>
+          </a:xfrm>
+          <a:prstGeom prst="rect">
+            <a:avLst/>
+          </a:prstGeom>
+        </p:spPr>
+      </p:pic>
+      <p:pic>
+        <p:nvPicPr>
+          <p:cNvPr id="45" name="תמונה 44">
+            <a:extLst>
+              <a:ext uri="{FF2B5EF4-FFF2-40B4-BE49-F238E27FC236}">
+                <a16:creationId xmlns:a16="http://schemas.microsoft.com/office/drawing/2014/main" id="{415D2602-020E-4D2F-91B6-4E719E0F14DF}"/>
+              </a:ext>
+            </a:extLst>
+          </p:cNvPr>
+          <p:cNvPicPr>
+            <a:picLocks noChangeAspect="1"/>
+          </p:cNvPicPr>
+          <p:nvPr/>
+        </p:nvPicPr>
+        <p:blipFill>
+          <a:blip r:embed="rId4">
+            <a:extLst>
+              <a:ext uri="{28A0092B-C50C-407E-A947-70E740481C1C}">
+                <a14:useLocalDpi xmlns:a14="http://schemas.microsoft.com/office/drawing/2010/main" val="0"/>
+              </a:ext>
+            </a:extLst>
+          </a:blip>
+          <a:stretch>
+            <a:fillRect/>
+          </a:stretch>
+        </p:blipFill>
+        <p:spPr>
+          <a:xfrm>
+            <a:off x="1758253" y="3418999"/>
+            <a:ext cx="752550" cy="717274"/>
+          </a:xfrm>
+          <a:prstGeom prst="rect">
+            <a:avLst/>
+          </a:prstGeom>
+        </p:spPr>
+      </p:pic>
+      <p:pic>
+        <p:nvPicPr>
+          <p:cNvPr id="46" name="תמונה 45">
+            <a:extLst>
+              <a:ext uri="{FF2B5EF4-FFF2-40B4-BE49-F238E27FC236}">
+                <a16:creationId xmlns:a16="http://schemas.microsoft.com/office/drawing/2014/main" id="{48992091-FDAF-47DE-8BA6-CDFF2CA42014}"/>
+              </a:ext>
+            </a:extLst>
+          </p:cNvPr>
+          <p:cNvPicPr>
+            <a:picLocks noChangeAspect="1"/>
+          </p:cNvPicPr>
+          <p:nvPr/>
+        </p:nvPicPr>
+        <p:blipFill>
+          <a:blip r:embed="rId4">
+            <a:extLst>
+              <a:ext uri="{28A0092B-C50C-407E-A947-70E740481C1C}">
+                <a14:useLocalDpi xmlns:a14="http://schemas.microsoft.com/office/drawing/2010/main" val="0"/>
+              </a:ext>
+            </a:extLst>
+          </a:blip>
+          <a:stretch>
+            <a:fillRect/>
+          </a:stretch>
+        </p:blipFill>
+        <p:spPr>
+          <a:xfrm>
+            <a:off x="1770937" y="2270528"/>
+            <a:ext cx="752550" cy="717274"/>
+          </a:xfrm>
+          <a:prstGeom prst="rect">
+            <a:avLst/>
+          </a:prstGeom>
+        </p:spPr>
+      </p:pic>
+      <p:pic>
+        <p:nvPicPr>
+          <p:cNvPr id="47" name="תמונה 46">
+            <a:extLst>
+              <a:ext uri="{FF2B5EF4-FFF2-40B4-BE49-F238E27FC236}">
+                <a16:creationId xmlns:a16="http://schemas.microsoft.com/office/drawing/2014/main" id="{44A62A51-7F52-4FCD-90B5-F1B5A07F1FB6}"/>
+              </a:ext>
+            </a:extLst>
+          </p:cNvPr>
+          <p:cNvPicPr>
+            <a:picLocks noChangeAspect="1"/>
+          </p:cNvPicPr>
+          <p:nvPr/>
+        </p:nvPicPr>
+        <p:blipFill>
+          <a:blip r:embed="rId4">
+            <a:extLst>
+              <a:ext uri="{28A0092B-C50C-407E-A947-70E740481C1C}">
+                <a14:useLocalDpi xmlns:a14="http://schemas.microsoft.com/office/drawing/2010/main" val="0"/>
+              </a:ext>
+            </a:extLst>
+          </a:blip>
+          <a:stretch>
+            <a:fillRect/>
+          </a:stretch>
+        </p:blipFill>
+        <p:spPr>
+          <a:xfrm>
+            <a:off x="1862546" y="1100061"/>
+            <a:ext cx="752550" cy="717274"/>
+          </a:xfrm>
+          <a:prstGeom prst="rect">
+            <a:avLst/>
+          </a:prstGeom>
+        </p:spPr>
+      </p:pic>
+      <p:pic>
+        <p:nvPicPr>
+          <p:cNvPr id="49" name="תמונה 48">
+            <a:extLst>
+              <a:ext uri="{FF2B5EF4-FFF2-40B4-BE49-F238E27FC236}">
+                <a16:creationId xmlns:a16="http://schemas.microsoft.com/office/drawing/2014/main" id="{4821D080-8E9C-464D-9DE1-50911AFCC31C}"/>
+              </a:ext>
+            </a:extLst>
+          </p:cNvPr>
+          <p:cNvPicPr>
+            <a:picLocks noChangeAspect="1"/>
+          </p:cNvPicPr>
+          <p:nvPr/>
+        </p:nvPicPr>
+        <p:blipFill>
+          <a:blip r:embed="rId5">
+            <a:extLst>
+              <a:ext uri="{28A0092B-C50C-407E-A947-70E740481C1C}">
+                <a14:useLocalDpi xmlns:a14="http://schemas.microsoft.com/office/drawing/2010/main" val="0"/>
+              </a:ext>
+            </a:extLst>
+          </a:blip>
+          <a:stretch>
+            <a:fillRect/>
+          </a:stretch>
+        </p:blipFill>
+        <p:spPr>
+          <a:xfrm>
+            <a:off x="7478858" y="1952226"/>
+            <a:ext cx="1084614" cy="719146"/>
+          </a:xfrm>
+          <a:prstGeom prst="rect">
+            <a:avLst/>
+          </a:prstGeom>
+        </p:spPr>
+      </p:pic>
+    </p:spTree>
+    <p:extLst>
+      <p:ext uri="{BB962C8B-B14F-4D97-AF65-F5344CB8AC3E}">
+        <p14:creationId xmlns:p14="http://schemas.microsoft.com/office/powerpoint/2010/main" val="564155298"/>
+      </p:ext>
+    </p:extLst>
+  </p:cSld>
+  <p:clrMapOvr>
+    <a:masterClrMapping/>
+  </p:clrMapOvr>
+</p:sld>
+</file>
+
+<file path=ppt/slides/slide6.xml><?xml version="1.0" encoding="utf-8"?>
+<p:sld xmlns:a="http://schemas.openxmlformats.org/drawingml/2006/main" xmlns:r="http://schemas.openxmlformats.org/officeDocument/2006/relationships" xmlns:p="http://schemas.openxmlformats.org/presentationml/2006/main">
+  <p:cSld>
+    <p:spTree>
+      <p:nvGrpSpPr>
+        <p:cNvPr id="1" name=""/>
+        <p:cNvGrpSpPr/>
+        <p:nvPr/>
+      </p:nvGrpSpPr>
+      <p:grpSpPr>
+        <a:xfrm>
+          <a:off x="0" y="0"/>
+          <a:ext cx="0" cy="0"/>
+          <a:chOff x="0" y="0"/>
+          <a:chExt cx="0" cy="0"/>
+        </a:xfrm>
+      </p:grpSpPr>
+      <p:pic>
+        <p:nvPicPr>
+          <p:cNvPr id="71" name="תמונה 70">
+            <a:extLst>
+              <a:ext uri="{FF2B5EF4-FFF2-40B4-BE49-F238E27FC236}">
+                <a16:creationId xmlns:a16="http://schemas.microsoft.com/office/drawing/2014/main" id="{08691FBE-3710-4662-8CFB-3BD2882490E1}"/>
+              </a:ext>
+            </a:extLst>
+          </p:cNvPr>
+          <p:cNvPicPr>
+            <a:picLocks noChangeAspect="1"/>
+          </p:cNvPicPr>
+          <p:nvPr/>
+        </p:nvPicPr>
+        <p:blipFill>
+          <a:blip r:embed="rId2">
+            <a:extLst>
+              <a:ext uri="{28A0092B-C50C-407E-A947-70E740481C1C}">
+                <a14:useLocalDpi xmlns:a14="http://schemas.microsoft.com/office/drawing/2010/main" val="0"/>
+              </a:ext>
+            </a:extLst>
+          </a:blip>
+          <a:stretch>
+            <a:fillRect/>
+          </a:stretch>
+        </p:blipFill>
+        <p:spPr>
+          <a:xfrm>
+            <a:off x="4084634" y="3033565"/>
+            <a:ext cx="1084614" cy="719146"/>
+          </a:xfrm>
+          <a:prstGeom prst="rect">
+            <a:avLst/>
+          </a:prstGeom>
+        </p:spPr>
+      </p:pic>
+      <p:sp>
+        <p:nvSpPr>
+          <p:cNvPr id="2" name="כותרת 1">
+            <a:extLst>
+              <a:ext uri="{FF2B5EF4-FFF2-40B4-BE49-F238E27FC236}">
+                <a16:creationId xmlns:a16="http://schemas.microsoft.com/office/drawing/2014/main" id="{9179A7BF-343A-4697-A794-0078A4509BAD}"/>
+              </a:ext>
+            </a:extLst>
+          </p:cNvPr>
+          <p:cNvSpPr>
+            <a:spLocks noGrp="1"/>
+          </p:cNvSpPr>
+          <p:nvPr>
+            <p:ph type="title"/>
+          </p:nvPr>
+        </p:nvSpPr>
+        <p:spPr/>
+        <p:txBody>
+          <a:bodyPr/>
+          <a:lstStyle/>
+          <a:p>
+            <a:pPr algn="ctr"/>
+            <a:r>
+              <a:rPr lang="en-US" dirty="0"/>
+              <a:t>Pool Mining </a:t>
+            </a:r>
+          </a:p>
+        </p:txBody>
+      </p:sp>
+      <p:pic>
+        <p:nvPicPr>
+          <p:cNvPr id="23" name="תמונה 22">
+            <a:extLst>
+              <a:ext uri="{FF2B5EF4-FFF2-40B4-BE49-F238E27FC236}">
+                <a16:creationId xmlns:a16="http://schemas.microsoft.com/office/drawing/2014/main" id="{28ABCF65-2309-4143-98A0-6D3973CB5ABE}"/>
+              </a:ext>
+            </a:extLst>
+          </p:cNvPr>
+          <p:cNvPicPr>
+            <a:picLocks noChangeAspect="1"/>
+          </p:cNvPicPr>
+          <p:nvPr/>
+        </p:nvPicPr>
+        <p:blipFill>
+          <a:blip r:embed="rId3">
+            <a:extLst>
+              <a:ext uri="{28A0092B-C50C-407E-A947-70E740481C1C}">
+                <a14:useLocalDpi xmlns:a14="http://schemas.microsoft.com/office/drawing/2010/main" val="0"/>
+              </a:ext>
+            </a:extLst>
+          </a:blip>
+          <a:stretch>
+            <a:fillRect/>
+          </a:stretch>
+        </p:blipFill>
+        <p:spPr>
+          <a:xfrm>
+            <a:off x="8739016" y="2478576"/>
+            <a:ext cx="2651126" cy="1325563"/>
+          </a:xfrm>
+          <a:prstGeom prst="rect">
+            <a:avLst/>
+          </a:prstGeom>
+        </p:spPr>
+      </p:pic>
+      <p:pic>
+        <p:nvPicPr>
+          <p:cNvPr id="25" name="תמונה 24">
+            <a:extLst>
+              <a:ext uri="{FF2B5EF4-FFF2-40B4-BE49-F238E27FC236}">
+                <a16:creationId xmlns:a16="http://schemas.microsoft.com/office/drawing/2014/main" id="{34B3BD7E-8AF6-4807-B708-5AD521F75C6D}"/>
+              </a:ext>
+            </a:extLst>
+          </p:cNvPr>
+          <p:cNvPicPr>
+            <a:picLocks noChangeAspect="1"/>
+          </p:cNvPicPr>
+          <p:nvPr/>
+        </p:nvPicPr>
+        <p:blipFill>
+          <a:blip r:embed="rId4">
+            <a:extLst>
+              <a:ext uri="{28A0092B-C50C-407E-A947-70E740481C1C}">
+                <a14:useLocalDpi xmlns:a14="http://schemas.microsoft.com/office/drawing/2010/main" val="0"/>
+              </a:ext>
+            </a:extLst>
+          </a:blip>
+          <a:stretch>
+            <a:fillRect/>
+          </a:stretch>
+        </p:blipFill>
+        <p:spPr>
+          <a:xfrm>
+            <a:off x="4950656" y="2715065"/>
+            <a:ext cx="1365738" cy="1365738"/>
+          </a:xfrm>
+          <a:prstGeom prst="rect">
+            <a:avLst/>
+          </a:prstGeom>
+        </p:spPr>
+      </p:pic>
+      <p:cxnSp>
+        <p:nvCxnSpPr>
+          <p:cNvPr id="27" name="מחבר: מרפקי 26">
+            <a:extLst>
+              <a:ext uri="{FF2B5EF4-FFF2-40B4-BE49-F238E27FC236}">
+                <a16:creationId xmlns:a16="http://schemas.microsoft.com/office/drawing/2014/main" id="{A03D8BE9-AE2F-47E9-A383-09C6004A1017}"/>
+              </a:ext>
+            </a:extLst>
+          </p:cNvPr>
+          <p:cNvCxnSpPr/>
+          <p:nvPr/>
+        </p:nvCxnSpPr>
+        <p:spPr>
+          <a:xfrm rot="10800000" flipV="1">
+            <a:off x="6096000" y="2715064"/>
+            <a:ext cx="2643016" cy="590843"/>
+          </a:xfrm>
+          <a:prstGeom prst="bentConnector3">
+            <a:avLst/>
+          </a:prstGeom>
+          <a:ln>
+            <a:tailEnd type="triangle"/>
+          </a:ln>
+        </p:spPr>
+        <p:style>
+          <a:lnRef idx="1">
+            <a:schemeClr val="accent1"/>
+          </a:lnRef>
+          <a:fillRef idx="0">
+            <a:schemeClr val="accent1"/>
+          </a:fillRef>
+          <a:effectRef idx="0">
+            <a:schemeClr val="accent1"/>
+          </a:effectRef>
+          <a:fontRef idx="minor">
+            <a:schemeClr val="tx1"/>
+          </a:fontRef>
+        </p:style>
+      </p:cxnSp>
+      <p:cxnSp>
+        <p:nvCxnSpPr>
+          <p:cNvPr id="30" name="מחבר: מעוקל 29">
+            <a:extLst>
+              <a:ext uri="{FF2B5EF4-FFF2-40B4-BE49-F238E27FC236}">
+                <a16:creationId xmlns:a16="http://schemas.microsoft.com/office/drawing/2014/main" id="{455CE680-A78E-47B7-8BFD-86E9B206B156}"/>
+              </a:ext>
+            </a:extLst>
+          </p:cNvPr>
+          <p:cNvCxnSpPr>
+            <a:cxnSpLocks/>
+          </p:cNvCxnSpPr>
+          <p:nvPr/>
+        </p:nvCxnSpPr>
+        <p:spPr>
+          <a:xfrm rot="10800000">
+            <a:off x="2596011" y="1476538"/>
+            <a:ext cx="2625349" cy="1412436"/>
+          </a:xfrm>
+          <a:prstGeom prst="curvedConnector3">
+            <a:avLst/>
+          </a:prstGeom>
+          <a:ln>
+            <a:tailEnd type="triangle"/>
+          </a:ln>
+        </p:spPr>
+        <p:style>
+          <a:lnRef idx="1">
+            <a:schemeClr val="accent1"/>
+          </a:lnRef>
+          <a:fillRef idx="0">
+            <a:schemeClr val="accent1"/>
+          </a:fillRef>
+          <a:effectRef idx="0">
+            <a:schemeClr val="accent1"/>
+          </a:effectRef>
+          <a:fontRef idx="minor">
+            <a:schemeClr val="tx1"/>
+          </a:fontRef>
+        </p:style>
+      </p:cxnSp>
+      <p:cxnSp>
+        <p:nvCxnSpPr>
+          <p:cNvPr id="31" name="מחבר: מעוקל 30">
+            <a:extLst>
+              <a:ext uri="{FF2B5EF4-FFF2-40B4-BE49-F238E27FC236}">
+                <a16:creationId xmlns:a16="http://schemas.microsoft.com/office/drawing/2014/main" id="{67F86254-536F-4E39-8363-DF20443C2429}"/>
+              </a:ext>
+            </a:extLst>
+          </p:cNvPr>
+          <p:cNvCxnSpPr>
+            <a:cxnSpLocks/>
+          </p:cNvCxnSpPr>
+          <p:nvPr/>
+        </p:nvCxnSpPr>
+        <p:spPr>
+          <a:xfrm rot="10800000">
+            <a:off x="2510803" y="2579350"/>
+            <a:ext cx="2872852" cy="686101"/>
+          </a:xfrm>
+          <a:prstGeom prst="curvedConnector3">
+            <a:avLst/>
+          </a:prstGeom>
+          <a:ln>
+            <a:tailEnd type="triangle"/>
+          </a:ln>
+        </p:spPr>
+        <p:style>
+          <a:lnRef idx="1">
+            <a:schemeClr val="accent1"/>
+          </a:lnRef>
+          <a:fillRef idx="0">
+            <a:schemeClr val="accent1"/>
+          </a:fillRef>
+          <a:effectRef idx="0">
+            <a:schemeClr val="accent1"/>
+          </a:effectRef>
+          <a:fontRef idx="minor">
+            <a:schemeClr val="tx1"/>
+          </a:fontRef>
+        </p:style>
+      </p:cxnSp>
+      <p:cxnSp>
+        <p:nvCxnSpPr>
+          <p:cNvPr id="32" name="מחבר: מעוקל 31">
+            <a:extLst>
+              <a:ext uri="{FF2B5EF4-FFF2-40B4-BE49-F238E27FC236}">
+                <a16:creationId xmlns:a16="http://schemas.microsoft.com/office/drawing/2014/main" id="{CE12DDCC-3A30-4D50-B110-2E1DBF798704}"/>
+              </a:ext>
+            </a:extLst>
+          </p:cNvPr>
+          <p:cNvCxnSpPr>
+            <a:cxnSpLocks/>
+          </p:cNvCxnSpPr>
+          <p:nvPr/>
+        </p:nvCxnSpPr>
+        <p:spPr>
+          <a:xfrm rot="10800000">
+            <a:off x="2510803" y="3602962"/>
+            <a:ext cx="2671196" cy="12700"/>
+          </a:xfrm>
+          <a:prstGeom prst="curvedConnector3">
+            <a:avLst/>
+          </a:prstGeom>
+          <a:ln>
+            <a:tailEnd type="triangle"/>
+          </a:ln>
+        </p:spPr>
+        <p:style>
+          <a:lnRef idx="1">
+            <a:schemeClr val="accent1"/>
+          </a:lnRef>
+          <a:fillRef idx="0">
+            <a:schemeClr val="accent1"/>
+          </a:fillRef>
+          <a:effectRef idx="0">
+            <a:schemeClr val="accent1"/>
+          </a:effectRef>
+          <a:fontRef idx="minor">
+            <a:schemeClr val="tx1"/>
+          </a:fontRef>
+        </p:style>
+      </p:cxnSp>
+      <p:cxnSp>
+        <p:nvCxnSpPr>
+          <p:cNvPr id="33" name="מחבר: מעוקל 32">
+            <a:extLst>
+              <a:ext uri="{FF2B5EF4-FFF2-40B4-BE49-F238E27FC236}">
+                <a16:creationId xmlns:a16="http://schemas.microsoft.com/office/drawing/2014/main" id="{B0932318-6522-42D0-A885-D27B42D5D264}"/>
+              </a:ext>
+            </a:extLst>
+          </p:cNvPr>
+          <p:cNvCxnSpPr>
+            <a:cxnSpLocks/>
+          </p:cNvCxnSpPr>
+          <p:nvPr/>
+        </p:nvCxnSpPr>
+        <p:spPr>
+          <a:xfrm rot="10800000" flipV="1">
+            <a:off x="2596011" y="3777636"/>
+            <a:ext cx="2665107" cy="1541694"/>
+          </a:xfrm>
+          <a:prstGeom prst="curvedConnector3">
+            <a:avLst>
+              <a:gd name="adj1" fmla="val 50000"/>
+            </a:avLst>
+          </a:prstGeom>
+          <a:ln>
+            <a:tailEnd type="triangle"/>
+          </a:ln>
+        </p:spPr>
+        <p:style>
+          <a:lnRef idx="1">
+            <a:schemeClr val="accent1"/>
+          </a:lnRef>
+          <a:fillRef idx="0">
+            <a:schemeClr val="accent1"/>
+          </a:fillRef>
+          <a:effectRef idx="0">
+            <a:schemeClr val="accent1"/>
+          </a:effectRef>
+          <a:fontRef idx="minor">
+            <a:schemeClr val="tx1"/>
+          </a:fontRef>
+        </p:style>
+      </p:cxnSp>
+      <p:pic>
+        <p:nvPicPr>
+          <p:cNvPr id="44" name="תמונה 43">
+            <a:extLst>
+              <a:ext uri="{FF2B5EF4-FFF2-40B4-BE49-F238E27FC236}">
+                <a16:creationId xmlns:a16="http://schemas.microsoft.com/office/drawing/2014/main" id="{49403C56-A35F-40A1-98B1-48EE99E71524}"/>
+              </a:ext>
+            </a:extLst>
+          </p:cNvPr>
+          <p:cNvPicPr>
+            <a:picLocks noChangeAspect="1"/>
+          </p:cNvPicPr>
+          <p:nvPr/>
+        </p:nvPicPr>
+        <p:blipFill>
+          <a:blip r:embed="rId5">
+            <a:extLst>
+              <a:ext uri="{28A0092B-C50C-407E-A947-70E740481C1C}">
+                <a14:useLocalDpi xmlns:a14="http://schemas.microsoft.com/office/drawing/2010/main" val="0"/>
+              </a:ext>
+            </a:extLst>
+          </a:blip>
+          <a:stretch>
+            <a:fillRect/>
+          </a:stretch>
+        </p:blipFill>
+        <p:spPr>
+          <a:xfrm>
+            <a:off x="1843460" y="5083865"/>
+            <a:ext cx="752550" cy="717274"/>
+          </a:xfrm>
+          <a:prstGeom prst="rect">
+            <a:avLst/>
+          </a:prstGeom>
+        </p:spPr>
+      </p:pic>
+      <p:pic>
+        <p:nvPicPr>
+          <p:cNvPr id="45" name="תמונה 44">
+            <a:extLst>
+              <a:ext uri="{FF2B5EF4-FFF2-40B4-BE49-F238E27FC236}">
+                <a16:creationId xmlns:a16="http://schemas.microsoft.com/office/drawing/2014/main" id="{415D2602-020E-4D2F-91B6-4E719E0F14DF}"/>
+              </a:ext>
+            </a:extLst>
+          </p:cNvPr>
+          <p:cNvPicPr>
+            <a:picLocks noChangeAspect="1"/>
+          </p:cNvPicPr>
+          <p:nvPr/>
+        </p:nvPicPr>
+        <p:blipFill>
+          <a:blip r:embed="rId5">
+            <a:extLst>
+              <a:ext uri="{28A0092B-C50C-407E-A947-70E740481C1C}">
+                <a14:useLocalDpi xmlns:a14="http://schemas.microsoft.com/office/drawing/2010/main" val="0"/>
+              </a:ext>
+            </a:extLst>
+          </a:blip>
+          <a:stretch>
+            <a:fillRect/>
+          </a:stretch>
+        </p:blipFill>
+        <p:spPr>
+          <a:xfrm>
+            <a:off x="1758253" y="3418999"/>
+            <a:ext cx="752550" cy="717274"/>
+          </a:xfrm>
+          <a:prstGeom prst="rect">
+            <a:avLst/>
+          </a:prstGeom>
+        </p:spPr>
+      </p:pic>
+      <p:pic>
+        <p:nvPicPr>
+          <p:cNvPr id="46" name="תמונה 45">
+            <a:extLst>
+              <a:ext uri="{FF2B5EF4-FFF2-40B4-BE49-F238E27FC236}">
+                <a16:creationId xmlns:a16="http://schemas.microsoft.com/office/drawing/2014/main" id="{48992091-FDAF-47DE-8BA6-CDFF2CA42014}"/>
+              </a:ext>
+            </a:extLst>
+          </p:cNvPr>
+          <p:cNvPicPr>
+            <a:picLocks noChangeAspect="1"/>
+          </p:cNvPicPr>
+          <p:nvPr/>
+        </p:nvPicPr>
+        <p:blipFill>
+          <a:blip r:embed="rId5">
+            <a:extLst>
+              <a:ext uri="{28A0092B-C50C-407E-A947-70E740481C1C}">
+                <a14:useLocalDpi xmlns:a14="http://schemas.microsoft.com/office/drawing/2010/main" val="0"/>
+              </a:ext>
+            </a:extLst>
+          </a:blip>
+          <a:stretch>
+            <a:fillRect/>
+          </a:stretch>
+        </p:blipFill>
+        <p:spPr>
+          <a:xfrm>
+            <a:off x="1770937" y="2270528"/>
+            <a:ext cx="752550" cy="717274"/>
+          </a:xfrm>
+          <a:prstGeom prst="rect">
+            <a:avLst/>
+          </a:prstGeom>
+        </p:spPr>
+      </p:pic>
+      <p:pic>
+        <p:nvPicPr>
+          <p:cNvPr id="47" name="תמונה 46">
+            <a:extLst>
+              <a:ext uri="{FF2B5EF4-FFF2-40B4-BE49-F238E27FC236}">
+                <a16:creationId xmlns:a16="http://schemas.microsoft.com/office/drawing/2014/main" id="{44A62A51-7F52-4FCD-90B5-F1B5A07F1FB6}"/>
+              </a:ext>
+            </a:extLst>
+          </p:cNvPr>
+          <p:cNvPicPr>
+            <a:picLocks noChangeAspect="1"/>
+          </p:cNvPicPr>
+          <p:nvPr/>
+        </p:nvPicPr>
+        <p:blipFill>
+          <a:blip r:embed="rId5">
+            <a:extLst>
+              <a:ext uri="{28A0092B-C50C-407E-A947-70E740481C1C}">
+                <a14:useLocalDpi xmlns:a14="http://schemas.microsoft.com/office/drawing/2010/main" val="0"/>
+              </a:ext>
+            </a:extLst>
+          </a:blip>
+          <a:stretch>
+            <a:fillRect/>
+          </a:stretch>
+        </p:blipFill>
+        <p:spPr>
+          <a:xfrm>
+            <a:off x="1862546" y="1100061"/>
+            <a:ext cx="752550" cy="717274"/>
+          </a:xfrm>
+          <a:prstGeom prst="rect">
+            <a:avLst/>
+          </a:prstGeom>
+        </p:spPr>
+      </p:pic>
+      <p:pic>
+        <p:nvPicPr>
+          <p:cNvPr id="49" name="תמונה 48">
+            <a:extLst>
+              <a:ext uri="{FF2B5EF4-FFF2-40B4-BE49-F238E27FC236}">
+                <a16:creationId xmlns:a16="http://schemas.microsoft.com/office/drawing/2014/main" id="{4821D080-8E9C-464D-9DE1-50911AFCC31C}"/>
+              </a:ext>
+            </a:extLst>
+          </p:cNvPr>
+          <p:cNvPicPr>
+            <a:picLocks noChangeAspect="1"/>
+          </p:cNvPicPr>
+          <p:nvPr/>
+        </p:nvPicPr>
+        <p:blipFill>
+          <a:blip r:embed="rId2">
+            <a:extLst>
+              <a:ext uri="{28A0092B-C50C-407E-A947-70E740481C1C}">
+                <a14:useLocalDpi xmlns:a14="http://schemas.microsoft.com/office/drawing/2010/main" val="0"/>
+              </a:ext>
+            </a:extLst>
+          </a:blip>
+          <a:stretch>
+            <a:fillRect/>
+          </a:stretch>
+        </p:blipFill>
+        <p:spPr>
+          <a:xfrm>
+            <a:off x="7478858" y="1952226"/>
+            <a:ext cx="1084614" cy="719146"/>
+          </a:xfrm>
+          <a:prstGeom prst="rect">
+            <a:avLst/>
+          </a:prstGeom>
+        </p:spPr>
+      </p:pic>
+    </p:spTree>
+    <p:extLst>
+      <p:ext uri="{BB962C8B-B14F-4D97-AF65-F5344CB8AC3E}">
+        <p14:creationId xmlns:p14="http://schemas.microsoft.com/office/powerpoint/2010/main" val="4049812658"/>
       </p:ext>
     </p:extLst>
   </p:cSld>
@@ -6587,12 +11717,48 @@
           <a:chExt cx="0" cy="0"/>
         </a:xfrm>
       </p:grpSpPr>
+      <p:pic>
+        <p:nvPicPr>
+          <p:cNvPr id="71" name="תמונה 70">
+            <a:extLst>
+              <a:ext uri="{FF2B5EF4-FFF2-40B4-BE49-F238E27FC236}">
+                <a16:creationId xmlns:a16="http://schemas.microsoft.com/office/drawing/2014/main" id="{08691FBE-3710-4662-8CFB-3BD2882490E1}"/>
+              </a:ext>
+            </a:extLst>
+          </p:cNvPr>
+          <p:cNvPicPr>
+            <a:picLocks noChangeAspect="1"/>
+          </p:cNvPicPr>
+          <p:nvPr/>
+        </p:nvPicPr>
+        <p:blipFill>
+          <a:blip r:embed="rId2">
+            <a:extLst>
+              <a:ext uri="{28A0092B-C50C-407E-A947-70E740481C1C}">
+                <a14:useLocalDpi xmlns:a14="http://schemas.microsoft.com/office/drawing/2010/main" val="0"/>
+              </a:ext>
+            </a:extLst>
+          </a:blip>
+          <a:stretch>
+            <a:fillRect/>
+          </a:stretch>
+        </p:blipFill>
+        <p:spPr>
+          <a:xfrm>
+            <a:off x="4084634" y="3033565"/>
+            <a:ext cx="1084614" cy="719146"/>
+          </a:xfrm>
+          <a:prstGeom prst="rect">
+            <a:avLst/>
+          </a:prstGeom>
+        </p:spPr>
+      </p:pic>
       <p:sp>
         <p:nvSpPr>
           <p:cNvPr id="2" name="כותרת 1">
             <a:extLst>
               <a:ext uri="{FF2B5EF4-FFF2-40B4-BE49-F238E27FC236}">
-                <a16:creationId xmlns:a16="http://schemas.microsoft.com/office/drawing/2014/main" id="{C562EE16-7697-4D72-8162-893CEDC6AACB}"/>
+                <a16:creationId xmlns:a16="http://schemas.microsoft.com/office/drawing/2014/main" id="{9179A7BF-343A-4697-A794-0078A4509BAD}"/>
               </a:ext>
             </a:extLst>
           </p:cNvPr>
@@ -6611,56 +11777,712 @@
             <a:pPr algn="ctr"/>
             <a:r>
               <a:rPr lang="en-US" dirty="0"/>
-              <a:t>Block withholding attack</a:t>
+              <a:t>Pool Mining </a:t>
             </a:r>
           </a:p>
         </p:txBody>
       </p:sp>
-      <p:sp>
-        <p:nvSpPr>
-          <p:cNvPr id="3" name="מציין מיקום תוכן 2">
-            <a:extLst>
-              <a:ext uri="{FF2B5EF4-FFF2-40B4-BE49-F238E27FC236}">
-                <a16:creationId xmlns:a16="http://schemas.microsoft.com/office/drawing/2014/main" id="{55E15608-81E8-466F-8EC2-FCC4E3EBD796}"/>
-              </a:ext>
-            </a:extLst>
-          </p:cNvPr>
-          <p:cNvSpPr>
-            <a:spLocks noGrp="1"/>
-          </p:cNvSpPr>
-          <p:nvPr>
-            <p:ph idx="1"/>
-          </p:nvPr>
-        </p:nvSpPr>
-        <p:spPr/>
-        <p:txBody>
-          <a:bodyPr/>
-          <a:lstStyle/>
-          <a:p>
-            <a:pPr marL="0" indent="0">
-              <a:buNone/>
-            </a:pPr>
-            <a:r>
-              <a:rPr lang="he-IL" dirty="0"/>
-              <a:t>למה לא להשתמש בבלוק שהצלחתי למצוא?</a:t>
-            </a:r>
-          </a:p>
-          <a:p>
-            <a:pPr marL="0" indent="0">
-              <a:buNone/>
-            </a:pPr>
-            <a:r>
-              <a:rPr lang="he-IL" dirty="0"/>
-              <a:t>מכיוון שהפאזל מסומן, זה לא משנה אם תפרסם אותו הרווח יגיע למנהל הקבוצה.</a:t>
-            </a:r>
-            <a:endParaRPr lang="en-US" dirty="0"/>
-          </a:p>
-        </p:txBody>
-      </p:sp>
+      <p:pic>
+        <p:nvPicPr>
+          <p:cNvPr id="23" name="תמונה 22">
+            <a:extLst>
+              <a:ext uri="{FF2B5EF4-FFF2-40B4-BE49-F238E27FC236}">
+                <a16:creationId xmlns:a16="http://schemas.microsoft.com/office/drawing/2014/main" id="{28ABCF65-2309-4143-98A0-6D3973CB5ABE}"/>
+              </a:ext>
+            </a:extLst>
+          </p:cNvPr>
+          <p:cNvPicPr>
+            <a:picLocks noChangeAspect="1"/>
+          </p:cNvPicPr>
+          <p:nvPr/>
+        </p:nvPicPr>
+        <p:blipFill>
+          <a:blip r:embed="rId3">
+            <a:extLst>
+              <a:ext uri="{28A0092B-C50C-407E-A947-70E740481C1C}">
+                <a14:useLocalDpi xmlns:a14="http://schemas.microsoft.com/office/drawing/2010/main" val="0"/>
+              </a:ext>
+            </a:extLst>
+          </a:blip>
+          <a:stretch>
+            <a:fillRect/>
+          </a:stretch>
+        </p:blipFill>
+        <p:spPr>
+          <a:xfrm>
+            <a:off x="8739016" y="2478576"/>
+            <a:ext cx="2651126" cy="1325563"/>
+          </a:xfrm>
+          <a:prstGeom prst="rect">
+            <a:avLst/>
+          </a:prstGeom>
+        </p:spPr>
+      </p:pic>
+      <p:pic>
+        <p:nvPicPr>
+          <p:cNvPr id="25" name="תמונה 24">
+            <a:extLst>
+              <a:ext uri="{FF2B5EF4-FFF2-40B4-BE49-F238E27FC236}">
+                <a16:creationId xmlns:a16="http://schemas.microsoft.com/office/drawing/2014/main" id="{34B3BD7E-8AF6-4807-B708-5AD521F75C6D}"/>
+              </a:ext>
+            </a:extLst>
+          </p:cNvPr>
+          <p:cNvPicPr>
+            <a:picLocks noChangeAspect="1"/>
+          </p:cNvPicPr>
+          <p:nvPr/>
+        </p:nvPicPr>
+        <p:blipFill>
+          <a:blip r:embed="rId4">
+            <a:extLst>
+              <a:ext uri="{28A0092B-C50C-407E-A947-70E740481C1C}">
+                <a14:useLocalDpi xmlns:a14="http://schemas.microsoft.com/office/drawing/2010/main" val="0"/>
+              </a:ext>
+            </a:extLst>
+          </a:blip>
+          <a:stretch>
+            <a:fillRect/>
+          </a:stretch>
+        </p:blipFill>
+        <p:spPr>
+          <a:xfrm>
+            <a:off x="4950656" y="2715065"/>
+            <a:ext cx="1365738" cy="1365738"/>
+          </a:xfrm>
+          <a:prstGeom prst="rect">
+            <a:avLst/>
+          </a:prstGeom>
+        </p:spPr>
+      </p:pic>
+      <p:cxnSp>
+        <p:nvCxnSpPr>
+          <p:cNvPr id="27" name="מחבר: מרפקי 26">
+            <a:extLst>
+              <a:ext uri="{FF2B5EF4-FFF2-40B4-BE49-F238E27FC236}">
+                <a16:creationId xmlns:a16="http://schemas.microsoft.com/office/drawing/2014/main" id="{A03D8BE9-AE2F-47E9-A383-09C6004A1017}"/>
+              </a:ext>
+            </a:extLst>
+          </p:cNvPr>
+          <p:cNvCxnSpPr/>
+          <p:nvPr/>
+        </p:nvCxnSpPr>
+        <p:spPr>
+          <a:xfrm rot="10800000" flipV="1">
+            <a:off x="6096000" y="2715064"/>
+            <a:ext cx="2643016" cy="590843"/>
+          </a:xfrm>
+          <a:prstGeom prst="bentConnector3">
+            <a:avLst/>
+          </a:prstGeom>
+          <a:ln>
+            <a:tailEnd type="triangle"/>
+          </a:ln>
+        </p:spPr>
+        <p:style>
+          <a:lnRef idx="1">
+            <a:schemeClr val="accent1"/>
+          </a:lnRef>
+          <a:fillRef idx="0">
+            <a:schemeClr val="accent1"/>
+          </a:fillRef>
+          <a:effectRef idx="0">
+            <a:schemeClr val="accent1"/>
+          </a:effectRef>
+          <a:fontRef idx="minor">
+            <a:schemeClr val="tx1"/>
+          </a:fontRef>
+        </p:style>
+      </p:cxnSp>
+      <p:cxnSp>
+        <p:nvCxnSpPr>
+          <p:cNvPr id="30" name="מחבר: מעוקל 29">
+            <a:extLst>
+              <a:ext uri="{FF2B5EF4-FFF2-40B4-BE49-F238E27FC236}">
+                <a16:creationId xmlns:a16="http://schemas.microsoft.com/office/drawing/2014/main" id="{455CE680-A78E-47B7-8BFD-86E9B206B156}"/>
+              </a:ext>
+            </a:extLst>
+          </p:cNvPr>
+          <p:cNvCxnSpPr>
+            <a:cxnSpLocks/>
+          </p:cNvCxnSpPr>
+          <p:nvPr/>
+        </p:nvCxnSpPr>
+        <p:spPr>
+          <a:xfrm rot="10800000">
+            <a:off x="2596011" y="1476538"/>
+            <a:ext cx="2625349" cy="1412436"/>
+          </a:xfrm>
+          <a:prstGeom prst="curvedConnector3">
+            <a:avLst/>
+          </a:prstGeom>
+          <a:ln>
+            <a:tailEnd type="triangle"/>
+          </a:ln>
+        </p:spPr>
+        <p:style>
+          <a:lnRef idx="1">
+            <a:schemeClr val="accent1"/>
+          </a:lnRef>
+          <a:fillRef idx="0">
+            <a:schemeClr val="accent1"/>
+          </a:fillRef>
+          <a:effectRef idx="0">
+            <a:schemeClr val="accent1"/>
+          </a:effectRef>
+          <a:fontRef idx="minor">
+            <a:schemeClr val="tx1"/>
+          </a:fontRef>
+        </p:style>
+      </p:cxnSp>
+      <p:cxnSp>
+        <p:nvCxnSpPr>
+          <p:cNvPr id="31" name="מחבר: מעוקל 30">
+            <a:extLst>
+              <a:ext uri="{FF2B5EF4-FFF2-40B4-BE49-F238E27FC236}">
+                <a16:creationId xmlns:a16="http://schemas.microsoft.com/office/drawing/2014/main" id="{67F86254-536F-4E39-8363-DF20443C2429}"/>
+              </a:ext>
+            </a:extLst>
+          </p:cNvPr>
+          <p:cNvCxnSpPr>
+            <a:cxnSpLocks/>
+          </p:cNvCxnSpPr>
+          <p:nvPr/>
+        </p:nvCxnSpPr>
+        <p:spPr>
+          <a:xfrm rot="10800000">
+            <a:off x="2510803" y="2579350"/>
+            <a:ext cx="2872852" cy="686101"/>
+          </a:xfrm>
+          <a:prstGeom prst="curvedConnector3">
+            <a:avLst/>
+          </a:prstGeom>
+          <a:ln>
+            <a:tailEnd type="triangle"/>
+          </a:ln>
+        </p:spPr>
+        <p:style>
+          <a:lnRef idx="1">
+            <a:schemeClr val="accent1"/>
+          </a:lnRef>
+          <a:fillRef idx="0">
+            <a:schemeClr val="accent1"/>
+          </a:fillRef>
+          <a:effectRef idx="0">
+            <a:schemeClr val="accent1"/>
+          </a:effectRef>
+          <a:fontRef idx="minor">
+            <a:schemeClr val="tx1"/>
+          </a:fontRef>
+        </p:style>
+      </p:cxnSp>
+      <p:cxnSp>
+        <p:nvCxnSpPr>
+          <p:cNvPr id="32" name="מחבר: מעוקל 31">
+            <a:extLst>
+              <a:ext uri="{FF2B5EF4-FFF2-40B4-BE49-F238E27FC236}">
+                <a16:creationId xmlns:a16="http://schemas.microsoft.com/office/drawing/2014/main" id="{CE12DDCC-3A30-4D50-B110-2E1DBF798704}"/>
+              </a:ext>
+            </a:extLst>
+          </p:cNvPr>
+          <p:cNvCxnSpPr>
+            <a:cxnSpLocks/>
+          </p:cNvCxnSpPr>
+          <p:nvPr/>
+        </p:nvCxnSpPr>
+        <p:spPr>
+          <a:xfrm rot="10800000">
+            <a:off x="2510803" y="3602962"/>
+            <a:ext cx="2671196" cy="12700"/>
+          </a:xfrm>
+          <a:prstGeom prst="curvedConnector3">
+            <a:avLst/>
+          </a:prstGeom>
+          <a:ln>
+            <a:tailEnd type="triangle"/>
+          </a:ln>
+        </p:spPr>
+        <p:style>
+          <a:lnRef idx="1">
+            <a:schemeClr val="accent1"/>
+          </a:lnRef>
+          <a:fillRef idx="0">
+            <a:schemeClr val="accent1"/>
+          </a:fillRef>
+          <a:effectRef idx="0">
+            <a:schemeClr val="accent1"/>
+          </a:effectRef>
+          <a:fontRef idx="minor">
+            <a:schemeClr val="tx1"/>
+          </a:fontRef>
+        </p:style>
+      </p:cxnSp>
+      <p:cxnSp>
+        <p:nvCxnSpPr>
+          <p:cNvPr id="33" name="מחבר: מעוקל 32">
+            <a:extLst>
+              <a:ext uri="{FF2B5EF4-FFF2-40B4-BE49-F238E27FC236}">
+                <a16:creationId xmlns:a16="http://schemas.microsoft.com/office/drawing/2014/main" id="{B0932318-6522-42D0-A885-D27B42D5D264}"/>
+              </a:ext>
+            </a:extLst>
+          </p:cNvPr>
+          <p:cNvCxnSpPr>
+            <a:cxnSpLocks/>
+          </p:cNvCxnSpPr>
+          <p:nvPr/>
+        </p:nvCxnSpPr>
+        <p:spPr>
+          <a:xfrm rot="10800000" flipV="1">
+            <a:off x="2596011" y="3777636"/>
+            <a:ext cx="2665107" cy="1541694"/>
+          </a:xfrm>
+          <a:prstGeom prst="curvedConnector3">
+            <a:avLst>
+              <a:gd name="adj1" fmla="val 50000"/>
+            </a:avLst>
+          </a:prstGeom>
+          <a:ln>
+            <a:tailEnd type="triangle"/>
+          </a:ln>
+        </p:spPr>
+        <p:style>
+          <a:lnRef idx="1">
+            <a:schemeClr val="accent1"/>
+          </a:lnRef>
+          <a:fillRef idx="0">
+            <a:schemeClr val="accent1"/>
+          </a:fillRef>
+          <a:effectRef idx="0">
+            <a:schemeClr val="accent1"/>
+          </a:effectRef>
+          <a:fontRef idx="minor">
+            <a:schemeClr val="tx1"/>
+          </a:fontRef>
+        </p:style>
+      </p:cxnSp>
+      <p:pic>
+        <p:nvPicPr>
+          <p:cNvPr id="44" name="תמונה 43">
+            <a:extLst>
+              <a:ext uri="{FF2B5EF4-FFF2-40B4-BE49-F238E27FC236}">
+                <a16:creationId xmlns:a16="http://schemas.microsoft.com/office/drawing/2014/main" id="{49403C56-A35F-40A1-98B1-48EE99E71524}"/>
+              </a:ext>
+            </a:extLst>
+          </p:cNvPr>
+          <p:cNvPicPr>
+            <a:picLocks noChangeAspect="1"/>
+          </p:cNvPicPr>
+          <p:nvPr/>
+        </p:nvPicPr>
+        <p:blipFill>
+          <a:blip r:embed="rId5">
+            <a:extLst>
+              <a:ext uri="{28A0092B-C50C-407E-A947-70E740481C1C}">
+                <a14:useLocalDpi xmlns:a14="http://schemas.microsoft.com/office/drawing/2010/main" val="0"/>
+              </a:ext>
+            </a:extLst>
+          </a:blip>
+          <a:stretch>
+            <a:fillRect/>
+          </a:stretch>
+        </p:blipFill>
+        <p:spPr>
+          <a:xfrm>
+            <a:off x="1843460" y="5083865"/>
+            <a:ext cx="752550" cy="717274"/>
+          </a:xfrm>
+          <a:prstGeom prst="rect">
+            <a:avLst/>
+          </a:prstGeom>
+        </p:spPr>
+      </p:pic>
+      <p:pic>
+        <p:nvPicPr>
+          <p:cNvPr id="45" name="תמונה 44">
+            <a:extLst>
+              <a:ext uri="{FF2B5EF4-FFF2-40B4-BE49-F238E27FC236}">
+                <a16:creationId xmlns:a16="http://schemas.microsoft.com/office/drawing/2014/main" id="{415D2602-020E-4D2F-91B6-4E719E0F14DF}"/>
+              </a:ext>
+            </a:extLst>
+          </p:cNvPr>
+          <p:cNvPicPr>
+            <a:picLocks noChangeAspect="1"/>
+          </p:cNvPicPr>
+          <p:nvPr/>
+        </p:nvPicPr>
+        <p:blipFill>
+          <a:blip r:embed="rId5">
+            <a:extLst>
+              <a:ext uri="{28A0092B-C50C-407E-A947-70E740481C1C}">
+                <a14:useLocalDpi xmlns:a14="http://schemas.microsoft.com/office/drawing/2010/main" val="0"/>
+              </a:ext>
+            </a:extLst>
+          </a:blip>
+          <a:stretch>
+            <a:fillRect/>
+          </a:stretch>
+        </p:blipFill>
+        <p:spPr>
+          <a:xfrm>
+            <a:off x="1758253" y="3418999"/>
+            <a:ext cx="752550" cy="717274"/>
+          </a:xfrm>
+          <a:prstGeom prst="rect">
+            <a:avLst/>
+          </a:prstGeom>
+        </p:spPr>
+      </p:pic>
+      <p:pic>
+        <p:nvPicPr>
+          <p:cNvPr id="46" name="תמונה 45">
+            <a:extLst>
+              <a:ext uri="{FF2B5EF4-FFF2-40B4-BE49-F238E27FC236}">
+                <a16:creationId xmlns:a16="http://schemas.microsoft.com/office/drawing/2014/main" id="{48992091-FDAF-47DE-8BA6-CDFF2CA42014}"/>
+              </a:ext>
+            </a:extLst>
+          </p:cNvPr>
+          <p:cNvPicPr>
+            <a:picLocks noChangeAspect="1"/>
+          </p:cNvPicPr>
+          <p:nvPr/>
+        </p:nvPicPr>
+        <p:blipFill>
+          <a:blip r:embed="rId5">
+            <a:extLst>
+              <a:ext uri="{28A0092B-C50C-407E-A947-70E740481C1C}">
+                <a14:useLocalDpi xmlns:a14="http://schemas.microsoft.com/office/drawing/2010/main" val="0"/>
+              </a:ext>
+            </a:extLst>
+          </a:blip>
+          <a:stretch>
+            <a:fillRect/>
+          </a:stretch>
+        </p:blipFill>
+        <p:spPr>
+          <a:xfrm>
+            <a:off x="1770937" y="2270528"/>
+            <a:ext cx="752550" cy="717274"/>
+          </a:xfrm>
+          <a:prstGeom prst="rect">
+            <a:avLst/>
+          </a:prstGeom>
+        </p:spPr>
+      </p:pic>
+      <p:pic>
+        <p:nvPicPr>
+          <p:cNvPr id="47" name="תמונה 46">
+            <a:extLst>
+              <a:ext uri="{FF2B5EF4-FFF2-40B4-BE49-F238E27FC236}">
+                <a16:creationId xmlns:a16="http://schemas.microsoft.com/office/drawing/2014/main" id="{44A62A51-7F52-4FCD-90B5-F1B5A07F1FB6}"/>
+              </a:ext>
+            </a:extLst>
+          </p:cNvPr>
+          <p:cNvPicPr>
+            <a:picLocks noChangeAspect="1"/>
+          </p:cNvPicPr>
+          <p:nvPr/>
+        </p:nvPicPr>
+        <p:blipFill>
+          <a:blip r:embed="rId5">
+            <a:extLst>
+              <a:ext uri="{28A0092B-C50C-407E-A947-70E740481C1C}">
+                <a14:useLocalDpi xmlns:a14="http://schemas.microsoft.com/office/drawing/2010/main" val="0"/>
+              </a:ext>
+            </a:extLst>
+          </a:blip>
+          <a:stretch>
+            <a:fillRect/>
+          </a:stretch>
+        </p:blipFill>
+        <p:spPr>
+          <a:xfrm>
+            <a:off x="1862546" y="1100061"/>
+            <a:ext cx="752550" cy="717274"/>
+          </a:xfrm>
+          <a:prstGeom prst="rect">
+            <a:avLst/>
+          </a:prstGeom>
+        </p:spPr>
+      </p:pic>
+      <p:pic>
+        <p:nvPicPr>
+          <p:cNvPr id="49" name="תמונה 48">
+            <a:extLst>
+              <a:ext uri="{FF2B5EF4-FFF2-40B4-BE49-F238E27FC236}">
+                <a16:creationId xmlns:a16="http://schemas.microsoft.com/office/drawing/2014/main" id="{4821D080-8E9C-464D-9DE1-50911AFCC31C}"/>
+              </a:ext>
+            </a:extLst>
+          </p:cNvPr>
+          <p:cNvPicPr>
+            <a:picLocks noChangeAspect="1"/>
+          </p:cNvPicPr>
+          <p:nvPr/>
+        </p:nvPicPr>
+        <p:blipFill>
+          <a:blip r:embed="rId2">
+            <a:extLst>
+              <a:ext uri="{28A0092B-C50C-407E-A947-70E740481C1C}">
+                <a14:useLocalDpi xmlns:a14="http://schemas.microsoft.com/office/drawing/2010/main" val="0"/>
+              </a:ext>
+            </a:extLst>
+          </a:blip>
+          <a:stretch>
+            <a:fillRect/>
+          </a:stretch>
+        </p:blipFill>
+        <p:spPr>
+          <a:xfrm>
+            <a:off x="7478858" y="1952226"/>
+            <a:ext cx="1084614" cy="719146"/>
+          </a:xfrm>
+          <a:prstGeom prst="rect">
+            <a:avLst/>
+          </a:prstGeom>
+        </p:spPr>
+      </p:pic>
+      <p:pic>
+        <p:nvPicPr>
+          <p:cNvPr id="51" name="תמונה 50">
+            <a:extLst>
+              <a:ext uri="{FF2B5EF4-FFF2-40B4-BE49-F238E27FC236}">
+                <a16:creationId xmlns:a16="http://schemas.microsoft.com/office/drawing/2014/main" id="{B11D6A07-56A2-4A43-BA61-D459B8963EAE}"/>
+              </a:ext>
+            </a:extLst>
+          </p:cNvPr>
+          <p:cNvPicPr>
+            <a:picLocks noChangeAspect="1"/>
+          </p:cNvPicPr>
+          <p:nvPr/>
+        </p:nvPicPr>
+        <p:blipFill>
+          <a:blip r:embed="rId6">
+            <a:extLst>
+              <a:ext uri="{28A0092B-C50C-407E-A947-70E740481C1C}">
+                <a14:useLocalDpi xmlns:a14="http://schemas.microsoft.com/office/drawing/2010/main" val="0"/>
+              </a:ext>
+            </a:extLst>
+          </a:blip>
+          <a:stretch>
+            <a:fillRect/>
+          </a:stretch>
+        </p:blipFill>
+        <p:spPr>
+          <a:xfrm>
+            <a:off x="4167189" y="1266065"/>
+            <a:ext cx="325298" cy="325298"/>
+          </a:xfrm>
+          <a:prstGeom prst="rect">
+            <a:avLst/>
+          </a:prstGeom>
+        </p:spPr>
+      </p:pic>
+      <p:pic>
+        <p:nvPicPr>
+          <p:cNvPr id="54" name="תמונה 53">
+            <a:extLst>
+              <a:ext uri="{FF2B5EF4-FFF2-40B4-BE49-F238E27FC236}">
+                <a16:creationId xmlns:a16="http://schemas.microsoft.com/office/drawing/2014/main" id="{1E1EAB5C-67CC-42BC-92EA-5CD0B44291CC}"/>
+              </a:ext>
+            </a:extLst>
+          </p:cNvPr>
+          <p:cNvPicPr>
+            <a:picLocks noChangeAspect="1"/>
+          </p:cNvPicPr>
+          <p:nvPr/>
+        </p:nvPicPr>
+        <p:blipFill>
+          <a:blip r:embed="rId7">
+            <a:extLst>
+              <a:ext uri="{28A0092B-C50C-407E-A947-70E740481C1C}">
+                <a14:useLocalDpi xmlns:a14="http://schemas.microsoft.com/office/drawing/2010/main" val="0"/>
+              </a:ext>
+            </a:extLst>
+          </a:blip>
+          <a:stretch>
+            <a:fillRect/>
+          </a:stretch>
+        </p:blipFill>
+        <p:spPr>
+          <a:xfrm flipH="1">
+            <a:off x="4802692" y="1603133"/>
+            <a:ext cx="418668" cy="452161"/>
+          </a:xfrm>
+          <a:prstGeom prst="rect">
+            <a:avLst/>
+          </a:prstGeom>
+        </p:spPr>
+      </p:pic>
+      <p:pic>
+        <p:nvPicPr>
+          <p:cNvPr id="55" name="תמונה 54">
+            <a:extLst>
+              <a:ext uri="{FF2B5EF4-FFF2-40B4-BE49-F238E27FC236}">
+                <a16:creationId xmlns:a16="http://schemas.microsoft.com/office/drawing/2014/main" id="{C23DD0DE-B276-472D-887C-205E98C65E52}"/>
+              </a:ext>
+            </a:extLst>
+          </p:cNvPr>
+          <p:cNvPicPr>
+            <a:picLocks noChangeAspect="1"/>
+          </p:cNvPicPr>
+          <p:nvPr/>
+        </p:nvPicPr>
+        <p:blipFill>
+          <a:blip r:embed="rId7">
+            <a:extLst>
+              <a:ext uri="{28A0092B-C50C-407E-A947-70E740481C1C}">
+                <a14:useLocalDpi xmlns:a14="http://schemas.microsoft.com/office/drawing/2010/main" val="0"/>
+              </a:ext>
+            </a:extLst>
+          </a:blip>
+          <a:stretch>
+            <a:fillRect/>
+          </a:stretch>
+        </p:blipFill>
+        <p:spPr>
+          <a:xfrm flipH="1">
+            <a:off x="4741322" y="4561700"/>
+            <a:ext cx="418668" cy="452161"/>
+          </a:xfrm>
+          <a:prstGeom prst="rect">
+            <a:avLst/>
+          </a:prstGeom>
+        </p:spPr>
+      </p:pic>
+      <p:pic>
+        <p:nvPicPr>
+          <p:cNvPr id="56" name="תמונה 55">
+            <a:extLst>
+              <a:ext uri="{FF2B5EF4-FFF2-40B4-BE49-F238E27FC236}">
+                <a16:creationId xmlns:a16="http://schemas.microsoft.com/office/drawing/2014/main" id="{9D504991-748C-4CAB-B3A9-24CCA9643E7C}"/>
+              </a:ext>
+            </a:extLst>
+          </p:cNvPr>
+          <p:cNvPicPr>
+            <a:picLocks noChangeAspect="1"/>
+          </p:cNvPicPr>
+          <p:nvPr/>
+        </p:nvPicPr>
+        <p:blipFill>
+          <a:blip r:embed="rId7">
+            <a:extLst>
+              <a:ext uri="{28A0092B-C50C-407E-A947-70E740481C1C}">
+                <a14:useLocalDpi xmlns:a14="http://schemas.microsoft.com/office/drawing/2010/main" val="0"/>
+              </a:ext>
+            </a:extLst>
+          </a:blip>
+          <a:stretch>
+            <a:fillRect/>
+          </a:stretch>
+        </p:blipFill>
+        <p:spPr>
+          <a:xfrm flipH="1">
+            <a:off x="3640725" y="4976222"/>
+            <a:ext cx="418668" cy="452161"/>
+          </a:xfrm>
+          <a:prstGeom prst="rect">
+            <a:avLst/>
+          </a:prstGeom>
+        </p:spPr>
+      </p:pic>
+      <p:cxnSp>
+        <p:nvCxnSpPr>
+          <p:cNvPr id="58" name="מחבר: מעוקל 57">
+            <a:extLst>
+              <a:ext uri="{FF2B5EF4-FFF2-40B4-BE49-F238E27FC236}">
+                <a16:creationId xmlns:a16="http://schemas.microsoft.com/office/drawing/2014/main" id="{BC76E7C4-6B56-49C3-87C3-AEB725CDCCF5}"/>
+              </a:ext>
+            </a:extLst>
+          </p:cNvPr>
+          <p:cNvCxnSpPr>
+            <a:cxnSpLocks/>
+          </p:cNvCxnSpPr>
+          <p:nvPr/>
+        </p:nvCxnSpPr>
+        <p:spPr>
+          <a:xfrm>
+            <a:off x="2744698" y="1175818"/>
+            <a:ext cx="2652206" cy="1481270"/>
+          </a:xfrm>
+          <a:prstGeom prst="curvedConnector3">
+            <a:avLst>
+              <a:gd name="adj1" fmla="val 66489"/>
+            </a:avLst>
+          </a:prstGeom>
+          <a:ln>
+            <a:solidFill>
+              <a:schemeClr val="bg2">
+                <a:lumMod val="10000"/>
+              </a:schemeClr>
+            </a:solidFill>
+            <a:tailEnd type="triangle"/>
+          </a:ln>
+        </p:spPr>
+        <p:style>
+          <a:lnRef idx="1">
+            <a:schemeClr val="accent1"/>
+          </a:lnRef>
+          <a:fillRef idx="0">
+            <a:schemeClr val="accent1"/>
+          </a:fillRef>
+          <a:effectRef idx="0">
+            <a:schemeClr val="accent1"/>
+          </a:effectRef>
+          <a:fontRef idx="minor">
+            <a:schemeClr val="tx1"/>
+          </a:fontRef>
+        </p:style>
+      </p:cxnSp>
+      <p:cxnSp>
+        <p:nvCxnSpPr>
+          <p:cNvPr id="61" name="מחבר: מעוקל 60">
+            <a:extLst>
+              <a:ext uri="{FF2B5EF4-FFF2-40B4-BE49-F238E27FC236}">
+                <a16:creationId xmlns:a16="http://schemas.microsoft.com/office/drawing/2014/main" id="{D9A9B7E5-E78C-4298-9C95-09FCB81A962F}"/>
+              </a:ext>
+            </a:extLst>
+          </p:cNvPr>
+          <p:cNvCxnSpPr>
+            <a:cxnSpLocks/>
+          </p:cNvCxnSpPr>
+          <p:nvPr/>
+        </p:nvCxnSpPr>
+        <p:spPr>
+          <a:xfrm flipV="1">
+            <a:off x="2621126" y="3747543"/>
+            <a:ext cx="3012399" cy="1694959"/>
+          </a:xfrm>
+          <a:prstGeom prst="curvedConnector3">
+            <a:avLst>
+              <a:gd name="adj1" fmla="val 96632"/>
+            </a:avLst>
+          </a:prstGeom>
+          <a:ln>
+            <a:solidFill>
+              <a:schemeClr val="bg2">
+                <a:lumMod val="10000"/>
+              </a:schemeClr>
+            </a:solidFill>
+            <a:tailEnd type="triangle"/>
+          </a:ln>
+        </p:spPr>
+        <p:style>
+          <a:lnRef idx="1">
+            <a:schemeClr val="accent1"/>
+          </a:lnRef>
+          <a:fillRef idx="0">
+            <a:schemeClr val="accent1"/>
+          </a:fillRef>
+          <a:effectRef idx="0">
+            <a:schemeClr val="accent1"/>
+          </a:effectRef>
+          <a:fontRef idx="minor">
+            <a:schemeClr val="tx1"/>
+          </a:fontRef>
+        </p:style>
+      </p:cxnSp>
     </p:spTree>
     <p:extLst>
       <p:ext uri="{BB962C8B-B14F-4D97-AF65-F5344CB8AC3E}">
-        <p14:creationId xmlns:p14="http://schemas.microsoft.com/office/powerpoint/2010/main" val="2583959241"/>
+        <p14:creationId xmlns:p14="http://schemas.microsoft.com/office/powerpoint/2010/main" val="3766177108"/>
       </p:ext>
     </p:extLst>
   </p:cSld>
@@ -6687,12 +12509,48 @@
           <a:chExt cx="0" cy="0"/>
         </a:xfrm>
       </p:grpSpPr>
+      <p:pic>
+        <p:nvPicPr>
+          <p:cNvPr id="71" name="תמונה 70">
+            <a:extLst>
+              <a:ext uri="{FF2B5EF4-FFF2-40B4-BE49-F238E27FC236}">
+                <a16:creationId xmlns:a16="http://schemas.microsoft.com/office/drawing/2014/main" id="{08691FBE-3710-4662-8CFB-3BD2882490E1}"/>
+              </a:ext>
+            </a:extLst>
+          </p:cNvPr>
+          <p:cNvPicPr>
+            <a:picLocks noChangeAspect="1"/>
+          </p:cNvPicPr>
+          <p:nvPr/>
+        </p:nvPicPr>
+        <p:blipFill>
+          <a:blip r:embed="rId2">
+            <a:extLst>
+              <a:ext uri="{28A0092B-C50C-407E-A947-70E740481C1C}">
+                <a14:useLocalDpi xmlns:a14="http://schemas.microsoft.com/office/drawing/2010/main" val="0"/>
+              </a:ext>
+            </a:extLst>
+          </a:blip>
+          <a:stretch>
+            <a:fillRect/>
+          </a:stretch>
+        </p:blipFill>
+        <p:spPr>
+          <a:xfrm>
+            <a:off x="4084634" y="3033565"/>
+            <a:ext cx="1084614" cy="719146"/>
+          </a:xfrm>
+          <a:prstGeom prst="rect">
+            <a:avLst/>
+          </a:prstGeom>
+        </p:spPr>
+      </p:pic>
       <p:sp>
         <p:nvSpPr>
           <p:cNvPr id="2" name="כותרת 1">
             <a:extLst>
               <a:ext uri="{FF2B5EF4-FFF2-40B4-BE49-F238E27FC236}">
-                <a16:creationId xmlns:a16="http://schemas.microsoft.com/office/drawing/2014/main" id="{493228D5-1ACF-4C50-B7E9-4ACCB1605B6C}"/>
+                <a16:creationId xmlns:a16="http://schemas.microsoft.com/office/drawing/2014/main" id="{9179A7BF-343A-4697-A794-0078A4509BAD}"/>
               </a:ext>
             </a:extLst>
           </p:cNvPr>
@@ -6710,19 +12568,1005 @@
           <a:p>
             <a:pPr algn="ctr"/>
             <a:r>
-              <a:rPr lang="he-IL" dirty="0"/>
-              <a:t>שיטות להתמודד עם התקיפה</a:t>
-            </a:r>
-            <a:endParaRPr lang="en-US" dirty="0"/>
+              <a:rPr lang="en-US" dirty="0"/>
+              <a:t>Pool Mining </a:t>
+            </a:r>
           </a:p>
         </p:txBody>
       </p:sp>
+      <p:pic>
+        <p:nvPicPr>
+          <p:cNvPr id="23" name="תמונה 22">
+            <a:extLst>
+              <a:ext uri="{FF2B5EF4-FFF2-40B4-BE49-F238E27FC236}">
+                <a16:creationId xmlns:a16="http://schemas.microsoft.com/office/drawing/2014/main" id="{28ABCF65-2309-4143-98A0-6D3973CB5ABE}"/>
+              </a:ext>
+            </a:extLst>
+          </p:cNvPr>
+          <p:cNvPicPr>
+            <a:picLocks noChangeAspect="1"/>
+          </p:cNvPicPr>
+          <p:nvPr/>
+        </p:nvPicPr>
+        <p:blipFill>
+          <a:blip r:embed="rId3">
+            <a:extLst>
+              <a:ext uri="{28A0092B-C50C-407E-A947-70E740481C1C}">
+                <a14:useLocalDpi xmlns:a14="http://schemas.microsoft.com/office/drawing/2010/main" val="0"/>
+              </a:ext>
+            </a:extLst>
+          </a:blip>
+          <a:stretch>
+            <a:fillRect/>
+          </a:stretch>
+        </p:blipFill>
+        <p:spPr>
+          <a:xfrm>
+            <a:off x="8739016" y="2478576"/>
+            <a:ext cx="2651126" cy="1325563"/>
+          </a:xfrm>
+          <a:prstGeom prst="rect">
+            <a:avLst/>
+          </a:prstGeom>
+        </p:spPr>
+      </p:pic>
+      <p:pic>
+        <p:nvPicPr>
+          <p:cNvPr id="25" name="תמונה 24">
+            <a:extLst>
+              <a:ext uri="{FF2B5EF4-FFF2-40B4-BE49-F238E27FC236}">
+                <a16:creationId xmlns:a16="http://schemas.microsoft.com/office/drawing/2014/main" id="{34B3BD7E-8AF6-4807-B708-5AD521F75C6D}"/>
+              </a:ext>
+            </a:extLst>
+          </p:cNvPr>
+          <p:cNvPicPr>
+            <a:picLocks noChangeAspect="1"/>
+          </p:cNvPicPr>
+          <p:nvPr/>
+        </p:nvPicPr>
+        <p:blipFill>
+          <a:blip r:embed="rId4">
+            <a:extLst>
+              <a:ext uri="{28A0092B-C50C-407E-A947-70E740481C1C}">
+                <a14:useLocalDpi xmlns:a14="http://schemas.microsoft.com/office/drawing/2010/main" val="0"/>
+              </a:ext>
+            </a:extLst>
+          </a:blip>
+          <a:stretch>
+            <a:fillRect/>
+          </a:stretch>
+        </p:blipFill>
+        <p:spPr>
+          <a:xfrm>
+            <a:off x="4950656" y="2715065"/>
+            <a:ext cx="1365738" cy="1365738"/>
+          </a:xfrm>
+          <a:prstGeom prst="rect">
+            <a:avLst/>
+          </a:prstGeom>
+        </p:spPr>
+      </p:pic>
+      <p:cxnSp>
+        <p:nvCxnSpPr>
+          <p:cNvPr id="27" name="מחבר: מרפקי 26">
+            <a:extLst>
+              <a:ext uri="{FF2B5EF4-FFF2-40B4-BE49-F238E27FC236}">
+                <a16:creationId xmlns:a16="http://schemas.microsoft.com/office/drawing/2014/main" id="{A03D8BE9-AE2F-47E9-A383-09C6004A1017}"/>
+              </a:ext>
+            </a:extLst>
+          </p:cNvPr>
+          <p:cNvCxnSpPr/>
+          <p:nvPr/>
+        </p:nvCxnSpPr>
+        <p:spPr>
+          <a:xfrm rot="10800000" flipV="1">
+            <a:off x="6096000" y="2715064"/>
+            <a:ext cx="2643016" cy="590843"/>
+          </a:xfrm>
+          <a:prstGeom prst="bentConnector3">
+            <a:avLst/>
+          </a:prstGeom>
+          <a:ln>
+            <a:tailEnd type="triangle"/>
+          </a:ln>
+        </p:spPr>
+        <p:style>
+          <a:lnRef idx="1">
+            <a:schemeClr val="accent1"/>
+          </a:lnRef>
+          <a:fillRef idx="0">
+            <a:schemeClr val="accent1"/>
+          </a:fillRef>
+          <a:effectRef idx="0">
+            <a:schemeClr val="accent1"/>
+          </a:effectRef>
+          <a:fontRef idx="minor">
+            <a:schemeClr val="tx1"/>
+          </a:fontRef>
+        </p:style>
+      </p:cxnSp>
+      <p:cxnSp>
+        <p:nvCxnSpPr>
+          <p:cNvPr id="30" name="מחבר: מעוקל 29">
+            <a:extLst>
+              <a:ext uri="{FF2B5EF4-FFF2-40B4-BE49-F238E27FC236}">
+                <a16:creationId xmlns:a16="http://schemas.microsoft.com/office/drawing/2014/main" id="{455CE680-A78E-47B7-8BFD-86E9B206B156}"/>
+              </a:ext>
+            </a:extLst>
+          </p:cNvPr>
+          <p:cNvCxnSpPr>
+            <a:cxnSpLocks/>
+          </p:cNvCxnSpPr>
+          <p:nvPr/>
+        </p:nvCxnSpPr>
+        <p:spPr>
+          <a:xfrm rot="10800000">
+            <a:off x="2596011" y="1476538"/>
+            <a:ext cx="2625349" cy="1412436"/>
+          </a:xfrm>
+          <a:prstGeom prst="curvedConnector3">
+            <a:avLst/>
+          </a:prstGeom>
+          <a:ln>
+            <a:tailEnd type="triangle"/>
+          </a:ln>
+        </p:spPr>
+        <p:style>
+          <a:lnRef idx="1">
+            <a:schemeClr val="accent1"/>
+          </a:lnRef>
+          <a:fillRef idx="0">
+            <a:schemeClr val="accent1"/>
+          </a:fillRef>
+          <a:effectRef idx="0">
+            <a:schemeClr val="accent1"/>
+          </a:effectRef>
+          <a:fontRef idx="minor">
+            <a:schemeClr val="tx1"/>
+          </a:fontRef>
+        </p:style>
+      </p:cxnSp>
+      <p:cxnSp>
+        <p:nvCxnSpPr>
+          <p:cNvPr id="31" name="מחבר: מעוקל 30">
+            <a:extLst>
+              <a:ext uri="{FF2B5EF4-FFF2-40B4-BE49-F238E27FC236}">
+                <a16:creationId xmlns:a16="http://schemas.microsoft.com/office/drawing/2014/main" id="{67F86254-536F-4E39-8363-DF20443C2429}"/>
+              </a:ext>
+            </a:extLst>
+          </p:cNvPr>
+          <p:cNvCxnSpPr>
+            <a:cxnSpLocks/>
+          </p:cNvCxnSpPr>
+          <p:nvPr/>
+        </p:nvCxnSpPr>
+        <p:spPr>
+          <a:xfrm rot="10800000">
+            <a:off x="2510803" y="2579350"/>
+            <a:ext cx="2872852" cy="686101"/>
+          </a:xfrm>
+          <a:prstGeom prst="curvedConnector3">
+            <a:avLst/>
+          </a:prstGeom>
+          <a:ln>
+            <a:tailEnd type="triangle"/>
+          </a:ln>
+        </p:spPr>
+        <p:style>
+          <a:lnRef idx="1">
+            <a:schemeClr val="accent1"/>
+          </a:lnRef>
+          <a:fillRef idx="0">
+            <a:schemeClr val="accent1"/>
+          </a:fillRef>
+          <a:effectRef idx="0">
+            <a:schemeClr val="accent1"/>
+          </a:effectRef>
+          <a:fontRef idx="minor">
+            <a:schemeClr val="tx1"/>
+          </a:fontRef>
+        </p:style>
+      </p:cxnSp>
+      <p:cxnSp>
+        <p:nvCxnSpPr>
+          <p:cNvPr id="32" name="מחבר: מעוקל 31">
+            <a:extLst>
+              <a:ext uri="{FF2B5EF4-FFF2-40B4-BE49-F238E27FC236}">
+                <a16:creationId xmlns:a16="http://schemas.microsoft.com/office/drawing/2014/main" id="{CE12DDCC-3A30-4D50-B110-2E1DBF798704}"/>
+              </a:ext>
+            </a:extLst>
+          </p:cNvPr>
+          <p:cNvCxnSpPr>
+            <a:cxnSpLocks/>
+          </p:cNvCxnSpPr>
+          <p:nvPr/>
+        </p:nvCxnSpPr>
+        <p:spPr>
+          <a:xfrm rot="10800000">
+            <a:off x="2510803" y="3602962"/>
+            <a:ext cx="2671196" cy="12700"/>
+          </a:xfrm>
+          <a:prstGeom prst="curvedConnector3">
+            <a:avLst/>
+          </a:prstGeom>
+          <a:ln>
+            <a:tailEnd type="triangle"/>
+          </a:ln>
+        </p:spPr>
+        <p:style>
+          <a:lnRef idx="1">
+            <a:schemeClr val="accent1"/>
+          </a:lnRef>
+          <a:fillRef idx="0">
+            <a:schemeClr val="accent1"/>
+          </a:fillRef>
+          <a:effectRef idx="0">
+            <a:schemeClr val="accent1"/>
+          </a:effectRef>
+          <a:fontRef idx="minor">
+            <a:schemeClr val="tx1"/>
+          </a:fontRef>
+        </p:style>
+      </p:cxnSp>
+      <p:cxnSp>
+        <p:nvCxnSpPr>
+          <p:cNvPr id="33" name="מחבר: מעוקל 32">
+            <a:extLst>
+              <a:ext uri="{FF2B5EF4-FFF2-40B4-BE49-F238E27FC236}">
+                <a16:creationId xmlns:a16="http://schemas.microsoft.com/office/drawing/2014/main" id="{B0932318-6522-42D0-A885-D27B42D5D264}"/>
+              </a:ext>
+            </a:extLst>
+          </p:cNvPr>
+          <p:cNvCxnSpPr>
+            <a:cxnSpLocks/>
+          </p:cNvCxnSpPr>
+          <p:nvPr/>
+        </p:nvCxnSpPr>
+        <p:spPr>
+          <a:xfrm rot="10800000" flipV="1">
+            <a:off x="2596011" y="3777636"/>
+            <a:ext cx="2665107" cy="1541694"/>
+          </a:xfrm>
+          <a:prstGeom prst="curvedConnector3">
+            <a:avLst>
+              <a:gd name="adj1" fmla="val 50000"/>
+            </a:avLst>
+          </a:prstGeom>
+          <a:ln>
+            <a:tailEnd type="triangle"/>
+          </a:ln>
+        </p:spPr>
+        <p:style>
+          <a:lnRef idx="1">
+            <a:schemeClr val="accent1"/>
+          </a:lnRef>
+          <a:fillRef idx="0">
+            <a:schemeClr val="accent1"/>
+          </a:fillRef>
+          <a:effectRef idx="0">
+            <a:schemeClr val="accent1"/>
+          </a:effectRef>
+          <a:fontRef idx="minor">
+            <a:schemeClr val="tx1"/>
+          </a:fontRef>
+        </p:style>
+      </p:cxnSp>
+      <p:pic>
+        <p:nvPicPr>
+          <p:cNvPr id="44" name="תמונה 43">
+            <a:extLst>
+              <a:ext uri="{FF2B5EF4-FFF2-40B4-BE49-F238E27FC236}">
+                <a16:creationId xmlns:a16="http://schemas.microsoft.com/office/drawing/2014/main" id="{49403C56-A35F-40A1-98B1-48EE99E71524}"/>
+              </a:ext>
+            </a:extLst>
+          </p:cNvPr>
+          <p:cNvPicPr>
+            <a:picLocks noChangeAspect="1"/>
+          </p:cNvPicPr>
+          <p:nvPr/>
+        </p:nvPicPr>
+        <p:blipFill>
+          <a:blip r:embed="rId5">
+            <a:extLst>
+              <a:ext uri="{28A0092B-C50C-407E-A947-70E740481C1C}">
+                <a14:useLocalDpi xmlns:a14="http://schemas.microsoft.com/office/drawing/2010/main" val="0"/>
+              </a:ext>
+            </a:extLst>
+          </a:blip>
+          <a:stretch>
+            <a:fillRect/>
+          </a:stretch>
+        </p:blipFill>
+        <p:spPr>
+          <a:xfrm>
+            <a:off x="1843460" y="5083865"/>
+            <a:ext cx="752550" cy="717274"/>
+          </a:xfrm>
+          <a:prstGeom prst="rect">
+            <a:avLst/>
+          </a:prstGeom>
+        </p:spPr>
+      </p:pic>
+      <p:pic>
+        <p:nvPicPr>
+          <p:cNvPr id="45" name="תמונה 44">
+            <a:extLst>
+              <a:ext uri="{FF2B5EF4-FFF2-40B4-BE49-F238E27FC236}">
+                <a16:creationId xmlns:a16="http://schemas.microsoft.com/office/drawing/2014/main" id="{415D2602-020E-4D2F-91B6-4E719E0F14DF}"/>
+              </a:ext>
+            </a:extLst>
+          </p:cNvPr>
+          <p:cNvPicPr>
+            <a:picLocks noChangeAspect="1"/>
+          </p:cNvPicPr>
+          <p:nvPr/>
+        </p:nvPicPr>
+        <p:blipFill>
+          <a:blip r:embed="rId5">
+            <a:extLst>
+              <a:ext uri="{28A0092B-C50C-407E-A947-70E740481C1C}">
+                <a14:useLocalDpi xmlns:a14="http://schemas.microsoft.com/office/drawing/2010/main" val="0"/>
+              </a:ext>
+            </a:extLst>
+          </a:blip>
+          <a:stretch>
+            <a:fillRect/>
+          </a:stretch>
+        </p:blipFill>
+        <p:spPr>
+          <a:xfrm>
+            <a:off x="1758253" y="3418999"/>
+            <a:ext cx="752550" cy="717274"/>
+          </a:xfrm>
+          <a:prstGeom prst="rect">
+            <a:avLst/>
+          </a:prstGeom>
+        </p:spPr>
+      </p:pic>
+      <p:pic>
+        <p:nvPicPr>
+          <p:cNvPr id="46" name="תמונה 45">
+            <a:extLst>
+              <a:ext uri="{FF2B5EF4-FFF2-40B4-BE49-F238E27FC236}">
+                <a16:creationId xmlns:a16="http://schemas.microsoft.com/office/drawing/2014/main" id="{48992091-FDAF-47DE-8BA6-CDFF2CA42014}"/>
+              </a:ext>
+            </a:extLst>
+          </p:cNvPr>
+          <p:cNvPicPr>
+            <a:picLocks noChangeAspect="1"/>
+          </p:cNvPicPr>
+          <p:nvPr/>
+        </p:nvPicPr>
+        <p:blipFill>
+          <a:blip r:embed="rId5">
+            <a:extLst>
+              <a:ext uri="{28A0092B-C50C-407E-A947-70E740481C1C}">
+                <a14:useLocalDpi xmlns:a14="http://schemas.microsoft.com/office/drawing/2010/main" val="0"/>
+              </a:ext>
+            </a:extLst>
+          </a:blip>
+          <a:stretch>
+            <a:fillRect/>
+          </a:stretch>
+        </p:blipFill>
+        <p:spPr>
+          <a:xfrm>
+            <a:off x="1770937" y="2270528"/>
+            <a:ext cx="752550" cy="717274"/>
+          </a:xfrm>
+          <a:prstGeom prst="rect">
+            <a:avLst/>
+          </a:prstGeom>
+        </p:spPr>
+      </p:pic>
+      <p:pic>
+        <p:nvPicPr>
+          <p:cNvPr id="47" name="תמונה 46">
+            <a:extLst>
+              <a:ext uri="{FF2B5EF4-FFF2-40B4-BE49-F238E27FC236}">
+                <a16:creationId xmlns:a16="http://schemas.microsoft.com/office/drawing/2014/main" id="{44A62A51-7F52-4FCD-90B5-F1B5A07F1FB6}"/>
+              </a:ext>
+            </a:extLst>
+          </p:cNvPr>
+          <p:cNvPicPr>
+            <a:picLocks noChangeAspect="1"/>
+          </p:cNvPicPr>
+          <p:nvPr/>
+        </p:nvPicPr>
+        <p:blipFill>
+          <a:blip r:embed="rId5">
+            <a:extLst>
+              <a:ext uri="{28A0092B-C50C-407E-A947-70E740481C1C}">
+                <a14:useLocalDpi xmlns:a14="http://schemas.microsoft.com/office/drawing/2010/main" val="0"/>
+              </a:ext>
+            </a:extLst>
+          </a:blip>
+          <a:stretch>
+            <a:fillRect/>
+          </a:stretch>
+        </p:blipFill>
+        <p:spPr>
+          <a:xfrm>
+            <a:off x="1862546" y="1100061"/>
+            <a:ext cx="752550" cy="717274"/>
+          </a:xfrm>
+          <a:prstGeom prst="rect">
+            <a:avLst/>
+          </a:prstGeom>
+        </p:spPr>
+      </p:pic>
+      <p:pic>
+        <p:nvPicPr>
+          <p:cNvPr id="49" name="תמונה 48">
+            <a:extLst>
+              <a:ext uri="{FF2B5EF4-FFF2-40B4-BE49-F238E27FC236}">
+                <a16:creationId xmlns:a16="http://schemas.microsoft.com/office/drawing/2014/main" id="{4821D080-8E9C-464D-9DE1-50911AFCC31C}"/>
+              </a:ext>
+            </a:extLst>
+          </p:cNvPr>
+          <p:cNvPicPr>
+            <a:picLocks noChangeAspect="1"/>
+          </p:cNvPicPr>
+          <p:nvPr/>
+        </p:nvPicPr>
+        <p:blipFill>
+          <a:blip r:embed="rId2">
+            <a:extLst>
+              <a:ext uri="{28A0092B-C50C-407E-A947-70E740481C1C}">
+                <a14:useLocalDpi xmlns:a14="http://schemas.microsoft.com/office/drawing/2010/main" val="0"/>
+              </a:ext>
+            </a:extLst>
+          </a:blip>
+          <a:stretch>
+            <a:fillRect/>
+          </a:stretch>
+        </p:blipFill>
+        <p:spPr>
+          <a:xfrm>
+            <a:off x="7478858" y="1952226"/>
+            <a:ext cx="1084614" cy="719146"/>
+          </a:xfrm>
+          <a:prstGeom prst="rect">
+            <a:avLst/>
+          </a:prstGeom>
+        </p:spPr>
+      </p:pic>
+      <p:pic>
+        <p:nvPicPr>
+          <p:cNvPr id="51" name="תמונה 50">
+            <a:extLst>
+              <a:ext uri="{FF2B5EF4-FFF2-40B4-BE49-F238E27FC236}">
+                <a16:creationId xmlns:a16="http://schemas.microsoft.com/office/drawing/2014/main" id="{B11D6A07-56A2-4A43-BA61-D459B8963EAE}"/>
+              </a:ext>
+            </a:extLst>
+          </p:cNvPr>
+          <p:cNvPicPr>
+            <a:picLocks noChangeAspect="1"/>
+          </p:cNvPicPr>
+          <p:nvPr/>
+        </p:nvPicPr>
+        <p:blipFill>
+          <a:blip r:embed="rId6">
+            <a:extLst>
+              <a:ext uri="{28A0092B-C50C-407E-A947-70E740481C1C}">
+                <a14:useLocalDpi xmlns:a14="http://schemas.microsoft.com/office/drawing/2010/main" val="0"/>
+              </a:ext>
+            </a:extLst>
+          </a:blip>
+          <a:stretch>
+            <a:fillRect/>
+          </a:stretch>
+        </p:blipFill>
+        <p:spPr>
+          <a:xfrm>
+            <a:off x="4167189" y="1266065"/>
+            <a:ext cx="325298" cy="325298"/>
+          </a:xfrm>
+          <a:prstGeom prst="rect">
+            <a:avLst/>
+          </a:prstGeom>
+        </p:spPr>
+      </p:pic>
+      <p:pic>
+        <p:nvPicPr>
+          <p:cNvPr id="52" name="תמונה 51">
+            <a:extLst>
+              <a:ext uri="{FF2B5EF4-FFF2-40B4-BE49-F238E27FC236}">
+                <a16:creationId xmlns:a16="http://schemas.microsoft.com/office/drawing/2014/main" id="{60F570FF-2F55-4A52-9640-4B1A8C8A2F36}"/>
+              </a:ext>
+            </a:extLst>
+          </p:cNvPr>
+          <p:cNvPicPr>
+            <a:picLocks noChangeAspect="1"/>
+          </p:cNvPicPr>
+          <p:nvPr/>
+        </p:nvPicPr>
+        <p:blipFill>
+          <a:blip r:embed="rId6">
+            <a:extLst>
+              <a:ext uri="{28A0092B-C50C-407E-A947-70E740481C1C}">
+                <a14:useLocalDpi xmlns:a14="http://schemas.microsoft.com/office/drawing/2010/main" val="0"/>
+              </a:ext>
+            </a:extLst>
+          </a:blip>
+          <a:stretch>
+            <a:fillRect/>
+          </a:stretch>
+        </p:blipFill>
+        <p:spPr>
+          <a:xfrm>
+            <a:off x="7785453" y="3305907"/>
+            <a:ext cx="325298" cy="325298"/>
+          </a:xfrm>
+          <a:prstGeom prst="rect">
+            <a:avLst/>
+          </a:prstGeom>
+        </p:spPr>
+      </p:pic>
+      <p:pic>
+        <p:nvPicPr>
+          <p:cNvPr id="54" name="תמונה 53">
+            <a:extLst>
+              <a:ext uri="{FF2B5EF4-FFF2-40B4-BE49-F238E27FC236}">
+                <a16:creationId xmlns:a16="http://schemas.microsoft.com/office/drawing/2014/main" id="{1E1EAB5C-67CC-42BC-92EA-5CD0B44291CC}"/>
+              </a:ext>
+            </a:extLst>
+          </p:cNvPr>
+          <p:cNvPicPr>
+            <a:picLocks noChangeAspect="1"/>
+          </p:cNvPicPr>
+          <p:nvPr/>
+        </p:nvPicPr>
+        <p:blipFill>
+          <a:blip r:embed="rId7">
+            <a:extLst>
+              <a:ext uri="{28A0092B-C50C-407E-A947-70E740481C1C}">
+                <a14:useLocalDpi xmlns:a14="http://schemas.microsoft.com/office/drawing/2010/main" val="0"/>
+              </a:ext>
+            </a:extLst>
+          </a:blip>
+          <a:stretch>
+            <a:fillRect/>
+          </a:stretch>
+        </p:blipFill>
+        <p:spPr>
+          <a:xfrm flipH="1">
+            <a:off x="4802692" y="1603133"/>
+            <a:ext cx="418668" cy="452161"/>
+          </a:xfrm>
+          <a:prstGeom prst="rect">
+            <a:avLst/>
+          </a:prstGeom>
+        </p:spPr>
+      </p:pic>
+      <p:pic>
+        <p:nvPicPr>
+          <p:cNvPr id="55" name="תמונה 54">
+            <a:extLst>
+              <a:ext uri="{FF2B5EF4-FFF2-40B4-BE49-F238E27FC236}">
+                <a16:creationId xmlns:a16="http://schemas.microsoft.com/office/drawing/2014/main" id="{C23DD0DE-B276-472D-887C-205E98C65E52}"/>
+              </a:ext>
+            </a:extLst>
+          </p:cNvPr>
+          <p:cNvPicPr>
+            <a:picLocks noChangeAspect="1"/>
+          </p:cNvPicPr>
+          <p:nvPr/>
+        </p:nvPicPr>
+        <p:blipFill>
+          <a:blip r:embed="rId7">
+            <a:extLst>
+              <a:ext uri="{28A0092B-C50C-407E-A947-70E740481C1C}">
+                <a14:useLocalDpi xmlns:a14="http://schemas.microsoft.com/office/drawing/2010/main" val="0"/>
+              </a:ext>
+            </a:extLst>
+          </a:blip>
+          <a:stretch>
+            <a:fillRect/>
+          </a:stretch>
+        </p:blipFill>
+        <p:spPr>
+          <a:xfrm flipH="1">
+            <a:off x="4741322" y="4561700"/>
+            <a:ext cx="418668" cy="452161"/>
+          </a:xfrm>
+          <a:prstGeom prst="rect">
+            <a:avLst/>
+          </a:prstGeom>
+        </p:spPr>
+      </p:pic>
+      <p:pic>
+        <p:nvPicPr>
+          <p:cNvPr id="56" name="תמונה 55">
+            <a:extLst>
+              <a:ext uri="{FF2B5EF4-FFF2-40B4-BE49-F238E27FC236}">
+                <a16:creationId xmlns:a16="http://schemas.microsoft.com/office/drawing/2014/main" id="{9D504991-748C-4CAB-B3A9-24CCA9643E7C}"/>
+              </a:ext>
+            </a:extLst>
+          </p:cNvPr>
+          <p:cNvPicPr>
+            <a:picLocks noChangeAspect="1"/>
+          </p:cNvPicPr>
+          <p:nvPr/>
+        </p:nvPicPr>
+        <p:blipFill>
+          <a:blip r:embed="rId7">
+            <a:extLst>
+              <a:ext uri="{28A0092B-C50C-407E-A947-70E740481C1C}">
+                <a14:useLocalDpi xmlns:a14="http://schemas.microsoft.com/office/drawing/2010/main" val="0"/>
+              </a:ext>
+            </a:extLst>
+          </a:blip>
+          <a:stretch>
+            <a:fillRect/>
+          </a:stretch>
+        </p:blipFill>
+        <p:spPr>
+          <a:xfrm flipH="1">
+            <a:off x="3640725" y="4976222"/>
+            <a:ext cx="418668" cy="452161"/>
+          </a:xfrm>
+          <a:prstGeom prst="rect">
+            <a:avLst/>
+          </a:prstGeom>
+        </p:spPr>
+      </p:pic>
+      <p:cxnSp>
+        <p:nvCxnSpPr>
+          <p:cNvPr id="58" name="מחבר: מעוקל 57">
+            <a:extLst>
+              <a:ext uri="{FF2B5EF4-FFF2-40B4-BE49-F238E27FC236}">
+                <a16:creationId xmlns:a16="http://schemas.microsoft.com/office/drawing/2014/main" id="{BC76E7C4-6B56-49C3-87C3-AEB725CDCCF5}"/>
+              </a:ext>
+            </a:extLst>
+          </p:cNvPr>
+          <p:cNvCxnSpPr>
+            <a:cxnSpLocks/>
+          </p:cNvCxnSpPr>
+          <p:nvPr/>
+        </p:nvCxnSpPr>
+        <p:spPr>
+          <a:xfrm>
+            <a:off x="2744698" y="1175818"/>
+            <a:ext cx="2652206" cy="1481270"/>
+          </a:xfrm>
+          <a:prstGeom prst="curvedConnector3">
+            <a:avLst>
+              <a:gd name="adj1" fmla="val 66489"/>
+            </a:avLst>
+          </a:prstGeom>
+          <a:ln>
+            <a:solidFill>
+              <a:schemeClr val="bg2">
+                <a:lumMod val="10000"/>
+              </a:schemeClr>
+            </a:solidFill>
+            <a:tailEnd type="triangle"/>
+          </a:ln>
+        </p:spPr>
+        <p:style>
+          <a:lnRef idx="1">
+            <a:schemeClr val="accent1"/>
+          </a:lnRef>
+          <a:fillRef idx="0">
+            <a:schemeClr val="accent1"/>
+          </a:fillRef>
+          <a:effectRef idx="0">
+            <a:schemeClr val="accent1"/>
+          </a:effectRef>
+          <a:fontRef idx="minor">
+            <a:schemeClr val="tx1"/>
+          </a:fontRef>
+        </p:style>
+      </p:cxnSp>
+      <p:cxnSp>
+        <p:nvCxnSpPr>
+          <p:cNvPr id="61" name="מחבר: מעוקל 60">
+            <a:extLst>
+              <a:ext uri="{FF2B5EF4-FFF2-40B4-BE49-F238E27FC236}">
+                <a16:creationId xmlns:a16="http://schemas.microsoft.com/office/drawing/2014/main" id="{D9A9B7E5-E78C-4298-9C95-09FCB81A962F}"/>
+              </a:ext>
+            </a:extLst>
+          </p:cNvPr>
+          <p:cNvCxnSpPr>
+            <a:cxnSpLocks/>
+          </p:cNvCxnSpPr>
+          <p:nvPr/>
+        </p:nvCxnSpPr>
+        <p:spPr>
+          <a:xfrm flipV="1">
+            <a:off x="2621126" y="3747543"/>
+            <a:ext cx="3012399" cy="1694959"/>
+          </a:xfrm>
+          <a:prstGeom prst="curvedConnector3">
+            <a:avLst>
+              <a:gd name="adj1" fmla="val 96632"/>
+            </a:avLst>
+          </a:prstGeom>
+          <a:ln>
+            <a:solidFill>
+              <a:schemeClr val="bg2">
+                <a:lumMod val="10000"/>
+              </a:schemeClr>
+            </a:solidFill>
+            <a:tailEnd type="triangle"/>
+          </a:ln>
+        </p:spPr>
+        <p:style>
+          <a:lnRef idx="1">
+            <a:schemeClr val="accent1"/>
+          </a:lnRef>
+          <a:fillRef idx="0">
+            <a:schemeClr val="accent1"/>
+          </a:fillRef>
+          <a:effectRef idx="0">
+            <a:schemeClr val="accent1"/>
+          </a:effectRef>
+          <a:fontRef idx="minor">
+            <a:schemeClr val="tx1"/>
+          </a:fontRef>
+        </p:style>
+      </p:cxnSp>
+      <p:cxnSp>
+        <p:nvCxnSpPr>
+          <p:cNvPr id="68" name="מחבר: מרפקי 67">
+            <a:extLst>
+              <a:ext uri="{FF2B5EF4-FFF2-40B4-BE49-F238E27FC236}">
+                <a16:creationId xmlns:a16="http://schemas.microsoft.com/office/drawing/2014/main" id="{42CCE2BC-7747-41F9-BC6D-AD03FCD023E8}"/>
+              </a:ext>
+            </a:extLst>
+          </p:cNvPr>
+          <p:cNvCxnSpPr/>
+          <p:nvPr/>
+        </p:nvCxnSpPr>
+        <p:spPr>
+          <a:xfrm>
+            <a:off x="6113231" y="3445771"/>
+            <a:ext cx="2643016" cy="188476"/>
+          </a:xfrm>
+          <a:prstGeom prst="bentConnector3">
+            <a:avLst/>
+          </a:prstGeom>
+          <a:ln>
+            <a:solidFill>
+              <a:schemeClr val="bg2">
+                <a:lumMod val="10000"/>
+              </a:schemeClr>
+            </a:solidFill>
+            <a:tailEnd type="triangle"/>
+          </a:ln>
+        </p:spPr>
+        <p:style>
+          <a:lnRef idx="1">
+            <a:schemeClr val="accent1"/>
+          </a:lnRef>
+          <a:fillRef idx="0">
+            <a:schemeClr val="accent1"/>
+          </a:fillRef>
+          <a:effectRef idx="0">
+            <a:schemeClr val="accent1"/>
+          </a:effectRef>
+          <a:fontRef idx="minor">
+            <a:schemeClr val="tx1"/>
+          </a:fontRef>
+        </p:style>
+      </p:cxnSp>
+    </p:spTree>
+    <p:extLst>
+      <p:ext uri="{BB962C8B-B14F-4D97-AF65-F5344CB8AC3E}">
+        <p14:creationId xmlns:p14="http://schemas.microsoft.com/office/powerpoint/2010/main" val="1653307090"/>
+      </p:ext>
+    </p:extLst>
+  </p:cSld>
+  <p:clrMapOvr>
+    <a:masterClrMapping/>
+  </p:clrMapOvr>
+</p:sld>
+</file>
+
+<file path=ppt/slides/slide9.xml><?xml version="1.0" encoding="utf-8"?>
+<p:sld xmlns:a="http://schemas.openxmlformats.org/drawingml/2006/main" xmlns:r="http://schemas.openxmlformats.org/officeDocument/2006/relationships" xmlns:p="http://schemas.openxmlformats.org/presentationml/2006/main">
+  <p:cSld>
+    <p:spTree>
+      <p:nvGrpSpPr>
+        <p:cNvPr id="1" name=""/>
+        <p:cNvGrpSpPr/>
+        <p:nvPr/>
+      </p:nvGrpSpPr>
+      <p:grpSpPr>
+        <a:xfrm>
+          <a:off x="0" y="0"/>
+          <a:ext cx="0" cy="0"/>
+          <a:chOff x="0" y="0"/>
+          <a:chExt cx="0" cy="0"/>
+        </a:xfrm>
+      </p:grpSpPr>
+      <p:pic>
+        <p:nvPicPr>
+          <p:cNvPr id="74" name="תמונה 73">
+            <a:extLst>
+              <a:ext uri="{FF2B5EF4-FFF2-40B4-BE49-F238E27FC236}">
+                <a16:creationId xmlns:a16="http://schemas.microsoft.com/office/drawing/2014/main" id="{0DF464EA-34E8-420B-9AFF-491E41F2D08E}"/>
+              </a:ext>
+            </a:extLst>
+          </p:cNvPr>
+          <p:cNvPicPr>
+            <a:picLocks noChangeAspect="1"/>
+          </p:cNvPicPr>
+          <p:nvPr/>
+        </p:nvPicPr>
+        <p:blipFill>
+          <a:blip r:embed="rId2">
+            <a:extLst>
+              <a:ext uri="{28A0092B-C50C-407E-A947-70E740481C1C}">
+                <a14:useLocalDpi xmlns:a14="http://schemas.microsoft.com/office/drawing/2010/main" val="0"/>
+              </a:ext>
+            </a:extLst>
+          </a:blip>
+          <a:stretch>
+            <a:fillRect/>
+          </a:stretch>
+        </p:blipFill>
+        <p:spPr>
+          <a:xfrm>
+            <a:off x="3550729" y="4328064"/>
+            <a:ext cx="797344" cy="486185"/>
+          </a:xfrm>
+          <a:prstGeom prst="rect">
+            <a:avLst/>
+          </a:prstGeom>
+        </p:spPr>
+      </p:pic>
+      <p:pic>
+        <p:nvPicPr>
+          <p:cNvPr id="75" name="תמונה 74">
+            <a:extLst>
+              <a:ext uri="{FF2B5EF4-FFF2-40B4-BE49-F238E27FC236}">
+                <a16:creationId xmlns:a16="http://schemas.microsoft.com/office/drawing/2014/main" id="{6E427CC5-0C1A-475A-8D82-520B593E8BF1}"/>
+              </a:ext>
+            </a:extLst>
+          </p:cNvPr>
+          <p:cNvPicPr>
+            <a:picLocks noChangeAspect="1"/>
+          </p:cNvPicPr>
+          <p:nvPr/>
+        </p:nvPicPr>
+        <p:blipFill>
+          <a:blip r:embed="rId2">
+            <a:extLst>
+              <a:ext uri="{28A0092B-C50C-407E-A947-70E740481C1C}">
+                <a14:useLocalDpi xmlns:a14="http://schemas.microsoft.com/office/drawing/2010/main" val="0"/>
+              </a:ext>
+            </a:extLst>
+          </a:blip>
+          <a:stretch>
+            <a:fillRect/>
+          </a:stretch>
+        </p:blipFill>
+        <p:spPr>
+          <a:xfrm>
+            <a:off x="3046202" y="3388112"/>
+            <a:ext cx="797344" cy="486185"/>
+          </a:xfrm>
+          <a:prstGeom prst="rect">
+            <a:avLst/>
+          </a:prstGeom>
+        </p:spPr>
+      </p:pic>
+      <p:pic>
+        <p:nvPicPr>
+          <p:cNvPr id="76" name="תמונה 75">
+            <a:extLst>
+              <a:ext uri="{FF2B5EF4-FFF2-40B4-BE49-F238E27FC236}">
+                <a16:creationId xmlns:a16="http://schemas.microsoft.com/office/drawing/2014/main" id="{5C1AB36C-A0DA-45B8-BD1D-3B66BBEBD13D}"/>
+              </a:ext>
+            </a:extLst>
+          </p:cNvPr>
+          <p:cNvPicPr>
+            <a:picLocks noChangeAspect="1"/>
+          </p:cNvPicPr>
+          <p:nvPr/>
+        </p:nvPicPr>
+        <p:blipFill>
+          <a:blip r:embed="rId2">
+            <a:extLst>
+              <a:ext uri="{28A0092B-C50C-407E-A947-70E740481C1C}">
+                <a14:useLocalDpi xmlns:a14="http://schemas.microsoft.com/office/drawing/2010/main" val="0"/>
+              </a:ext>
+            </a:extLst>
+          </a:blip>
+          <a:stretch>
+            <a:fillRect/>
+          </a:stretch>
+        </p:blipFill>
+        <p:spPr>
+          <a:xfrm>
+            <a:off x="2988547" y="2534670"/>
+            <a:ext cx="797344" cy="486185"/>
+          </a:xfrm>
+          <a:prstGeom prst="rect">
+            <a:avLst/>
+          </a:prstGeom>
+        </p:spPr>
+      </p:pic>
+      <p:pic>
+        <p:nvPicPr>
+          <p:cNvPr id="77" name="תמונה 76">
+            <a:extLst>
+              <a:ext uri="{FF2B5EF4-FFF2-40B4-BE49-F238E27FC236}">
+                <a16:creationId xmlns:a16="http://schemas.microsoft.com/office/drawing/2014/main" id="{A279909F-2C16-492A-A033-F402F03F6ACF}"/>
+              </a:ext>
+            </a:extLst>
+          </p:cNvPr>
+          <p:cNvPicPr>
+            <a:picLocks noChangeAspect="1"/>
+          </p:cNvPicPr>
+          <p:nvPr/>
+        </p:nvPicPr>
+        <p:blipFill>
+          <a:blip r:embed="rId2">
+            <a:extLst>
+              <a:ext uri="{28A0092B-C50C-407E-A947-70E740481C1C}">
+                <a14:useLocalDpi xmlns:a14="http://schemas.microsoft.com/office/drawing/2010/main" val="0"/>
+              </a:ext>
+            </a:extLst>
+          </a:blip>
+          <a:stretch>
+            <a:fillRect/>
+          </a:stretch>
+        </p:blipFill>
+        <p:spPr>
+          <a:xfrm>
+            <a:off x="3447729" y="1891667"/>
+            <a:ext cx="797344" cy="486185"/>
+          </a:xfrm>
+          <a:prstGeom prst="rect">
+            <a:avLst/>
+          </a:prstGeom>
+        </p:spPr>
+      </p:pic>
+      <p:pic>
+        <p:nvPicPr>
+          <p:cNvPr id="71" name="תמונה 70">
+            <a:extLst>
+              <a:ext uri="{FF2B5EF4-FFF2-40B4-BE49-F238E27FC236}">
+                <a16:creationId xmlns:a16="http://schemas.microsoft.com/office/drawing/2014/main" id="{08691FBE-3710-4662-8CFB-3BD2882490E1}"/>
+              </a:ext>
+            </a:extLst>
+          </p:cNvPr>
+          <p:cNvPicPr>
+            <a:picLocks noChangeAspect="1"/>
+          </p:cNvPicPr>
+          <p:nvPr/>
+        </p:nvPicPr>
+        <p:blipFill>
+          <a:blip r:embed="rId3">
+            <a:extLst>
+              <a:ext uri="{28A0092B-C50C-407E-A947-70E740481C1C}">
+                <a14:useLocalDpi xmlns:a14="http://schemas.microsoft.com/office/drawing/2010/main" val="0"/>
+              </a:ext>
+            </a:extLst>
+          </a:blip>
+          <a:stretch>
+            <a:fillRect/>
+          </a:stretch>
+        </p:blipFill>
+        <p:spPr>
+          <a:xfrm>
+            <a:off x="4084634" y="3033565"/>
+            <a:ext cx="1084614" cy="719146"/>
+          </a:xfrm>
+          <a:prstGeom prst="rect">
+            <a:avLst/>
+          </a:prstGeom>
+        </p:spPr>
+      </p:pic>
       <p:sp>
         <p:nvSpPr>
-          <p:cNvPr id="3" name="מציין מיקום תוכן 2">
-            <a:extLst>
-              <a:ext uri="{FF2B5EF4-FFF2-40B4-BE49-F238E27FC236}">
-                <a16:creationId xmlns:a16="http://schemas.microsoft.com/office/drawing/2014/main" id="{CB34039A-37A8-4625-B3FE-248D3258CF20}"/>
+          <p:cNvPr id="2" name="כותרת 1">
+            <a:extLst>
+              <a:ext uri="{FF2B5EF4-FFF2-40B4-BE49-F238E27FC236}">
+                <a16:creationId xmlns:a16="http://schemas.microsoft.com/office/drawing/2014/main" id="{9179A7BF-343A-4697-A794-0078A4509BAD}"/>
               </a:ext>
             </a:extLst>
           </p:cNvPr>
@@ -6730,7 +13574,7 @@
             <a:spLocks noGrp="1"/>
           </p:cNvSpPr>
           <p:nvPr>
-            <p:ph idx="1"/>
+            <p:ph type="title"/>
           </p:nvPr>
         </p:nvSpPr>
         <p:spPr/>
@@ -6738,69 +13582,870 @@
           <a:bodyPr/>
           <a:lstStyle/>
           <a:p>
-            <a:r>
-              <a:rPr lang="he-IL" dirty="0"/>
-              <a:t>חלוקת בונוסים לאנשים עם וותק או לאנשים שמספקים </a:t>
-            </a:r>
+            <a:pPr algn="ctr"/>
             <a:r>
               <a:rPr lang="en-US" dirty="0"/>
-              <a:t>full proof of work</a:t>
-            </a:r>
-            <a:r>
-              <a:rPr lang="he-IL" dirty="0"/>
-              <a:t>.</a:t>
-            </a:r>
-          </a:p>
-          <a:p>
-            <a:pPr marL="0" indent="0">
-              <a:buNone/>
-            </a:pPr>
-            <a:r>
-              <a:rPr lang="he-IL" dirty="0"/>
-              <a:t>*הופך את הקבוצה לפחות אטרקטיבית לכורים חדשים או קטנים, מקטין את המשאבים הפוטנציאלים -&gt; מקטין רווחים פוטנציאלי.</a:t>
-            </a:r>
-          </a:p>
-          <a:p>
-            <a:pPr marL="0" indent="0">
-              <a:buNone/>
-            </a:pPr>
-            <a:endParaRPr lang="he-IL" dirty="0"/>
-          </a:p>
-          <a:p>
-            <a:r>
-              <a:rPr lang="he-IL" dirty="0"/>
-              <a:t>מלכודת – נותנים לכורה משימה עם פתרון קל ולכן מצפים שהוא ייתן את </a:t>
-            </a:r>
-            <a:r>
-              <a:rPr lang="en-US" dirty="0"/>
-              <a:t>full proof of work</a:t>
-            </a:r>
-            <a:r>
-              <a:rPr lang="he-IL" dirty="0"/>
-              <a:t>.</a:t>
-            </a:r>
-          </a:p>
-          <a:p>
-            <a:pPr marL="0" indent="0">
-              <a:buNone/>
-            </a:pPr>
-            <a:r>
-              <a:rPr lang="he-IL" dirty="0"/>
-              <a:t>*לוקח המון זמן לעשות את זה כמו שצריך ולוקח הרבה משאבים שיכלו לנסות לפתור פאזלים אמתיים -&gt; מקטין רווחים.</a:t>
-            </a:r>
-          </a:p>
-          <a:p>
-            <a:r>
-              <a:rPr lang="he-IL" dirty="0"/>
-              <a:t>הפיכת הקבוצות לסגורות.</a:t>
+              <a:t>Pool Mining </a:t>
             </a:r>
           </a:p>
         </p:txBody>
       </p:sp>
+      <p:pic>
+        <p:nvPicPr>
+          <p:cNvPr id="23" name="תמונה 22">
+            <a:extLst>
+              <a:ext uri="{FF2B5EF4-FFF2-40B4-BE49-F238E27FC236}">
+                <a16:creationId xmlns:a16="http://schemas.microsoft.com/office/drawing/2014/main" id="{28ABCF65-2309-4143-98A0-6D3973CB5ABE}"/>
+              </a:ext>
+            </a:extLst>
+          </p:cNvPr>
+          <p:cNvPicPr>
+            <a:picLocks noChangeAspect="1"/>
+          </p:cNvPicPr>
+          <p:nvPr/>
+        </p:nvPicPr>
+        <p:blipFill>
+          <a:blip r:embed="rId4">
+            <a:extLst>
+              <a:ext uri="{28A0092B-C50C-407E-A947-70E740481C1C}">
+                <a14:useLocalDpi xmlns:a14="http://schemas.microsoft.com/office/drawing/2010/main" val="0"/>
+              </a:ext>
+            </a:extLst>
+          </a:blip>
+          <a:stretch>
+            <a:fillRect/>
+          </a:stretch>
+        </p:blipFill>
+        <p:spPr>
+          <a:xfrm>
+            <a:off x="8739016" y="2478576"/>
+            <a:ext cx="2651126" cy="1325563"/>
+          </a:xfrm>
+          <a:prstGeom prst="rect">
+            <a:avLst/>
+          </a:prstGeom>
+        </p:spPr>
+      </p:pic>
+      <p:pic>
+        <p:nvPicPr>
+          <p:cNvPr id="25" name="תמונה 24">
+            <a:extLst>
+              <a:ext uri="{FF2B5EF4-FFF2-40B4-BE49-F238E27FC236}">
+                <a16:creationId xmlns:a16="http://schemas.microsoft.com/office/drawing/2014/main" id="{34B3BD7E-8AF6-4807-B708-5AD521F75C6D}"/>
+              </a:ext>
+            </a:extLst>
+          </p:cNvPr>
+          <p:cNvPicPr>
+            <a:picLocks noChangeAspect="1"/>
+          </p:cNvPicPr>
+          <p:nvPr/>
+        </p:nvPicPr>
+        <p:blipFill>
+          <a:blip r:embed="rId5">
+            <a:extLst>
+              <a:ext uri="{28A0092B-C50C-407E-A947-70E740481C1C}">
+                <a14:useLocalDpi xmlns:a14="http://schemas.microsoft.com/office/drawing/2010/main" val="0"/>
+              </a:ext>
+            </a:extLst>
+          </a:blip>
+          <a:stretch>
+            <a:fillRect/>
+          </a:stretch>
+        </p:blipFill>
+        <p:spPr>
+          <a:xfrm>
+            <a:off x="4950656" y="2715065"/>
+            <a:ext cx="1365738" cy="1365738"/>
+          </a:xfrm>
+          <a:prstGeom prst="rect">
+            <a:avLst/>
+          </a:prstGeom>
+        </p:spPr>
+      </p:pic>
+      <p:cxnSp>
+        <p:nvCxnSpPr>
+          <p:cNvPr id="27" name="מחבר: מרפקי 26">
+            <a:extLst>
+              <a:ext uri="{FF2B5EF4-FFF2-40B4-BE49-F238E27FC236}">
+                <a16:creationId xmlns:a16="http://schemas.microsoft.com/office/drawing/2014/main" id="{A03D8BE9-AE2F-47E9-A383-09C6004A1017}"/>
+              </a:ext>
+            </a:extLst>
+          </p:cNvPr>
+          <p:cNvCxnSpPr/>
+          <p:nvPr/>
+        </p:nvCxnSpPr>
+        <p:spPr>
+          <a:xfrm rot="10800000" flipV="1">
+            <a:off x="6096000" y="2715064"/>
+            <a:ext cx="2643016" cy="590843"/>
+          </a:xfrm>
+          <a:prstGeom prst="bentConnector3">
+            <a:avLst/>
+          </a:prstGeom>
+          <a:ln>
+            <a:tailEnd type="triangle"/>
+          </a:ln>
+        </p:spPr>
+        <p:style>
+          <a:lnRef idx="1">
+            <a:schemeClr val="accent1"/>
+          </a:lnRef>
+          <a:fillRef idx="0">
+            <a:schemeClr val="accent1"/>
+          </a:fillRef>
+          <a:effectRef idx="0">
+            <a:schemeClr val="accent1"/>
+          </a:effectRef>
+          <a:fontRef idx="minor">
+            <a:schemeClr val="tx1"/>
+          </a:fontRef>
+        </p:style>
+      </p:cxnSp>
+      <p:cxnSp>
+        <p:nvCxnSpPr>
+          <p:cNvPr id="30" name="מחבר: מעוקל 29">
+            <a:extLst>
+              <a:ext uri="{FF2B5EF4-FFF2-40B4-BE49-F238E27FC236}">
+                <a16:creationId xmlns:a16="http://schemas.microsoft.com/office/drawing/2014/main" id="{455CE680-A78E-47B7-8BFD-86E9B206B156}"/>
+              </a:ext>
+            </a:extLst>
+          </p:cNvPr>
+          <p:cNvCxnSpPr>
+            <a:cxnSpLocks/>
+          </p:cNvCxnSpPr>
+          <p:nvPr/>
+        </p:nvCxnSpPr>
+        <p:spPr>
+          <a:xfrm rot="10800000">
+            <a:off x="2596011" y="1476538"/>
+            <a:ext cx="2625349" cy="1412436"/>
+          </a:xfrm>
+          <a:prstGeom prst="curvedConnector3">
+            <a:avLst/>
+          </a:prstGeom>
+          <a:ln>
+            <a:tailEnd type="triangle"/>
+          </a:ln>
+        </p:spPr>
+        <p:style>
+          <a:lnRef idx="1">
+            <a:schemeClr val="accent1"/>
+          </a:lnRef>
+          <a:fillRef idx="0">
+            <a:schemeClr val="accent1"/>
+          </a:fillRef>
+          <a:effectRef idx="0">
+            <a:schemeClr val="accent1"/>
+          </a:effectRef>
+          <a:fontRef idx="minor">
+            <a:schemeClr val="tx1"/>
+          </a:fontRef>
+        </p:style>
+      </p:cxnSp>
+      <p:cxnSp>
+        <p:nvCxnSpPr>
+          <p:cNvPr id="31" name="מחבר: מעוקל 30">
+            <a:extLst>
+              <a:ext uri="{FF2B5EF4-FFF2-40B4-BE49-F238E27FC236}">
+                <a16:creationId xmlns:a16="http://schemas.microsoft.com/office/drawing/2014/main" id="{67F86254-536F-4E39-8363-DF20443C2429}"/>
+              </a:ext>
+            </a:extLst>
+          </p:cNvPr>
+          <p:cNvCxnSpPr>
+            <a:cxnSpLocks/>
+          </p:cNvCxnSpPr>
+          <p:nvPr/>
+        </p:nvCxnSpPr>
+        <p:spPr>
+          <a:xfrm rot="10800000">
+            <a:off x="2510803" y="2579350"/>
+            <a:ext cx="2872852" cy="686101"/>
+          </a:xfrm>
+          <a:prstGeom prst="curvedConnector3">
+            <a:avLst/>
+          </a:prstGeom>
+          <a:ln>
+            <a:tailEnd type="triangle"/>
+          </a:ln>
+        </p:spPr>
+        <p:style>
+          <a:lnRef idx="1">
+            <a:schemeClr val="accent1"/>
+          </a:lnRef>
+          <a:fillRef idx="0">
+            <a:schemeClr val="accent1"/>
+          </a:fillRef>
+          <a:effectRef idx="0">
+            <a:schemeClr val="accent1"/>
+          </a:effectRef>
+          <a:fontRef idx="minor">
+            <a:schemeClr val="tx1"/>
+          </a:fontRef>
+        </p:style>
+      </p:cxnSp>
+      <p:cxnSp>
+        <p:nvCxnSpPr>
+          <p:cNvPr id="32" name="מחבר: מעוקל 31">
+            <a:extLst>
+              <a:ext uri="{FF2B5EF4-FFF2-40B4-BE49-F238E27FC236}">
+                <a16:creationId xmlns:a16="http://schemas.microsoft.com/office/drawing/2014/main" id="{CE12DDCC-3A30-4D50-B110-2E1DBF798704}"/>
+              </a:ext>
+            </a:extLst>
+          </p:cNvPr>
+          <p:cNvCxnSpPr>
+            <a:cxnSpLocks/>
+          </p:cNvCxnSpPr>
+          <p:nvPr/>
+        </p:nvCxnSpPr>
+        <p:spPr>
+          <a:xfrm rot="10800000">
+            <a:off x="2510803" y="3602962"/>
+            <a:ext cx="2671196" cy="12700"/>
+          </a:xfrm>
+          <a:prstGeom prst="curvedConnector3">
+            <a:avLst/>
+          </a:prstGeom>
+          <a:ln>
+            <a:tailEnd type="triangle"/>
+          </a:ln>
+        </p:spPr>
+        <p:style>
+          <a:lnRef idx="1">
+            <a:schemeClr val="accent1"/>
+          </a:lnRef>
+          <a:fillRef idx="0">
+            <a:schemeClr val="accent1"/>
+          </a:fillRef>
+          <a:effectRef idx="0">
+            <a:schemeClr val="accent1"/>
+          </a:effectRef>
+          <a:fontRef idx="minor">
+            <a:schemeClr val="tx1"/>
+          </a:fontRef>
+        </p:style>
+      </p:cxnSp>
+      <p:cxnSp>
+        <p:nvCxnSpPr>
+          <p:cNvPr id="33" name="מחבר: מעוקל 32">
+            <a:extLst>
+              <a:ext uri="{FF2B5EF4-FFF2-40B4-BE49-F238E27FC236}">
+                <a16:creationId xmlns:a16="http://schemas.microsoft.com/office/drawing/2014/main" id="{B0932318-6522-42D0-A885-D27B42D5D264}"/>
+              </a:ext>
+            </a:extLst>
+          </p:cNvPr>
+          <p:cNvCxnSpPr>
+            <a:cxnSpLocks/>
+          </p:cNvCxnSpPr>
+          <p:nvPr/>
+        </p:nvCxnSpPr>
+        <p:spPr>
+          <a:xfrm rot="10800000" flipV="1">
+            <a:off x="2596011" y="3777636"/>
+            <a:ext cx="2665107" cy="1541694"/>
+          </a:xfrm>
+          <a:prstGeom prst="curvedConnector3">
+            <a:avLst>
+              <a:gd name="adj1" fmla="val 50000"/>
+            </a:avLst>
+          </a:prstGeom>
+          <a:ln>
+            <a:tailEnd type="triangle"/>
+          </a:ln>
+        </p:spPr>
+        <p:style>
+          <a:lnRef idx="1">
+            <a:schemeClr val="accent1"/>
+          </a:lnRef>
+          <a:fillRef idx="0">
+            <a:schemeClr val="accent1"/>
+          </a:fillRef>
+          <a:effectRef idx="0">
+            <a:schemeClr val="accent1"/>
+          </a:effectRef>
+          <a:fontRef idx="minor">
+            <a:schemeClr val="tx1"/>
+          </a:fontRef>
+        </p:style>
+      </p:cxnSp>
+      <p:pic>
+        <p:nvPicPr>
+          <p:cNvPr id="44" name="תמונה 43">
+            <a:extLst>
+              <a:ext uri="{FF2B5EF4-FFF2-40B4-BE49-F238E27FC236}">
+                <a16:creationId xmlns:a16="http://schemas.microsoft.com/office/drawing/2014/main" id="{49403C56-A35F-40A1-98B1-48EE99E71524}"/>
+              </a:ext>
+            </a:extLst>
+          </p:cNvPr>
+          <p:cNvPicPr>
+            <a:picLocks noChangeAspect="1"/>
+          </p:cNvPicPr>
+          <p:nvPr/>
+        </p:nvPicPr>
+        <p:blipFill>
+          <a:blip r:embed="rId6">
+            <a:extLst>
+              <a:ext uri="{28A0092B-C50C-407E-A947-70E740481C1C}">
+                <a14:useLocalDpi xmlns:a14="http://schemas.microsoft.com/office/drawing/2010/main" val="0"/>
+              </a:ext>
+            </a:extLst>
+          </a:blip>
+          <a:stretch>
+            <a:fillRect/>
+          </a:stretch>
+        </p:blipFill>
+        <p:spPr>
+          <a:xfrm>
+            <a:off x="1843460" y="5083865"/>
+            <a:ext cx="752550" cy="717274"/>
+          </a:xfrm>
+          <a:prstGeom prst="rect">
+            <a:avLst/>
+          </a:prstGeom>
+        </p:spPr>
+      </p:pic>
+      <p:pic>
+        <p:nvPicPr>
+          <p:cNvPr id="45" name="תמונה 44">
+            <a:extLst>
+              <a:ext uri="{FF2B5EF4-FFF2-40B4-BE49-F238E27FC236}">
+                <a16:creationId xmlns:a16="http://schemas.microsoft.com/office/drawing/2014/main" id="{415D2602-020E-4D2F-91B6-4E719E0F14DF}"/>
+              </a:ext>
+            </a:extLst>
+          </p:cNvPr>
+          <p:cNvPicPr>
+            <a:picLocks noChangeAspect="1"/>
+          </p:cNvPicPr>
+          <p:nvPr/>
+        </p:nvPicPr>
+        <p:blipFill>
+          <a:blip r:embed="rId6">
+            <a:extLst>
+              <a:ext uri="{28A0092B-C50C-407E-A947-70E740481C1C}">
+                <a14:useLocalDpi xmlns:a14="http://schemas.microsoft.com/office/drawing/2010/main" val="0"/>
+              </a:ext>
+            </a:extLst>
+          </a:blip>
+          <a:stretch>
+            <a:fillRect/>
+          </a:stretch>
+        </p:blipFill>
+        <p:spPr>
+          <a:xfrm>
+            <a:off x="1758253" y="3418999"/>
+            <a:ext cx="752550" cy="717274"/>
+          </a:xfrm>
+          <a:prstGeom prst="rect">
+            <a:avLst/>
+          </a:prstGeom>
+        </p:spPr>
+      </p:pic>
+      <p:pic>
+        <p:nvPicPr>
+          <p:cNvPr id="46" name="תמונה 45">
+            <a:extLst>
+              <a:ext uri="{FF2B5EF4-FFF2-40B4-BE49-F238E27FC236}">
+                <a16:creationId xmlns:a16="http://schemas.microsoft.com/office/drawing/2014/main" id="{48992091-FDAF-47DE-8BA6-CDFF2CA42014}"/>
+              </a:ext>
+            </a:extLst>
+          </p:cNvPr>
+          <p:cNvPicPr>
+            <a:picLocks noChangeAspect="1"/>
+          </p:cNvPicPr>
+          <p:nvPr/>
+        </p:nvPicPr>
+        <p:blipFill>
+          <a:blip r:embed="rId6">
+            <a:extLst>
+              <a:ext uri="{28A0092B-C50C-407E-A947-70E740481C1C}">
+                <a14:useLocalDpi xmlns:a14="http://schemas.microsoft.com/office/drawing/2010/main" val="0"/>
+              </a:ext>
+            </a:extLst>
+          </a:blip>
+          <a:stretch>
+            <a:fillRect/>
+          </a:stretch>
+        </p:blipFill>
+        <p:spPr>
+          <a:xfrm>
+            <a:off x="1770937" y="2270528"/>
+            <a:ext cx="752550" cy="717274"/>
+          </a:xfrm>
+          <a:prstGeom prst="rect">
+            <a:avLst/>
+          </a:prstGeom>
+        </p:spPr>
+      </p:pic>
+      <p:pic>
+        <p:nvPicPr>
+          <p:cNvPr id="47" name="תמונה 46">
+            <a:extLst>
+              <a:ext uri="{FF2B5EF4-FFF2-40B4-BE49-F238E27FC236}">
+                <a16:creationId xmlns:a16="http://schemas.microsoft.com/office/drawing/2014/main" id="{44A62A51-7F52-4FCD-90B5-F1B5A07F1FB6}"/>
+              </a:ext>
+            </a:extLst>
+          </p:cNvPr>
+          <p:cNvPicPr>
+            <a:picLocks noChangeAspect="1"/>
+          </p:cNvPicPr>
+          <p:nvPr/>
+        </p:nvPicPr>
+        <p:blipFill>
+          <a:blip r:embed="rId6">
+            <a:extLst>
+              <a:ext uri="{28A0092B-C50C-407E-A947-70E740481C1C}">
+                <a14:useLocalDpi xmlns:a14="http://schemas.microsoft.com/office/drawing/2010/main" val="0"/>
+              </a:ext>
+            </a:extLst>
+          </a:blip>
+          <a:stretch>
+            <a:fillRect/>
+          </a:stretch>
+        </p:blipFill>
+        <p:spPr>
+          <a:xfrm>
+            <a:off x="1862546" y="1100061"/>
+            <a:ext cx="752550" cy="717274"/>
+          </a:xfrm>
+          <a:prstGeom prst="rect">
+            <a:avLst/>
+          </a:prstGeom>
+        </p:spPr>
+      </p:pic>
+      <p:pic>
+        <p:nvPicPr>
+          <p:cNvPr id="49" name="תמונה 48">
+            <a:extLst>
+              <a:ext uri="{FF2B5EF4-FFF2-40B4-BE49-F238E27FC236}">
+                <a16:creationId xmlns:a16="http://schemas.microsoft.com/office/drawing/2014/main" id="{4821D080-8E9C-464D-9DE1-50911AFCC31C}"/>
+              </a:ext>
+            </a:extLst>
+          </p:cNvPr>
+          <p:cNvPicPr>
+            <a:picLocks noChangeAspect="1"/>
+          </p:cNvPicPr>
+          <p:nvPr/>
+        </p:nvPicPr>
+        <p:blipFill>
+          <a:blip r:embed="rId3">
+            <a:extLst>
+              <a:ext uri="{28A0092B-C50C-407E-A947-70E740481C1C}">
+                <a14:useLocalDpi xmlns:a14="http://schemas.microsoft.com/office/drawing/2010/main" val="0"/>
+              </a:ext>
+            </a:extLst>
+          </a:blip>
+          <a:stretch>
+            <a:fillRect/>
+          </a:stretch>
+        </p:blipFill>
+        <p:spPr>
+          <a:xfrm>
+            <a:off x="7478858" y="1952226"/>
+            <a:ext cx="1084614" cy="719146"/>
+          </a:xfrm>
+          <a:prstGeom prst="rect">
+            <a:avLst/>
+          </a:prstGeom>
+        </p:spPr>
+      </p:pic>
+      <p:pic>
+        <p:nvPicPr>
+          <p:cNvPr id="51" name="תמונה 50">
+            <a:extLst>
+              <a:ext uri="{FF2B5EF4-FFF2-40B4-BE49-F238E27FC236}">
+                <a16:creationId xmlns:a16="http://schemas.microsoft.com/office/drawing/2014/main" id="{B11D6A07-56A2-4A43-BA61-D459B8963EAE}"/>
+              </a:ext>
+            </a:extLst>
+          </p:cNvPr>
+          <p:cNvPicPr>
+            <a:picLocks noChangeAspect="1"/>
+          </p:cNvPicPr>
+          <p:nvPr/>
+        </p:nvPicPr>
+        <p:blipFill>
+          <a:blip r:embed="rId7">
+            <a:extLst>
+              <a:ext uri="{28A0092B-C50C-407E-A947-70E740481C1C}">
+                <a14:useLocalDpi xmlns:a14="http://schemas.microsoft.com/office/drawing/2010/main" val="0"/>
+              </a:ext>
+            </a:extLst>
+          </a:blip>
+          <a:stretch>
+            <a:fillRect/>
+          </a:stretch>
+        </p:blipFill>
+        <p:spPr>
+          <a:xfrm>
+            <a:off x="4167189" y="1266065"/>
+            <a:ext cx="325298" cy="325298"/>
+          </a:xfrm>
+          <a:prstGeom prst="rect">
+            <a:avLst/>
+          </a:prstGeom>
+        </p:spPr>
+      </p:pic>
+      <p:pic>
+        <p:nvPicPr>
+          <p:cNvPr id="52" name="תמונה 51">
+            <a:extLst>
+              <a:ext uri="{FF2B5EF4-FFF2-40B4-BE49-F238E27FC236}">
+                <a16:creationId xmlns:a16="http://schemas.microsoft.com/office/drawing/2014/main" id="{60F570FF-2F55-4A52-9640-4B1A8C8A2F36}"/>
+              </a:ext>
+            </a:extLst>
+          </p:cNvPr>
+          <p:cNvPicPr>
+            <a:picLocks noChangeAspect="1"/>
+          </p:cNvPicPr>
+          <p:nvPr/>
+        </p:nvPicPr>
+        <p:blipFill>
+          <a:blip r:embed="rId7">
+            <a:extLst>
+              <a:ext uri="{28A0092B-C50C-407E-A947-70E740481C1C}">
+                <a14:useLocalDpi xmlns:a14="http://schemas.microsoft.com/office/drawing/2010/main" val="0"/>
+              </a:ext>
+            </a:extLst>
+          </a:blip>
+          <a:stretch>
+            <a:fillRect/>
+          </a:stretch>
+        </p:blipFill>
+        <p:spPr>
+          <a:xfrm>
+            <a:off x="7785453" y="3305907"/>
+            <a:ext cx="325298" cy="325298"/>
+          </a:xfrm>
+          <a:prstGeom prst="rect">
+            <a:avLst/>
+          </a:prstGeom>
+        </p:spPr>
+      </p:pic>
+      <p:pic>
+        <p:nvPicPr>
+          <p:cNvPr id="54" name="תמונה 53">
+            <a:extLst>
+              <a:ext uri="{FF2B5EF4-FFF2-40B4-BE49-F238E27FC236}">
+                <a16:creationId xmlns:a16="http://schemas.microsoft.com/office/drawing/2014/main" id="{1E1EAB5C-67CC-42BC-92EA-5CD0B44291CC}"/>
+              </a:ext>
+            </a:extLst>
+          </p:cNvPr>
+          <p:cNvPicPr>
+            <a:picLocks noChangeAspect="1"/>
+          </p:cNvPicPr>
+          <p:nvPr/>
+        </p:nvPicPr>
+        <p:blipFill>
+          <a:blip r:embed="rId8">
+            <a:extLst>
+              <a:ext uri="{28A0092B-C50C-407E-A947-70E740481C1C}">
+                <a14:useLocalDpi xmlns:a14="http://schemas.microsoft.com/office/drawing/2010/main" val="0"/>
+              </a:ext>
+            </a:extLst>
+          </a:blip>
+          <a:stretch>
+            <a:fillRect/>
+          </a:stretch>
+        </p:blipFill>
+        <p:spPr>
+          <a:xfrm flipH="1">
+            <a:off x="4802692" y="1603133"/>
+            <a:ext cx="418668" cy="452161"/>
+          </a:xfrm>
+          <a:prstGeom prst="rect">
+            <a:avLst/>
+          </a:prstGeom>
+        </p:spPr>
+      </p:pic>
+      <p:pic>
+        <p:nvPicPr>
+          <p:cNvPr id="55" name="תמונה 54">
+            <a:extLst>
+              <a:ext uri="{FF2B5EF4-FFF2-40B4-BE49-F238E27FC236}">
+                <a16:creationId xmlns:a16="http://schemas.microsoft.com/office/drawing/2014/main" id="{C23DD0DE-B276-472D-887C-205E98C65E52}"/>
+              </a:ext>
+            </a:extLst>
+          </p:cNvPr>
+          <p:cNvPicPr>
+            <a:picLocks noChangeAspect="1"/>
+          </p:cNvPicPr>
+          <p:nvPr/>
+        </p:nvPicPr>
+        <p:blipFill>
+          <a:blip r:embed="rId8">
+            <a:extLst>
+              <a:ext uri="{28A0092B-C50C-407E-A947-70E740481C1C}">
+                <a14:useLocalDpi xmlns:a14="http://schemas.microsoft.com/office/drawing/2010/main" val="0"/>
+              </a:ext>
+            </a:extLst>
+          </a:blip>
+          <a:stretch>
+            <a:fillRect/>
+          </a:stretch>
+        </p:blipFill>
+        <p:spPr>
+          <a:xfrm flipH="1">
+            <a:off x="4741322" y="4561700"/>
+            <a:ext cx="418668" cy="452161"/>
+          </a:xfrm>
+          <a:prstGeom prst="rect">
+            <a:avLst/>
+          </a:prstGeom>
+        </p:spPr>
+      </p:pic>
+      <p:pic>
+        <p:nvPicPr>
+          <p:cNvPr id="56" name="תמונה 55">
+            <a:extLst>
+              <a:ext uri="{FF2B5EF4-FFF2-40B4-BE49-F238E27FC236}">
+                <a16:creationId xmlns:a16="http://schemas.microsoft.com/office/drawing/2014/main" id="{9D504991-748C-4CAB-B3A9-24CCA9643E7C}"/>
+              </a:ext>
+            </a:extLst>
+          </p:cNvPr>
+          <p:cNvPicPr>
+            <a:picLocks noChangeAspect="1"/>
+          </p:cNvPicPr>
+          <p:nvPr/>
+        </p:nvPicPr>
+        <p:blipFill>
+          <a:blip r:embed="rId8">
+            <a:extLst>
+              <a:ext uri="{28A0092B-C50C-407E-A947-70E740481C1C}">
+                <a14:useLocalDpi xmlns:a14="http://schemas.microsoft.com/office/drawing/2010/main" val="0"/>
+              </a:ext>
+            </a:extLst>
+          </a:blip>
+          <a:stretch>
+            <a:fillRect/>
+          </a:stretch>
+        </p:blipFill>
+        <p:spPr>
+          <a:xfrm flipH="1">
+            <a:off x="3640725" y="4976222"/>
+            <a:ext cx="418668" cy="452161"/>
+          </a:xfrm>
+          <a:prstGeom prst="rect">
+            <a:avLst/>
+          </a:prstGeom>
+        </p:spPr>
+      </p:pic>
+      <p:cxnSp>
+        <p:nvCxnSpPr>
+          <p:cNvPr id="58" name="מחבר: מעוקל 57">
+            <a:extLst>
+              <a:ext uri="{FF2B5EF4-FFF2-40B4-BE49-F238E27FC236}">
+                <a16:creationId xmlns:a16="http://schemas.microsoft.com/office/drawing/2014/main" id="{BC76E7C4-6B56-49C3-87C3-AEB725CDCCF5}"/>
+              </a:ext>
+            </a:extLst>
+          </p:cNvPr>
+          <p:cNvCxnSpPr>
+            <a:cxnSpLocks/>
+          </p:cNvCxnSpPr>
+          <p:nvPr/>
+        </p:nvCxnSpPr>
+        <p:spPr>
+          <a:xfrm>
+            <a:off x="2744698" y="1175818"/>
+            <a:ext cx="2652206" cy="1481270"/>
+          </a:xfrm>
+          <a:prstGeom prst="curvedConnector3">
+            <a:avLst>
+              <a:gd name="adj1" fmla="val 66489"/>
+            </a:avLst>
+          </a:prstGeom>
+          <a:ln>
+            <a:solidFill>
+              <a:schemeClr val="bg2">
+                <a:lumMod val="10000"/>
+              </a:schemeClr>
+            </a:solidFill>
+            <a:tailEnd type="triangle"/>
+          </a:ln>
+        </p:spPr>
+        <p:style>
+          <a:lnRef idx="1">
+            <a:schemeClr val="accent1"/>
+          </a:lnRef>
+          <a:fillRef idx="0">
+            <a:schemeClr val="accent1"/>
+          </a:fillRef>
+          <a:effectRef idx="0">
+            <a:schemeClr val="accent1"/>
+          </a:effectRef>
+          <a:fontRef idx="minor">
+            <a:schemeClr val="tx1"/>
+          </a:fontRef>
+        </p:style>
+      </p:cxnSp>
+      <p:cxnSp>
+        <p:nvCxnSpPr>
+          <p:cNvPr id="61" name="מחבר: מעוקל 60">
+            <a:extLst>
+              <a:ext uri="{FF2B5EF4-FFF2-40B4-BE49-F238E27FC236}">
+                <a16:creationId xmlns:a16="http://schemas.microsoft.com/office/drawing/2014/main" id="{D9A9B7E5-E78C-4298-9C95-09FCB81A962F}"/>
+              </a:ext>
+            </a:extLst>
+          </p:cNvPr>
+          <p:cNvCxnSpPr>
+            <a:cxnSpLocks/>
+          </p:cNvCxnSpPr>
+          <p:nvPr/>
+        </p:nvCxnSpPr>
+        <p:spPr>
+          <a:xfrm flipV="1">
+            <a:off x="2621126" y="3747543"/>
+            <a:ext cx="3012399" cy="1694959"/>
+          </a:xfrm>
+          <a:prstGeom prst="curvedConnector3">
+            <a:avLst>
+              <a:gd name="adj1" fmla="val 96632"/>
+            </a:avLst>
+          </a:prstGeom>
+          <a:ln>
+            <a:solidFill>
+              <a:schemeClr val="bg2">
+                <a:lumMod val="10000"/>
+              </a:schemeClr>
+            </a:solidFill>
+            <a:tailEnd type="triangle"/>
+          </a:ln>
+        </p:spPr>
+        <p:style>
+          <a:lnRef idx="1">
+            <a:schemeClr val="accent1"/>
+          </a:lnRef>
+          <a:fillRef idx="0">
+            <a:schemeClr val="accent1"/>
+          </a:fillRef>
+          <a:effectRef idx="0">
+            <a:schemeClr val="accent1"/>
+          </a:effectRef>
+          <a:fontRef idx="minor">
+            <a:schemeClr val="tx1"/>
+          </a:fontRef>
+        </p:style>
+      </p:cxnSp>
+      <p:cxnSp>
+        <p:nvCxnSpPr>
+          <p:cNvPr id="68" name="מחבר: מרפקי 67">
+            <a:extLst>
+              <a:ext uri="{FF2B5EF4-FFF2-40B4-BE49-F238E27FC236}">
+                <a16:creationId xmlns:a16="http://schemas.microsoft.com/office/drawing/2014/main" id="{42CCE2BC-7747-41F9-BC6D-AD03FCD023E8}"/>
+              </a:ext>
+            </a:extLst>
+          </p:cNvPr>
+          <p:cNvCxnSpPr/>
+          <p:nvPr/>
+        </p:nvCxnSpPr>
+        <p:spPr>
+          <a:xfrm>
+            <a:off x="6113231" y="3445771"/>
+            <a:ext cx="2643016" cy="188476"/>
+          </a:xfrm>
+          <a:prstGeom prst="bentConnector3">
+            <a:avLst/>
+          </a:prstGeom>
+          <a:ln>
+            <a:solidFill>
+              <a:schemeClr val="bg2">
+                <a:lumMod val="10000"/>
+              </a:schemeClr>
+            </a:solidFill>
+            <a:tailEnd type="triangle"/>
+          </a:ln>
+        </p:spPr>
+        <p:style>
+          <a:lnRef idx="1">
+            <a:schemeClr val="accent1"/>
+          </a:lnRef>
+          <a:fillRef idx="0">
+            <a:schemeClr val="accent1"/>
+          </a:fillRef>
+          <a:effectRef idx="0">
+            <a:schemeClr val="accent1"/>
+          </a:effectRef>
+          <a:fontRef idx="minor">
+            <a:schemeClr val="tx1"/>
+          </a:fontRef>
+        </p:style>
+      </p:cxnSp>
+      <p:cxnSp>
+        <p:nvCxnSpPr>
+          <p:cNvPr id="70" name="מחבר: מרפקי 69">
+            <a:extLst>
+              <a:ext uri="{FF2B5EF4-FFF2-40B4-BE49-F238E27FC236}">
+                <a16:creationId xmlns:a16="http://schemas.microsoft.com/office/drawing/2014/main" id="{07F1F2ED-1855-4892-B88E-D596C41E24C3}"/>
+              </a:ext>
+            </a:extLst>
+          </p:cNvPr>
+          <p:cNvCxnSpPr/>
+          <p:nvPr/>
+        </p:nvCxnSpPr>
+        <p:spPr>
+          <a:xfrm rot="10800000">
+            <a:off x="6096000" y="3777636"/>
+            <a:ext cx="2643016" cy="38520"/>
+          </a:xfrm>
+          <a:prstGeom prst="bentConnector3">
+            <a:avLst/>
+          </a:prstGeom>
+          <a:ln>
+            <a:tailEnd type="triangle"/>
+          </a:ln>
+        </p:spPr>
+        <p:style>
+          <a:lnRef idx="1">
+            <a:schemeClr val="accent1"/>
+          </a:lnRef>
+          <a:fillRef idx="0">
+            <a:schemeClr val="accent1"/>
+          </a:fillRef>
+          <a:effectRef idx="0">
+            <a:schemeClr val="accent1"/>
+          </a:effectRef>
+          <a:fontRef idx="minor">
+            <a:schemeClr val="tx1"/>
+          </a:fontRef>
+        </p:style>
+      </p:cxnSp>
+      <p:pic>
+        <p:nvPicPr>
+          <p:cNvPr id="73" name="תמונה 72">
+            <a:extLst>
+              <a:ext uri="{FF2B5EF4-FFF2-40B4-BE49-F238E27FC236}">
+                <a16:creationId xmlns:a16="http://schemas.microsoft.com/office/drawing/2014/main" id="{13DCB097-B853-4133-843E-A2AFC6B5187D}"/>
+              </a:ext>
+            </a:extLst>
+          </p:cNvPr>
+          <p:cNvPicPr>
+            <a:picLocks noChangeAspect="1"/>
+          </p:cNvPicPr>
+          <p:nvPr/>
+        </p:nvPicPr>
+        <p:blipFill>
+          <a:blip r:embed="rId2">
+            <a:extLst>
+              <a:ext uri="{28A0092B-C50C-407E-A947-70E740481C1C}">
+                <a14:useLocalDpi xmlns:a14="http://schemas.microsoft.com/office/drawing/2010/main" val="0"/>
+              </a:ext>
+            </a:extLst>
+          </a:blip>
+          <a:stretch>
+            <a:fillRect/>
+          </a:stretch>
+        </p:blipFill>
+        <p:spPr>
+          <a:xfrm>
+            <a:off x="7217368" y="3893180"/>
+            <a:ext cx="797344" cy="486185"/>
+          </a:xfrm>
+          <a:prstGeom prst="rect">
+            <a:avLst/>
+          </a:prstGeom>
+        </p:spPr>
+      </p:pic>
     </p:spTree>
     <p:extLst>
       <p:ext uri="{BB962C8B-B14F-4D97-AF65-F5344CB8AC3E}">
-        <p14:creationId xmlns:p14="http://schemas.microsoft.com/office/powerpoint/2010/main" val="1484296688"/>
+        <p14:creationId xmlns:p14="http://schemas.microsoft.com/office/powerpoint/2010/main" val="2806039916"/>
       </p:ext>
     </p:extLst>
   </p:cSld>

--- a/The miner’s dilemma.pptx
+++ b/The miner’s dilemma.pptx
@@ -5,7 +5,7 @@
     <p:sldMasterId id="2147483648" r:id="rId1"/>
   </p:sldMasterIdLst>
   <p:notesMasterIdLst>
-    <p:notesMasterId r:id="rId26"/>
+    <p:notesMasterId r:id="rId25"/>
   </p:notesMasterIdLst>
   <p:sldIdLst>
     <p:sldId id="256" r:id="rId2"/>
@@ -19,19 +19,18 @@
     <p:sldId id="275" r:id="rId10"/>
     <p:sldId id="265" r:id="rId11"/>
     <p:sldId id="257" r:id="rId12"/>
-    <p:sldId id="276" r:id="rId13"/>
-    <p:sldId id="277" r:id="rId14"/>
-    <p:sldId id="278" r:id="rId15"/>
-    <p:sldId id="279" r:id="rId16"/>
-    <p:sldId id="280" r:id="rId17"/>
-    <p:sldId id="261" r:id="rId18"/>
-    <p:sldId id="260" r:id="rId19"/>
-    <p:sldId id="262" r:id="rId20"/>
-    <p:sldId id="259" r:id="rId21"/>
-    <p:sldId id="267" r:id="rId22"/>
-    <p:sldId id="268" r:id="rId23"/>
-    <p:sldId id="269" r:id="rId24"/>
-    <p:sldId id="263" r:id="rId25"/>
+    <p:sldId id="277" r:id="rId13"/>
+    <p:sldId id="278" r:id="rId14"/>
+    <p:sldId id="279" r:id="rId15"/>
+    <p:sldId id="280" r:id="rId16"/>
+    <p:sldId id="261" r:id="rId17"/>
+    <p:sldId id="260" r:id="rId18"/>
+    <p:sldId id="262" r:id="rId19"/>
+    <p:sldId id="259" r:id="rId20"/>
+    <p:sldId id="267" r:id="rId21"/>
+    <p:sldId id="268" r:id="rId22"/>
+    <p:sldId id="269" r:id="rId23"/>
+    <p:sldId id="263" r:id="rId24"/>
   </p:sldIdLst>
   <p:sldSz cx="12192000" cy="6858000"/>
   <p:notesSz cx="6858000" cy="9144000"/>
@@ -4643,6 +4642,1620 @@
 </file>
 
 <file path=ppt/slides/slide12.xml><?xml version="1.0" encoding="utf-8"?>
+<p:sld xmlns:a="http://schemas.openxmlformats.org/drawingml/2006/main" xmlns:r="http://schemas.openxmlformats.org/officeDocument/2006/relationships" xmlns:p="http://schemas.openxmlformats.org/presentationml/2006/main">
+  <p:cSld>
+    <p:spTree>
+      <p:nvGrpSpPr>
+        <p:cNvPr id="1" name=""/>
+        <p:cNvGrpSpPr/>
+        <p:nvPr/>
+      </p:nvGrpSpPr>
+      <p:grpSpPr>
+        <a:xfrm>
+          <a:off x="0" y="0"/>
+          <a:ext cx="0" cy="0"/>
+          <a:chOff x="0" y="0"/>
+          <a:chExt cx="0" cy="0"/>
+        </a:xfrm>
+      </p:grpSpPr>
+      <p:sp>
+        <p:nvSpPr>
+          <p:cNvPr id="2" name="כותרת 1">
+            <a:extLst>
+              <a:ext uri="{FF2B5EF4-FFF2-40B4-BE49-F238E27FC236}">
+                <a16:creationId xmlns:a16="http://schemas.microsoft.com/office/drawing/2014/main" id="{59FB4CF8-B5A2-4DAE-827D-788071E38561}"/>
+              </a:ext>
+            </a:extLst>
+          </p:cNvPr>
+          <p:cNvSpPr>
+            <a:spLocks noGrp="1"/>
+          </p:cNvSpPr>
+          <p:nvPr>
+            <p:ph type="title"/>
+          </p:nvPr>
+        </p:nvSpPr>
+        <p:spPr/>
+        <p:txBody>
+          <a:bodyPr/>
+          <a:lstStyle/>
+          <a:p>
+            <a:pPr algn="ctr"/>
+            <a:r>
+              <a:rPr lang="he-IL" dirty="0"/>
+              <a:t>שיווי משקל נאש</a:t>
+            </a:r>
+            <a:endParaRPr lang="en-US" dirty="0"/>
+          </a:p>
+        </p:txBody>
+      </p:sp>
+      <p:sp>
+        <p:nvSpPr>
+          <p:cNvPr id="3" name="מציין מיקום תוכן 2">
+            <a:extLst>
+              <a:ext uri="{FF2B5EF4-FFF2-40B4-BE49-F238E27FC236}">
+                <a16:creationId xmlns:a16="http://schemas.microsoft.com/office/drawing/2014/main" id="{0D6BD5DD-834E-41C1-8543-1821619DA1F5}"/>
+              </a:ext>
+            </a:extLst>
+          </p:cNvPr>
+          <p:cNvSpPr>
+            <a:spLocks noGrp="1"/>
+          </p:cNvSpPr>
+          <p:nvPr>
+            <p:ph idx="1"/>
+          </p:nvPr>
+        </p:nvSpPr>
+        <p:spPr>
+          <a:xfrm>
+            <a:off x="838200" y="1825625"/>
+            <a:ext cx="10515600" cy="586271"/>
+          </a:xfrm>
+        </p:spPr>
+        <p:txBody>
+          <a:bodyPr/>
+          <a:lstStyle/>
+          <a:p>
+            <a:pPr marL="0" indent="0">
+              <a:buNone/>
+            </a:pPr>
+            <a:r>
+              <a:rPr lang="he-IL" dirty="0"/>
+              <a:t>מצב בו אף אחד לא ישפר את עמדתו על ידי שינוי אסטרטגיה.</a:t>
+            </a:r>
+          </a:p>
+          <a:p>
+            <a:pPr marL="0" indent="0">
+              <a:buNone/>
+            </a:pPr>
+            <a:endParaRPr lang="en-US" dirty="0"/>
+          </a:p>
+        </p:txBody>
+      </p:sp>
+      <p:sp>
+        <p:nvSpPr>
+          <p:cNvPr id="4" name="מלבן: פינות מעוגלות 3">
+            <a:extLst>
+              <a:ext uri="{FF2B5EF4-FFF2-40B4-BE49-F238E27FC236}">
+                <a16:creationId xmlns:a16="http://schemas.microsoft.com/office/drawing/2014/main" id="{9DF1BDD7-0D6B-4989-AC21-76ABC39E1236}"/>
+              </a:ext>
+            </a:extLst>
+          </p:cNvPr>
+          <p:cNvSpPr/>
+          <p:nvPr/>
+        </p:nvSpPr>
+        <p:spPr>
+          <a:xfrm>
+            <a:off x="5526157" y="2546833"/>
+            <a:ext cx="2252869" cy="712304"/>
+          </a:xfrm>
+          <a:prstGeom prst="roundRect">
+            <a:avLst/>
+          </a:prstGeom>
+        </p:spPr>
+        <p:style>
+          <a:lnRef idx="2">
+            <a:schemeClr val="accent6"/>
+          </a:lnRef>
+          <a:fillRef idx="1">
+            <a:schemeClr val="lt1"/>
+          </a:fillRef>
+          <a:effectRef idx="0">
+            <a:schemeClr val="accent6"/>
+          </a:effectRef>
+          <a:fontRef idx="minor">
+            <a:schemeClr val="dk1"/>
+          </a:fontRef>
+        </p:style>
+        <p:txBody>
+          <a:bodyPr rtlCol="0" anchor="ctr"/>
+          <a:lstStyle/>
+          <a:p>
+            <a:pPr algn="ctr"/>
+            <a:r>
+              <a:rPr lang="en-US" b="1" dirty="0">
+                <a:solidFill>
+                  <a:schemeClr val="accent5">
+                    <a:lumMod val="75000"/>
+                  </a:schemeClr>
+                </a:solidFill>
+              </a:rPr>
+              <a:t>Pool 1</a:t>
+            </a:r>
+          </a:p>
+        </p:txBody>
+      </p:sp>
+      <p:sp>
+        <p:nvSpPr>
+          <p:cNvPr id="5" name="מלבן: פינות מעוגלות 4">
+            <a:extLst>
+              <a:ext uri="{FF2B5EF4-FFF2-40B4-BE49-F238E27FC236}">
+                <a16:creationId xmlns:a16="http://schemas.microsoft.com/office/drawing/2014/main" id="{FDD3A5B0-A3DC-4472-8193-21152E48AC34}"/>
+              </a:ext>
+            </a:extLst>
+          </p:cNvPr>
+          <p:cNvSpPr/>
+          <p:nvPr/>
+        </p:nvSpPr>
+        <p:spPr>
+          <a:xfrm>
+            <a:off x="377687" y="4403035"/>
+            <a:ext cx="2047461" cy="712304"/>
+          </a:xfrm>
+          <a:prstGeom prst="roundRect">
+            <a:avLst/>
+          </a:prstGeom>
+        </p:spPr>
+        <p:style>
+          <a:lnRef idx="2">
+            <a:schemeClr val="accent6"/>
+          </a:lnRef>
+          <a:fillRef idx="1">
+            <a:schemeClr val="lt1"/>
+          </a:fillRef>
+          <a:effectRef idx="0">
+            <a:schemeClr val="accent6"/>
+          </a:effectRef>
+          <a:fontRef idx="minor">
+            <a:schemeClr val="dk1"/>
+          </a:fontRef>
+        </p:style>
+        <p:txBody>
+          <a:bodyPr rtlCol="0" anchor="ctr"/>
+          <a:lstStyle/>
+          <a:p>
+            <a:pPr algn="ctr"/>
+            <a:r>
+              <a:rPr lang="en-US" b="1" dirty="0">
+                <a:solidFill>
+                  <a:schemeClr val="bg2">
+                    <a:lumMod val="10000"/>
+                  </a:schemeClr>
+                </a:solidFill>
+              </a:rPr>
+              <a:t>Pool 2</a:t>
+            </a:r>
+          </a:p>
+        </p:txBody>
+      </p:sp>
+      <p:graphicFrame>
+        <p:nvGraphicFramePr>
+          <p:cNvPr id="10" name="טבלה 9">
+            <a:extLst>
+              <a:ext uri="{FF2B5EF4-FFF2-40B4-BE49-F238E27FC236}">
+                <a16:creationId xmlns:a16="http://schemas.microsoft.com/office/drawing/2014/main" id="{FFE3573B-08EB-4445-AFF4-5781FF441259}"/>
+              </a:ext>
+            </a:extLst>
+          </p:cNvPr>
+          <p:cNvGraphicFramePr>
+            <a:graphicFrameLocks noGrp="1"/>
+          </p:cNvGraphicFramePr>
+          <p:nvPr>
+            <p:extLst>
+              <p:ext uri="{D42A27DB-BD31-4B8C-83A1-F6EECF244321}">
+                <p14:modId xmlns:p14="http://schemas.microsoft.com/office/powerpoint/2010/main" val="1015603457"/>
+              </p:ext>
+            </p:extLst>
+          </p:nvPr>
+        </p:nvGraphicFramePr>
+        <p:xfrm>
+          <a:off x="2747618" y="3394072"/>
+          <a:ext cx="7893879" cy="2847702"/>
+        </p:xfrm>
+        <a:graphic>
+          <a:graphicData uri="http://schemas.openxmlformats.org/drawingml/2006/table">
+            <a:tbl>
+              <a:tblPr firstRow="1" bandRow="1">
+                <a:tableStyleId>{5C22544A-7EE6-4342-B048-85BDC9FD1C3A}</a:tableStyleId>
+              </a:tblPr>
+              <a:tblGrid>
+                <a:gridCol w="2631293">
+                  <a:extLst>
+                    <a:ext uri="{9D8B030D-6E8A-4147-A177-3AD203B41FA5}">
+                      <a16:colId xmlns:a16="http://schemas.microsoft.com/office/drawing/2014/main" val="1492537969"/>
+                    </a:ext>
+                  </a:extLst>
+                </a:gridCol>
+                <a:gridCol w="2631293">
+                  <a:extLst>
+                    <a:ext uri="{9D8B030D-6E8A-4147-A177-3AD203B41FA5}">
+                      <a16:colId xmlns:a16="http://schemas.microsoft.com/office/drawing/2014/main" val="2031442963"/>
+                    </a:ext>
+                  </a:extLst>
+                </a:gridCol>
+                <a:gridCol w="2631293">
+                  <a:extLst>
+                    <a:ext uri="{9D8B030D-6E8A-4147-A177-3AD203B41FA5}">
+                      <a16:colId xmlns:a16="http://schemas.microsoft.com/office/drawing/2014/main" val="2611323456"/>
+                    </a:ext>
+                  </a:extLst>
+                </a:gridCol>
+              </a:tblGrid>
+              <a:tr h="949234">
+                <a:tc>
+                  <a:txBody>
+                    <a:bodyPr/>
+                    <a:lstStyle/>
+                    <a:p>
+                      <a:pPr algn="ctr"/>
+                      <a:endParaRPr lang="en-US" dirty="0"/>
+                    </a:p>
+                  </a:txBody>
+                  <a:tcPr>
+                    <a:solidFill>
+                      <a:schemeClr val="tx2">
+                        <a:lumMod val="40000"/>
+                        <a:lumOff val="60000"/>
+                      </a:schemeClr>
+                    </a:solidFill>
+                  </a:tcPr>
+                </a:tc>
+                <a:tc>
+                  <a:txBody>
+                    <a:bodyPr/>
+                    <a:lstStyle/>
+                    <a:p>
+                      <a:pPr algn="ctr"/>
+                      <a:r>
+                        <a:rPr lang="en-US" b="1" dirty="0">
+                          <a:solidFill>
+                            <a:schemeClr val="bg2">
+                              <a:lumMod val="10000"/>
+                            </a:schemeClr>
+                          </a:solidFill>
+                        </a:rPr>
+                        <a:t>Attack </a:t>
+                      </a:r>
+                    </a:p>
+                  </a:txBody>
+                  <a:tcPr>
+                    <a:solidFill>
+                      <a:schemeClr val="tx2">
+                        <a:lumMod val="40000"/>
+                        <a:lumOff val="60000"/>
+                      </a:schemeClr>
+                    </a:solidFill>
+                  </a:tcPr>
+                </a:tc>
+                <a:tc>
+                  <a:txBody>
+                    <a:bodyPr/>
+                    <a:lstStyle/>
+                    <a:p>
+                      <a:pPr marL="0" marR="0" lvl="0" indent="0" algn="ctr" defTabSz="914400" rtl="1" eaLnBrk="1" fontAlgn="auto" latinLnBrk="0" hangingPunct="1">
+                        <a:lnSpc>
+                          <a:spcPct val="100000"/>
+                        </a:lnSpc>
+                        <a:spcBef>
+                          <a:spcPts val="0"/>
+                        </a:spcBef>
+                        <a:spcAft>
+                          <a:spcPts val="0"/>
+                        </a:spcAft>
+                        <a:buClrTx/>
+                        <a:buSzTx/>
+                        <a:buFontTx/>
+                        <a:buNone/>
+                        <a:tabLst/>
+                        <a:defRPr/>
+                      </a:pPr>
+                      <a:r>
+                        <a:rPr lang="en-US" b="1" dirty="0">
+                          <a:solidFill>
+                            <a:schemeClr val="bg2">
+                              <a:lumMod val="10000"/>
+                            </a:schemeClr>
+                          </a:solidFill>
+                        </a:rPr>
+                        <a:t>No Attack</a:t>
+                      </a:r>
+                    </a:p>
+                    <a:p>
+                      <a:pPr algn="ctr"/>
+                      <a:endParaRPr lang="en-US" dirty="0"/>
+                    </a:p>
+                  </a:txBody>
+                  <a:tcPr>
+                    <a:solidFill>
+                      <a:schemeClr val="tx2">
+                        <a:lumMod val="40000"/>
+                        <a:lumOff val="60000"/>
+                      </a:schemeClr>
+                    </a:solidFill>
+                  </a:tcPr>
+                </a:tc>
+                <a:extLst>
+                  <a:ext uri="{0D108BD9-81ED-4DB2-BD59-A6C34878D82A}">
+                    <a16:rowId xmlns:a16="http://schemas.microsoft.com/office/drawing/2014/main" val="1117821095"/>
+                  </a:ext>
+                </a:extLst>
+              </a:tr>
+              <a:tr h="949234">
+                <a:tc>
+                  <a:txBody>
+                    <a:bodyPr/>
+                    <a:lstStyle/>
+                    <a:p>
+                      <a:pPr algn="ctr"/>
+                      <a:r>
+                        <a:rPr lang="en-US" b="1" dirty="0">
+                          <a:solidFill>
+                            <a:schemeClr val="bg2">
+                              <a:lumMod val="10000"/>
+                            </a:schemeClr>
+                          </a:solidFill>
+                        </a:rPr>
+                        <a:t>Attack</a:t>
+                      </a:r>
+                      <a:endParaRPr lang="en-US" dirty="0"/>
+                    </a:p>
+                  </a:txBody>
+                  <a:tcPr>
+                    <a:solidFill>
+                      <a:schemeClr val="tx2">
+                        <a:lumMod val="40000"/>
+                        <a:lumOff val="60000"/>
+                      </a:schemeClr>
+                    </a:solidFill>
+                  </a:tcPr>
+                </a:tc>
+                <a:tc>
+                  <a:txBody>
+                    <a:bodyPr/>
+                    <a:lstStyle/>
+                    <a:p>
+                      <a:pPr algn="ctr"/>
+                      <a:endParaRPr lang="en-US" b="1" dirty="0">
+                        <a:solidFill>
+                          <a:schemeClr val="bg2">
+                            <a:lumMod val="10000"/>
+                          </a:schemeClr>
+                        </a:solidFill>
+                      </a:endParaRPr>
+                    </a:p>
+                  </a:txBody>
+                  <a:tcPr>
+                    <a:solidFill>
+                      <a:schemeClr val="accent6">
+                        <a:lumMod val="60000"/>
+                        <a:lumOff val="40000"/>
+                      </a:schemeClr>
+                    </a:solidFill>
+                  </a:tcPr>
+                </a:tc>
+                <a:tc>
+                  <a:txBody>
+                    <a:bodyPr/>
+                    <a:lstStyle/>
+                    <a:p>
+                      <a:pPr algn="ctr"/>
+                      <a:endParaRPr lang="en-US" dirty="0"/>
+                    </a:p>
+                  </a:txBody>
+                  <a:tcPr>
+                    <a:solidFill>
+                      <a:srgbClr val="FFC000"/>
+                    </a:solidFill>
+                  </a:tcPr>
+                </a:tc>
+                <a:extLst>
+                  <a:ext uri="{0D108BD9-81ED-4DB2-BD59-A6C34878D82A}">
+                    <a16:rowId xmlns:a16="http://schemas.microsoft.com/office/drawing/2014/main" val="69688423"/>
+                  </a:ext>
+                </a:extLst>
+              </a:tr>
+              <a:tr h="949234">
+                <a:tc>
+                  <a:txBody>
+                    <a:bodyPr/>
+                    <a:lstStyle/>
+                    <a:p>
+                      <a:pPr algn="ctr"/>
+                      <a:r>
+                        <a:rPr lang="en-US" b="1" dirty="0">
+                          <a:solidFill>
+                            <a:schemeClr val="bg2">
+                              <a:lumMod val="10000"/>
+                            </a:schemeClr>
+                          </a:solidFill>
+                        </a:rPr>
+                        <a:t>No Attack</a:t>
+                      </a:r>
+                    </a:p>
+                  </a:txBody>
+                  <a:tcPr>
+                    <a:solidFill>
+                      <a:schemeClr val="tx2">
+                        <a:lumMod val="40000"/>
+                        <a:lumOff val="60000"/>
+                      </a:schemeClr>
+                    </a:solidFill>
+                  </a:tcPr>
+                </a:tc>
+                <a:tc>
+                  <a:txBody>
+                    <a:bodyPr/>
+                    <a:lstStyle/>
+                    <a:p>
+                      <a:pPr algn="ctr"/>
+                      <a:endParaRPr lang="en-US" dirty="0"/>
+                    </a:p>
+                  </a:txBody>
+                  <a:tcPr>
+                    <a:solidFill>
+                      <a:srgbClr val="FFC000"/>
+                    </a:solidFill>
+                  </a:tcPr>
+                </a:tc>
+                <a:tc>
+                  <a:txBody>
+                    <a:bodyPr/>
+                    <a:lstStyle/>
+                    <a:p>
+                      <a:pPr algn="ctr"/>
+                      <a:r>
+                        <a:rPr lang="en-US" b="1" dirty="0">
+                          <a:solidFill>
+                            <a:schemeClr val="bg2">
+                              <a:lumMod val="10000"/>
+                            </a:schemeClr>
+                          </a:solidFill>
+                        </a:rPr>
+                        <a:t>10/</a:t>
+                      </a:r>
+                      <a:r>
+                        <a:rPr lang="en-US" b="1" dirty="0">
+                          <a:solidFill>
+                            <a:schemeClr val="accent1"/>
+                          </a:solidFill>
+                        </a:rPr>
+                        <a:t>10</a:t>
+                      </a:r>
+                      <a:endParaRPr lang="en-US" dirty="0"/>
+                    </a:p>
+                  </a:txBody>
+                  <a:tcPr>
+                    <a:solidFill>
+                      <a:srgbClr val="92D050"/>
+                    </a:solidFill>
+                  </a:tcPr>
+                </a:tc>
+                <a:extLst>
+                  <a:ext uri="{0D108BD9-81ED-4DB2-BD59-A6C34878D82A}">
+                    <a16:rowId xmlns:a16="http://schemas.microsoft.com/office/drawing/2014/main" val="25593232"/>
+                  </a:ext>
+                </a:extLst>
+              </a:tr>
+            </a:tbl>
+          </a:graphicData>
+        </a:graphic>
+      </p:graphicFrame>
+    </p:spTree>
+    <p:extLst>
+      <p:ext uri="{BB962C8B-B14F-4D97-AF65-F5344CB8AC3E}">
+        <p14:creationId xmlns:p14="http://schemas.microsoft.com/office/powerpoint/2010/main" val="830394607"/>
+      </p:ext>
+    </p:extLst>
+  </p:cSld>
+  <p:clrMapOvr>
+    <a:masterClrMapping/>
+  </p:clrMapOvr>
+</p:sld>
+</file>
+
+<file path=ppt/slides/slide13.xml><?xml version="1.0" encoding="utf-8"?>
+<p:sld xmlns:a="http://schemas.openxmlformats.org/drawingml/2006/main" xmlns:r="http://schemas.openxmlformats.org/officeDocument/2006/relationships" xmlns:p="http://schemas.openxmlformats.org/presentationml/2006/main">
+  <p:cSld>
+    <p:spTree>
+      <p:nvGrpSpPr>
+        <p:cNvPr id="1" name=""/>
+        <p:cNvGrpSpPr/>
+        <p:nvPr/>
+      </p:nvGrpSpPr>
+      <p:grpSpPr>
+        <a:xfrm>
+          <a:off x="0" y="0"/>
+          <a:ext cx="0" cy="0"/>
+          <a:chOff x="0" y="0"/>
+          <a:chExt cx="0" cy="0"/>
+        </a:xfrm>
+      </p:grpSpPr>
+      <p:sp>
+        <p:nvSpPr>
+          <p:cNvPr id="2" name="כותרת 1">
+            <a:extLst>
+              <a:ext uri="{FF2B5EF4-FFF2-40B4-BE49-F238E27FC236}">
+                <a16:creationId xmlns:a16="http://schemas.microsoft.com/office/drawing/2014/main" id="{59FB4CF8-B5A2-4DAE-827D-788071E38561}"/>
+              </a:ext>
+            </a:extLst>
+          </p:cNvPr>
+          <p:cNvSpPr>
+            <a:spLocks noGrp="1"/>
+          </p:cNvSpPr>
+          <p:nvPr>
+            <p:ph type="title"/>
+          </p:nvPr>
+        </p:nvSpPr>
+        <p:spPr/>
+        <p:txBody>
+          <a:bodyPr/>
+          <a:lstStyle/>
+          <a:p>
+            <a:pPr algn="ctr"/>
+            <a:r>
+              <a:rPr lang="he-IL" dirty="0"/>
+              <a:t>שיווי משקל נאש</a:t>
+            </a:r>
+            <a:endParaRPr lang="en-US" dirty="0"/>
+          </a:p>
+        </p:txBody>
+      </p:sp>
+      <p:sp>
+        <p:nvSpPr>
+          <p:cNvPr id="3" name="מציין מיקום תוכן 2">
+            <a:extLst>
+              <a:ext uri="{FF2B5EF4-FFF2-40B4-BE49-F238E27FC236}">
+                <a16:creationId xmlns:a16="http://schemas.microsoft.com/office/drawing/2014/main" id="{0D6BD5DD-834E-41C1-8543-1821619DA1F5}"/>
+              </a:ext>
+            </a:extLst>
+          </p:cNvPr>
+          <p:cNvSpPr>
+            <a:spLocks noGrp="1"/>
+          </p:cNvSpPr>
+          <p:nvPr>
+            <p:ph idx="1"/>
+          </p:nvPr>
+        </p:nvSpPr>
+        <p:spPr>
+          <a:xfrm>
+            <a:off x="838200" y="1825625"/>
+            <a:ext cx="10515600" cy="586271"/>
+          </a:xfrm>
+        </p:spPr>
+        <p:txBody>
+          <a:bodyPr/>
+          <a:lstStyle/>
+          <a:p>
+            <a:pPr marL="0" indent="0">
+              <a:buNone/>
+            </a:pPr>
+            <a:r>
+              <a:rPr lang="he-IL" dirty="0"/>
+              <a:t>מצב בו אף אחד לא ישפר את עמדתו על ידי שינוי אסטרטגיה.</a:t>
+            </a:r>
+          </a:p>
+          <a:p>
+            <a:pPr marL="0" indent="0">
+              <a:buNone/>
+            </a:pPr>
+            <a:endParaRPr lang="en-US" dirty="0"/>
+          </a:p>
+        </p:txBody>
+      </p:sp>
+      <p:sp>
+        <p:nvSpPr>
+          <p:cNvPr id="4" name="מלבן: פינות מעוגלות 3">
+            <a:extLst>
+              <a:ext uri="{FF2B5EF4-FFF2-40B4-BE49-F238E27FC236}">
+                <a16:creationId xmlns:a16="http://schemas.microsoft.com/office/drawing/2014/main" id="{9DF1BDD7-0D6B-4989-AC21-76ABC39E1236}"/>
+              </a:ext>
+            </a:extLst>
+          </p:cNvPr>
+          <p:cNvSpPr/>
+          <p:nvPr/>
+        </p:nvSpPr>
+        <p:spPr>
+          <a:xfrm>
+            <a:off x="5526157" y="2546833"/>
+            <a:ext cx="2252869" cy="712304"/>
+          </a:xfrm>
+          <a:prstGeom prst="roundRect">
+            <a:avLst/>
+          </a:prstGeom>
+        </p:spPr>
+        <p:style>
+          <a:lnRef idx="2">
+            <a:schemeClr val="accent6"/>
+          </a:lnRef>
+          <a:fillRef idx="1">
+            <a:schemeClr val="lt1"/>
+          </a:fillRef>
+          <a:effectRef idx="0">
+            <a:schemeClr val="accent6"/>
+          </a:effectRef>
+          <a:fontRef idx="minor">
+            <a:schemeClr val="dk1"/>
+          </a:fontRef>
+        </p:style>
+        <p:txBody>
+          <a:bodyPr rtlCol="0" anchor="ctr"/>
+          <a:lstStyle/>
+          <a:p>
+            <a:pPr algn="ctr"/>
+            <a:r>
+              <a:rPr lang="en-US" b="1" dirty="0">
+                <a:solidFill>
+                  <a:schemeClr val="accent5">
+                    <a:lumMod val="75000"/>
+                  </a:schemeClr>
+                </a:solidFill>
+              </a:rPr>
+              <a:t>Pool 1</a:t>
+            </a:r>
+          </a:p>
+        </p:txBody>
+      </p:sp>
+      <p:sp>
+        <p:nvSpPr>
+          <p:cNvPr id="5" name="מלבן: פינות מעוגלות 4">
+            <a:extLst>
+              <a:ext uri="{FF2B5EF4-FFF2-40B4-BE49-F238E27FC236}">
+                <a16:creationId xmlns:a16="http://schemas.microsoft.com/office/drawing/2014/main" id="{FDD3A5B0-A3DC-4472-8193-21152E48AC34}"/>
+              </a:ext>
+            </a:extLst>
+          </p:cNvPr>
+          <p:cNvSpPr/>
+          <p:nvPr/>
+        </p:nvSpPr>
+        <p:spPr>
+          <a:xfrm>
+            <a:off x="377687" y="4403035"/>
+            <a:ext cx="2047461" cy="712304"/>
+          </a:xfrm>
+          <a:prstGeom prst="roundRect">
+            <a:avLst/>
+          </a:prstGeom>
+        </p:spPr>
+        <p:style>
+          <a:lnRef idx="2">
+            <a:schemeClr val="accent6"/>
+          </a:lnRef>
+          <a:fillRef idx="1">
+            <a:schemeClr val="lt1"/>
+          </a:fillRef>
+          <a:effectRef idx="0">
+            <a:schemeClr val="accent6"/>
+          </a:effectRef>
+          <a:fontRef idx="minor">
+            <a:schemeClr val="dk1"/>
+          </a:fontRef>
+        </p:style>
+        <p:txBody>
+          <a:bodyPr rtlCol="0" anchor="ctr"/>
+          <a:lstStyle/>
+          <a:p>
+            <a:pPr algn="ctr"/>
+            <a:r>
+              <a:rPr lang="en-US" b="1" dirty="0">
+                <a:solidFill>
+                  <a:schemeClr val="bg2">
+                    <a:lumMod val="10000"/>
+                  </a:schemeClr>
+                </a:solidFill>
+              </a:rPr>
+              <a:t>Pool 2</a:t>
+            </a:r>
+          </a:p>
+        </p:txBody>
+      </p:sp>
+      <p:graphicFrame>
+        <p:nvGraphicFramePr>
+          <p:cNvPr id="10" name="טבלה 9">
+            <a:extLst>
+              <a:ext uri="{FF2B5EF4-FFF2-40B4-BE49-F238E27FC236}">
+                <a16:creationId xmlns:a16="http://schemas.microsoft.com/office/drawing/2014/main" id="{FFE3573B-08EB-4445-AFF4-5781FF441259}"/>
+              </a:ext>
+            </a:extLst>
+          </p:cNvPr>
+          <p:cNvGraphicFramePr>
+            <a:graphicFrameLocks noGrp="1"/>
+          </p:cNvGraphicFramePr>
+          <p:nvPr>
+            <p:extLst>
+              <p:ext uri="{D42A27DB-BD31-4B8C-83A1-F6EECF244321}">
+                <p14:modId xmlns:p14="http://schemas.microsoft.com/office/powerpoint/2010/main" val="210366916"/>
+              </p:ext>
+            </p:extLst>
+          </p:nvPr>
+        </p:nvGraphicFramePr>
+        <p:xfrm>
+          <a:off x="2747618" y="3394072"/>
+          <a:ext cx="7893879" cy="2847702"/>
+        </p:xfrm>
+        <a:graphic>
+          <a:graphicData uri="http://schemas.openxmlformats.org/drawingml/2006/table">
+            <a:tbl>
+              <a:tblPr firstRow="1" bandRow="1">
+                <a:tableStyleId>{5C22544A-7EE6-4342-B048-85BDC9FD1C3A}</a:tableStyleId>
+              </a:tblPr>
+              <a:tblGrid>
+                <a:gridCol w="2631293">
+                  <a:extLst>
+                    <a:ext uri="{9D8B030D-6E8A-4147-A177-3AD203B41FA5}">
+                      <a16:colId xmlns:a16="http://schemas.microsoft.com/office/drawing/2014/main" val="1492537969"/>
+                    </a:ext>
+                  </a:extLst>
+                </a:gridCol>
+                <a:gridCol w="2631293">
+                  <a:extLst>
+                    <a:ext uri="{9D8B030D-6E8A-4147-A177-3AD203B41FA5}">
+                      <a16:colId xmlns:a16="http://schemas.microsoft.com/office/drawing/2014/main" val="2031442963"/>
+                    </a:ext>
+                  </a:extLst>
+                </a:gridCol>
+                <a:gridCol w="2631293">
+                  <a:extLst>
+                    <a:ext uri="{9D8B030D-6E8A-4147-A177-3AD203B41FA5}">
+                      <a16:colId xmlns:a16="http://schemas.microsoft.com/office/drawing/2014/main" val="2611323456"/>
+                    </a:ext>
+                  </a:extLst>
+                </a:gridCol>
+              </a:tblGrid>
+              <a:tr h="949234">
+                <a:tc>
+                  <a:txBody>
+                    <a:bodyPr/>
+                    <a:lstStyle/>
+                    <a:p>
+                      <a:pPr algn="ctr"/>
+                      <a:endParaRPr lang="en-US" dirty="0"/>
+                    </a:p>
+                  </a:txBody>
+                  <a:tcPr>
+                    <a:solidFill>
+                      <a:schemeClr val="tx2">
+                        <a:lumMod val="40000"/>
+                        <a:lumOff val="60000"/>
+                      </a:schemeClr>
+                    </a:solidFill>
+                  </a:tcPr>
+                </a:tc>
+                <a:tc>
+                  <a:txBody>
+                    <a:bodyPr/>
+                    <a:lstStyle/>
+                    <a:p>
+                      <a:pPr algn="ctr"/>
+                      <a:r>
+                        <a:rPr lang="en-US" b="1" dirty="0">
+                          <a:solidFill>
+                            <a:schemeClr val="bg2">
+                              <a:lumMod val="10000"/>
+                            </a:schemeClr>
+                          </a:solidFill>
+                        </a:rPr>
+                        <a:t>Attack </a:t>
+                      </a:r>
+                    </a:p>
+                  </a:txBody>
+                  <a:tcPr>
+                    <a:solidFill>
+                      <a:schemeClr val="tx2">
+                        <a:lumMod val="40000"/>
+                        <a:lumOff val="60000"/>
+                      </a:schemeClr>
+                    </a:solidFill>
+                  </a:tcPr>
+                </a:tc>
+                <a:tc>
+                  <a:txBody>
+                    <a:bodyPr/>
+                    <a:lstStyle/>
+                    <a:p>
+                      <a:pPr marL="0" marR="0" lvl="0" indent="0" algn="ctr" defTabSz="914400" rtl="1" eaLnBrk="1" fontAlgn="auto" latinLnBrk="0" hangingPunct="1">
+                        <a:lnSpc>
+                          <a:spcPct val="100000"/>
+                        </a:lnSpc>
+                        <a:spcBef>
+                          <a:spcPts val="0"/>
+                        </a:spcBef>
+                        <a:spcAft>
+                          <a:spcPts val="0"/>
+                        </a:spcAft>
+                        <a:buClrTx/>
+                        <a:buSzTx/>
+                        <a:buFontTx/>
+                        <a:buNone/>
+                        <a:tabLst/>
+                        <a:defRPr/>
+                      </a:pPr>
+                      <a:r>
+                        <a:rPr lang="en-US" b="1" dirty="0">
+                          <a:solidFill>
+                            <a:schemeClr val="bg2">
+                              <a:lumMod val="10000"/>
+                            </a:schemeClr>
+                          </a:solidFill>
+                        </a:rPr>
+                        <a:t>No Attack</a:t>
+                      </a:r>
+                    </a:p>
+                    <a:p>
+                      <a:pPr algn="ctr"/>
+                      <a:endParaRPr lang="en-US" dirty="0"/>
+                    </a:p>
+                  </a:txBody>
+                  <a:tcPr>
+                    <a:solidFill>
+                      <a:schemeClr val="tx2">
+                        <a:lumMod val="40000"/>
+                        <a:lumOff val="60000"/>
+                      </a:schemeClr>
+                    </a:solidFill>
+                  </a:tcPr>
+                </a:tc>
+                <a:extLst>
+                  <a:ext uri="{0D108BD9-81ED-4DB2-BD59-A6C34878D82A}">
+                    <a16:rowId xmlns:a16="http://schemas.microsoft.com/office/drawing/2014/main" val="1117821095"/>
+                  </a:ext>
+                </a:extLst>
+              </a:tr>
+              <a:tr h="949234">
+                <a:tc>
+                  <a:txBody>
+                    <a:bodyPr/>
+                    <a:lstStyle/>
+                    <a:p>
+                      <a:pPr algn="ctr"/>
+                      <a:r>
+                        <a:rPr lang="en-US" b="1" dirty="0">
+                          <a:solidFill>
+                            <a:schemeClr val="bg2">
+                              <a:lumMod val="10000"/>
+                            </a:schemeClr>
+                          </a:solidFill>
+                        </a:rPr>
+                        <a:t>Attack</a:t>
+                      </a:r>
+                      <a:endParaRPr lang="en-US" dirty="0"/>
+                    </a:p>
+                  </a:txBody>
+                  <a:tcPr>
+                    <a:solidFill>
+                      <a:schemeClr val="tx2">
+                        <a:lumMod val="40000"/>
+                        <a:lumOff val="60000"/>
+                      </a:schemeClr>
+                    </a:solidFill>
+                  </a:tcPr>
+                </a:tc>
+                <a:tc>
+                  <a:txBody>
+                    <a:bodyPr/>
+                    <a:lstStyle/>
+                    <a:p>
+                      <a:pPr algn="ctr"/>
+                      <a:endParaRPr lang="en-US" b="1" dirty="0">
+                        <a:solidFill>
+                          <a:schemeClr val="bg2">
+                            <a:lumMod val="10000"/>
+                          </a:schemeClr>
+                        </a:solidFill>
+                      </a:endParaRPr>
+                    </a:p>
+                  </a:txBody>
+                  <a:tcPr>
+                    <a:solidFill>
+                      <a:schemeClr val="accent6">
+                        <a:lumMod val="60000"/>
+                        <a:lumOff val="40000"/>
+                      </a:schemeClr>
+                    </a:solidFill>
+                  </a:tcPr>
+                </a:tc>
+                <a:tc>
+                  <a:txBody>
+                    <a:bodyPr/>
+                    <a:lstStyle/>
+                    <a:p>
+                      <a:pPr algn="ctr"/>
+                      <a:r>
+                        <a:rPr lang="en-US" b="1" dirty="0">
+                          <a:solidFill>
+                            <a:schemeClr val="bg2">
+                              <a:lumMod val="10000"/>
+                            </a:schemeClr>
+                          </a:solidFill>
+                        </a:rPr>
+                        <a:t>13/</a:t>
+                      </a:r>
+                      <a:r>
+                        <a:rPr lang="en-US" b="1" dirty="0">
+                          <a:solidFill>
+                            <a:schemeClr val="accent1"/>
+                          </a:solidFill>
+                        </a:rPr>
+                        <a:t>5</a:t>
+                      </a:r>
+                      <a:endParaRPr lang="en-US" dirty="0"/>
+                    </a:p>
+                  </a:txBody>
+                  <a:tcPr>
+                    <a:solidFill>
+                      <a:srgbClr val="FFC000"/>
+                    </a:solidFill>
+                  </a:tcPr>
+                </a:tc>
+                <a:extLst>
+                  <a:ext uri="{0D108BD9-81ED-4DB2-BD59-A6C34878D82A}">
+                    <a16:rowId xmlns:a16="http://schemas.microsoft.com/office/drawing/2014/main" val="69688423"/>
+                  </a:ext>
+                </a:extLst>
+              </a:tr>
+              <a:tr h="949234">
+                <a:tc>
+                  <a:txBody>
+                    <a:bodyPr/>
+                    <a:lstStyle/>
+                    <a:p>
+                      <a:pPr algn="ctr"/>
+                      <a:r>
+                        <a:rPr lang="en-US" b="1" dirty="0">
+                          <a:solidFill>
+                            <a:schemeClr val="bg2">
+                              <a:lumMod val="10000"/>
+                            </a:schemeClr>
+                          </a:solidFill>
+                        </a:rPr>
+                        <a:t>No Attack</a:t>
+                      </a:r>
+                    </a:p>
+                  </a:txBody>
+                  <a:tcPr>
+                    <a:solidFill>
+                      <a:schemeClr val="tx2">
+                        <a:lumMod val="40000"/>
+                        <a:lumOff val="60000"/>
+                      </a:schemeClr>
+                    </a:solidFill>
+                  </a:tcPr>
+                </a:tc>
+                <a:tc>
+                  <a:txBody>
+                    <a:bodyPr/>
+                    <a:lstStyle/>
+                    <a:p>
+                      <a:pPr algn="ctr"/>
+                      <a:endParaRPr lang="en-US" dirty="0"/>
+                    </a:p>
+                  </a:txBody>
+                  <a:tcPr>
+                    <a:solidFill>
+                      <a:srgbClr val="FFC000"/>
+                    </a:solidFill>
+                  </a:tcPr>
+                </a:tc>
+                <a:tc>
+                  <a:txBody>
+                    <a:bodyPr/>
+                    <a:lstStyle/>
+                    <a:p>
+                      <a:pPr algn="ctr"/>
+                      <a:r>
+                        <a:rPr lang="en-US" b="1" dirty="0">
+                          <a:solidFill>
+                            <a:schemeClr val="bg2">
+                              <a:lumMod val="10000"/>
+                            </a:schemeClr>
+                          </a:solidFill>
+                        </a:rPr>
+                        <a:t>10/</a:t>
+                      </a:r>
+                      <a:r>
+                        <a:rPr lang="en-US" b="1" dirty="0">
+                          <a:solidFill>
+                            <a:schemeClr val="accent1"/>
+                          </a:solidFill>
+                        </a:rPr>
+                        <a:t>10</a:t>
+                      </a:r>
+                      <a:endParaRPr lang="en-US" dirty="0"/>
+                    </a:p>
+                  </a:txBody>
+                  <a:tcPr>
+                    <a:solidFill>
+                      <a:srgbClr val="92D050"/>
+                    </a:solidFill>
+                  </a:tcPr>
+                </a:tc>
+                <a:extLst>
+                  <a:ext uri="{0D108BD9-81ED-4DB2-BD59-A6C34878D82A}">
+                    <a16:rowId xmlns:a16="http://schemas.microsoft.com/office/drawing/2014/main" val="25593232"/>
+                  </a:ext>
+                </a:extLst>
+              </a:tr>
+            </a:tbl>
+          </a:graphicData>
+        </a:graphic>
+      </p:graphicFrame>
+    </p:spTree>
+    <p:extLst>
+      <p:ext uri="{BB962C8B-B14F-4D97-AF65-F5344CB8AC3E}">
+        <p14:creationId xmlns:p14="http://schemas.microsoft.com/office/powerpoint/2010/main" val="4113932382"/>
+      </p:ext>
+    </p:extLst>
+  </p:cSld>
+  <p:clrMapOvr>
+    <a:masterClrMapping/>
+  </p:clrMapOvr>
+</p:sld>
+</file>
+
+<file path=ppt/slides/slide14.xml><?xml version="1.0" encoding="utf-8"?>
+<p:sld xmlns:a="http://schemas.openxmlformats.org/drawingml/2006/main" xmlns:r="http://schemas.openxmlformats.org/officeDocument/2006/relationships" xmlns:p="http://schemas.openxmlformats.org/presentationml/2006/main">
+  <p:cSld>
+    <p:spTree>
+      <p:nvGrpSpPr>
+        <p:cNvPr id="1" name=""/>
+        <p:cNvGrpSpPr/>
+        <p:nvPr/>
+      </p:nvGrpSpPr>
+      <p:grpSpPr>
+        <a:xfrm>
+          <a:off x="0" y="0"/>
+          <a:ext cx="0" cy="0"/>
+          <a:chOff x="0" y="0"/>
+          <a:chExt cx="0" cy="0"/>
+        </a:xfrm>
+      </p:grpSpPr>
+      <p:sp>
+        <p:nvSpPr>
+          <p:cNvPr id="2" name="כותרת 1">
+            <a:extLst>
+              <a:ext uri="{FF2B5EF4-FFF2-40B4-BE49-F238E27FC236}">
+                <a16:creationId xmlns:a16="http://schemas.microsoft.com/office/drawing/2014/main" id="{59FB4CF8-B5A2-4DAE-827D-788071E38561}"/>
+              </a:ext>
+            </a:extLst>
+          </p:cNvPr>
+          <p:cNvSpPr>
+            <a:spLocks noGrp="1"/>
+          </p:cNvSpPr>
+          <p:nvPr>
+            <p:ph type="title"/>
+          </p:nvPr>
+        </p:nvSpPr>
+        <p:spPr/>
+        <p:txBody>
+          <a:bodyPr/>
+          <a:lstStyle/>
+          <a:p>
+            <a:pPr algn="ctr"/>
+            <a:r>
+              <a:rPr lang="he-IL" dirty="0"/>
+              <a:t>שיווי משקל נאש</a:t>
+            </a:r>
+            <a:endParaRPr lang="en-US" dirty="0"/>
+          </a:p>
+        </p:txBody>
+      </p:sp>
+      <p:sp>
+        <p:nvSpPr>
+          <p:cNvPr id="3" name="מציין מיקום תוכן 2">
+            <a:extLst>
+              <a:ext uri="{FF2B5EF4-FFF2-40B4-BE49-F238E27FC236}">
+                <a16:creationId xmlns:a16="http://schemas.microsoft.com/office/drawing/2014/main" id="{0D6BD5DD-834E-41C1-8543-1821619DA1F5}"/>
+              </a:ext>
+            </a:extLst>
+          </p:cNvPr>
+          <p:cNvSpPr>
+            <a:spLocks noGrp="1"/>
+          </p:cNvSpPr>
+          <p:nvPr>
+            <p:ph idx="1"/>
+          </p:nvPr>
+        </p:nvSpPr>
+        <p:spPr>
+          <a:xfrm>
+            <a:off x="838200" y="1825625"/>
+            <a:ext cx="10515600" cy="586271"/>
+          </a:xfrm>
+        </p:spPr>
+        <p:txBody>
+          <a:bodyPr/>
+          <a:lstStyle/>
+          <a:p>
+            <a:pPr marL="0" indent="0">
+              <a:buNone/>
+            </a:pPr>
+            <a:r>
+              <a:rPr lang="he-IL" dirty="0"/>
+              <a:t>מצב בו אף אחד לא ישפר את עמדתו על ידי שינוי אסטרטגיה.</a:t>
+            </a:r>
+          </a:p>
+          <a:p>
+            <a:pPr marL="0" indent="0">
+              <a:buNone/>
+            </a:pPr>
+            <a:endParaRPr lang="en-US" dirty="0"/>
+          </a:p>
+        </p:txBody>
+      </p:sp>
+      <p:sp>
+        <p:nvSpPr>
+          <p:cNvPr id="4" name="מלבן: פינות מעוגלות 3">
+            <a:extLst>
+              <a:ext uri="{FF2B5EF4-FFF2-40B4-BE49-F238E27FC236}">
+                <a16:creationId xmlns:a16="http://schemas.microsoft.com/office/drawing/2014/main" id="{9DF1BDD7-0D6B-4989-AC21-76ABC39E1236}"/>
+              </a:ext>
+            </a:extLst>
+          </p:cNvPr>
+          <p:cNvSpPr/>
+          <p:nvPr/>
+        </p:nvSpPr>
+        <p:spPr>
+          <a:xfrm>
+            <a:off x="5526157" y="2546833"/>
+            <a:ext cx="2252869" cy="712304"/>
+          </a:xfrm>
+          <a:prstGeom prst="roundRect">
+            <a:avLst/>
+          </a:prstGeom>
+        </p:spPr>
+        <p:style>
+          <a:lnRef idx="2">
+            <a:schemeClr val="accent6"/>
+          </a:lnRef>
+          <a:fillRef idx="1">
+            <a:schemeClr val="lt1"/>
+          </a:fillRef>
+          <a:effectRef idx="0">
+            <a:schemeClr val="accent6"/>
+          </a:effectRef>
+          <a:fontRef idx="minor">
+            <a:schemeClr val="dk1"/>
+          </a:fontRef>
+        </p:style>
+        <p:txBody>
+          <a:bodyPr rtlCol="0" anchor="ctr"/>
+          <a:lstStyle/>
+          <a:p>
+            <a:pPr algn="ctr"/>
+            <a:r>
+              <a:rPr lang="en-US" b="1" dirty="0">
+                <a:solidFill>
+                  <a:schemeClr val="accent5">
+                    <a:lumMod val="75000"/>
+                  </a:schemeClr>
+                </a:solidFill>
+              </a:rPr>
+              <a:t>Pool 1</a:t>
+            </a:r>
+          </a:p>
+        </p:txBody>
+      </p:sp>
+      <p:sp>
+        <p:nvSpPr>
+          <p:cNvPr id="5" name="מלבן: פינות מעוגלות 4">
+            <a:extLst>
+              <a:ext uri="{FF2B5EF4-FFF2-40B4-BE49-F238E27FC236}">
+                <a16:creationId xmlns:a16="http://schemas.microsoft.com/office/drawing/2014/main" id="{FDD3A5B0-A3DC-4472-8193-21152E48AC34}"/>
+              </a:ext>
+            </a:extLst>
+          </p:cNvPr>
+          <p:cNvSpPr/>
+          <p:nvPr/>
+        </p:nvSpPr>
+        <p:spPr>
+          <a:xfrm>
+            <a:off x="377687" y="4403035"/>
+            <a:ext cx="2047461" cy="712304"/>
+          </a:xfrm>
+          <a:prstGeom prst="roundRect">
+            <a:avLst/>
+          </a:prstGeom>
+        </p:spPr>
+        <p:style>
+          <a:lnRef idx="2">
+            <a:schemeClr val="accent6"/>
+          </a:lnRef>
+          <a:fillRef idx="1">
+            <a:schemeClr val="lt1"/>
+          </a:fillRef>
+          <a:effectRef idx="0">
+            <a:schemeClr val="accent6"/>
+          </a:effectRef>
+          <a:fontRef idx="minor">
+            <a:schemeClr val="dk1"/>
+          </a:fontRef>
+        </p:style>
+        <p:txBody>
+          <a:bodyPr rtlCol="0" anchor="ctr"/>
+          <a:lstStyle/>
+          <a:p>
+            <a:pPr algn="ctr"/>
+            <a:r>
+              <a:rPr lang="en-US" b="1" dirty="0">
+                <a:solidFill>
+                  <a:schemeClr val="bg2">
+                    <a:lumMod val="10000"/>
+                  </a:schemeClr>
+                </a:solidFill>
+              </a:rPr>
+              <a:t>Pool 2</a:t>
+            </a:r>
+          </a:p>
+        </p:txBody>
+      </p:sp>
+      <p:graphicFrame>
+        <p:nvGraphicFramePr>
+          <p:cNvPr id="10" name="טבלה 9">
+            <a:extLst>
+              <a:ext uri="{FF2B5EF4-FFF2-40B4-BE49-F238E27FC236}">
+                <a16:creationId xmlns:a16="http://schemas.microsoft.com/office/drawing/2014/main" id="{FFE3573B-08EB-4445-AFF4-5781FF441259}"/>
+              </a:ext>
+            </a:extLst>
+          </p:cNvPr>
+          <p:cNvGraphicFramePr>
+            <a:graphicFrameLocks noGrp="1"/>
+          </p:cNvGraphicFramePr>
+          <p:nvPr>
+            <p:extLst>
+              <p:ext uri="{D42A27DB-BD31-4B8C-83A1-F6EECF244321}">
+                <p14:modId xmlns:p14="http://schemas.microsoft.com/office/powerpoint/2010/main" val="3027365748"/>
+              </p:ext>
+            </p:extLst>
+          </p:nvPr>
+        </p:nvGraphicFramePr>
+        <p:xfrm>
+          <a:off x="2747618" y="3394072"/>
+          <a:ext cx="7893879" cy="2847702"/>
+        </p:xfrm>
+        <a:graphic>
+          <a:graphicData uri="http://schemas.openxmlformats.org/drawingml/2006/table">
+            <a:tbl>
+              <a:tblPr firstRow="1" bandRow="1">
+                <a:tableStyleId>{5C22544A-7EE6-4342-B048-85BDC9FD1C3A}</a:tableStyleId>
+              </a:tblPr>
+              <a:tblGrid>
+                <a:gridCol w="2631293">
+                  <a:extLst>
+                    <a:ext uri="{9D8B030D-6E8A-4147-A177-3AD203B41FA5}">
+                      <a16:colId xmlns:a16="http://schemas.microsoft.com/office/drawing/2014/main" val="1492537969"/>
+                    </a:ext>
+                  </a:extLst>
+                </a:gridCol>
+                <a:gridCol w="2631293">
+                  <a:extLst>
+                    <a:ext uri="{9D8B030D-6E8A-4147-A177-3AD203B41FA5}">
+                      <a16:colId xmlns:a16="http://schemas.microsoft.com/office/drawing/2014/main" val="2031442963"/>
+                    </a:ext>
+                  </a:extLst>
+                </a:gridCol>
+                <a:gridCol w="2631293">
+                  <a:extLst>
+                    <a:ext uri="{9D8B030D-6E8A-4147-A177-3AD203B41FA5}">
+                      <a16:colId xmlns:a16="http://schemas.microsoft.com/office/drawing/2014/main" val="2611323456"/>
+                    </a:ext>
+                  </a:extLst>
+                </a:gridCol>
+              </a:tblGrid>
+              <a:tr h="949234">
+                <a:tc>
+                  <a:txBody>
+                    <a:bodyPr/>
+                    <a:lstStyle/>
+                    <a:p>
+                      <a:pPr algn="ctr"/>
+                      <a:endParaRPr lang="en-US" dirty="0"/>
+                    </a:p>
+                  </a:txBody>
+                  <a:tcPr>
+                    <a:solidFill>
+                      <a:schemeClr val="tx2">
+                        <a:lumMod val="40000"/>
+                        <a:lumOff val="60000"/>
+                      </a:schemeClr>
+                    </a:solidFill>
+                  </a:tcPr>
+                </a:tc>
+                <a:tc>
+                  <a:txBody>
+                    <a:bodyPr/>
+                    <a:lstStyle/>
+                    <a:p>
+                      <a:pPr algn="ctr"/>
+                      <a:r>
+                        <a:rPr lang="en-US" b="1" dirty="0">
+                          <a:solidFill>
+                            <a:schemeClr val="bg2">
+                              <a:lumMod val="10000"/>
+                            </a:schemeClr>
+                          </a:solidFill>
+                        </a:rPr>
+                        <a:t>Attack </a:t>
+                      </a:r>
+                    </a:p>
+                  </a:txBody>
+                  <a:tcPr>
+                    <a:solidFill>
+                      <a:schemeClr val="tx2">
+                        <a:lumMod val="40000"/>
+                        <a:lumOff val="60000"/>
+                      </a:schemeClr>
+                    </a:solidFill>
+                  </a:tcPr>
+                </a:tc>
+                <a:tc>
+                  <a:txBody>
+                    <a:bodyPr/>
+                    <a:lstStyle/>
+                    <a:p>
+                      <a:pPr marL="0" marR="0" lvl="0" indent="0" algn="ctr" defTabSz="914400" rtl="1" eaLnBrk="1" fontAlgn="auto" latinLnBrk="0" hangingPunct="1">
+                        <a:lnSpc>
+                          <a:spcPct val="100000"/>
+                        </a:lnSpc>
+                        <a:spcBef>
+                          <a:spcPts val="0"/>
+                        </a:spcBef>
+                        <a:spcAft>
+                          <a:spcPts val="0"/>
+                        </a:spcAft>
+                        <a:buClrTx/>
+                        <a:buSzTx/>
+                        <a:buFontTx/>
+                        <a:buNone/>
+                        <a:tabLst/>
+                        <a:defRPr/>
+                      </a:pPr>
+                      <a:r>
+                        <a:rPr lang="en-US" b="1" dirty="0">
+                          <a:solidFill>
+                            <a:schemeClr val="bg2">
+                              <a:lumMod val="10000"/>
+                            </a:schemeClr>
+                          </a:solidFill>
+                        </a:rPr>
+                        <a:t>No Attack</a:t>
+                      </a:r>
+                    </a:p>
+                    <a:p>
+                      <a:pPr algn="ctr"/>
+                      <a:endParaRPr lang="en-US" dirty="0"/>
+                    </a:p>
+                  </a:txBody>
+                  <a:tcPr>
+                    <a:solidFill>
+                      <a:schemeClr val="tx2">
+                        <a:lumMod val="40000"/>
+                        <a:lumOff val="60000"/>
+                      </a:schemeClr>
+                    </a:solidFill>
+                  </a:tcPr>
+                </a:tc>
+                <a:extLst>
+                  <a:ext uri="{0D108BD9-81ED-4DB2-BD59-A6C34878D82A}">
+                    <a16:rowId xmlns:a16="http://schemas.microsoft.com/office/drawing/2014/main" val="1117821095"/>
+                  </a:ext>
+                </a:extLst>
+              </a:tr>
+              <a:tr h="949234">
+                <a:tc>
+                  <a:txBody>
+                    <a:bodyPr/>
+                    <a:lstStyle/>
+                    <a:p>
+                      <a:pPr algn="ctr"/>
+                      <a:r>
+                        <a:rPr lang="en-US" b="1" dirty="0">
+                          <a:solidFill>
+                            <a:schemeClr val="bg2">
+                              <a:lumMod val="10000"/>
+                            </a:schemeClr>
+                          </a:solidFill>
+                        </a:rPr>
+                        <a:t>Attack</a:t>
+                      </a:r>
+                      <a:endParaRPr lang="en-US" dirty="0"/>
+                    </a:p>
+                  </a:txBody>
+                  <a:tcPr>
+                    <a:solidFill>
+                      <a:schemeClr val="tx2">
+                        <a:lumMod val="40000"/>
+                        <a:lumOff val="60000"/>
+                      </a:schemeClr>
+                    </a:solidFill>
+                  </a:tcPr>
+                </a:tc>
+                <a:tc>
+                  <a:txBody>
+                    <a:bodyPr/>
+                    <a:lstStyle/>
+                    <a:p>
+                      <a:pPr algn="ctr"/>
+                      <a:endParaRPr lang="en-US" b="1" dirty="0">
+                        <a:solidFill>
+                          <a:schemeClr val="bg2">
+                            <a:lumMod val="10000"/>
+                          </a:schemeClr>
+                        </a:solidFill>
+                      </a:endParaRPr>
+                    </a:p>
+                  </a:txBody>
+                  <a:tcPr>
+                    <a:solidFill>
+                      <a:schemeClr val="accent6">
+                        <a:lumMod val="60000"/>
+                        <a:lumOff val="40000"/>
+                      </a:schemeClr>
+                    </a:solidFill>
+                  </a:tcPr>
+                </a:tc>
+                <a:tc>
+                  <a:txBody>
+                    <a:bodyPr/>
+                    <a:lstStyle/>
+                    <a:p>
+                      <a:pPr algn="ctr"/>
+                      <a:r>
+                        <a:rPr lang="en-US" b="1" dirty="0">
+                          <a:solidFill>
+                            <a:schemeClr val="bg2">
+                              <a:lumMod val="10000"/>
+                            </a:schemeClr>
+                          </a:solidFill>
+                        </a:rPr>
+                        <a:t>13/</a:t>
+                      </a:r>
+                      <a:r>
+                        <a:rPr lang="en-US" b="1" dirty="0">
+                          <a:solidFill>
+                            <a:schemeClr val="accent1"/>
+                          </a:solidFill>
+                        </a:rPr>
+                        <a:t>5</a:t>
+                      </a:r>
+                      <a:endParaRPr lang="en-US" dirty="0"/>
+                    </a:p>
+                  </a:txBody>
+                  <a:tcPr>
+                    <a:solidFill>
+                      <a:srgbClr val="FFC000"/>
+                    </a:solidFill>
+                  </a:tcPr>
+                </a:tc>
+                <a:extLst>
+                  <a:ext uri="{0D108BD9-81ED-4DB2-BD59-A6C34878D82A}">
+                    <a16:rowId xmlns:a16="http://schemas.microsoft.com/office/drawing/2014/main" val="69688423"/>
+                  </a:ext>
+                </a:extLst>
+              </a:tr>
+              <a:tr h="949234">
+                <a:tc>
+                  <a:txBody>
+                    <a:bodyPr/>
+                    <a:lstStyle/>
+                    <a:p>
+                      <a:pPr algn="ctr"/>
+                      <a:r>
+                        <a:rPr lang="en-US" b="1" dirty="0">
+                          <a:solidFill>
+                            <a:schemeClr val="bg2">
+                              <a:lumMod val="10000"/>
+                            </a:schemeClr>
+                          </a:solidFill>
+                        </a:rPr>
+                        <a:t>No Attack</a:t>
+                      </a:r>
+                    </a:p>
+                  </a:txBody>
+                  <a:tcPr>
+                    <a:solidFill>
+                      <a:schemeClr val="tx2">
+                        <a:lumMod val="40000"/>
+                        <a:lumOff val="60000"/>
+                      </a:schemeClr>
+                    </a:solidFill>
+                  </a:tcPr>
+                </a:tc>
+                <a:tc>
+                  <a:txBody>
+                    <a:bodyPr/>
+                    <a:lstStyle/>
+                    <a:p>
+                      <a:pPr algn="ctr"/>
+                      <a:r>
+                        <a:rPr lang="en-US" b="1" dirty="0">
+                          <a:solidFill>
+                            <a:schemeClr val="bg2">
+                              <a:lumMod val="10000"/>
+                            </a:schemeClr>
+                          </a:solidFill>
+                        </a:rPr>
+                        <a:t>5/</a:t>
+                      </a:r>
+                      <a:r>
+                        <a:rPr lang="en-US" b="1" dirty="0">
+                          <a:solidFill>
+                            <a:schemeClr val="accent1"/>
+                          </a:solidFill>
+                        </a:rPr>
+                        <a:t>13</a:t>
+                      </a:r>
+                      <a:endParaRPr lang="en-US" dirty="0"/>
+                    </a:p>
+                  </a:txBody>
+                  <a:tcPr>
+                    <a:solidFill>
+                      <a:srgbClr val="FFC000"/>
+                    </a:solidFill>
+                  </a:tcPr>
+                </a:tc>
+                <a:tc>
+                  <a:txBody>
+                    <a:bodyPr/>
+                    <a:lstStyle/>
+                    <a:p>
+                      <a:pPr algn="ctr"/>
+                      <a:r>
+                        <a:rPr lang="en-US" b="1" dirty="0">
+                          <a:solidFill>
+                            <a:schemeClr val="bg2">
+                              <a:lumMod val="10000"/>
+                            </a:schemeClr>
+                          </a:solidFill>
+                        </a:rPr>
+                        <a:t>10/</a:t>
+                      </a:r>
+                      <a:r>
+                        <a:rPr lang="en-US" b="1" dirty="0">
+                          <a:solidFill>
+                            <a:schemeClr val="accent1"/>
+                          </a:solidFill>
+                        </a:rPr>
+                        <a:t>10</a:t>
+                      </a:r>
+                      <a:endParaRPr lang="en-US" dirty="0"/>
+                    </a:p>
+                  </a:txBody>
+                  <a:tcPr>
+                    <a:solidFill>
+                      <a:srgbClr val="92D050"/>
+                    </a:solidFill>
+                  </a:tcPr>
+                </a:tc>
+                <a:extLst>
+                  <a:ext uri="{0D108BD9-81ED-4DB2-BD59-A6C34878D82A}">
+                    <a16:rowId xmlns:a16="http://schemas.microsoft.com/office/drawing/2014/main" val="25593232"/>
+                  </a:ext>
+                </a:extLst>
+              </a:tr>
+            </a:tbl>
+          </a:graphicData>
+        </a:graphic>
+      </p:graphicFrame>
+    </p:spTree>
+    <p:extLst>
+      <p:ext uri="{BB962C8B-B14F-4D97-AF65-F5344CB8AC3E}">
+        <p14:creationId xmlns:p14="http://schemas.microsoft.com/office/powerpoint/2010/main" val="3577036457"/>
+      </p:ext>
+    </p:extLst>
+  </p:cSld>
+  <p:clrMapOvr>
+    <a:masterClrMapping/>
+  </p:clrMapOvr>
+</p:sld>
+</file>
+
+<file path=ppt/slides/slide15.xml><?xml version="1.0" encoding="utf-8"?>
 <p:sld xmlns:a="http://schemas.openxmlformats.org/drawingml/2006/main" xmlns:r="http://schemas.openxmlformats.org/officeDocument/2006/relationships" xmlns:p="http://schemas.openxmlformats.org/presentationml/2006/main">
   <p:cSld>
     <p:spTree>
@@ -5300,1621 +6913,7 @@
     </p:spTree>
     <p:extLst>
       <p:ext uri="{BB962C8B-B14F-4D97-AF65-F5344CB8AC3E}">
-        <p14:creationId xmlns:p14="http://schemas.microsoft.com/office/powerpoint/2010/main" val="1312261750"/>
-      </p:ext>
-    </p:extLst>
-  </p:cSld>
-  <p:clrMapOvr>
-    <a:masterClrMapping/>
-  </p:clrMapOvr>
-</p:sld>
-</file>
-
-<file path=ppt/slides/slide13.xml><?xml version="1.0" encoding="utf-8"?>
-<p:sld xmlns:a="http://schemas.openxmlformats.org/drawingml/2006/main" xmlns:r="http://schemas.openxmlformats.org/officeDocument/2006/relationships" xmlns:p="http://schemas.openxmlformats.org/presentationml/2006/main">
-  <p:cSld>
-    <p:spTree>
-      <p:nvGrpSpPr>
-        <p:cNvPr id="1" name=""/>
-        <p:cNvGrpSpPr/>
-        <p:nvPr/>
-      </p:nvGrpSpPr>
-      <p:grpSpPr>
-        <a:xfrm>
-          <a:off x="0" y="0"/>
-          <a:ext cx="0" cy="0"/>
-          <a:chOff x="0" y="0"/>
-          <a:chExt cx="0" cy="0"/>
-        </a:xfrm>
-      </p:grpSpPr>
-      <p:sp>
-        <p:nvSpPr>
-          <p:cNvPr id="2" name="כותרת 1">
-            <a:extLst>
-              <a:ext uri="{FF2B5EF4-FFF2-40B4-BE49-F238E27FC236}">
-                <a16:creationId xmlns:a16="http://schemas.microsoft.com/office/drawing/2014/main" id="{59FB4CF8-B5A2-4DAE-827D-788071E38561}"/>
-              </a:ext>
-            </a:extLst>
-          </p:cNvPr>
-          <p:cNvSpPr>
-            <a:spLocks noGrp="1"/>
-          </p:cNvSpPr>
-          <p:nvPr>
-            <p:ph type="title"/>
-          </p:nvPr>
-        </p:nvSpPr>
-        <p:spPr/>
-        <p:txBody>
-          <a:bodyPr/>
-          <a:lstStyle/>
-          <a:p>
-            <a:pPr algn="ctr"/>
-            <a:r>
-              <a:rPr lang="he-IL" dirty="0"/>
-              <a:t>שיווי משקל נאש</a:t>
-            </a:r>
-            <a:endParaRPr lang="en-US" dirty="0"/>
-          </a:p>
-        </p:txBody>
-      </p:sp>
-      <p:sp>
-        <p:nvSpPr>
-          <p:cNvPr id="3" name="מציין מיקום תוכן 2">
-            <a:extLst>
-              <a:ext uri="{FF2B5EF4-FFF2-40B4-BE49-F238E27FC236}">
-                <a16:creationId xmlns:a16="http://schemas.microsoft.com/office/drawing/2014/main" id="{0D6BD5DD-834E-41C1-8543-1821619DA1F5}"/>
-              </a:ext>
-            </a:extLst>
-          </p:cNvPr>
-          <p:cNvSpPr>
-            <a:spLocks noGrp="1"/>
-          </p:cNvSpPr>
-          <p:nvPr>
-            <p:ph idx="1"/>
-          </p:nvPr>
-        </p:nvSpPr>
-        <p:spPr>
-          <a:xfrm>
-            <a:off x="838200" y="1825625"/>
-            <a:ext cx="10515600" cy="586271"/>
-          </a:xfrm>
-        </p:spPr>
-        <p:txBody>
-          <a:bodyPr/>
-          <a:lstStyle/>
-          <a:p>
-            <a:pPr marL="0" indent="0">
-              <a:buNone/>
-            </a:pPr>
-            <a:r>
-              <a:rPr lang="he-IL" dirty="0"/>
-              <a:t>מצב בו אף אחד לא ישפר את עמדתו על ידי שינוי אסטרטגיה.</a:t>
-            </a:r>
-          </a:p>
-          <a:p>
-            <a:pPr marL="0" indent="0">
-              <a:buNone/>
-            </a:pPr>
-            <a:endParaRPr lang="en-US" dirty="0"/>
-          </a:p>
-        </p:txBody>
-      </p:sp>
-      <p:sp>
-        <p:nvSpPr>
-          <p:cNvPr id="4" name="מלבן: פינות מעוגלות 3">
-            <a:extLst>
-              <a:ext uri="{FF2B5EF4-FFF2-40B4-BE49-F238E27FC236}">
-                <a16:creationId xmlns:a16="http://schemas.microsoft.com/office/drawing/2014/main" id="{9DF1BDD7-0D6B-4989-AC21-76ABC39E1236}"/>
-              </a:ext>
-            </a:extLst>
-          </p:cNvPr>
-          <p:cNvSpPr/>
-          <p:nvPr/>
-        </p:nvSpPr>
-        <p:spPr>
-          <a:xfrm>
-            <a:off x="5526157" y="2546833"/>
-            <a:ext cx="2252869" cy="712304"/>
-          </a:xfrm>
-          <a:prstGeom prst="roundRect">
-            <a:avLst/>
-          </a:prstGeom>
-        </p:spPr>
-        <p:style>
-          <a:lnRef idx="2">
-            <a:schemeClr val="accent6"/>
-          </a:lnRef>
-          <a:fillRef idx="1">
-            <a:schemeClr val="lt1"/>
-          </a:fillRef>
-          <a:effectRef idx="0">
-            <a:schemeClr val="accent6"/>
-          </a:effectRef>
-          <a:fontRef idx="minor">
-            <a:schemeClr val="dk1"/>
-          </a:fontRef>
-        </p:style>
-        <p:txBody>
-          <a:bodyPr rtlCol="0" anchor="ctr"/>
-          <a:lstStyle/>
-          <a:p>
-            <a:pPr algn="ctr"/>
-            <a:r>
-              <a:rPr lang="en-US" b="1" dirty="0">
-                <a:solidFill>
-                  <a:schemeClr val="accent5">
-                    <a:lumMod val="75000"/>
-                  </a:schemeClr>
-                </a:solidFill>
-              </a:rPr>
-              <a:t>Pool 1</a:t>
-            </a:r>
-          </a:p>
-        </p:txBody>
-      </p:sp>
-      <p:sp>
-        <p:nvSpPr>
-          <p:cNvPr id="5" name="מלבן: פינות מעוגלות 4">
-            <a:extLst>
-              <a:ext uri="{FF2B5EF4-FFF2-40B4-BE49-F238E27FC236}">
-                <a16:creationId xmlns:a16="http://schemas.microsoft.com/office/drawing/2014/main" id="{FDD3A5B0-A3DC-4472-8193-21152E48AC34}"/>
-              </a:ext>
-            </a:extLst>
-          </p:cNvPr>
-          <p:cNvSpPr/>
-          <p:nvPr/>
-        </p:nvSpPr>
-        <p:spPr>
-          <a:xfrm>
-            <a:off x="377687" y="4403035"/>
-            <a:ext cx="2047461" cy="712304"/>
-          </a:xfrm>
-          <a:prstGeom prst="roundRect">
-            <a:avLst/>
-          </a:prstGeom>
-        </p:spPr>
-        <p:style>
-          <a:lnRef idx="2">
-            <a:schemeClr val="accent6"/>
-          </a:lnRef>
-          <a:fillRef idx="1">
-            <a:schemeClr val="lt1"/>
-          </a:fillRef>
-          <a:effectRef idx="0">
-            <a:schemeClr val="accent6"/>
-          </a:effectRef>
-          <a:fontRef idx="minor">
-            <a:schemeClr val="dk1"/>
-          </a:fontRef>
-        </p:style>
-        <p:txBody>
-          <a:bodyPr rtlCol="0" anchor="ctr"/>
-          <a:lstStyle/>
-          <a:p>
-            <a:pPr algn="ctr"/>
-            <a:r>
-              <a:rPr lang="en-US" b="1" dirty="0">
-                <a:solidFill>
-                  <a:schemeClr val="bg2">
-                    <a:lumMod val="10000"/>
-                  </a:schemeClr>
-                </a:solidFill>
-              </a:rPr>
-              <a:t>Pool 2</a:t>
-            </a:r>
-          </a:p>
-        </p:txBody>
-      </p:sp>
-      <p:graphicFrame>
-        <p:nvGraphicFramePr>
-          <p:cNvPr id="10" name="טבלה 9">
-            <a:extLst>
-              <a:ext uri="{FF2B5EF4-FFF2-40B4-BE49-F238E27FC236}">
-                <a16:creationId xmlns:a16="http://schemas.microsoft.com/office/drawing/2014/main" id="{FFE3573B-08EB-4445-AFF4-5781FF441259}"/>
-              </a:ext>
-            </a:extLst>
-          </p:cNvPr>
-          <p:cNvGraphicFramePr>
-            <a:graphicFrameLocks noGrp="1"/>
-          </p:cNvGraphicFramePr>
-          <p:nvPr>
-            <p:extLst>
-              <p:ext uri="{D42A27DB-BD31-4B8C-83A1-F6EECF244321}">
-                <p14:modId xmlns:p14="http://schemas.microsoft.com/office/powerpoint/2010/main" val="1015603457"/>
-              </p:ext>
-            </p:extLst>
-          </p:nvPr>
-        </p:nvGraphicFramePr>
-        <p:xfrm>
-          <a:off x="2747618" y="3394072"/>
-          <a:ext cx="7893879" cy="2847702"/>
-        </p:xfrm>
-        <a:graphic>
-          <a:graphicData uri="http://schemas.openxmlformats.org/drawingml/2006/table">
-            <a:tbl>
-              <a:tblPr firstRow="1" bandRow="1">
-                <a:tableStyleId>{5C22544A-7EE6-4342-B048-85BDC9FD1C3A}</a:tableStyleId>
-              </a:tblPr>
-              <a:tblGrid>
-                <a:gridCol w="2631293">
-                  <a:extLst>
-                    <a:ext uri="{9D8B030D-6E8A-4147-A177-3AD203B41FA5}">
-                      <a16:colId xmlns:a16="http://schemas.microsoft.com/office/drawing/2014/main" val="1492537969"/>
-                    </a:ext>
-                  </a:extLst>
-                </a:gridCol>
-                <a:gridCol w="2631293">
-                  <a:extLst>
-                    <a:ext uri="{9D8B030D-6E8A-4147-A177-3AD203B41FA5}">
-                      <a16:colId xmlns:a16="http://schemas.microsoft.com/office/drawing/2014/main" val="2031442963"/>
-                    </a:ext>
-                  </a:extLst>
-                </a:gridCol>
-                <a:gridCol w="2631293">
-                  <a:extLst>
-                    <a:ext uri="{9D8B030D-6E8A-4147-A177-3AD203B41FA5}">
-                      <a16:colId xmlns:a16="http://schemas.microsoft.com/office/drawing/2014/main" val="2611323456"/>
-                    </a:ext>
-                  </a:extLst>
-                </a:gridCol>
-              </a:tblGrid>
-              <a:tr h="949234">
-                <a:tc>
-                  <a:txBody>
-                    <a:bodyPr/>
-                    <a:lstStyle/>
-                    <a:p>
-                      <a:pPr algn="ctr"/>
-                      <a:endParaRPr lang="en-US" dirty="0"/>
-                    </a:p>
-                  </a:txBody>
-                  <a:tcPr>
-                    <a:solidFill>
-                      <a:schemeClr val="tx2">
-                        <a:lumMod val="40000"/>
-                        <a:lumOff val="60000"/>
-                      </a:schemeClr>
-                    </a:solidFill>
-                  </a:tcPr>
-                </a:tc>
-                <a:tc>
-                  <a:txBody>
-                    <a:bodyPr/>
-                    <a:lstStyle/>
-                    <a:p>
-                      <a:pPr algn="ctr"/>
-                      <a:r>
-                        <a:rPr lang="en-US" b="1" dirty="0">
-                          <a:solidFill>
-                            <a:schemeClr val="bg2">
-                              <a:lumMod val="10000"/>
-                            </a:schemeClr>
-                          </a:solidFill>
-                        </a:rPr>
-                        <a:t>Attack </a:t>
-                      </a:r>
-                    </a:p>
-                  </a:txBody>
-                  <a:tcPr>
-                    <a:solidFill>
-                      <a:schemeClr val="tx2">
-                        <a:lumMod val="40000"/>
-                        <a:lumOff val="60000"/>
-                      </a:schemeClr>
-                    </a:solidFill>
-                  </a:tcPr>
-                </a:tc>
-                <a:tc>
-                  <a:txBody>
-                    <a:bodyPr/>
-                    <a:lstStyle/>
-                    <a:p>
-                      <a:pPr marL="0" marR="0" lvl="0" indent="0" algn="ctr" defTabSz="914400" rtl="1" eaLnBrk="1" fontAlgn="auto" latinLnBrk="0" hangingPunct="1">
-                        <a:lnSpc>
-                          <a:spcPct val="100000"/>
-                        </a:lnSpc>
-                        <a:spcBef>
-                          <a:spcPts val="0"/>
-                        </a:spcBef>
-                        <a:spcAft>
-                          <a:spcPts val="0"/>
-                        </a:spcAft>
-                        <a:buClrTx/>
-                        <a:buSzTx/>
-                        <a:buFontTx/>
-                        <a:buNone/>
-                        <a:tabLst/>
-                        <a:defRPr/>
-                      </a:pPr>
-                      <a:r>
-                        <a:rPr lang="en-US" b="1" dirty="0">
-                          <a:solidFill>
-                            <a:schemeClr val="bg2">
-                              <a:lumMod val="10000"/>
-                            </a:schemeClr>
-                          </a:solidFill>
-                        </a:rPr>
-                        <a:t>No Attack</a:t>
-                      </a:r>
-                    </a:p>
-                    <a:p>
-                      <a:pPr algn="ctr"/>
-                      <a:endParaRPr lang="en-US" dirty="0"/>
-                    </a:p>
-                  </a:txBody>
-                  <a:tcPr>
-                    <a:solidFill>
-                      <a:schemeClr val="tx2">
-                        <a:lumMod val="40000"/>
-                        <a:lumOff val="60000"/>
-                      </a:schemeClr>
-                    </a:solidFill>
-                  </a:tcPr>
-                </a:tc>
-                <a:extLst>
-                  <a:ext uri="{0D108BD9-81ED-4DB2-BD59-A6C34878D82A}">
-                    <a16:rowId xmlns:a16="http://schemas.microsoft.com/office/drawing/2014/main" val="1117821095"/>
-                  </a:ext>
-                </a:extLst>
-              </a:tr>
-              <a:tr h="949234">
-                <a:tc>
-                  <a:txBody>
-                    <a:bodyPr/>
-                    <a:lstStyle/>
-                    <a:p>
-                      <a:pPr algn="ctr"/>
-                      <a:r>
-                        <a:rPr lang="en-US" b="1" dirty="0">
-                          <a:solidFill>
-                            <a:schemeClr val="bg2">
-                              <a:lumMod val="10000"/>
-                            </a:schemeClr>
-                          </a:solidFill>
-                        </a:rPr>
-                        <a:t>Attack</a:t>
-                      </a:r>
-                      <a:endParaRPr lang="en-US" dirty="0"/>
-                    </a:p>
-                  </a:txBody>
-                  <a:tcPr>
-                    <a:solidFill>
-                      <a:schemeClr val="tx2">
-                        <a:lumMod val="40000"/>
-                        <a:lumOff val="60000"/>
-                      </a:schemeClr>
-                    </a:solidFill>
-                  </a:tcPr>
-                </a:tc>
-                <a:tc>
-                  <a:txBody>
-                    <a:bodyPr/>
-                    <a:lstStyle/>
-                    <a:p>
-                      <a:pPr algn="ctr"/>
-                      <a:endParaRPr lang="en-US" b="1" dirty="0">
-                        <a:solidFill>
-                          <a:schemeClr val="bg2">
-                            <a:lumMod val="10000"/>
-                          </a:schemeClr>
-                        </a:solidFill>
-                      </a:endParaRPr>
-                    </a:p>
-                  </a:txBody>
-                  <a:tcPr>
-                    <a:solidFill>
-                      <a:schemeClr val="accent6">
-                        <a:lumMod val="60000"/>
-                        <a:lumOff val="40000"/>
-                      </a:schemeClr>
-                    </a:solidFill>
-                  </a:tcPr>
-                </a:tc>
-                <a:tc>
-                  <a:txBody>
-                    <a:bodyPr/>
-                    <a:lstStyle/>
-                    <a:p>
-                      <a:pPr algn="ctr"/>
-                      <a:endParaRPr lang="en-US" dirty="0"/>
-                    </a:p>
-                  </a:txBody>
-                  <a:tcPr>
-                    <a:solidFill>
-                      <a:srgbClr val="FFC000"/>
-                    </a:solidFill>
-                  </a:tcPr>
-                </a:tc>
-                <a:extLst>
-                  <a:ext uri="{0D108BD9-81ED-4DB2-BD59-A6C34878D82A}">
-                    <a16:rowId xmlns:a16="http://schemas.microsoft.com/office/drawing/2014/main" val="69688423"/>
-                  </a:ext>
-                </a:extLst>
-              </a:tr>
-              <a:tr h="949234">
-                <a:tc>
-                  <a:txBody>
-                    <a:bodyPr/>
-                    <a:lstStyle/>
-                    <a:p>
-                      <a:pPr algn="ctr"/>
-                      <a:r>
-                        <a:rPr lang="en-US" b="1" dirty="0">
-                          <a:solidFill>
-                            <a:schemeClr val="bg2">
-                              <a:lumMod val="10000"/>
-                            </a:schemeClr>
-                          </a:solidFill>
-                        </a:rPr>
-                        <a:t>No Attack</a:t>
-                      </a:r>
-                    </a:p>
-                  </a:txBody>
-                  <a:tcPr>
-                    <a:solidFill>
-                      <a:schemeClr val="tx2">
-                        <a:lumMod val="40000"/>
-                        <a:lumOff val="60000"/>
-                      </a:schemeClr>
-                    </a:solidFill>
-                  </a:tcPr>
-                </a:tc>
-                <a:tc>
-                  <a:txBody>
-                    <a:bodyPr/>
-                    <a:lstStyle/>
-                    <a:p>
-                      <a:pPr algn="ctr"/>
-                      <a:endParaRPr lang="en-US" dirty="0"/>
-                    </a:p>
-                  </a:txBody>
-                  <a:tcPr>
-                    <a:solidFill>
-                      <a:srgbClr val="FFC000"/>
-                    </a:solidFill>
-                  </a:tcPr>
-                </a:tc>
-                <a:tc>
-                  <a:txBody>
-                    <a:bodyPr/>
-                    <a:lstStyle/>
-                    <a:p>
-                      <a:pPr algn="ctr"/>
-                      <a:r>
-                        <a:rPr lang="en-US" b="1" dirty="0">
-                          <a:solidFill>
-                            <a:schemeClr val="bg2">
-                              <a:lumMod val="10000"/>
-                            </a:schemeClr>
-                          </a:solidFill>
-                        </a:rPr>
-                        <a:t>10/</a:t>
-                      </a:r>
-                      <a:r>
-                        <a:rPr lang="en-US" b="1" dirty="0">
-                          <a:solidFill>
-                            <a:schemeClr val="accent1"/>
-                          </a:solidFill>
-                        </a:rPr>
-                        <a:t>10</a:t>
-                      </a:r>
-                      <a:endParaRPr lang="en-US" dirty="0"/>
-                    </a:p>
-                  </a:txBody>
-                  <a:tcPr>
-                    <a:solidFill>
-                      <a:srgbClr val="92D050"/>
-                    </a:solidFill>
-                  </a:tcPr>
-                </a:tc>
-                <a:extLst>
-                  <a:ext uri="{0D108BD9-81ED-4DB2-BD59-A6C34878D82A}">
-                    <a16:rowId xmlns:a16="http://schemas.microsoft.com/office/drawing/2014/main" val="25593232"/>
-                  </a:ext>
-                </a:extLst>
-              </a:tr>
-            </a:tbl>
-          </a:graphicData>
-        </a:graphic>
-      </p:graphicFrame>
-    </p:spTree>
-    <p:extLst>
-      <p:ext uri="{BB962C8B-B14F-4D97-AF65-F5344CB8AC3E}">
-        <p14:creationId xmlns:p14="http://schemas.microsoft.com/office/powerpoint/2010/main" val="830394607"/>
-      </p:ext>
-    </p:extLst>
-  </p:cSld>
-  <p:clrMapOvr>
-    <a:masterClrMapping/>
-  </p:clrMapOvr>
-</p:sld>
-</file>
-
-<file path=ppt/slides/slide14.xml><?xml version="1.0" encoding="utf-8"?>
-<p:sld xmlns:a="http://schemas.openxmlformats.org/drawingml/2006/main" xmlns:r="http://schemas.openxmlformats.org/officeDocument/2006/relationships" xmlns:p="http://schemas.openxmlformats.org/presentationml/2006/main">
-  <p:cSld>
-    <p:spTree>
-      <p:nvGrpSpPr>
-        <p:cNvPr id="1" name=""/>
-        <p:cNvGrpSpPr/>
-        <p:nvPr/>
-      </p:nvGrpSpPr>
-      <p:grpSpPr>
-        <a:xfrm>
-          <a:off x="0" y="0"/>
-          <a:ext cx="0" cy="0"/>
-          <a:chOff x="0" y="0"/>
-          <a:chExt cx="0" cy="0"/>
-        </a:xfrm>
-      </p:grpSpPr>
-      <p:sp>
-        <p:nvSpPr>
-          <p:cNvPr id="2" name="כותרת 1">
-            <a:extLst>
-              <a:ext uri="{FF2B5EF4-FFF2-40B4-BE49-F238E27FC236}">
-                <a16:creationId xmlns:a16="http://schemas.microsoft.com/office/drawing/2014/main" id="{59FB4CF8-B5A2-4DAE-827D-788071E38561}"/>
-              </a:ext>
-            </a:extLst>
-          </p:cNvPr>
-          <p:cNvSpPr>
-            <a:spLocks noGrp="1"/>
-          </p:cNvSpPr>
-          <p:nvPr>
-            <p:ph type="title"/>
-          </p:nvPr>
-        </p:nvSpPr>
-        <p:spPr/>
-        <p:txBody>
-          <a:bodyPr/>
-          <a:lstStyle/>
-          <a:p>
-            <a:pPr algn="ctr"/>
-            <a:r>
-              <a:rPr lang="he-IL" dirty="0"/>
-              <a:t>שיווי משקל נאש</a:t>
-            </a:r>
-            <a:endParaRPr lang="en-US" dirty="0"/>
-          </a:p>
-        </p:txBody>
-      </p:sp>
-      <p:sp>
-        <p:nvSpPr>
-          <p:cNvPr id="3" name="מציין מיקום תוכן 2">
-            <a:extLst>
-              <a:ext uri="{FF2B5EF4-FFF2-40B4-BE49-F238E27FC236}">
-                <a16:creationId xmlns:a16="http://schemas.microsoft.com/office/drawing/2014/main" id="{0D6BD5DD-834E-41C1-8543-1821619DA1F5}"/>
-              </a:ext>
-            </a:extLst>
-          </p:cNvPr>
-          <p:cNvSpPr>
-            <a:spLocks noGrp="1"/>
-          </p:cNvSpPr>
-          <p:nvPr>
-            <p:ph idx="1"/>
-          </p:nvPr>
-        </p:nvSpPr>
-        <p:spPr>
-          <a:xfrm>
-            <a:off x="838200" y="1825625"/>
-            <a:ext cx="10515600" cy="586271"/>
-          </a:xfrm>
-        </p:spPr>
-        <p:txBody>
-          <a:bodyPr/>
-          <a:lstStyle/>
-          <a:p>
-            <a:pPr marL="0" indent="0">
-              <a:buNone/>
-            </a:pPr>
-            <a:r>
-              <a:rPr lang="he-IL" dirty="0"/>
-              <a:t>מצב בו אף אחד לא ישפר את עמדתו על ידי שינוי אסטרטגיה.</a:t>
-            </a:r>
-          </a:p>
-          <a:p>
-            <a:pPr marL="0" indent="0">
-              <a:buNone/>
-            </a:pPr>
-            <a:endParaRPr lang="en-US" dirty="0"/>
-          </a:p>
-        </p:txBody>
-      </p:sp>
-      <p:sp>
-        <p:nvSpPr>
-          <p:cNvPr id="4" name="מלבן: פינות מעוגלות 3">
-            <a:extLst>
-              <a:ext uri="{FF2B5EF4-FFF2-40B4-BE49-F238E27FC236}">
-                <a16:creationId xmlns:a16="http://schemas.microsoft.com/office/drawing/2014/main" id="{9DF1BDD7-0D6B-4989-AC21-76ABC39E1236}"/>
-              </a:ext>
-            </a:extLst>
-          </p:cNvPr>
-          <p:cNvSpPr/>
-          <p:nvPr/>
-        </p:nvSpPr>
-        <p:spPr>
-          <a:xfrm>
-            <a:off x="5526157" y="2546833"/>
-            <a:ext cx="2252869" cy="712304"/>
-          </a:xfrm>
-          <a:prstGeom prst="roundRect">
-            <a:avLst/>
-          </a:prstGeom>
-        </p:spPr>
-        <p:style>
-          <a:lnRef idx="2">
-            <a:schemeClr val="accent6"/>
-          </a:lnRef>
-          <a:fillRef idx="1">
-            <a:schemeClr val="lt1"/>
-          </a:fillRef>
-          <a:effectRef idx="0">
-            <a:schemeClr val="accent6"/>
-          </a:effectRef>
-          <a:fontRef idx="minor">
-            <a:schemeClr val="dk1"/>
-          </a:fontRef>
-        </p:style>
-        <p:txBody>
-          <a:bodyPr rtlCol="0" anchor="ctr"/>
-          <a:lstStyle/>
-          <a:p>
-            <a:pPr algn="ctr"/>
-            <a:r>
-              <a:rPr lang="en-US" b="1" dirty="0">
-                <a:solidFill>
-                  <a:schemeClr val="accent5">
-                    <a:lumMod val="75000"/>
-                  </a:schemeClr>
-                </a:solidFill>
-              </a:rPr>
-              <a:t>Pool 1</a:t>
-            </a:r>
-          </a:p>
-        </p:txBody>
-      </p:sp>
-      <p:sp>
-        <p:nvSpPr>
-          <p:cNvPr id="5" name="מלבן: פינות מעוגלות 4">
-            <a:extLst>
-              <a:ext uri="{FF2B5EF4-FFF2-40B4-BE49-F238E27FC236}">
-                <a16:creationId xmlns:a16="http://schemas.microsoft.com/office/drawing/2014/main" id="{FDD3A5B0-A3DC-4472-8193-21152E48AC34}"/>
-              </a:ext>
-            </a:extLst>
-          </p:cNvPr>
-          <p:cNvSpPr/>
-          <p:nvPr/>
-        </p:nvSpPr>
-        <p:spPr>
-          <a:xfrm>
-            <a:off x="377687" y="4403035"/>
-            <a:ext cx="2047461" cy="712304"/>
-          </a:xfrm>
-          <a:prstGeom prst="roundRect">
-            <a:avLst/>
-          </a:prstGeom>
-        </p:spPr>
-        <p:style>
-          <a:lnRef idx="2">
-            <a:schemeClr val="accent6"/>
-          </a:lnRef>
-          <a:fillRef idx="1">
-            <a:schemeClr val="lt1"/>
-          </a:fillRef>
-          <a:effectRef idx="0">
-            <a:schemeClr val="accent6"/>
-          </a:effectRef>
-          <a:fontRef idx="minor">
-            <a:schemeClr val="dk1"/>
-          </a:fontRef>
-        </p:style>
-        <p:txBody>
-          <a:bodyPr rtlCol="0" anchor="ctr"/>
-          <a:lstStyle/>
-          <a:p>
-            <a:pPr algn="ctr"/>
-            <a:r>
-              <a:rPr lang="en-US" b="1" dirty="0">
-                <a:solidFill>
-                  <a:schemeClr val="bg2">
-                    <a:lumMod val="10000"/>
-                  </a:schemeClr>
-                </a:solidFill>
-              </a:rPr>
-              <a:t>Pool 2</a:t>
-            </a:r>
-          </a:p>
-        </p:txBody>
-      </p:sp>
-      <p:graphicFrame>
-        <p:nvGraphicFramePr>
-          <p:cNvPr id="10" name="טבלה 9">
-            <a:extLst>
-              <a:ext uri="{FF2B5EF4-FFF2-40B4-BE49-F238E27FC236}">
-                <a16:creationId xmlns:a16="http://schemas.microsoft.com/office/drawing/2014/main" id="{FFE3573B-08EB-4445-AFF4-5781FF441259}"/>
-              </a:ext>
-            </a:extLst>
-          </p:cNvPr>
-          <p:cNvGraphicFramePr>
-            <a:graphicFrameLocks noGrp="1"/>
-          </p:cNvGraphicFramePr>
-          <p:nvPr>
-            <p:extLst>
-              <p:ext uri="{D42A27DB-BD31-4B8C-83A1-F6EECF244321}">
-                <p14:modId xmlns:p14="http://schemas.microsoft.com/office/powerpoint/2010/main" val="210366916"/>
-              </p:ext>
-            </p:extLst>
-          </p:nvPr>
-        </p:nvGraphicFramePr>
-        <p:xfrm>
-          <a:off x="2747618" y="3394072"/>
-          <a:ext cx="7893879" cy="2847702"/>
-        </p:xfrm>
-        <a:graphic>
-          <a:graphicData uri="http://schemas.openxmlformats.org/drawingml/2006/table">
-            <a:tbl>
-              <a:tblPr firstRow="1" bandRow="1">
-                <a:tableStyleId>{5C22544A-7EE6-4342-B048-85BDC9FD1C3A}</a:tableStyleId>
-              </a:tblPr>
-              <a:tblGrid>
-                <a:gridCol w="2631293">
-                  <a:extLst>
-                    <a:ext uri="{9D8B030D-6E8A-4147-A177-3AD203B41FA5}">
-                      <a16:colId xmlns:a16="http://schemas.microsoft.com/office/drawing/2014/main" val="1492537969"/>
-                    </a:ext>
-                  </a:extLst>
-                </a:gridCol>
-                <a:gridCol w="2631293">
-                  <a:extLst>
-                    <a:ext uri="{9D8B030D-6E8A-4147-A177-3AD203B41FA5}">
-                      <a16:colId xmlns:a16="http://schemas.microsoft.com/office/drawing/2014/main" val="2031442963"/>
-                    </a:ext>
-                  </a:extLst>
-                </a:gridCol>
-                <a:gridCol w="2631293">
-                  <a:extLst>
-                    <a:ext uri="{9D8B030D-6E8A-4147-A177-3AD203B41FA5}">
-                      <a16:colId xmlns:a16="http://schemas.microsoft.com/office/drawing/2014/main" val="2611323456"/>
-                    </a:ext>
-                  </a:extLst>
-                </a:gridCol>
-              </a:tblGrid>
-              <a:tr h="949234">
-                <a:tc>
-                  <a:txBody>
-                    <a:bodyPr/>
-                    <a:lstStyle/>
-                    <a:p>
-                      <a:pPr algn="ctr"/>
-                      <a:endParaRPr lang="en-US" dirty="0"/>
-                    </a:p>
-                  </a:txBody>
-                  <a:tcPr>
-                    <a:solidFill>
-                      <a:schemeClr val="tx2">
-                        <a:lumMod val="40000"/>
-                        <a:lumOff val="60000"/>
-                      </a:schemeClr>
-                    </a:solidFill>
-                  </a:tcPr>
-                </a:tc>
-                <a:tc>
-                  <a:txBody>
-                    <a:bodyPr/>
-                    <a:lstStyle/>
-                    <a:p>
-                      <a:pPr algn="ctr"/>
-                      <a:r>
-                        <a:rPr lang="en-US" b="1" dirty="0">
-                          <a:solidFill>
-                            <a:schemeClr val="bg2">
-                              <a:lumMod val="10000"/>
-                            </a:schemeClr>
-                          </a:solidFill>
-                        </a:rPr>
-                        <a:t>Attack </a:t>
-                      </a:r>
-                    </a:p>
-                  </a:txBody>
-                  <a:tcPr>
-                    <a:solidFill>
-                      <a:schemeClr val="tx2">
-                        <a:lumMod val="40000"/>
-                        <a:lumOff val="60000"/>
-                      </a:schemeClr>
-                    </a:solidFill>
-                  </a:tcPr>
-                </a:tc>
-                <a:tc>
-                  <a:txBody>
-                    <a:bodyPr/>
-                    <a:lstStyle/>
-                    <a:p>
-                      <a:pPr marL="0" marR="0" lvl="0" indent="0" algn="ctr" defTabSz="914400" rtl="1" eaLnBrk="1" fontAlgn="auto" latinLnBrk="0" hangingPunct="1">
-                        <a:lnSpc>
-                          <a:spcPct val="100000"/>
-                        </a:lnSpc>
-                        <a:spcBef>
-                          <a:spcPts val="0"/>
-                        </a:spcBef>
-                        <a:spcAft>
-                          <a:spcPts val="0"/>
-                        </a:spcAft>
-                        <a:buClrTx/>
-                        <a:buSzTx/>
-                        <a:buFontTx/>
-                        <a:buNone/>
-                        <a:tabLst/>
-                        <a:defRPr/>
-                      </a:pPr>
-                      <a:r>
-                        <a:rPr lang="en-US" b="1" dirty="0">
-                          <a:solidFill>
-                            <a:schemeClr val="bg2">
-                              <a:lumMod val="10000"/>
-                            </a:schemeClr>
-                          </a:solidFill>
-                        </a:rPr>
-                        <a:t>No Attack</a:t>
-                      </a:r>
-                    </a:p>
-                    <a:p>
-                      <a:pPr algn="ctr"/>
-                      <a:endParaRPr lang="en-US" dirty="0"/>
-                    </a:p>
-                  </a:txBody>
-                  <a:tcPr>
-                    <a:solidFill>
-                      <a:schemeClr val="tx2">
-                        <a:lumMod val="40000"/>
-                        <a:lumOff val="60000"/>
-                      </a:schemeClr>
-                    </a:solidFill>
-                  </a:tcPr>
-                </a:tc>
-                <a:extLst>
-                  <a:ext uri="{0D108BD9-81ED-4DB2-BD59-A6C34878D82A}">
-                    <a16:rowId xmlns:a16="http://schemas.microsoft.com/office/drawing/2014/main" val="1117821095"/>
-                  </a:ext>
-                </a:extLst>
-              </a:tr>
-              <a:tr h="949234">
-                <a:tc>
-                  <a:txBody>
-                    <a:bodyPr/>
-                    <a:lstStyle/>
-                    <a:p>
-                      <a:pPr algn="ctr"/>
-                      <a:r>
-                        <a:rPr lang="en-US" b="1" dirty="0">
-                          <a:solidFill>
-                            <a:schemeClr val="bg2">
-                              <a:lumMod val="10000"/>
-                            </a:schemeClr>
-                          </a:solidFill>
-                        </a:rPr>
-                        <a:t>Attack</a:t>
-                      </a:r>
-                      <a:endParaRPr lang="en-US" dirty="0"/>
-                    </a:p>
-                  </a:txBody>
-                  <a:tcPr>
-                    <a:solidFill>
-                      <a:schemeClr val="tx2">
-                        <a:lumMod val="40000"/>
-                        <a:lumOff val="60000"/>
-                      </a:schemeClr>
-                    </a:solidFill>
-                  </a:tcPr>
-                </a:tc>
-                <a:tc>
-                  <a:txBody>
-                    <a:bodyPr/>
-                    <a:lstStyle/>
-                    <a:p>
-                      <a:pPr algn="ctr"/>
-                      <a:endParaRPr lang="en-US" b="1" dirty="0">
-                        <a:solidFill>
-                          <a:schemeClr val="bg2">
-                            <a:lumMod val="10000"/>
-                          </a:schemeClr>
-                        </a:solidFill>
-                      </a:endParaRPr>
-                    </a:p>
-                  </a:txBody>
-                  <a:tcPr>
-                    <a:solidFill>
-                      <a:schemeClr val="accent6">
-                        <a:lumMod val="60000"/>
-                        <a:lumOff val="40000"/>
-                      </a:schemeClr>
-                    </a:solidFill>
-                  </a:tcPr>
-                </a:tc>
-                <a:tc>
-                  <a:txBody>
-                    <a:bodyPr/>
-                    <a:lstStyle/>
-                    <a:p>
-                      <a:pPr algn="ctr"/>
-                      <a:r>
-                        <a:rPr lang="en-US" b="1" dirty="0">
-                          <a:solidFill>
-                            <a:schemeClr val="bg2">
-                              <a:lumMod val="10000"/>
-                            </a:schemeClr>
-                          </a:solidFill>
-                        </a:rPr>
-                        <a:t>13/</a:t>
-                      </a:r>
-                      <a:r>
-                        <a:rPr lang="en-US" b="1" dirty="0">
-                          <a:solidFill>
-                            <a:schemeClr val="accent1"/>
-                          </a:solidFill>
-                        </a:rPr>
-                        <a:t>5</a:t>
-                      </a:r>
-                      <a:endParaRPr lang="en-US" dirty="0"/>
-                    </a:p>
-                  </a:txBody>
-                  <a:tcPr>
-                    <a:solidFill>
-                      <a:srgbClr val="FFC000"/>
-                    </a:solidFill>
-                  </a:tcPr>
-                </a:tc>
-                <a:extLst>
-                  <a:ext uri="{0D108BD9-81ED-4DB2-BD59-A6C34878D82A}">
-                    <a16:rowId xmlns:a16="http://schemas.microsoft.com/office/drawing/2014/main" val="69688423"/>
-                  </a:ext>
-                </a:extLst>
-              </a:tr>
-              <a:tr h="949234">
-                <a:tc>
-                  <a:txBody>
-                    <a:bodyPr/>
-                    <a:lstStyle/>
-                    <a:p>
-                      <a:pPr algn="ctr"/>
-                      <a:r>
-                        <a:rPr lang="en-US" b="1" dirty="0">
-                          <a:solidFill>
-                            <a:schemeClr val="bg2">
-                              <a:lumMod val="10000"/>
-                            </a:schemeClr>
-                          </a:solidFill>
-                        </a:rPr>
-                        <a:t>No Attack</a:t>
-                      </a:r>
-                    </a:p>
-                  </a:txBody>
-                  <a:tcPr>
-                    <a:solidFill>
-                      <a:schemeClr val="tx2">
-                        <a:lumMod val="40000"/>
-                        <a:lumOff val="60000"/>
-                      </a:schemeClr>
-                    </a:solidFill>
-                  </a:tcPr>
-                </a:tc>
-                <a:tc>
-                  <a:txBody>
-                    <a:bodyPr/>
-                    <a:lstStyle/>
-                    <a:p>
-                      <a:pPr algn="ctr"/>
-                      <a:endParaRPr lang="en-US" dirty="0"/>
-                    </a:p>
-                  </a:txBody>
-                  <a:tcPr>
-                    <a:solidFill>
-                      <a:srgbClr val="FFC000"/>
-                    </a:solidFill>
-                  </a:tcPr>
-                </a:tc>
-                <a:tc>
-                  <a:txBody>
-                    <a:bodyPr/>
-                    <a:lstStyle/>
-                    <a:p>
-                      <a:pPr algn="ctr"/>
-                      <a:r>
-                        <a:rPr lang="en-US" b="1" dirty="0">
-                          <a:solidFill>
-                            <a:schemeClr val="bg2">
-                              <a:lumMod val="10000"/>
-                            </a:schemeClr>
-                          </a:solidFill>
-                        </a:rPr>
-                        <a:t>10/</a:t>
-                      </a:r>
-                      <a:r>
-                        <a:rPr lang="en-US" b="1" dirty="0">
-                          <a:solidFill>
-                            <a:schemeClr val="accent1"/>
-                          </a:solidFill>
-                        </a:rPr>
-                        <a:t>10</a:t>
-                      </a:r>
-                      <a:endParaRPr lang="en-US" dirty="0"/>
-                    </a:p>
-                  </a:txBody>
-                  <a:tcPr>
-                    <a:solidFill>
-                      <a:srgbClr val="92D050"/>
-                    </a:solidFill>
-                  </a:tcPr>
-                </a:tc>
-                <a:extLst>
-                  <a:ext uri="{0D108BD9-81ED-4DB2-BD59-A6C34878D82A}">
-                    <a16:rowId xmlns:a16="http://schemas.microsoft.com/office/drawing/2014/main" val="25593232"/>
-                  </a:ext>
-                </a:extLst>
-              </a:tr>
-            </a:tbl>
-          </a:graphicData>
-        </a:graphic>
-      </p:graphicFrame>
-    </p:spTree>
-    <p:extLst>
-      <p:ext uri="{BB962C8B-B14F-4D97-AF65-F5344CB8AC3E}">
-        <p14:creationId xmlns:p14="http://schemas.microsoft.com/office/powerpoint/2010/main" val="4113932382"/>
-      </p:ext>
-    </p:extLst>
-  </p:cSld>
-  <p:clrMapOvr>
-    <a:masterClrMapping/>
-  </p:clrMapOvr>
-</p:sld>
-</file>
-
-<file path=ppt/slides/slide15.xml><?xml version="1.0" encoding="utf-8"?>
-<p:sld xmlns:a="http://schemas.openxmlformats.org/drawingml/2006/main" xmlns:r="http://schemas.openxmlformats.org/officeDocument/2006/relationships" xmlns:p="http://schemas.openxmlformats.org/presentationml/2006/main">
-  <p:cSld>
-    <p:spTree>
-      <p:nvGrpSpPr>
-        <p:cNvPr id="1" name=""/>
-        <p:cNvGrpSpPr/>
-        <p:nvPr/>
-      </p:nvGrpSpPr>
-      <p:grpSpPr>
-        <a:xfrm>
-          <a:off x="0" y="0"/>
-          <a:ext cx="0" cy="0"/>
-          <a:chOff x="0" y="0"/>
-          <a:chExt cx="0" cy="0"/>
-        </a:xfrm>
-      </p:grpSpPr>
-      <p:sp>
-        <p:nvSpPr>
-          <p:cNvPr id="2" name="כותרת 1">
-            <a:extLst>
-              <a:ext uri="{FF2B5EF4-FFF2-40B4-BE49-F238E27FC236}">
-                <a16:creationId xmlns:a16="http://schemas.microsoft.com/office/drawing/2014/main" id="{59FB4CF8-B5A2-4DAE-827D-788071E38561}"/>
-              </a:ext>
-            </a:extLst>
-          </p:cNvPr>
-          <p:cNvSpPr>
-            <a:spLocks noGrp="1"/>
-          </p:cNvSpPr>
-          <p:nvPr>
-            <p:ph type="title"/>
-          </p:nvPr>
-        </p:nvSpPr>
-        <p:spPr/>
-        <p:txBody>
-          <a:bodyPr/>
-          <a:lstStyle/>
-          <a:p>
-            <a:pPr algn="ctr"/>
-            <a:r>
-              <a:rPr lang="he-IL" dirty="0"/>
-              <a:t>שיווי משקל נאש</a:t>
-            </a:r>
-            <a:endParaRPr lang="en-US" dirty="0"/>
-          </a:p>
-        </p:txBody>
-      </p:sp>
-      <p:sp>
-        <p:nvSpPr>
-          <p:cNvPr id="3" name="מציין מיקום תוכן 2">
-            <a:extLst>
-              <a:ext uri="{FF2B5EF4-FFF2-40B4-BE49-F238E27FC236}">
-                <a16:creationId xmlns:a16="http://schemas.microsoft.com/office/drawing/2014/main" id="{0D6BD5DD-834E-41C1-8543-1821619DA1F5}"/>
-              </a:ext>
-            </a:extLst>
-          </p:cNvPr>
-          <p:cNvSpPr>
-            <a:spLocks noGrp="1"/>
-          </p:cNvSpPr>
-          <p:nvPr>
-            <p:ph idx="1"/>
-          </p:nvPr>
-        </p:nvSpPr>
-        <p:spPr>
-          <a:xfrm>
-            <a:off x="838200" y="1825625"/>
-            <a:ext cx="10515600" cy="586271"/>
-          </a:xfrm>
-        </p:spPr>
-        <p:txBody>
-          <a:bodyPr/>
-          <a:lstStyle/>
-          <a:p>
-            <a:pPr marL="0" indent="0">
-              <a:buNone/>
-            </a:pPr>
-            <a:r>
-              <a:rPr lang="he-IL" dirty="0"/>
-              <a:t>מצב בו אף אחד לא ישפר את עמדתו על ידי שינוי אסטרטגיה.</a:t>
-            </a:r>
-          </a:p>
-          <a:p>
-            <a:pPr marL="0" indent="0">
-              <a:buNone/>
-            </a:pPr>
-            <a:endParaRPr lang="en-US" dirty="0"/>
-          </a:p>
-        </p:txBody>
-      </p:sp>
-      <p:sp>
-        <p:nvSpPr>
-          <p:cNvPr id="4" name="מלבן: פינות מעוגלות 3">
-            <a:extLst>
-              <a:ext uri="{FF2B5EF4-FFF2-40B4-BE49-F238E27FC236}">
-                <a16:creationId xmlns:a16="http://schemas.microsoft.com/office/drawing/2014/main" id="{9DF1BDD7-0D6B-4989-AC21-76ABC39E1236}"/>
-              </a:ext>
-            </a:extLst>
-          </p:cNvPr>
-          <p:cNvSpPr/>
-          <p:nvPr/>
-        </p:nvSpPr>
-        <p:spPr>
-          <a:xfrm>
-            <a:off x="5526157" y="2546833"/>
-            <a:ext cx="2252869" cy="712304"/>
-          </a:xfrm>
-          <a:prstGeom prst="roundRect">
-            <a:avLst/>
-          </a:prstGeom>
-        </p:spPr>
-        <p:style>
-          <a:lnRef idx="2">
-            <a:schemeClr val="accent6"/>
-          </a:lnRef>
-          <a:fillRef idx="1">
-            <a:schemeClr val="lt1"/>
-          </a:fillRef>
-          <a:effectRef idx="0">
-            <a:schemeClr val="accent6"/>
-          </a:effectRef>
-          <a:fontRef idx="minor">
-            <a:schemeClr val="dk1"/>
-          </a:fontRef>
-        </p:style>
-        <p:txBody>
-          <a:bodyPr rtlCol="0" anchor="ctr"/>
-          <a:lstStyle/>
-          <a:p>
-            <a:pPr algn="ctr"/>
-            <a:r>
-              <a:rPr lang="en-US" b="1" dirty="0">
-                <a:solidFill>
-                  <a:schemeClr val="accent5">
-                    <a:lumMod val="75000"/>
-                  </a:schemeClr>
-                </a:solidFill>
-              </a:rPr>
-              <a:t>Pool 1</a:t>
-            </a:r>
-          </a:p>
-        </p:txBody>
-      </p:sp>
-      <p:sp>
-        <p:nvSpPr>
-          <p:cNvPr id="5" name="מלבן: פינות מעוגלות 4">
-            <a:extLst>
-              <a:ext uri="{FF2B5EF4-FFF2-40B4-BE49-F238E27FC236}">
-                <a16:creationId xmlns:a16="http://schemas.microsoft.com/office/drawing/2014/main" id="{FDD3A5B0-A3DC-4472-8193-21152E48AC34}"/>
-              </a:ext>
-            </a:extLst>
-          </p:cNvPr>
-          <p:cNvSpPr/>
-          <p:nvPr/>
-        </p:nvSpPr>
-        <p:spPr>
-          <a:xfrm>
-            <a:off x="377687" y="4403035"/>
-            <a:ext cx="2047461" cy="712304"/>
-          </a:xfrm>
-          <a:prstGeom prst="roundRect">
-            <a:avLst/>
-          </a:prstGeom>
-        </p:spPr>
-        <p:style>
-          <a:lnRef idx="2">
-            <a:schemeClr val="accent6"/>
-          </a:lnRef>
-          <a:fillRef idx="1">
-            <a:schemeClr val="lt1"/>
-          </a:fillRef>
-          <a:effectRef idx="0">
-            <a:schemeClr val="accent6"/>
-          </a:effectRef>
-          <a:fontRef idx="minor">
-            <a:schemeClr val="dk1"/>
-          </a:fontRef>
-        </p:style>
-        <p:txBody>
-          <a:bodyPr rtlCol="0" anchor="ctr"/>
-          <a:lstStyle/>
-          <a:p>
-            <a:pPr algn="ctr"/>
-            <a:r>
-              <a:rPr lang="en-US" b="1" dirty="0">
-                <a:solidFill>
-                  <a:schemeClr val="bg2">
-                    <a:lumMod val="10000"/>
-                  </a:schemeClr>
-                </a:solidFill>
-              </a:rPr>
-              <a:t>Pool 2</a:t>
-            </a:r>
-          </a:p>
-        </p:txBody>
-      </p:sp>
-      <p:graphicFrame>
-        <p:nvGraphicFramePr>
-          <p:cNvPr id="10" name="טבלה 9">
-            <a:extLst>
-              <a:ext uri="{FF2B5EF4-FFF2-40B4-BE49-F238E27FC236}">
-                <a16:creationId xmlns:a16="http://schemas.microsoft.com/office/drawing/2014/main" id="{FFE3573B-08EB-4445-AFF4-5781FF441259}"/>
-              </a:ext>
-            </a:extLst>
-          </p:cNvPr>
-          <p:cNvGraphicFramePr>
-            <a:graphicFrameLocks noGrp="1"/>
-          </p:cNvGraphicFramePr>
-          <p:nvPr>
-            <p:extLst>
-              <p:ext uri="{D42A27DB-BD31-4B8C-83A1-F6EECF244321}">
-                <p14:modId xmlns:p14="http://schemas.microsoft.com/office/powerpoint/2010/main" val="3027365748"/>
-              </p:ext>
-            </p:extLst>
-          </p:nvPr>
-        </p:nvGraphicFramePr>
-        <p:xfrm>
-          <a:off x="2747618" y="3394072"/>
-          <a:ext cx="7893879" cy="2847702"/>
-        </p:xfrm>
-        <a:graphic>
-          <a:graphicData uri="http://schemas.openxmlformats.org/drawingml/2006/table">
-            <a:tbl>
-              <a:tblPr firstRow="1" bandRow="1">
-                <a:tableStyleId>{5C22544A-7EE6-4342-B048-85BDC9FD1C3A}</a:tableStyleId>
-              </a:tblPr>
-              <a:tblGrid>
-                <a:gridCol w="2631293">
-                  <a:extLst>
-                    <a:ext uri="{9D8B030D-6E8A-4147-A177-3AD203B41FA5}">
-                      <a16:colId xmlns:a16="http://schemas.microsoft.com/office/drawing/2014/main" val="1492537969"/>
-                    </a:ext>
-                  </a:extLst>
-                </a:gridCol>
-                <a:gridCol w="2631293">
-                  <a:extLst>
-                    <a:ext uri="{9D8B030D-6E8A-4147-A177-3AD203B41FA5}">
-                      <a16:colId xmlns:a16="http://schemas.microsoft.com/office/drawing/2014/main" val="2031442963"/>
-                    </a:ext>
-                  </a:extLst>
-                </a:gridCol>
-                <a:gridCol w="2631293">
-                  <a:extLst>
-                    <a:ext uri="{9D8B030D-6E8A-4147-A177-3AD203B41FA5}">
-                      <a16:colId xmlns:a16="http://schemas.microsoft.com/office/drawing/2014/main" val="2611323456"/>
-                    </a:ext>
-                  </a:extLst>
-                </a:gridCol>
-              </a:tblGrid>
-              <a:tr h="949234">
-                <a:tc>
-                  <a:txBody>
-                    <a:bodyPr/>
-                    <a:lstStyle/>
-                    <a:p>
-                      <a:pPr algn="ctr"/>
-                      <a:endParaRPr lang="en-US" dirty="0"/>
-                    </a:p>
-                  </a:txBody>
-                  <a:tcPr>
-                    <a:solidFill>
-                      <a:schemeClr val="tx2">
-                        <a:lumMod val="40000"/>
-                        <a:lumOff val="60000"/>
-                      </a:schemeClr>
-                    </a:solidFill>
-                  </a:tcPr>
-                </a:tc>
-                <a:tc>
-                  <a:txBody>
-                    <a:bodyPr/>
-                    <a:lstStyle/>
-                    <a:p>
-                      <a:pPr algn="ctr"/>
-                      <a:r>
-                        <a:rPr lang="en-US" b="1" dirty="0">
-                          <a:solidFill>
-                            <a:schemeClr val="bg2">
-                              <a:lumMod val="10000"/>
-                            </a:schemeClr>
-                          </a:solidFill>
-                        </a:rPr>
-                        <a:t>Attack </a:t>
-                      </a:r>
-                    </a:p>
-                  </a:txBody>
-                  <a:tcPr>
-                    <a:solidFill>
-                      <a:schemeClr val="tx2">
-                        <a:lumMod val="40000"/>
-                        <a:lumOff val="60000"/>
-                      </a:schemeClr>
-                    </a:solidFill>
-                  </a:tcPr>
-                </a:tc>
-                <a:tc>
-                  <a:txBody>
-                    <a:bodyPr/>
-                    <a:lstStyle/>
-                    <a:p>
-                      <a:pPr marL="0" marR="0" lvl="0" indent="0" algn="ctr" defTabSz="914400" rtl="1" eaLnBrk="1" fontAlgn="auto" latinLnBrk="0" hangingPunct="1">
-                        <a:lnSpc>
-                          <a:spcPct val="100000"/>
-                        </a:lnSpc>
-                        <a:spcBef>
-                          <a:spcPts val="0"/>
-                        </a:spcBef>
-                        <a:spcAft>
-                          <a:spcPts val="0"/>
-                        </a:spcAft>
-                        <a:buClrTx/>
-                        <a:buSzTx/>
-                        <a:buFontTx/>
-                        <a:buNone/>
-                        <a:tabLst/>
-                        <a:defRPr/>
-                      </a:pPr>
-                      <a:r>
-                        <a:rPr lang="en-US" b="1" dirty="0">
-                          <a:solidFill>
-                            <a:schemeClr val="bg2">
-                              <a:lumMod val="10000"/>
-                            </a:schemeClr>
-                          </a:solidFill>
-                        </a:rPr>
-                        <a:t>No Attack</a:t>
-                      </a:r>
-                    </a:p>
-                    <a:p>
-                      <a:pPr algn="ctr"/>
-                      <a:endParaRPr lang="en-US" dirty="0"/>
-                    </a:p>
-                  </a:txBody>
-                  <a:tcPr>
-                    <a:solidFill>
-                      <a:schemeClr val="tx2">
-                        <a:lumMod val="40000"/>
-                        <a:lumOff val="60000"/>
-                      </a:schemeClr>
-                    </a:solidFill>
-                  </a:tcPr>
-                </a:tc>
-                <a:extLst>
-                  <a:ext uri="{0D108BD9-81ED-4DB2-BD59-A6C34878D82A}">
-                    <a16:rowId xmlns:a16="http://schemas.microsoft.com/office/drawing/2014/main" val="1117821095"/>
-                  </a:ext>
-                </a:extLst>
-              </a:tr>
-              <a:tr h="949234">
-                <a:tc>
-                  <a:txBody>
-                    <a:bodyPr/>
-                    <a:lstStyle/>
-                    <a:p>
-                      <a:pPr algn="ctr"/>
-                      <a:r>
-                        <a:rPr lang="en-US" b="1" dirty="0">
-                          <a:solidFill>
-                            <a:schemeClr val="bg2">
-                              <a:lumMod val="10000"/>
-                            </a:schemeClr>
-                          </a:solidFill>
-                        </a:rPr>
-                        <a:t>Attack</a:t>
-                      </a:r>
-                      <a:endParaRPr lang="en-US" dirty="0"/>
-                    </a:p>
-                  </a:txBody>
-                  <a:tcPr>
-                    <a:solidFill>
-                      <a:schemeClr val="tx2">
-                        <a:lumMod val="40000"/>
-                        <a:lumOff val="60000"/>
-                      </a:schemeClr>
-                    </a:solidFill>
-                  </a:tcPr>
-                </a:tc>
-                <a:tc>
-                  <a:txBody>
-                    <a:bodyPr/>
-                    <a:lstStyle/>
-                    <a:p>
-                      <a:pPr algn="ctr"/>
-                      <a:endParaRPr lang="en-US" b="1" dirty="0">
-                        <a:solidFill>
-                          <a:schemeClr val="bg2">
-                            <a:lumMod val="10000"/>
-                          </a:schemeClr>
-                        </a:solidFill>
-                      </a:endParaRPr>
-                    </a:p>
-                  </a:txBody>
-                  <a:tcPr>
-                    <a:solidFill>
-                      <a:schemeClr val="accent6">
-                        <a:lumMod val="60000"/>
-                        <a:lumOff val="40000"/>
-                      </a:schemeClr>
-                    </a:solidFill>
-                  </a:tcPr>
-                </a:tc>
-                <a:tc>
-                  <a:txBody>
-                    <a:bodyPr/>
-                    <a:lstStyle/>
-                    <a:p>
-                      <a:pPr algn="ctr"/>
-                      <a:r>
-                        <a:rPr lang="en-US" b="1" dirty="0">
-                          <a:solidFill>
-                            <a:schemeClr val="bg2">
-                              <a:lumMod val="10000"/>
-                            </a:schemeClr>
-                          </a:solidFill>
-                        </a:rPr>
-                        <a:t>13/</a:t>
-                      </a:r>
-                      <a:r>
-                        <a:rPr lang="en-US" b="1" dirty="0">
-                          <a:solidFill>
-                            <a:schemeClr val="accent1"/>
-                          </a:solidFill>
-                        </a:rPr>
-                        <a:t>5</a:t>
-                      </a:r>
-                      <a:endParaRPr lang="en-US" dirty="0"/>
-                    </a:p>
-                  </a:txBody>
-                  <a:tcPr>
-                    <a:solidFill>
-                      <a:srgbClr val="FFC000"/>
-                    </a:solidFill>
-                  </a:tcPr>
-                </a:tc>
-                <a:extLst>
-                  <a:ext uri="{0D108BD9-81ED-4DB2-BD59-A6C34878D82A}">
-                    <a16:rowId xmlns:a16="http://schemas.microsoft.com/office/drawing/2014/main" val="69688423"/>
-                  </a:ext>
-                </a:extLst>
-              </a:tr>
-              <a:tr h="949234">
-                <a:tc>
-                  <a:txBody>
-                    <a:bodyPr/>
-                    <a:lstStyle/>
-                    <a:p>
-                      <a:pPr algn="ctr"/>
-                      <a:r>
-                        <a:rPr lang="en-US" b="1" dirty="0">
-                          <a:solidFill>
-                            <a:schemeClr val="bg2">
-                              <a:lumMod val="10000"/>
-                            </a:schemeClr>
-                          </a:solidFill>
-                        </a:rPr>
-                        <a:t>No Attack</a:t>
-                      </a:r>
-                    </a:p>
-                  </a:txBody>
-                  <a:tcPr>
-                    <a:solidFill>
-                      <a:schemeClr val="tx2">
-                        <a:lumMod val="40000"/>
-                        <a:lumOff val="60000"/>
-                      </a:schemeClr>
-                    </a:solidFill>
-                  </a:tcPr>
-                </a:tc>
-                <a:tc>
-                  <a:txBody>
-                    <a:bodyPr/>
-                    <a:lstStyle/>
-                    <a:p>
-                      <a:pPr algn="ctr"/>
-                      <a:r>
-                        <a:rPr lang="en-US" b="1" dirty="0">
-                          <a:solidFill>
-                            <a:schemeClr val="bg2">
-                              <a:lumMod val="10000"/>
-                            </a:schemeClr>
-                          </a:solidFill>
-                        </a:rPr>
-                        <a:t>5/</a:t>
-                      </a:r>
-                      <a:r>
-                        <a:rPr lang="en-US" b="1" dirty="0">
-                          <a:solidFill>
-                            <a:schemeClr val="accent1"/>
-                          </a:solidFill>
-                        </a:rPr>
-                        <a:t>13</a:t>
-                      </a:r>
-                      <a:endParaRPr lang="en-US" dirty="0"/>
-                    </a:p>
-                  </a:txBody>
-                  <a:tcPr>
-                    <a:solidFill>
-                      <a:srgbClr val="FFC000"/>
-                    </a:solidFill>
-                  </a:tcPr>
-                </a:tc>
-                <a:tc>
-                  <a:txBody>
-                    <a:bodyPr/>
-                    <a:lstStyle/>
-                    <a:p>
-                      <a:pPr algn="ctr"/>
-                      <a:r>
-                        <a:rPr lang="en-US" b="1" dirty="0">
-                          <a:solidFill>
-                            <a:schemeClr val="bg2">
-                              <a:lumMod val="10000"/>
-                            </a:schemeClr>
-                          </a:solidFill>
-                        </a:rPr>
-                        <a:t>10/</a:t>
-                      </a:r>
-                      <a:r>
-                        <a:rPr lang="en-US" b="1" dirty="0">
-                          <a:solidFill>
-                            <a:schemeClr val="accent1"/>
-                          </a:solidFill>
-                        </a:rPr>
-                        <a:t>10</a:t>
-                      </a:r>
-                      <a:endParaRPr lang="en-US" dirty="0"/>
-                    </a:p>
-                  </a:txBody>
-                  <a:tcPr>
-                    <a:solidFill>
-                      <a:srgbClr val="92D050"/>
-                    </a:solidFill>
-                  </a:tcPr>
-                </a:tc>
-                <a:extLst>
-                  <a:ext uri="{0D108BD9-81ED-4DB2-BD59-A6C34878D82A}">
-                    <a16:rowId xmlns:a16="http://schemas.microsoft.com/office/drawing/2014/main" val="25593232"/>
-                  </a:ext>
-                </a:extLst>
-              </a:tr>
-            </a:tbl>
-          </a:graphicData>
-        </a:graphic>
-      </p:graphicFrame>
-    </p:spTree>
-    <p:extLst>
-      <p:ext uri="{BB962C8B-B14F-4D97-AF65-F5344CB8AC3E}">
-        <p14:creationId xmlns:p14="http://schemas.microsoft.com/office/powerpoint/2010/main" val="3577036457"/>
+        <p14:creationId xmlns:p14="http://schemas.microsoft.com/office/powerpoint/2010/main" val="1082160893"/>
       </p:ext>
     </p:extLst>
   </p:cSld>
@@ -6946,674 +6945,6 @@
           <p:cNvPr id="2" name="כותרת 1">
             <a:extLst>
               <a:ext uri="{FF2B5EF4-FFF2-40B4-BE49-F238E27FC236}">
-                <a16:creationId xmlns:a16="http://schemas.microsoft.com/office/drawing/2014/main" id="{59FB4CF8-B5A2-4DAE-827D-788071E38561}"/>
-              </a:ext>
-            </a:extLst>
-          </p:cNvPr>
-          <p:cNvSpPr>
-            <a:spLocks noGrp="1"/>
-          </p:cNvSpPr>
-          <p:nvPr>
-            <p:ph type="title"/>
-          </p:nvPr>
-        </p:nvSpPr>
-        <p:spPr/>
-        <p:txBody>
-          <a:bodyPr/>
-          <a:lstStyle/>
-          <a:p>
-            <a:pPr algn="ctr"/>
-            <a:r>
-              <a:rPr lang="he-IL" dirty="0"/>
-              <a:t>שיווי משקל נאש</a:t>
-            </a:r>
-            <a:endParaRPr lang="en-US" dirty="0"/>
-          </a:p>
-        </p:txBody>
-      </p:sp>
-      <p:sp>
-        <p:nvSpPr>
-          <p:cNvPr id="3" name="מציין מיקום תוכן 2">
-            <a:extLst>
-              <a:ext uri="{FF2B5EF4-FFF2-40B4-BE49-F238E27FC236}">
-                <a16:creationId xmlns:a16="http://schemas.microsoft.com/office/drawing/2014/main" id="{0D6BD5DD-834E-41C1-8543-1821619DA1F5}"/>
-              </a:ext>
-            </a:extLst>
-          </p:cNvPr>
-          <p:cNvSpPr>
-            <a:spLocks noGrp="1"/>
-          </p:cNvSpPr>
-          <p:nvPr>
-            <p:ph idx="1"/>
-          </p:nvPr>
-        </p:nvSpPr>
-        <p:spPr>
-          <a:xfrm>
-            <a:off x="838200" y="1825625"/>
-            <a:ext cx="10515600" cy="586271"/>
-          </a:xfrm>
-        </p:spPr>
-        <p:txBody>
-          <a:bodyPr/>
-          <a:lstStyle/>
-          <a:p>
-            <a:pPr marL="0" indent="0">
-              <a:buNone/>
-            </a:pPr>
-            <a:r>
-              <a:rPr lang="he-IL" dirty="0"/>
-              <a:t>מצב בו אף אחד לא ישפר את עמדתו על ידי שינוי אסטרטגיה.</a:t>
-            </a:r>
-          </a:p>
-          <a:p>
-            <a:pPr marL="0" indent="0">
-              <a:buNone/>
-            </a:pPr>
-            <a:endParaRPr lang="en-US" dirty="0"/>
-          </a:p>
-        </p:txBody>
-      </p:sp>
-      <p:sp>
-        <p:nvSpPr>
-          <p:cNvPr id="4" name="מלבן: פינות מעוגלות 3">
-            <a:extLst>
-              <a:ext uri="{FF2B5EF4-FFF2-40B4-BE49-F238E27FC236}">
-                <a16:creationId xmlns:a16="http://schemas.microsoft.com/office/drawing/2014/main" id="{9DF1BDD7-0D6B-4989-AC21-76ABC39E1236}"/>
-              </a:ext>
-            </a:extLst>
-          </p:cNvPr>
-          <p:cNvSpPr/>
-          <p:nvPr/>
-        </p:nvSpPr>
-        <p:spPr>
-          <a:xfrm>
-            <a:off x="5526157" y="2546833"/>
-            <a:ext cx="2252869" cy="712304"/>
-          </a:xfrm>
-          <a:prstGeom prst="roundRect">
-            <a:avLst/>
-          </a:prstGeom>
-        </p:spPr>
-        <p:style>
-          <a:lnRef idx="2">
-            <a:schemeClr val="accent6"/>
-          </a:lnRef>
-          <a:fillRef idx="1">
-            <a:schemeClr val="lt1"/>
-          </a:fillRef>
-          <a:effectRef idx="0">
-            <a:schemeClr val="accent6"/>
-          </a:effectRef>
-          <a:fontRef idx="minor">
-            <a:schemeClr val="dk1"/>
-          </a:fontRef>
-        </p:style>
-        <p:txBody>
-          <a:bodyPr rtlCol="0" anchor="ctr"/>
-          <a:lstStyle/>
-          <a:p>
-            <a:pPr algn="ctr"/>
-            <a:r>
-              <a:rPr lang="en-US" b="1" dirty="0">
-                <a:solidFill>
-                  <a:schemeClr val="accent5">
-                    <a:lumMod val="75000"/>
-                  </a:schemeClr>
-                </a:solidFill>
-              </a:rPr>
-              <a:t>Pool 1</a:t>
-            </a:r>
-          </a:p>
-        </p:txBody>
-      </p:sp>
-      <p:sp>
-        <p:nvSpPr>
-          <p:cNvPr id="5" name="מלבן: פינות מעוגלות 4">
-            <a:extLst>
-              <a:ext uri="{FF2B5EF4-FFF2-40B4-BE49-F238E27FC236}">
-                <a16:creationId xmlns:a16="http://schemas.microsoft.com/office/drawing/2014/main" id="{FDD3A5B0-A3DC-4472-8193-21152E48AC34}"/>
-              </a:ext>
-            </a:extLst>
-          </p:cNvPr>
-          <p:cNvSpPr/>
-          <p:nvPr/>
-        </p:nvSpPr>
-        <p:spPr>
-          <a:xfrm>
-            <a:off x="377687" y="4403035"/>
-            <a:ext cx="2047461" cy="712304"/>
-          </a:xfrm>
-          <a:prstGeom prst="roundRect">
-            <a:avLst/>
-          </a:prstGeom>
-        </p:spPr>
-        <p:style>
-          <a:lnRef idx="2">
-            <a:schemeClr val="accent6"/>
-          </a:lnRef>
-          <a:fillRef idx="1">
-            <a:schemeClr val="lt1"/>
-          </a:fillRef>
-          <a:effectRef idx="0">
-            <a:schemeClr val="accent6"/>
-          </a:effectRef>
-          <a:fontRef idx="minor">
-            <a:schemeClr val="dk1"/>
-          </a:fontRef>
-        </p:style>
-        <p:txBody>
-          <a:bodyPr rtlCol="0" anchor="ctr"/>
-          <a:lstStyle/>
-          <a:p>
-            <a:pPr algn="ctr"/>
-            <a:r>
-              <a:rPr lang="en-US" b="1" dirty="0">
-                <a:solidFill>
-                  <a:schemeClr val="bg2">
-                    <a:lumMod val="10000"/>
-                  </a:schemeClr>
-                </a:solidFill>
-              </a:rPr>
-              <a:t>Pool 2</a:t>
-            </a:r>
-          </a:p>
-        </p:txBody>
-      </p:sp>
-      <p:graphicFrame>
-        <p:nvGraphicFramePr>
-          <p:cNvPr id="10" name="טבלה 9">
-            <a:extLst>
-              <a:ext uri="{FF2B5EF4-FFF2-40B4-BE49-F238E27FC236}">
-                <a16:creationId xmlns:a16="http://schemas.microsoft.com/office/drawing/2014/main" id="{FFE3573B-08EB-4445-AFF4-5781FF441259}"/>
-              </a:ext>
-            </a:extLst>
-          </p:cNvPr>
-          <p:cNvGraphicFramePr>
-            <a:graphicFrameLocks noGrp="1"/>
-          </p:cNvGraphicFramePr>
-          <p:nvPr>
-            <p:extLst/>
-          </p:nvPr>
-        </p:nvGraphicFramePr>
-        <p:xfrm>
-          <a:off x="2747618" y="3394072"/>
-          <a:ext cx="7893879" cy="2847702"/>
-        </p:xfrm>
-        <a:graphic>
-          <a:graphicData uri="http://schemas.openxmlformats.org/drawingml/2006/table">
-            <a:tbl>
-              <a:tblPr firstRow="1" bandRow="1">
-                <a:tableStyleId>{5C22544A-7EE6-4342-B048-85BDC9FD1C3A}</a:tableStyleId>
-              </a:tblPr>
-              <a:tblGrid>
-                <a:gridCol w="2631293">
-                  <a:extLst>
-                    <a:ext uri="{9D8B030D-6E8A-4147-A177-3AD203B41FA5}">
-                      <a16:colId xmlns:a16="http://schemas.microsoft.com/office/drawing/2014/main" val="1492537969"/>
-                    </a:ext>
-                  </a:extLst>
-                </a:gridCol>
-                <a:gridCol w="2631293">
-                  <a:extLst>
-                    <a:ext uri="{9D8B030D-6E8A-4147-A177-3AD203B41FA5}">
-                      <a16:colId xmlns:a16="http://schemas.microsoft.com/office/drawing/2014/main" val="2031442963"/>
-                    </a:ext>
-                  </a:extLst>
-                </a:gridCol>
-                <a:gridCol w="2631293">
-                  <a:extLst>
-                    <a:ext uri="{9D8B030D-6E8A-4147-A177-3AD203B41FA5}">
-                      <a16:colId xmlns:a16="http://schemas.microsoft.com/office/drawing/2014/main" val="2611323456"/>
-                    </a:ext>
-                  </a:extLst>
-                </a:gridCol>
-              </a:tblGrid>
-              <a:tr h="949234">
-                <a:tc>
-                  <a:txBody>
-                    <a:bodyPr/>
-                    <a:lstStyle/>
-                    <a:p>
-                      <a:pPr algn="ctr"/>
-                      <a:endParaRPr lang="en-US" dirty="0"/>
-                    </a:p>
-                  </a:txBody>
-                  <a:tcPr>
-                    <a:solidFill>
-                      <a:schemeClr val="tx2">
-                        <a:lumMod val="40000"/>
-                        <a:lumOff val="60000"/>
-                      </a:schemeClr>
-                    </a:solidFill>
-                  </a:tcPr>
-                </a:tc>
-                <a:tc>
-                  <a:txBody>
-                    <a:bodyPr/>
-                    <a:lstStyle/>
-                    <a:p>
-                      <a:pPr algn="ctr"/>
-                      <a:r>
-                        <a:rPr lang="en-US" b="1" dirty="0">
-                          <a:solidFill>
-                            <a:schemeClr val="bg2">
-                              <a:lumMod val="10000"/>
-                            </a:schemeClr>
-                          </a:solidFill>
-                        </a:rPr>
-                        <a:t>Attack </a:t>
-                      </a:r>
-                    </a:p>
-                  </a:txBody>
-                  <a:tcPr>
-                    <a:solidFill>
-                      <a:schemeClr val="tx2">
-                        <a:lumMod val="40000"/>
-                        <a:lumOff val="60000"/>
-                      </a:schemeClr>
-                    </a:solidFill>
-                  </a:tcPr>
-                </a:tc>
-                <a:tc>
-                  <a:txBody>
-                    <a:bodyPr/>
-                    <a:lstStyle/>
-                    <a:p>
-                      <a:pPr marL="0" marR="0" lvl="0" indent="0" algn="ctr" defTabSz="914400" rtl="1" eaLnBrk="1" fontAlgn="auto" latinLnBrk="0" hangingPunct="1">
-                        <a:lnSpc>
-                          <a:spcPct val="100000"/>
-                        </a:lnSpc>
-                        <a:spcBef>
-                          <a:spcPts val="0"/>
-                        </a:spcBef>
-                        <a:spcAft>
-                          <a:spcPts val="0"/>
-                        </a:spcAft>
-                        <a:buClrTx/>
-                        <a:buSzTx/>
-                        <a:buFontTx/>
-                        <a:buNone/>
-                        <a:tabLst/>
-                        <a:defRPr/>
-                      </a:pPr>
-                      <a:r>
-                        <a:rPr lang="en-US" b="1" dirty="0">
-                          <a:solidFill>
-                            <a:schemeClr val="bg2">
-                              <a:lumMod val="10000"/>
-                            </a:schemeClr>
-                          </a:solidFill>
-                        </a:rPr>
-                        <a:t>No Attack</a:t>
-                      </a:r>
-                    </a:p>
-                    <a:p>
-                      <a:pPr algn="ctr"/>
-                      <a:endParaRPr lang="en-US" dirty="0"/>
-                    </a:p>
-                  </a:txBody>
-                  <a:tcPr>
-                    <a:solidFill>
-                      <a:schemeClr val="tx2">
-                        <a:lumMod val="40000"/>
-                        <a:lumOff val="60000"/>
-                      </a:schemeClr>
-                    </a:solidFill>
-                  </a:tcPr>
-                </a:tc>
-                <a:extLst>
-                  <a:ext uri="{0D108BD9-81ED-4DB2-BD59-A6C34878D82A}">
-                    <a16:rowId xmlns:a16="http://schemas.microsoft.com/office/drawing/2014/main" val="1117821095"/>
-                  </a:ext>
-                </a:extLst>
-              </a:tr>
-              <a:tr h="949234">
-                <a:tc>
-                  <a:txBody>
-                    <a:bodyPr/>
-                    <a:lstStyle/>
-                    <a:p>
-                      <a:pPr algn="ctr"/>
-                      <a:r>
-                        <a:rPr lang="en-US" b="1" dirty="0">
-                          <a:solidFill>
-                            <a:schemeClr val="bg2">
-                              <a:lumMod val="10000"/>
-                            </a:schemeClr>
-                          </a:solidFill>
-                        </a:rPr>
-                        <a:t>Attack</a:t>
-                      </a:r>
-                      <a:endParaRPr lang="en-US" dirty="0"/>
-                    </a:p>
-                  </a:txBody>
-                  <a:tcPr>
-                    <a:solidFill>
-                      <a:schemeClr val="tx2">
-                        <a:lumMod val="40000"/>
-                        <a:lumOff val="60000"/>
-                      </a:schemeClr>
-                    </a:solidFill>
-                  </a:tcPr>
-                </a:tc>
-                <a:tc>
-                  <a:txBody>
-                    <a:bodyPr/>
-                    <a:lstStyle/>
-                    <a:p>
-                      <a:pPr algn="ctr"/>
-                      <a:r>
-                        <a:rPr lang="en-US" b="1" dirty="0">
-                          <a:solidFill>
-                            <a:schemeClr val="bg2">
-                              <a:lumMod val="10000"/>
-                            </a:schemeClr>
-                          </a:solidFill>
-                        </a:rPr>
-                        <a:t>8/</a:t>
-                      </a:r>
-                      <a:r>
-                        <a:rPr lang="en-US" b="1" dirty="0">
-                          <a:solidFill>
-                            <a:schemeClr val="accent1"/>
-                          </a:solidFill>
-                        </a:rPr>
-                        <a:t>8</a:t>
-                      </a:r>
-                      <a:endParaRPr lang="en-US" b="1" dirty="0">
-                        <a:solidFill>
-                          <a:schemeClr val="bg2">
-                            <a:lumMod val="10000"/>
-                          </a:schemeClr>
-                        </a:solidFill>
-                      </a:endParaRPr>
-                    </a:p>
-                  </a:txBody>
-                  <a:tcPr>
-                    <a:solidFill>
-                      <a:schemeClr val="accent6">
-                        <a:lumMod val="60000"/>
-                        <a:lumOff val="40000"/>
-                      </a:schemeClr>
-                    </a:solidFill>
-                  </a:tcPr>
-                </a:tc>
-                <a:tc>
-                  <a:txBody>
-                    <a:bodyPr/>
-                    <a:lstStyle/>
-                    <a:p>
-                      <a:pPr algn="ctr"/>
-                      <a:r>
-                        <a:rPr lang="en-US" b="1" dirty="0">
-                          <a:solidFill>
-                            <a:schemeClr val="bg2">
-                              <a:lumMod val="10000"/>
-                            </a:schemeClr>
-                          </a:solidFill>
-                        </a:rPr>
-                        <a:t>13/</a:t>
-                      </a:r>
-                      <a:r>
-                        <a:rPr lang="en-US" b="1" dirty="0">
-                          <a:solidFill>
-                            <a:schemeClr val="accent1"/>
-                          </a:solidFill>
-                        </a:rPr>
-                        <a:t>5</a:t>
-                      </a:r>
-                      <a:endParaRPr lang="en-US" dirty="0"/>
-                    </a:p>
-                  </a:txBody>
-                  <a:tcPr>
-                    <a:solidFill>
-                      <a:srgbClr val="FFC000"/>
-                    </a:solidFill>
-                  </a:tcPr>
-                </a:tc>
-                <a:extLst>
-                  <a:ext uri="{0D108BD9-81ED-4DB2-BD59-A6C34878D82A}">
-                    <a16:rowId xmlns:a16="http://schemas.microsoft.com/office/drawing/2014/main" val="69688423"/>
-                  </a:ext>
-                </a:extLst>
-              </a:tr>
-              <a:tr h="949234">
-                <a:tc>
-                  <a:txBody>
-                    <a:bodyPr/>
-                    <a:lstStyle/>
-                    <a:p>
-                      <a:pPr algn="ctr"/>
-                      <a:r>
-                        <a:rPr lang="en-US" b="1" dirty="0">
-                          <a:solidFill>
-                            <a:schemeClr val="bg2">
-                              <a:lumMod val="10000"/>
-                            </a:schemeClr>
-                          </a:solidFill>
-                        </a:rPr>
-                        <a:t>No Attack</a:t>
-                      </a:r>
-                    </a:p>
-                  </a:txBody>
-                  <a:tcPr>
-                    <a:solidFill>
-                      <a:schemeClr val="tx2">
-                        <a:lumMod val="40000"/>
-                        <a:lumOff val="60000"/>
-                      </a:schemeClr>
-                    </a:solidFill>
-                  </a:tcPr>
-                </a:tc>
-                <a:tc>
-                  <a:txBody>
-                    <a:bodyPr/>
-                    <a:lstStyle/>
-                    <a:p>
-                      <a:pPr algn="ctr"/>
-                      <a:r>
-                        <a:rPr lang="en-US" b="1" dirty="0">
-                          <a:solidFill>
-                            <a:schemeClr val="bg2">
-                              <a:lumMod val="10000"/>
-                            </a:schemeClr>
-                          </a:solidFill>
-                        </a:rPr>
-                        <a:t>5/</a:t>
-                      </a:r>
-                      <a:r>
-                        <a:rPr lang="en-US" b="1" dirty="0">
-                          <a:solidFill>
-                            <a:schemeClr val="accent1"/>
-                          </a:solidFill>
-                        </a:rPr>
-                        <a:t>13</a:t>
-                      </a:r>
-                      <a:endParaRPr lang="en-US" dirty="0"/>
-                    </a:p>
-                  </a:txBody>
-                  <a:tcPr>
-                    <a:solidFill>
-                      <a:srgbClr val="FFC000"/>
-                    </a:solidFill>
-                  </a:tcPr>
-                </a:tc>
-                <a:tc>
-                  <a:txBody>
-                    <a:bodyPr/>
-                    <a:lstStyle/>
-                    <a:p>
-                      <a:pPr algn="ctr"/>
-                      <a:r>
-                        <a:rPr lang="en-US" b="1" dirty="0">
-                          <a:solidFill>
-                            <a:schemeClr val="bg2">
-                              <a:lumMod val="10000"/>
-                            </a:schemeClr>
-                          </a:solidFill>
-                        </a:rPr>
-                        <a:t>10/</a:t>
-                      </a:r>
-                      <a:r>
-                        <a:rPr lang="en-US" b="1" dirty="0">
-                          <a:solidFill>
-                            <a:schemeClr val="accent1"/>
-                          </a:solidFill>
-                        </a:rPr>
-                        <a:t>10</a:t>
-                      </a:r>
-                      <a:endParaRPr lang="en-US" dirty="0"/>
-                    </a:p>
-                  </a:txBody>
-                  <a:tcPr>
-                    <a:solidFill>
-                      <a:srgbClr val="92D050"/>
-                    </a:solidFill>
-                  </a:tcPr>
-                </a:tc>
-                <a:extLst>
-                  <a:ext uri="{0D108BD9-81ED-4DB2-BD59-A6C34878D82A}">
-                    <a16:rowId xmlns:a16="http://schemas.microsoft.com/office/drawing/2014/main" val="25593232"/>
-                  </a:ext>
-                </a:extLst>
-              </a:tr>
-            </a:tbl>
-          </a:graphicData>
-        </a:graphic>
-      </p:graphicFrame>
-      <p:sp>
-        <p:nvSpPr>
-          <p:cNvPr id="11" name="מלבן 10">
-            <a:extLst>
-              <a:ext uri="{FF2B5EF4-FFF2-40B4-BE49-F238E27FC236}">
-                <a16:creationId xmlns:a16="http://schemas.microsoft.com/office/drawing/2014/main" id="{E6371E79-EE49-4845-9C1A-ACF86888C5A2}"/>
-              </a:ext>
-            </a:extLst>
-          </p:cNvPr>
-          <p:cNvSpPr/>
-          <p:nvPr/>
-        </p:nvSpPr>
-        <p:spPr>
-          <a:xfrm>
-            <a:off x="11198086" y="3394072"/>
-            <a:ext cx="815009" cy="410817"/>
-          </a:xfrm>
-          <a:prstGeom prst="rect">
-            <a:avLst/>
-          </a:prstGeom>
-          <a:solidFill>
-            <a:schemeClr val="bg1"/>
-          </a:solidFill>
-        </p:spPr>
-        <p:style>
-          <a:lnRef idx="2">
-            <a:schemeClr val="accent1">
-              <a:shade val="50000"/>
-            </a:schemeClr>
-          </a:lnRef>
-          <a:fillRef idx="1">
-            <a:schemeClr val="accent1"/>
-          </a:fillRef>
-          <a:effectRef idx="0">
-            <a:schemeClr val="accent1"/>
-          </a:effectRef>
-          <a:fontRef idx="minor">
-            <a:schemeClr val="lt1"/>
-          </a:fontRef>
-        </p:style>
-        <p:txBody>
-          <a:bodyPr rtlCol="0" anchor="ctr"/>
-          <a:lstStyle/>
-          <a:p>
-            <a:pPr algn="ctr"/>
-            <a:r>
-              <a:rPr lang="en-US" dirty="0">
-                <a:solidFill>
-                  <a:schemeClr val="tx1"/>
-                </a:solidFill>
-              </a:rPr>
-              <a:t>NE</a:t>
-            </a:r>
-          </a:p>
-        </p:txBody>
-      </p:sp>
-      <p:cxnSp>
-        <p:nvCxnSpPr>
-          <p:cNvPr id="13" name="מחבר חץ ישר 12">
-            <a:extLst>
-              <a:ext uri="{FF2B5EF4-FFF2-40B4-BE49-F238E27FC236}">
-                <a16:creationId xmlns:a16="http://schemas.microsoft.com/office/drawing/2014/main" id="{125DC08B-1384-4BA7-B233-54F8CD0B8B03}"/>
-              </a:ext>
-            </a:extLst>
-          </p:cNvPr>
-          <p:cNvCxnSpPr>
-            <a:cxnSpLocks/>
-            <a:stCxn id="11" idx="1"/>
-          </p:cNvCxnSpPr>
-          <p:nvPr/>
-        </p:nvCxnSpPr>
-        <p:spPr>
-          <a:xfrm flipH="1">
-            <a:off x="7593496" y="3599481"/>
-            <a:ext cx="3604590" cy="959267"/>
-          </a:xfrm>
-          <a:prstGeom prst="straightConnector1">
-            <a:avLst/>
-          </a:prstGeom>
-          <a:ln>
-            <a:tailEnd type="triangle"/>
-          </a:ln>
-        </p:spPr>
-        <p:style>
-          <a:lnRef idx="1">
-            <a:schemeClr val="accent1"/>
-          </a:lnRef>
-          <a:fillRef idx="0">
-            <a:schemeClr val="accent1"/>
-          </a:fillRef>
-          <a:effectRef idx="0">
-            <a:schemeClr val="accent1"/>
-          </a:effectRef>
-          <a:fontRef idx="minor">
-            <a:schemeClr val="tx1"/>
-          </a:fontRef>
-        </p:style>
-      </p:cxnSp>
-    </p:spTree>
-    <p:extLst>
-      <p:ext uri="{BB962C8B-B14F-4D97-AF65-F5344CB8AC3E}">
-        <p14:creationId xmlns:p14="http://schemas.microsoft.com/office/powerpoint/2010/main" val="1082160893"/>
-      </p:ext>
-    </p:extLst>
-  </p:cSld>
-  <p:clrMapOvr>
-    <a:masterClrMapping/>
-  </p:clrMapOvr>
-</p:sld>
-</file>
-
-<file path=ppt/slides/slide17.xml><?xml version="1.0" encoding="utf-8"?>
-<p:sld xmlns:a="http://schemas.openxmlformats.org/drawingml/2006/main" xmlns:r="http://schemas.openxmlformats.org/officeDocument/2006/relationships" xmlns:p="http://schemas.openxmlformats.org/presentationml/2006/main">
-  <p:cSld>
-    <p:spTree>
-      <p:nvGrpSpPr>
-        <p:cNvPr id="1" name=""/>
-        <p:cNvGrpSpPr/>
-        <p:nvPr/>
-      </p:nvGrpSpPr>
-      <p:grpSpPr>
-        <a:xfrm>
-          <a:off x="0" y="0"/>
-          <a:ext cx="0" cy="0"/>
-          <a:chOff x="0" y="0"/>
-          <a:chExt cx="0" cy="0"/>
-        </a:xfrm>
-      </p:grpSpPr>
-      <p:sp>
-        <p:nvSpPr>
-          <p:cNvPr id="2" name="כותרת 1">
-            <a:extLst>
-              <a:ext uri="{FF2B5EF4-FFF2-40B4-BE49-F238E27FC236}">
                 <a16:creationId xmlns:a16="http://schemas.microsoft.com/office/drawing/2014/main" id="{205F096B-8F4E-4254-97A8-83C741C76A46}"/>
               </a:ext>
             </a:extLst>
@@ -7734,7 +7065,7 @@
 </p:sld>
 </file>
 
-<file path=ppt/slides/slide18.xml><?xml version="1.0" encoding="utf-8"?>
+<file path=ppt/slides/slide17.xml><?xml version="1.0" encoding="utf-8"?>
 <p:sld xmlns:a="http://schemas.openxmlformats.org/drawingml/2006/main" xmlns:r="http://schemas.openxmlformats.org/officeDocument/2006/relationships" xmlns:p="http://schemas.openxmlformats.org/presentationml/2006/main">
   <p:cSld>
     <p:spTree>
@@ -9482,6 +8813,136 @@
 </p:sld>
 </file>
 
+<file path=ppt/slides/slide18.xml><?xml version="1.0" encoding="utf-8"?>
+<p:sld xmlns:a="http://schemas.openxmlformats.org/drawingml/2006/main" xmlns:r="http://schemas.openxmlformats.org/officeDocument/2006/relationships" xmlns:p="http://schemas.openxmlformats.org/presentationml/2006/main">
+  <p:cSld>
+    <p:spTree>
+      <p:nvGrpSpPr>
+        <p:cNvPr id="1" name=""/>
+        <p:cNvGrpSpPr/>
+        <p:nvPr/>
+      </p:nvGrpSpPr>
+      <p:grpSpPr>
+        <a:xfrm>
+          <a:off x="0" y="0"/>
+          <a:ext cx="0" cy="0"/>
+          <a:chOff x="0" y="0"/>
+          <a:chExt cx="0" cy="0"/>
+        </a:xfrm>
+      </p:grpSpPr>
+      <p:sp>
+        <p:nvSpPr>
+          <p:cNvPr id="2" name="כותרת 1">
+            <a:extLst>
+              <a:ext uri="{FF2B5EF4-FFF2-40B4-BE49-F238E27FC236}">
+                <a16:creationId xmlns:a16="http://schemas.microsoft.com/office/drawing/2014/main" id="{B1D9EC5D-0BDF-468E-9BD9-089CA8C8E1DF}"/>
+              </a:ext>
+            </a:extLst>
+          </p:cNvPr>
+          <p:cNvSpPr>
+            <a:spLocks noGrp="1"/>
+          </p:cNvSpPr>
+          <p:nvPr>
+            <p:ph type="title"/>
+          </p:nvPr>
+        </p:nvSpPr>
+        <p:spPr/>
+        <p:txBody>
+          <a:bodyPr/>
+          <a:lstStyle/>
+          <a:p>
+            <a:pPr algn="ctr"/>
+            <a:r>
+              <a:rPr lang="en-US" dirty="0"/>
+              <a:t>Block withholding attack</a:t>
+            </a:r>
+          </a:p>
+        </p:txBody>
+      </p:sp>
+      <p:sp>
+        <p:nvSpPr>
+          <p:cNvPr id="3" name="מציין מיקום תוכן 2">
+            <a:extLst>
+              <a:ext uri="{FF2B5EF4-FFF2-40B4-BE49-F238E27FC236}">
+                <a16:creationId xmlns:a16="http://schemas.microsoft.com/office/drawing/2014/main" id="{418965AD-B911-4752-A49B-390696D50605}"/>
+              </a:ext>
+            </a:extLst>
+          </p:cNvPr>
+          <p:cNvSpPr>
+            <a:spLocks noGrp="1"/>
+          </p:cNvSpPr>
+          <p:nvPr>
+            <p:ph idx="1"/>
+          </p:nvPr>
+        </p:nvSpPr>
+        <p:spPr/>
+        <p:txBody>
+          <a:bodyPr/>
+          <a:lstStyle/>
+          <a:p>
+            <a:pPr marL="0" indent="0">
+              <a:buNone/>
+            </a:pPr>
+            <a:r>
+              <a:rPr lang="he-IL" dirty="0"/>
+              <a:t>הערות:</a:t>
+            </a:r>
+          </a:p>
+          <a:p>
+            <a:pPr marL="0" indent="0">
+              <a:buNone/>
+            </a:pPr>
+            <a:r>
+              <a:rPr lang="he-IL" dirty="0"/>
+              <a:t>כאשר קבוצה תוקפת כוח החישוב שלה יורד עקב הקצאת משאבים לתקיפת הקבוצה השנייה.</a:t>
+            </a:r>
+          </a:p>
+          <a:p>
+            <a:pPr marL="0" indent="0">
+              <a:buNone/>
+            </a:pPr>
+            <a:endParaRPr lang="he-IL" dirty="0"/>
+          </a:p>
+          <a:p>
+            <a:pPr marL="0" indent="0">
+              <a:buNone/>
+            </a:pPr>
+            <a:r>
+              <a:rPr lang="he-IL" dirty="0"/>
+              <a:t>אחרי התקופה הראשונה של ההתקפה קושי הפאזלים ירד עקב פתירה מואטת של פאזלים ( כוח החישוב הכללי יורד).</a:t>
+            </a:r>
+          </a:p>
+          <a:p>
+            <a:pPr marL="0" indent="0">
+              <a:buNone/>
+            </a:pPr>
+            <a:endParaRPr lang="he-IL" dirty="0"/>
+          </a:p>
+          <a:p>
+            <a:pPr marL="0" indent="0">
+              <a:buNone/>
+            </a:pPr>
+            <a:r>
+              <a:rPr lang="he-IL" dirty="0"/>
+              <a:t>לא ניתן לזהות את  זהות התוקף  כי אי אפשר להבדיל בין כורים חסרי מזל לכאלה שהם פשוט זדוניים.</a:t>
+            </a:r>
+            <a:endParaRPr lang="en-US" dirty="0"/>
+          </a:p>
+        </p:txBody>
+      </p:sp>
+    </p:spTree>
+    <p:extLst>
+      <p:ext uri="{BB962C8B-B14F-4D97-AF65-F5344CB8AC3E}">
+        <p14:creationId xmlns:p14="http://schemas.microsoft.com/office/powerpoint/2010/main" val="1417853180"/>
+      </p:ext>
+    </p:extLst>
+  </p:cSld>
+  <p:clrMapOvr>
+    <a:masterClrMapping/>
+  </p:clrMapOvr>
+</p:sld>
+</file>
+
 <file path=ppt/slides/slide19.xml><?xml version="1.0" encoding="utf-8"?>
 <p:sld xmlns:a="http://schemas.openxmlformats.org/drawingml/2006/main" xmlns:r="http://schemas.openxmlformats.org/officeDocument/2006/relationships" xmlns:p="http://schemas.openxmlformats.org/presentationml/2006/main">
   <p:cSld>
@@ -9504,7 +8965,7 @@
           <p:cNvPr id="2" name="כותרת 1">
             <a:extLst>
               <a:ext uri="{FF2B5EF4-FFF2-40B4-BE49-F238E27FC236}">
-                <a16:creationId xmlns:a16="http://schemas.microsoft.com/office/drawing/2014/main" id="{B1D9EC5D-0BDF-468E-9BD9-089CA8C8E1DF}"/>
+                <a16:creationId xmlns:a16="http://schemas.microsoft.com/office/drawing/2014/main" id="{C562EE16-7697-4D72-8162-893CEDC6AACB}"/>
               </a:ext>
             </a:extLst>
           </p:cNvPr>
@@ -9533,7 +8994,7 @@
           <p:cNvPr id="3" name="מציין מיקום תוכן 2">
             <a:extLst>
               <a:ext uri="{FF2B5EF4-FFF2-40B4-BE49-F238E27FC236}">
-                <a16:creationId xmlns:a16="http://schemas.microsoft.com/office/drawing/2014/main" id="{418965AD-B911-4752-A49B-390696D50605}"/>
+                <a16:creationId xmlns:a16="http://schemas.microsoft.com/office/drawing/2014/main" id="{55E15608-81E8-466F-8EC2-FCC4E3EBD796}"/>
               </a:ext>
             </a:extLst>
           </p:cNvPr>
@@ -9554,7 +9015,7 @@
             </a:pPr>
             <a:r>
               <a:rPr lang="he-IL" dirty="0"/>
-              <a:t>הערות:</a:t>
+              <a:t>למה לא להשתמש בבלוק שהצלחתי למצוא?</a:t>
             </a:r>
           </a:p>
           <a:p>
@@ -9563,37 +9024,7 @@
             </a:pPr>
             <a:r>
               <a:rPr lang="he-IL" dirty="0"/>
-              <a:t>כאשר קבוצה תוקפת כוח החישוב שלה יורד עקב הקצאת משאבים לתקיפת הקבוצה השנייה.</a:t>
-            </a:r>
-          </a:p>
-          <a:p>
-            <a:pPr marL="0" indent="0">
-              <a:buNone/>
-            </a:pPr>
-            <a:endParaRPr lang="he-IL" dirty="0"/>
-          </a:p>
-          <a:p>
-            <a:pPr marL="0" indent="0">
-              <a:buNone/>
-            </a:pPr>
-            <a:r>
-              <a:rPr lang="he-IL" dirty="0"/>
-              <a:t>אחרי התקופה הראשונה של ההתקפה קושי הפאזלים ירד עקב פתירה מואטת של פאזלים ( כוח החישוב הכללי יורד).</a:t>
-            </a:r>
-          </a:p>
-          <a:p>
-            <a:pPr marL="0" indent="0">
-              <a:buNone/>
-            </a:pPr>
-            <a:endParaRPr lang="he-IL" dirty="0"/>
-          </a:p>
-          <a:p>
-            <a:pPr marL="0" indent="0">
-              <a:buNone/>
-            </a:pPr>
-            <a:r>
-              <a:rPr lang="he-IL" dirty="0"/>
-              <a:t>לא ניתן לזהות את  זהות התוקף  כי אי אפשר להבדיל בין כורים חסרי מזל לכאלה שהם פשוט זדוניים.</a:t>
+              <a:t>מכיוון שהפאזל מסומן, זה לא משנה אם תפרסם אותו הרווח יגיע למנהל הקבוצה.</a:t>
             </a:r>
             <a:endParaRPr lang="en-US" dirty="0"/>
           </a:p>
@@ -9602,7 +9033,7 @@
     </p:spTree>
     <p:extLst>
       <p:ext uri="{BB962C8B-B14F-4D97-AF65-F5344CB8AC3E}">
-        <p14:creationId xmlns:p14="http://schemas.microsoft.com/office/powerpoint/2010/main" val="1417853180"/>
+        <p14:creationId xmlns:p14="http://schemas.microsoft.com/office/powerpoint/2010/main" val="2583959241"/>
       </p:ext>
     </p:extLst>
   </p:cSld>
@@ -9771,7 +9202,7 @@
           <p:cNvPr id="2" name="כותרת 1">
             <a:extLst>
               <a:ext uri="{FF2B5EF4-FFF2-40B4-BE49-F238E27FC236}">
-                <a16:creationId xmlns:a16="http://schemas.microsoft.com/office/drawing/2014/main" id="{C562EE16-7697-4D72-8162-893CEDC6AACB}"/>
+                <a16:creationId xmlns:a16="http://schemas.microsoft.com/office/drawing/2014/main" id="{94D4060E-6B5C-4136-95E8-BCC193F885B6}"/>
               </a:ext>
             </a:extLst>
           </p:cNvPr>
@@ -9789,9 +9220,10 @@
           <a:p>
             <a:pPr algn="ctr"/>
             <a:r>
-              <a:rPr lang="en-US" dirty="0"/>
-              <a:t>Block withholding attack</a:t>
-            </a:r>
+              <a:rPr lang="he-IL" dirty="0"/>
+              <a:t>המשחק</a:t>
+            </a:r>
+            <a:endParaRPr lang="en-US" dirty="0"/>
           </a:p>
         </p:txBody>
       </p:sp>
@@ -9800,7 +9232,7 @@
           <p:cNvPr id="3" name="מציין מיקום תוכן 2">
             <a:extLst>
               <a:ext uri="{FF2B5EF4-FFF2-40B4-BE49-F238E27FC236}">
-                <a16:creationId xmlns:a16="http://schemas.microsoft.com/office/drawing/2014/main" id="{55E15608-81E8-466F-8EC2-FCC4E3EBD796}"/>
+                <a16:creationId xmlns:a16="http://schemas.microsoft.com/office/drawing/2014/main" id="{D1C20A07-D6BC-4C39-A6C1-73E24D6090C9}"/>
               </a:ext>
             </a:extLst>
           </p:cNvPr>
@@ -9816,21 +9248,27 @@
           <a:bodyPr/>
           <a:lstStyle/>
           <a:p>
-            <a:pPr marL="0" indent="0">
-              <a:buNone/>
-            </a:pPr>
             <a:r>
               <a:rPr lang="he-IL" dirty="0"/>
-              <a:t>למה לא להשתמש בבלוק שהצלחתי למצוא?</a:t>
-            </a:r>
-          </a:p>
-          <a:p>
-            <a:pPr marL="0" indent="0">
-              <a:buNone/>
-            </a:pPr>
+              <a:t>שתי קבוצות שלא משתפות פעולה</a:t>
+            </a:r>
+          </a:p>
+          <a:p>
             <a:r>
               <a:rPr lang="he-IL" dirty="0"/>
-              <a:t>מכיוון שהפאזל מסומן, זה לא משנה אם תפרסם אותו הרווח יגיע למנהל הקבוצה.</a:t>
+              <a:t>המשחק הוא בעל חזרות – כל סיבוב ניתן לשנות אסטרטגיה (לתקוף או לא)</a:t>
+            </a:r>
+          </a:p>
+          <a:p>
+            <a:r>
+              <a:rPr lang="he-IL" dirty="0"/>
+              <a:t>כל קבוצה יודעת מה הרווח של עצמה ואת הרווח של הקבוצה השנייה</a:t>
+            </a:r>
+          </a:p>
+          <a:p>
+            <a:r>
+              <a:rPr lang="he-IL" dirty="0"/>
+              <a:t>מניחים שהקבוצות פתוחות.</a:t>
             </a:r>
             <a:endParaRPr lang="en-US" dirty="0"/>
           </a:p>
@@ -9839,7 +9277,7 @@
     </p:spTree>
     <p:extLst>
       <p:ext uri="{BB962C8B-B14F-4D97-AF65-F5344CB8AC3E}">
-        <p14:creationId xmlns:p14="http://schemas.microsoft.com/office/powerpoint/2010/main" val="2583959241"/>
+        <p14:creationId xmlns:p14="http://schemas.microsoft.com/office/powerpoint/2010/main" val="1758900522"/>
       </p:ext>
     </p:extLst>
   </p:cSld>
@@ -9871,7 +9309,7 @@
           <p:cNvPr id="2" name="כותרת 1">
             <a:extLst>
               <a:ext uri="{FF2B5EF4-FFF2-40B4-BE49-F238E27FC236}">
-                <a16:creationId xmlns:a16="http://schemas.microsoft.com/office/drawing/2014/main" id="{94D4060E-6B5C-4136-95E8-BCC193F885B6}"/>
+                <a16:creationId xmlns:a16="http://schemas.microsoft.com/office/drawing/2014/main" id="{E5051FA8-E07B-42AF-81E7-C7B8DBC8F441}"/>
               </a:ext>
             </a:extLst>
           </p:cNvPr>
@@ -9901,7 +9339,7 @@
           <p:cNvPr id="3" name="מציין מיקום תוכן 2">
             <a:extLst>
               <a:ext uri="{FF2B5EF4-FFF2-40B4-BE49-F238E27FC236}">
-                <a16:creationId xmlns:a16="http://schemas.microsoft.com/office/drawing/2014/main" id="{D1C20A07-D6BC-4C39-A6C1-73E24D6090C9}"/>
+                <a16:creationId xmlns:a16="http://schemas.microsoft.com/office/drawing/2014/main" id="{7A1E07AE-CC35-45E5-A6C2-B36B5E35853E}"/>
               </a:ext>
             </a:extLst>
           </p:cNvPr>
@@ -9912,32 +9350,43 @@
             <p:ph idx="1"/>
           </p:nvPr>
         </p:nvSpPr>
-        <p:spPr/>
+        <p:spPr>
+          <a:xfrm>
+            <a:off x="838200" y="1825625"/>
+            <a:ext cx="10515600" cy="3912566"/>
+          </a:xfrm>
+        </p:spPr>
         <p:txBody>
           <a:bodyPr/>
           <a:lstStyle/>
           <a:p>
             <a:r>
               <a:rPr lang="he-IL" dirty="0"/>
-              <a:t>שתי קבוצות שלא משתפות פעולה</a:t>
+              <a:t>בעצם המשחק עצמו הוא כמו הבעיה בתורת המשחקים של דילמת האסיר עם חזרות.</a:t>
             </a:r>
           </a:p>
           <a:p>
             <a:r>
               <a:rPr lang="he-IL" dirty="0"/>
-              <a:t>המשחק הוא בעל חזרות – כל סיבוב ניתן לשנות אסטרטגיה (לתקוף או לא)</a:t>
+              <a:t>במשחקים עם חזרות יש יותר היבטים ממתמטיקה פשוטה:</a:t>
             </a:r>
           </a:p>
           <a:p>
             <a:r>
               <a:rPr lang="he-IL" dirty="0"/>
-              <a:t>כל קבוצה יודעת מה הרווח של עצמה ואת הרווח של הקבוצה השנייה</a:t>
+              <a:t>יש היבט פסיכולוגי</a:t>
             </a:r>
           </a:p>
           <a:p>
             <a:r>
               <a:rPr lang="he-IL" dirty="0"/>
-              <a:t>מניחים שהקבוצות פתוחות.</a:t>
+              <a:t>היבט רציונלי</a:t>
+            </a:r>
+          </a:p>
+          <a:p>
+            <a:r>
+              <a:rPr lang="he-IL" dirty="0"/>
+              <a:t>והחשוב מכל אסטרטגיה לטווח ארוך</a:t>
             </a:r>
             <a:endParaRPr lang="en-US" dirty="0"/>
           </a:p>
@@ -9946,7 +9395,7 @@
     </p:spTree>
     <p:extLst>
       <p:ext uri="{BB962C8B-B14F-4D97-AF65-F5344CB8AC3E}">
-        <p14:creationId xmlns:p14="http://schemas.microsoft.com/office/powerpoint/2010/main" val="1758900522"/>
+        <p14:creationId xmlns:p14="http://schemas.microsoft.com/office/powerpoint/2010/main" val="3344461376"/>
       </p:ext>
     </p:extLst>
   </p:cSld>
@@ -9978,124 +9427,6 @@
           <p:cNvPr id="2" name="כותרת 1">
             <a:extLst>
               <a:ext uri="{FF2B5EF4-FFF2-40B4-BE49-F238E27FC236}">
-                <a16:creationId xmlns:a16="http://schemas.microsoft.com/office/drawing/2014/main" id="{E5051FA8-E07B-42AF-81E7-C7B8DBC8F441}"/>
-              </a:ext>
-            </a:extLst>
-          </p:cNvPr>
-          <p:cNvSpPr>
-            <a:spLocks noGrp="1"/>
-          </p:cNvSpPr>
-          <p:nvPr>
-            <p:ph type="title"/>
-          </p:nvPr>
-        </p:nvSpPr>
-        <p:spPr/>
-        <p:txBody>
-          <a:bodyPr/>
-          <a:lstStyle/>
-          <a:p>
-            <a:pPr algn="ctr"/>
-            <a:r>
-              <a:rPr lang="he-IL" dirty="0"/>
-              <a:t>המשחק</a:t>
-            </a:r>
-            <a:endParaRPr lang="en-US" dirty="0"/>
-          </a:p>
-        </p:txBody>
-      </p:sp>
-      <p:sp>
-        <p:nvSpPr>
-          <p:cNvPr id="3" name="מציין מיקום תוכן 2">
-            <a:extLst>
-              <a:ext uri="{FF2B5EF4-FFF2-40B4-BE49-F238E27FC236}">
-                <a16:creationId xmlns:a16="http://schemas.microsoft.com/office/drawing/2014/main" id="{7A1E07AE-CC35-45E5-A6C2-B36B5E35853E}"/>
-              </a:ext>
-            </a:extLst>
-          </p:cNvPr>
-          <p:cNvSpPr>
-            <a:spLocks noGrp="1"/>
-          </p:cNvSpPr>
-          <p:nvPr>
-            <p:ph idx="1"/>
-          </p:nvPr>
-        </p:nvSpPr>
-        <p:spPr>
-          <a:xfrm>
-            <a:off x="838200" y="1825625"/>
-            <a:ext cx="10515600" cy="3912566"/>
-          </a:xfrm>
-        </p:spPr>
-        <p:txBody>
-          <a:bodyPr/>
-          <a:lstStyle/>
-          <a:p>
-            <a:r>
-              <a:rPr lang="he-IL" dirty="0"/>
-              <a:t>בעצם המשחק עצמו הוא כמו הבעיה בתורת המשחקים של דילמת האסיר עם חזרות.</a:t>
-            </a:r>
-          </a:p>
-          <a:p>
-            <a:r>
-              <a:rPr lang="he-IL" dirty="0"/>
-              <a:t>במשחקים עם חזרות יש יותר היבטים ממתמטיקה פשוטה:</a:t>
-            </a:r>
-          </a:p>
-          <a:p>
-            <a:r>
-              <a:rPr lang="he-IL" dirty="0"/>
-              <a:t>יש היבט פסיכולוגי</a:t>
-            </a:r>
-          </a:p>
-          <a:p>
-            <a:r>
-              <a:rPr lang="he-IL" dirty="0"/>
-              <a:t>היבט רציונלי</a:t>
-            </a:r>
-          </a:p>
-          <a:p>
-            <a:r>
-              <a:rPr lang="he-IL" dirty="0"/>
-              <a:t>והחשוב מכל אסטרטגיה לטווח ארוך</a:t>
-            </a:r>
-            <a:endParaRPr lang="en-US" dirty="0"/>
-          </a:p>
-        </p:txBody>
-      </p:sp>
-    </p:spTree>
-    <p:extLst>
-      <p:ext uri="{BB962C8B-B14F-4D97-AF65-F5344CB8AC3E}">
-        <p14:creationId xmlns:p14="http://schemas.microsoft.com/office/powerpoint/2010/main" val="3344461376"/>
-      </p:ext>
-    </p:extLst>
-  </p:cSld>
-  <p:clrMapOvr>
-    <a:masterClrMapping/>
-  </p:clrMapOvr>
-</p:sld>
-</file>
-
-<file path=ppt/slides/slide23.xml><?xml version="1.0" encoding="utf-8"?>
-<p:sld xmlns:a="http://schemas.openxmlformats.org/drawingml/2006/main" xmlns:r="http://schemas.openxmlformats.org/officeDocument/2006/relationships" xmlns:p="http://schemas.openxmlformats.org/presentationml/2006/main">
-  <p:cSld>
-    <p:spTree>
-      <p:nvGrpSpPr>
-        <p:cNvPr id="1" name=""/>
-        <p:cNvGrpSpPr/>
-        <p:nvPr/>
-      </p:nvGrpSpPr>
-      <p:grpSpPr>
-        <a:xfrm>
-          <a:off x="0" y="0"/>
-          <a:ext cx="0" cy="0"/>
-          <a:chOff x="0" y="0"/>
-          <a:chExt cx="0" cy="0"/>
-        </a:xfrm>
-      </p:grpSpPr>
-      <p:sp>
-        <p:nvSpPr>
-          <p:cNvPr id="2" name="כותרת 1">
-            <a:extLst>
-              <a:ext uri="{FF2B5EF4-FFF2-40B4-BE49-F238E27FC236}">
                 <a16:creationId xmlns:a16="http://schemas.microsoft.com/office/drawing/2014/main" id="{1A46F434-5326-469B-B608-0A7375518E10}"/>
               </a:ext>
             </a:extLst>
@@ -10278,7 +9609,7 @@
 </p:sld>
 </file>
 
-<file path=ppt/slides/slide24.xml><?xml version="1.0" encoding="utf-8"?>
+<file path=ppt/slides/slide23.xml><?xml version="1.0" encoding="utf-8"?>
 <p:sld xmlns:a="http://schemas.openxmlformats.org/drawingml/2006/main" xmlns:r="http://schemas.openxmlformats.org/officeDocument/2006/relationships" xmlns:p="http://schemas.openxmlformats.org/presentationml/2006/main">
   <p:cSld>
     <p:spTree>

--- a/The miner’s dilemma.pptx
+++ b/The miner’s dilemma.pptx
@@ -5,7 +5,7 @@
     <p:sldMasterId id="2147483648" r:id="rId1"/>
   </p:sldMasterIdLst>
   <p:notesMasterIdLst>
-    <p:notesMasterId r:id="rId25"/>
+    <p:notesMasterId r:id="rId35"/>
   </p:notesMasterIdLst>
   <p:sldIdLst>
     <p:sldId id="256" r:id="rId2"/>
@@ -27,10 +27,20 @@
     <p:sldId id="260" r:id="rId18"/>
     <p:sldId id="262" r:id="rId19"/>
     <p:sldId id="259" r:id="rId20"/>
-    <p:sldId id="267" r:id="rId21"/>
-    <p:sldId id="268" r:id="rId22"/>
-    <p:sldId id="269" r:id="rId23"/>
-    <p:sldId id="263" r:id="rId24"/>
+    <p:sldId id="281" r:id="rId21"/>
+    <p:sldId id="282" r:id="rId22"/>
+    <p:sldId id="283" r:id="rId23"/>
+    <p:sldId id="284" r:id="rId24"/>
+    <p:sldId id="285" r:id="rId25"/>
+    <p:sldId id="267" r:id="rId26"/>
+    <p:sldId id="268" r:id="rId27"/>
+    <p:sldId id="269" r:id="rId28"/>
+    <p:sldId id="286" r:id="rId29"/>
+    <p:sldId id="287" r:id="rId30"/>
+    <p:sldId id="288" r:id="rId31"/>
+    <p:sldId id="289" r:id="rId32"/>
+    <p:sldId id="263" r:id="rId33"/>
+    <p:sldId id="290" r:id="rId34"/>
   </p:sldIdLst>
   <p:sldSz cx="12192000" cy="6858000"/>
   <p:notesSz cx="6858000" cy="9144000"/>
@@ -231,7 +241,7 @@
           <a:p>
             <a:fld id="{FF61DEA7-F1E6-454B-87DB-58B10850CF92}" type="datetimeFigureOut">
               <a:rPr lang="en-US" smtClean="0"/>
-              <a:t>12/21/2018</a:t>
+              <a:t>12/23/2018</a:t>
             </a:fld>
             <a:endParaRPr lang="en-US"/>
           </a:p>
@@ -648,7 +658,7 @@
           <a:p>
             <a:fld id="{DF6A03F8-23AB-4376-ADEC-E9B1DB750C39}" type="datetimeFigureOut">
               <a:rPr lang="en-US" smtClean="0"/>
-              <a:t>12/21/2018</a:t>
+              <a:t>12/23/2018</a:t>
             </a:fld>
             <a:endParaRPr lang="en-US"/>
           </a:p>
@@ -848,7 +858,7 @@
           <a:p>
             <a:fld id="{DF6A03F8-23AB-4376-ADEC-E9B1DB750C39}" type="datetimeFigureOut">
               <a:rPr lang="en-US" smtClean="0"/>
-              <a:t>12/21/2018</a:t>
+              <a:t>12/23/2018</a:t>
             </a:fld>
             <a:endParaRPr lang="en-US"/>
           </a:p>
@@ -1058,7 +1068,7 @@
           <a:p>
             <a:fld id="{DF6A03F8-23AB-4376-ADEC-E9B1DB750C39}" type="datetimeFigureOut">
               <a:rPr lang="en-US" smtClean="0"/>
-              <a:t>12/21/2018</a:t>
+              <a:t>12/23/2018</a:t>
             </a:fld>
             <a:endParaRPr lang="en-US"/>
           </a:p>
@@ -1258,7 +1268,7 @@
           <a:p>
             <a:fld id="{DF6A03F8-23AB-4376-ADEC-E9B1DB750C39}" type="datetimeFigureOut">
               <a:rPr lang="en-US" smtClean="0"/>
-              <a:t>12/21/2018</a:t>
+              <a:t>12/23/2018</a:t>
             </a:fld>
             <a:endParaRPr lang="en-US"/>
           </a:p>
@@ -1534,7 +1544,7 @@
           <a:p>
             <a:fld id="{DF6A03F8-23AB-4376-ADEC-E9B1DB750C39}" type="datetimeFigureOut">
               <a:rPr lang="en-US" smtClean="0"/>
-              <a:t>12/21/2018</a:t>
+              <a:t>12/23/2018</a:t>
             </a:fld>
             <a:endParaRPr lang="en-US"/>
           </a:p>
@@ -1802,7 +1812,7 @@
           <a:p>
             <a:fld id="{DF6A03F8-23AB-4376-ADEC-E9B1DB750C39}" type="datetimeFigureOut">
               <a:rPr lang="en-US" smtClean="0"/>
-              <a:t>12/21/2018</a:t>
+              <a:t>12/23/2018</a:t>
             </a:fld>
             <a:endParaRPr lang="en-US"/>
           </a:p>
@@ -2217,7 +2227,7 @@
           <a:p>
             <a:fld id="{DF6A03F8-23AB-4376-ADEC-E9B1DB750C39}" type="datetimeFigureOut">
               <a:rPr lang="en-US" smtClean="0"/>
-              <a:t>12/21/2018</a:t>
+              <a:t>12/23/2018</a:t>
             </a:fld>
             <a:endParaRPr lang="en-US"/>
           </a:p>
@@ -2359,7 +2369,7 @@
           <a:p>
             <a:fld id="{DF6A03F8-23AB-4376-ADEC-E9B1DB750C39}" type="datetimeFigureOut">
               <a:rPr lang="en-US" smtClean="0"/>
-              <a:t>12/21/2018</a:t>
+              <a:t>12/23/2018</a:t>
             </a:fld>
             <a:endParaRPr lang="en-US"/>
           </a:p>
@@ -2472,7 +2482,7 @@
           <a:p>
             <a:fld id="{DF6A03F8-23AB-4376-ADEC-E9B1DB750C39}" type="datetimeFigureOut">
               <a:rPr lang="en-US" smtClean="0"/>
-              <a:t>12/21/2018</a:t>
+              <a:t>12/23/2018</a:t>
             </a:fld>
             <a:endParaRPr lang="en-US"/>
           </a:p>
@@ -2785,7 +2795,7 @@
           <a:p>
             <a:fld id="{DF6A03F8-23AB-4376-ADEC-E9B1DB750C39}" type="datetimeFigureOut">
               <a:rPr lang="en-US" smtClean="0"/>
-              <a:t>12/21/2018</a:t>
+              <a:t>12/23/2018</a:t>
             </a:fld>
             <a:endParaRPr lang="en-US"/>
           </a:p>
@@ -3074,7 +3084,7 @@
           <a:p>
             <a:fld id="{DF6A03F8-23AB-4376-ADEC-E9B1DB750C39}" type="datetimeFigureOut">
               <a:rPr lang="en-US" smtClean="0"/>
-              <a:t>12/21/2018</a:t>
+              <a:t>12/23/2018</a:t>
             </a:fld>
             <a:endParaRPr lang="en-US"/>
           </a:p>
@@ -3317,7 +3327,7 @@
           <a:p>
             <a:fld id="{DF6A03F8-23AB-4376-ADEC-E9B1DB750C39}" type="datetimeFigureOut">
               <a:rPr lang="en-US" smtClean="0"/>
-              <a:t>12/21/2018</a:t>
+              <a:t>12/23/2018</a:t>
             </a:fld>
             <a:endParaRPr lang="en-US"/>
           </a:p>
@@ -8909,7 +8919,7 @@
             </a:pPr>
             <a:r>
               <a:rPr lang="he-IL" dirty="0"/>
-              <a:t>אחרי התקופה הראשונה של ההתקפה קושי הפאזלים ירד עקב פתירה מואטת של פאזלים ( כוח החישוב הכללי יורד).</a:t>
+              <a:t>רווח הקבוצה המותקפת לא השתנה(או יעלה קצת כי כוח הכרייה הכללי ירד) אך הם צריכים לחלק אותו ליותר כורים.</a:t>
             </a:r>
           </a:p>
           <a:p>
@@ -9202,7 +9212,7 @@
           <p:cNvPr id="2" name="כותרת 1">
             <a:extLst>
               <a:ext uri="{FF2B5EF4-FFF2-40B4-BE49-F238E27FC236}">
-                <a16:creationId xmlns:a16="http://schemas.microsoft.com/office/drawing/2014/main" id="{94D4060E-6B5C-4136-95E8-BCC193F885B6}"/>
+                <a16:creationId xmlns:a16="http://schemas.microsoft.com/office/drawing/2014/main" id="{20070826-3B4E-4E7A-8B9F-F9CAA36739EE}"/>
               </a:ext>
             </a:extLst>
           </p:cNvPr>
@@ -9220,64 +9230,762 @@
           <a:p>
             <a:pPr algn="ctr"/>
             <a:r>
-              <a:rPr lang="he-IL" dirty="0"/>
-              <a:t>המשחק</a:t>
-            </a:r>
-            <a:endParaRPr lang="en-US" dirty="0"/>
+              <a:rPr lang="en-US" dirty="0"/>
+              <a:t>Block withholding attack</a:t>
+            </a:r>
           </a:p>
         </p:txBody>
       </p:sp>
-      <p:sp>
-        <p:nvSpPr>
-          <p:cNvPr id="3" name="מציין מיקום תוכן 2">
-            <a:extLst>
-              <a:ext uri="{FF2B5EF4-FFF2-40B4-BE49-F238E27FC236}">
-                <a16:creationId xmlns:a16="http://schemas.microsoft.com/office/drawing/2014/main" id="{D1C20A07-D6BC-4C39-A6C1-73E24D6090C9}"/>
-              </a:ext>
-            </a:extLst>
-          </p:cNvPr>
-          <p:cNvSpPr>
-            <a:spLocks noGrp="1"/>
-          </p:cNvSpPr>
-          <p:nvPr>
-            <p:ph idx="1"/>
-          </p:nvPr>
-        </p:nvSpPr>
-        <p:spPr/>
-        <p:txBody>
-          <a:bodyPr/>
-          <a:lstStyle/>
-          <a:p>
-            <a:r>
-              <a:rPr lang="he-IL" dirty="0"/>
-              <a:t>שתי קבוצות שלא משתפות פעולה</a:t>
-            </a:r>
-          </a:p>
-          <a:p>
-            <a:r>
-              <a:rPr lang="he-IL" dirty="0"/>
-              <a:t>המשחק הוא בעל חזרות – כל סיבוב ניתן לשנות אסטרטגיה (לתקוף או לא)</a:t>
-            </a:r>
-          </a:p>
-          <a:p>
-            <a:r>
-              <a:rPr lang="he-IL" dirty="0"/>
-              <a:t>כל קבוצה יודעת מה הרווח של עצמה ואת הרווח של הקבוצה השנייה</a:t>
-            </a:r>
-          </a:p>
-          <a:p>
-            <a:r>
-              <a:rPr lang="he-IL" dirty="0"/>
-              <a:t>מניחים שהקבוצות פתוחות.</a:t>
-            </a:r>
-            <a:endParaRPr lang="en-US" dirty="0"/>
-          </a:p>
-        </p:txBody>
-      </p:sp>
+      <mc:AlternateContent xmlns:mc="http://schemas.openxmlformats.org/markup-compatibility/2006">
+        <mc:Choice xmlns:a14="http://schemas.microsoft.com/office/drawing/2010/main" Requires="a14">
+          <p:sp>
+            <p:nvSpPr>
+              <p:cNvPr id="3" name="מציין מיקום תוכן 2">
+                <a:extLst>
+                  <a:ext uri="{FF2B5EF4-FFF2-40B4-BE49-F238E27FC236}">
+                    <a16:creationId xmlns:a16="http://schemas.microsoft.com/office/drawing/2014/main" id="{087E4F10-DF9D-4F24-A5B4-4FDEFB14177B}"/>
+                  </a:ext>
+                </a:extLst>
+              </p:cNvPr>
+              <p:cNvSpPr>
+                <a:spLocks noGrp="1"/>
+              </p:cNvSpPr>
+              <p:nvPr>
+                <p:ph idx="1"/>
+              </p:nvPr>
+            </p:nvSpPr>
+            <p:spPr>
+              <a:xfrm>
+                <a:off x="838200" y="1825624"/>
+                <a:ext cx="10515600" cy="5032375"/>
+              </a:xfrm>
+            </p:spPr>
+            <p:txBody>
+              <a:bodyPr>
+                <a:normAutofit/>
+              </a:bodyPr>
+              <a:lstStyle/>
+              <a:p>
+                <a:r>
+                  <a:rPr lang="he-IL" sz="2000" dirty="0"/>
+                  <a:t>רווח כללי</a:t>
+                </a:r>
+              </a:p>
+              <a:p>
+                <a:pPr marL="0" indent="0">
+                  <a:buNone/>
+                </a:pPr>
+                <a14:m>
+                  <m:oMathPara xmlns:m="http://schemas.openxmlformats.org/officeDocument/2006/math">
+                    <m:oMathParaPr>
+                      <m:jc m:val="left"/>
+                    </m:oMathParaPr>
+                    <m:oMath xmlns:m="http://schemas.openxmlformats.org/officeDocument/2006/math">
+                      <m:sSub>
+                        <m:sSubPr>
+                          <m:ctrlPr>
+                            <a:rPr lang="en-US" sz="2000" dirty="0" smtClean="0">
+                              <a:latin typeface="Cambria Math" panose="02040503050406030204" pitchFamily="18" charset="0"/>
+                            </a:rPr>
+                          </m:ctrlPr>
+                        </m:sSubPr>
+                        <m:e>
+                          <m:r>
+                            <a:rPr lang="en-US" sz="2000" i="1" dirty="0">
+                              <a:latin typeface="Cambria Math" panose="02040503050406030204" pitchFamily="18" charset="0"/>
+                            </a:rPr>
+                            <m:t>𝑅</m:t>
+                          </m:r>
+                        </m:e>
+                        <m:sub>
+                          <m:r>
+                            <a:rPr lang="en-US" sz="2000" i="0" dirty="0">
+                              <a:latin typeface="Cambria Math" panose="02040503050406030204" pitchFamily="18" charset="0"/>
+                            </a:rPr>
+                            <m:t>1</m:t>
+                          </m:r>
+                        </m:sub>
+                      </m:sSub>
+                      <m:r>
+                        <a:rPr lang="en-US" sz="2000" i="0" dirty="0">
+                          <a:latin typeface="Cambria Math" panose="02040503050406030204" pitchFamily="18" charset="0"/>
+                        </a:rPr>
+                        <m:t>=</m:t>
+                      </m:r>
+                      <m:f>
+                        <m:fPr>
+                          <m:ctrlPr>
+                            <a:rPr lang="en-US" sz="2000" i="1" dirty="0">
+                              <a:latin typeface="Cambria Math" panose="02040503050406030204" pitchFamily="18" charset="0"/>
+                            </a:rPr>
+                          </m:ctrlPr>
+                        </m:fPr>
+                        <m:num>
+                          <m:sSub>
+                            <m:sSubPr>
+                              <m:ctrlPr>
+                                <a:rPr lang="en-US" sz="2000" i="1" dirty="0">
+                                  <a:latin typeface="Cambria Math" panose="02040503050406030204" pitchFamily="18" charset="0"/>
+                                </a:rPr>
+                              </m:ctrlPr>
+                            </m:sSubPr>
+                            <m:e>
+                              <m:r>
+                                <a:rPr lang="en-US" sz="2000" i="1" dirty="0">
+                                  <a:latin typeface="Cambria Math" panose="02040503050406030204" pitchFamily="18" charset="0"/>
+                                </a:rPr>
+                                <m:t>𝑚</m:t>
+                              </m:r>
+                            </m:e>
+                            <m:sub>
+                              <m:r>
+                                <a:rPr lang="en-US" sz="2000" i="0" dirty="0">
+                                  <a:latin typeface="Cambria Math" panose="02040503050406030204" pitchFamily="18" charset="0"/>
+                                </a:rPr>
+                                <m:t>1</m:t>
+                              </m:r>
+                            </m:sub>
+                          </m:sSub>
+                          <m:r>
+                            <a:rPr lang="en-US" sz="2000" i="0" dirty="0">
+                              <a:latin typeface="Cambria Math" panose="02040503050406030204" pitchFamily="18" charset="0"/>
+                            </a:rPr>
+                            <m:t>−</m:t>
+                          </m:r>
+                          <m:sSub>
+                            <m:sSubPr>
+                              <m:ctrlPr>
+                                <a:rPr lang="en-US" sz="2000" i="1" dirty="0">
+                                  <a:latin typeface="Cambria Math" panose="02040503050406030204" pitchFamily="18" charset="0"/>
+                                </a:rPr>
+                              </m:ctrlPr>
+                            </m:sSubPr>
+                            <m:e>
+                              <m:r>
+                                <a:rPr lang="en-US" sz="2000" i="1" dirty="0">
+                                  <a:latin typeface="Cambria Math" panose="02040503050406030204" pitchFamily="18" charset="0"/>
+                                </a:rPr>
+                                <m:t>𝑥</m:t>
+                              </m:r>
+                            </m:e>
+                            <m:sub>
+                              <m:r>
+                                <a:rPr lang="en-US" sz="2000" i="0" dirty="0">
+                                  <a:latin typeface="Cambria Math" panose="02040503050406030204" pitchFamily="18" charset="0"/>
+                                </a:rPr>
+                                <m:t>1</m:t>
+                              </m:r>
+                              <m:r>
+                                <a:rPr lang="en-US" sz="2000" i="0" dirty="0">
+                                  <a:latin typeface="Cambria Math" panose="02040503050406030204" pitchFamily="18" charset="0"/>
+                                </a:rPr>
+                                <m:t>,</m:t>
+                              </m:r>
+                              <m:r>
+                                <a:rPr lang="en-US" sz="2000" i="0" dirty="0">
+                                  <a:latin typeface="Cambria Math" panose="02040503050406030204" pitchFamily="18" charset="0"/>
+                                </a:rPr>
+                                <m:t>2</m:t>
+                              </m:r>
+                            </m:sub>
+                          </m:sSub>
+                        </m:num>
+                        <m:den>
+                          <m:r>
+                            <a:rPr lang="en-US" sz="2000" i="1" dirty="0">
+                              <a:latin typeface="Cambria Math" panose="02040503050406030204" pitchFamily="18" charset="0"/>
+                            </a:rPr>
+                            <m:t>𝑚</m:t>
+                          </m:r>
+                          <m:r>
+                            <a:rPr lang="en-US" sz="2000" i="0" dirty="0">
+                              <a:latin typeface="Cambria Math" panose="02040503050406030204" pitchFamily="18" charset="0"/>
+                            </a:rPr>
+                            <m:t>−</m:t>
+                          </m:r>
+                          <m:sSub>
+                            <m:sSubPr>
+                              <m:ctrlPr>
+                                <a:rPr lang="en-US" sz="2000" i="1" dirty="0">
+                                  <a:latin typeface="Cambria Math" panose="02040503050406030204" pitchFamily="18" charset="0"/>
+                                </a:rPr>
+                              </m:ctrlPr>
+                            </m:sSubPr>
+                            <m:e>
+                              <m:r>
+                                <a:rPr lang="en-US" sz="2000" i="1" dirty="0">
+                                  <a:latin typeface="Cambria Math" panose="02040503050406030204" pitchFamily="18" charset="0"/>
+                                </a:rPr>
+                                <m:t>𝑥</m:t>
+                              </m:r>
+                            </m:e>
+                            <m:sub>
+                              <m:r>
+                                <a:rPr lang="en-US" sz="2000" i="0" dirty="0">
+                                  <a:latin typeface="Cambria Math" panose="02040503050406030204" pitchFamily="18" charset="0"/>
+                                </a:rPr>
+                                <m:t>1</m:t>
+                              </m:r>
+                              <m:r>
+                                <a:rPr lang="en-US" sz="2000" i="0" dirty="0">
+                                  <a:latin typeface="Cambria Math" panose="02040503050406030204" pitchFamily="18" charset="0"/>
+                                </a:rPr>
+                                <m:t>,</m:t>
+                              </m:r>
+                              <m:r>
+                                <a:rPr lang="en-US" sz="2000" i="0" dirty="0">
+                                  <a:latin typeface="Cambria Math" panose="02040503050406030204" pitchFamily="18" charset="0"/>
+                                </a:rPr>
+                                <m:t>2</m:t>
+                              </m:r>
+                            </m:sub>
+                          </m:sSub>
+                        </m:den>
+                      </m:f>
+                    </m:oMath>
+                  </m:oMathPara>
+                </a14:m>
+                <a:endParaRPr lang="en-US" sz="2000" dirty="0"/>
+              </a:p>
+              <a:p>
+                <a:pPr marL="0" indent="0">
+                  <a:buNone/>
+                </a:pPr>
+                <a:endParaRPr lang="en-US" sz="2000" dirty="0"/>
+              </a:p>
+              <a:p>
+                <a:pPr marL="0" indent="0">
+                  <a:buNone/>
+                </a:pPr>
+                <a14:m>
+                  <m:oMathPara xmlns:m="http://schemas.openxmlformats.org/officeDocument/2006/math">
+                    <m:oMathParaPr>
+                      <m:jc m:val="left"/>
+                    </m:oMathParaPr>
+                    <m:oMath xmlns:m="http://schemas.openxmlformats.org/officeDocument/2006/math">
+                      <m:sSub>
+                        <m:sSubPr>
+                          <m:ctrlPr>
+                            <a:rPr lang="en-US" sz="2000" i="1" dirty="0">
+                              <a:latin typeface="Cambria Math" panose="02040503050406030204" pitchFamily="18" charset="0"/>
+                            </a:rPr>
+                          </m:ctrlPr>
+                        </m:sSubPr>
+                        <m:e>
+                          <m:r>
+                            <a:rPr lang="en-US" sz="2000" i="1" dirty="0" smtClean="0">
+                              <a:latin typeface="Cambria Math" panose="02040503050406030204" pitchFamily="18" charset="0"/>
+                            </a:rPr>
+                            <m:t>𝑅</m:t>
+                          </m:r>
+                        </m:e>
+                        <m:sub>
+                          <m:r>
+                            <a:rPr lang="en-US" sz="2000" b="0" i="0" dirty="0" smtClean="0">
+                              <a:latin typeface="Cambria Math" panose="02040503050406030204" pitchFamily="18" charset="0"/>
+                            </a:rPr>
+                            <m:t>2</m:t>
+                          </m:r>
+                        </m:sub>
+                      </m:sSub>
+                      <m:r>
+                        <a:rPr lang="en-US" sz="2000" dirty="0">
+                          <a:latin typeface="Cambria Math" panose="02040503050406030204" pitchFamily="18" charset="0"/>
+                        </a:rPr>
+                        <m:t>=</m:t>
+                      </m:r>
+                      <m:f>
+                        <m:fPr>
+                          <m:ctrlPr>
+                            <a:rPr lang="en-US" sz="2000" i="1" dirty="0">
+                              <a:latin typeface="Cambria Math" panose="02040503050406030204" pitchFamily="18" charset="0"/>
+                            </a:rPr>
+                          </m:ctrlPr>
+                        </m:fPr>
+                        <m:num>
+                          <m:sSub>
+                            <m:sSubPr>
+                              <m:ctrlPr>
+                                <a:rPr lang="en-US" sz="2000" i="1" dirty="0">
+                                  <a:latin typeface="Cambria Math" panose="02040503050406030204" pitchFamily="18" charset="0"/>
+                                </a:rPr>
+                              </m:ctrlPr>
+                            </m:sSubPr>
+                            <m:e>
+                              <m:r>
+                                <a:rPr lang="en-US" sz="2000" i="1" dirty="0">
+                                  <a:latin typeface="Cambria Math" panose="02040503050406030204" pitchFamily="18" charset="0"/>
+                                </a:rPr>
+                                <m:t>𝑚</m:t>
+                              </m:r>
+                            </m:e>
+                            <m:sub>
+                              <m:r>
+                                <a:rPr lang="en-US" sz="2000" b="0" i="0" dirty="0" smtClean="0">
+                                  <a:latin typeface="Cambria Math" panose="02040503050406030204" pitchFamily="18" charset="0"/>
+                                </a:rPr>
+                                <m:t>2</m:t>
+                              </m:r>
+                            </m:sub>
+                          </m:sSub>
+                        </m:num>
+                        <m:den>
+                          <m:r>
+                            <a:rPr lang="en-US" sz="2000" i="1" dirty="0">
+                              <a:latin typeface="Cambria Math" panose="02040503050406030204" pitchFamily="18" charset="0"/>
+                            </a:rPr>
+                            <m:t>𝑚</m:t>
+                          </m:r>
+                          <m:r>
+                            <a:rPr lang="en-US" sz="2000" dirty="0">
+                              <a:latin typeface="Cambria Math" panose="02040503050406030204" pitchFamily="18" charset="0"/>
+                            </a:rPr>
+                            <m:t>−</m:t>
+                          </m:r>
+                          <m:sSub>
+                            <m:sSubPr>
+                              <m:ctrlPr>
+                                <a:rPr lang="en-US" sz="2000" i="1" dirty="0">
+                                  <a:latin typeface="Cambria Math" panose="02040503050406030204" pitchFamily="18" charset="0"/>
+                                </a:rPr>
+                              </m:ctrlPr>
+                            </m:sSubPr>
+                            <m:e>
+                              <m:r>
+                                <a:rPr lang="en-US" sz="2000" i="1" dirty="0">
+                                  <a:latin typeface="Cambria Math" panose="02040503050406030204" pitchFamily="18" charset="0"/>
+                                </a:rPr>
+                                <m:t>𝑥</m:t>
+                              </m:r>
+                            </m:e>
+                            <m:sub>
+                              <m:r>
+                                <a:rPr lang="en-US" sz="2000" dirty="0">
+                                  <a:latin typeface="Cambria Math" panose="02040503050406030204" pitchFamily="18" charset="0"/>
+                                </a:rPr>
+                                <m:t>1</m:t>
+                              </m:r>
+                              <m:r>
+                                <a:rPr lang="en-US" sz="2000" dirty="0">
+                                  <a:latin typeface="Cambria Math" panose="02040503050406030204" pitchFamily="18" charset="0"/>
+                                </a:rPr>
+                                <m:t>,</m:t>
+                              </m:r>
+                              <m:r>
+                                <a:rPr lang="en-US" sz="2000" dirty="0">
+                                  <a:latin typeface="Cambria Math" panose="02040503050406030204" pitchFamily="18" charset="0"/>
+                                </a:rPr>
+                                <m:t>2</m:t>
+                              </m:r>
+                            </m:sub>
+                          </m:sSub>
+                        </m:den>
+                      </m:f>
+                    </m:oMath>
+                  </m:oMathPara>
+                </a14:m>
+                <a:endParaRPr lang="en-US" sz="2000" dirty="0"/>
+              </a:p>
+              <a:p>
+                <a:pPr marL="0" indent="0">
+                  <a:buNone/>
+                </a:pPr>
+                <a:endParaRPr lang="en-US" sz="2000" dirty="0"/>
+              </a:p>
+              <a:p>
+                <a:pPr marL="0" indent="0">
+                  <a:buNone/>
+                </a:pPr>
+                <a:r>
+                  <a:rPr lang="he-IL" sz="2000" dirty="0"/>
+                  <a:t>רווח פר כורה</a:t>
+                </a:r>
+              </a:p>
+              <a:p>
+                <a:pPr marL="0" indent="0">
+                  <a:buNone/>
+                </a:pPr>
+                <a14:m>
+                  <m:oMathPara xmlns:m="http://schemas.openxmlformats.org/officeDocument/2006/math">
+                    <m:oMathParaPr>
+                      <m:jc m:val="left"/>
+                    </m:oMathParaPr>
+                    <m:oMath xmlns:m="http://schemas.openxmlformats.org/officeDocument/2006/math">
+                      <m:sSub>
+                        <m:sSubPr>
+                          <m:ctrlPr>
+                            <a:rPr lang="en-US" sz="2000" i="1" dirty="0">
+                              <a:latin typeface="Cambria Math" panose="02040503050406030204" pitchFamily="18" charset="0"/>
+                            </a:rPr>
+                          </m:ctrlPr>
+                        </m:sSubPr>
+                        <m:e>
+                          <m:r>
+                            <a:rPr lang="en-US" sz="2000" b="0" i="1" dirty="0" smtClean="0">
+                              <a:latin typeface="Cambria Math" panose="02040503050406030204" pitchFamily="18" charset="0"/>
+                            </a:rPr>
+                            <m:t>𝑟</m:t>
+                          </m:r>
+                        </m:e>
+                        <m:sub>
+                          <m:r>
+                            <a:rPr lang="en-US" sz="2000" b="0" i="0" dirty="0" smtClean="0">
+                              <a:latin typeface="Cambria Math" panose="02040503050406030204" pitchFamily="18" charset="0"/>
+                            </a:rPr>
+                            <m:t>2</m:t>
+                          </m:r>
+                        </m:sub>
+                      </m:sSub>
+                      <m:r>
+                        <a:rPr lang="en-US" sz="2000" dirty="0">
+                          <a:latin typeface="Cambria Math" panose="02040503050406030204" pitchFamily="18" charset="0"/>
+                        </a:rPr>
+                        <m:t>=</m:t>
+                      </m:r>
+                      <m:f>
+                        <m:fPr>
+                          <m:ctrlPr>
+                            <a:rPr lang="en-US" sz="2000" i="1" dirty="0">
+                              <a:latin typeface="Cambria Math" panose="02040503050406030204" pitchFamily="18" charset="0"/>
+                            </a:rPr>
+                          </m:ctrlPr>
+                        </m:fPr>
+                        <m:num>
+                          <m:sSub>
+                            <m:sSubPr>
+                              <m:ctrlPr>
+                                <a:rPr lang="en-US" sz="2000" i="1" dirty="0">
+                                  <a:latin typeface="Cambria Math" panose="02040503050406030204" pitchFamily="18" charset="0"/>
+                                </a:rPr>
+                              </m:ctrlPr>
+                            </m:sSubPr>
+                            <m:e>
+                              <m:r>
+                                <a:rPr lang="en-US" sz="2000" i="1" dirty="0">
+                                  <a:latin typeface="Cambria Math" panose="02040503050406030204" pitchFamily="18" charset="0"/>
+                                </a:rPr>
+                                <m:t>𝑅</m:t>
+                              </m:r>
+                            </m:e>
+                            <m:sub>
+                              <m:r>
+                                <a:rPr lang="en-US" sz="2000" dirty="0">
+                                  <a:latin typeface="Cambria Math" panose="02040503050406030204" pitchFamily="18" charset="0"/>
+                                </a:rPr>
+                                <m:t>2</m:t>
+                              </m:r>
+                            </m:sub>
+                          </m:sSub>
+                        </m:num>
+                        <m:den>
+                          <m:sSub>
+                            <m:sSubPr>
+                              <m:ctrlPr>
+                                <a:rPr lang="en-US" sz="2000" i="1" dirty="0">
+                                  <a:latin typeface="Cambria Math" panose="02040503050406030204" pitchFamily="18" charset="0"/>
+                                </a:rPr>
+                              </m:ctrlPr>
+                            </m:sSubPr>
+                            <m:e>
+                              <m:r>
+                                <a:rPr lang="en-US" sz="2000" i="1" dirty="0">
+                                  <a:latin typeface="Cambria Math" panose="02040503050406030204" pitchFamily="18" charset="0"/>
+                                </a:rPr>
+                                <m:t>𝑚</m:t>
+                              </m:r>
+                            </m:e>
+                            <m:sub>
+                              <m:r>
+                                <a:rPr lang="en-US" sz="2000" dirty="0">
+                                  <a:latin typeface="Cambria Math" panose="02040503050406030204" pitchFamily="18" charset="0"/>
+                                </a:rPr>
+                                <m:t>2</m:t>
+                              </m:r>
+                            </m:sub>
+                          </m:sSub>
+                          <m:r>
+                            <a:rPr lang="en-US" sz="2000" b="0" i="0" dirty="0" smtClean="0">
+                              <a:latin typeface="Cambria Math" panose="02040503050406030204" pitchFamily="18" charset="0"/>
+                            </a:rPr>
+                            <m:t>+</m:t>
+                          </m:r>
+                          <m:sSub>
+                            <m:sSubPr>
+                              <m:ctrlPr>
+                                <a:rPr lang="en-US" sz="2000" i="1" dirty="0">
+                                  <a:latin typeface="Cambria Math" panose="02040503050406030204" pitchFamily="18" charset="0"/>
+                                </a:rPr>
+                              </m:ctrlPr>
+                            </m:sSubPr>
+                            <m:e>
+                              <m:r>
+                                <a:rPr lang="en-US" sz="2000" i="1" dirty="0">
+                                  <a:latin typeface="Cambria Math" panose="02040503050406030204" pitchFamily="18" charset="0"/>
+                                </a:rPr>
+                                <m:t>𝑥</m:t>
+                              </m:r>
+                            </m:e>
+                            <m:sub>
+                              <m:r>
+                                <a:rPr lang="en-US" sz="2000" dirty="0">
+                                  <a:latin typeface="Cambria Math" panose="02040503050406030204" pitchFamily="18" charset="0"/>
+                                </a:rPr>
+                                <m:t>1</m:t>
+                              </m:r>
+                              <m:r>
+                                <a:rPr lang="en-US" sz="2000" dirty="0">
+                                  <a:latin typeface="Cambria Math" panose="02040503050406030204" pitchFamily="18" charset="0"/>
+                                </a:rPr>
+                                <m:t>,</m:t>
+                              </m:r>
+                              <m:r>
+                                <a:rPr lang="en-US" sz="2000" dirty="0">
+                                  <a:latin typeface="Cambria Math" panose="02040503050406030204" pitchFamily="18" charset="0"/>
+                                </a:rPr>
+                                <m:t>2</m:t>
+                              </m:r>
+                            </m:sub>
+                          </m:sSub>
+                        </m:den>
+                      </m:f>
+                    </m:oMath>
+                  </m:oMathPara>
+                </a14:m>
+                <a:endParaRPr lang="he-IL" sz="2000" dirty="0"/>
+              </a:p>
+              <a:p>
+                <a:pPr marL="0" indent="0">
+                  <a:buNone/>
+                </a:pPr>
+                <a:endParaRPr lang="he-IL" sz="2000" dirty="0"/>
+              </a:p>
+              <a:p>
+                <a:pPr marL="0" indent="0">
+                  <a:buNone/>
+                </a:pPr>
+                <a14:m>
+                  <m:oMathPara xmlns:m="http://schemas.openxmlformats.org/officeDocument/2006/math">
+                    <m:oMathParaPr>
+                      <m:jc m:val="left"/>
+                    </m:oMathParaPr>
+                    <m:oMath xmlns:m="http://schemas.openxmlformats.org/officeDocument/2006/math">
+                      <m:sSub>
+                        <m:sSubPr>
+                          <m:ctrlPr>
+                            <a:rPr lang="en-US" sz="2000" i="1" dirty="0">
+                              <a:latin typeface="Cambria Math" panose="02040503050406030204" pitchFamily="18" charset="0"/>
+                            </a:rPr>
+                          </m:ctrlPr>
+                        </m:sSubPr>
+                        <m:e>
+                          <m:r>
+                            <a:rPr lang="en-US" sz="2000" i="1" dirty="0">
+                              <a:latin typeface="Cambria Math" panose="02040503050406030204" pitchFamily="18" charset="0"/>
+                            </a:rPr>
+                            <m:t>𝑅</m:t>
+                          </m:r>
+                        </m:e>
+                        <m:sub>
+                          <m:r>
+                            <a:rPr lang="en-US" sz="2000" dirty="0">
+                              <a:latin typeface="Cambria Math" panose="02040503050406030204" pitchFamily="18" charset="0"/>
+                            </a:rPr>
+                            <m:t>1</m:t>
+                          </m:r>
+                        </m:sub>
+                      </m:sSub>
+                      <m:r>
+                        <a:rPr lang="en-US" sz="2000" dirty="0">
+                          <a:latin typeface="Cambria Math" panose="02040503050406030204" pitchFamily="18" charset="0"/>
+                        </a:rPr>
+                        <m:t>=</m:t>
+                      </m:r>
+                      <m:f>
+                        <m:fPr>
+                          <m:ctrlPr>
+                            <a:rPr lang="en-US" sz="2000" i="1" dirty="0">
+                              <a:latin typeface="Cambria Math" panose="02040503050406030204" pitchFamily="18" charset="0"/>
+                            </a:rPr>
+                          </m:ctrlPr>
+                        </m:fPr>
+                        <m:num>
+                          <m:sSub>
+                            <m:sSubPr>
+                              <m:ctrlPr>
+                                <a:rPr lang="en-US" sz="2000" i="1" dirty="0">
+                                  <a:latin typeface="Cambria Math" panose="02040503050406030204" pitchFamily="18" charset="0"/>
+                                </a:rPr>
+                              </m:ctrlPr>
+                            </m:sSubPr>
+                            <m:e>
+                              <m:r>
+                                <a:rPr lang="en-US" sz="2000" i="1" dirty="0">
+                                  <a:latin typeface="Cambria Math" panose="02040503050406030204" pitchFamily="18" charset="0"/>
+                                </a:rPr>
+                                <m:t>𝑅</m:t>
+                              </m:r>
+                            </m:e>
+                            <m:sub>
+                              <m:r>
+                                <a:rPr lang="en-US" sz="2000" dirty="0">
+                                  <a:latin typeface="Cambria Math" panose="02040503050406030204" pitchFamily="18" charset="0"/>
+                                </a:rPr>
+                                <m:t>1</m:t>
+                              </m:r>
+                            </m:sub>
+                          </m:sSub>
+                          <m:r>
+                            <a:rPr lang="en-US" sz="2000" b="0" i="0" dirty="0" smtClean="0">
+                              <a:latin typeface="Cambria Math" panose="02040503050406030204" pitchFamily="18" charset="0"/>
+                            </a:rPr>
+                            <m:t>+</m:t>
+                          </m:r>
+                          <m:sSub>
+                            <m:sSubPr>
+                              <m:ctrlPr>
+                                <a:rPr lang="en-US" sz="2000" i="1" dirty="0">
+                                  <a:latin typeface="Cambria Math" panose="02040503050406030204" pitchFamily="18" charset="0"/>
+                                </a:rPr>
+                              </m:ctrlPr>
+                            </m:sSubPr>
+                            <m:e>
+                              <m:r>
+                                <a:rPr lang="en-US" sz="2000" i="1" dirty="0">
+                                  <a:latin typeface="Cambria Math" panose="02040503050406030204" pitchFamily="18" charset="0"/>
+                                </a:rPr>
+                                <m:t>𝑥</m:t>
+                              </m:r>
+                            </m:e>
+                            <m:sub>
+                              <m:r>
+                                <a:rPr lang="en-US" sz="2000" dirty="0">
+                                  <a:latin typeface="Cambria Math" panose="02040503050406030204" pitchFamily="18" charset="0"/>
+                                </a:rPr>
+                                <m:t>1</m:t>
+                              </m:r>
+                              <m:r>
+                                <a:rPr lang="en-US" sz="2000" dirty="0">
+                                  <a:latin typeface="Cambria Math" panose="02040503050406030204" pitchFamily="18" charset="0"/>
+                                </a:rPr>
+                                <m:t>,</m:t>
+                              </m:r>
+                              <m:r>
+                                <a:rPr lang="en-US" sz="2000" dirty="0">
+                                  <a:latin typeface="Cambria Math" panose="02040503050406030204" pitchFamily="18" charset="0"/>
+                                </a:rPr>
+                                <m:t>2</m:t>
+                              </m:r>
+                            </m:sub>
+                          </m:sSub>
+                          <m:r>
+                            <a:rPr lang="en-US" sz="2000" i="1" dirty="0">
+                              <a:latin typeface="Cambria Math" panose="02040503050406030204" pitchFamily="18" charset="0"/>
+                            </a:rPr>
+                            <m:t>∗</m:t>
+                          </m:r>
+                          <m:r>
+                            <a:rPr lang="en-US" sz="2000" i="1" dirty="0">
+                              <a:latin typeface="Cambria Math" panose="02040503050406030204" pitchFamily="18" charset="0"/>
+                            </a:rPr>
+                            <m:t>𝑟</m:t>
+                          </m:r>
+                          <m:r>
+                            <a:rPr lang="en-US" sz="2000" i="1" dirty="0">
+                              <a:latin typeface="Cambria Math" panose="02040503050406030204" pitchFamily="18" charset="0"/>
+                            </a:rPr>
+                            <m:t>_</m:t>
+                          </m:r>
+                          <m:r>
+                            <a:rPr lang="en-US" sz="2000" i="1" dirty="0">
+                              <a:latin typeface="Cambria Math" panose="02040503050406030204" pitchFamily="18" charset="0"/>
+                            </a:rPr>
+                            <m:t>2</m:t>
+                          </m:r>
+                        </m:num>
+                        <m:den>
+                          <m:sSub>
+                            <m:sSubPr>
+                              <m:ctrlPr>
+                                <a:rPr lang="en-US" sz="2000" i="1" dirty="0">
+                                  <a:latin typeface="Cambria Math" panose="02040503050406030204" pitchFamily="18" charset="0"/>
+                                </a:rPr>
+                              </m:ctrlPr>
+                            </m:sSubPr>
+                            <m:e>
+                              <m:r>
+                                <a:rPr lang="en-US" sz="2000" i="1" dirty="0">
+                                  <a:latin typeface="Cambria Math" panose="02040503050406030204" pitchFamily="18" charset="0"/>
+                                </a:rPr>
+                                <m:t>𝑚</m:t>
+                              </m:r>
+                            </m:e>
+                            <m:sub>
+                              <m:r>
+                                <a:rPr lang="en-US" sz="2000" b="0" i="0" dirty="0" smtClean="0">
+                                  <a:latin typeface="Cambria Math" panose="02040503050406030204" pitchFamily="18" charset="0"/>
+                                </a:rPr>
+                                <m:t>1</m:t>
+                              </m:r>
+                            </m:sub>
+                          </m:sSub>
+                        </m:den>
+                      </m:f>
+                    </m:oMath>
+                  </m:oMathPara>
+                </a14:m>
+                <a:endParaRPr lang="en-US" sz="2000" dirty="0"/>
+              </a:p>
+            </p:txBody>
+          </p:sp>
+        </mc:Choice>
+        <mc:Fallback>
+          <p:sp>
+            <p:nvSpPr>
+              <p:cNvPr id="3" name="מציין מיקום תוכן 2">
+                <a:extLst>
+                  <a:ext uri="{FF2B5EF4-FFF2-40B4-BE49-F238E27FC236}">
+                    <a16:creationId xmlns:a16="http://schemas.microsoft.com/office/drawing/2014/main" id="{087E4F10-DF9D-4F24-A5B4-4FDEFB14177B}"/>
+                  </a:ext>
+                </a:extLst>
+              </p:cNvPr>
+              <p:cNvSpPr>
+                <a:spLocks noGrp="1" noRot="1" noChangeAspect="1" noMove="1" noResize="1" noEditPoints="1" noAdjustHandles="1" noChangeArrowheads="1" noChangeShapeType="1" noTextEdit="1"/>
+              </p:cNvSpPr>
+              <p:nvPr>
+                <p:ph idx="1"/>
+              </p:nvPr>
+            </p:nvSpPr>
+            <p:spPr>
+              <a:xfrm>
+                <a:off x="838200" y="1825624"/>
+                <a:ext cx="10515600" cy="5032375"/>
+              </a:xfrm>
+              <a:blipFill>
+                <a:blip r:embed="rId2"/>
+                <a:stretch>
+                  <a:fillRect t="-1090" r="-580"/>
+                </a:stretch>
+              </a:blipFill>
+            </p:spPr>
+            <p:txBody>
+              <a:bodyPr/>
+              <a:lstStyle/>
+              <a:p>
+                <a:r>
+                  <a:rPr lang="en-US">
+                    <a:noFill/>
+                  </a:rPr>
+                  <a:t> </a:t>
+                </a:r>
+              </a:p>
+            </p:txBody>
+          </p:sp>
+        </mc:Fallback>
+      </mc:AlternateContent>
     </p:spTree>
     <p:extLst>
       <p:ext uri="{BB962C8B-B14F-4D97-AF65-F5344CB8AC3E}">
-        <p14:creationId xmlns:p14="http://schemas.microsoft.com/office/powerpoint/2010/main" val="1758900522"/>
+        <p14:creationId xmlns:p14="http://schemas.microsoft.com/office/powerpoint/2010/main" val="3827302663"/>
       </p:ext>
     </p:extLst>
   </p:cSld>
@@ -9309,7 +10017,7 @@
           <p:cNvPr id="2" name="כותרת 1">
             <a:extLst>
               <a:ext uri="{FF2B5EF4-FFF2-40B4-BE49-F238E27FC236}">
-                <a16:creationId xmlns:a16="http://schemas.microsoft.com/office/drawing/2014/main" id="{E5051FA8-E07B-42AF-81E7-C7B8DBC8F441}"/>
+                <a16:creationId xmlns:a16="http://schemas.microsoft.com/office/drawing/2014/main" id="{6381C37E-849C-48EB-975C-0383031109E7}"/>
               </a:ext>
             </a:extLst>
           </p:cNvPr>
@@ -9327,10 +10035,9 @@
           <a:p>
             <a:pPr algn="ctr"/>
             <a:r>
-              <a:rPr lang="he-IL" dirty="0"/>
-              <a:t>המשחק</a:t>
-            </a:r>
-            <a:endParaRPr lang="en-US" dirty="0"/>
+              <a:rPr lang="en-US" dirty="0"/>
+              <a:t>Block withholding attack</a:t>
+            </a:r>
           </a:p>
         </p:txBody>
       </p:sp>
@@ -9339,7 +10046,7 @@
           <p:cNvPr id="3" name="מציין מיקום תוכן 2">
             <a:extLst>
               <a:ext uri="{FF2B5EF4-FFF2-40B4-BE49-F238E27FC236}">
-                <a16:creationId xmlns:a16="http://schemas.microsoft.com/office/drawing/2014/main" id="{7A1E07AE-CC35-45E5-A6C2-B36B5E35853E}"/>
+                <a16:creationId xmlns:a16="http://schemas.microsoft.com/office/drawing/2014/main" id="{A49FADC4-CADE-405A-AEC3-98426E85BBC1}"/>
               </a:ext>
             </a:extLst>
           </p:cNvPr>
@@ -9350,43 +10057,47 @@
             <p:ph idx="1"/>
           </p:nvPr>
         </p:nvSpPr>
-        <p:spPr>
-          <a:xfrm>
-            <a:off x="838200" y="1825625"/>
-            <a:ext cx="10515600" cy="3912566"/>
-          </a:xfrm>
-        </p:spPr>
+        <p:spPr/>
         <p:txBody>
           <a:bodyPr/>
           <a:lstStyle/>
           <a:p>
             <a:r>
               <a:rPr lang="he-IL" dirty="0"/>
-              <a:t>בעצם המשחק עצמו הוא כמו הבעיה בתורת המשחקים של דילמת האסיר עם חזרות.</a:t>
-            </a:r>
-          </a:p>
-          <a:p>
+              <a:t>נראה איך זה מגביר רווח:</a:t>
+            </a:r>
+          </a:p>
+          <a:p>
+            <a:pPr marL="0" indent="0">
+              <a:buNone/>
+            </a:pPr>
             <a:r>
               <a:rPr lang="he-IL" dirty="0"/>
-              <a:t>במשחקים עם חזרות יש יותר היבטים ממתמטיקה פשוטה:</a:t>
-            </a:r>
-          </a:p>
-          <a:p>
+              <a:t>נניח שלקבוצה 1 ו2 יש 30% מכוח הכרייה(לצורך הפשטות 10 כורים סה"כ) והרווח שכל קבוצה מייצרת הוא 1 ביטקוין לכורה בממוצע.</a:t>
+            </a:r>
+          </a:p>
+          <a:p>
+            <a:pPr marL="0" indent="0">
+              <a:buNone/>
+            </a:pPr>
             <a:r>
               <a:rPr lang="he-IL" dirty="0"/>
-              <a:t>יש היבט פסיכולוגי</a:t>
-            </a:r>
-          </a:p>
-          <a:p>
+              <a:t>כלומר כל קבוצה צריכה לשלם ל3 כורים, וכוח הכרייה של כל אחת מהקבוצות הוא 3 והרווח הממוצע של כל כורה הוא 1.</a:t>
+            </a:r>
+          </a:p>
+          <a:p>
+            <a:pPr marL="0" indent="0">
+              <a:buNone/>
+            </a:pPr>
+            <a:endParaRPr lang="he-IL" dirty="0"/>
+          </a:p>
+          <a:p>
+            <a:pPr marL="0" indent="0">
+              <a:buNone/>
+            </a:pPr>
             <a:r>
               <a:rPr lang="he-IL" dirty="0"/>
-              <a:t>היבט רציונלי</a:t>
-            </a:r>
-          </a:p>
-          <a:p>
-            <a:r>
-              <a:rPr lang="he-IL" dirty="0"/>
-              <a:t>והחשוב מכל אסטרטגיה לטווח ארוך</a:t>
+              <a:t>קבוצה 1 תוקפת עם כורה 1 את קבוצה שתיים.</a:t>
             </a:r>
             <a:endParaRPr lang="en-US" dirty="0"/>
           </a:p>
@@ -9395,7 +10106,7 @@
     </p:spTree>
     <p:extLst>
       <p:ext uri="{BB962C8B-B14F-4D97-AF65-F5344CB8AC3E}">
-        <p14:creationId xmlns:p14="http://schemas.microsoft.com/office/powerpoint/2010/main" val="3344461376"/>
+        <p14:creationId xmlns:p14="http://schemas.microsoft.com/office/powerpoint/2010/main" val="1323153888"/>
       </p:ext>
     </p:extLst>
   </p:cSld>
@@ -9427,7 +10138,7 @@
           <p:cNvPr id="2" name="כותרת 1">
             <a:extLst>
               <a:ext uri="{FF2B5EF4-FFF2-40B4-BE49-F238E27FC236}">
-                <a16:creationId xmlns:a16="http://schemas.microsoft.com/office/drawing/2014/main" id="{1A46F434-5326-469B-B608-0A7375518E10}"/>
+                <a16:creationId xmlns:a16="http://schemas.microsoft.com/office/drawing/2014/main" id="{A25B7435-32BC-4750-BB5E-9B3A9205398D}"/>
               </a:ext>
             </a:extLst>
           </p:cNvPr>
@@ -9445,10 +10156,9 @@
           <a:p>
             <a:pPr algn="ctr"/>
             <a:r>
-              <a:rPr lang="he-IL" dirty="0"/>
-              <a:t>המשחק</a:t>
-            </a:r>
-            <a:endParaRPr lang="en-US" dirty="0"/>
+              <a:rPr lang="en-US" dirty="0"/>
+              <a:t>Block withholding attack</a:t>
+            </a:r>
           </a:p>
         </p:txBody>
       </p:sp>
@@ -9457,7 +10167,7 @@
           <p:cNvPr id="3" name="מציין מיקום תוכן 2">
             <a:extLst>
               <a:ext uri="{FF2B5EF4-FFF2-40B4-BE49-F238E27FC236}">
-                <a16:creationId xmlns:a16="http://schemas.microsoft.com/office/drawing/2014/main" id="{839E2EF0-91B2-459B-9B73-087019A68D71}"/>
+                <a16:creationId xmlns:a16="http://schemas.microsoft.com/office/drawing/2014/main" id="{62CE8477-FA7D-4DF5-A102-E06BA0C9390F}"/>
               </a:ext>
             </a:extLst>
           </p:cNvPr>
@@ -9468,22 +10178,19 @@
             <p:ph idx="1"/>
           </p:nvPr>
         </p:nvSpPr>
-        <p:spPr>
-          <a:xfrm>
-            <a:off x="838200" y="1825625"/>
-            <a:ext cx="10515600" cy="1603375"/>
-          </a:xfrm>
-        </p:spPr>
+        <p:spPr/>
         <p:txBody>
-          <a:bodyPr/>
+          <a:bodyPr>
+            <a:normAutofit/>
+          </a:bodyPr>
           <a:lstStyle/>
           <a:p>
             <a:pPr marL="0" indent="0">
               <a:buNone/>
             </a:pPr>
             <a:r>
-              <a:rPr lang="he-IL" dirty="0"/>
-              <a:t>אין הוכחה לאסטרטגיה עדיפה </a:t>
+              <a:rPr lang="he-IL" sz="2000" dirty="0"/>
+              <a:t>לפני התקיפה:</a:t>
             </a:r>
           </a:p>
           <a:p>
@@ -9491,115 +10198,61 @@
               <a:buNone/>
             </a:pPr>
             <a:r>
-              <a:rPr lang="he-IL" dirty="0"/>
-              <a:t>אבל אסטרטגיית מידה כנגד מידה הוכחה כיעילה באופן יחסי בטורניר של דילמת האסיר</a:t>
-            </a:r>
-            <a:endParaRPr lang="en-US" dirty="0"/>
-          </a:p>
-        </p:txBody>
-      </p:sp>
-      <p:pic>
-        <p:nvPicPr>
-          <p:cNvPr id="5" name="תמונה 4">
-            <a:extLst>
-              <a:ext uri="{FF2B5EF4-FFF2-40B4-BE49-F238E27FC236}">
-                <a16:creationId xmlns:a16="http://schemas.microsoft.com/office/drawing/2014/main" id="{4BD1E6AD-8358-4DAB-BAFE-38CC8FC42C72}"/>
-              </a:ext>
-            </a:extLst>
-          </p:cNvPr>
-          <p:cNvPicPr>
-            <a:picLocks noChangeAspect="1"/>
-          </p:cNvPicPr>
-          <p:nvPr/>
-        </p:nvPicPr>
-        <p:blipFill>
-          <a:blip r:embed="rId2">
-            <a:extLst>
-              <a:ext uri="{28A0092B-C50C-407E-A947-70E740481C1C}">
-                <a14:useLocalDpi xmlns:a14="http://schemas.microsoft.com/office/drawing/2010/main" val="0"/>
-              </a:ext>
-            </a:extLst>
-          </a:blip>
-          <a:stretch>
-            <a:fillRect/>
-          </a:stretch>
-        </p:blipFill>
-        <p:spPr>
-          <a:xfrm>
-            <a:off x="5065461" y="2883876"/>
-            <a:ext cx="3259759" cy="2748297"/>
-          </a:xfrm>
-          <a:prstGeom prst="rect">
-            <a:avLst/>
-          </a:prstGeom>
-        </p:spPr>
-      </p:pic>
-      <p:sp>
-        <p:nvSpPr>
-          <p:cNvPr id="6" name="מלבן 5">
-            <a:extLst>
-              <a:ext uri="{FF2B5EF4-FFF2-40B4-BE49-F238E27FC236}">
-                <a16:creationId xmlns:a16="http://schemas.microsoft.com/office/drawing/2014/main" id="{4BBEEF32-6869-4A1C-B6B1-3CE0286BE871}"/>
-              </a:ext>
-            </a:extLst>
-          </p:cNvPr>
-          <p:cNvSpPr/>
-          <p:nvPr/>
-        </p:nvSpPr>
-        <p:spPr>
-          <a:xfrm>
-            <a:off x="838200" y="5770847"/>
-            <a:ext cx="10293626" cy="365760"/>
-          </a:xfrm>
-          <a:prstGeom prst="rect">
-            <a:avLst/>
-          </a:prstGeom>
-          <a:solidFill>
-            <a:schemeClr val="bg1"/>
-          </a:solidFill>
-          <a:ln>
-            <a:solidFill>
-              <a:schemeClr val="bg1"/>
-            </a:solidFill>
-          </a:ln>
-        </p:spPr>
-        <p:style>
-          <a:lnRef idx="2">
-            <a:schemeClr val="accent1">
-              <a:shade val="50000"/>
-            </a:schemeClr>
-          </a:lnRef>
-          <a:fillRef idx="1">
-            <a:schemeClr val="accent1"/>
-          </a:fillRef>
-          <a:effectRef idx="0">
-            <a:schemeClr val="accent1"/>
-          </a:effectRef>
-          <a:fontRef idx="minor">
-            <a:schemeClr val="lt1"/>
-          </a:fontRef>
-        </p:style>
-        <p:txBody>
-          <a:bodyPr rtlCol="0" anchor="ctr"/>
-          <a:lstStyle/>
-          <a:p>
-            <a:pPr algn="ctr"/>
-            <a:r>
-              <a:rPr lang="en-US" dirty="0">
-                <a:solidFill>
-                  <a:schemeClr val="tx1"/>
-                </a:solidFill>
-              </a:rPr>
-              <a:t>https://www.lesswrong.com/posts/hamma4XgeNrsvAJv5/prisoner-s-dilemma-tournament-results</a:t>
-            </a:r>
-            <a:endParaRPr lang="en-US" dirty="0"/>
+              <a:rPr lang="he-IL" sz="2000" dirty="0"/>
+              <a:t>קבוצה 1 – 3 כורים, 30% כוח כרייה, רווח ממוצע לכורה 1.</a:t>
+            </a:r>
+          </a:p>
+          <a:p>
+            <a:pPr marL="0" indent="0">
+              <a:buNone/>
+            </a:pPr>
+            <a:r>
+              <a:rPr lang="he-IL" sz="2000" dirty="0"/>
+              <a:t>קבוצה 2 – 3 כורים, 30% כוח כרייה, רווח ממוצע לכורה 1.</a:t>
+            </a:r>
+            <a:endParaRPr lang="en-US" sz="2000" dirty="0"/>
+          </a:p>
+          <a:p>
+            <a:pPr marL="0" indent="0">
+              <a:buNone/>
+            </a:pPr>
+            <a:endParaRPr lang="he-IL" sz="2000" dirty="0"/>
+          </a:p>
+          <a:p>
+            <a:pPr marL="0" indent="0">
+              <a:buNone/>
+            </a:pPr>
+            <a:r>
+              <a:rPr lang="he-IL" sz="2000" dirty="0"/>
+              <a:t>אחרי התקיפה:</a:t>
+            </a:r>
+          </a:p>
+          <a:p>
+            <a:pPr marL="0" indent="0">
+              <a:buNone/>
+            </a:pPr>
+            <a:r>
+              <a:rPr lang="he-IL" sz="2000" dirty="0"/>
+              <a:t>קבוצה 1 – 2 כורים(שבאמת כורים), 2/9 % כוח כרייה, רווח ממוצע לכורה 11/12 = 3/(2+3/4).</a:t>
+            </a:r>
+            <a:endParaRPr lang="en-US" sz="2000" dirty="0"/>
+          </a:p>
+          <a:p>
+            <a:pPr marL="0" indent="0">
+              <a:buNone/>
+            </a:pPr>
+            <a:r>
+              <a:rPr lang="he-IL" sz="2000" dirty="0"/>
+              <a:t>קבוצה 2 – 4 כורים(3 שבאמת כורים), 3/9 % כוח כרייה, רווח ממוצע לכורה 3/4 = 3/4.</a:t>
+            </a:r>
+            <a:endParaRPr lang="en-US" sz="2000" dirty="0"/>
           </a:p>
         </p:txBody>
       </p:sp>
     </p:spTree>
     <p:extLst>
       <p:ext uri="{BB962C8B-B14F-4D97-AF65-F5344CB8AC3E}">
-        <p14:creationId xmlns:p14="http://schemas.microsoft.com/office/powerpoint/2010/main" val="3037372213"/>
+        <p14:creationId xmlns:p14="http://schemas.microsoft.com/office/powerpoint/2010/main" val="2391065454"/>
       </p:ext>
     </p:extLst>
   </p:cSld>
@@ -9631,7 +10284,7 @@
           <p:cNvPr id="2" name="כותרת 1">
             <a:extLst>
               <a:ext uri="{FF2B5EF4-FFF2-40B4-BE49-F238E27FC236}">
-                <a16:creationId xmlns:a16="http://schemas.microsoft.com/office/drawing/2014/main" id="{493228D5-1ACF-4C50-B7E9-4ACCB1605B6C}"/>
+                <a16:creationId xmlns:a16="http://schemas.microsoft.com/office/drawing/2014/main" id="{D08E3977-A6EF-438B-8855-270E72CEC51E}"/>
               </a:ext>
             </a:extLst>
           </p:cNvPr>
@@ -9649,8 +10302,275 @@
           <a:p>
             <a:pPr algn="ctr"/>
             <a:r>
+              <a:rPr lang="en-US" dirty="0"/>
+              <a:t>Block withholding attack</a:t>
+            </a:r>
+          </a:p>
+        </p:txBody>
+      </p:sp>
+      <p:pic>
+        <p:nvPicPr>
+          <p:cNvPr id="5" name="מציין מיקום תוכן 4">
+            <a:extLst>
+              <a:ext uri="{FF2B5EF4-FFF2-40B4-BE49-F238E27FC236}">
+                <a16:creationId xmlns:a16="http://schemas.microsoft.com/office/drawing/2014/main" id="{39B798AE-8C64-4BD4-834A-DFE9EED63B0D}"/>
+              </a:ext>
+            </a:extLst>
+          </p:cNvPr>
+          <p:cNvPicPr>
+            <a:picLocks noGrp="1" noChangeAspect="1"/>
+          </p:cNvPicPr>
+          <p:nvPr>
+            <p:ph idx="1"/>
+          </p:nvPr>
+        </p:nvPicPr>
+        <p:blipFill>
+          <a:blip r:embed="rId2">
+            <a:extLst>
+              <a:ext uri="{28A0092B-C50C-407E-A947-70E740481C1C}">
+                <a14:useLocalDpi xmlns:a14="http://schemas.microsoft.com/office/drawing/2010/main" val="0"/>
+              </a:ext>
+            </a:extLst>
+          </a:blip>
+          <a:stretch>
+            <a:fillRect/>
+          </a:stretch>
+        </p:blipFill>
+        <p:spPr>
+          <a:xfrm>
+            <a:off x="2347748" y="1690688"/>
+            <a:ext cx="4395495" cy="1056608"/>
+          </a:xfrm>
+        </p:spPr>
+      </p:pic>
+      <p:sp>
+        <p:nvSpPr>
+          <p:cNvPr id="7" name="TextBox 6">
+            <a:extLst>
+              <a:ext uri="{FF2B5EF4-FFF2-40B4-BE49-F238E27FC236}">
+                <a16:creationId xmlns:a16="http://schemas.microsoft.com/office/drawing/2014/main" id="{0F1247B5-2383-4563-805B-A636CE08BE57}"/>
+              </a:ext>
+            </a:extLst>
+          </p:cNvPr>
+          <p:cNvSpPr txBox="1"/>
+          <p:nvPr/>
+        </p:nvSpPr>
+        <p:spPr>
+          <a:xfrm>
+            <a:off x="8085658" y="1867346"/>
+            <a:ext cx="3536497" cy="461665"/>
+          </a:xfrm>
+          <a:prstGeom prst="rect">
+            <a:avLst/>
+          </a:prstGeom>
+          <a:noFill/>
+        </p:spPr>
+        <p:txBody>
+          <a:bodyPr wrap="square" rtlCol="0">
+            <a:spAutoFit/>
+          </a:bodyPr>
+          <a:lstStyle/>
+          <a:p>
+            <a:r>
+              <a:rPr lang="he-IL" sz="2400" dirty="0"/>
+              <a:t>בצורה קצת יותר פורמלית:</a:t>
+            </a:r>
+            <a:endParaRPr lang="en-US" sz="2400" dirty="0"/>
+          </a:p>
+        </p:txBody>
+      </p:sp>
+      <p:sp>
+        <p:nvSpPr>
+          <p:cNvPr id="8" name="TextBox 7">
+            <a:extLst>
+              <a:ext uri="{FF2B5EF4-FFF2-40B4-BE49-F238E27FC236}">
+                <a16:creationId xmlns:a16="http://schemas.microsoft.com/office/drawing/2014/main" id="{F37F4207-BE36-46EF-BAB7-01DCC5E5954F}"/>
+              </a:ext>
+            </a:extLst>
+          </p:cNvPr>
+          <p:cNvSpPr txBox="1"/>
+          <p:nvPr/>
+        </p:nvSpPr>
+        <p:spPr>
+          <a:xfrm>
+            <a:off x="2146853" y="4110705"/>
+            <a:ext cx="9395788" cy="646331"/>
+          </a:xfrm>
+          <a:prstGeom prst="rect">
+            <a:avLst/>
+          </a:prstGeom>
+          <a:noFill/>
+        </p:spPr>
+        <p:txBody>
+          <a:bodyPr wrap="square" rtlCol="0">
+            <a:spAutoFit/>
+          </a:bodyPr>
+          <a:lstStyle/>
+          <a:p>
+            <a:r>
               <a:rPr lang="he-IL" dirty="0"/>
-              <a:t>שיטות להתמודד עם התקיפה</a:t>
+              <a:t>את הדבר הזה קיבלנו מהמשוואות 3 שקופיות אחורה, ניתן לדעת את אחוז הכורים שצריך לשלוח כדי למקסם את הרווחים.</a:t>
+            </a:r>
+            <a:endParaRPr lang="en-US" dirty="0"/>
+          </a:p>
+        </p:txBody>
+      </p:sp>
+    </p:spTree>
+    <p:extLst>
+      <p:ext uri="{BB962C8B-B14F-4D97-AF65-F5344CB8AC3E}">
+        <p14:creationId xmlns:p14="http://schemas.microsoft.com/office/powerpoint/2010/main" val="2326070081"/>
+      </p:ext>
+    </p:extLst>
+  </p:cSld>
+  <p:clrMapOvr>
+    <a:masterClrMapping/>
+  </p:clrMapOvr>
+</p:sld>
+</file>
+
+<file path=ppt/slides/slide24.xml><?xml version="1.0" encoding="utf-8"?>
+<p:sld xmlns:a="http://schemas.openxmlformats.org/drawingml/2006/main" xmlns:r="http://schemas.openxmlformats.org/officeDocument/2006/relationships" xmlns:p="http://schemas.openxmlformats.org/presentationml/2006/main">
+  <p:cSld>
+    <p:spTree>
+      <p:nvGrpSpPr>
+        <p:cNvPr id="1" name=""/>
+        <p:cNvGrpSpPr/>
+        <p:nvPr/>
+      </p:nvGrpSpPr>
+      <p:grpSpPr>
+        <a:xfrm>
+          <a:off x="0" y="0"/>
+          <a:ext cx="0" cy="0"/>
+          <a:chOff x="0" y="0"/>
+          <a:chExt cx="0" cy="0"/>
+        </a:xfrm>
+      </p:grpSpPr>
+      <p:pic>
+        <p:nvPicPr>
+          <p:cNvPr id="5" name="מציין מיקום תוכן 4">
+            <a:extLst>
+              <a:ext uri="{FF2B5EF4-FFF2-40B4-BE49-F238E27FC236}">
+                <a16:creationId xmlns:a16="http://schemas.microsoft.com/office/drawing/2014/main" id="{8C962936-FD05-4CD4-AD80-EDC5C24202DF}"/>
+              </a:ext>
+            </a:extLst>
+          </p:cNvPr>
+          <p:cNvPicPr>
+            <a:picLocks noGrp="1" noChangeAspect="1"/>
+          </p:cNvPicPr>
+          <p:nvPr>
+            <p:ph idx="1"/>
+          </p:nvPr>
+        </p:nvPicPr>
+        <p:blipFill>
+          <a:blip r:embed="rId2">
+            <a:extLst>
+              <a:ext uri="{28A0092B-C50C-407E-A947-70E740481C1C}">
+                <a14:useLocalDpi xmlns:a14="http://schemas.microsoft.com/office/drawing/2010/main" val="0"/>
+              </a:ext>
+            </a:extLst>
+          </a:blip>
+          <a:stretch>
+            <a:fillRect/>
+          </a:stretch>
+        </p:blipFill>
+        <p:spPr>
+          <a:xfrm>
+            <a:off x="154828" y="1134097"/>
+            <a:ext cx="11882344" cy="4802187"/>
+          </a:xfrm>
+        </p:spPr>
+      </p:pic>
+      <p:sp>
+        <p:nvSpPr>
+          <p:cNvPr id="6" name="TextBox 5">
+            <a:extLst>
+              <a:ext uri="{FF2B5EF4-FFF2-40B4-BE49-F238E27FC236}">
+                <a16:creationId xmlns:a16="http://schemas.microsoft.com/office/drawing/2014/main" id="{918896C4-546E-433C-8550-DB3D11BB3D47}"/>
+              </a:ext>
+            </a:extLst>
+          </p:cNvPr>
+          <p:cNvSpPr txBox="1"/>
+          <p:nvPr/>
+        </p:nvSpPr>
+        <p:spPr>
+          <a:xfrm>
+            <a:off x="3392557" y="543339"/>
+            <a:ext cx="7129669" cy="461665"/>
+          </a:xfrm>
+          <a:prstGeom prst="rect">
+            <a:avLst/>
+          </a:prstGeom>
+          <a:noFill/>
+        </p:spPr>
+        <p:txBody>
+          <a:bodyPr wrap="square" rtlCol="0">
+            <a:spAutoFit/>
+          </a:bodyPr>
+          <a:lstStyle/>
+          <a:p>
+            <a:r>
+              <a:rPr lang="he-IL" sz="2400" dirty="0"/>
+              <a:t>אופטימיזציה לאחוז הכורים שצריכים לשלוח לתקיפה:</a:t>
+            </a:r>
+            <a:endParaRPr lang="en-US" sz="2400" dirty="0"/>
+          </a:p>
+        </p:txBody>
+      </p:sp>
+    </p:spTree>
+    <p:extLst>
+      <p:ext uri="{BB962C8B-B14F-4D97-AF65-F5344CB8AC3E}">
+        <p14:creationId xmlns:p14="http://schemas.microsoft.com/office/powerpoint/2010/main" val="986338203"/>
+      </p:ext>
+    </p:extLst>
+  </p:cSld>
+  <p:clrMapOvr>
+    <a:masterClrMapping/>
+  </p:clrMapOvr>
+</p:sld>
+</file>
+
+<file path=ppt/slides/slide25.xml><?xml version="1.0" encoding="utf-8"?>
+<p:sld xmlns:a="http://schemas.openxmlformats.org/drawingml/2006/main" xmlns:r="http://schemas.openxmlformats.org/officeDocument/2006/relationships" xmlns:p="http://schemas.openxmlformats.org/presentationml/2006/main">
+  <p:cSld>
+    <p:spTree>
+      <p:nvGrpSpPr>
+        <p:cNvPr id="1" name=""/>
+        <p:cNvGrpSpPr/>
+        <p:nvPr/>
+      </p:nvGrpSpPr>
+      <p:grpSpPr>
+        <a:xfrm>
+          <a:off x="0" y="0"/>
+          <a:ext cx="0" cy="0"/>
+          <a:chOff x="0" y="0"/>
+          <a:chExt cx="0" cy="0"/>
+        </a:xfrm>
+      </p:grpSpPr>
+      <p:sp>
+        <p:nvSpPr>
+          <p:cNvPr id="2" name="כותרת 1">
+            <a:extLst>
+              <a:ext uri="{FF2B5EF4-FFF2-40B4-BE49-F238E27FC236}">
+                <a16:creationId xmlns:a16="http://schemas.microsoft.com/office/drawing/2014/main" id="{94D4060E-6B5C-4136-95E8-BCC193F885B6}"/>
+              </a:ext>
+            </a:extLst>
+          </p:cNvPr>
+          <p:cNvSpPr>
+            <a:spLocks noGrp="1"/>
+          </p:cNvSpPr>
+          <p:nvPr>
+            <p:ph type="title"/>
+          </p:nvPr>
+        </p:nvSpPr>
+        <p:spPr/>
+        <p:txBody>
+          <a:bodyPr/>
+          <a:lstStyle/>
+          <a:p>
+            <a:pPr algn="ctr"/>
+            <a:r>
+              <a:rPr lang="he-IL" dirty="0"/>
+              <a:t>המשחק</a:t>
             </a:r>
             <a:endParaRPr lang="en-US" dirty="0"/>
           </a:p>
@@ -9661,7 +10581,7 @@
           <p:cNvPr id="3" name="מציין מיקום תוכן 2">
             <a:extLst>
               <a:ext uri="{FF2B5EF4-FFF2-40B4-BE49-F238E27FC236}">
-                <a16:creationId xmlns:a16="http://schemas.microsoft.com/office/drawing/2014/main" id="{CB34039A-37A8-4625-B3FE-248D3258CF20}"/>
+                <a16:creationId xmlns:a16="http://schemas.microsoft.com/office/drawing/2014/main" id="{D1C20A07-D6BC-4C39-A6C1-73E24D6090C9}"/>
               </a:ext>
             </a:extLst>
           </p:cNvPr>
@@ -9679,67 +10599,560 @@
           <a:p>
             <a:r>
               <a:rPr lang="he-IL" dirty="0"/>
-              <a:t>חלוקת בונוסים לאנשים עם וותק או לאנשים שמספקים </a:t>
-            </a:r>
-            <a:r>
-              <a:rPr lang="en-US" dirty="0"/>
-              <a:t>full proof of work</a:t>
-            </a:r>
+              <a:t>שתי קבוצות שלא משתפות פעולה</a:t>
+            </a:r>
+          </a:p>
+          <a:p>
             <a:r>
               <a:rPr lang="he-IL" dirty="0"/>
-              <a:t>.</a:t>
-            </a:r>
-          </a:p>
-          <a:p>
-            <a:pPr marL="0" indent="0">
-              <a:buNone/>
-            </a:pPr>
+              <a:t>המשחק הוא בעל חזרות – כל סיבוב ניתן לשנות אסטרטגיה (לתקוף או לא)</a:t>
+            </a:r>
+          </a:p>
+          <a:p>
             <a:r>
               <a:rPr lang="he-IL" dirty="0"/>
-              <a:t>*הופך את הקבוצה לפחות אטרקטיבית לכורים חדשים או קטנים, מקטין את המשאבים הפוטנציאלים -&gt; מקטין רווחים פוטנציאלי.</a:t>
-            </a:r>
-          </a:p>
-          <a:p>
-            <a:pPr marL="0" indent="0">
-              <a:buNone/>
-            </a:pPr>
-            <a:endParaRPr lang="he-IL" dirty="0"/>
+              <a:t>כל קבוצה יודעת מה הרווח של עצמה ואת הרווח של הקבוצה השנייה</a:t>
+            </a:r>
           </a:p>
           <a:p>
             <a:r>
               <a:rPr lang="he-IL" dirty="0"/>
-              <a:t>מלכודת – נותנים לכורה משימה עם פתרון קל ולכן מצפים שהוא ייתן את </a:t>
-            </a:r>
-            <a:r>
-              <a:rPr lang="en-US" dirty="0"/>
-              <a:t>full proof of work</a:t>
-            </a:r>
-            <a:r>
-              <a:rPr lang="he-IL" dirty="0"/>
-              <a:t>.</a:t>
-            </a:r>
-          </a:p>
-          <a:p>
-            <a:pPr marL="0" indent="0">
-              <a:buNone/>
-            </a:pPr>
-            <a:r>
-              <a:rPr lang="he-IL" dirty="0"/>
-              <a:t>*לוקח המון זמן לעשות את זה כמו שצריך ולוקח הרבה משאבים שיכלו לנסות לפתור פאזלים אמתיים -&gt; מקטין רווחים.</a:t>
-            </a:r>
-          </a:p>
-          <a:p>
-            <a:r>
-              <a:rPr lang="he-IL" dirty="0"/>
-              <a:t>הפיכת הקבוצות לסגורות.</a:t>
-            </a:r>
+              <a:t>מניחים שהקבוצות פתוחות.</a:t>
+            </a:r>
+            <a:endParaRPr lang="en-US" dirty="0"/>
           </a:p>
         </p:txBody>
       </p:sp>
     </p:spTree>
     <p:extLst>
       <p:ext uri="{BB962C8B-B14F-4D97-AF65-F5344CB8AC3E}">
-        <p14:creationId xmlns:p14="http://schemas.microsoft.com/office/powerpoint/2010/main" val="1484296688"/>
+        <p14:creationId xmlns:p14="http://schemas.microsoft.com/office/powerpoint/2010/main" val="1758900522"/>
+      </p:ext>
+    </p:extLst>
+  </p:cSld>
+  <p:clrMapOvr>
+    <a:masterClrMapping/>
+  </p:clrMapOvr>
+</p:sld>
+</file>
+
+<file path=ppt/slides/slide26.xml><?xml version="1.0" encoding="utf-8"?>
+<p:sld xmlns:a="http://schemas.openxmlformats.org/drawingml/2006/main" xmlns:r="http://schemas.openxmlformats.org/officeDocument/2006/relationships" xmlns:p="http://schemas.openxmlformats.org/presentationml/2006/main">
+  <p:cSld>
+    <p:spTree>
+      <p:nvGrpSpPr>
+        <p:cNvPr id="1" name=""/>
+        <p:cNvGrpSpPr/>
+        <p:nvPr/>
+      </p:nvGrpSpPr>
+      <p:grpSpPr>
+        <a:xfrm>
+          <a:off x="0" y="0"/>
+          <a:ext cx="0" cy="0"/>
+          <a:chOff x="0" y="0"/>
+          <a:chExt cx="0" cy="0"/>
+        </a:xfrm>
+      </p:grpSpPr>
+      <p:sp>
+        <p:nvSpPr>
+          <p:cNvPr id="2" name="כותרת 1">
+            <a:extLst>
+              <a:ext uri="{FF2B5EF4-FFF2-40B4-BE49-F238E27FC236}">
+                <a16:creationId xmlns:a16="http://schemas.microsoft.com/office/drawing/2014/main" id="{E5051FA8-E07B-42AF-81E7-C7B8DBC8F441}"/>
+              </a:ext>
+            </a:extLst>
+          </p:cNvPr>
+          <p:cNvSpPr>
+            <a:spLocks noGrp="1"/>
+          </p:cNvSpPr>
+          <p:nvPr>
+            <p:ph type="title"/>
+          </p:nvPr>
+        </p:nvSpPr>
+        <p:spPr/>
+        <p:txBody>
+          <a:bodyPr/>
+          <a:lstStyle/>
+          <a:p>
+            <a:pPr algn="ctr"/>
+            <a:r>
+              <a:rPr lang="he-IL" dirty="0"/>
+              <a:t>המשחק</a:t>
+            </a:r>
+            <a:endParaRPr lang="en-US" dirty="0"/>
+          </a:p>
+        </p:txBody>
+      </p:sp>
+      <p:sp>
+        <p:nvSpPr>
+          <p:cNvPr id="3" name="מציין מיקום תוכן 2">
+            <a:extLst>
+              <a:ext uri="{FF2B5EF4-FFF2-40B4-BE49-F238E27FC236}">
+                <a16:creationId xmlns:a16="http://schemas.microsoft.com/office/drawing/2014/main" id="{7A1E07AE-CC35-45E5-A6C2-B36B5E35853E}"/>
+              </a:ext>
+            </a:extLst>
+          </p:cNvPr>
+          <p:cNvSpPr>
+            <a:spLocks noGrp="1"/>
+          </p:cNvSpPr>
+          <p:nvPr>
+            <p:ph idx="1"/>
+          </p:nvPr>
+        </p:nvSpPr>
+        <p:spPr>
+          <a:xfrm>
+            <a:off x="838200" y="1825625"/>
+            <a:ext cx="10515600" cy="3912566"/>
+          </a:xfrm>
+        </p:spPr>
+        <p:txBody>
+          <a:bodyPr/>
+          <a:lstStyle/>
+          <a:p>
+            <a:r>
+              <a:rPr lang="he-IL" dirty="0"/>
+              <a:t>בעצם המשחק עצמו הוא כמו הבעיה בתורת המשחקים של דילמת האסיר עם חזרות.</a:t>
+            </a:r>
+          </a:p>
+          <a:p>
+            <a:r>
+              <a:rPr lang="he-IL" dirty="0"/>
+              <a:t>במשחקים עם חזרות יש יותר היבטים ממתמטיקה פשוטה:</a:t>
+            </a:r>
+          </a:p>
+          <a:p>
+            <a:r>
+              <a:rPr lang="he-IL" dirty="0"/>
+              <a:t>יש היבט פסיכולוגי</a:t>
+            </a:r>
+          </a:p>
+          <a:p>
+            <a:r>
+              <a:rPr lang="he-IL" dirty="0"/>
+              <a:t>היבט רציונלי</a:t>
+            </a:r>
+          </a:p>
+          <a:p>
+            <a:r>
+              <a:rPr lang="he-IL" dirty="0"/>
+              <a:t>והחשוב מכל אסטרטגיה לטווח ארוך</a:t>
+            </a:r>
+            <a:endParaRPr lang="en-US" dirty="0"/>
+          </a:p>
+        </p:txBody>
+      </p:sp>
+    </p:spTree>
+    <p:extLst>
+      <p:ext uri="{BB962C8B-B14F-4D97-AF65-F5344CB8AC3E}">
+        <p14:creationId xmlns:p14="http://schemas.microsoft.com/office/powerpoint/2010/main" val="3344461376"/>
+      </p:ext>
+    </p:extLst>
+  </p:cSld>
+  <p:clrMapOvr>
+    <a:masterClrMapping/>
+  </p:clrMapOvr>
+</p:sld>
+</file>
+
+<file path=ppt/slides/slide27.xml><?xml version="1.0" encoding="utf-8"?>
+<p:sld xmlns:a="http://schemas.openxmlformats.org/drawingml/2006/main" xmlns:r="http://schemas.openxmlformats.org/officeDocument/2006/relationships" xmlns:p="http://schemas.openxmlformats.org/presentationml/2006/main">
+  <p:cSld>
+    <p:spTree>
+      <p:nvGrpSpPr>
+        <p:cNvPr id="1" name=""/>
+        <p:cNvGrpSpPr/>
+        <p:nvPr/>
+      </p:nvGrpSpPr>
+      <p:grpSpPr>
+        <a:xfrm>
+          <a:off x="0" y="0"/>
+          <a:ext cx="0" cy="0"/>
+          <a:chOff x="0" y="0"/>
+          <a:chExt cx="0" cy="0"/>
+        </a:xfrm>
+      </p:grpSpPr>
+      <p:sp>
+        <p:nvSpPr>
+          <p:cNvPr id="2" name="כותרת 1">
+            <a:extLst>
+              <a:ext uri="{FF2B5EF4-FFF2-40B4-BE49-F238E27FC236}">
+                <a16:creationId xmlns:a16="http://schemas.microsoft.com/office/drawing/2014/main" id="{1A46F434-5326-469B-B608-0A7375518E10}"/>
+              </a:ext>
+            </a:extLst>
+          </p:cNvPr>
+          <p:cNvSpPr>
+            <a:spLocks noGrp="1"/>
+          </p:cNvSpPr>
+          <p:nvPr>
+            <p:ph type="title"/>
+          </p:nvPr>
+        </p:nvSpPr>
+        <p:spPr/>
+        <p:txBody>
+          <a:bodyPr/>
+          <a:lstStyle/>
+          <a:p>
+            <a:pPr algn="ctr"/>
+            <a:r>
+              <a:rPr lang="he-IL" dirty="0"/>
+              <a:t>המשחק</a:t>
+            </a:r>
+            <a:endParaRPr lang="en-US" dirty="0"/>
+          </a:p>
+        </p:txBody>
+      </p:sp>
+      <p:sp>
+        <p:nvSpPr>
+          <p:cNvPr id="3" name="מציין מיקום תוכן 2">
+            <a:extLst>
+              <a:ext uri="{FF2B5EF4-FFF2-40B4-BE49-F238E27FC236}">
+                <a16:creationId xmlns:a16="http://schemas.microsoft.com/office/drawing/2014/main" id="{839E2EF0-91B2-459B-9B73-087019A68D71}"/>
+              </a:ext>
+            </a:extLst>
+          </p:cNvPr>
+          <p:cNvSpPr>
+            <a:spLocks noGrp="1"/>
+          </p:cNvSpPr>
+          <p:nvPr>
+            <p:ph idx="1"/>
+          </p:nvPr>
+        </p:nvSpPr>
+        <p:spPr>
+          <a:xfrm>
+            <a:off x="838200" y="1825625"/>
+            <a:ext cx="10515600" cy="1603375"/>
+          </a:xfrm>
+        </p:spPr>
+        <p:txBody>
+          <a:bodyPr/>
+          <a:lstStyle/>
+          <a:p>
+            <a:pPr marL="0" indent="0">
+              <a:buNone/>
+            </a:pPr>
+            <a:r>
+              <a:rPr lang="he-IL" dirty="0"/>
+              <a:t>אין הוכחה לאסטרטגיה עדיפה </a:t>
+            </a:r>
+          </a:p>
+          <a:p>
+            <a:pPr marL="0" indent="0">
+              <a:buNone/>
+            </a:pPr>
+            <a:r>
+              <a:rPr lang="he-IL" dirty="0"/>
+              <a:t>אבל אסטרטגיית מידה כנגד מידה הוכחה כיעילה באופן יחסי בטורניר של דילמת האסיר</a:t>
+            </a:r>
+            <a:endParaRPr lang="en-US" dirty="0"/>
+          </a:p>
+        </p:txBody>
+      </p:sp>
+      <p:pic>
+        <p:nvPicPr>
+          <p:cNvPr id="5" name="תמונה 4">
+            <a:extLst>
+              <a:ext uri="{FF2B5EF4-FFF2-40B4-BE49-F238E27FC236}">
+                <a16:creationId xmlns:a16="http://schemas.microsoft.com/office/drawing/2014/main" id="{4BD1E6AD-8358-4DAB-BAFE-38CC8FC42C72}"/>
+              </a:ext>
+            </a:extLst>
+          </p:cNvPr>
+          <p:cNvPicPr>
+            <a:picLocks noChangeAspect="1"/>
+          </p:cNvPicPr>
+          <p:nvPr/>
+        </p:nvPicPr>
+        <p:blipFill>
+          <a:blip r:embed="rId2">
+            <a:extLst>
+              <a:ext uri="{28A0092B-C50C-407E-A947-70E740481C1C}">
+                <a14:useLocalDpi xmlns:a14="http://schemas.microsoft.com/office/drawing/2010/main" val="0"/>
+              </a:ext>
+            </a:extLst>
+          </a:blip>
+          <a:stretch>
+            <a:fillRect/>
+          </a:stretch>
+        </p:blipFill>
+        <p:spPr>
+          <a:xfrm>
+            <a:off x="5065461" y="2883876"/>
+            <a:ext cx="3259759" cy="2748297"/>
+          </a:xfrm>
+          <a:prstGeom prst="rect">
+            <a:avLst/>
+          </a:prstGeom>
+        </p:spPr>
+      </p:pic>
+      <p:sp>
+        <p:nvSpPr>
+          <p:cNvPr id="6" name="מלבן 5">
+            <a:extLst>
+              <a:ext uri="{FF2B5EF4-FFF2-40B4-BE49-F238E27FC236}">
+                <a16:creationId xmlns:a16="http://schemas.microsoft.com/office/drawing/2014/main" id="{4BBEEF32-6869-4A1C-B6B1-3CE0286BE871}"/>
+              </a:ext>
+            </a:extLst>
+          </p:cNvPr>
+          <p:cNvSpPr/>
+          <p:nvPr/>
+        </p:nvSpPr>
+        <p:spPr>
+          <a:xfrm>
+            <a:off x="838200" y="5770847"/>
+            <a:ext cx="10293626" cy="365760"/>
+          </a:xfrm>
+          <a:prstGeom prst="rect">
+            <a:avLst/>
+          </a:prstGeom>
+          <a:solidFill>
+            <a:schemeClr val="bg1"/>
+          </a:solidFill>
+          <a:ln>
+            <a:solidFill>
+              <a:schemeClr val="bg1"/>
+            </a:solidFill>
+          </a:ln>
+        </p:spPr>
+        <p:style>
+          <a:lnRef idx="2">
+            <a:schemeClr val="accent1">
+              <a:shade val="50000"/>
+            </a:schemeClr>
+          </a:lnRef>
+          <a:fillRef idx="1">
+            <a:schemeClr val="accent1"/>
+          </a:fillRef>
+          <a:effectRef idx="0">
+            <a:schemeClr val="accent1"/>
+          </a:effectRef>
+          <a:fontRef idx="minor">
+            <a:schemeClr val="lt1"/>
+          </a:fontRef>
+        </p:style>
+        <p:txBody>
+          <a:bodyPr rtlCol="0" anchor="ctr"/>
+          <a:lstStyle/>
+          <a:p>
+            <a:pPr algn="ctr"/>
+            <a:r>
+              <a:rPr lang="en-US" dirty="0">
+                <a:solidFill>
+                  <a:schemeClr val="tx1"/>
+                </a:solidFill>
+              </a:rPr>
+              <a:t>https://www.lesswrong.com/posts/hamma4XgeNrsvAJv5/prisoner-s-dilemma-tournament-results</a:t>
+            </a:r>
+            <a:endParaRPr lang="en-US" dirty="0"/>
+          </a:p>
+        </p:txBody>
+      </p:sp>
+    </p:spTree>
+    <p:extLst>
+      <p:ext uri="{BB962C8B-B14F-4D97-AF65-F5344CB8AC3E}">
+        <p14:creationId xmlns:p14="http://schemas.microsoft.com/office/powerpoint/2010/main" val="3037372213"/>
+      </p:ext>
+    </p:extLst>
+  </p:cSld>
+  <p:clrMapOvr>
+    <a:masterClrMapping/>
+  </p:clrMapOvr>
+</p:sld>
+</file>
+
+<file path=ppt/slides/slide28.xml><?xml version="1.0" encoding="utf-8"?>
+<p:sld xmlns:a="http://schemas.openxmlformats.org/drawingml/2006/main" xmlns:r="http://schemas.openxmlformats.org/officeDocument/2006/relationships" xmlns:p="http://schemas.openxmlformats.org/presentationml/2006/main">
+  <p:cSld>
+    <p:spTree>
+      <p:nvGrpSpPr>
+        <p:cNvPr id="1" name=""/>
+        <p:cNvGrpSpPr/>
+        <p:nvPr/>
+      </p:nvGrpSpPr>
+      <p:grpSpPr>
+        <a:xfrm>
+          <a:off x="0" y="0"/>
+          <a:ext cx="0" cy="0"/>
+          <a:chOff x="0" y="0"/>
+          <a:chExt cx="0" cy="0"/>
+        </a:xfrm>
+      </p:grpSpPr>
+      <p:sp>
+        <p:nvSpPr>
+          <p:cNvPr id="2" name="כותרת 1">
+            <a:extLst>
+              <a:ext uri="{FF2B5EF4-FFF2-40B4-BE49-F238E27FC236}">
+                <a16:creationId xmlns:a16="http://schemas.microsoft.com/office/drawing/2014/main" id="{99AD7B82-86CA-440D-AB80-07498720DF59}"/>
+              </a:ext>
+            </a:extLst>
+          </p:cNvPr>
+          <p:cNvSpPr>
+            <a:spLocks noGrp="1"/>
+          </p:cNvSpPr>
+          <p:nvPr>
+            <p:ph type="title"/>
+          </p:nvPr>
+        </p:nvSpPr>
+        <p:spPr/>
+        <p:txBody>
+          <a:bodyPr/>
+          <a:lstStyle/>
+          <a:p>
+            <a:pPr algn="ctr"/>
+            <a:r>
+              <a:rPr lang="he-IL" dirty="0"/>
+              <a:t>המשחק</a:t>
+            </a:r>
+            <a:endParaRPr lang="en-US" dirty="0"/>
+          </a:p>
+        </p:txBody>
+      </p:sp>
+      <p:sp>
+        <p:nvSpPr>
+          <p:cNvPr id="3" name="מציין מיקום תוכן 2">
+            <a:extLst>
+              <a:ext uri="{FF2B5EF4-FFF2-40B4-BE49-F238E27FC236}">
+                <a16:creationId xmlns:a16="http://schemas.microsoft.com/office/drawing/2014/main" id="{3C66F322-8919-4D51-B1C2-5AD935A36048}"/>
+              </a:ext>
+            </a:extLst>
+          </p:cNvPr>
+          <p:cNvSpPr>
+            <a:spLocks noGrp="1"/>
+          </p:cNvSpPr>
+          <p:nvPr>
+            <p:ph idx="1"/>
+          </p:nvPr>
+        </p:nvSpPr>
+        <p:spPr>
+          <a:xfrm>
+            <a:off x="838200" y="1825625"/>
+            <a:ext cx="10515600" cy="1421158"/>
+          </a:xfrm>
+        </p:spPr>
+        <p:txBody>
+          <a:bodyPr/>
+          <a:lstStyle/>
+          <a:p>
+            <a:r>
+              <a:rPr lang="he-IL" dirty="0"/>
+              <a:t>כל קבוצה מחליטה אם לתקוף או לא את הקבוצה השנייה</a:t>
+            </a:r>
+          </a:p>
+          <a:p>
+            <a:r>
+              <a:rPr lang="he-IL" dirty="0"/>
+              <a:t>ההחלטה מתבצעת על בסיס הרווחים של הקבוצה ומה אחוז הכורים שנשלחו לתקיפה.</a:t>
+            </a:r>
+            <a:endParaRPr lang="en-US" dirty="0"/>
+          </a:p>
+        </p:txBody>
+      </p:sp>
+    </p:spTree>
+    <p:extLst>
+      <p:ext uri="{BB962C8B-B14F-4D97-AF65-F5344CB8AC3E}">
+        <p14:creationId xmlns:p14="http://schemas.microsoft.com/office/powerpoint/2010/main" val="4039644540"/>
+      </p:ext>
+    </p:extLst>
+  </p:cSld>
+  <p:clrMapOvr>
+    <a:masterClrMapping/>
+  </p:clrMapOvr>
+</p:sld>
+</file>
+
+<file path=ppt/slides/slide29.xml><?xml version="1.0" encoding="utf-8"?>
+<p:sld xmlns:a="http://schemas.openxmlformats.org/drawingml/2006/main" xmlns:r="http://schemas.openxmlformats.org/officeDocument/2006/relationships" xmlns:p="http://schemas.openxmlformats.org/presentationml/2006/main">
+  <p:cSld>
+    <p:spTree>
+      <p:nvGrpSpPr>
+        <p:cNvPr id="1" name=""/>
+        <p:cNvGrpSpPr/>
+        <p:nvPr/>
+      </p:nvGrpSpPr>
+      <p:grpSpPr>
+        <a:xfrm>
+          <a:off x="0" y="0"/>
+          <a:ext cx="0" cy="0"/>
+          <a:chOff x="0" y="0"/>
+          <a:chExt cx="0" cy="0"/>
+        </a:xfrm>
+      </p:grpSpPr>
+      <p:sp>
+        <p:nvSpPr>
+          <p:cNvPr id="2" name="כותרת 1">
+            <a:extLst>
+              <a:ext uri="{FF2B5EF4-FFF2-40B4-BE49-F238E27FC236}">
+                <a16:creationId xmlns:a16="http://schemas.microsoft.com/office/drawing/2014/main" id="{A66CEB5A-F8E9-43B0-B10E-779F810F47F6}"/>
+              </a:ext>
+            </a:extLst>
+          </p:cNvPr>
+          <p:cNvSpPr>
+            <a:spLocks noGrp="1"/>
+          </p:cNvSpPr>
+          <p:nvPr>
+            <p:ph type="title"/>
+          </p:nvPr>
+        </p:nvSpPr>
+        <p:spPr>
+          <a:xfrm>
+            <a:off x="1084270" y="1237321"/>
+            <a:ext cx="9642231" cy="661817"/>
+          </a:xfrm>
+        </p:spPr>
+        <p:txBody>
+          <a:bodyPr>
+            <a:normAutofit/>
+          </a:bodyPr>
+          <a:lstStyle/>
+          <a:p>
+            <a:r>
+              <a:rPr lang="he-IL" sz="2000" dirty="0"/>
+              <a:t>כלומר כל עוד לקבוצה השנייה יש פחות מ80% כוח מחשוב - שווה לתקוף כדי להגדיל רווחים</a:t>
+            </a:r>
+            <a:endParaRPr lang="en-US" sz="2000" dirty="0"/>
+          </a:p>
+        </p:txBody>
+      </p:sp>
+      <p:pic>
+        <p:nvPicPr>
+          <p:cNvPr id="4" name="מציין מיקום תוכן 3">
+            <a:extLst>
+              <a:ext uri="{FF2B5EF4-FFF2-40B4-BE49-F238E27FC236}">
+                <a16:creationId xmlns:a16="http://schemas.microsoft.com/office/drawing/2014/main" id="{B97239E7-1F72-4C12-B5CD-2559018ED947}"/>
+              </a:ext>
+            </a:extLst>
+          </p:cNvPr>
+          <p:cNvPicPr>
+            <a:picLocks noGrp="1" noChangeAspect="1"/>
+          </p:cNvPicPr>
+          <p:nvPr>
+            <p:ph idx="1"/>
+          </p:nvPr>
+        </p:nvPicPr>
+        <p:blipFill>
+          <a:blip r:embed="rId2">
+            <a:extLst>
+              <a:ext uri="{28A0092B-C50C-407E-A947-70E740481C1C}">
+                <a14:useLocalDpi xmlns:a14="http://schemas.microsoft.com/office/drawing/2010/main" val="0"/>
+              </a:ext>
+            </a:extLst>
+          </a:blip>
+          <a:stretch>
+            <a:fillRect/>
+          </a:stretch>
+        </p:blipFill>
+        <p:spPr>
+          <a:xfrm>
+            <a:off x="585949" y="2044385"/>
+            <a:ext cx="10140552" cy="4139001"/>
+          </a:xfrm>
+          <a:prstGeom prst="rect">
+            <a:avLst/>
+          </a:prstGeom>
+        </p:spPr>
+      </p:pic>
+    </p:spTree>
+    <p:extLst>
+      <p:ext uri="{BB962C8B-B14F-4D97-AF65-F5344CB8AC3E}">
+        <p14:creationId xmlns:p14="http://schemas.microsoft.com/office/powerpoint/2010/main" val="2788579432"/>
       </p:ext>
     </p:extLst>
   </p:cSld>
@@ -9845,6 +11258,498 @@
     <p:extLst>
       <p:ext uri="{BB962C8B-B14F-4D97-AF65-F5344CB8AC3E}">
         <p14:creationId xmlns:p14="http://schemas.microsoft.com/office/powerpoint/2010/main" val="3988579060"/>
+      </p:ext>
+    </p:extLst>
+  </p:cSld>
+  <p:clrMapOvr>
+    <a:masterClrMapping/>
+  </p:clrMapOvr>
+</p:sld>
+</file>
+
+<file path=ppt/slides/slide30.xml><?xml version="1.0" encoding="utf-8"?>
+<p:sld xmlns:a="http://schemas.openxmlformats.org/drawingml/2006/main" xmlns:r="http://schemas.openxmlformats.org/officeDocument/2006/relationships" xmlns:p="http://schemas.openxmlformats.org/presentationml/2006/main">
+  <p:cSld>
+    <p:spTree>
+      <p:nvGrpSpPr>
+        <p:cNvPr id="1" name=""/>
+        <p:cNvGrpSpPr/>
+        <p:nvPr/>
+      </p:nvGrpSpPr>
+      <p:grpSpPr>
+        <a:xfrm>
+          <a:off x="0" y="0"/>
+          <a:ext cx="0" cy="0"/>
+          <a:chOff x="0" y="0"/>
+          <a:chExt cx="0" cy="0"/>
+        </a:xfrm>
+      </p:grpSpPr>
+      <p:sp>
+        <p:nvSpPr>
+          <p:cNvPr id="2" name="כותרת 1">
+            <a:extLst>
+              <a:ext uri="{FF2B5EF4-FFF2-40B4-BE49-F238E27FC236}">
+                <a16:creationId xmlns:a16="http://schemas.microsoft.com/office/drawing/2014/main" id="{0EE83BD5-8B2E-40F0-A4DF-3C11582766F7}"/>
+              </a:ext>
+            </a:extLst>
+          </p:cNvPr>
+          <p:cNvSpPr>
+            <a:spLocks noGrp="1"/>
+          </p:cNvSpPr>
+          <p:nvPr>
+            <p:ph type="title"/>
+          </p:nvPr>
+        </p:nvSpPr>
+        <p:spPr>
+          <a:xfrm>
+            <a:off x="2508152" y="956602"/>
+            <a:ext cx="7175695" cy="649679"/>
+          </a:xfrm>
+        </p:spPr>
+        <p:txBody>
+          <a:bodyPr>
+            <a:normAutofit/>
+          </a:bodyPr>
+          <a:lstStyle/>
+          <a:p>
+            <a:r>
+              <a:rPr lang="he-IL" sz="2000" dirty="0"/>
+              <a:t>כלומר אם אתה מחזיק פחות מ50% מכוח המחשוב אתה תפסיד ברווח הכללי.</a:t>
+            </a:r>
+            <a:endParaRPr lang="en-US" sz="2000" dirty="0"/>
+          </a:p>
+        </p:txBody>
+      </p:sp>
+      <p:pic>
+        <p:nvPicPr>
+          <p:cNvPr id="5" name="מציין מיקום תוכן 4">
+            <a:extLst>
+              <a:ext uri="{FF2B5EF4-FFF2-40B4-BE49-F238E27FC236}">
+                <a16:creationId xmlns:a16="http://schemas.microsoft.com/office/drawing/2014/main" id="{A4398AC1-6495-4673-8D96-B983468DC4EC}"/>
+              </a:ext>
+            </a:extLst>
+          </p:cNvPr>
+          <p:cNvPicPr>
+            <a:picLocks noGrp="1" noChangeAspect="1"/>
+          </p:cNvPicPr>
+          <p:nvPr>
+            <p:ph idx="1"/>
+          </p:nvPr>
+        </p:nvPicPr>
+        <p:blipFill>
+          <a:blip r:embed="rId2">
+            <a:extLst>
+              <a:ext uri="{28A0092B-C50C-407E-A947-70E740481C1C}">
+                <a14:useLocalDpi xmlns:a14="http://schemas.microsoft.com/office/drawing/2010/main" val="0"/>
+              </a:ext>
+            </a:extLst>
+          </a:blip>
+          <a:stretch>
+            <a:fillRect/>
+          </a:stretch>
+        </p:blipFill>
+        <p:spPr>
+          <a:xfrm>
+            <a:off x="-80721" y="1653387"/>
+            <a:ext cx="11629258" cy="4789615"/>
+          </a:xfrm>
+        </p:spPr>
+      </p:pic>
+    </p:spTree>
+    <p:extLst>
+      <p:ext uri="{BB962C8B-B14F-4D97-AF65-F5344CB8AC3E}">
+        <p14:creationId xmlns:p14="http://schemas.microsoft.com/office/powerpoint/2010/main" val="2282486383"/>
+      </p:ext>
+    </p:extLst>
+  </p:cSld>
+  <p:clrMapOvr>
+    <a:masterClrMapping/>
+  </p:clrMapOvr>
+</p:sld>
+</file>
+
+<file path=ppt/slides/slide31.xml><?xml version="1.0" encoding="utf-8"?>
+<p:sld xmlns:a="http://schemas.openxmlformats.org/drawingml/2006/main" xmlns:r="http://schemas.openxmlformats.org/officeDocument/2006/relationships" xmlns:p="http://schemas.openxmlformats.org/presentationml/2006/main">
+  <p:cSld>
+    <p:spTree>
+      <p:nvGrpSpPr>
+        <p:cNvPr id="1" name=""/>
+        <p:cNvGrpSpPr/>
+        <p:nvPr/>
+      </p:nvGrpSpPr>
+      <p:grpSpPr>
+        <a:xfrm>
+          <a:off x="0" y="0"/>
+          <a:ext cx="0" cy="0"/>
+          <a:chOff x="0" y="0"/>
+          <a:chExt cx="0" cy="0"/>
+        </a:xfrm>
+      </p:grpSpPr>
+      <p:sp>
+        <p:nvSpPr>
+          <p:cNvPr id="2" name="כותרת 1">
+            <a:extLst>
+              <a:ext uri="{FF2B5EF4-FFF2-40B4-BE49-F238E27FC236}">
+                <a16:creationId xmlns:a16="http://schemas.microsoft.com/office/drawing/2014/main" id="{68C6ECB5-6114-4228-82C5-9E1F0F58834E}"/>
+              </a:ext>
+            </a:extLst>
+          </p:cNvPr>
+          <p:cNvSpPr>
+            <a:spLocks noGrp="1"/>
+          </p:cNvSpPr>
+          <p:nvPr>
+            <p:ph type="title"/>
+          </p:nvPr>
+        </p:nvSpPr>
+        <p:spPr/>
+        <p:txBody>
+          <a:bodyPr/>
+          <a:lstStyle/>
+          <a:p>
+            <a:pPr algn="ctr"/>
+            <a:r>
+              <a:rPr lang="he-IL" dirty="0"/>
+              <a:t>המשחק</a:t>
+            </a:r>
+            <a:endParaRPr lang="en-US" dirty="0"/>
+          </a:p>
+        </p:txBody>
+      </p:sp>
+      <p:sp>
+        <p:nvSpPr>
+          <p:cNvPr id="3" name="מציין מיקום תוכן 2">
+            <a:extLst>
+              <a:ext uri="{FF2B5EF4-FFF2-40B4-BE49-F238E27FC236}">
+                <a16:creationId xmlns:a16="http://schemas.microsoft.com/office/drawing/2014/main" id="{FCF3BE4F-760C-4E6F-B3EF-8B88B451EFE9}"/>
+              </a:ext>
+            </a:extLst>
+          </p:cNvPr>
+          <p:cNvSpPr>
+            <a:spLocks noGrp="1"/>
+          </p:cNvSpPr>
+          <p:nvPr>
+            <p:ph idx="1"/>
+          </p:nvPr>
+        </p:nvSpPr>
+        <p:spPr/>
+        <p:txBody>
+          <a:bodyPr/>
+          <a:lstStyle/>
+          <a:p>
+            <a:pPr marL="0" indent="0">
+              <a:buNone/>
+            </a:pPr>
+            <a:r>
+              <a:rPr lang="he-IL" dirty="0"/>
+              <a:t>הערות:</a:t>
+            </a:r>
+          </a:p>
+          <a:p>
+            <a:pPr marL="0" indent="0">
+              <a:buNone/>
+            </a:pPr>
+            <a:r>
+              <a:rPr lang="he-IL" dirty="0"/>
+              <a:t>אם שתי קבוצות תוקפות אחת את השנייה-&gt; כל סיבוב תשנה את אחוז הכורים שאתה שולח לתקיפה על מנץ למקסם רווחים.</a:t>
+            </a:r>
+          </a:p>
+          <a:p>
+            <a:pPr marL="0" indent="0">
+              <a:buNone/>
+            </a:pPr>
+            <a:r>
+              <a:rPr lang="he-IL" dirty="0"/>
+              <a:t>בשלב מסוים הקבוצות יגיעו לשיווי משקל שבו לא יהיה אפשר למקסם רווח על ידי הוספת/גריעת כורים מקבוצת התקיפה.</a:t>
+            </a:r>
+          </a:p>
+          <a:p>
+            <a:pPr marL="0" indent="0">
+              <a:buNone/>
+            </a:pPr>
+            <a:r>
+              <a:rPr lang="he-IL" dirty="0"/>
+              <a:t>לכן כמו שהזכרנו בהתחלה, זו דילמת האסיר עם חזרות.</a:t>
+            </a:r>
+          </a:p>
+        </p:txBody>
+      </p:sp>
+      <p:pic>
+        <p:nvPicPr>
+          <p:cNvPr id="5" name="תמונה 4">
+            <a:extLst>
+              <a:ext uri="{FF2B5EF4-FFF2-40B4-BE49-F238E27FC236}">
+                <a16:creationId xmlns:a16="http://schemas.microsoft.com/office/drawing/2014/main" id="{B395155C-0003-4B68-826A-C93191C21151}"/>
+              </a:ext>
+            </a:extLst>
+          </p:cNvPr>
+          <p:cNvPicPr>
+            <a:picLocks noChangeAspect="1"/>
+          </p:cNvPicPr>
+          <p:nvPr/>
+        </p:nvPicPr>
+        <p:blipFill>
+          <a:blip r:embed="rId2">
+            <a:extLst>
+              <a:ext uri="{28A0092B-C50C-407E-A947-70E740481C1C}">
+                <a14:useLocalDpi xmlns:a14="http://schemas.microsoft.com/office/drawing/2010/main" val="0"/>
+              </a:ext>
+            </a:extLst>
+          </a:blip>
+          <a:stretch>
+            <a:fillRect/>
+          </a:stretch>
+        </p:blipFill>
+        <p:spPr>
+          <a:xfrm>
+            <a:off x="2444530" y="4735025"/>
+            <a:ext cx="7302939" cy="1757850"/>
+          </a:xfrm>
+          <a:prstGeom prst="rect">
+            <a:avLst/>
+          </a:prstGeom>
+        </p:spPr>
+      </p:pic>
+    </p:spTree>
+    <p:extLst>
+      <p:ext uri="{BB962C8B-B14F-4D97-AF65-F5344CB8AC3E}">
+        <p14:creationId xmlns:p14="http://schemas.microsoft.com/office/powerpoint/2010/main" val="2168020816"/>
+      </p:ext>
+    </p:extLst>
+  </p:cSld>
+  <p:clrMapOvr>
+    <a:masterClrMapping/>
+  </p:clrMapOvr>
+</p:sld>
+</file>
+
+<file path=ppt/slides/slide32.xml><?xml version="1.0" encoding="utf-8"?>
+<p:sld xmlns:a="http://schemas.openxmlformats.org/drawingml/2006/main" xmlns:r="http://schemas.openxmlformats.org/officeDocument/2006/relationships" xmlns:p="http://schemas.openxmlformats.org/presentationml/2006/main">
+  <p:cSld>
+    <p:spTree>
+      <p:nvGrpSpPr>
+        <p:cNvPr id="1" name=""/>
+        <p:cNvGrpSpPr/>
+        <p:nvPr/>
+      </p:nvGrpSpPr>
+      <p:grpSpPr>
+        <a:xfrm>
+          <a:off x="0" y="0"/>
+          <a:ext cx="0" cy="0"/>
+          <a:chOff x="0" y="0"/>
+          <a:chExt cx="0" cy="0"/>
+        </a:xfrm>
+      </p:grpSpPr>
+      <p:sp>
+        <p:nvSpPr>
+          <p:cNvPr id="2" name="כותרת 1">
+            <a:extLst>
+              <a:ext uri="{FF2B5EF4-FFF2-40B4-BE49-F238E27FC236}">
+                <a16:creationId xmlns:a16="http://schemas.microsoft.com/office/drawing/2014/main" id="{493228D5-1ACF-4C50-B7E9-4ACCB1605B6C}"/>
+              </a:ext>
+            </a:extLst>
+          </p:cNvPr>
+          <p:cNvSpPr>
+            <a:spLocks noGrp="1"/>
+          </p:cNvSpPr>
+          <p:nvPr>
+            <p:ph type="title"/>
+          </p:nvPr>
+        </p:nvSpPr>
+        <p:spPr/>
+        <p:txBody>
+          <a:bodyPr/>
+          <a:lstStyle/>
+          <a:p>
+            <a:pPr algn="ctr"/>
+            <a:r>
+              <a:rPr lang="he-IL" dirty="0"/>
+              <a:t>שיטות להתמודד עם התקיפה</a:t>
+            </a:r>
+            <a:endParaRPr lang="en-US" dirty="0"/>
+          </a:p>
+        </p:txBody>
+      </p:sp>
+      <p:sp>
+        <p:nvSpPr>
+          <p:cNvPr id="3" name="מציין מיקום תוכן 2">
+            <a:extLst>
+              <a:ext uri="{FF2B5EF4-FFF2-40B4-BE49-F238E27FC236}">
+                <a16:creationId xmlns:a16="http://schemas.microsoft.com/office/drawing/2014/main" id="{CB34039A-37A8-4625-B3FE-248D3258CF20}"/>
+              </a:ext>
+            </a:extLst>
+          </p:cNvPr>
+          <p:cNvSpPr>
+            <a:spLocks noGrp="1"/>
+          </p:cNvSpPr>
+          <p:nvPr>
+            <p:ph idx="1"/>
+          </p:nvPr>
+        </p:nvSpPr>
+        <p:spPr/>
+        <p:txBody>
+          <a:bodyPr/>
+          <a:lstStyle/>
+          <a:p>
+            <a:r>
+              <a:rPr lang="he-IL" dirty="0"/>
+              <a:t>חלוקת בונוסים לאנשים עם וותק או לאנשים שמספקים </a:t>
+            </a:r>
+            <a:r>
+              <a:rPr lang="en-US" dirty="0"/>
+              <a:t>full proof of work</a:t>
+            </a:r>
+            <a:r>
+              <a:rPr lang="he-IL" dirty="0"/>
+              <a:t>.</a:t>
+            </a:r>
+          </a:p>
+          <a:p>
+            <a:pPr marL="0" indent="0">
+              <a:buNone/>
+            </a:pPr>
+            <a:r>
+              <a:rPr lang="he-IL" dirty="0"/>
+              <a:t>*הופך את הקבוצה לפחות אטרקטיבית לכורים חדשים או קטנים, מקטין את המשאבים הפוטנציאלים -&gt; מקטין רווחים פוטנציאלי.</a:t>
+            </a:r>
+          </a:p>
+          <a:p>
+            <a:pPr marL="0" indent="0">
+              <a:buNone/>
+            </a:pPr>
+            <a:endParaRPr lang="he-IL" dirty="0"/>
+          </a:p>
+          <a:p>
+            <a:r>
+              <a:rPr lang="he-IL" dirty="0"/>
+              <a:t>מלכודת – נותנים לכורה משימה עם פתרון קל ולכן מצפים שהוא ייתן את </a:t>
+            </a:r>
+            <a:r>
+              <a:rPr lang="en-US" dirty="0"/>
+              <a:t>full proof of work</a:t>
+            </a:r>
+            <a:r>
+              <a:rPr lang="he-IL" dirty="0"/>
+              <a:t>.</a:t>
+            </a:r>
+          </a:p>
+          <a:p>
+            <a:pPr marL="0" indent="0">
+              <a:buNone/>
+            </a:pPr>
+            <a:r>
+              <a:rPr lang="he-IL" dirty="0"/>
+              <a:t>*לוקח המון זמן לעשות את זה כמו שצריך ולוקח הרבה משאבים שיכלו לנסות לפתור פאזלים אמתיים -&gt; מקטין רווחים.</a:t>
+            </a:r>
+          </a:p>
+          <a:p>
+            <a:r>
+              <a:rPr lang="he-IL" dirty="0"/>
+              <a:t>הפיכת הקבוצות לסגורות.</a:t>
+            </a:r>
+          </a:p>
+        </p:txBody>
+      </p:sp>
+    </p:spTree>
+    <p:extLst>
+      <p:ext uri="{BB962C8B-B14F-4D97-AF65-F5344CB8AC3E}">
+        <p14:creationId xmlns:p14="http://schemas.microsoft.com/office/powerpoint/2010/main" val="1484296688"/>
+      </p:ext>
+    </p:extLst>
+  </p:cSld>
+  <p:clrMapOvr>
+    <a:masterClrMapping/>
+  </p:clrMapOvr>
+</p:sld>
+</file>
+
+<file path=ppt/slides/slide33.xml><?xml version="1.0" encoding="utf-8"?>
+<p:sld xmlns:a="http://schemas.openxmlformats.org/drawingml/2006/main" xmlns:r="http://schemas.openxmlformats.org/officeDocument/2006/relationships" xmlns:p="http://schemas.openxmlformats.org/presentationml/2006/main">
+  <p:cSld>
+    <p:spTree>
+      <p:nvGrpSpPr>
+        <p:cNvPr id="1" name=""/>
+        <p:cNvGrpSpPr/>
+        <p:nvPr/>
+      </p:nvGrpSpPr>
+      <p:grpSpPr>
+        <a:xfrm>
+          <a:off x="0" y="0"/>
+          <a:ext cx="0" cy="0"/>
+          <a:chOff x="0" y="0"/>
+          <a:chExt cx="0" cy="0"/>
+        </a:xfrm>
+      </p:grpSpPr>
+      <p:sp>
+        <p:nvSpPr>
+          <p:cNvPr id="2" name="כותרת 1">
+            <a:extLst>
+              <a:ext uri="{FF2B5EF4-FFF2-40B4-BE49-F238E27FC236}">
+                <a16:creationId xmlns:a16="http://schemas.microsoft.com/office/drawing/2014/main" id="{4306B8C1-6C67-4CD9-BB5B-40A585DF10A3}"/>
+              </a:ext>
+            </a:extLst>
+          </p:cNvPr>
+          <p:cNvSpPr>
+            <a:spLocks noGrp="1"/>
+          </p:cNvSpPr>
+          <p:nvPr>
+            <p:ph type="title"/>
+          </p:nvPr>
+        </p:nvSpPr>
+        <p:spPr/>
+        <p:txBody>
+          <a:bodyPr/>
+          <a:lstStyle/>
+          <a:p>
+            <a:pPr algn="ctr"/>
+            <a:r>
+              <a:rPr lang="he-IL" dirty="0"/>
+              <a:t>סיכום</a:t>
+            </a:r>
+            <a:endParaRPr lang="en-US" dirty="0"/>
+          </a:p>
+        </p:txBody>
+      </p:sp>
+      <p:sp>
+        <p:nvSpPr>
+          <p:cNvPr id="3" name="מציין מיקום תוכן 2">
+            <a:extLst>
+              <a:ext uri="{FF2B5EF4-FFF2-40B4-BE49-F238E27FC236}">
+                <a16:creationId xmlns:a16="http://schemas.microsoft.com/office/drawing/2014/main" id="{5FD457AD-9877-4CAF-BCF9-207DF0E7FBF7}"/>
+              </a:ext>
+            </a:extLst>
+          </p:cNvPr>
+          <p:cNvSpPr>
+            <a:spLocks noGrp="1"/>
+          </p:cNvSpPr>
+          <p:nvPr>
+            <p:ph idx="1"/>
+          </p:nvPr>
+        </p:nvSpPr>
+        <p:spPr/>
+        <p:txBody>
+          <a:bodyPr/>
+          <a:lstStyle/>
+          <a:p>
+            <a:r>
+              <a:rPr lang="he-IL" dirty="0"/>
+              <a:t>למרות שראינו שניתן להגדיל רווחים על ידי תקיפה כזו במציאות זה לא קורה.</a:t>
+            </a:r>
+          </a:p>
+          <a:p>
+            <a:r>
+              <a:rPr lang="he-IL" dirty="0"/>
+              <a:t>ניתן לדעת אם תוקפים אותך או לא.</a:t>
+            </a:r>
+          </a:p>
+          <a:p>
+            <a:endParaRPr lang="en-US" dirty="0"/>
+          </a:p>
+        </p:txBody>
+      </p:sp>
+    </p:spTree>
+    <p:extLst>
+      <p:ext uri="{BB962C8B-B14F-4D97-AF65-F5344CB8AC3E}">
+        <p14:creationId xmlns:p14="http://schemas.microsoft.com/office/powerpoint/2010/main" val="320288445"/>
       </p:ext>
     </p:extLst>
   </p:cSld>

--- a/The miner’s dilemma.pptx
+++ b/The miner’s dilemma.pptx
@@ -5,42 +5,41 @@
     <p:sldMasterId id="2147483648" r:id="rId1"/>
   </p:sldMasterIdLst>
   <p:notesMasterIdLst>
-    <p:notesMasterId r:id="rId35"/>
+    <p:notesMasterId r:id="rId34"/>
   </p:notesMasterIdLst>
   <p:sldIdLst>
     <p:sldId id="256" r:id="rId2"/>
-    <p:sldId id="258" r:id="rId3"/>
-    <p:sldId id="264" r:id="rId4"/>
-    <p:sldId id="266" r:id="rId5"/>
-    <p:sldId id="271" r:id="rId6"/>
-    <p:sldId id="272" r:id="rId7"/>
-    <p:sldId id="273" r:id="rId8"/>
-    <p:sldId id="274" r:id="rId9"/>
-    <p:sldId id="275" r:id="rId10"/>
-    <p:sldId id="265" r:id="rId11"/>
-    <p:sldId id="257" r:id="rId12"/>
-    <p:sldId id="277" r:id="rId13"/>
-    <p:sldId id="278" r:id="rId14"/>
-    <p:sldId id="279" r:id="rId15"/>
-    <p:sldId id="280" r:id="rId16"/>
-    <p:sldId id="261" r:id="rId17"/>
-    <p:sldId id="260" r:id="rId18"/>
-    <p:sldId id="262" r:id="rId19"/>
-    <p:sldId id="259" r:id="rId20"/>
-    <p:sldId id="281" r:id="rId21"/>
-    <p:sldId id="282" r:id="rId22"/>
-    <p:sldId id="283" r:id="rId23"/>
-    <p:sldId id="284" r:id="rId24"/>
-    <p:sldId id="285" r:id="rId25"/>
-    <p:sldId id="267" r:id="rId26"/>
-    <p:sldId id="268" r:id="rId27"/>
-    <p:sldId id="269" r:id="rId28"/>
-    <p:sldId id="286" r:id="rId29"/>
-    <p:sldId id="287" r:id="rId30"/>
-    <p:sldId id="288" r:id="rId31"/>
-    <p:sldId id="289" r:id="rId32"/>
-    <p:sldId id="263" r:id="rId33"/>
-    <p:sldId id="290" r:id="rId34"/>
+    <p:sldId id="264" r:id="rId3"/>
+    <p:sldId id="266" r:id="rId4"/>
+    <p:sldId id="271" r:id="rId5"/>
+    <p:sldId id="272" r:id="rId6"/>
+    <p:sldId id="273" r:id="rId7"/>
+    <p:sldId id="274" r:id="rId8"/>
+    <p:sldId id="275" r:id="rId9"/>
+    <p:sldId id="265" r:id="rId10"/>
+    <p:sldId id="257" r:id="rId11"/>
+    <p:sldId id="277" r:id="rId12"/>
+    <p:sldId id="278" r:id="rId13"/>
+    <p:sldId id="279" r:id="rId14"/>
+    <p:sldId id="280" r:id="rId15"/>
+    <p:sldId id="261" r:id="rId16"/>
+    <p:sldId id="260" r:id="rId17"/>
+    <p:sldId id="262" r:id="rId18"/>
+    <p:sldId id="259" r:id="rId19"/>
+    <p:sldId id="281" r:id="rId20"/>
+    <p:sldId id="282" r:id="rId21"/>
+    <p:sldId id="283" r:id="rId22"/>
+    <p:sldId id="284" r:id="rId23"/>
+    <p:sldId id="285" r:id="rId24"/>
+    <p:sldId id="267" r:id="rId25"/>
+    <p:sldId id="268" r:id="rId26"/>
+    <p:sldId id="269" r:id="rId27"/>
+    <p:sldId id="286" r:id="rId28"/>
+    <p:sldId id="287" r:id="rId29"/>
+    <p:sldId id="288" r:id="rId30"/>
+    <p:sldId id="289" r:id="rId31"/>
+    <p:sldId id="263" r:id="rId32"/>
+    <p:sldId id="290" r:id="rId33"/>
   </p:sldIdLst>
   <p:sldSz cx="12192000" cy="6858000"/>
   <p:notesSz cx="6858000" cy="9144000"/>
@@ -3793,365 +3792,6 @@
 <file path=ppt/slides/slide10.xml><?xml version="1.0" encoding="utf-8"?>
 <p:sld xmlns:a="http://schemas.openxmlformats.org/drawingml/2006/main" xmlns:r="http://schemas.openxmlformats.org/officeDocument/2006/relationships" xmlns:p="http://schemas.openxmlformats.org/presentationml/2006/main">
   <p:cSld>
-    <p:bg>
-      <p:bgPr>
-        <a:solidFill>
-          <a:schemeClr val="bg1"/>
-        </a:solidFill>
-        <a:effectLst/>
-      </p:bgPr>
-    </p:bg>
-    <p:spTree>
-      <p:nvGrpSpPr>
-        <p:cNvPr id="1" name=""/>
-        <p:cNvGrpSpPr/>
-        <p:nvPr/>
-      </p:nvGrpSpPr>
-      <p:grpSpPr>
-        <a:xfrm>
-          <a:off x="0" y="0"/>
-          <a:ext cx="0" cy="0"/>
-          <a:chOff x="0" y="0"/>
-          <a:chExt cx="0" cy="0"/>
-        </a:xfrm>
-      </p:grpSpPr>
-      <p:sp>
-        <p:nvSpPr>
-          <p:cNvPr id="12" name="Rectangle 11">
-            <a:extLst>
-              <a:ext uri="{FF2B5EF4-FFF2-40B4-BE49-F238E27FC236}">
-                <a16:creationId xmlns:a16="http://schemas.microsoft.com/office/drawing/2014/main" id="{6753252F-4873-4F63-801D-CC719279A7D5}"/>
-              </a:ext>
-              <a:ext uri="{C183D7F6-B498-43B3-948B-1728B52AA6E4}">
-                <adec:decorative xmlns:adec="http://schemas.microsoft.com/office/drawing/2017/decorative" val="1"/>
-              </a:ext>
-            </a:extLst>
-          </p:cNvPr>
-          <p:cNvSpPr>
-            <a:spLocks noGrp="1" noRot="1" noChangeAspect="1" noMove="1" noResize="1" noEditPoints="1" noAdjustHandles="1" noChangeArrowheads="1" noChangeShapeType="1" noTextEdit="1"/>
-          </p:cNvSpPr>
-          <p:nvPr>
-            <p:extLst>
-              <p:ext uri="{386F3935-93C4-4BCD-93E2-E3B085C9AB24}">
-                <p16:designElem xmlns:p16="http://schemas.microsoft.com/office/powerpoint/2015/main" val="1"/>
-              </p:ext>
-            </p:extLst>
-          </p:nvPr>
-        </p:nvSpPr>
-        <p:spPr>
-          <a:xfrm>
-            <a:off x="0" y="0"/>
-            <a:ext cx="12192000" cy="6858000"/>
-          </a:xfrm>
-          <a:prstGeom prst="rect">
-            <a:avLst/>
-          </a:prstGeom>
-          <a:solidFill>
-            <a:srgbClr val="FFFFFF"/>
-          </a:solidFill>
-          <a:ln>
-            <a:noFill/>
-          </a:ln>
-        </p:spPr>
-        <p:style>
-          <a:lnRef idx="2">
-            <a:schemeClr val="accent1">
-              <a:shade val="50000"/>
-            </a:schemeClr>
-          </a:lnRef>
-          <a:fillRef idx="1">
-            <a:schemeClr val="accent1"/>
-          </a:fillRef>
-          <a:effectRef idx="0">
-            <a:schemeClr val="accent1"/>
-          </a:effectRef>
-          <a:fontRef idx="minor">
-            <a:schemeClr val="lt1"/>
-          </a:fontRef>
-        </p:style>
-        <p:txBody>
-          <a:bodyPr rtlCol="0" anchor="ctr"/>
-          <a:lstStyle/>
-          <a:p>
-            <a:pPr algn="ctr"/>
-            <a:endParaRPr lang="en-US"/>
-          </a:p>
-        </p:txBody>
-      </p:sp>
-      <p:sp>
-        <p:nvSpPr>
-          <p:cNvPr id="14" name="Rectangle 13">
-            <a:extLst>
-              <a:ext uri="{FF2B5EF4-FFF2-40B4-BE49-F238E27FC236}">
-                <a16:creationId xmlns:a16="http://schemas.microsoft.com/office/drawing/2014/main" id="{047C8CCB-F95D-4249-92DD-651249D3535A}"/>
-              </a:ext>
-              <a:ext uri="{C183D7F6-B498-43B3-948B-1728B52AA6E4}">
-                <adec:decorative xmlns:adec="http://schemas.microsoft.com/office/drawing/2017/decorative" val="1"/>
-              </a:ext>
-            </a:extLst>
-          </p:cNvPr>
-          <p:cNvSpPr>
-            <a:spLocks noGrp="1" noRot="1" noChangeAspect="1" noMove="1" noResize="1" noEditPoints="1" noAdjustHandles="1" noChangeArrowheads="1" noChangeShapeType="1" noTextEdit="1"/>
-          </p:cNvSpPr>
-          <p:nvPr>
-            <p:extLst>
-              <p:ext uri="{386F3935-93C4-4BCD-93E2-E3B085C9AB24}">
-                <p16:designElem xmlns:p16="http://schemas.microsoft.com/office/powerpoint/2015/main" val="1"/>
-              </p:ext>
-            </p:extLst>
-          </p:nvPr>
-        </p:nvSpPr>
-        <p:spPr>
-          <a:xfrm>
-            <a:off x="0" y="0"/>
-            <a:ext cx="2013557" cy="6858000"/>
-          </a:xfrm>
-          <a:prstGeom prst="rect">
-            <a:avLst/>
-          </a:prstGeom>
-          <a:solidFill>
-            <a:srgbClr val="533942"/>
-          </a:solidFill>
-          <a:ln>
-            <a:noFill/>
-          </a:ln>
-        </p:spPr>
-        <p:style>
-          <a:lnRef idx="2">
-            <a:schemeClr val="accent1">
-              <a:shade val="50000"/>
-            </a:schemeClr>
-          </a:lnRef>
-          <a:fillRef idx="1">
-            <a:schemeClr val="accent1"/>
-          </a:fillRef>
-          <a:effectRef idx="0">
-            <a:schemeClr val="accent1"/>
-          </a:effectRef>
-          <a:fontRef idx="minor">
-            <a:schemeClr val="lt1"/>
-          </a:fontRef>
-        </p:style>
-        <p:txBody>
-          <a:bodyPr rtlCol="0" anchor="ctr"/>
-          <a:lstStyle/>
-          <a:p>
-            <a:pPr algn="ctr"/>
-            <a:endParaRPr lang="en-US"/>
-          </a:p>
-        </p:txBody>
-      </p:sp>
-      <p:sp>
-        <p:nvSpPr>
-          <p:cNvPr id="2" name="כותרת 1">
-            <a:extLst>
-              <a:ext uri="{FF2B5EF4-FFF2-40B4-BE49-F238E27FC236}">
-                <a16:creationId xmlns:a16="http://schemas.microsoft.com/office/drawing/2014/main" id="{98605F97-7B13-44CB-AD05-F48D89D54701}"/>
-              </a:ext>
-            </a:extLst>
-          </p:cNvPr>
-          <p:cNvSpPr>
-            <a:spLocks noGrp="1"/>
-          </p:cNvSpPr>
-          <p:nvPr>
-            <p:ph type="title"/>
-          </p:nvPr>
-        </p:nvSpPr>
-        <p:spPr>
-          <a:xfrm>
-            <a:off x="640080" y="2074363"/>
-            <a:ext cx="2752354" cy="2709275"/>
-          </a:xfrm>
-          <a:prstGeom prst="ellipse">
-            <a:avLst/>
-          </a:prstGeom>
-          <a:solidFill>
-            <a:srgbClr val="262626"/>
-          </a:solidFill>
-          <a:ln w="174625" cmpd="thinThick">
-            <a:solidFill>
-              <a:srgbClr val="262626"/>
-            </a:solidFill>
-          </a:ln>
-        </p:spPr>
-        <p:txBody>
-          <a:bodyPr vert="horz" lIns="91440" tIns="45720" rIns="91440" bIns="45720" rtlCol="0" anchor="ctr">
-            <a:normAutofit/>
-          </a:bodyPr>
-          <a:lstStyle/>
-          <a:p>
-            <a:pPr algn="ctr" rtl="0"/>
-            <a:r>
-              <a:rPr lang="en-US" sz="2600" kern="1200" dirty="0">
-                <a:solidFill>
-                  <a:srgbClr val="FFFFFF"/>
-                </a:solidFill>
-                <a:latin typeface="+mj-lt"/>
-                <a:ea typeface="+mj-ea"/>
-                <a:cs typeface="+mj-cs"/>
-              </a:rPr>
-              <a:t>Mining Pools</a:t>
-            </a:r>
-            <a:br>
-              <a:rPr lang="en-US" sz="2600" dirty="0">
-                <a:solidFill>
-                  <a:srgbClr val="FFFFFF"/>
-                </a:solidFill>
-              </a:rPr>
-            </a:br>
-            <a:r>
-              <a:rPr lang="en-US" sz="2600" dirty="0">
-                <a:solidFill>
-                  <a:srgbClr val="FFFFFF"/>
-                </a:solidFill>
-              </a:rPr>
-              <a:t>distribution</a:t>
-            </a:r>
-            <a:endParaRPr lang="en-US" sz="2600" kern="1200" dirty="0">
-              <a:solidFill>
-                <a:srgbClr val="FFFFFF"/>
-              </a:solidFill>
-              <a:latin typeface="+mj-lt"/>
-              <a:ea typeface="+mj-ea"/>
-              <a:cs typeface="+mj-cs"/>
-            </a:endParaRPr>
-          </a:p>
-        </p:txBody>
-      </p:sp>
-      <p:pic>
-        <p:nvPicPr>
-          <p:cNvPr id="7" name="מציין מיקום תוכן 6">
-            <a:extLst>
-              <a:ext uri="{FF2B5EF4-FFF2-40B4-BE49-F238E27FC236}">
-                <a16:creationId xmlns:a16="http://schemas.microsoft.com/office/drawing/2014/main" id="{1CE73F96-6766-4EAB-AF57-EE664581038D}"/>
-              </a:ext>
-            </a:extLst>
-          </p:cNvPr>
-          <p:cNvPicPr>
-            <a:picLocks noGrp="1" noChangeAspect="1"/>
-          </p:cNvPicPr>
-          <p:nvPr>
-            <p:ph idx="1"/>
-          </p:nvPr>
-        </p:nvPicPr>
-        <p:blipFill>
-          <a:blip r:embed="rId2">
-            <a:extLst>
-              <a:ext uri="{28A0092B-C50C-407E-A947-70E740481C1C}">
-                <a14:useLocalDpi xmlns:a14="http://schemas.microsoft.com/office/drawing/2010/main" val="0"/>
-              </a:ext>
-            </a:extLst>
-          </a:blip>
-          <a:stretch>
-            <a:fillRect/>
-          </a:stretch>
-        </p:blipFill>
-        <p:spPr>
-          <a:xfrm>
-            <a:off x="4038600" y="1145052"/>
-            <a:ext cx="7188199" cy="4564506"/>
-          </a:xfrm>
-          <a:prstGeom prst="rect">
-            <a:avLst/>
-          </a:prstGeom>
-        </p:spPr>
-      </p:pic>
-      <p:sp>
-        <p:nvSpPr>
-          <p:cNvPr id="9" name="מלבן 8">
-            <a:extLst>
-              <a:ext uri="{FF2B5EF4-FFF2-40B4-BE49-F238E27FC236}">
-                <a16:creationId xmlns:a16="http://schemas.microsoft.com/office/drawing/2014/main" id="{12BE9AB3-739E-4530-8F1A-478666B5E6FF}"/>
-              </a:ext>
-            </a:extLst>
-          </p:cNvPr>
-          <p:cNvSpPr/>
-          <p:nvPr/>
-        </p:nvSpPr>
-        <p:spPr>
-          <a:xfrm>
-            <a:off x="9462052" y="5709558"/>
-            <a:ext cx="2582904" cy="384313"/>
-          </a:xfrm>
-          <a:prstGeom prst="rect">
-            <a:avLst/>
-          </a:prstGeom>
-          <a:solidFill>
-            <a:schemeClr val="bg1"/>
-          </a:solidFill>
-          <a:ln>
-            <a:solidFill>
-              <a:schemeClr val="bg1"/>
-            </a:solidFill>
-          </a:ln>
-        </p:spPr>
-        <p:style>
-          <a:lnRef idx="2">
-            <a:schemeClr val="accent1">
-              <a:shade val="50000"/>
-            </a:schemeClr>
-          </a:lnRef>
-          <a:fillRef idx="1">
-            <a:schemeClr val="accent1"/>
-          </a:fillRef>
-          <a:effectRef idx="0">
-            <a:schemeClr val="accent1"/>
-          </a:effectRef>
-          <a:fontRef idx="minor">
-            <a:schemeClr val="lt1"/>
-          </a:fontRef>
-        </p:style>
-        <p:txBody>
-          <a:bodyPr rtlCol="0" anchor="ctr"/>
-          <a:lstStyle/>
-          <a:p>
-            <a:pPr algn="ctr"/>
-            <a:r>
-              <a:rPr lang="he-IL" dirty="0">
-                <a:solidFill>
-                  <a:schemeClr val="tx1"/>
-                </a:solidFill>
-              </a:rPr>
-              <a:t>נלקח מ</a:t>
-            </a:r>
-            <a:r>
-              <a:rPr lang="en-US" dirty="0">
-                <a:solidFill>
-                  <a:schemeClr val="tx1"/>
-                </a:solidFill>
-              </a:rPr>
-              <a:t> blockchain.com/en/pools</a:t>
-            </a:r>
-          </a:p>
-          <a:p>
-            <a:pPr algn="ctr"/>
-            <a:r>
-              <a:rPr lang="en-US" dirty="0">
-                <a:solidFill>
-                  <a:schemeClr val="tx1"/>
-                </a:solidFill>
-              </a:rPr>
-              <a:t>21/12/18</a:t>
-            </a:r>
-          </a:p>
-        </p:txBody>
-      </p:sp>
-    </p:spTree>
-    <p:extLst>
-      <p:ext uri="{BB962C8B-B14F-4D97-AF65-F5344CB8AC3E}">
-        <p14:creationId xmlns:p14="http://schemas.microsoft.com/office/powerpoint/2010/main" val="1179653674"/>
-      </p:ext>
-    </p:extLst>
-  </p:cSld>
-  <p:clrMapOvr>
-    <a:masterClrMapping/>
-  </p:clrMapOvr>
-</p:sld>
-</file>
-
-<file path=ppt/slides/slide11.xml><?xml version="1.0" encoding="utf-8"?>
-<p:sld xmlns:a="http://schemas.openxmlformats.org/drawingml/2006/main" xmlns:r="http://schemas.openxmlformats.org/officeDocument/2006/relationships" xmlns:p="http://schemas.openxmlformats.org/presentationml/2006/main">
-  <p:cSld>
     <p:spTree>
       <p:nvGrpSpPr>
         <p:cNvPr id="1" name=""/>
@@ -4651,7 +4291,7 @@
 </p:sld>
 </file>
 
-<file path=ppt/slides/slide12.xml><?xml version="1.0" encoding="utf-8"?>
+<file path=ppt/slides/slide11.xml><?xml version="1.0" encoding="utf-8"?>
 <p:sld xmlns:a="http://schemas.openxmlformats.org/drawingml/2006/main" xmlns:r="http://schemas.openxmlformats.org/officeDocument/2006/relationships" xmlns:p="http://schemas.openxmlformats.org/presentationml/2006/main">
   <p:cSld>
     <p:spTree>
@@ -5171,7 +4811,7 @@
 </p:sld>
 </file>
 
-<file path=ppt/slides/slide13.xml><?xml version="1.0" encoding="utf-8"?>
+<file path=ppt/slides/slide12.xml><?xml version="1.0" encoding="utf-8"?>
 <p:sld xmlns:a="http://schemas.openxmlformats.org/drawingml/2006/main" xmlns:r="http://schemas.openxmlformats.org/officeDocument/2006/relationships" xmlns:p="http://schemas.openxmlformats.org/presentationml/2006/main">
   <p:cSld>
     <p:spTree>
@@ -5709,7 +5349,7 @@
 </p:sld>
 </file>
 
-<file path=ppt/slides/slide14.xml><?xml version="1.0" encoding="utf-8"?>
+<file path=ppt/slides/slide13.xml><?xml version="1.0" encoding="utf-8"?>
 <p:sld xmlns:a="http://schemas.openxmlformats.org/drawingml/2006/main" xmlns:r="http://schemas.openxmlformats.org/officeDocument/2006/relationships" xmlns:p="http://schemas.openxmlformats.org/presentationml/2006/main">
   <p:cSld>
     <p:spTree>
@@ -6265,7 +5905,7 @@
 </p:sld>
 </file>
 
-<file path=ppt/slides/slide15.xml><?xml version="1.0" encoding="utf-8"?>
+<file path=ppt/slides/slide14.xml><?xml version="1.0" encoding="utf-8"?>
 <p:sld xmlns:a="http://schemas.openxmlformats.org/drawingml/2006/main" xmlns:r="http://schemas.openxmlformats.org/officeDocument/2006/relationships" xmlns:p="http://schemas.openxmlformats.org/presentationml/2006/main">
   <p:cSld>
     <p:spTree>
@@ -6933,7 +6573,7 @@
 </p:sld>
 </file>
 
-<file path=ppt/slides/slide16.xml><?xml version="1.0" encoding="utf-8"?>
+<file path=ppt/slides/slide15.xml><?xml version="1.0" encoding="utf-8"?>
 <p:sld xmlns:a="http://schemas.openxmlformats.org/drawingml/2006/main" xmlns:r="http://schemas.openxmlformats.org/officeDocument/2006/relationships" xmlns:p="http://schemas.openxmlformats.org/presentationml/2006/main">
   <p:cSld>
     <p:spTree>
@@ -7075,7 +6715,7 @@
 </p:sld>
 </file>
 
-<file path=ppt/slides/slide17.xml><?xml version="1.0" encoding="utf-8"?>
+<file path=ppt/slides/slide16.xml><?xml version="1.0" encoding="utf-8"?>
 <p:sld xmlns:a="http://schemas.openxmlformats.org/drawingml/2006/main" xmlns:r="http://schemas.openxmlformats.org/officeDocument/2006/relationships" xmlns:p="http://schemas.openxmlformats.org/presentationml/2006/main">
   <p:cSld>
     <p:spTree>
@@ -8823,6 +8463,136 @@
 </p:sld>
 </file>
 
+<file path=ppt/slides/slide17.xml><?xml version="1.0" encoding="utf-8"?>
+<p:sld xmlns:a="http://schemas.openxmlformats.org/drawingml/2006/main" xmlns:r="http://schemas.openxmlformats.org/officeDocument/2006/relationships" xmlns:p="http://schemas.openxmlformats.org/presentationml/2006/main">
+  <p:cSld>
+    <p:spTree>
+      <p:nvGrpSpPr>
+        <p:cNvPr id="1" name=""/>
+        <p:cNvGrpSpPr/>
+        <p:nvPr/>
+      </p:nvGrpSpPr>
+      <p:grpSpPr>
+        <a:xfrm>
+          <a:off x="0" y="0"/>
+          <a:ext cx="0" cy="0"/>
+          <a:chOff x="0" y="0"/>
+          <a:chExt cx="0" cy="0"/>
+        </a:xfrm>
+      </p:grpSpPr>
+      <p:sp>
+        <p:nvSpPr>
+          <p:cNvPr id="2" name="כותרת 1">
+            <a:extLst>
+              <a:ext uri="{FF2B5EF4-FFF2-40B4-BE49-F238E27FC236}">
+                <a16:creationId xmlns:a16="http://schemas.microsoft.com/office/drawing/2014/main" id="{B1D9EC5D-0BDF-468E-9BD9-089CA8C8E1DF}"/>
+              </a:ext>
+            </a:extLst>
+          </p:cNvPr>
+          <p:cNvSpPr>
+            <a:spLocks noGrp="1"/>
+          </p:cNvSpPr>
+          <p:nvPr>
+            <p:ph type="title"/>
+          </p:nvPr>
+        </p:nvSpPr>
+        <p:spPr/>
+        <p:txBody>
+          <a:bodyPr/>
+          <a:lstStyle/>
+          <a:p>
+            <a:pPr algn="ctr"/>
+            <a:r>
+              <a:rPr lang="en-US" dirty="0"/>
+              <a:t>Block withholding attack</a:t>
+            </a:r>
+          </a:p>
+        </p:txBody>
+      </p:sp>
+      <p:sp>
+        <p:nvSpPr>
+          <p:cNvPr id="3" name="מציין מיקום תוכן 2">
+            <a:extLst>
+              <a:ext uri="{FF2B5EF4-FFF2-40B4-BE49-F238E27FC236}">
+                <a16:creationId xmlns:a16="http://schemas.microsoft.com/office/drawing/2014/main" id="{418965AD-B911-4752-A49B-390696D50605}"/>
+              </a:ext>
+            </a:extLst>
+          </p:cNvPr>
+          <p:cNvSpPr>
+            <a:spLocks noGrp="1"/>
+          </p:cNvSpPr>
+          <p:nvPr>
+            <p:ph idx="1"/>
+          </p:nvPr>
+        </p:nvSpPr>
+        <p:spPr/>
+        <p:txBody>
+          <a:bodyPr/>
+          <a:lstStyle/>
+          <a:p>
+            <a:pPr marL="0" indent="0">
+              <a:buNone/>
+            </a:pPr>
+            <a:r>
+              <a:rPr lang="he-IL" dirty="0"/>
+              <a:t>הערות:</a:t>
+            </a:r>
+          </a:p>
+          <a:p>
+            <a:pPr marL="0" indent="0">
+              <a:buNone/>
+            </a:pPr>
+            <a:r>
+              <a:rPr lang="he-IL" dirty="0"/>
+              <a:t>כאשר קבוצה תוקפת כוח החישוב שלה יורד עקב הקצאת משאבים לתקיפת הקבוצה השנייה.</a:t>
+            </a:r>
+          </a:p>
+          <a:p>
+            <a:pPr marL="0" indent="0">
+              <a:buNone/>
+            </a:pPr>
+            <a:endParaRPr lang="he-IL" dirty="0"/>
+          </a:p>
+          <a:p>
+            <a:pPr marL="0" indent="0">
+              <a:buNone/>
+            </a:pPr>
+            <a:r>
+              <a:rPr lang="he-IL" dirty="0"/>
+              <a:t>רווח הקבוצה המותקפת לא השתנה(או יעלה קצת כי כוח הכרייה הכללי ירד) אך הם צריכים לחלק אותו ליותר כורים.</a:t>
+            </a:r>
+          </a:p>
+          <a:p>
+            <a:pPr marL="0" indent="0">
+              <a:buNone/>
+            </a:pPr>
+            <a:endParaRPr lang="he-IL" dirty="0"/>
+          </a:p>
+          <a:p>
+            <a:pPr marL="0" indent="0">
+              <a:buNone/>
+            </a:pPr>
+            <a:r>
+              <a:rPr lang="he-IL" dirty="0"/>
+              <a:t>לא ניתן לזהות את  זהות התוקף  כי אי אפשר להבדיל בין כורים חסרי מזל לכאלה שהם פשוט זדוניים.</a:t>
+            </a:r>
+            <a:endParaRPr lang="en-US" dirty="0"/>
+          </a:p>
+        </p:txBody>
+      </p:sp>
+    </p:spTree>
+    <p:extLst>
+      <p:ext uri="{BB962C8B-B14F-4D97-AF65-F5344CB8AC3E}">
+        <p14:creationId xmlns:p14="http://schemas.microsoft.com/office/powerpoint/2010/main" val="1417853180"/>
+      </p:ext>
+    </p:extLst>
+  </p:cSld>
+  <p:clrMapOvr>
+    <a:masterClrMapping/>
+  </p:clrMapOvr>
+</p:sld>
+</file>
+
 <file path=ppt/slides/slide18.xml><?xml version="1.0" encoding="utf-8"?>
 <p:sld xmlns:a="http://schemas.openxmlformats.org/drawingml/2006/main" xmlns:r="http://schemas.openxmlformats.org/officeDocument/2006/relationships" xmlns:p="http://schemas.openxmlformats.org/presentationml/2006/main">
   <p:cSld>
@@ -8845,136 +8615,6 @@
           <p:cNvPr id="2" name="כותרת 1">
             <a:extLst>
               <a:ext uri="{FF2B5EF4-FFF2-40B4-BE49-F238E27FC236}">
-                <a16:creationId xmlns:a16="http://schemas.microsoft.com/office/drawing/2014/main" id="{B1D9EC5D-0BDF-468E-9BD9-089CA8C8E1DF}"/>
-              </a:ext>
-            </a:extLst>
-          </p:cNvPr>
-          <p:cNvSpPr>
-            <a:spLocks noGrp="1"/>
-          </p:cNvSpPr>
-          <p:nvPr>
-            <p:ph type="title"/>
-          </p:nvPr>
-        </p:nvSpPr>
-        <p:spPr/>
-        <p:txBody>
-          <a:bodyPr/>
-          <a:lstStyle/>
-          <a:p>
-            <a:pPr algn="ctr"/>
-            <a:r>
-              <a:rPr lang="en-US" dirty="0"/>
-              <a:t>Block withholding attack</a:t>
-            </a:r>
-          </a:p>
-        </p:txBody>
-      </p:sp>
-      <p:sp>
-        <p:nvSpPr>
-          <p:cNvPr id="3" name="מציין מיקום תוכן 2">
-            <a:extLst>
-              <a:ext uri="{FF2B5EF4-FFF2-40B4-BE49-F238E27FC236}">
-                <a16:creationId xmlns:a16="http://schemas.microsoft.com/office/drawing/2014/main" id="{418965AD-B911-4752-A49B-390696D50605}"/>
-              </a:ext>
-            </a:extLst>
-          </p:cNvPr>
-          <p:cNvSpPr>
-            <a:spLocks noGrp="1"/>
-          </p:cNvSpPr>
-          <p:nvPr>
-            <p:ph idx="1"/>
-          </p:nvPr>
-        </p:nvSpPr>
-        <p:spPr/>
-        <p:txBody>
-          <a:bodyPr/>
-          <a:lstStyle/>
-          <a:p>
-            <a:pPr marL="0" indent="0">
-              <a:buNone/>
-            </a:pPr>
-            <a:r>
-              <a:rPr lang="he-IL" dirty="0"/>
-              <a:t>הערות:</a:t>
-            </a:r>
-          </a:p>
-          <a:p>
-            <a:pPr marL="0" indent="0">
-              <a:buNone/>
-            </a:pPr>
-            <a:r>
-              <a:rPr lang="he-IL" dirty="0"/>
-              <a:t>כאשר קבוצה תוקפת כוח החישוב שלה יורד עקב הקצאת משאבים לתקיפת הקבוצה השנייה.</a:t>
-            </a:r>
-          </a:p>
-          <a:p>
-            <a:pPr marL="0" indent="0">
-              <a:buNone/>
-            </a:pPr>
-            <a:endParaRPr lang="he-IL" dirty="0"/>
-          </a:p>
-          <a:p>
-            <a:pPr marL="0" indent="0">
-              <a:buNone/>
-            </a:pPr>
-            <a:r>
-              <a:rPr lang="he-IL" dirty="0"/>
-              <a:t>רווח הקבוצה המותקפת לא השתנה(או יעלה קצת כי כוח הכרייה הכללי ירד) אך הם צריכים לחלק אותו ליותר כורים.</a:t>
-            </a:r>
-          </a:p>
-          <a:p>
-            <a:pPr marL="0" indent="0">
-              <a:buNone/>
-            </a:pPr>
-            <a:endParaRPr lang="he-IL" dirty="0"/>
-          </a:p>
-          <a:p>
-            <a:pPr marL="0" indent="0">
-              <a:buNone/>
-            </a:pPr>
-            <a:r>
-              <a:rPr lang="he-IL" dirty="0"/>
-              <a:t>לא ניתן לזהות את  זהות התוקף  כי אי אפשר להבדיל בין כורים חסרי מזל לכאלה שהם פשוט זדוניים.</a:t>
-            </a:r>
-            <a:endParaRPr lang="en-US" dirty="0"/>
-          </a:p>
-        </p:txBody>
-      </p:sp>
-    </p:spTree>
-    <p:extLst>
-      <p:ext uri="{BB962C8B-B14F-4D97-AF65-F5344CB8AC3E}">
-        <p14:creationId xmlns:p14="http://schemas.microsoft.com/office/powerpoint/2010/main" val="1417853180"/>
-      </p:ext>
-    </p:extLst>
-  </p:cSld>
-  <p:clrMapOvr>
-    <a:masterClrMapping/>
-  </p:clrMapOvr>
-</p:sld>
-</file>
-
-<file path=ppt/slides/slide19.xml><?xml version="1.0" encoding="utf-8"?>
-<p:sld xmlns:a="http://schemas.openxmlformats.org/drawingml/2006/main" xmlns:r="http://schemas.openxmlformats.org/officeDocument/2006/relationships" xmlns:p="http://schemas.openxmlformats.org/presentationml/2006/main">
-  <p:cSld>
-    <p:spTree>
-      <p:nvGrpSpPr>
-        <p:cNvPr id="1" name=""/>
-        <p:cNvGrpSpPr/>
-        <p:nvPr/>
-      </p:nvGrpSpPr>
-      <p:grpSpPr>
-        <a:xfrm>
-          <a:off x="0" y="0"/>
-          <a:ext cx="0" cy="0"/>
-          <a:chOff x="0" y="0"/>
-          <a:chExt cx="0" cy="0"/>
-        </a:xfrm>
-      </p:grpSpPr>
-      <p:sp>
-        <p:nvSpPr>
-          <p:cNvPr id="2" name="כותרת 1">
-            <a:extLst>
-              <a:ext uri="{FF2B5EF4-FFF2-40B4-BE49-F238E27FC236}">
                 <a16:creationId xmlns:a16="http://schemas.microsoft.com/office/drawing/2014/main" id="{C562EE16-7697-4D72-8162-893CEDC6AACB}"/>
               </a:ext>
             </a:extLst>
@@ -9053,144 +8693,7 @@
 </p:sld>
 </file>
 
-<file path=ppt/slides/slide2.xml><?xml version="1.0" encoding="utf-8"?>
-<p:sld xmlns:a="http://schemas.openxmlformats.org/drawingml/2006/main" xmlns:r="http://schemas.openxmlformats.org/officeDocument/2006/relationships" xmlns:p="http://schemas.openxmlformats.org/presentationml/2006/main">
-  <p:cSld>
-    <p:spTree>
-      <p:nvGrpSpPr>
-        <p:cNvPr id="1" name=""/>
-        <p:cNvGrpSpPr/>
-        <p:nvPr/>
-      </p:nvGrpSpPr>
-      <p:grpSpPr>
-        <a:xfrm>
-          <a:off x="0" y="0"/>
-          <a:ext cx="0" cy="0"/>
-          <a:chOff x="0" y="0"/>
-          <a:chExt cx="0" cy="0"/>
-        </a:xfrm>
-      </p:grpSpPr>
-      <p:sp>
-        <p:nvSpPr>
-          <p:cNvPr id="2" name="כותרת 1">
-            <a:extLst>
-              <a:ext uri="{FF2B5EF4-FFF2-40B4-BE49-F238E27FC236}">
-                <a16:creationId xmlns:a16="http://schemas.microsoft.com/office/drawing/2014/main" id="{1838FD50-1CDD-4868-A5D7-7DBF5020D819}"/>
-              </a:ext>
-            </a:extLst>
-          </p:cNvPr>
-          <p:cNvSpPr>
-            <a:spLocks noGrp="1"/>
-          </p:cNvSpPr>
-          <p:nvPr>
-            <p:ph type="title"/>
-          </p:nvPr>
-        </p:nvSpPr>
-        <p:spPr/>
-        <p:txBody>
-          <a:bodyPr/>
-          <a:lstStyle/>
-          <a:p>
-            <a:r>
-              <a:rPr lang="he-IL" dirty="0"/>
-              <a:t>הצגה</a:t>
-            </a:r>
-            <a:endParaRPr lang="en-US" dirty="0"/>
-          </a:p>
-        </p:txBody>
-      </p:sp>
-      <p:sp>
-        <p:nvSpPr>
-          <p:cNvPr id="3" name="מציין מיקום תוכן 2">
-            <a:extLst>
-              <a:ext uri="{FF2B5EF4-FFF2-40B4-BE49-F238E27FC236}">
-                <a16:creationId xmlns:a16="http://schemas.microsoft.com/office/drawing/2014/main" id="{69B4348A-7A91-4CBF-969A-8ECB786F32FB}"/>
-              </a:ext>
-            </a:extLst>
-          </p:cNvPr>
-          <p:cNvSpPr>
-            <a:spLocks noGrp="1"/>
-          </p:cNvSpPr>
-          <p:nvPr>
-            <p:ph idx="1"/>
-          </p:nvPr>
-        </p:nvSpPr>
-        <p:spPr>
-          <a:xfrm>
-            <a:off x="838200" y="1364974"/>
-            <a:ext cx="10515600" cy="4811989"/>
-          </a:xfrm>
-        </p:spPr>
-        <p:txBody>
-          <a:bodyPr>
-            <a:normAutofit fontScale="92500" lnSpcReduction="10000"/>
-          </a:bodyPr>
-          <a:lstStyle/>
-          <a:p>
-            <a:r>
-              <a:rPr lang="he-IL" dirty="0"/>
-              <a:t>הסבר קצר על מה זה כורים, והסבר על מעבר לכרייה בקבוצות.</a:t>
-            </a:r>
-          </a:p>
-          <a:p>
-            <a:r>
-              <a:rPr lang="he-IL" dirty="0"/>
-              <a:t>בהגדרת משחק הקבוצות(</a:t>
-            </a:r>
-            <a:r>
-              <a:rPr lang="en-US" dirty="0"/>
-              <a:t>(pools</a:t>
-            </a:r>
-            <a:r>
-              <a:rPr lang="he-IL" dirty="0"/>
-              <a:t> עם מערכת בטיחות של הוכחת עבודה, תוקפים אחת את השנייה בשיטת </a:t>
-            </a:r>
-            <a:r>
-              <a:rPr lang="en-US" dirty="0"/>
-              <a:t>block withholding attack</a:t>
-            </a:r>
-          </a:p>
-          <a:p>
-            <a:r>
-              <a:rPr lang="he-IL" dirty="0"/>
-              <a:t>מקרה הכללי, אף התקפה של הקבוצות זה לא אי שיווי משקל נאש.</a:t>
-            </a:r>
-            <a:endParaRPr lang="en-US" dirty="0"/>
-          </a:p>
-          <a:p>
-            <a:r>
-              <a:rPr lang="he-IL" dirty="0"/>
-              <a:t>עם 2 קבוצות בלבד שמשתתפות, שיווי משקל נאש נוצר כאשר שתיהן תוקפות וגם שתיהן מרוויחות פחות אם אף אחת לא הייתה תוקפת. (זוהי בעצם דילמת האסיר, עם הבחירה לתקוף או לא)</a:t>
-            </a:r>
-          </a:p>
-          <a:p>
-            <a:r>
-              <a:rPr lang="he-IL" dirty="0"/>
-              <a:t>עם הרבה קבוצות בגודל שווה, יש שיוויון נאש סימטרי כאשר כל הקבוצות מרוויחות פחות מאשר שאף אחת לא תקפה.</a:t>
-            </a:r>
-          </a:p>
-          <a:p>
-            <a:r>
-              <a:rPr lang="he-IL" dirty="0"/>
-              <a:t>לגבי ביטקוין, אי שיוויון לקבוצות פתוחות יעשה טוב, כי ככה יהיו יותר קבוצות קטנות ולכל קבוצה השפעה פחותה יותר. וכך תעבוד מערכת הביזור שעמדה בבסיס הביטקוין.</a:t>
-            </a:r>
-          </a:p>
-        </p:txBody>
-      </p:sp>
-    </p:spTree>
-    <p:extLst>
-      <p:ext uri="{BB962C8B-B14F-4D97-AF65-F5344CB8AC3E}">
-        <p14:creationId xmlns:p14="http://schemas.microsoft.com/office/powerpoint/2010/main" val="612204638"/>
-      </p:ext>
-    </p:extLst>
-  </p:cSld>
-  <p:clrMapOvr>
-    <a:masterClrMapping/>
-  </p:clrMapOvr>
-</p:sld>
-</file>
-
-<file path=ppt/slides/slide20.xml><?xml version="1.0" encoding="utf-8"?>
+<file path=ppt/slides/slide19.xml><?xml version="1.0" encoding="utf-8"?>
 <p:sld xmlns:a="http://schemas.openxmlformats.org/drawingml/2006/main" xmlns:r="http://schemas.openxmlformats.org/officeDocument/2006/relationships" xmlns:p="http://schemas.openxmlformats.org/presentationml/2006/main">
   <p:cSld>
     <p:spTree>
@@ -9284,7 +8787,7 @@
                       <m:sSub>
                         <m:sSubPr>
                           <m:ctrlPr>
-                            <a:rPr lang="en-US" sz="2000" dirty="0" smtClean="0">
+                            <a:rPr lang="en-US" sz="2000" i="1" dirty="0" smtClean="0">
                               <a:latin typeface="Cambria Math" panose="02040503050406030204" pitchFamily="18" charset="0"/>
                             </a:rPr>
                           </m:ctrlPr>
@@ -9779,10 +9282,10 @@
                         </m:sSubPr>
                         <m:e>
                           <m:r>
-                            <a:rPr lang="en-US" sz="2000" i="1" dirty="0">
+                            <a:rPr lang="en-US" sz="2000" b="0" i="1" dirty="0" smtClean="0">
                               <a:latin typeface="Cambria Math" panose="02040503050406030204" pitchFamily="18" charset="0"/>
                             </a:rPr>
-                            <m:t>𝑅</m:t>
+                            <m:t>𝑟</m:t>
                           </m:r>
                         </m:e>
                         <m:sub>
@@ -9883,24 +9386,31 @@
                             </a:rPr>
                             <m:t>∗</m:t>
                           </m:r>
-                          <m:r>
-                            <a:rPr lang="en-US" sz="2000" i="1" dirty="0">
-                              <a:latin typeface="Cambria Math" panose="02040503050406030204" pitchFamily="18" charset="0"/>
-                            </a:rPr>
-                            <m:t>𝑟</m:t>
-                          </m:r>
-                          <m:r>
-                            <a:rPr lang="en-US" sz="2000" i="1" dirty="0">
-                              <a:latin typeface="Cambria Math" panose="02040503050406030204" pitchFamily="18" charset="0"/>
-                            </a:rPr>
-                            <m:t>_</m:t>
-                          </m:r>
-                          <m:r>
-                            <a:rPr lang="en-US" sz="2000" i="1" dirty="0">
-                              <a:latin typeface="Cambria Math" panose="02040503050406030204" pitchFamily="18" charset="0"/>
-                            </a:rPr>
-                            <m:t>2</m:t>
-                          </m:r>
+                          <m:sSub>
+                            <m:sSubPr>
+                              <m:ctrlPr>
+                                <a:rPr lang="en-US" sz="2000" i="1" dirty="0">
+                                  <a:latin typeface="Cambria Math" panose="02040503050406030204" pitchFamily="18" charset="0"/>
+                                </a:rPr>
+                              </m:ctrlPr>
+                            </m:sSubPr>
+                            <m:e>
+                              <m:r>
+                                <a:rPr lang="en-US" sz="2000" i="1" dirty="0">
+                                  <a:latin typeface="Cambria Math" panose="02040503050406030204" pitchFamily="18" charset="0"/>
+                                </a:rPr>
+                                <m:t>𝑟</m:t>
+                              </m:r>
+                            </m:e>
+                            <m:sub>
+                              <m:r>
+                                <a:rPr lang="en-US" sz="2000" dirty="0">
+                                  <a:latin typeface="Cambria Math" panose="02040503050406030204" pitchFamily="18" charset="0"/>
+                                </a:rPr>
+                                <m:t>2</m:t>
+                              </m:r>
+                            </m:sub>
+                          </m:sSub>
                         </m:num>
                         <m:den>
                           <m:sSub>
@@ -9995,6 +9505,232 @@
 </p:sld>
 </file>
 
+<file path=ppt/slides/slide2.xml><?xml version="1.0" encoding="utf-8"?>
+<p:sld xmlns:a="http://schemas.openxmlformats.org/drawingml/2006/main" xmlns:r="http://schemas.openxmlformats.org/officeDocument/2006/relationships" xmlns:p="http://schemas.openxmlformats.org/presentationml/2006/main">
+  <p:cSld>
+    <p:spTree>
+      <p:nvGrpSpPr>
+        <p:cNvPr id="1" name=""/>
+        <p:cNvGrpSpPr/>
+        <p:nvPr/>
+      </p:nvGrpSpPr>
+      <p:grpSpPr>
+        <a:xfrm>
+          <a:off x="0" y="0"/>
+          <a:ext cx="0" cy="0"/>
+          <a:chOff x="0" y="0"/>
+          <a:chExt cx="0" cy="0"/>
+        </a:xfrm>
+      </p:grpSpPr>
+      <p:sp>
+        <p:nvSpPr>
+          <p:cNvPr id="2" name="כותרת 1">
+            <a:extLst>
+              <a:ext uri="{FF2B5EF4-FFF2-40B4-BE49-F238E27FC236}">
+                <a16:creationId xmlns:a16="http://schemas.microsoft.com/office/drawing/2014/main" id="{F3A18203-541B-4B92-83A7-8D92A93D1365}"/>
+              </a:ext>
+            </a:extLst>
+          </p:cNvPr>
+          <p:cNvSpPr>
+            <a:spLocks noGrp="1"/>
+          </p:cNvSpPr>
+          <p:nvPr>
+            <p:ph type="title"/>
+          </p:nvPr>
+        </p:nvSpPr>
+        <p:spPr/>
+        <p:txBody>
+          <a:bodyPr/>
+          <a:lstStyle/>
+          <a:p>
+            <a:pPr algn="ctr"/>
+            <a:r>
+              <a:rPr lang="en-US" dirty="0"/>
+              <a:t>Pool Mining </a:t>
+            </a:r>
+          </a:p>
+        </p:txBody>
+      </p:sp>
+      <p:sp>
+        <p:nvSpPr>
+          <p:cNvPr id="3" name="מציין מיקום תוכן 2">
+            <a:extLst>
+              <a:ext uri="{FF2B5EF4-FFF2-40B4-BE49-F238E27FC236}">
+                <a16:creationId xmlns:a16="http://schemas.microsoft.com/office/drawing/2014/main" id="{88C5B091-A46A-4284-BBDB-4E0D44517EE0}"/>
+              </a:ext>
+            </a:extLst>
+          </p:cNvPr>
+          <p:cNvSpPr>
+            <a:spLocks noGrp="1"/>
+          </p:cNvSpPr>
+          <p:nvPr>
+            <p:ph idx="1"/>
+          </p:nvPr>
+        </p:nvSpPr>
+        <p:spPr>
+          <a:xfrm>
+            <a:off x="838200" y="1825625"/>
+            <a:ext cx="10515600" cy="1964497"/>
+          </a:xfrm>
+        </p:spPr>
+        <p:txBody>
+          <a:bodyPr/>
+          <a:lstStyle/>
+          <a:p>
+            <a:r>
+              <a:rPr lang="he-IL" dirty="0"/>
+              <a:t>כרייה של ביטקוין מגיעה מפתירה של פאזל מרשת הביטקוין, מאחר שזה נעשה בלתי ריאלי לכרות מהמחשב האישי נוצרו קבוצות כרייה כדי ליצור רווח יציב וקבוע.</a:t>
+            </a:r>
+            <a:endParaRPr lang="en-US" dirty="0"/>
+          </a:p>
+          <a:p>
+            <a:r>
+              <a:rPr lang="he-IL" dirty="0"/>
+              <a:t>איך זה עובד?</a:t>
+            </a:r>
+          </a:p>
+          <a:p>
+            <a:pPr marL="0" indent="0">
+              <a:buNone/>
+            </a:pPr>
+            <a:endParaRPr lang="en-US" dirty="0"/>
+          </a:p>
+        </p:txBody>
+      </p:sp>
+    </p:spTree>
+    <p:extLst>
+      <p:ext uri="{BB962C8B-B14F-4D97-AF65-F5344CB8AC3E}">
+        <p14:creationId xmlns:p14="http://schemas.microsoft.com/office/powerpoint/2010/main" val="3988579060"/>
+      </p:ext>
+    </p:extLst>
+  </p:cSld>
+  <p:clrMapOvr>
+    <a:masterClrMapping/>
+  </p:clrMapOvr>
+</p:sld>
+</file>
+
+<file path=ppt/slides/slide20.xml><?xml version="1.0" encoding="utf-8"?>
+<p:sld xmlns:a="http://schemas.openxmlformats.org/drawingml/2006/main" xmlns:r="http://schemas.openxmlformats.org/officeDocument/2006/relationships" xmlns:p="http://schemas.openxmlformats.org/presentationml/2006/main">
+  <p:cSld>
+    <p:spTree>
+      <p:nvGrpSpPr>
+        <p:cNvPr id="1" name=""/>
+        <p:cNvGrpSpPr/>
+        <p:nvPr/>
+      </p:nvGrpSpPr>
+      <p:grpSpPr>
+        <a:xfrm>
+          <a:off x="0" y="0"/>
+          <a:ext cx="0" cy="0"/>
+          <a:chOff x="0" y="0"/>
+          <a:chExt cx="0" cy="0"/>
+        </a:xfrm>
+      </p:grpSpPr>
+      <p:sp>
+        <p:nvSpPr>
+          <p:cNvPr id="2" name="כותרת 1">
+            <a:extLst>
+              <a:ext uri="{FF2B5EF4-FFF2-40B4-BE49-F238E27FC236}">
+                <a16:creationId xmlns:a16="http://schemas.microsoft.com/office/drawing/2014/main" id="{6381C37E-849C-48EB-975C-0383031109E7}"/>
+              </a:ext>
+            </a:extLst>
+          </p:cNvPr>
+          <p:cNvSpPr>
+            <a:spLocks noGrp="1"/>
+          </p:cNvSpPr>
+          <p:nvPr>
+            <p:ph type="title"/>
+          </p:nvPr>
+        </p:nvSpPr>
+        <p:spPr/>
+        <p:txBody>
+          <a:bodyPr/>
+          <a:lstStyle/>
+          <a:p>
+            <a:pPr algn="ctr"/>
+            <a:r>
+              <a:rPr lang="en-US" dirty="0"/>
+              <a:t>Block withholding attack</a:t>
+            </a:r>
+          </a:p>
+        </p:txBody>
+      </p:sp>
+      <p:sp>
+        <p:nvSpPr>
+          <p:cNvPr id="3" name="מציין מיקום תוכן 2">
+            <a:extLst>
+              <a:ext uri="{FF2B5EF4-FFF2-40B4-BE49-F238E27FC236}">
+                <a16:creationId xmlns:a16="http://schemas.microsoft.com/office/drawing/2014/main" id="{A49FADC4-CADE-405A-AEC3-98426E85BBC1}"/>
+              </a:ext>
+            </a:extLst>
+          </p:cNvPr>
+          <p:cNvSpPr>
+            <a:spLocks noGrp="1"/>
+          </p:cNvSpPr>
+          <p:nvPr>
+            <p:ph idx="1"/>
+          </p:nvPr>
+        </p:nvSpPr>
+        <p:spPr/>
+        <p:txBody>
+          <a:bodyPr/>
+          <a:lstStyle/>
+          <a:p>
+            <a:r>
+              <a:rPr lang="he-IL" dirty="0"/>
+              <a:t>נראה איך זה מגביר רווח:</a:t>
+            </a:r>
+          </a:p>
+          <a:p>
+            <a:pPr marL="0" indent="0">
+              <a:buNone/>
+            </a:pPr>
+            <a:r>
+              <a:rPr lang="he-IL" dirty="0"/>
+              <a:t>נניח שלקבוצה 1 ו2 יש 30% מכוח הכרייה(לצורך הפשטות 10 כורים סה"כ) והרווח שכל קבוצה מייצרת הוא 1 ביטקוין לכורה בממוצע.</a:t>
+            </a:r>
+          </a:p>
+          <a:p>
+            <a:pPr marL="0" indent="0">
+              <a:buNone/>
+            </a:pPr>
+            <a:r>
+              <a:rPr lang="he-IL" dirty="0"/>
+              <a:t>כלומר כל קבוצה צריכה לשלם ל3 כורים, וכוח הכרייה של כל אחת מהקבוצות הוא 3 והרווח הממוצע של כל כורה הוא 1.</a:t>
+            </a:r>
+          </a:p>
+          <a:p>
+            <a:pPr marL="0" indent="0">
+              <a:buNone/>
+            </a:pPr>
+            <a:endParaRPr lang="he-IL" dirty="0"/>
+          </a:p>
+          <a:p>
+            <a:pPr marL="0" indent="0">
+              <a:buNone/>
+            </a:pPr>
+            <a:r>
+              <a:rPr lang="he-IL" dirty="0"/>
+              <a:t>קבוצה 1 תוקפת עם כורה 1 את קבוצה שתיים.</a:t>
+            </a:r>
+            <a:endParaRPr lang="en-US" dirty="0"/>
+          </a:p>
+        </p:txBody>
+      </p:sp>
+    </p:spTree>
+    <p:extLst>
+      <p:ext uri="{BB962C8B-B14F-4D97-AF65-F5344CB8AC3E}">
+        <p14:creationId xmlns:p14="http://schemas.microsoft.com/office/powerpoint/2010/main" val="1323153888"/>
+      </p:ext>
+    </p:extLst>
+  </p:cSld>
+  <p:clrMapOvr>
+    <a:masterClrMapping/>
+  </p:clrMapOvr>
+</p:sld>
+</file>
+
 <file path=ppt/slides/slide21.xml><?xml version="1.0" encoding="utf-8"?>
 <p:sld xmlns:a="http://schemas.openxmlformats.org/drawingml/2006/main" xmlns:r="http://schemas.openxmlformats.org/officeDocument/2006/relationships" xmlns:p="http://schemas.openxmlformats.org/presentationml/2006/main">
   <p:cSld>
@@ -10017,7 +9753,7 @@
           <p:cNvPr id="2" name="כותרת 1">
             <a:extLst>
               <a:ext uri="{FF2B5EF4-FFF2-40B4-BE49-F238E27FC236}">
-                <a16:creationId xmlns:a16="http://schemas.microsoft.com/office/drawing/2014/main" id="{6381C37E-849C-48EB-975C-0383031109E7}"/>
+                <a16:creationId xmlns:a16="http://schemas.microsoft.com/office/drawing/2014/main" id="{A25B7435-32BC-4750-BB5E-9B3A9205398D}"/>
               </a:ext>
             </a:extLst>
           </p:cNvPr>
@@ -10041,72 +9777,446 @@
           </a:p>
         </p:txBody>
       </p:sp>
-      <p:sp>
-        <p:nvSpPr>
-          <p:cNvPr id="3" name="מציין מיקום תוכן 2">
-            <a:extLst>
-              <a:ext uri="{FF2B5EF4-FFF2-40B4-BE49-F238E27FC236}">
-                <a16:creationId xmlns:a16="http://schemas.microsoft.com/office/drawing/2014/main" id="{A49FADC4-CADE-405A-AEC3-98426E85BBC1}"/>
-              </a:ext>
-            </a:extLst>
-          </p:cNvPr>
-          <p:cNvSpPr>
-            <a:spLocks noGrp="1"/>
-          </p:cNvSpPr>
-          <p:nvPr>
-            <p:ph idx="1"/>
-          </p:nvPr>
-        </p:nvSpPr>
-        <p:spPr/>
-        <p:txBody>
-          <a:bodyPr/>
-          <a:lstStyle/>
-          <a:p>
-            <a:r>
-              <a:rPr lang="he-IL" dirty="0"/>
-              <a:t>נראה איך זה מגביר רווח:</a:t>
-            </a:r>
-          </a:p>
-          <a:p>
-            <a:pPr marL="0" indent="0">
-              <a:buNone/>
-            </a:pPr>
-            <a:r>
-              <a:rPr lang="he-IL" dirty="0"/>
-              <a:t>נניח שלקבוצה 1 ו2 יש 30% מכוח הכרייה(לצורך הפשטות 10 כורים סה"כ) והרווח שכל קבוצה מייצרת הוא 1 ביטקוין לכורה בממוצע.</a:t>
-            </a:r>
-          </a:p>
-          <a:p>
-            <a:pPr marL="0" indent="0">
-              <a:buNone/>
-            </a:pPr>
-            <a:r>
-              <a:rPr lang="he-IL" dirty="0"/>
-              <a:t>כלומר כל קבוצה צריכה לשלם ל3 כורים, וכוח הכרייה של כל אחת מהקבוצות הוא 3 והרווח הממוצע של כל כורה הוא 1.</a:t>
-            </a:r>
-          </a:p>
-          <a:p>
-            <a:pPr marL="0" indent="0">
-              <a:buNone/>
-            </a:pPr>
-            <a:endParaRPr lang="he-IL" dirty="0"/>
-          </a:p>
-          <a:p>
-            <a:pPr marL="0" indent="0">
-              <a:buNone/>
-            </a:pPr>
-            <a:r>
-              <a:rPr lang="he-IL" dirty="0"/>
-              <a:t>קבוצה 1 תוקפת עם כורה 1 את קבוצה שתיים.</a:t>
-            </a:r>
-            <a:endParaRPr lang="en-US" dirty="0"/>
-          </a:p>
-        </p:txBody>
-      </p:sp>
+      <mc:AlternateContent xmlns:mc="http://schemas.openxmlformats.org/markup-compatibility/2006">
+        <mc:Choice xmlns:a14="http://schemas.microsoft.com/office/drawing/2010/main" Requires="a14">
+          <p:sp>
+            <p:nvSpPr>
+              <p:cNvPr id="3" name="מציין מיקום תוכן 2">
+                <a:extLst>
+                  <a:ext uri="{FF2B5EF4-FFF2-40B4-BE49-F238E27FC236}">
+                    <a16:creationId xmlns:a16="http://schemas.microsoft.com/office/drawing/2014/main" id="{62CE8477-FA7D-4DF5-A102-E06BA0C9390F}"/>
+                  </a:ext>
+                </a:extLst>
+              </p:cNvPr>
+              <p:cNvSpPr>
+                <a:spLocks noGrp="1"/>
+              </p:cNvSpPr>
+              <p:nvPr>
+                <p:ph idx="1"/>
+              </p:nvPr>
+            </p:nvSpPr>
+            <p:spPr/>
+            <p:txBody>
+              <a:bodyPr>
+                <a:normAutofit/>
+              </a:bodyPr>
+              <a:lstStyle/>
+              <a:p>
+                <a:pPr marL="0" indent="0">
+                  <a:buNone/>
+                </a:pPr>
+                <a:r>
+                  <a:rPr lang="he-IL" sz="2000" dirty="0"/>
+                  <a:t>לפני התקיפה:</a:t>
+                </a:r>
+              </a:p>
+              <a:p>
+                <a:pPr marL="0" indent="0">
+                  <a:buNone/>
+                </a:pPr>
+                <a:r>
+                  <a:rPr lang="he-IL" sz="2000" dirty="0"/>
+                  <a:t>קבוצה 1 – 3 כורים, 30% כוח כרייה</a:t>
+                </a:r>
+                <a:r>
+                  <a:rPr lang="en-US" sz="2000" dirty="0"/>
+                  <a:t>(m(1))</a:t>
+                </a:r>
+                <a:r>
+                  <a:rPr lang="he-IL" sz="2000" dirty="0"/>
+                  <a:t>, רווח ממוצע לכורה 1.</a:t>
+                </a:r>
+              </a:p>
+              <a:p>
+                <a:pPr marL="0" indent="0">
+                  <a:buNone/>
+                </a:pPr>
+                <a:r>
+                  <a:rPr lang="he-IL" sz="2000" dirty="0"/>
+                  <a:t>קבוצה 2 – 3 כורים, 30% כוח כרייה</a:t>
+                </a:r>
+                <a:r>
+                  <a:rPr lang="en-US" sz="2000" dirty="0"/>
+                  <a:t>(m(2))</a:t>
+                </a:r>
+                <a:r>
+                  <a:rPr lang="he-IL" sz="2000" dirty="0"/>
+                  <a:t>, רווח ממוצע לכורה 1.</a:t>
+                </a:r>
+              </a:p>
+              <a:p>
+                <a:pPr marL="0" indent="0">
+                  <a:buNone/>
+                </a:pPr>
+                <a:r>
+                  <a:rPr lang="he-IL" sz="2000" dirty="0"/>
+                  <a:t>רווח כללי לקבוצה 1</a:t>
+                </a:r>
+                <a:r>
+                  <a:rPr lang="en-US" sz="2000" dirty="0"/>
+                  <a:t> </a:t>
+                </a:r>
+                <a:r>
+                  <a:rPr lang="he-IL" sz="2000" dirty="0"/>
+                  <a:t>: </a:t>
+                </a:r>
+                <a:r>
+                  <a:rPr lang="en-US" sz="2000" dirty="0"/>
+                  <a:t> m(1)/m = 0.3</a:t>
+                </a:r>
+                <a:r>
+                  <a:rPr lang="he-IL" sz="2000" dirty="0"/>
+                  <a:t> </a:t>
+                </a:r>
+                <a:endParaRPr lang="en-US" sz="2000" dirty="0"/>
+              </a:p>
+              <a:p>
+                <a:pPr marL="0" indent="0">
+                  <a:buNone/>
+                </a:pPr>
+                <a:r>
+                  <a:rPr lang="he-IL" sz="2000" dirty="0"/>
+                  <a:t>רווח כללי לקבוצה 2:  </a:t>
+                </a:r>
+                <a:r>
+                  <a:rPr lang="en-US" sz="2000" dirty="0"/>
+                  <a:t>m(2)/m = 0.3</a:t>
+                </a:r>
+                <a:endParaRPr lang="he-IL" sz="2000" dirty="0"/>
+              </a:p>
+              <a:p>
+                <a:pPr marL="0" indent="0">
+                  <a:buNone/>
+                </a:pPr>
+                <a:endParaRPr lang="he-IL" sz="2000" dirty="0"/>
+              </a:p>
+              <a:p>
+                <a:pPr marL="0" indent="0">
+                  <a:buNone/>
+                </a:pPr>
+                <a:r>
+                  <a:rPr lang="he-IL" sz="2000" dirty="0"/>
+                  <a:t>אחרי התקיפה:</a:t>
+                </a:r>
+              </a:p>
+              <a:p>
+                <a:pPr marL="0" indent="0">
+                  <a:buNone/>
+                </a:pPr>
+                <a:r>
+                  <a:rPr lang="he-IL" sz="2000" dirty="0"/>
+                  <a:t>קבוצה 1 – 2 כורים(שבאמת כורים)</a:t>
+                </a:r>
+                <a:r>
+                  <a:rPr lang="en-US" sz="2000" dirty="0"/>
+                  <a:t> </a:t>
+                </a:r>
+                <a14:m>
+                  <m:oMath xmlns:m="http://schemas.openxmlformats.org/officeDocument/2006/math">
+                    <m:f>
+                      <m:fPr>
+                        <m:ctrlPr>
+                          <a:rPr lang="en-US" sz="2000" b="0" i="1" smtClean="0">
+                            <a:latin typeface="Cambria Math" panose="02040503050406030204" pitchFamily="18" charset="0"/>
+                          </a:rPr>
+                        </m:ctrlPr>
+                      </m:fPr>
+                      <m:num>
+                        <m:d>
+                          <m:dPr>
+                            <m:ctrlPr>
+                              <a:rPr lang="en-US" sz="2000" b="0" i="1" smtClean="0">
+                                <a:latin typeface="Cambria Math" panose="02040503050406030204" pitchFamily="18" charset="0"/>
+                              </a:rPr>
+                            </m:ctrlPr>
+                          </m:dPr>
+                          <m:e>
+                            <m:f>
+                              <m:fPr>
+                                <m:ctrlPr>
+                                  <a:rPr lang="en-US" sz="2000" b="0" i="1" smtClean="0">
+                                    <a:latin typeface="Cambria Math" panose="02040503050406030204" pitchFamily="18" charset="0"/>
+                                  </a:rPr>
+                                </m:ctrlPr>
+                              </m:fPr>
+                              <m:num>
+                                <m:r>
+                                  <a:rPr lang="en-US" sz="2000" b="0" i="1" smtClean="0">
+                                    <a:latin typeface="Cambria Math" panose="02040503050406030204" pitchFamily="18" charset="0"/>
+                                  </a:rPr>
+                                  <m:t>2</m:t>
+                                </m:r>
+                              </m:num>
+                              <m:den>
+                                <m:r>
+                                  <a:rPr lang="en-US" sz="2000" b="0" i="1" smtClean="0">
+                                    <a:latin typeface="Cambria Math" panose="02040503050406030204" pitchFamily="18" charset="0"/>
+                                  </a:rPr>
+                                  <m:t>9</m:t>
+                                </m:r>
+                              </m:den>
+                            </m:f>
+                          </m:e>
+                        </m:d>
+                        <m:r>
+                          <a:rPr lang="en-US" sz="2000" b="0" i="1" smtClean="0">
+                            <a:latin typeface="Cambria Math" panose="02040503050406030204" pitchFamily="18" charset="0"/>
+                          </a:rPr>
+                          <m:t>+</m:t>
+                        </m:r>
+                        <m:r>
+                          <a:rPr lang="en-US" sz="2000" b="0" i="1" smtClean="0">
+                            <a:latin typeface="Cambria Math" panose="02040503050406030204" pitchFamily="18" charset="0"/>
+                          </a:rPr>
+                          <m:t>0</m:t>
+                        </m:r>
+                        <m:r>
+                          <a:rPr lang="en-US" sz="2000" b="0" i="1" smtClean="0">
+                            <a:latin typeface="Cambria Math" panose="02040503050406030204" pitchFamily="18" charset="0"/>
+                          </a:rPr>
+                          <m:t>.</m:t>
+                        </m:r>
+                        <m:r>
+                          <a:rPr lang="en-US" sz="2000" b="0" i="1" smtClean="0">
+                            <a:latin typeface="Cambria Math" panose="02040503050406030204" pitchFamily="18" charset="0"/>
+                          </a:rPr>
+                          <m:t>1</m:t>
+                        </m:r>
+                        <m:r>
+                          <a:rPr lang="en-US" sz="2000" b="0" i="1" smtClean="0">
+                            <a:latin typeface="Cambria Math" panose="02040503050406030204" pitchFamily="18" charset="0"/>
+                          </a:rPr>
+                          <m:t>∗</m:t>
+                        </m:r>
+                        <m:r>
+                          <a:rPr lang="en-US" sz="2000" b="0" i="1" smtClean="0">
+                            <a:latin typeface="Cambria Math" panose="02040503050406030204" pitchFamily="18" charset="0"/>
+                          </a:rPr>
+                          <m:t>0</m:t>
+                        </m:r>
+                        <m:r>
+                          <a:rPr lang="en-US" sz="2000" b="0" i="1" smtClean="0">
+                            <a:latin typeface="Cambria Math" panose="02040503050406030204" pitchFamily="18" charset="0"/>
+                          </a:rPr>
+                          <m:t>.</m:t>
+                        </m:r>
+                        <m:r>
+                          <a:rPr lang="en-US" sz="2000" b="0" i="1" smtClean="0">
+                            <a:latin typeface="Cambria Math" panose="02040503050406030204" pitchFamily="18" charset="0"/>
+                          </a:rPr>
+                          <m:t>833</m:t>
+                        </m:r>
+                      </m:num>
+                      <m:den>
+                        <m:r>
+                          <a:rPr lang="en-US" sz="2000" b="0" i="1" smtClean="0">
+                            <a:latin typeface="Cambria Math" panose="02040503050406030204" pitchFamily="18" charset="0"/>
+                          </a:rPr>
+                          <m:t>0</m:t>
+                        </m:r>
+                        <m:r>
+                          <a:rPr lang="en-US" sz="2000" b="0" i="1" smtClean="0">
+                            <a:latin typeface="Cambria Math" panose="02040503050406030204" pitchFamily="18" charset="0"/>
+                          </a:rPr>
+                          <m:t>.</m:t>
+                        </m:r>
+                        <m:r>
+                          <a:rPr lang="en-US" sz="2000" b="0" i="1" smtClean="0">
+                            <a:latin typeface="Cambria Math" panose="02040503050406030204" pitchFamily="18" charset="0"/>
+                          </a:rPr>
+                          <m:t>3</m:t>
+                        </m:r>
+                      </m:den>
+                    </m:f>
+                    <m:r>
+                      <a:rPr lang="en-US" sz="2000" b="0" i="1" smtClean="0">
+                        <a:latin typeface="Cambria Math" panose="02040503050406030204" pitchFamily="18" charset="0"/>
+                      </a:rPr>
+                      <m:t>=</m:t>
+                    </m:r>
+                    <m:r>
+                      <a:rPr lang="en-US" sz="2000" b="0" i="1" smtClean="0">
+                        <a:latin typeface="Cambria Math" panose="02040503050406030204" pitchFamily="18" charset="0"/>
+                      </a:rPr>
+                      <m:t>1</m:t>
+                    </m:r>
+                    <m:r>
+                      <a:rPr lang="en-US" sz="2000" b="0" i="1" smtClean="0">
+                        <a:latin typeface="Cambria Math" panose="02040503050406030204" pitchFamily="18" charset="0"/>
+                      </a:rPr>
+                      <m:t>.</m:t>
+                    </m:r>
+                    <m:r>
+                      <a:rPr lang="en-US" sz="2000" b="0" i="1" smtClean="0">
+                        <a:latin typeface="Cambria Math" panose="02040503050406030204" pitchFamily="18" charset="0"/>
+                      </a:rPr>
+                      <m:t>01</m:t>
+                    </m:r>
+                  </m:oMath>
+                </a14:m>
+                <a:r>
+                  <a:rPr lang="en-US" sz="2000" dirty="0"/>
+                  <a:t> :</a:t>
+                </a:r>
+                <a:r>
+                  <a:rPr lang="he-IL" sz="2000" dirty="0"/>
+                  <a:t>.</a:t>
+                </a:r>
+                <a:endParaRPr lang="en-US" sz="2000" dirty="0"/>
+              </a:p>
+              <a:p>
+                <a:pPr marL="0" indent="0">
+                  <a:buNone/>
+                </a:pPr>
+                <a:r>
+                  <a:rPr lang="he-IL" sz="2000" dirty="0"/>
+                  <a:t>קבוצה 2 – 4 כורים(3 שבאמת כורים)</a:t>
+                </a:r>
+                <a:r>
+                  <a:rPr lang="en-US" sz="2000" dirty="0"/>
+                  <a:t> r(2) = </a:t>
+                </a:r>
+                <a14:m>
+                  <m:oMath xmlns:m="http://schemas.openxmlformats.org/officeDocument/2006/math">
+                    <m:f>
+                      <m:fPr>
+                        <m:ctrlPr>
+                          <a:rPr lang="en-US" sz="2000" b="0" i="1" smtClean="0">
+                            <a:latin typeface="Cambria Math" panose="02040503050406030204" pitchFamily="18" charset="0"/>
+                          </a:rPr>
+                        </m:ctrlPr>
+                      </m:fPr>
+                      <m:num>
+                        <m:f>
+                          <m:fPr>
+                            <m:ctrlPr>
+                              <a:rPr lang="en-US" sz="2000" b="0" i="1" smtClean="0">
+                                <a:latin typeface="Cambria Math" panose="02040503050406030204" pitchFamily="18" charset="0"/>
+                              </a:rPr>
+                            </m:ctrlPr>
+                          </m:fPr>
+                          <m:num>
+                            <m:r>
+                              <a:rPr lang="en-US" sz="2000" b="0" i="1" smtClean="0">
+                                <a:latin typeface="Cambria Math" panose="02040503050406030204" pitchFamily="18" charset="0"/>
+                              </a:rPr>
+                              <m:t>3</m:t>
+                            </m:r>
+                          </m:num>
+                          <m:den>
+                            <m:r>
+                              <a:rPr lang="en-US" sz="2000" b="0" i="1" smtClean="0">
+                                <a:latin typeface="Cambria Math" panose="02040503050406030204" pitchFamily="18" charset="0"/>
+                              </a:rPr>
+                              <m:t>9</m:t>
+                            </m:r>
+                          </m:den>
+                        </m:f>
+                      </m:num>
+                      <m:den>
+                        <m:r>
+                          <a:rPr lang="en-US" sz="2000" b="0" i="1" smtClean="0">
+                            <a:latin typeface="Cambria Math" panose="02040503050406030204" pitchFamily="18" charset="0"/>
+                          </a:rPr>
+                          <m:t>0</m:t>
+                        </m:r>
+                        <m:r>
+                          <a:rPr lang="en-US" sz="2000" b="0" i="1" smtClean="0">
+                            <a:latin typeface="Cambria Math" panose="02040503050406030204" pitchFamily="18" charset="0"/>
+                          </a:rPr>
+                          <m:t>.</m:t>
+                        </m:r>
+                        <m:r>
+                          <a:rPr lang="en-US" sz="2000" b="0" i="1" smtClean="0">
+                            <a:latin typeface="Cambria Math" panose="02040503050406030204" pitchFamily="18" charset="0"/>
+                          </a:rPr>
+                          <m:t>4</m:t>
+                        </m:r>
+                      </m:den>
+                    </m:f>
+                    <m:r>
+                      <a:rPr lang="en-US" sz="2000" b="0" i="1" smtClean="0">
+                        <a:latin typeface="Cambria Math" panose="02040503050406030204" pitchFamily="18" charset="0"/>
+                      </a:rPr>
+                      <m:t>=</m:t>
+                    </m:r>
+                    <m:r>
+                      <a:rPr lang="en-US" sz="2000" b="0" i="1" smtClean="0">
+                        <a:latin typeface="Cambria Math" panose="02040503050406030204" pitchFamily="18" charset="0"/>
+                      </a:rPr>
+                      <m:t>0</m:t>
+                    </m:r>
+                    <m:r>
+                      <a:rPr lang="en-US" sz="2000" b="0" i="1" smtClean="0">
+                        <a:latin typeface="Cambria Math" panose="02040503050406030204" pitchFamily="18" charset="0"/>
+                      </a:rPr>
+                      <m:t>.</m:t>
+                    </m:r>
+                    <m:r>
+                      <a:rPr lang="en-US" sz="2000" b="0" i="1" smtClean="0">
+                        <a:latin typeface="Cambria Math" panose="02040503050406030204" pitchFamily="18" charset="0"/>
+                      </a:rPr>
+                      <m:t>833</m:t>
+                    </m:r>
+                  </m:oMath>
+                </a14:m>
+                <a:r>
+                  <a:rPr lang="en-US" sz="2000" dirty="0"/>
+                  <a:t> :</a:t>
+                </a:r>
+                <a:r>
+                  <a:rPr lang="he-IL" sz="2000" dirty="0"/>
+                  <a:t>.</a:t>
+                </a:r>
+                <a:endParaRPr lang="en-US" sz="2000" dirty="0"/>
+              </a:p>
+            </p:txBody>
+          </p:sp>
+        </mc:Choice>
+        <mc:Fallback>
+          <p:sp>
+            <p:nvSpPr>
+              <p:cNvPr id="3" name="מציין מיקום תוכן 2">
+                <a:extLst>
+                  <a:ext uri="{FF2B5EF4-FFF2-40B4-BE49-F238E27FC236}">
+                    <a16:creationId xmlns:a16="http://schemas.microsoft.com/office/drawing/2014/main" id="{62CE8477-FA7D-4DF5-A102-E06BA0C9390F}"/>
+                  </a:ext>
+                </a:extLst>
+              </p:cNvPr>
+              <p:cNvSpPr>
+                <a:spLocks noGrp="1" noRot="1" noChangeAspect="1" noMove="1" noResize="1" noEditPoints="1" noAdjustHandles="1" noChangeArrowheads="1" noChangeShapeType="1" noTextEdit="1"/>
+              </p:cNvSpPr>
+              <p:nvPr>
+                <p:ph idx="1"/>
+              </p:nvPr>
+            </p:nvSpPr>
+            <p:spPr>
+              <a:blipFill>
+                <a:blip r:embed="rId2"/>
+                <a:stretch>
+                  <a:fillRect t="-1261" r="-580"/>
+                </a:stretch>
+              </a:blipFill>
+            </p:spPr>
+            <p:txBody>
+              <a:bodyPr/>
+              <a:lstStyle/>
+              <a:p>
+                <a:r>
+                  <a:rPr lang="en-US">
+                    <a:noFill/>
+                  </a:rPr>
+                  <a:t> </a:t>
+                </a:r>
+              </a:p>
+            </p:txBody>
+          </p:sp>
+        </mc:Fallback>
+      </mc:AlternateContent>
     </p:spTree>
     <p:extLst>
       <p:ext uri="{BB962C8B-B14F-4D97-AF65-F5344CB8AC3E}">
-        <p14:creationId xmlns:p14="http://schemas.microsoft.com/office/powerpoint/2010/main" val="1323153888"/>
+        <p14:creationId xmlns:p14="http://schemas.microsoft.com/office/powerpoint/2010/main" val="2391065454"/>
       </p:ext>
     </p:extLst>
   </p:cSld>
@@ -10138,7 +10248,7 @@
           <p:cNvPr id="2" name="כותרת 1">
             <a:extLst>
               <a:ext uri="{FF2B5EF4-FFF2-40B4-BE49-F238E27FC236}">
-                <a16:creationId xmlns:a16="http://schemas.microsoft.com/office/drawing/2014/main" id="{A25B7435-32BC-4750-BB5E-9B3A9205398D}"/>
+                <a16:creationId xmlns:a16="http://schemas.microsoft.com/office/drawing/2014/main" id="{D08E3977-A6EF-438B-8855-270E72CEC51E}"/>
               </a:ext>
             </a:extLst>
           </p:cNvPr>
@@ -10162,97 +10272,117 @@
           </a:p>
         </p:txBody>
       </p:sp>
-      <p:sp>
-        <p:nvSpPr>
-          <p:cNvPr id="3" name="מציין מיקום תוכן 2">
-            <a:extLst>
-              <a:ext uri="{FF2B5EF4-FFF2-40B4-BE49-F238E27FC236}">
-                <a16:creationId xmlns:a16="http://schemas.microsoft.com/office/drawing/2014/main" id="{62CE8477-FA7D-4DF5-A102-E06BA0C9390F}"/>
-              </a:ext>
-            </a:extLst>
-          </p:cNvPr>
-          <p:cNvSpPr>
-            <a:spLocks noGrp="1"/>
-          </p:cNvSpPr>
+      <p:pic>
+        <p:nvPicPr>
+          <p:cNvPr id="5" name="מציין מיקום תוכן 4">
+            <a:extLst>
+              <a:ext uri="{FF2B5EF4-FFF2-40B4-BE49-F238E27FC236}">
+                <a16:creationId xmlns:a16="http://schemas.microsoft.com/office/drawing/2014/main" id="{39B798AE-8C64-4BD4-834A-DFE9EED63B0D}"/>
+              </a:ext>
+            </a:extLst>
+          </p:cNvPr>
+          <p:cNvPicPr>
+            <a:picLocks noGrp="1" noChangeAspect="1"/>
+          </p:cNvPicPr>
           <p:nvPr>
             <p:ph idx="1"/>
           </p:nvPr>
+        </p:nvPicPr>
+        <p:blipFill>
+          <a:blip r:embed="rId2">
+            <a:extLst>
+              <a:ext uri="{28A0092B-C50C-407E-A947-70E740481C1C}">
+                <a14:useLocalDpi xmlns:a14="http://schemas.microsoft.com/office/drawing/2010/main" val="0"/>
+              </a:ext>
+            </a:extLst>
+          </a:blip>
+          <a:stretch>
+            <a:fillRect/>
+          </a:stretch>
+        </p:blipFill>
+        <p:spPr>
+          <a:xfrm>
+            <a:off x="2347748" y="1690688"/>
+            <a:ext cx="4395495" cy="1056608"/>
+          </a:xfrm>
+        </p:spPr>
+      </p:pic>
+      <p:sp>
+        <p:nvSpPr>
+          <p:cNvPr id="7" name="TextBox 6">
+            <a:extLst>
+              <a:ext uri="{FF2B5EF4-FFF2-40B4-BE49-F238E27FC236}">
+                <a16:creationId xmlns:a16="http://schemas.microsoft.com/office/drawing/2014/main" id="{0F1247B5-2383-4563-805B-A636CE08BE57}"/>
+              </a:ext>
+            </a:extLst>
+          </p:cNvPr>
+          <p:cNvSpPr txBox="1"/>
+          <p:nvPr/>
         </p:nvSpPr>
-        <p:spPr/>
+        <p:spPr>
+          <a:xfrm>
+            <a:off x="8085658" y="1867346"/>
+            <a:ext cx="3536497" cy="461665"/>
+          </a:xfrm>
+          <a:prstGeom prst="rect">
+            <a:avLst/>
+          </a:prstGeom>
+          <a:noFill/>
+        </p:spPr>
         <p:txBody>
-          <a:bodyPr>
-            <a:normAutofit/>
+          <a:bodyPr wrap="square" rtlCol="0">
+            <a:spAutoFit/>
           </a:bodyPr>
           <a:lstStyle/>
           <a:p>
-            <a:pPr marL="0" indent="0">
-              <a:buNone/>
-            </a:pPr>
-            <a:r>
-              <a:rPr lang="he-IL" sz="2000" dirty="0"/>
-              <a:t>לפני התקיפה:</a:t>
-            </a:r>
-          </a:p>
-          <a:p>
-            <a:pPr marL="0" indent="0">
-              <a:buNone/>
-            </a:pPr>
-            <a:r>
-              <a:rPr lang="he-IL" sz="2000" dirty="0"/>
-              <a:t>קבוצה 1 – 3 כורים, 30% כוח כרייה, רווח ממוצע לכורה 1.</a:t>
-            </a:r>
-          </a:p>
-          <a:p>
-            <a:pPr marL="0" indent="0">
-              <a:buNone/>
-            </a:pPr>
-            <a:r>
-              <a:rPr lang="he-IL" sz="2000" dirty="0"/>
-              <a:t>קבוצה 2 – 3 כורים, 30% כוח כרייה, רווח ממוצע לכורה 1.</a:t>
-            </a:r>
-            <a:endParaRPr lang="en-US" sz="2000" dirty="0"/>
-          </a:p>
-          <a:p>
-            <a:pPr marL="0" indent="0">
-              <a:buNone/>
-            </a:pPr>
-            <a:endParaRPr lang="he-IL" sz="2000" dirty="0"/>
-          </a:p>
-          <a:p>
-            <a:pPr marL="0" indent="0">
-              <a:buNone/>
-            </a:pPr>
-            <a:r>
-              <a:rPr lang="he-IL" sz="2000" dirty="0"/>
-              <a:t>אחרי התקיפה:</a:t>
-            </a:r>
-          </a:p>
-          <a:p>
-            <a:pPr marL="0" indent="0">
-              <a:buNone/>
-            </a:pPr>
-            <a:r>
-              <a:rPr lang="he-IL" sz="2000" dirty="0"/>
-              <a:t>קבוצה 1 – 2 כורים(שבאמת כורים), 2/9 % כוח כרייה, רווח ממוצע לכורה 11/12 = 3/(2+3/4).</a:t>
-            </a:r>
-            <a:endParaRPr lang="en-US" sz="2000" dirty="0"/>
-          </a:p>
-          <a:p>
-            <a:pPr marL="0" indent="0">
-              <a:buNone/>
-            </a:pPr>
-            <a:r>
-              <a:rPr lang="he-IL" sz="2000" dirty="0"/>
-              <a:t>קבוצה 2 – 4 כורים(3 שבאמת כורים), 3/9 % כוח כרייה, רווח ממוצע לכורה 3/4 = 3/4.</a:t>
-            </a:r>
-            <a:endParaRPr lang="en-US" sz="2000" dirty="0"/>
+            <a:r>
+              <a:rPr lang="he-IL" sz="2400" dirty="0"/>
+              <a:t>בצורה קצת יותר פורמלית:</a:t>
+            </a:r>
+            <a:endParaRPr lang="en-US" sz="2400" dirty="0"/>
+          </a:p>
+        </p:txBody>
+      </p:sp>
+      <p:sp>
+        <p:nvSpPr>
+          <p:cNvPr id="8" name="TextBox 7">
+            <a:extLst>
+              <a:ext uri="{FF2B5EF4-FFF2-40B4-BE49-F238E27FC236}">
+                <a16:creationId xmlns:a16="http://schemas.microsoft.com/office/drawing/2014/main" id="{F37F4207-BE36-46EF-BAB7-01DCC5E5954F}"/>
+              </a:ext>
+            </a:extLst>
+          </p:cNvPr>
+          <p:cNvSpPr txBox="1"/>
+          <p:nvPr/>
+        </p:nvSpPr>
+        <p:spPr>
+          <a:xfrm>
+            <a:off x="2146853" y="4110705"/>
+            <a:ext cx="9395788" cy="646331"/>
+          </a:xfrm>
+          <a:prstGeom prst="rect">
+            <a:avLst/>
+          </a:prstGeom>
+          <a:noFill/>
+        </p:spPr>
+        <p:txBody>
+          <a:bodyPr wrap="square" rtlCol="0">
+            <a:spAutoFit/>
+          </a:bodyPr>
+          <a:lstStyle/>
+          <a:p>
+            <a:r>
+              <a:rPr lang="he-IL" dirty="0"/>
+              <a:t>את הדבר הזה קיבלנו מהמשוואות 3 שקופיות אחורה, ניתן לדעת את אחוז הכורים שצריך לשלוח כדי למקסם את הרווחים.</a:t>
+            </a:r>
+            <a:endParaRPr lang="en-US" dirty="0"/>
           </a:p>
         </p:txBody>
       </p:sp>
     </p:spTree>
     <p:extLst>
       <p:ext uri="{BB962C8B-B14F-4D97-AF65-F5344CB8AC3E}">
-        <p14:creationId xmlns:p14="http://schemas.microsoft.com/office/powerpoint/2010/main" val="2391065454"/>
+        <p14:creationId xmlns:p14="http://schemas.microsoft.com/office/powerpoint/2010/main" val="2326070081"/>
       </p:ext>
     </p:extLst>
   </p:cSld>
@@ -10281,39 +10411,46 @@
       </p:grpSpPr>
       <p:sp>
         <p:nvSpPr>
-          <p:cNvPr id="2" name="כותרת 1">
-            <a:extLst>
-              <a:ext uri="{FF2B5EF4-FFF2-40B4-BE49-F238E27FC236}">
-                <a16:creationId xmlns:a16="http://schemas.microsoft.com/office/drawing/2014/main" id="{D08E3977-A6EF-438B-8855-270E72CEC51E}"/>
-              </a:ext>
-            </a:extLst>
-          </p:cNvPr>
-          <p:cNvSpPr>
-            <a:spLocks noGrp="1"/>
-          </p:cNvSpPr>
-          <p:nvPr>
-            <p:ph type="title"/>
-          </p:nvPr>
+          <p:cNvPr id="6" name="TextBox 5">
+            <a:extLst>
+              <a:ext uri="{FF2B5EF4-FFF2-40B4-BE49-F238E27FC236}">
+                <a16:creationId xmlns:a16="http://schemas.microsoft.com/office/drawing/2014/main" id="{918896C4-546E-433C-8550-DB3D11BB3D47}"/>
+              </a:ext>
+            </a:extLst>
+          </p:cNvPr>
+          <p:cNvSpPr txBox="1"/>
+          <p:nvPr/>
         </p:nvSpPr>
-        <p:spPr/>
+        <p:spPr>
+          <a:xfrm>
+            <a:off x="3392557" y="543339"/>
+            <a:ext cx="7129669" cy="461665"/>
+          </a:xfrm>
+          <a:prstGeom prst="rect">
+            <a:avLst/>
+          </a:prstGeom>
+          <a:noFill/>
+        </p:spPr>
         <p:txBody>
-          <a:bodyPr/>
+          <a:bodyPr wrap="square" rtlCol="0">
+            <a:spAutoFit/>
+          </a:bodyPr>
           <a:lstStyle/>
           <a:p>
-            <a:pPr algn="ctr"/>
-            <a:r>
-              <a:rPr lang="en-US" dirty="0"/>
-              <a:t>Block withholding attack</a:t>
-            </a:r>
+            <a:r>
+              <a:rPr lang="he-IL" sz="2400" dirty="0"/>
+              <a:t>אופטימיזציה לאחוז הכורים שצריכים לשלוח לתקיפה:</a:t>
+            </a:r>
+            <a:endParaRPr lang="en-US" sz="2400" dirty="0"/>
           </a:p>
         </p:txBody>
       </p:sp>
       <p:pic>
         <p:nvPicPr>
-          <p:cNvPr id="5" name="מציין מיקום תוכן 4">
-            <a:extLst>
-              <a:ext uri="{FF2B5EF4-FFF2-40B4-BE49-F238E27FC236}">
-                <a16:creationId xmlns:a16="http://schemas.microsoft.com/office/drawing/2014/main" id="{39B798AE-8C64-4BD4-834A-DFE9EED63B0D}"/>
+          <p:cNvPr id="7" name="מציין מיקום תוכן 6">
+            <a:extLst>
+              <a:ext uri="{FF2B5EF4-FFF2-40B4-BE49-F238E27FC236}">
+                <a16:creationId xmlns:a16="http://schemas.microsoft.com/office/drawing/2014/main" id="{7EAD3048-3F5B-466A-842E-A4244B8FBE99}"/>
               </a:ext>
             </a:extLst>
           </p:cNvPr>
@@ -10338,87 +10475,15 @@
         </p:blipFill>
         <p:spPr>
           <a:xfrm>
-            <a:off x="2347748" y="1690688"/>
-            <a:ext cx="4395495" cy="1056608"/>
+            <a:off x="224154" y="1470267"/>
+            <a:ext cx="11848576" cy="4844393"/>
           </a:xfrm>
         </p:spPr>
       </p:pic>
-      <p:sp>
-        <p:nvSpPr>
-          <p:cNvPr id="7" name="TextBox 6">
-            <a:extLst>
-              <a:ext uri="{FF2B5EF4-FFF2-40B4-BE49-F238E27FC236}">
-                <a16:creationId xmlns:a16="http://schemas.microsoft.com/office/drawing/2014/main" id="{0F1247B5-2383-4563-805B-A636CE08BE57}"/>
-              </a:ext>
-            </a:extLst>
-          </p:cNvPr>
-          <p:cNvSpPr txBox="1"/>
-          <p:nvPr/>
-        </p:nvSpPr>
-        <p:spPr>
-          <a:xfrm>
-            <a:off x="8085658" y="1867346"/>
-            <a:ext cx="3536497" cy="461665"/>
-          </a:xfrm>
-          <a:prstGeom prst="rect">
-            <a:avLst/>
-          </a:prstGeom>
-          <a:noFill/>
-        </p:spPr>
-        <p:txBody>
-          <a:bodyPr wrap="square" rtlCol="0">
-            <a:spAutoFit/>
-          </a:bodyPr>
-          <a:lstStyle/>
-          <a:p>
-            <a:r>
-              <a:rPr lang="he-IL" sz="2400" dirty="0"/>
-              <a:t>בצורה קצת יותר פורמלית:</a:t>
-            </a:r>
-            <a:endParaRPr lang="en-US" sz="2400" dirty="0"/>
-          </a:p>
-        </p:txBody>
-      </p:sp>
-      <p:sp>
-        <p:nvSpPr>
-          <p:cNvPr id="8" name="TextBox 7">
-            <a:extLst>
-              <a:ext uri="{FF2B5EF4-FFF2-40B4-BE49-F238E27FC236}">
-                <a16:creationId xmlns:a16="http://schemas.microsoft.com/office/drawing/2014/main" id="{F37F4207-BE36-46EF-BAB7-01DCC5E5954F}"/>
-              </a:ext>
-            </a:extLst>
-          </p:cNvPr>
-          <p:cNvSpPr txBox="1"/>
-          <p:nvPr/>
-        </p:nvSpPr>
-        <p:spPr>
-          <a:xfrm>
-            <a:off x="2146853" y="4110705"/>
-            <a:ext cx="9395788" cy="646331"/>
-          </a:xfrm>
-          <a:prstGeom prst="rect">
-            <a:avLst/>
-          </a:prstGeom>
-          <a:noFill/>
-        </p:spPr>
-        <p:txBody>
-          <a:bodyPr wrap="square" rtlCol="0">
-            <a:spAutoFit/>
-          </a:bodyPr>
-          <a:lstStyle/>
-          <a:p>
-            <a:r>
-              <a:rPr lang="he-IL" dirty="0"/>
-              <a:t>את הדבר הזה קיבלנו מהמשוואות 3 שקופיות אחורה, ניתן לדעת את אחוז הכורים שצריך לשלוח כדי למקסם את הרווחים.</a:t>
-            </a:r>
-            <a:endParaRPr lang="en-US" dirty="0"/>
-          </a:p>
-        </p:txBody>
-      </p:sp>
     </p:spTree>
     <p:extLst>
       <p:ext uri="{BB962C8B-B14F-4D97-AF65-F5344CB8AC3E}">
-        <p14:creationId xmlns:p14="http://schemas.microsoft.com/office/powerpoint/2010/main" val="2326070081"/>
+        <p14:creationId xmlns:p14="http://schemas.microsoft.com/office/powerpoint/2010/main" val="986338203"/>
       </p:ext>
     </p:extLst>
   </p:cSld>
@@ -10445,81 +10510,87 @@
           <a:chExt cx="0" cy="0"/>
         </a:xfrm>
       </p:grpSpPr>
-      <p:pic>
-        <p:nvPicPr>
-          <p:cNvPr id="5" name="מציין מיקום תוכן 4">
-            <a:extLst>
-              <a:ext uri="{FF2B5EF4-FFF2-40B4-BE49-F238E27FC236}">
-                <a16:creationId xmlns:a16="http://schemas.microsoft.com/office/drawing/2014/main" id="{8C962936-FD05-4CD4-AD80-EDC5C24202DF}"/>
-              </a:ext>
-            </a:extLst>
-          </p:cNvPr>
-          <p:cNvPicPr>
-            <a:picLocks noGrp="1" noChangeAspect="1"/>
-          </p:cNvPicPr>
+      <p:sp>
+        <p:nvSpPr>
+          <p:cNvPr id="2" name="כותרת 1">
+            <a:extLst>
+              <a:ext uri="{FF2B5EF4-FFF2-40B4-BE49-F238E27FC236}">
+                <a16:creationId xmlns:a16="http://schemas.microsoft.com/office/drawing/2014/main" id="{94D4060E-6B5C-4136-95E8-BCC193F885B6}"/>
+              </a:ext>
+            </a:extLst>
+          </p:cNvPr>
+          <p:cNvSpPr>
+            <a:spLocks noGrp="1"/>
+          </p:cNvSpPr>
+          <p:nvPr>
+            <p:ph type="title"/>
+          </p:nvPr>
+        </p:nvSpPr>
+        <p:spPr/>
+        <p:txBody>
+          <a:bodyPr/>
+          <a:lstStyle/>
+          <a:p>
+            <a:pPr algn="ctr"/>
+            <a:r>
+              <a:rPr lang="he-IL" dirty="0"/>
+              <a:t>המשחק</a:t>
+            </a:r>
+            <a:endParaRPr lang="en-US" dirty="0"/>
+          </a:p>
+        </p:txBody>
+      </p:sp>
+      <p:sp>
+        <p:nvSpPr>
+          <p:cNvPr id="3" name="מציין מיקום תוכן 2">
+            <a:extLst>
+              <a:ext uri="{FF2B5EF4-FFF2-40B4-BE49-F238E27FC236}">
+                <a16:creationId xmlns:a16="http://schemas.microsoft.com/office/drawing/2014/main" id="{D1C20A07-D6BC-4C39-A6C1-73E24D6090C9}"/>
+              </a:ext>
+            </a:extLst>
+          </p:cNvPr>
+          <p:cNvSpPr>
+            <a:spLocks noGrp="1"/>
+          </p:cNvSpPr>
           <p:nvPr>
             <p:ph idx="1"/>
           </p:nvPr>
-        </p:nvPicPr>
-        <p:blipFill>
-          <a:blip r:embed="rId2">
-            <a:extLst>
-              <a:ext uri="{28A0092B-C50C-407E-A947-70E740481C1C}">
-                <a14:useLocalDpi xmlns:a14="http://schemas.microsoft.com/office/drawing/2010/main" val="0"/>
-              </a:ext>
-            </a:extLst>
-          </a:blip>
-          <a:stretch>
-            <a:fillRect/>
-          </a:stretch>
-        </p:blipFill>
-        <p:spPr>
-          <a:xfrm>
-            <a:off x="154828" y="1134097"/>
-            <a:ext cx="11882344" cy="4802187"/>
-          </a:xfrm>
-        </p:spPr>
-      </p:pic>
-      <p:sp>
-        <p:nvSpPr>
-          <p:cNvPr id="6" name="TextBox 5">
-            <a:extLst>
-              <a:ext uri="{FF2B5EF4-FFF2-40B4-BE49-F238E27FC236}">
-                <a16:creationId xmlns:a16="http://schemas.microsoft.com/office/drawing/2014/main" id="{918896C4-546E-433C-8550-DB3D11BB3D47}"/>
-              </a:ext>
-            </a:extLst>
-          </p:cNvPr>
-          <p:cNvSpPr txBox="1"/>
-          <p:nvPr/>
         </p:nvSpPr>
-        <p:spPr>
-          <a:xfrm>
-            <a:off x="3392557" y="543339"/>
-            <a:ext cx="7129669" cy="461665"/>
-          </a:xfrm>
-          <a:prstGeom prst="rect">
-            <a:avLst/>
-          </a:prstGeom>
-          <a:noFill/>
-        </p:spPr>
+        <p:spPr/>
         <p:txBody>
-          <a:bodyPr wrap="square" rtlCol="0">
-            <a:spAutoFit/>
-          </a:bodyPr>
+          <a:bodyPr/>
           <a:lstStyle/>
           <a:p>
             <a:r>
-              <a:rPr lang="he-IL" sz="2400" dirty="0"/>
-              <a:t>אופטימיזציה לאחוז הכורים שצריכים לשלוח לתקיפה:</a:t>
-            </a:r>
-            <a:endParaRPr lang="en-US" sz="2400" dirty="0"/>
+              <a:rPr lang="he-IL" dirty="0"/>
+              <a:t>שתי קבוצות שלא משתפות פעולה</a:t>
+            </a:r>
+          </a:p>
+          <a:p>
+            <a:r>
+              <a:rPr lang="he-IL" dirty="0"/>
+              <a:t>המשחק הוא בעל חזרות – כל סיבוב ניתן לשנות אסטרטגיה (לתקוף או לא)</a:t>
+            </a:r>
+          </a:p>
+          <a:p>
+            <a:r>
+              <a:rPr lang="he-IL" dirty="0"/>
+              <a:t>כל קבוצה יודעת מה הרווח של עצמה ואת הרווח של הקבוצה השנייה</a:t>
+            </a:r>
+          </a:p>
+          <a:p>
+            <a:r>
+              <a:rPr lang="he-IL" dirty="0"/>
+              <a:t>מניחים שהקבוצות פתוחות.</a:t>
+            </a:r>
+            <a:endParaRPr lang="en-US" dirty="0"/>
           </a:p>
         </p:txBody>
       </p:sp>
     </p:spTree>
     <p:extLst>
       <p:ext uri="{BB962C8B-B14F-4D97-AF65-F5344CB8AC3E}">
-        <p14:creationId xmlns:p14="http://schemas.microsoft.com/office/powerpoint/2010/main" val="986338203"/>
+        <p14:creationId xmlns:p14="http://schemas.microsoft.com/office/powerpoint/2010/main" val="1758900522"/>
       </p:ext>
     </p:extLst>
   </p:cSld>
@@ -10551,7 +10622,7 @@
           <p:cNvPr id="2" name="כותרת 1">
             <a:extLst>
               <a:ext uri="{FF2B5EF4-FFF2-40B4-BE49-F238E27FC236}">
-                <a16:creationId xmlns:a16="http://schemas.microsoft.com/office/drawing/2014/main" id="{94D4060E-6B5C-4136-95E8-BCC193F885B6}"/>
+                <a16:creationId xmlns:a16="http://schemas.microsoft.com/office/drawing/2014/main" id="{E5051FA8-E07B-42AF-81E7-C7B8DBC8F441}"/>
               </a:ext>
             </a:extLst>
           </p:cNvPr>
@@ -10581,7 +10652,7 @@
           <p:cNvPr id="3" name="מציין מיקום תוכן 2">
             <a:extLst>
               <a:ext uri="{FF2B5EF4-FFF2-40B4-BE49-F238E27FC236}">
-                <a16:creationId xmlns:a16="http://schemas.microsoft.com/office/drawing/2014/main" id="{D1C20A07-D6BC-4C39-A6C1-73E24D6090C9}"/>
+                <a16:creationId xmlns:a16="http://schemas.microsoft.com/office/drawing/2014/main" id="{7A1E07AE-CC35-45E5-A6C2-B36B5E35853E}"/>
               </a:ext>
             </a:extLst>
           </p:cNvPr>
@@ -10592,32 +10663,43 @@
             <p:ph idx="1"/>
           </p:nvPr>
         </p:nvSpPr>
-        <p:spPr/>
+        <p:spPr>
+          <a:xfrm>
+            <a:off x="838200" y="1825625"/>
+            <a:ext cx="10515600" cy="3912566"/>
+          </a:xfrm>
+        </p:spPr>
         <p:txBody>
           <a:bodyPr/>
           <a:lstStyle/>
           <a:p>
             <a:r>
               <a:rPr lang="he-IL" dirty="0"/>
-              <a:t>שתי קבוצות שלא משתפות פעולה</a:t>
+              <a:t>בעצם המשחק עצמו הוא כמו הבעיה בתורת המשחקים של דילמת האסיר עם חזרות.</a:t>
             </a:r>
           </a:p>
           <a:p>
             <a:r>
               <a:rPr lang="he-IL" dirty="0"/>
-              <a:t>המשחק הוא בעל חזרות – כל סיבוב ניתן לשנות אסטרטגיה (לתקוף או לא)</a:t>
+              <a:t>במשחקים עם חזרות יש יותר היבטים ממתמטיקה פשוטה:</a:t>
             </a:r>
           </a:p>
           <a:p>
             <a:r>
               <a:rPr lang="he-IL" dirty="0"/>
-              <a:t>כל קבוצה יודעת מה הרווח של עצמה ואת הרווח של הקבוצה השנייה</a:t>
+              <a:t>יש היבט פסיכולוגי</a:t>
             </a:r>
           </a:p>
           <a:p>
             <a:r>
               <a:rPr lang="he-IL" dirty="0"/>
-              <a:t>מניחים שהקבוצות פתוחות.</a:t>
+              <a:t>היבט רציונלי</a:t>
+            </a:r>
+          </a:p>
+          <a:p>
+            <a:r>
+              <a:rPr lang="he-IL" dirty="0"/>
+              <a:t>והחשוב מכל אסטרטגיה לטווח ארוך</a:t>
             </a:r>
             <a:endParaRPr lang="en-US" dirty="0"/>
           </a:p>
@@ -10626,7 +10708,7 @@
     </p:spTree>
     <p:extLst>
       <p:ext uri="{BB962C8B-B14F-4D97-AF65-F5344CB8AC3E}">
-        <p14:creationId xmlns:p14="http://schemas.microsoft.com/office/powerpoint/2010/main" val="1758900522"/>
+        <p14:creationId xmlns:p14="http://schemas.microsoft.com/office/powerpoint/2010/main" val="3344461376"/>
       </p:ext>
     </p:extLst>
   </p:cSld>
@@ -10658,7 +10740,7 @@
           <p:cNvPr id="2" name="כותרת 1">
             <a:extLst>
               <a:ext uri="{FF2B5EF4-FFF2-40B4-BE49-F238E27FC236}">
-                <a16:creationId xmlns:a16="http://schemas.microsoft.com/office/drawing/2014/main" id="{E5051FA8-E07B-42AF-81E7-C7B8DBC8F441}"/>
+                <a16:creationId xmlns:a16="http://schemas.microsoft.com/office/drawing/2014/main" id="{1A46F434-5326-469B-B608-0A7375518E10}"/>
               </a:ext>
             </a:extLst>
           </p:cNvPr>
@@ -10688,7 +10770,7 @@
           <p:cNvPr id="3" name="מציין מיקום תוכן 2">
             <a:extLst>
               <a:ext uri="{FF2B5EF4-FFF2-40B4-BE49-F238E27FC236}">
-                <a16:creationId xmlns:a16="http://schemas.microsoft.com/office/drawing/2014/main" id="{7A1E07AE-CC35-45E5-A6C2-B36B5E35853E}"/>
+                <a16:creationId xmlns:a16="http://schemas.microsoft.com/office/drawing/2014/main" id="{839E2EF0-91B2-459B-9B73-087019A68D71}"/>
               </a:ext>
             </a:extLst>
           </p:cNvPr>
@@ -10702,40 +10784,126 @@
         <p:spPr>
           <a:xfrm>
             <a:off x="838200" y="1825625"/>
-            <a:ext cx="10515600" cy="3912566"/>
+            <a:ext cx="10515600" cy="1603375"/>
           </a:xfrm>
         </p:spPr>
         <p:txBody>
           <a:bodyPr/>
           <a:lstStyle/>
           <a:p>
+            <a:pPr marL="0" indent="0">
+              <a:buNone/>
+            </a:pPr>
             <a:r>
               <a:rPr lang="he-IL" dirty="0"/>
-              <a:t>בעצם המשחק עצמו הוא כמו הבעיה בתורת המשחקים של דילמת האסיר עם חזרות.</a:t>
-            </a:r>
-          </a:p>
-          <a:p>
+              <a:t>אין הוכחה לאסטרטגיה עדיפה </a:t>
+            </a:r>
+          </a:p>
+          <a:p>
+            <a:pPr marL="0" indent="0">
+              <a:buNone/>
+            </a:pPr>
             <a:r>
               <a:rPr lang="he-IL" dirty="0"/>
-              <a:t>במשחקים עם חזרות יש יותר היבטים ממתמטיקה פשוטה:</a:t>
-            </a:r>
-          </a:p>
-          <a:p>
-            <a:r>
-              <a:rPr lang="he-IL" dirty="0"/>
-              <a:t>יש היבט פסיכולוגי</a:t>
-            </a:r>
-          </a:p>
-          <a:p>
-            <a:r>
-              <a:rPr lang="he-IL" dirty="0"/>
-              <a:t>היבט רציונלי</a:t>
-            </a:r>
-          </a:p>
-          <a:p>
-            <a:r>
-              <a:rPr lang="he-IL" dirty="0"/>
-              <a:t>והחשוב מכל אסטרטגיה לטווח ארוך</a:t>
+              <a:t>אבל אסטרטגיית מידה כנגד מידה הוכחה כיעילה באופן יחסי בטורניר של דילמת האסיר</a:t>
+            </a:r>
+            <a:endParaRPr lang="en-US" dirty="0"/>
+          </a:p>
+        </p:txBody>
+      </p:sp>
+      <p:pic>
+        <p:nvPicPr>
+          <p:cNvPr id="5" name="תמונה 4">
+            <a:extLst>
+              <a:ext uri="{FF2B5EF4-FFF2-40B4-BE49-F238E27FC236}">
+                <a16:creationId xmlns:a16="http://schemas.microsoft.com/office/drawing/2014/main" id="{4BD1E6AD-8358-4DAB-BAFE-38CC8FC42C72}"/>
+              </a:ext>
+            </a:extLst>
+          </p:cNvPr>
+          <p:cNvPicPr>
+            <a:picLocks noChangeAspect="1"/>
+          </p:cNvPicPr>
+          <p:nvPr/>
+        </p:nvPicPr>
+        <p:blipFill>
+          <a:blip r:embed="rId2">
+            <a:extLst>
+              <a:ext uri="{28A0092B-C50C-407E-A947-70E740481C1C}">
+                <a14:useLocalDpi xmlns:a14="http://schemas.microsoft.com/office/drawing/2010/main" val="0"/>
+              </a:ext>
+            </a:extLst>
+          </a:blip>
+          <a:stretch>
+            <a:fillRect/>
+          </a:stretch>
+        </p:blipFill>
+        <p:spPr>
+          <a:xfrm>
+            <a:off x="5065461" y="2883876"/>
+            <a:ext cx="3259759" cy="2748297"/>
+          </a:xfrm>
+          <a:prstGeom prst="rect">
+            <a:avLst/>
+          </a:prstGeom>
+        </p:spPr>
+      </p:pic>
+      <p:sp>
+        <p:nvSpPr>
+          <p:cNvPr id="6" name="מלבן 5">
+            <a:extLst>
+              <a:ext uri="{FF2B5EF4-FFF2-40B4-BE49-F238E27FC236}">
+                <a16:creationId xmlns:a16="http://schemas.microsoft.com/office/drawing/2014/main" id="{4BBEEF32-6869-4A1C-B6B1-3CE0286BE871}"/>
+              </a:ext>
+            </a:extLst>
+          </p:cNvPr>
+          <p:cNvSpPr/>
+          <p:nvPr/>
+        </p:nvSpPr>
+        <p:spPr>
+          <a:xfrm>
+            <a:off x="838200" y="5770847"/>
+            <a:ext cx="10293626" cy="365760"/>
+          </a:xfrm>
+          <a:prstGeom prst="rect">
+            <a:avLst/>
+          </a:prstGeom>
+          <a:solidFill>
+            <a:schemeClr val="bg1"/>
+          </a:solidFill>
+          <a:ln>
+            <a:solidFill>
+              <a:schemeClr val="bg1"/>
+            </a:solidFill>
+          </a:ln>
+        </p:spPr>
+        <p:style>
+          <a:lnRef idx="2">
+            <a:schemeClr val="accent1">
+              <a:shade val="50000"/>
+            </a:schemeClr>
+          </a:lnRef>
+          <a:fillRef idx="1">
+            <a:schemeClr val="accent1"/>
+          </a:fillRef>
+          <a:effectRef idx="0">
+            <a:schemeClr val="accent1"/>
+          </a:effectRef>
+          <a:fontRef idx="minor">
+            <a:schemeClr val="lt1"/>
+          </a:fontRef>
+        </p:style>
+        <p:txBody>
+          <a:bodyPr rtlCol="0" anchor="ctr"/>
+          <a:lstStyle/>
+          <a:p>
+            <a:pPr algn="ctr"/>
+            <a:r>
+              <a:rPr lang="en-US" dirty="0">
+                <a:solidFill>
+                  <a:schemeClr val="tx1"/>
+                </a:solidFill>
+              </a:rPr>
+              <a:t>https://www.lesswrong.com/posts/hamma4XgeNrsvAJv5/prisoner-s-dilemma-tournament-results</a:t>
             </a:r>
             <a:endParaRPr lang="en-US" dirty="0"/>
           </a:p>
@@ -10744,7 +10912,7 @@
     </p:spTree>
     <p:extLst>
       <p:ext uri="{BB962C8B-B14F-4D97-AF65-F5344CB8AC3E}">
-        <p14:creationId xmlns:p14="http://schemas.microsoft.com/office/powerpoint/2010/main" val="3344461376"/>
+        <p14:creationId xmlns:p14="http://schemas.microsoft.com/office/powerpoint/2010/main" val="3037372213"/>
       </p:ext>
     </p:extLst>
   </p:cSld>
@@ -10776,7 +10944,7 @@
           <p:cNvPr id="2" name="כותרת 1">
             <a:extLst>
               <a:ext uri="{FF2B5EF4-FFF2-40B4-BE49-F238E27FC236}">
-                <a16:creationId xmlns:a16="http://schemas.microsoft.com/office/drawing/2014/main" id="{1A46F434-5326-469B-B608-0A7375518E10}"/>
+                <a16:creationId xmlns:a16="http://schemas.microsoft.com/office/drawing/2014/main" id="{99AD7B82-86CA-440D-AB80-07498720DF59}"/>
               </a:ext>
             </a:extLst>
           </p:cNvPr>
@@ -10806,7 +10974,7 @@
           <p:cNvPr id="3" name="מציין מיקום תוכן 2">
             <a:extLst>
               <a:ext uri="{FF2B5EF4-FFF2-40B4-BE49-F238E27FC236}">
-                <a16:creationId xmlns:a16="http://schemas.microsoft.com/office/drawing/2014/main" id="{839E2EF0-91B2-459B-9B73-087019A68D71}"/>
+                <a16:creationId xmlns:a16="http://schemas.microsoft.com/office/drawing/2014/main" id="{3C66F322-8919-4D51-B1C2-5AD935A36048}"/>
               </a:ext>
             </a:extLst>
           </p:cNvPr>
@@ -10820,126 +10988,22 @@
         <p:spPr>
           <a:xfrm>
             <a:off x="838200" y="1825625"/>
-            <a:ext cx="10515600" cy="1603375"/>
+            <a:ext cx="10515600" cy="1421158"/>
           </a:xfrm>
         </p:spPr>
         <p:txBody>
           <a:bodyPr/>
           <a:lstStyle/>
           <a:p>
-            <a:pPr marL="0" indent="0">
-              <a:buNone/>
-            </a:pPr>
             <a:r>
               <a:rPr lang="he-IL" dirty="0"/>
-              <a:t>אין הוכחה לאסטרטגיה עדיפה </a:t>
-            </a:r>
-          </a:p>
-          <a:p>
-            <a:pPr marL="0" indent="0">
-              <a:buNone/>
-            </a:pPr>
+              <a:t>כל קבוצה מחליטה אם לתקוף או לא את הקבוצה השנייה</a:t>
+            </a:r>
+          </a:p>
+          <a:p>
             <a:r>
               <a:rPr lang="he-IL" dirty="0"/>
-              <a:t>אבל אסטרטגיית מידה כנגד מידה הוכחה כיעילה באופן יחסי בטורניר של דילמת האסיר</a:t>
-            </a:r>
-            <a:endParaRPr lang="en-US" dirty="0"/>
-          </a:p>
-        </p:txBody>
-      </p:sp>
-      <p:pic>
-        <p:nvPicPr>
-          <p:cNvPr id="5" name="תמונה 4">
-            <a:extLst>
-              <a:ext uri="{FF2B5EF4-FFF2-40B4-BE49-F238E27FC236}">
-                <a16:creationId xmlns:a16="http://schemas.microsoft.com/office/drawing/2014/main" id="{4BD1E6AD-8358-4DAB-BAFE-38CC8FC42C72}"/>
-              </a:ext>
-            </a:extLst>
-          </p:cNvPr>
-          <p:cNvPicPr>
-            <a:picLocks noChangeAspect="1"/>
-          </p:cNvPicPr>
-          <p:nvPr/>
-        </p:nvPicPr>
-        <p:blipFill>
-          <a:blip r:embed="rId2">
-            <a:extLst>
-              <a:ext uri="{28A0092B-C50C-407E-A947-70E740481C1C}">
-                <a14:useLocalDpi xmlns:a14="http://schemas.microsoft.com/office/drawing/2010/main" val="0"/>
-              </a:ext>
-            </a:extLst>
-          </a:blip>
-          <a:stretch>
-            <a:fillRect/>
-          </a:stretch>
-        </p:blipFill>
-        <p:spPr>
-          <a:xfrm>
-            <a:off x="5065461" y="2883876"/>
-            <a:ext cx="3259759" cy="2748297"/>
-          </a:xfrm>
-          <a:prstGeom prst="rect">
-            <a:avLst/>
-          </a:prstGeom>
-        </p:spPr>
-      </p:pic>
-      <p:sp>
-        <p:nvSpPr>
-          <p:cNvPr id="6" name="מלבן 5">
-            <a:extLst>
-              <a:ext uri="{FF2B5EF4-FFF2-40B4-BE49-F238E27FC236}">
-                <a16:creationId xmlns:a16="http://schemas.microsoft.com/office/drawing/2014/main" id="{4BBEEF32-6869-4A1C-B6B1-3CE0286BE871}"/>
-              </a:ext>
-            </a:extLst>
-          </p:cNvPr>
-          <p:cNvSpPr/>
-          <p:nvPr/>
-        </p:nvSpPr>
-        <p:spPr>
-          <a:xfrm>
-            <a:off x="838200" y="5770847"/>
-            <a:ext cx="10293626" cy="365760"/>
-          </a:xfrm>
-          <a:prstGeom prst="rect">
-            <a:avLst/>
-          </a:prstGeom>
-          <a:solidFill>
-            <a:schemeClr val="bg1"/>
-          </a:solidFill>
-          <a:ln>
-            <a:solidFill>
-              <a:schemeClr val="bg1"/>
-            </a:solidFill>
-          </a:ln>
-        </p:spPr>
-        <p:style>
-          <a:lnRef idx="2">
-            <a:schemeClr val="accent1">
-              <a:shade val="50000"/>
-            </a:schemeClr>
-          </a:lnRef>
-          <a:fillRef idx="1">
-            <a:schemeClr val="accent1"/>
-          </a:fillRef>
-          <a:effectRef idx="0">
-            <a:schemeClr val="accent1"/>
-          </a:effectRef>
-          <a:fontRef idx="minor">
-            <a:schemeClr val="lt1"/>
-          </a:fontRef>
-        </p:style>
-        <p:txBody>
-          <a:bodyPr rtlCol="0" anchor="ctr"/>
-          <a:lstStyle/>
-          <a:p>
-            <a:pPr algn="ctr"/>
-            <a:r>
-              <a:rPr lang="en-US" dirty="0">
-                <a:solidFill>
-                  <a:schemeClr val="tx1"/>
-                </a:solidFill>
-              </a:rPr>
-              <a:t>https://www.lesswrong.com/posts/hamma4XgeNrsvAJv5/prisoner-s-dilemma-tournament-results</a:t>
+              <a:t>ההחלטה מתבצעת על בסיס הרווחים של הקבוצה ומה אחוז הכורים שנשלחו לתקיפה.</a:t>
             </a:r>
             <a:endParaRPr lang="en-US" dirty="0"/>
           </a:p>
@@ -10948,7 +11012,7 @@
     </p:spTree>
     <p:extLst>
       <p:ext uri="{BB962C8B-B14F-4D97-AF65-F5344CB8AC3E}">
-        <p14:creationId xmlns:p14="http://schemas.microsoft.com/office/powerpoint/2010/main" val="3037372213"/>
+        <p14:creationId xmlns:p14="http://schemas.microsoft.com/office/powerpoint/2010/main" val="4039644540"/>
       </p:ext>
     </p:extLst>
   </p:cSld>
@@ -10980,7 +11044,7 @@
           <p:cNvPr id="2" name="כותרת 1">
             <a:extLst>
               <a:ext uri="{FF2B5EF4-FFF2-40B4-BE49-F238E27FC236}">
-                <a16:creationId xmlns:a16="http://schemas.microsoft.com/office/drawing/2014/main" id="{99AD7B82-86CA-440D-AB80-07498720DF59}"/>
+                <a16:creationId xmlns:a16="http://schemas.microsoft.com/office/drawing/2014/main" id="{A66CEB5A-F8E9-43B0-B10E-779F810F47F6}"/>
               </a:ext>
             </a:extLst>
           </p:cNvPr>
@@ -10991,64 +11055,68 @@
             <p:ph type="title"/>
           </p:nvPr>
         </p:nvSpPr>
-        <p:spPr/>
+        <p:spPr>
+          <a:xfrm>
+            <a:off x="1084270" y="1237321"/>
+            <a:ext cx="9642231" cy="661817"/>
+          </a:xfrm>
+        </p:spPr>
         <p:txBody>
-          <a:bodyPr/>
+          <a:bodyPr>
+            <a:normAutofit/>
+          </a:bodyPr>
           <a:lstStyle/>
           <a:p>
-            <a:pPr algn="ctr"/>
-            <a:r>
-              <a:rPr lang="he-IL" dirty="0"/>
-              <a:t>המשחק</a:t>
-            </a:r>
-            <a:endParaRPr lang="en-US" dirty="0"/>
+            <a:r>
+              <a:rPr lang="he-IL" sz="2000" dirty="0"/>
+              <a:t>כלומר כל עוד לקבוצה השנייה יש פחות מ80% כוח מחשוב - שווה לתקוף כדי להגדיל רווחים</a:t>
+            </a:r>
+            <a:endParaRPr lang="en-US" sz="2000" dirty="0"/>
           </a:p>
         </p:txBody>
       </p:sp>
-      <p:sp>
-        <p:nvSpPr>
-          <p:cNvPr id="3" name="מציין מיקום תוכן 2">
-            <a:extLst>
-              <a:ext uri="{FF2B5EF4-FFF2-40B4-BE49-F238E27FC236}">
-                <a16:creationId xmlns:a16="http://schemas.microsoft.com/office/drawing/2014/main" id="{3C66F322-8919-4D51-B1C2-5AD935A36048}"/>
-              </a:ext>
-            </a:extLst>
-          </p:cNvPr>
-          <p:cNvSpPr>
-            <a:spLocks noGrp="1"/>
-          </p:cNvSpPr>
+      <p:pic>
+        <p:nvPicPr>
+          <p:cNvPr id="4" name="מציין מיקום תוכן 3">
+            <a:extLst>
+              <a:ext uri="{FF2B5EF4-FFF2-40B4-BE49-F238E27FC236}">
+                <a16:creationId xmlns:a16="http://schemas.microsoft.com/office/drawing/2014/main" id="{B97239E7-1F72-4C12-B5CD-2559018ED947}"/>
+              </a:ext>
+            </a:extLst>
+          </p:cNvPr>
+          <p:cNvPicPr>
+            <a:picLocks noGrp="1" noChangeAspect="1"/>
+          </p:cNvPicPr>
           <p:nvPr>
             <p:ph idx="1"/>
           </p:nvPr>
-        </p:nvSpPr>
+        </p:nvPicPr>
+        <p:blipFill>
+          <a:blip r:embed="rId2">
+            <a:extLst>
+              <a:ext uri="{28A0092B-C50C-407E-A947-70E740481C1C}">
+                <a14:useLocalDpi xmlns:a14="http://schemas.microsoft.com/office/drawing/2010/main" val="0"/>
+              </a:ext>
+            </a:extLst>
+          </a:blip>
+          <a:stretch>
+            <a:fillRect/>
+          </a:stretch>
+        </p:blipFill>
         <p:spPr>
           <a:xfrm>
-            <a:off x="838200" y="1825625"/>
-            <a:ext cx="10515600" cy="1421158"/>
-          </a:xfrm>
-        </p:spPr>
-        <p:txBody>
-          <a:bodyPr/>
-          <a:lstStyle/>
-          <a:p>
-            <a:r>
-              <a:rPr lang="he-IL" dirty="0"/>
-              <a:t>כל קבוצה מחליטה אם לתקוף או לא את הקבוצה השנייה</a:t>
-            </a:r>
-          </a:p>
-          <a:p>
-            <a:r>
-              <a:rPr lang="he-IL" dirty="0"/>
-              <a:t>ההחלטה מתבצעת על בסיס הרווחים של הקבוצה ומה אחוז הכורים שנשלחו לתקיפה.</a:t>
-            </a:r>
-            <a:endParaRPr lang="en-US" dirty="0"/>
-          </a:p>
-        </p:txBody>
-      </p:sp>
+            <a:off x="585949" y="2044385"/>
+            <a:ext cx="10140552" cy="4139001"/>
+          </a:xfrm>
+          <a:prstGeom prst="rect">
+            <a:avLst/>
+          </a:prstGeom>
+        </p:spPr>
+      </p:pic>
     </p:spTree>
     <p:extLst>
       <p:ext uri="{BB962C8B-B14F-4D97-AF65-F5344CB8AC3E}">
-        <p14:creationId xmlns:p14="http://schemas.microsoft.com/office/powerpoint/2010/main" val="4039644540"/>
+        <p14:creationId xmlns:p14="http://schemas.microsoft.com/office/powerpoint/2010/main" val="2788579432"/>
       </p:ext>
     </p:extLst>
   </p:cSld>
@@ -11080,7 +11148,7 @@
           <p:cNvPr id="2" name="כותרת 1">
             <a:extLst>
               <a:ext uri="{FF2B5EF4-FFF2-40B4-BE49-F238E27FC236}">
-                <a16:creationId xmlns:a16="http://schemas.microsoft.com/office/drawing/2014/main" id="{A66CEB5A-F8E9-43B0-B10E-779F810F47F6}"/>
+                <a16:creationId xmlns:a16="http://schemas.microsoft.com/office/drawing/2014/main" id="{0EE83BD5-8B2E-40F0-A4DF-3C11582766F7}"/>
               </a:ext>
             </a:extLst>
           </p:cNvPr>
@@ -11093,8 +11161,8 @@
         </p:nvSpPr>
         <p:spPr>
           <a:xfrm>
-            <a:off x="1084270" y="1237321"/>
-            <a:ext cx="9642231" cy="661817"/>
+            <a:off x="2508152" y="956602"/>
+            <a:ext cx="7175695" cy="649679"/>
           </a:xfrm>
         </p:spPr>
         <p:txBody>
@@ -11105,7 +11173,7 @@
           <a:p>
             <a:r>
               <a:rPr lang="he-IL" sz="2000" dirty="0"/>
-              <a:t>כלומר כל עוד לקבוצה השנייה יש פחות מ80% כוח מחשוב - שווה לתקוף כדי להגדיל רווחים</a:t>
+              <a:t>כלומר אם אתה מחזיק פחות מ50% מכוח המחשוב אתה תפסיד ברווח הכללי.</a:t>
             </a:r>
             <a:endParaRPr lang="en-US" sz="2000" dirty="0"/>
           </a:p>
@@ -11113,10 +11181,10 @@
       </p:sp>
       <p:pic>
         <p:nvPicPr>
-          <p:cNvPr id="4" name="מציין מיקום תוכן 3">
-            <a:extLst>
-              <a:ext uri="{FF2B5EF4-FFF2-40B4-BE49-F238E27FC236}">
-                <a16:creationId xmlns:a16="http://schemas.microsoft.com/office/drawing/2014/main" id="{B97239E7-1F72-4C12-B5CD-2559018ED947}"/>
+          <p:cNvPr id="5" name="מציין מיקום תוכן 4">
+            <a:extLst>
+              <a:ext uri="{FF2B5EF4-FFF2-40B4-BE49-F238E27FC236}">
+                <a16:creationId xmlns:a16="http://schemas.microsoft.com/office/drawing/2014/main" id="{A4398AC1-6495-4673-8D96-B983468DC4EC}"/>
               </a:ext>
             </a:extLst>
           </p:cNvPr>
@@ -11141,18 +11209,15 @@
         </p:blipFill>
         <p:spPr>
           <a:xfrm>
-            <a:off x="585949" y="2044385"/>
-            <a:ext cx="10140552" cy="4139001"/>
-          </a:xfrm>
-          <a:prstGeom prst="rect">
-            <a:avLst/>
-          </a:prstGeom>
+            <a:off x="-80721" y="1653387"/>
+            <a:ext cx="11629258" cy="4789615"/>
+          </a:xfrm>
         </p:spPr>
       </p:pic>
     </p:spTree>
     <p:extLst>
       <p:ext uri="{BB962C8B-B14F-4D97-AF65-F5344CB8AC3E}">
-        <p14:creationId xmlns:p14="http://schemas.microsoft.com/office/powerpoint/2010/main" val="2788579432"/>
+        <p14:creationId xmlns:p14="http://schemas.microsoft.com/office/powerpoint/2010/main" val="2282486383"/>
       </p:ext>
     </p:extLst>
   </p:cSld>
@@ -11184,7 +11249,7 @@
           <p:cNvPr id="2" name="כותרת 1">
             <a:extLst>
               <a:ext uri="{FF2B5EF4-FFF2-40B4-BE49-F238E27FC236}">
-                <a16:creationId xmlns:a16="http://schemas.microsoft.com/office/drawing/2014/main" id="{F3A18203-541B-4B92-83A7-8D92A93D1365}"/>
+                <a16:creationId xmlns:a16="http://schemas.microsoft.com/office/drawing/2014/main" id="{9179A7BF-343A-4697-A794-0078A4509BAD}"/>
               </a:ext>
             </a:extLst>
           </p:cNvPr>
@@ -11208,56 +11273,226 @@
           </a:p>
         </p:txBody>
       </p:sp>
-      <p:sp>
-        <p:nvSpPr>
-          <p:cNvPr id="3" name="מציין מיקום תוכן 2">
-            <a:extLst>
-              <a:ext uri="{FF2B5EF4-FFF2-40B4-BE49-F238E27FC236}">
-                <a16:creationId xmlns:a16="http://schemas.microsoft.com/office/drawing/2014/main" id="{88C5B091-A46A-4284-BBDB-4E0D44517EE0}"/>
-              </a:ext>
-            </a:extLst>
-          </p:cNvPr>
-          <p:cNvSpPr>
-            <a:spLocks noGrp="1"/>
-          </p:cNvSpPr>
-          <p:nvPr>
-            <p:ph idx="1"/>
-          </p:nvPr>
-        </p:nvSpPr>
+      <p:pic>
+        <p:nvPicPr>
+          <p:cNvPr id="23" name="תמונה 22">
+            <a:extLst>
+              <a:ext uri="{FF2B5EF4-FFF2-40B4-BE49-F238E27FC236}">
+                <a16:creationId xmlns:a16="http://schemas.microsoft.com/office/drawing/2014/main" id="{28ABCF65-2309-4143-98A0-6D3973CB5ABE}"/>
+              </a:ext>
+            </a:extLst>
+          </p:cNvPr>
+          <p:cNvPicPr>
+            <a:picLocks noChangeAspect="1"/>
+          </p:cNvPicPr>
+          <p:nvPr/>
+        </p:nvPicPr>
+        <p:blipFill>
+          <a:blip r:embed="rId2">
+            <a:extLst>
+              <a:ext uri="{28A0092B-C50C-407E-A947-70E740481C1C}">
+                <a14:useLocalDpi xmlns:a14="http://schemas.microsoft.com/office/drawing/2010/main" val="0"/>
+              </a:ext>
+            </a:extLst>
+          </a:blip>
+          <a:stretch>
+            <a:fillRect/>
+          </a:stretch>
+        </p:blipFill>
         <p:spPr>
           <a:xfrm>
-            <a:off x="838200" y="1825625"/>
-            <a:ext cx="10515600" cy="1964497"/>
-          </a:xfrm>
-        </p:spPr>
-        <p:txBody>
-          <a:bodyPr/>
-          <a:lstStyle/>
-          <a:p>
-            <a:r>
-              <a:rPr lang="he-IL" dirty="0"/>
-              <a:t>כרייה של ביטקוין מגיעה מפתירה של פאזל מרשת הביטקוין, מאחר שזה נעשה בלתי ריאלי לכרות מהמחשב האישי נוצרו קבוצות כרייה כדי ליצור רווח יציב וקבוע.</a:t>
-            </a:r>
-            <a:endParaRPr lang="en-US" dirty="0"/>
-          </a:p>
-          <a:p>
-            <a:r>
-              <a:rPr lang="he-IL" dirty="0"/>
-              <a:t>איך זה עובד?</a:t>
-            </a:r>
-          </a:p>
-          <a:p>
-            <a:pPr marL="0" indent="0">
-              <a:buNone/>
-            </a:pPr>
-            <a:endParaRPr lang="en-US" dirty="0"/>
-          </a:p>
-        </p:txBody>
-      </p:sp>
+            <a:off x="8739016" y="2478576"/>
+            <a:ext cx="2651126" cy="1325563"/>
+          </a:xfrm>
+          <a:prstGeom prst="rect">
+            <a:avLst/>
+          </a:prstGeom>
+        </p:spPr>
+      </p:pic>
+      <p:pic>
+        <p:nvPicPr>
+          <p:cNvPr id="25" name="תמונה 24">
+            <a:extLst>
+              <a:ext uri="{FF2B5EF4-FFF2-40B4-BE49-F238E27FC236}">
+                <a16:creationId xmlns:a16="http://schemas.microsoft.com/office/drawing/2014/main" id="{34B3BD7E-8AF6-4807-B708-5AD521F75C6D}"/>
+              </a:ext>
+            </a:extLst>
+          </p:cNvPr>
+          <p:cNvPicPr>
+            <a:picLocks noChangeAspect="1"/>
+          </p:cNvPicPr>
+          <p:nvPr/>
+        </p:nvPicPr>
+        <p:blipFill>
+          <a:blip r:embed="rId3">
+            <a:extLst>
+              <a:ext uri="{28A0092B-C50C-407E-A947-70E740481C1C}">
+                <a14:useLocalDpi xmlns:a14="http://schemas.microsoft.com/office/drawing/2010/main" val="0"/>
+              </a:ext>
+            </a:extLst>
+          </a:blip>
+          <a:stretch>
+            <a:fillRect/>
+          </a:stretch>
+        </p:blipFill>
+        <p:spPr>
+          <a:xfrm>
+            <a:off x="4950656" y="2715065"/>
+            <a:ext cx="1365738" cy="1365738"/>
+          </a:xfrm>
+          <a:prstGeom prst="rect">
+            <a:avLst/>
+          </a:prstGeom>
+        </p:spPr>
+      </p:pic>
+      <p:pic>
+        <p:nvPicPr>
+          <p:cNvPr id="44" name="תמונה 43">
+            <a:extLst>
+              <a:ext uri="{FF2B5EF4-FFF2-40B4-BE49-F238E27FC236}">
+                <a16:creationId xmlns:a16="http://schemas.microsoft.com/office/drawing/2014/main" id="{49403C56-A35F-40A1-98B1-48EE99E71524}"/>
+              </a:ext>
+            </a:extLst>
+          </p:cNvPr>
+          <p:cNvPicPr>
+            <a:picLocks noChangeAspect="1"/>
+          </p:cNvPicPr>
+          <p:nvPr/>
+        </p:nvPicPr>
+        <p:blipFill>
+          <a:blip r:embed="rId4">
+            <a:extLst>
+              <a:ext uri="{28A0092B-C50C-407E-A947-70E740481C1C}">
+                <a14:useLocalDpi xmlns:a14="http://schemas.microsoft.com/office/drawing/2010/main" val="0"/>
+              </a:ext>
+            </a:extLst>
+          </a:blip>
+          <a:stretch>
+            <a:fillRect/>
+          </a:stretch>
+        </p:blipFill>
+        <p:spPr>
+          <a:xfrm>
+            <a:off x="1843460" y="5083865"/>
+            <a:ext cx="752550" cy="717274"/>
+          </a:xfrm>
+          <a:prstGeom prst="rect">
+            <a:avLst/>
+          </a:prstGeom>
+        </p:spPr>
+      </p:pic>
+      <p:pic>
+        <p:nvPicPr>
+          <p:cNvPr id="45" name="תמונה 44">
+            <a:extLst>
+              <a:ext uri="{FF2B5EF4-FFF2-40B4-BE49-F238E27FC236}">
+                <a16:creationId xmlns:a16="http://schemas.microsoft.com/office/drawing/2014/main" id="{415D2602-020E-4D2F-91B6-4E719E0F14DF}"/>
+              </a:ext>
+            </a:extLst>
+          </p:cNvPr>
+          <p:cNvPicPr>
+            <a:picLocks noChangeAspect="1"/>
+          </p:cNvPicPr>
+          <p:nvPr/>
+        </p:nvPicPr>
+        <p:blipFill>
+          <a:blip r:embed="rId4">
+            <a:extLst>
+              <a:ext uri="{28A0092B-C50C-407E-A947-70E740481C1C}">
+                <a14:useLocalDpi xmlns:a14="http://schemas.microsoft.com/office/drawing/2010/main" val="0"/>
+              </a:ext>
+            </a:extLst>
+          </a:blip>
+          <a:stretch>
+            <a:fillRect/>
+          </a:stretch>
+        </p:blipFill>
+        <p:spPr>
+          <a:xfrm>
+            <a:off x="1758253" y="3418999"/>
+            <a:ext cx="752550" cy="717274"/>
+          </a:xfrm>
+          <a:prstGeom prst="rect">
+            <a:avLst/>
+          </a:prstGeom>
+        </p:spPr>
+      </p:pic>
+      <p:pic>
+        <p:nvPicPr>
+          <p:cNvPr id="46" name="תמונה 45">
+            <a:extLst>
+              <a:ext uri="{FF2B5EF4-FFF2-40B4-BE49-F238E27FC236}">
+                <a16:creationId xmlns:a16="http://schemas.microsoft.com/office/drawing/2014/main" id="{48992091-FDAF-47DE-8BA6-CDFF2CA42014}"/>
+              </a:ext>
+            </a:extLst>
+          </p:cNvPr>
+          <p:cNvPicPr>
+            <a:picLocks noChangeAspect="1"/>
+          </p:cNvPicPr>
+          <p:nvPr/>
+        </p:nvPicPr>
+        <p:blipFill>
+          <a:blip r:embed="rId4">
+            <a:extLst>
+              <a:ext uri="{28A0092B-C50C-407E-A947-70E740481C1C}">
+                <a14:useLocalDpi xmlns:a14="http://schemas.microsoft.com/office/drawing/2010/main" val="0"/>
+              </a:ext>
+            </a:extLst>
+          </a:blip>
+          <a:stretch>
+            <a:fillRect/>
+          </a:stretch>
+        </p:blipFill>
+        <p:spPr>
+          <a:xfrm>
+            <a:off x="1770937" y="2270528"/>
+            <a:ext cx="752550" cy="717274"/>
+          </a:xfrm>
+          <a:prstGeom prst="rect">
+            <a:avLst/>
+          </a:prstGeom>
+        </p:spPr>
+      </p:pic>
+      <p:pic>
+        <p:nvPicPr>
+          <p:cNvPr id="47" name="תמונה 46">
+            <a:extLst>
+              <a:ext uri="{FF2B5EF4-FFF2-40B4-BE49-F238E27FC236}">
+                <a16:creationId xmlns:a16="http://schemas.microsoft.com/office/drawing/2014/main" id="{44A62A51-7F52-4FCD-90B5-F1B5A07F1FB6}"/>
+              </a:ext>
+            </a:extLst>
+          </p:cNvPr>
+          <p:cNvPicPr>
+            <a:picLocks noChangeAspect="1"/>
+          </p:cNvPicPr>
+          <p:nvPr/>
+        </p:nvPicPr>
+        <p:blipFill>
+          <a:blip r:embed="rId4">
+            <a:extLst>
+              <a:ext uri="{28A0092B-C50C-407E-A947-70E740481C1C}">
+                <a14:useLocalDpi xmlns:a14="http://schemas.microsoft.com/office/drawing/2010/main" val="0"/>
+              </a:ext>
+            </a:extLst>
+          </a:blip>
+          <a:stretch>
+            <a:fillRect/>
+          </a:stretch>
+        </p:blipFill>
+        <p:spPr>
+          <a:xfrm>
+            <a:off x="1862546" y="1100061"/>
+            <a:ext cx="752550" cy="717274"/>
+          </a:xfrm>
+          <a:prstGeom prst="rect">
+            <a:avLst/>
+          </a:prstGeom>
+        </p:spPr>
+      </p:pic>
     </p:spTree>
     <p:extLst>
       <p:ext uri="{BB962C8B-B14F-4D97-AF65-F5344CB8AC3E}">
-        <p14:creationId xmlns:p14="http://schemas.microsoft.com/office/powerpoint/2010/main" val="3988579060"/>
+        <p14:creationId xmlns:p14="http://schemas.microsoft.com/office/powerpoint/2010/main" val="1091330487"/>
       </p:ext>
     </p:extLst>
   </p:cSld>
@@ -11289,7 +11524,7 @@
           <p:cNvPr id="2" name="כותרת 1">
             <a:extLst>
               <a:ext uri="{FF2B5EF4-FFF2-40B4-BE49-F238E27FC236}">
-                <a16:creationId xmlns:a16="http://schemas.microsoft.com/office/drawing/2014/main" id="{0EE83BD5-8B2E-40F0-A4DF-3C11582766F7}"/>
+                <a16:creationId xmlns:a16="http://schemas.microsoft.com/office/drawing/2014/main" id="{68C6ECB5-6114-4228-82C5-9E1F0F58834E}"/>
               </a:ext>
             </a:extLst>
           </p:cNvPr>
@@ -11300,41 +11535,91 @@
             <p:ph type="title"/>
           </p:nvPr>
         </p:nvSpPr>
-        <p:spPr>
-          <a:xfrm>
-            <a:off x="2508152" y="956602"/>
-            <a:ext cx="7175695" cy="649679"/>
-          </a:xfrm>
-        </p:spPr>
+        <p:spPr/>
         <p:txBody>
-          <a:bodyPr>
-            <a:normAutofit/>
-          </a:bodyPr>
+          <a:bodyPr/>
           <a:lstStyle/>
           <a:p>
-            <a:r>
-              <a:rPr lang="he-IL" sz="2000" dirty="0"/>
-              <a:t>כלומר אם אתה מחזיק פחות מ50% מכוח המחשוב אתה תפסיד ברווח הכללי.</a:t>
-            </a:r>
-            <a:endParaRPr lang="en-US" sz="2000" dirty="0"/>
+            <a:pPr algn="ctr"/>
+            <a:r>
+              <a:rPr lang="he-IL" dirty="0"/>
+              <a:t>המשחק</a:t>
+            </a:r>
+            <a:endParaRPr lang="en-US" dirty="0"/>
+          </a:p>
+        </p:txBody>
+      </p:sp>
+      <p:sp>
+        <p:nvSpPr>
+          <p:cNvPr id="3" name="מציין מיקום תוכן 2">
+            <a:extLst>
+              <a:ext uri="{FF2B5EF4-FFF2-40B4-BE49-F238E27FC236}">
+                <a16:creationId xmlns:a16="http://schemas.microsoft.com/office/drawing/2014/main" id="{FCF3BE4F-760C-4E6F-B3EF-8B88B451EFE9}"/>
+              </a:ext>
+            </a:extLst>
+          </p:cNvPr>
+          <p:cNvSpPr>
+            <a:spLocks noGrp="1"/>
+          </p:cNvSpPr>
+          <p:nvPr>
+            <p:ph idx="1"/>
+          </p:nvPr>
+        </p:nvSpPr>
+        <p:spPr/>
+        <p:txBody>
+          <a:bodyPr/>
+          <a:lstStyle/>
+          <a:p>
+            <a:pPr marL="0" indent="0">
+              <a:buNone/>
+            </a:pPr>
+            <a:r>
+              <a:rPr lang="he-IL" dirty="0"/>
+              <a:t>הערות:</a:t>
+            </a:r>
+          </a:p>
+          <a:p>
+            <a:pPr marL="0" indent="0">
+              <a:buNone/>
+            </a:pPr>
+            <a:r>
+              <a:rPr lang="he-IL" dirty="0"/>
+              <a:t>אם שתי קבוצות תוקפות אחת את השנייה-&gt; כל סיבוב תשנה את אחוז הכורים שאתה שולח לתקיפה על מנץ למקסם רווחים.</a:t>
+            </a:r>
+          </a:p>
+          <a:p>
+            <a:pPr marL="0" indent="0">
+              <a:buNone/>
+            </a:pPr>
+            <a:r>
+              <a:rPr lang="he-IL" dirty="0"/>
+              <a:t>בשלב מסוים הקבוצות יגיעו לשיווי משקל שבו לא יהיה אפשר למקסם רווח על ידי הוספת/גריעת כורים מקבוצת התקיפה.</a:t>
+            </a:r>
+          </a:p>
+          <a:p>
+            <a:pPr marL="0" indent="0">
+              <a:buNone/>
+            </a:pPr>
+            <a:r>
+              <a:rPr lang="he-IL" dirty="0"/>
+              <a:t>לכן כמו שהזכרנו בהתחלה, זו דילמת האסיר עם חזרות.</a:t>
+            </a:r>
           </a:p>
         </p:txBody>
       </p:sp>
       <p:pic>
         <p:nvPicPr>
-          <p:cNvPr id="5" name="מציין מיקום תוכן 4">
-            <a:extLst>
-              <a:ext uri="{FF2B5EF4-FFF2-40B4-BE49-F238E27FC236}">
-                <a16:creationId xmlns:a16="http://schemas.microsoft.com/office/drawing/2014/main" id="{A4398AC1-6495-4673-8D96-B983468DC4EC}"/>
+          <p:cNvPr id="5" name="תמונה 4">
+            <a:extLst>
+              <a:ext uri="{FF2B5EF4-FFF2-40B4-BE49-F238E27FC236}">
+                <a16:creationId xmlns:a16="http://schemas.microsoft.com/office/drawing/2014/main" id="{B395155C-0003-4B68-826A-C93191C21151}"/>
               </a:ext>
             </a:extLst>
           </p:cNvPr>
           <p:cNvPicPr>
-            <a:picLocks noGrp="1" noChangeAspect="1"/>
+            <a:picLocks noChangeAspect="1"/>
           </p:cNvPicPr>
-          <p:nvPr>
-            <p:ph idx="1"/>
-          </p:nvPr>
+          <p:nvPr/>
         </p:nvPicPr>
         <p:blipFill>
           <a:blip r:embed="rId2">
@@ -11350,15 +11635,18 @@
         </p:blipFill>
         <p:spPr>
           <a:xfrm>
-            <a:off x="-80721" y="1653387"/>
-            <a:ext cx="11629258" cy="4789615"/>
-          </a:xfrm>
+            <a:off x="2444530" y="4735025"/>
+            <a:ext cx="7302939" cy="1757850"/>
+          </a:xfrm>
+          <a:prstGeom prst="rect">
+            <a:avLst/>
+          </a:prstGeom>
         </p:spPr>
       </p:pic>
     </p:spTree>
     <p:extLst>
       <p:ext uri="{BB962C8B-B14F-4D97-AF65-F5344CB8AC3E}">
-        <p14:creationId xmlns:p14="http://schemas.microsoft.com/office/powerpoint/2010/main" val="2282486383"/>
+        <p14:creationId xmlns:p14="http://schemas.microsoft.com/office/powerpoint/2010/main" val="2168020816"/>
       </p:ext>
     </p:extLst>
   </p:cSld>
@@ -11390,160 +11678,6 @@
           <p:cNvPr id="2" name="כותרת 1">
             <a:extLst>
               <a:ext uri="{FF2B5EF4-FFF2-40B4-BE49-F238E27FC236}">
-                <a16:creationId xmlns:a16="http://schemas.microsoft.com/office/drawing/2014/main" id="{68C6ECB5-6114-4228-82C5-9E1F0F58834E}"/>
-              </a:ext>
-            </a:extLst>
-          </p:cNvPr>
-          <p:cNvSpPr>
-            <a:spLocks noGrp="1"/>
-          </p:cNvSpPr>
-          <p:nvPr>
-            <p:ph type="title"/>
-          </p:nvPr>
-        </p:nvSpPr>
-        <p:spPr/>
-        <p:txBody>
-          <a:bodyPr/>
-          <a:lstStyle/>
-          <a:p>
-            <a:pPr algn="ctr"/>
-            <a:r>
-              <a:rPr lang="he-IL" dirty="0"/>
-              <a:t>המשחק</a:t>
-            </a:r>
-            <a:endParaRPr lang="en-US" dirty="0"/>
-          </a:p>
-        </p:txBody>
-      </p:sp>
-      <p:sp>
-        <p:nvSpPr>
-          <p:cNvPr id="3" name="מציין מיקום תוכן 2">
-            <a:extLst>
-              <a:ext uri="{FF2B5EF4-FFF2-40B4-BE49-F238E27FC236}">
-                <a16:creationId xmlns:a16="http://schemas.microsoft.com/office/drawing/2014/main" id="{FCF3BE4F-760C-4E6F-B3EF-8B88B451EFE9}"/>
-              </a:ext>
-            </a:extLst>
-          </p:cNvPr>
-          <p:cNvSpPr>
-            <a:spLocks noGrp="1"/>
-          </p:cNvSpPr>
-          <p:nvPr>
-            <p:ph idx="1"/>
-          </p:nvPr>
-        </p:nvSpPr>
-        <p:spPr/>
-        <p:txBody>
-          <a:bodyPr/>
-          <a:lstStyle/>
-          <a:p>
-            <a:pPr marL="0" indent="0">
-              <a:buNone/>
-            </a:pPr>
-            <a:r>
-              <a:rPr lang="he-IL" dirty="0"/>
-              <a:t>הערות:</a:t>
-            </a:r>
-          </a:p>
-          <a:p>
-            <a:pPr marL="0" indent="0">
-              <a:buNone/>
-            </a:pPr>
-            <a:r>
-              <a:rPr lang="he-IL" dirty="0"/>
-              <a:t>אם שתי קבוצות תוקפות אחת את השנייה-&gt; כל סיבוב תשנה את אחוז הכורים שאתה שולח לתקיפה על מנץ למקסם רווחים.</a:t>
-            </a:r>
-          </a:p>
-          <a:p>
-            <a:pPr marL="0" indent="0">
-              <a:buNone/>
-            </a:pPr>
-            <a:r>
-              <a:rPr lang="he-IL" dirty="0"/>
-              <a:t>בשלב מסוים הקבוצות יגיעו לשיווי משקל שבו לא יהיה אפשר למקסם רווח על ידי הוספת/גריעת כורים מקבוצת התקיפה.</a:t>
-            </a:r>
-          </a:p>
-          <a:p>
-            <a:pPr marL="0" indent="0">
-              <a:buNone/>
-            </a:pPr>
-            <a:r>
-              <a:rPr lang="he-IL" dirty="0"/>
-              <a:t>לכן כמו שהזכרנו בהתחלה, זו דילמת האסיר עם חזרות.</a:t>
-            </a:r>
-          </a:p>
-        </p:txBody>
-      </p:sp>
-      <p:pic>
-        <p:nvPicPr>
-          <p:cNvPr id="5" name="תמונה 4">
-            <a:extLst>
-              <a:ext uri="{FF2B5EF4-FFF2-40B4-BE49-F238E27FC236}">
-                <a16:creationId xmlns:a16="http://schemas.microsoft.com/office/drawing/2014/main" id="{B395155C-0003-4B68-826A-C93191C21151}"/>
-              </a:ext>
-            </a:extLst>
-          </p:cNvPr>
-          <p:cNvPicPr>
-            <a:picLocks noChangeAspect="1"/>
-          </p:cNvPicPr>
-          <p:nvPr/>
-        </p:nvPicPr>
-        <p:blipFill>
-          <a:blip r:embed="rId2">
-            <a:extLst>
-              <a:ext uri="{28A0092B-C50C-407E-A947-70E740481C1C}">
-                <a14:useLocalDpi xmlns:a14="http://schemas.microsoft.com/office/drawing/2010/main" val="0"/>
-              </a:ext>
-            </a:extLst>
-          </a:blip>
-          <a:stretch>
-            <a:fillRect/>
-          </a:stretch>
-        </p:blipFill>
-        <p:spPr>
-          <a:xfrm>
-            <a:off x="2444530" y="4735025"/>
-            <a:ext cx="7302939" cy="1757850"/>
-          </a:xfrm>
-          <a:prstGeom prst="rect">
-            <a:avLst/>
-          </a:prstGeom>
-        </p:spPr>
-      </p:pic>
-    </p:spTree>
-    <p:extLst>
-      <p:ext uri="{BB962C8B-B14F-4D97-AF65-F5344CB8AC3E}">
-        <p14:creationId xmlns:p14="http://schemas.microsoft.com/office/powerpoint/2010/main" val="2168020816"/>
-      </p:ext>
-    </p:extLst>
-  </p:cSld>
-  <p:clrMapOvr>
-    <a:masterClrMapping/>
-  </p:clrMapOvr>
-</p:sld>
-</file>
-
-<file path=ppt/slides/slide32.xml><?xml version="1.0" encoding="utf-8"?>
-<p:sld xmlns:a="http://schemas.openxmlformats.org/drawingml/2006/main" xmlns:r="http://schemas.openxmlformats.org/officeDocument/2006/relationships" xmlns:p="http://schemas.openxmlformats.org/presentationml/2006/main">
-  <p:cSld>
-    <p:spTree>
-      <p:nvGrpSpPr>
-        <p:cNvPr id="1" name=""/>
-        <p:cNvGrpSpPr/>
-        <p:nvPr/>
-      </p:nvGrpSpPr>
-      <p:grpSpPr>
-        <a:xfrm>
-          <a:off x="0" y="0"/>
-          <a:ext cx="0" cy="0"/>
-          <a:chOff x="0" y="0"/>
-          <a:chExt cx="0" cy="0"/>
-        </a:xfrm>
-      </p:grpSpPr>
-      <p:sp>
-        <p:nvSpPr>
-          <p:cNvPr id="2" name="כותרת 1">
-            <a:extLst>
-              <a:ext uri="{FF2B5EF4-FFF2-40B4-BE49-F238E27FC236}">
                 <a16:creationId xmlns:a16="http://schemas.microsoft.com/office/drawing/2014/main" id="{493228D5-1ACF-4C50-B7E9-4ACCB1605B6C}"/>
               </a:ext>
             </a:extLst>
@@ -11662,7 +11796,7 @@
 </p:sld>
 </file>
 
-<file path=ppt/slides/slide33.xml><?xml version="1.0" encoding="utf-8"?>
+<file path=ppt/slides/slide32.xml><?xml version="1.0" encoding="utf-8"?>
 <p:sld xmlns:a="http://schemas.openxmlformats.org/drawingml/2006/main" xmlns:r="http://schemas.openxmlformats.org/officeDocument/2006/relationships" xmlns:p="http://schemas.openxmlformats.org/presentationml/2006/main">
   <p:cSld>
     <p:spTree>
@@ -11877,6 +12011,45 @@
           </a:prstGeom>
         </p:spPr>
       </p:pic>
+      <p:cxnSp>
+        <p:nvCxnSpPr>
+          <p:cNvPr id="27" name="מחבר: מרפקי 26">
+            <a:extLst>
+              <a:ext uri="{FF2B5EF4-FFF2-40B4-BE49-F238E27FC236}">
+                <a16:creationId xmlns:a16="http://schemas.microsoft.com/office/drawing/2014/main" id="{A03D8BE9-AE2F-47E9-A383-09C6004A1017}"/>
+              </a:ext>
+            </a:extLst>
+          </p:cNvPr>
+          <p:cNvCxnSpPr/>
+          <p:nvPr/>
+        </p:nvCxnSpPr>
+        <p:spPr>
+          <a:xfrm rot="10800000" flipV="1">
+            <a:off x="6096000" y="2715064"/>
+            <a:ext cx="2643016" cy="590843"/>
+          </a:xfrm>
+          <a:prstGeom prst="bentConnector3">
+            <a:avLst/>
+          </a:prstGeom>
+          <a:ln>
+            <a:tailEnd type="triangle"/>
+          </a:ln>
+        </p:spPr>
+        <p:style>
+          <a:lnRef idx="1">
+            <a:schemeClr val="accent1"/>
+          </a:lnRef>
+          <a:fillRef idx="0">
+            <a:schemeClr val="accent1"/>
+          </a:fillRef>
+          <a:effectRef idx="0">
+            <a:schemeClr val="accent1"/>
+          </a:effectRef>
+          <a:fontRef idx="minor">
+            <a:schemeClr val="tx1"/>
+          </a:fontRef>
+        </p:style>
+      </p:cxnSp>
       <p:pic>
         <p:nvPicPr>
           <p:cNvPr id="44" name="תמונה 43">
@@ -12021,10 +12194,46 @@
           </a:prstGeom>
         </p:spPr>
       </p:pic>
+      <p:pic>
+        <p:nvPicPr>
+          <p:cNvPr id="49" name="תמונה 48">
+            <a:extLst>
+              <a:ext uri="{FF2B5EF4-FFF2-40B4-BE49-F238E27FC236}">
+                <a16:creationId xmlns:a16="http://schemas.microsoft.com/office/drawing/2014/main" id="{4821D080-8E9C-464D-9DE1-50911AFCC31C}"/>
+              </a:ext>
+            </a:extLst>
+          </p:cNvPr>
+          <p:cNvPicPr>
+            <a:picLocks noChangeAspect="1"/>
+          </p:cNvPicPr>
+          <p:nvPr/>
+        </p:nvPicPr>
+        <p:blipFill>
+          <a:blip r:embed="rId5">
+            <a:extLst>
+              <a:ext uri="{28A0092B-C50C-407E-A947-70E740481C1C}">
+                <a14:useLocalDpi xmlns:a14="http://schemas.microsoft.com/office/drawing/2010/main" val="0"/>
+              </a:ext>
+            </a:extLst>
+          </a:blip>
+          <a:stretch>
+            <a:fillRect/>
+          </a:stretch>
+        </p:blipFill>
+        <p:spPr>
+          <a:xfrm>
+            <a:off x="7478858" y="1952226"/>
+            <a:ext cx="1084614" cy="719146"/>
+          </a:xfrm>
+          <a:prstGeom prst="rect">
+            <a:avLst/>
+          </a:prstGeom>
+        </p:spPr>
+      </p:pic>
     </p:spTree>
     <p:extLst>
       <p:ext uri="{BB962C8B-B14F-4D97-AF65-F5344CB8AC3E}">
-        <p14:creationId xmlns:p14="http://schemas.microsoft.com/office/powerpoint/2010/main" val="1091330487"/>
+        <p14:creationId xmlns:p14="http://schemas.microsoft.com/office/powerpoint/2010/main" val="564155298"/>
       </p:ext>
     </p:extLst>
   </p:cSld>
@@ -12051,6 +12260,42 @@
           <a:chExt cx="0" cy="0"/>
         </a:xfrm>
       </p:grpSpPr>
+      <p:pic>
+        <p:nvPicPr>
+          <p:cNvPr id="71" name="תמונה 70">
+            <a:extLst>
+              <a:ext uri="{FF2B5EF4-FFF2-40B4-BE49-F238E27FC236}">
+                <a16:creationId xmlns:a16="http://schemas.microsoft.com/office/drawing/2014/main" id="{08691FBE-3710-4662-8CFB-3BD2882490E1}"/>
+              </a:ext>
+            </a:extLst>
+          </p:cNvPr>
+          <p:cNvPicPr>
+            <a:picLocks noChangeAspect="1"/>
+          </p:cNvPicPr>
+          <p:nvPr/>
+        </p:nvPicPr>
+        <p:blipFill>
+          <a:blip r:embed="rId2">
+            <a:extLst>
+              <a:ext uri="{28A0092B-C50C-407E-A947-70E740481C1C}">
+                <a14:useLocalDpi xmlns:a14="http://schemas.microsoft.com/office/drawing/2010/main" val="0"/>
+              </a:ext>
+            </a:extLst>
+          </a:blip>
+          <a:stretch>
+            <a:fillRect/>
+          </a:stretch>
+        </p:blipFill>
+        <p:spPr>
+          <a:xfrm>
+            <a:off x="4084634" y="3033565"/>
+            <a:ext cx="1084614" cy="719146"/>
+          </a:xfrm>
+          <a:prstGeom prst="rect">
+            <a:avLst/>
+          </a:prstGeom>
+        </p:spPr>
+      </p:pic>
       <p:sp>
         <p:nvSpPr>
           <p:cNvPr id="2" name="כותרת 1">
@@ -12095,7 +12340,7 @@
           <p:nvPr/>
         </p:nvPicPr>
         <p:blipFill>
-          <a:blip r:embed="rId2">
+          <a:blip r:embed="rId3">
             <a:extLst>
               <a:ext uri="{28A0092B-C50C-407E-A947-70E740481C1C}">
                 <a14:useLocalDpi xmlns:a14="http://schemas.microsoft.com/office/drawing/2010/main" val="0"/>
@@ -12131,7 +12376,7 @@
           <p:nvPr/>
         </p:nvPicPr>
         <p:blipFill>
-          <a:blip r:embed="rId3">
+          <a:blip r:embed="rId4">
             <a:extLst>
               <a:ext uri="{28A0092B-C50C-407E-A947-70E740481C1C}">
                 <a14:useLocalDpi xmlns:a14="http://schemas.microsoft.com/office/drawing/2010/main" val="0"/>
@@ -12171,6 +12416,172 @@
           </a:xfrm>
           <a:prstGeom prst="bentConnector3">
             <a:avLst/>
+          </a:prstGeom>
+          <a:ln>
+            <a:tailEnd type="triangle"/>
+          </a:ln>
+        </p:spPr>
+        <p:style>
+          <a:lnRef idx="1">
+            <a:schemeClr val="accent1"/>
+          </a:lnRef>
+          <a:fillRef idx="0">
+            <a:schemeClr val="accent1"/>
+          </a:fillRef>
+          <a:effectRef idx="0">
+            <a:schemeClr val="accent1"/>
+          </a:effectRef>
+          <a:fontRef idx="minor">
+            <a:schemeClr val="tx1"/>
+          </a:fontRef>
+        </p:style>
+      </p:cxnSp>
+      <p:cxnSp>
+        <p:nvCxnSpPr>
+          <p:cNvPr id="30" name="מחבר: מעוקל 29">
+            <a:extLst>
+              <a:ext uri="{FF2B5EF4-FFF2-40B4-BE49-F238E27FC236}">
+                <a16:creationId xmlns:a16="http://schemas.microsoft.com/office/drawing/2014/main" id="{455CE680-A78E-47B7-8BFD-86E9B206B156}"/>
+              </a:ext>
+            </a:extLst>
+          </p:cNvPr>
+          <p:cNvCxnSpPr>
+            <a:cxnSpLocks/>
+          </p:cNvCxnSpPr>
+          <p:nvPr/>
+        </p:nvCxnSpPr>
+        <p:spPr>
+          <a:xfrm rot="10800000">
+            <a:off x="2596011" y="1476538"/>
+            <a:ext cx="2625349" cy="1412436"/>
+          </a:xfrm>
+          <a:prstGeom prst="curvedConnector3">
+            <a:avLst/>
+          </a:prstGeom>
+          <a:ln>
+            <a:tailEnd type="triangle"/>
+          </a:ln>
+        </p:spPr>
+        <p:style>
+          <a:lnRef idx="1">
+            <a:schemeClr val="accent1"/>
+          </a:lnRef>
+          <a:fillRef idx="0">
+            <a:schemeClr val="accent1"/>
+          </a:fillRef>
+          <a:effectRef idx="0">
+            <a:schemeClr val="accent1"/>
+          </a:effectRef>
+          <a:fontRef idx="minor">
+            <a:schemeClr val="tx1"/>
+          </a:fontRef>
+        </p:style>
+      </p:cxnSp>
+      <p:cxnSp>
+        <p:nvCxnSpPr>
+          <p:cNvPr id="31" name="מחבר: מעוקל 30">
+            <a:extLst>
+              <a:ext uri="{FF2B5EF4-FFF2-40B4-BE49-F238E27FC236}">
+                <a16:creationId xmlns:a16="http://schemas.microsoft.com/office/drawing/2014/main" id="{67F86254-536F-4E39-8363-DF20443C2429}"/>
+              </a:ext>
+            </a:extLst>
+          </p:cNvPr>
+          <p:cNvCxnSpPr>
+            <a:cxnSpLocks/>
+          </p:cNvCxnSpPr>
+          <p:nvPr/>
+        </p:nvCxnSpPr>
+        <p:spPr>
+          <a:xfrm rot="10800000">
+            <a:off x="2510803" y="2579350"/>
+            <a:ext cx="2872852" cy="686101"/>
+          </a:xfrm>
+          <a:prstGeom prst="curvedConnector3">
+            <a:avLst/>
+          </a:prstGeom>
+          <a:ln>
+            <a:tailEnd type="triangle"/>
+          </a:ln>
+        </p:spPr>
+        <p:style>
+          <a:lnRef idx="1">
+            <a:schemeClr val="accent1"/>
+          </a:lnRef>
+          <a:fillRef idx="0">
+            <a:schemeClr val="accent1"/>
+          </a:fillRef>
+          <a:effectRef idx="0">
+            <a:schemeClr val="accent1"/>
+          </a:effectRef>
+          <a:fontRef idx="minor">
+            <a:schemeClr val="tx1"/>
+          </a:fontRef>
+        </p:style>
+      </p:cxnSp>
+      <p:cxnSp>
+        <p:nvCxnSpPr>
+          <p:cNvPr id="32" name="מחבר: מעוקל 31">
+            <a:extLst>
+              <a:ext uri="{FF2B5EF4-FFF2-40B4-BE49-F238E27FC236}">
+                <a16:creationId xmlns:a16="http://schemas.microsoft.com/office/drawing/2014/main" id="{CE12DDCC-3A30-4D50-B110-2E1DBF798704}"/>
+              </a:ext>
+            </a:extLst>
+          </p:cNvPr>
+          <p:cNvCxnSpPr>
+            <a:cxnSpLocks/>
+          </p:cNvCxnSpPr>
+          <p:nvPr/>
+        </p:nvCxnSpPr>
+        <p:spPr>
+          <a:xfrm rot="10800000">
+            <a:off x="2510803" y="3602962"/>
+            <a:ext cx="2671196" cy="12700"/>
+          </a:xfrm>
+          <a:prstGeom prst="curvedConnector3">
+            <a:avLst/>
+          </a:prstGeom>
+          <a:ln>
+            <a:tailEnd type="triangle"/>
+          </a:ln>
+        </p:spPr>
+        <p:style>
+          <a:lnRef idx="1">
+            <a:schemeClr val="accent1"/>
+          </a:lnRef>
+          <a:fillRef idx="0">
+            <a:schemeClr val="accent1"/>
+          </a:fillRef>
+          <a:effectRef idx="0">
+            <a:schemeClr val="accent1"/>
+          </a:effectRef>
+          <a:fontRef idx="minor">
+            <a:schemeClr val="tx1"/>
+          </a:fontRef>
+        </p:style>
+      </p:cxnSp>
+      <p:cxnSp>
+        <p:nvCxnSpPr>
+          <p:cNvPr id="33" name="מחבר: מעוקל 32">
+            <a:extLst>
+              <a:ext uri="{FF2B5EF4-FFF2-40B4-BE49-F238E27FC236}">
+                <a16:creationId xmlns:a16="http://schemas.microsoft.com/office/drawing/2014/main" id="{B0932318-6522-42D0-A885-D27B42D5D264}"/>
+              </a:ext>
+            </a:extLst>
+          </p:cNvPr>
+          <p:cNvCxnSpPr>
+            <a:cxnSpLocks/>
+          </p:cNvCxnSpPr>
+          <p:nvPr/>
+        </p:nvCxnSpPr>
+        <p:spPr>
+          <a:xfrm rot="10800000" flipV="1">
+            <a:off x="2596011" y="3777636"/>
+            <a:ext cx="2665107" cy="1541694"/>
+          </a:xfrm>
+          <a:prstGeom prst="curvedConnector3">
+            <a:avLst>
+              <a:gd name="adj1" fmla="val 50000"/>
+            </a:avLst>
           </a:prstGeom>
           <a:ln>
             <a:tailEnd type="triangle"/>
@@ -12206,7 +12617,7 @@
           <p:nvPr/>
         </p:nvPicPr>
         <p:blipFill>
-          <a:blip r:embed="rId4">
+          <a:blip r:embed="rId5">
             <a:extLst>
               <a:ext uri="{28A0092B-C50C-407E-A947-70E740481C1C}">
                 <a14:useLocalDpi xmlns:a14="http://schemas.microsoft.com/office/drawing/2010/main" val="0"/>
@@ -12233,114 +12644,6 @@
             <a:extLst>
               <a:ext uri="{FF2B5EF4-FFF2-40B4-BE49-F238E27FC236}">
                 <a16:creationId xmlns:a16="http://schemas.microsoft.com/office/drawing/2014/main" id="{415D2602-020E-4D2F-91B6-4E719E0F14DF}"/>
-              </a:ext>
-            </a:extLst>
-          </p:cNvPr>
-          <p:cNvPicPr>
-            <a:picLocks noChangeAspect="1"/>
-          </p:cNvPicPr>
-          <p:nvPr/>
-        </p:nvPicPr>
-        <p:blipFill>
-          <a:blip r:embed="rId4">
-            <a:extLst>
-              <a:ext uri="{28A0092B-C50C-407E-A947-70E740481C1C}">
-                <a14:useLocalDpi xmlns:a14="http://schemas.microsoft.com/office/drawing/2010/main" val="0"/>
-              </a:ext>
-            </a:extLst>
-          </a:blip>
-          <a:stretch>
-            <a:fillRect/>
-          </a:stretch>
-        </p:blipFill>
-        <p:spPr>
-          <a:xfrm>
-            <a:off x="1758253" y="3418999"/>
-            <a:ext cx="752550" cy="717274"/>
-          </a:xfrm>
-          <a:prstGeom prst="rect">
-            <a:avLst/>
-          </a:prstGeom>
-        </p:spPr>
-      </p:pic>
-      <p:pic>
-        <p:nvPicPr>
-          <p:cNvPr id="46" name="תמונה 45">
-            <a:extLst>
-              <a:ext uri="{FF2B5EF4-FFF2-40B4-BE49-F238E27FC236}">
-                <a16:creationId xmlns:a16="http://schemas.microsoft.com/office/drawing/2014/main" id="{48992091-FDAF-47DE-8BA6-CDFF2CA42014}"/>
-              </a:ext>
-            </a:extLst>
-          </p:cNvPr>
-          <p:cNvPicPr>
-            <a:picLocks noChangeAspect="1"/>
-          </p:cNvPicPr>
-          <p:nvPr/>
-        </p:nvPicPr>
-        <p:blipFill>
-          <a:blip r:embed="rId4">
-            <a:extLst>
-              <a:ext uri="{28A0092B-C50C-407E-A947-70E740481C1C}">
-                <a14:useLocalDpi xmlns:a14="http://schemas.microsoft.com/office/drawing/2010/main" val="0"/>
-              </a:ext>
-            </a:extLst>
-          </a:blip>
-          <a:stretch>
-            <a:fillRect/>
-          </a:stretch>
-        </p:blipFill>
-        <p:spPr>
-          <a:xfrm>
-            <a:off x="1770937" y="2270528"/>
-            <a:ext cx="752550" cy="717274"/>
-          </a:xfrm>
-          <a:prstGeom prst="rect">
-            <a:avLst/>
-          </a:prstGeom>
-        </p:spPr>
-      </p:pic>
-      <p:pic>
-        <p:nvPicPr>
-          <p:cNvPr id="47" name="תמונה 46">
-            <a:extLst>
-              <a:ext uri="{FF2B5EF4-FFF2-40B4-BE49-F238E27FC236}">
-                <a16:creationId xmlns:a16="http://schemas.microsoft.com/office/drawing/2014/main" id="{44A62A51-7F52-4FCD-90B5-F1B5A07F1FB6}"/>
-              </a:ext>
-            </a:extLst>
-          </p:cNvPr>
-          <p:cNvPicPr>
-            <a:picLocks noChangeAspect="1"/>
-          </p:cNvPicPr>
-          <p:nvPr/>
-        </p:nvPicPr>
-        <p:blipFill>
-          <a:blip r:embed="rId4">
-            <a:extLst>
-              <a:ext uri="{28A0092B-C50C-407E-A947-70E740481C1C}">
-                <a14:useLocalDpi xmlns:a14="http://schemas.microsoft.com/office/drawing/2010/main" val="0"/>
-              </a:ext>
-            </a:extLst>
-          </a:blip>
-          <a:stretch>
-            <a:fillRect/>
-          </a:stretch>
-        </p:blipFill>
-        <p:spPr>
-          <a:xfrm>
-            <a:off x="1862546" y="1100061"/>
-            <a:ext cx="752550" cy="717274"/>
-          </a:xfrm>
-          <a:prstGeom prst="rect">
-            <a:avLst/>
-          </a:prstGeom>
-        </p:spPr>
-      </p:pic>
-      <p:pic>
-        <p:nvPicPr>
-          <p:cNvPr id="49" name="תמונה 48">
-            <a:extLst>
-              <a:ext uri="{FF2B5EF4-FFF2-40B4-BE49-F238E27FC236}">
-                <a16:creationId xmlns:a16="http://schemas.microsoft.com/office/drawing/2014/main" id="{4821D080-8E9C-464D-9DE1-50911AFCC31C}"/>
               </a:ext>
             </a:extLst>
           </p:cNvPr>
@@ -12363,6 +12666,114 @@
         </p:blipFill>
         <p:spPr>
           <a:xfrm>
+            <a:off x="1758253" y="3418999"/>
+            <a:ext cx="752550" cy="717274"/>
+          </a:xfrm>
+          <a:prstGeom prst="rect">
+            <a:avLst/>
+          </a:prstGeom>
+        </p:spPr>
+      </p:pic>
+      <p:pic>
+        <p:nvPicPr>
+          <p:cNvPr id="46" name="תמונה 45">
+            <a:extLst>
+              <a:ext uri="{FF2B5EF4-FFF2-40B4-BE49-F238E27FC236}">
+                <a16:creationId xmlns:a16="http://schemas.microsoft.com/office/drawing/2014/main" id="{48992091-FDAF-47DE-8BA6-CDFF2CA42014}"/>
+              </a:ext>
+            </a:extLst>
+          </p:cNvPr>
+          <p:cNvPicPr>
+            <a:picLocks noChangeAspect="1"/>
+          </p:cNvPicPr>
+          <p:nvPr/>
+        </p:nvPicPr>
+        <p:blipFill>
+          <a:blip r:embed="rId5">
+            <a:extLst>
+              <a:ext uri="{28A0092B-C50C-407E-A947-70E740481C1C}">
+                <a14:useLocalDpi xmlns:a14="http://schemas.microsoft.com/office/drawing/2010/main" val="0"/>
+              </a:ext>
+            </a:extLst>
+          </a:blip>
+          <a:stretch>
+            <a:fillRect/>
+          </a:stretch>
+        </p:blipFill>
+        <p:spPr>
+          <a:xfrm>
+            <a:off x="1770937" y="2270528"/>
+            <a:ext cx="752550" cy="717274"/>
+          </a:xfrm>
+          <a:prstGeom prst="rect">
+            <a:avLst/>
+          </a:prstGeom>
+        </p:spPr>
+      </p:pic>
+      <p:pic>
+        <p:nvPicPr>
+          <p:cNvPr id="47" name="תמונה 46">
+            <a:extLst>
+              <a:ext uri="{FF2B5EF4-FFF2-40B4-BE49-F238E27FC236}">
+                <a16:creationId xmlns:a16="http://schemas.microsoft.com/office/drawing/2014/main" id="{44A62A51-7F52-4FCD-90B5-F1B5A07F1FB6}"/>
+              </a:ext>
+            </a:extLst>
+          </p:cNvPr>
+          <p:cNvPicPr>
+            <a:picLocks noChangeAspect="1"/>
+          </p:cNvPicPr>
+          <p:nvPr/>
+        </p:nvPicPr>
+        <p:blipFill>
+          <a:blip r:embed="rId5">
+            <a:extLst>
+              <a:ext uri="{28A0092B-C50C-407E-A947-70E740481C1C}">
+                <a14:useLocalDpi xmlns:a14="http://schemas.microsoft.com/office/drawing/2010/main" val="0"/>
+              </a:ext>
+            </a:extLst>
+          </a:blip>
+          <a:stretch>
+            <a:fillRect/>
+          </a:stretch>
+        </p:blipFill>
+        <p:spPr>
+          <a:xfrm>
+            <a:off x="1862546" y="1100061"/>
+            <a:ext cx="752550" cy="717274"/>
+          </a:xfrm>
+          <a:prstGeom prst="rect">
+            <a:avLst/>
+          </a:prstGeom>
+        </p:spPr>
+      </p:pic>
+      <p:pic>
+        <p:nvPicPr>
+          <p:cNvPr id="49" name="תמונה 48">
+            <a:extLst>
+              <a:ext uri="{FF2B5EF4-FFF2-40B4-BE49-F238E27FC236}">
+                <a16:creationId xmlns:a16="http://schemas.microsoft.com/office/drawing/2014/main" id="{4821D080-8E9C-464D-9DE1-50911AFCC31C}"/>
+              </a:ext>
+            </a:extLst>
+          </p:cNvPr>
+          <p:cNvPicPr>
+            <a:picLocks noChangeAspect="1"/>
+          </p:cNvPicPr>
+          <p:nvPr/>
+        </p:nvPicPr>
+        <p:blipFill>
+          <a:blip r:embed="rId2">
+            <a:extLst>
+              <a:ext uri="{28A0092B-C50C-407E-A947-70E740481C1C}">
+                <a14:useLocalDpi xmlns:a14="http://schemas.microsoft.com/office/drawing/2010/main" val="0"/>
+              </a:ext>
+            </a:extLst>
+          </a:blip>
+          <a:stretch>
+            <a:fillRect/>
+          </a:stretch>
+        </p:blipFill>
+        <p:spPr>
+          <a:xfrm>
             <a:off x="7478858" y="1952226"/>
             <a:ext cx="1084614" cy="719146"/>
           </a:xfrm>
@@ -12374,7 +12785,7 @@
     </p:spTree>
     <p:extLst>
       <p:ext uri="{BB962C8B-B14F-4D97-AF65-F5344CB8AC3E}">
-        <p14:creationId xmlns:p14="http://schemas.microsoft.com/office/powerpoint/2010/main" val="564155298"/>
+        <p14:creationId xmlns:p14="http://schemas.microsoft.com/office/powerpoint/2010/main" val="4049812658"/>
       </p:ext>
     </p:extLst>
   </p:cSld>
@@ -12923,10 +13334,250 @@
           </a:prstGeom>
         </p:spPr>
       </p:pic>
+      <p:pic>
+        <p:nvPicPr>
+          <p:cNvPr id="51" name="תמונה 50">
+            <a:extLst>
+              <a:ext uri="{FF2B5EF4-FFF2-40B4-BE49-F238E27FC236}">
+                <a16:creationId xmlns:a16="http://schemas.microsoft.com/office/drawing/2014/main" id="{B11D6A07-56A2-4A43-BA61-D459B8963EAE}"/>
+              </a:ext>
+            </a:extLst>
+          </p:cNvPr>
+          <p:cNvPicPr>
+            <a:picLocks noChangeAspect="1"/>
+          </p:cNvPicPr>
+          <p:nvPr/>
+        </p:nvPicPr>
+        <p:blipFill>
+          <a:blip r:embed="rId6">
+            <a:extLst>
+              <a:ext uri="{28A0092B-C50C-407E-A947-70E740481C1C}">
+                <a14:useLocalDpi xmlns:a14="http://schemas.microsoft.com/office/drawing/2010/main" val="0"/>
+              </a:ext>
+            </a:extLst>
+          </a:blip>
+          <a:stretch>
+            <a:fillRect/>
+          </a:stretch>
+        </p:blipFill>
+        <p:spPr>
+          <a:xfrm>
+            <a:off x="4167189" y="1266065"/>
+            <a:ext cx="325298" cy="325298"/>
+          </a:xfrm>
+          <a:prstGeom prst="rect">
+            <a:avLst/>
+          </a:prstGeom>
+        </p:spPr>
+      </p:pic>
+      <p:pic>
+        <p:nvPicPr>
+          <p:cNvPr id="54" name="תמונה 53">
+            <a:extLst>
+              <a:ext uri="{FF2B5EF4-FFF2-40B4-BE49-F238E27FC236}">
+                <a16:creationId xmlns:a16="http://schemas.microsoft.com/office/drawing/2014/main" id="{1E1EAB5C-67CC-42BC-92EA-5CD0B44291CC}"/>
+              </a:ext>
+            </a:extLst>
+          </p:cNvPr>
+          <p:cNvPicPr>
+            <a:picLocks noChangeAspect="1"/>
+          </p:cNvPicPr>
+          <p:nvPr/>
+        </p:nvPicPr>
+        <p:blipFill>
+          <a:blip r:embed="rId7">
+            <a:extLst>
+              <a:ext uri="{28A0092B-C50C-407E-A947-70E740481C1C}">
+                <a14:useLocalDpi xmlns:a14="http://schemas.microsoft.com/office/drawing/2010/main" val="0"/>
+              </a:ext>
+            </a:extLst>
+          </a:blip>
+          <a:stretch>
+            <a:fillRect/>
+          </a:stretch>
+        </p:blipFill>
+        <p:spPr>
+          <a:xfrm flipH="1">
+            <a:off x="4802692" y="1603133"/>
+            <a:ext cx="418668" cy="452161"/>
+          </a:xfrm>
+          <a:prstGeom prst="rect">
+            <a:avLst/>
+          </a:prstGeom>
+        </p:spPr>
+      </p:pic>
+      <p:pic>
+        <p:nvPicPr>
+          <p:cNvPr id="55" name="תמונה 54">
+            <a:extLst>
+              <a:ext uri="{FF2B5EF4-FFF2-40B4-BE49-F238E27FC236}">
+                <a16:creationId xmlns:a16="http://schemas.microsoft.com/office/drawing/2014/main" id="{C23DD0DE-B276-472D-887C-205E98C65E52}"/>
+              </a:ext>
+            </a:extLst>
+          </p:cNvPr>
+          <p:cNvPicPr>
+            <a:picLocks noChangeAspect="1"/>
+          </p:cNvPicPr>
+          <p:nvPr/>
+        </p:nvPicPr>
+        <p:blipFill>
+          <a:blip r:embed="rId7">
+            <a:extLst>
+              <a:ext uri="{28A0092B-C50C-407E-A947-70E740481C1C}">
+                <a14:useLocalDpi xmlns:a14="http://schemas.microsoft.com/office/drawing/2010/main" val="0"/>
+              </a:ext>
+            </a:extLst>
+          </a:blip>
+          <a:stretch>
+            <a:fillRect/>
+          </a:stretch>
+        </p:blipFill>
+        <p:spPr>
+          <a:xfrm flipH="1">
+            <a:off x="4741322" y="4561700"/>
+            <a:ext cx="418668" cy="452161"/>
+          </a:xfrm>
+          <a:prstGeom prst="rect">
+            <a:avLst/>
+          </a:prstGeom>
+        </p:spPr>
+      </p:pic>
+      <p:pic>
+        <p:nvPicPr>
+          <p:cNvPr id="56" name="תמונה 55">
+            <a:extLst>
+              <a:ext uri="{FF2B5EF4-FFF2-40B4-BE49-F238E27FC236}">
+                <a16:creationId xmlns:a16="http://schemas.microsoft.com/office/drawing/2014/main" id="{9D504991-748C-4CAB-B3A9-24CCA9643E7C}"/>
+              </a:ext>
+            </a:extLst>
+          </p:cNvPr>
+          <p:cNvPicPr>
+            <a:picLocks noChangeAspect="1"/>
+          </p:cNvPicPr>
+          <p:nvPr/>
+        </p:nvPicPr>
+        <p:blipFill>
+          <a:blip r:embed="rId7">
+            <a:extLst>
+              <a:ext uri="{28A0092B-C50C-407E-A947-70E740481C1C}">
+                <a14:useLocalDpi xmlns:a14="http://schemas.microsoft.com/office/drawing/2010/main" val="0"/>
+              </a:ext>
+            </a:extLst>
+          </a:blip>
+          <a:stretch>
+            <a:fillRect/>
+          </a:stretch>
+        </p:blipFill>
+        <p:spPr>
+          <a:xfrm flipH="1">
+            <a:off x="3640725" y="4976222"/>
+            <a:ext cx="418668" cy="452161"/>
+          </a:xfrm>
+          <a:prstGeom prst="rect">
+            <a:avLst/>
+          </a:prstGeom>
+        </p:spPr>
+      </p:pic>
+      <p:cxnSp>
+        <p:nvCxnSpPr>
+          <p:cNvPr id="58" name="מחבר: מעוקל 57">
+            <a:extLst>
+              <a:ext uri="{FF2B5EF4-FFF2-40B4-BE49-F238E27FC236}">
+                <a16:creationId xmlns:a16="http://schemas.microsoft.com/office/drawing/2014/main" id="{BC76E7C4-6B56-49C3-87C3-AEB725CDCCF5}"/>
+              </a:ext>
+            </a:extLst>
+          </p:cNvPr>
+          <p:cNvCxnSpPr>
+            <a:cxnSpLocks/>
+          </p:cNvCxnSpPr>
+          <p:nvPr/>
+        </p:nvCxnSpPr>
+        <p:spPr>
+          <a:xfrm>
+            <a:off x="2744698" y="1175818"/>
+            <a:ext cx="2652206" cy="1481270"/>
+          </a:xfrm>
+          <a:prstGeom prst="curvedConnector3">
+            <a:avLst>
+              <a:gd name="adj1" fmla="val 66489"/>
+            </a:avLst>
+          </a:prstGeom>
+          <a:ln>
+            <a:solidFill>
+              <a:schemeClr val="bg2">
+                <a:lumMod val="10000"/>
+              </a:schemeClr>
+            </a:solidFill>
+            <a:tailEnd type="triangle"/>
+          </a:ln>
+        </p:spPr>
+        <p:style>
+          <a:lnRef idx="1">
+            <a:schemeClr val="accent1"/>
+          </a:lnRef>
+          <a:fillRef idx="0">
+            <a:schemeClr val="accent1"/>
+          </a:fillRef>
+          <a:effectRef idx="0">
+            <a:schemeClr val="accent1"/>
+          </a:effectRef>
+          <a:fontRef idx="minor">
+            <a:schemeClr val="tx1"/>
+          </a:fontRef>
+        </p:style>
+      </p:cxnSp>
+      <p:cxnSp>
+        <p:nvCxnSpPr>
+          <p:cNvPr id="61" name="מחבר: מעוקל 60">
+            <a:extLst>
+              <a:ext uri="{FF2B5EF4-FFF2-40B4-BE49-F238E27FC236}">
+                <a16:creationId xmlns:a16="http://schemas.microsoft.com/office/drawing/2014/main" id="{D9A9B7E5-E78C-4298-9C95-09FCB81A962F}"/>
+              </a:ext>
+            </a:extLst>
+          </p:cNvPr>
+          <p:cNvCxnSpPr>
+            <a:cxnSpLocks/>
+          </p:cNvCxnSpPr>
+          <p:nvPr/>
+        </p:nvCxnSpPr>
+        <p:spPr>
+          <a:xfrm flipV="1">
+            <a:off x="2621126" y="3747543"/>
+            <a:ext cx="3012399" cy="1694959"/>
+          </a:xfrm>
+          <a:prstGeom prst="curvedConnector3">
+            <a:avLst>
+              <a:gd name="adj1" fmla="val 96632"/>
+            </a:avLst>
+          </a:prstGeom>
+          <a:ln>
+            <a:solidFill>
+              <a:schemeClr val="bg2">
+                <a:lumMod val="10000"/>
+              </a:schemeClr>
+            </a:solidFill>
+            <a:tailEnd type="triangle"/>
+          </a:ln>
+        </p:spPr>
+        <p:style>
+          <a:lnRef idx="1">
+            <a:schemeClr val="accent1"/>
+          </a:lnRef>
+          <a:fillRef idx="0">
+            <a:schemeClr val="accent1"/>
+          </a:fillRef>
+          <a:effectRef idx="0">
+            <a:schemeClr val="accent1"/>
+          </a:effectRef>
+          <a:fontRef idx="minor">
+            <a:schemeClr val="tx1"/>
+          </a:fontRef>
+        </p:style>
+      </p:cxnSp>
     </p:spTree>
     <p:extLst>
       <p:ext uri="{BB962C8B-B14F-4D97-AF65-F5344CB8AC3E}">
-        <p14:creationId xmlns:p14="http://schemas.microsoft.com/office/powerpoint/2010/main" val="4049812658"/>
+        <p14:creationId xmlns:p14="http://schemas.microsoft.com/office/powerpoint/2010/main" val="3766177108"/>
       </p:ext>
     </p:extLst>
   </p:cSld>
@@ -13513,6 +14164,42 @@
       </p:pic>
       <p:pic>
         <p:nvPicPr>
+          <p:cNvPr id="52" name="תמונה 51">
+            <a:extLst>
+              <a:ext uri="{FF2B5EF4-FFF2-40B4-BE49-F238E27FC236}">
+                <a16:creationId xmlns:a16="http://schemas.microsoft.com/office/drawing/2014/main" id="{60F570FF-2F55-4A52-9640-4B1A8C8A2F36}"/>
+              </a:ext>
+            </a:extLst>
+          </p:cNvPr>
+          <p:cNvPicPr>
+            <a:picLocks noChangeAspect="1"/>
+          </p:cNvPicPr>
+          <p:nvPr/>
+        </p:nvPicPr>
+        <p:blipFill>
+          <a:blip r:embed="rId6">
+            <a:extLst>
+              <a:ext uri="{28A0092B-C50C-407E-A947-70E740481C1C}">
+                <a14:useLocalDpi xmlns:a14="http://schemas.microsoft.com/office/drawing/2010/main" val="0"/>
+              </a:ext>
+            </a:extLst>
+          </a:blip>
+          <a:stretch>
+            <a:fillRect/>
+          </a:stretch>
+        </p:blipFill>
+        <p:spPr>
+          <a:xfrm>
+            <a:off x="7785453" y="3305907"/>
+            <a:ext cx="325298" cy="325298"/>
+          </a:xfrm>
+          <a:prstGeom prst="rect">
+            <a:avLst/>
+          </a:prstGeom>
+        </p:spPr>
+      </p:pic>
+      <p:pic>
+        <p:nvPicPr>
           <p:cNvPr id="54" name="תמונה 53">
             <a:extLst>
               <a:ext uri="{FF2B5EF4-FFF2-40B4-BE49-F238E27FC236}">
@@ -13715,10 +14402,54 @@
           </a:fontRef>
         </p:style>
       </p:cxnSp>
+      <p:cxnSp>
+        <p:nvCxnSpPr>
+          <p:cNvPr id="68" name="מחבר: מרפקי 67">
+            <a:extLst>
+              <a:ext uri="{FF2B5EF4-FFF2-40B4-BE49-F238E27FC236}">
+                <a16:creationId xmlns:a16="http://schemas.microsoft.com/office/drawing/2014/main" id="{42CCE2BC-7747-41F9-BC6D-AD03FCD023E8}"/>
+              </a:ext>
+            </a:extLst>
+          </p:cNvPr>
+          <p:cNvCxnSpPr/>
+          <p:nvPr/>
+        </p:nvCxnSpPr>
+        <p:spPr>
+          <a:xfrm>
+            <a:off x="6113231" y="3445771"/>
+            <a:ext cx="2643016" cy="188476"/>
+          </a:xfrm>
+          <a:prstGeom prst="bentConnector3">
+            <a:avLst/>
+          </a:prstGeom>
+          <a:ln>
+            <a:solidFill>
+              <a:schemeClr val="bg2">
+                <a:lumMod val="10000"/>
+              </a:schemeClr>
+            </a:solidFill>
+            <a:tailEnd type="triangle"/>
+          </a:ln>
+        </p:spPr>
+        <p:style>
+          <a:lnRef idx="1">
+            <a:schemeClr val="accent1"/>
+          </a:lnRef>
+          <a:fillRef idx="0">
+            <a:schemeClr val="accent1"/>
+          </a:fillRef>
+          <a:effectRef idx="0">
+            <a:schemeClr val="accent1"/>
+          </a:effectRef>
+          <a:fontRef idx="minor">
+            <a:schemeClr val="tx1"/>
+          </a:fontRef>
+        </p:style>
+      </p:cxnSp>
     </p:spTree>
     <p:extLst>
       <p:ext uri="{BB962C8B-B14F-4D97-AF65-F5344CB8AC3E}">
-        <p14:creationId xmlns:p14="http://schemas.microsoft.com/office/powerpoint/2010/main" val="3766177108"/>
+        <p14:creationId xmlns:p14="http://schemas.microsoft.com/office/powerpoint/2010/main" val="1653307090"/>
       </p:ext>
     </p:extLst>
   </p:cSld>
@@ -13747,10 +14478,10 @@
       </p:grpSpPr>
       <p:pic>
         <p:nvPicPr>
-          <p:cNvPr id="71" name="תמונה 70">
-            <a:extLst>
-              <a:ext uri="{FF2B5EF4-FFF2-40B4-BE49-F238E27FC236}">
-                <a16:creationId xmlns:a16="http://schemas.microsoft.com/office/drawing/2014/main" id="{08691FBE-3710-4662-8CFB-3BD2882490E1}"/>
+          <p:cNvPr id="74" name="תמונה 73">
+            <a:extLst>
+              <a:ext uri="{FF2B5EF4-FFF2-40B4-BE49-F238E27FC236}">
+                <a16:creationId xmlns:a16="http://schemas.microsoft.com/office/drawing/2014/main" id="{0DF464EA-34E8-420B-9AFF-491E41F2D08E}"/>
               </a:ext>
             </a:extLst>
           </p:cNvPr>
@@ -13761,6 +14492,150 @@
         </p:nvPicPr>
         <p:blipFill>
           <a:blip r:embed="rId2">
+            <a:extLst>
+              <a:ext uri="{28A0092B-C50C-407E-A947-70E740481C1C}">
+                <a14:useLocalDpi xmlns:a14="http://schemas.microsoft.com/office/drawing/2010/main" val="0"/>
+              </a:ext>
+            </a:extLst>
+          </a:blip>
+          <a:stretch>
+            <a:fillRect/>
+          </a:stretch>
+        </p:blipFill>
+        <p:spPr>
+          <a:xfrm>
+            <a:off x="3550729" y="4328064"/>
+            <a:ext cx="797344" cy="486185"/>
+          </a:xfrm>
+          <a:prstGeom prst="rect">
+            <a:avLst/>
+          </a:prstGeom>
+        </p:spPr>
+      </p:pic>
+      <p:pic>
+        <p:nvPicPr>
+          <p:cNvPr id="75" name="תמונה 74">
+            <a:extLst>
+              <a:ext uri="{FF2B5EF4-FFF2-40B4-BE49-F238E27FC236}">
+                <a16:creationId xmlns:a16="http://schemas.microsoft.com/office/drawing/2014/main" id="{6E427CC5-0C1A-475A-8D82-520B593E8BF1}"/>
+              </a:ext>
+            </a:extLst>
+          </p:cNvPr>
+          <p:cNvPicPr>
+            <a:picLocks noChangeAspect="1"/>
+          </p:cNvPicPr>
+          <p:nvPr/>
+        </p:nvPicPr>
+        <p:blipFill>
+          <a:blip r:embed="rId2">
+            <a:extLst>
+              <a:ext uri="{28A0092B-C50C-407E-A947-70E740481C1C}">
+                <a14:useLocalDpi xmlns:a14="http://schemas.microsoft.com/office/drawing/2010/main" val="0"/>
+              </a:ext>
+            </a:extLst>
+          </a:blip>
+          <a:stretch>
+            <a:fillRect/>
+          </a:stretch>
+        </p:blipFill>
+        <p:spPr>
+          <a:xfrm>
+            <a:off x="3046202" y="3388112"/>
+            <a:ext cx="797344" cy="486185"/>
+          </a:xfrm>
+          <a:prstGeom prst="rect">
+            <a:avLst/>
+          </a:prstGeom>
+        </p:spPr>
+      </p:pic>
+      <p:pic>
+        <p:nvPicPr>
+          <p:cNvPr id="76" name="תמונה 75">
+            <a:extLst>
+              <a:ext uri="{FF2B5EF4-FFF2-40B4-BE49-F238E27FC236}">
+                <a16:creationId xmlns:a16="http://schemas.microsoft.com/office/drawing/2014/main" id="{5C1AB36C-A0DA-45B8-BD1D-3B66BBEBD13D}"/>
+              </a:ext>
+            </a:extLst>
+          </p:cNvPr>
+          <p:cNvPicPr>
+            <a:picLocks noChangeAspect="1"/>
+          </p:cNvPicPr>
+          <p:nvPr/>
+        </p:nvPicPr>
+        <p:blipFill>
+          <a:blip r:embed="rId2">
+            <a:extLst>
+              <a:ext uri="{28A0092B-C50C-407E-A947-70E740481C1C}">
+                <a14:useLocalDpi xmlns:a14="http://schemas.microsoft.com/office/drawing/2010/main" val="0"/>
+              </a:ext>
+            </a:extLst>
+          </a:blip>
+          <a:stretch>
+            <a:fillRect/>
+          </a:stretch>
+        </p:blipFill>
+        <p:spPr>
+          <a:xfrm>
+            <a:off x="2988547" y="2534670"/>
+            <a:ext cx="797344" cy="486185"/>
+          </a:xfrm>
+          <a:prstGeom prst="rect">
+            <a:avLst/>
+          </a:prstGeom>
+        </p:spPr>
+      </p:pic>
+      <p:pic>
+        <p:nvPicPr>
+          <p:cNvPr id="77" name="תמונה 76">
+            <a:extLst>
+              <a:ext uri="{FF2B5EF4-FFF2-40B4-BE49-F238E27FC236}">
+                <a16:creationId xmlns:a16="http://schemas.microsoft.com/office/drawing/2014/main" id="{A279909F-2C16-492A-A033-F402F03F6ACF}"/>
+              </a:ext>
+            </a:extLst>
+          </p:cNvPr>
+          <p:cNvPicPr>
+            <a:picLocks noChangeAspect="1"/>
+          </p:cNvPicPr>
+          <p:nvPr/>
+        </p:nvPicPr>
+        <p:blipFill>
+          <a:blip r:embed="rId2">
+            <a:extLst>
+              <a:ext uri="{28A0092B-C50C-407E-A947-70E740481C1C}">
+                <a14:useLocalDpi xmlns:a14="http://schemas.microsoft.com/office/drawing/2010/main" val="0"/>
+              </a:ext>
+            </a:extLst>
+          </a:blip>
+          <a:stretch>
+            <a:fillRect/>
+          </a:stretch>
+        </p:blipFill>
+        <p:spPr>
+          <a:xfrm>
+            <a:off x="3447729" y="1891667"/>
+            <a:ext cx="797344" cy="486185"/>
+          </a:xfrm>
+          <a:prstGeom prst="rect">
+            <a:avLst/>
+          </a:prstGeom>
+        </p:spPr>
+      </p:pic>
+      <p:pic>
+        <p:nvPicPr>
+          <p:cNvPr id="71" name="תמונה 70">
+            <a:extLst>
+              <a:ext uri="{FF2B5EF4-FFF2-40B4-BE49-F238E27FC236}">
+                <a16:creationId xmlns:a16="http://schemas.microsoft.com/office/drawing/2014/main" id="{08691FBE-3710-4662-8CFB-3BD2882490E1}"/>
+              </a:ext>
+            </a:extLst>
+          </p:cNvPr>
+          <p:cNvPicPr>
+            <a:picLocks noChangeAspect="1"/>
+          </p:cNvPicPr>
+          <p:nvPr/>
+        </p:nvPicPr>
+        <p:blipFill>
+          <a:blip r:embed="rId3">
             <a:extLst>
               <a:ext uri="{28A0092B-C50C-407E-A947-70E740481C1C}">
                 <a14:useLocalDpi xmlns:a14="http://schemas.microsoft.com/office/drawing/2010/main" val="0"/>
@@ -13825,7 +14700,7 @@
           <p:nvPr/>
         </p:nvPicPr>
         <p:blipFill>
-          <a:blip r:embed="rId3">
+          <a:blip r:embed="rId4">
             <a:extLst>
               <a:ext uri="{28A0092B-C50C-407E-A947-70E740481C1C}">
                 <a14:useLocalDpi xmlns:a14="http://schemas.microsoft.com/office/drawing/2010/main" val="0"/>
@@ -13861,7 +14736,7 @@
           <p:nvPr/>
         </p:nvPicPr>
         <p:blipFill>
-          <a:blip r:embed="rId4">
+          <a:blip r:embed="rId5">
             <a:extLst>
               <a:ext uri="{28A0092B-C50C-407E-A947-70E740481C1C}">
                 <a14:useLocalDpi xmlns:a14="http://schemas.microsoft.com/office/drawing/2010/main" val="0"/>
@@ -14102,7 +14977,7 @@
           <p:nvPr/>
         </p:nvPicPr>
         <p:blipFill>
-          <a:blip r:embed="rId5">
+          <a:blip r:embed="rId6">
             <a:extLst>
               <a:ext uri="{28A0092B-C50C-407E-A947-70E740481C1C}">
                 <a14:useLocalDpi xmlns:a14="http://schemas.microsoft.com/office/drawing/2010/main" val="0"/>
@@ -14129,150 +15004,6 @@
             <a:extLst>
               <a:ext uri="{FF2B5EF4-FFF2-40B4-BE49-F238E27FC236}">
                 <a16:creationId xmlns:a16="http://schemas.microsoft.com/office/drawing/2014/main" id="{415D2602-020E-4D2F-91B6-4E719E0F14DF}"/>
-              </a:ext>
-            </a:extLst>
-          </p:cNvPr>
-          <p:cNvPicPr>
-            <a:picLocks noChangeAspect="1"/>
-          </p:cNvPicPr>
-          <p:nvPr/>
-        </p:nvPicPr>
-        <p:blipFill>
-          <a:blip r:embed="rId5">
-            <a:extLst>
-              <a:ext uri="{28A0092B-C50C-407E-A947-70E740481C1C}">
-                <a14:useLocalDpi xmlns:a14="http://schemas.microsoft.com/office/drawing/2010/main" val="0"/>
-              </a:ext>
-            </a:extLst>
-          </a:blip>
-          <a:stretch>
-            <a:fillRect/>
-          </a:stretch>
-        </p:blipFill>
-        <p:spPr>
-          <a:xfrm>
-            <a:off x="1758253" y="3418999"/>
-            <a:ext cx="752550" cy="717274"/>
-          </a:xfrm>
-          <a:prstGeom prst="rect">
-            <a:avLst/>
-          </a:prstGeom>
-        </p:spPr>
-      </p:pic>
-      <p:pic>
-        <p:nvPicPr>
-          <p:cNvPr id="46" name="תמונה 45">
-            <a:extLst>
-              <a:ext uri="{FF2B5EF4-FFF2-40B4-BE49-F238E27FC236}">
-                <a16:creationId xmlns:a16="http://schemas.microsoft.com/office/drawing/2014/main" id="{48992091-FDAF-47DE-8BA6-CDFF2CA42014}"/>
-              </a:ext>
-            </a:extLst>
-          </p:cNvPr>
-          <p:cNvPicPr>
-            <a:picLocks noChangeAspect="1"/>
-          </p:cNvPicPr>
-          <p:nvPr/>
-        </p:nvPicPr>
-        <p:blipFill>
-          <a:blip r:embed="rId5">
-            <a:extLst>
-              <a:ext uri="{28A0092B-C50C-407E-A947-70E740481C1C}">
-                <a14:useLocalDpi xmlns:a14="http://schemas.microsoft.com/office/drawing/2010/main" val="0"/>
-              </a:ext>
-            </a:extLst>
-          </a:blip>
-          <a:stretch>
-            <a:fillRect/>
-          </a:stretch>
-        </p:blipFill>
-        <p:spPr>
-          <a:xfrm>
-            <a:off x="1770937" y="2270528"/>
-            <a:ext cx="752550" cy="717274"/>
-          </a:xfrm>
-          <a:prstGeom prst="rect">
-            <a:avLst/>
-          </a:prstGeom>
-        </p:spPr>
-      </p:pic>
-      <p:pic>
-        <p:nvPicPr>
-          <p:cNvPr id="47" name="תמונה 46">
-            <a:extLst>
-              <a:ext uri="{FF2B5EF4-FFF2-40B4-BE49-F238E27FC236}">
-                <a16:creationId xmlns:a16="http://schemas.microsoft.com/office/drawing/2014/main" id="{44A62A51-7F52-4FCD-90B5-F1B5A07F1FB6}"/>
-              </a:ext>
-            </a:extLst>
-          </p:cNvPr>
-          <p:cNvPicPr>
-            <a:picLocks noChangeAspect="1"/>
-          </p:cNvPicPr>
-          <p:nvPr/>
-        </p:nvPicPr>
-        <p:blipFill>
-          <a:blip r:embed="rId5">
-            <a:extLst>
-              <a:ext uri="{28A0092B-C50C-407E-A947-70E740481C1C}">
-                <a14:useLocalDpi xmlns:a14="http://schemas.microsoft.com/office/drawing/2010/main" val="0"/>
-              </a:ext>
-            </a:extLst>
-          </a:blip>
-          <a:stretch>
-            <a:fillRect/>
-          </a:stretch>
-        </p:blipFill>
-        <p:spPr>
-          <a:xfrm>
-            <a:off x="1862546" y="1100061"/>
-            <a:ext cx="752550" cy="717274"/>
-          </a:xfrm>
-          <a:prstGeom prst="rect">
-            <a:avLst/>
-          </a:prstGeom>
-        </p:spPr>
-      </p:pic>
-      <p:pic>
-        <p:nvPicPr>
-          <p:cNvPr id="49" name="תמונה 48">
-            <a:extLst>
-              <a:ext uri="{FF2B5EF4-FFF2-40B4-BE49-F238E27FC236}">
-                <a16:creationId xmlns:a16="http://schemas.microsoft.com/office/drawing/2014/main" id="{4821D080-8E9C-464D-9DE1-50911AFCC31C}"/>
-              </a:ext>
-            </a:extLst>
-          </p:cNvPr>
-          <p:cNvPicPr>
-            <a:picLocks noChangeAspect="1"/>
-          </p:cNvPicPr>
-          <p:nvPr/>
-        </p:nvPicPr>
-        <p:blipFill>
-          <a:blip r:embed="rId2">
-            <a:extLst>
-              <a:ext uri="{28A0092B-C50C-407E-A947-70E740481C1C}">
-                <a14:useLocalDpi xmlns:a14="http://schemas.microsoft.com/office/drawing/2010/main" val="0"/>
-              </a:ext>
-            </a:extLst>
-          </a:blip>
-          <a:stretch>
-            <a:fillRect/>
-          </a:stretch>
-        </p:blipFill>
-        <p:spPr>
-          <a:xfrm>
-            <a:off x="7478858" y="1952226"/>
-            <a:ext cx="1084614" cy="719146"/>
-          </a:xfrm>
-          <a:prstGeom prst="rect">
-            <a:avLst/>
-          </a:prstGeom>
-        </p:spPr>
-      </p:pic>
-      <p:pic>
-        <p:nvPicPr>
-          <p:cNvPr id="51" name="תמונה 50">
-            <a:extLst>
-              <a:ext uri="{FF2B5EF4-FFF2-40B4-BE49-F238E27FC236}">
-                <a16:creationId xmlns:a16="http://schemas.microsoft.com/office/drawing/2014/main" id="{B11D6A07-56A2-4A43-BA61-D459B8963EAE}"/>
               </a:ext>
             </a:extLst>
           </p:cNvPr>
@@ -14295,8 +15026,8 @@
         </p:blipFill>
         <p:spPr>
           <a:xfrm>
-            <a:off x="4167189" y="1266065"/>
-            <a:ext cx="325298" cy="325298"/>
+            <a:off x="1758253" y="3418999"/>
+            <a:ext cx="752550" cy="717274"/>
           </a:xfrm>
           <a:prstGeom prst="rect">
             <a:avLst/>
@@ -14305,10 +15036,10 @@
       </p:pic>
       <p:pic>
         <p:nvPicPr>
-          <p:cNvPr id="52" name="תמונה 51">
-            <a:extLst>
-              <a:ext uri="{FF2B5EF4-FFF2-40B4-BE49-F238E27FC236}">
-                <a16:creationId xmlns:a16="http://schemas.microsoft.com/office/drawing/2014/main" id="{60F570FF-2F55-4A52-9640-4B1A8C8A2F36}"/>
+          <p:cNvPr id="46" name="תמונה 45">
+            <a:extLst>
+              <a:ext uri="{FF2B5EF4-FFF2-40B4-BE49-F238E27FC236}">
+                <a16:creationId xmlns:a16="http://schemas.microsoft.com/office/drawing/2014/main" id="{48992091-FDAF-47DE-8BA6-CDFF2CA42014}"/>
               </a:ext>
             </a:extLst>
           </p:cNvPr>
@@ -14331,8 +15062,8 @@
         </p:blipFill>
         <p:spPr>
           <a:xfrm>
-            <a:off x="7785453" y="3305907"/>
-            <a:ext cx="325298" cy="325298"/>
+            <a:off x="1770937" y="2270528"/>
+            <a:ext cx="752550" cy="717274"/>
           </a:xfrm>
           <a:prstGeom prst="rect">
             <a:avLst/>
@@ -14341,10 +15072,82 @@
       </p:pic>
       <p:pic>
         <p:nvPicPr>
-          <p:cNvPr id="54" name="תמונה 53">
-            <a:extLst>
-              <a:ext uri="{FF2B5EF4-FFF2-40B4-BE49-F238E27FC236}">
-                <a16:creationId xmlns:a16="http://schemas.microsoft.com/office/drawing/2014/main" id="{1E1EAB5C-67CC-42BC-92EA-5CD0B44291CC}"/>
+          <p:cNvPr id="47" name="תמונה 46">
+            <a:extLst>
+              <a:ext uri="{FF2B5EF4-FFF2-40B4-BE49-F238E27FC236}">
+                <a16:creationId xmlns:a16="http://schemas.microsoft.com/office/drawing/2014/main" id="{44A62A51-7F52-4FCD-90B5-F1B5A07F1FB6}"/>
+              </a:ext>
+            </a:extLst>
+          </p:cNvPr>
+          <p:cNvPicPr>
+            <a:picLocks noChangeAspect="1"/>
+          </p:cNvPicPr>
+          <p:nvPr/>
+        </p:nvPicPr>
+        <p:blipFill>
+          <a:blip r:embed="rId6">
+            <a:extLst>
+              <a:ext uri="{28A0092B-C50C-407E-A947-70E740481C1C}">
+                <a14:useLocalDpi xmlns:a14="http://schemas.microsoft.com/office/drawing/2010/main" val="0"/>
+              </a:ext>
+            </a:extLst>
+          </a:blip>
+          <a:stretch>
+            <a:fillRect/>
+          </a:stretch>
+        </p:blipFill>
+        <p:spPr>
+          <a:xfrm>
+            <a:off x="1862546" y="1100061"/>
+            <a:ext cx="752550" cy="717274"/>
+          </a:xfrm>
+          <a:prstGeom prst="rect">
+            <a:avLst/>
+          </a:prstGeom>
+        </p:spPr>
+      </p:pic>
+      <p:pic>
+        <p:nvPicPr>
+          <p:cNvPr id="49" name="תמונה 48">
+            <a:extLst>
+              <a:ext uri="{FF2B5EF4-FFF2-40B4-BE49-F238E27FC236}">
+                <a16:creationId xmlns:a16="http://schemas.microsoft.com/office/drawing/2014/main" id="{4821D080-8E9C-464D-9DE1-50911AFCC31C}"/>
+              </a:ext>
+            </a:extLst>
+          </p:cNvPr>
+          <p:cNvPicPr>
+            <a:picLocks noChangeAspect="1"/>
+          </p:cNvPicPr>
+          <p:nvPr/>
+        </p:nvPicPr>
+        <p:blipFill>
+          <a:blip r:embed="rId3">
+            <a:extLst>
+              <a:ext uri="{28A0092B-C50C-407E-A947-70E740481C1C}">
+                <a14:useLocalDpi xmlns:a14="http://schemas.microsoft.com/office/drawing/2010/main" val="0"/>
+              </a:ext>
+            </a:extLst>
+          </a:blip>
+          <a:stretch>
+            <a:fillRect/>
+          </a:stretch>
+        </p:blipFill>
+        <p:spPr>
+          <a:xfrm>
+            <a:off x="7478858" y="1952226"/>
+            <a:ext cx="1084614" cy="719146"/>
+          </a:xfrm>
+          <a:prstGeom prst="rect">
+            <a:avLst/>
+          </a:prstGeom>
+        </p:spPr>
+      </p:pic>
+      <p:pic>
+        <p:nvPicPr>
+          <p:cNvPr id="51" name="תמונה 50">
+            <a:extLst>
+              <a:ext uri="{FF2B5EF4-FFF2-40B4-BE49-F238E27FC236}">
+                <a16:creationId xmlns:a16="http://schemas.microsoft.com/office/drawing/2014/main" id="{B11D6A07-56A2-4A43-BA61-D459B8963EAE}"/>
               </a:ext>
             </a:extLst>
           </p:cNvPr>
@@ -14366,9 +15169,9 @@
           </a:stretch>
         </p:blipFill>
         <p:spPr>
-          <a:xfrm flipH="1">
-            <a:off x="4802692" y="1603133"/>
-            <a:ext cx="418668" cy="452161"/>
+          <a:xfrm>
+            <a:off x="4167189" y="1266065"/>
+            <a:ext cx="325298" cy="325298"/>
           </a:xfrm>
           <a:prstGeom prst="rect">
             <a:avLst/>
@@ -14377,10 +15180,10 @@
       </p:pic>
       <p:pic>
         <p:nvPicPr>
-          <p:cNvPr id="55" name="תמונה 54">
-            <a:extLst>
-              <a:ext uri="{FF2B5EF4-FFF2-40B4-BE49-F238E27FC236}">
-                <a16:creationId xmlns:a16="http://schemas.microsoft.com/office/drawing/2014/main" id="{C23DD0DE-B276-472D-887C-205E98C65E52}"/>
+          <p:cNvPr id="52" name="תמונה 51">
+            <a:extLst>
+              <a:ext uri="{FF2B5EF4-FFF2-40B4-BE49-F238E27FC236}">
+                <a16:creationId xmlns:a16="http://schemas.microsoft.com/office/drawing/2014/main" id="{60F570FF-2F55-4A52-9640-4B1A8C8A2F36}"/>
               </a:ext>
             </a:extLst>
           </p:cNvPr>
@@ -14402,9 +15205,9 @@
           </a:stretch>
         </p:blipFill>
         <p:spPr>
-          <a:xfrm flipH="1">
-            <a:off x="4741322" y="4561700"/>
-            <a:ext cx="418668" cy="452161"/>
+          <a:xfrm>
+            <a:off x="7785453" y="3305907"/>
+            <a:ext cx="325298" cy="325298"/>
           </a:xfrm>
           <a:prstGeom prst="rect">
             <a:avLst/>
@@ -14413,10 +15216,10 @@
       </p:pic>
       <p:pic>
         <p:nvPicPr>
-          <p:cNvPr id="56" name="תמונה 55">
-            <a:extLst>
-              <a:ext uri="{FF2B5EF4-FFF2-40B4-BE49-F238E27FC236}">
-                <a16:creationId xmlns:a16="http://schemas.microsoft.com/office/drawing/2014/main" id="{9D504991-748C-4CAB-B3A9-24CCA9643E7C}"/>
+          <p:cNvPr id="54" name="תמונה 53">
+            <a:extLst>
+              <a:ext uri="{FF2B5EF4-FFF2-40B4-BE49-F238E27FC236}">
+                <a16:creationId xmlns:a16="http://schemas.microsoft.com/office/drawing/2014/main" id="{1E1EAB5C-67CC-42BC-92EA-5CD0B44291CC}"/>
               </a:ext>
             </a:extLst>
           </p:cNvPr>
@@ -14426,7 +15229,79 @@
           <p:nvPr/>
         </p:nvPicPr>
         <p:blipFill>
-          <a:blip r:embed="rId7">
+          <a:blip r:embed="rId8">
+            <a:extLst>
+              <a:ext uri="{28A0092B-C50C-407E-A947-70E740481C1C}">
+                <a14:useLocalDpi xmlns:a14="http://schemas.microsoft.com/office/drawing/2010/main" val="0"/>
+              </a:ext>
+            </a:extLst>
+          </a:blip>
+          <a:stretch>
+            <a:fillRect/>
+          </a:stretch>
+        </p:blipFill>
+        <p:spPr>
+          <a:xfrm flipH="1">
+            <a:off x="4802692" y="1603133"/>
+            <a:ext cx="418668" cy="452161"/>
+          </a:xfrm>
+          <a:prstGeom prst="rect">
+            <a:avLst/>
+          </a:prstGeom>
+        </p:spPr>
+      </p:pic>
+      <p:pic>
+        <p:nvPicPr>
+          <p:cNvPr id="55" name="תמונה 54">
+            <a:extLst>
+              <a:ext uri="{FF2B5EF4-FFF2-40B4-BE49-F238E27FC236}">
+                <a16:creationId xmlns:a16="http://schemas.microsoft.com/office/drawing/2014/main" id="{C23DD0DE-B276-472D-887C-205E98C65E52}"/>
+              </a:ext>
+            </a:extLst>
+          </p:cNvPr>
+          <p:cNvPicPr>
+            <a:picLocks noChangeAspect="1"/>
+          </p:cNvPicPr>
+          <p:nvPr/>
+        </p:nvPicPr>
+        <p:blipFill>
+          <a:blip r:embed="rId8">
+            <a:extLst>
+              <a:ext uri="{28A0092B-C50C-407E-A947-70E740481C1C}">
+                <a14:useLocalDpi xmlns:a14="http://schemas.microsoft.com/office/drawing/2010/main" val="0"/>
+              </a:ext>
+            </a:extLst>
+          </a:blip>
+          <a:stretch>
+            <a:fillRect/>
+          </a:stretch>
+        </p:blipFill>
+        <p:spPr>
+          <a:xfrm flipH="1">
+            <a:off x="4741322" y="4561700"/>
+            <a:ext cx="418668" cy="452161"/>
+          </a:xfrm>
+          <a:prstGeom prst="rect">
+            <a:avLst/>
+          </a:prstGeom>
+        </p:spPr>
+      </p:pic>
+      <p:pic>
+        <p:nvPicPr>
+          <p:cNvPr id="56" name="תמונה 55">
+            <a:extLst>
+              <a:ext uri="{FF2B5EF4-FFF2-40B4-BE49-F238E27FC236}">
+                <a16:creationId xmlns:a16="http://schemas.microsoft.com/office/drawing/2014/main" id="{9D504991-748C-4CAB-B3A9-24CCA9643E7C}"/>
+              </a:ext>
+            </a:extLst>
+          </p:cNvPr>
+          <p:cNvPicPr>
+            <a:picLocks noChangeAspect="1"/>
+          </p:cNvPicPr>
+          <p:nvPr/>
+        </p:nvPicPr>
+        <p:blipFill>
+          <a:blip r:embed="rId8">
             <a:extLst>
               <a:ext uri="{28A0092B-C50C-407E-A947-70E740481C1C}">
                 <a14:useLocalDpi xmlns:a14="http://schemas.microsoft.com/office/drawing/2010/main" val="0"/>
@@ -14587,1022 +15462,6 @@
           </a:fontRef>
         </p:style>
       </p:cxnSp>
-    </p:spTree>
-    <p:extLst>
-      <p:ext uri="{BB962C8B-B14F-4D97-AF65-F5344CB8AC3E}">
-        <p14:creationId xmlns:p14="http://schemas.microsoft.com/office/powerpoint/2010/main" val="1653307090"/>
-      </p:ext>
-    </p:extLst>
-  </p:cSld>
-  <p:clrMapOvr>
-    <a:masterClrMapping/>
-  </p:clrMapOvr>
-</p:sld>
-</file>
-
-<file path=ppt/slides/slide9.xml><?xml version="1.0" encoding="utf-8"?>
-<p:sld xmlns:a="http://schemas.openxmlformats.org/drawingml/2006/main" xmlns:r="http://schemas.openxmlformats.org/officeDocument/2006/relationships" xmlns:p="http://schemas.openxmlformats.org/presentationml/2006/main">
-  <p:cSld>
-    <p:spTree>
-      <p:nvGrpSpPr>
-        <p:cNvPr id="1" name=""/>
-        <p:cNvGrpSpPr/>
-        <p:nvPr/>
-      </p:nvGrpSpPr>
-      <p:grpSpPr>
-        <a:xfrm>
-          <a:off x="0" y="0"/>
-          <a:ext cx="0" cy="0"/>
-          <a:chOff x="0" y="0"/>
-          <a:chExt cx="0" cy="0"/>
-        </a:xfrm>
-      </p:grpSpPr>
-      <p:pic>
-        <p:nvPicPr>
-          <p:cNvPr id="74" name="תמונה 73">
-            <a:extLst>
-              <a:ext uri="{FF2B5EF4-FFF2-40B4-BE49-F238E27FC236}">
-                <a16:creationId xmlns:a16="http://schemas.microsoft.com/office/drawing/2014/main" id="{0DF464EA-34E8-420B-9AFF-491E41F2D08E}"/>
-              </a:ext>
-            </a:extLst>
-          </p:cNvPr>
-          <p:cNvPicPr>
-            <a:picLocks noChangeAspect="1"/>
-          </p:cNvPicPr>
-          <p:nvPr/>
-        </p:nvPicPr>
-        <p:blipFill>
-          <a:blip r:embed="rId2">
-            <a:extLst>
-              <a:ext uri="{28A0092B-C50C-407E-A947-70E740481C1C}">
-                <a14:useLocalDpi xmlns:a14="http://schemas.microsoft.com/office/drawing/2010/main" val="0"/>
-              </a:ext>
-            </a:extLst>
-          </a:blip>
-          <a:stretch>
-            <a:fillRect/>
-          </a:stretch>
-        </p:blipFill>
-        <p:spPr>
-          <a:xfrm>
-            <a:off x="3550729" y="4328064"/>
-            <a:ext cx="797344" cy="486185"/>
-          </a:xfrm>
-          <a:prstGeom prst="rect">
-            <a:avLst/>
-          </a:prstGeom>
-        </p:spPr>
-      </p:pic>
-      <p:pic>
-        <p:nvPicPr>
-          <p:cNvPr id="75" name="תמונה 74">
-            <a:extLst>
-              <a:ext uri="{FF2B5EF4-FFF2-40B4-BE49-F238E27FC236}">
-                <a16:creationId xmlns:a16="http://schemas.microsoft.com/office/drawing/2014/main" id="{6E427CC5-0C1A-475A-8D82-520B593E8BF1}"/>
-              </a:ext>
-            </a:extLst>
-          </p:cNvPr>
-          <p:cNvPicPr>
-            <a:picLocks noChangeAspect="1"/>
-          </p:cNvPicPr>
-          <p:nvPr/>
-        </p:nvPicPr>
-        <p:blipFill>
-          <a:blip r:embed="rId2">
-            <a:extLst>
-              <a:ext uri="{28A0092B-C50C-407E-A947-70E740481C1C}">
-                <a14:useLocalDpi xmlns:a14="http://schemas.microsoft.com/office/drawing/2010/main" val="0"/>
-              </a:ext>
-            </a:extLst>
-          </a:blip>
-          <a:stretch>
-            <a:fillRect/>
-          </a:stretch>
-        </p:blipFill>
-        <p:spPr>
-          <a:xfrm>
-            <a:off x="3046202" y="3388112"/>
-            <a:ext cx="797344" cy="486185"/>
-          </a:xfrm>
-          <a:prstGeom prst="rect">
-            <a:avLst/>
-          </a:prstGeom>
-        </p:spPr>
-      </p:pic>
-      <p:pic>
-        <p:nvPicPr>
-          <p:cNvPr id="76" name="תמונה 75">
-            <a:extLst>
-              <a:ext uri="{FF2B5EF4-FFF2-40B4-BE49-F238E27FC236}">
-                <a16:creationId xmlns:a16="http://schemas.microsoft.com/office/drawing/2014/main" id="{5C1AB36C-A0DA-45B8-BD1D-3B66BBEBD13D}"/>
-              </a:ext>
-            </a:extLst>
-          </p:cNvPr>
-          <p:cNvPicPr>
-            <a:picLocks noChangeAspect="1"/>
-          </p:cNvPicPr>
-          <p:nvPr/>
-        </p:nvPicPr>
-        <p:blipFill>
-          <a:blip r:embed="rId2">
-            <a:extLst>
-              <a:ext uri="{28A0092B-C50C-407E-A947-70E740481C1C}">
-                <a14:useLocalDpi xmlns:a14="http://schemas.microsoft.com/office/drawing/2010/main" val="0"/>
-              </a:ext>
-            </a:extLst>
-          </a:blip>
-          <a:stretch>
-            <a:fillRect/>
-          </a:stretch>
-        </p:blipFill>
-        <p:spPr>
-          <a:xfrm>
-            <a:off x="2988547" y="2534670"/>
-            <a:ext cx="797344" cy="486185"/>
-          </a:xfrm>
-          <a:prstGeom prst="rect">
-            <a:avLst/>
-          </a:prstGeom>
-        </p:spPr>
-      </p:pic>
-      <p:pic>
-        <p:nvPicPr>
-          <p:cNvPr id="77" name="תמונה 76">
-            <a:extLst>
-              <a:ext uri="{FF2B5EF4-FFF2-40B4-BE49-F238E27FC236}">
-                <a16:creationId xmlns:a16="http://schemas.microsoft.com/office/drawing/2014/main" id="{A279909F-2C16-492A-A033-F402F03F6ACF}"/>
-              </a:ext>
-            </a:extLst>
-          </p:cNvPr>
-          <p:cNvPicPr>
-            <a:picLocks noChangeAspect="1"/>
-          </p:cNvPicPr>
-          <p:nvPr/>
-        </p:nvPicPr>
-        <p:blipFill>
-          <a:blip r:embed="rId2">
-            <a:extLst>
-              <a:ext uri="{28A0092B-C50C-407E-A947-70E740481C1C}">
-                <a14:useLocalDpi xmlns:a14="http://schemas.microsoft.com/office/drawing/2010/main" val="0"/>
-              </a:ext>
-            </a:extLst>
-          </a:blip>
-          <a:stretch>
-            <a:fillRect/>
-          </a:stretch>
-        </p:blipFill>
-        <p:spPr>
-          <a:xfrm>
-            <a:off x="3447729" y="1891667"/>
-            <a:ext cx="797344" cy="486185"/>
-          </a:xfrm>
-          <a:prstGeom prst="rect">
-            <a:avLst/>
-          </a:prstGeom>
-        </p:spPr>
-      </p:pic>
-      <p:pic>
-        <p:nvPicPr>
-          <p:cNvPr id="71" name="תמונה 70">
-            <a:extLst>
-              <a:ext uri="{FF2B5EF4-FFF2-40B4-BE49-F238E27FC236}">
-                <a16:creationId xmlns:a16="http://schemas.microsoft.com/office/drawing/2014/main" id="{08691FBE-3710-4662-8CFB-3BD2882490E1}"/>
-              </a:ext>
-            </a:extLst>
-          </p:cNvPr>
-          <p:cNvPicPr>
-            <a:picLocks noChangeAspect="1"/>
-          </p:cNvPicPr>
-          <p:nvPr/>
-        </p:nvPicPr>
-        <p:blipFill>
-          <a:blip r:embed="rId3">
-            <a:extLst>
-              <a:ext uri="{28A0092B-C50C-407E-A947-70E740481C1C}">
-                <a14:useLocalDpi xmlns:a14="http://schemas.microsoft.com/office/drawing/2010/main" val="0"/>
-              </a:ext>
-            </a:extLst>
-          </a:blip>
-          <a:stretch>
-            <a:fillRect/>
-          </a:stretch>
-        </p:blipFill>
-        <p:spPr>
-          <a:xfrm>
-            <a:off x="4084634" y="3033565"/>
-            <a:ext cx="1084614" cy="719146"/>
-          </a:xfrm>
-          <a:prstGeom prst="rect">
-            <a:avLst/>
-          </a:prstGeom>
-        </p:spPr>
-      </p:pic>
-      <p:sp>
-        <p:nvSpPr>
-          <p:cNvPr id="2" name="כותרת 1">
-            <a:extLst>
-              <a:ext uri="{FF2B5EF4-FFF2-40B4-BE49-F238E27FC236}">
-                <a16:creationId xmlns:a16="http://schemas.microsoft.com/office/drawing/2014/main" id="{9179A7BF-343A-4697-A794-0078A4509BAD}"/>
-              </a:ext>
-            </a:extLst>
-          </p:cNvPr>
-          <p:cNvSpPr>
-            <a:spLocks noGrp="1"/>
-          </p:cNvSpPr>
-          <p:nvPr>
-            <p:ph type="title"/>
-          </p:nvPr>
-        </p:nvSpPr>
-        <p:spPr/>
-        <p:txBody>
-          <a:bodyPr/>
-          <a:lstStyle/>
-          <a:p>
-            <a:pPr algn="ctr"/>
-            <a:r>
-              <a:rPr lang="en-US" dirty="0"/>
-              <a:t>Pool Mining </a:t>
-            </a:r>
-          </a:p>
-        </p:txBody>
-      </p:sp>
-      <p:pic>
-        <p:nvPicPr>
-          <p:cNvPr id="23" name="תמונה 22">
-            <a:extLst>
-              <a:ext uri="{FF2B5EF4-FFF2-40B4-BE49-F238E27FC236}">
-                <a16:creationId xmlns:a16="http://schemas.microsoft.com/office/drawing/2014/main" id="{28ABCF65-2309-4143-98A0-6D3973CB5ABE}"/>
-              </a:ext>
-            </a:extLst>
-          </p:cNvPr>
-          <p:cNvPicPr>
-            <a:picLocks noChangeAspect="1"/>
-          </p:cNvPicPr>
-          <p:nvPr/>
-        </p:nvPicPr>
-        <p:blipFill>
-          <a:blip r:embed="rId4">
-            <a:extLst>
-              <a:ext uri="{28A0092B-C50C-407E-A947-70E740481C1C}">
-                <a14:useLocalDpi xmlns:a14="http://schemas.microsoft.com/office/drawing/2010/main" val="0"/>
-              </a:ext>
-            </a:extLst>
-          </a:blip>
-          <a:stretch>
-            <a:fillRect/>
-          </a:stretch>
-        </p:blipFill>
-        <p:spPr>
-          <a:xfrm>
-            <a:off x="8739016" y="2478576"/>
-            <a:ext cx="2651126" cy="1325563"/>
-          </a:xfrm>
-          <a:prstGeom prst="rect">
-            <a:avLst/>
-          </a:prstGeom>
-        </p:spPr>
-      </p:pic>
-      <p:pic>
-        <p:nvPicPr>
-          <p:cNvPr id="25" name="תמונה 24">
-            <a:extLst>
-              <a:ext uri="{FF2B5EF4-FFF2-40B4-BE49-F238E27FC236}">
-                <a16:creationId xmlns:a16="http://schemas.microsoft.com/office/drawing/2014/main" id="{34B3BD7E-8AF6-4807-B708-5AD521F75C6D}"/>
-              </a:ext>
-            </a:extLst>
-          </p:cNvPr>
-          <p:cNvPicPr>
-            <a:picLocks noChangeAspect="1"/>
-          </p:cNvPicPr>
-          <p:nvPr/>
-        </p:nvPicPr>
-        <p:blipFill>
-          <a:blip r:embed="rId5">
-            <a:extLst>
-              <a:ext uri="{28A0092B-C50C-407E-A947-70E740481C1C}">
-                <a14:useLocalDpi xmlns:a14="http://schemas.microsoft.com/office/drawing/2010/main" val="0"/>
-              </a:ext>
-            </a:extLst>
-          </a:blip>
-          <a:stretch>
-            <a:fillRect/>
-          </a:stretch>
-        </p:blipFill>
-        <p:spPr>
-          <a:xfrm>
-            <a:off x="4950656" y="2715065"/>
-            <a:ext cx="1365738" cy="1365738"/>
-          </a:xfrm>
-          <a:prstGeom prst="rect">
-            <a:avLst/>
-          </a:prstGeom>
-        </p:spPr>
-      </p:pic>
-      <p:cxnSp>
-        <p:nvCxnSpPr>
-          <p:cNvPr id="27" name="מחבר: מרפקי 26">
-            <a:extLst>
-              <a:ext uri="{FF2B5EF4-FFF2-40B4-BE49-F238E27FC236}">
-                <a16:creationId xmlns:a16="http://schemas.microsoft.com/office/drawing/2014/main" id="{A03D8BE9-AE2F-47E9-A383-09C6004A1017}"/>
-              </a:ext>
-            </a:extLst>
-          </p:cNvPr>
-          <p:cNvCxnSpPr/>
-          <p:nvPr/>
-        </p:nvCxnSpPr>
-        <p:spPr>
-          <a:xfrm rot="10800000" flipV="1">
-            <a:off x="6096000" y="2715064"/>
-            <a:ext cx="2643016" cy="590843"/>
-          </a:xfrm>
-          <a:prstGeom prst="bentConnector3">
-            <a:avLst/>
-          </a:prstGeom>
-          <a:ln>
-            <a:tailEnd type="triangle"/>
-          </a:ln>
-        </p:spPr>
-        <p:style>
-          <a:lnRef idx="1">
-            <a:schemeClr val="accent1"/>
-          </a:lnRef>
-          <a:fillRef idx="0">
-            <a:schemeClr val="accent1"/>
-          </a:fillRef>
-          <a:effectRef idx="0">
-            <a:schemeClr val="accent1"/>
-          </a:effectRef>
-          <a:fontRef idx="minor">
-            <a:schemeClr val="tx1"/>
-          </a:fontRef>
-        </p:style>
-      </p:cxnSp>
-      <p:cxnSp>
-        <p:nvCxnSpPr>
-          <p:cNvPr id="30" name="מחבר: מעוקל 29">
-            <a:extLst>
-              <a:ext uri="{FF2B5EF4-FFF2-40B4-BE49-F238E27FC236}">
-                <a16:creationId xmlns:a16="http://schemas.microsoft.com/office/drawing/2014/main" id="{455CE680-A78E-47B7-8BFD-86E9B206B156}"/>
-              </a:ext>
-            </a:extLst>
-          </p:cNvPr>
-          <p:cNvCxnSpPr>
-            <a:cxnSpLocks/>
-          </p:cNvCxnSpPr>
-          <p:nvPr/>
-        </p:nvCxnSpPr>
-        <p:spPr>
-          <a:xfrm rot="10800000">
-            <a:off x="2596011" y="1476538"/>
-            <a:ext cx="2625349" cy="1412436"/>
-          </a:xfrm>
-          <a:prstGeom prst="curvedConnector3">
-            <a:avLst/>
-          </a:prstGeom>
-          <a:ln>
-            <a:tailEnd type="triangle"/>
-          </a:ln>
-        </p:spPr>
-        <p:style>
-          <a:lnRef idx="1">
-            <a:schemeClr val="accent1"/>
-          </a:lnRef>
-          <a:fillRef idx="0">
-            <a:schemeClr val="accent1"/>
-          </a:fillRef>
-          <a:effectRef idx="0">
-            <a:schemeClr val="accent1"/>
-          </a:effectRef>
-          <a:fontRef idx="minor">
-            <a:schemeClr val="tx1"/>
-          </a:fontRef>
-        </p:style>
-      </p:cxnSp>
-      <p:cxnSp>
-        <p:nvCxnSpPr>
-          <p:cNvPr id="31" name="מחבר: מעוקל 30">
-            <a:extLst>
-              <a:ext uri="{FF2B5EF4-FFF2-40B4-BE49-F238E27FC236}">
-                <a16:creationId xmlns:a16="http://schemas.microsoft.com/office/drawing/2014/main" id="{67F86254-536F-4E39-8363-DF20443C2429}"/>
-              </a:ext>
-            </a:extLst>
-          </p:cNvPr>
-          <p:cNvCxnSpPr>
-            <a:cxnSpLocks/>
-          </p:cNvCxnSpPr>
-          <p:nvPr/>
-        </p:nvCxnSpPr>
-        <p:spPr>
-          <a:xfrm rot="10800000">
-            <a:off x="2510803" y="2579350"/>
-            <a:ext cx="2872852" cy="686101"/>
-          </a:xfrm>
-          <a:prstGeom prst="curvedConnector3">
-            <a:avLst/>
-          </a:prstGeom>
-          <a:ln>
-            <a:tailEnd type="triangle"/>
-          </a:ln>
-        </p:spPr>
-        <p:style>
-          <a:lnRef idx="1">
-            <a:schemeClr val="accent1"/>
-          </a:lnRef>
-          <a:fillRef idx="0">
-            <a:schemeClr val="accent1"/>
-          </a:fillRef>
-          <a:effectRef idx="0">
-            <a:schemeClr val="accent1"/>
-          </a:effectRef>
-          <a:fontRef idx="minor">
-            <a:schemeClr val="tx1"/>
-          </a:fontRef>
-        </p:style>
-      </p:cxnSp>
-      <p:cxnSp>
-        <p:nvCxnSpPr>
-          <p:cNvPr id="32" name="מחבר: מעוקל 31">
-            <a:extLst>
-              <a:ext uri="{FF2B5EF4-FFF2-40B4-BE49-F238E27FC236}">
-                <a16:creationId xmlns:a16="http://schemas.microsoft.com/office/drawing/2014/main" id="{CE12DDCC-3A30-4D50-B110-2E1DBF798704}"/>
-              </a:ext>
-            </a:extLst>
-          </p:cNvPr>
-          <p:cNvCxnSpPr>
-            <a:cxnSpLocks/>
-          </p:cNvCxnSpPr>
-          <p:nvPr/>
-        </p:nvCxnSpPr>
-        <p:spPr>
-          <a:xfrm rot="10800000">
-            <a:off x="2510803" y="3602962"/>
-            <a:ext cx="2671196" cy="12700"/>
-          </a:xfrm>
-          <a:prstGeom prst="curvedConnector3">
-            <a:avLst/>
-          </a:prstGeom>
-          <a:ln>
-            <a:tailEnd type="triangle"/>
-          </a:ln>
-        </p:spPr>
-        <p:style>
-          <a:lnRef idx="1">
-            <a:schemeClr val="accent1"/>
-          </a:lnRef>
-          <a:fillRef idx="0">
-            <a:schemeClr val="accent1"/>
-          </a:fillRef>
-          <a:effectRef idx="0">
-            <a:schemeClr val="accent1"/>
-          </a:effectRef>
-          <a:fontRef idx="minor">
-            <a:schemeClr val="tx1"/>
-          </a:fontRef>
-        </p:style>
-      </p:cxnSp>
-      <p:cxnSp>
-        <p:nvCxnSpPr>
-          <p:cNvPr id="33" name="מחבר: מעוקל 32">
-            <a:extLst>
-              <a:ext uri="{FF2B5EF4-FFF2-40B4-BE49-F238E27FC236}">
-                <a16:creationId xmlns:a16="http://schemas.microsoft.com/office/drawing/2014/main" id="{B0932318-6522-42D0-A885-D27B42D5D264}"/>
-              </a:ext>
-            </a:extLst>
-          </p:cNvPr>
-          <p:cNvCxnSpPr>
-            <a:cxnSpLocks/>
-          </p:cNvCxnSpPr>
-          <p:nvPr/>
-        </p:nvCxnSpPr>
-        <p:spPr>
-          <a:xfrm rot="10800000" flipV="1">
-            <a:off x="2596011" y="3777636"/>
-            <a:ext cx="2665107" cy="1541694"/>
-          </a:xfrm>
-          <a:prstGeom prst="curvedConnector3">
-            <a:avLst>
-              <a:gd name="adj1" fmla="val 50000"/>
-            </a:avLst>
-          </a:prstGeom>
-          <a:ln>
-            <a:tailEnd type="triangle"/>
-          </a:ln>
-        </p:spPr>
-        <p:style>
-          <a:lnRef idx="1">
-            <a:schemeClr val="accent1"/>
-          </a:lnRef>
-          <a:fillRef idx="0">
-            <a:schemeClr val="accent1"/>
-          </a:fillRef>
-          <a:effectRef idx="0">
-            <a:schemeClr val="accent1"/>
-          </a:effectRef>
-          <a:fontRef idx="minor">
-            <a:schemeClr val="tx1"/>
-          </a:fontRef>
-        </p:style>
-      </p:cxnSp>
-      <p:pic>
-        <p:nvPicPr>
-          <p:cNvPr id="44" name="תמונה 43">
-            <a:extLst>
-              <a:ext uri="{FF2B5EF4-FFF2-40B4-BE49-F238E27FC236}">
-                <a16:creationId xmlns:a16="http://schemas.microsoft.com/office/drawing/2014/main" id="{49403C56-A35F-40A1-98B1-48EE99E71524}"/>
-              </a:ext>
-            </a:extLst>
-          </p:cNvPr>
-          <p:cNvPicPr>
-            <a:picLocks noChangeAspect="1"/>
-          </p:cNvPicPr>
-          <p:nvPr/>
-        </p:nvPicPr>
-        <p:blipFill>
-          <a:blip r:embed="rId6">
-            <a:extLst>
-              <a:ext uri="{28A0092B-C50C-407E-A947-70E740481C1C}">
-                <a14:useLocalDpi xmlns:a14="http://schemas.microsoft.com/office/drawing/2010/main" val="0"/>
-              </a:ext>
-            </a:extLst>
-          </a:blip>
-          <a:stretch>
-            <a:fillRect/>
-          </a:stretch>
-        </p:blipFill>
-        <p:spPr>
-          <a:xfrm>
-            <a:off x="1843460" y="5083865"/>
-            <a:ext cx="752550" cy="717274"/>
-          </a:xfrm>
-          <a:prstGeom prst="rect">
-            <a:avLst/>
-          </a:prstGeom>
-        </p:spPr>
-      </p:pic>
-      <p:pic>
-        <p:nvPicPr>
-          <p:cNvPr id="45" name="תמונה 44">
-            <a:extLst>
-              <a:ext uri="{FF2B5EF4-FFF2-40B4-BE49-F238E27FC236}">
-                <a16:creationId xmlns:a16="http://schemas.microsoft.com/office/drawing/2014/main" id="{415D2602-020E-4D2F-91B6-4E719E0F14DF}"/>
-              </a:ext>
-            </a:extLst>
-          </p:cNvPr>
-          <p:cNvPicPr>
-            <a:picLocks noChangeAspect="1"/>
-          </p:cNvPicPr>
-          <p:nvPr/>
-        </p:nvPicPr>
-        <p:blipFill>
-          <a:blip r:embed="rId6">
-            <a:extLst>
-              <a:ext uri="{28A0092B-C50C-407E-A947-70E740481C1C}">
-                <a14:useLocalDpi xmlns:a14="http://schemas.microsoft.com/office/drawing/2010/main" val="0"/>
-              </a:ext>
-            </a:extLst>
-          </a:blip>
-          <a:stretch>
-            <a:fillRect/>
-          </a:stretch>
-        </p:blipFill>
-        <p:spPr>
-          <a:xfrm>
-            <a:off x="1758253" y="3418999"/>
-            <a:ext cx="752550" cy="717274"/>
-          </a:xfrm>
-          <a:prstGeom prst="rect">
-            <a:avLst/>
-          </a:prstGeom>
-        </p:spPr>
-      </p:pic>
-      <p:pic>
-        <p:nvPicPr>
-          <p:cNvPr id="46" name="תמונה 45">
-            <a:extLst>
-              <a:ext uri="{FF2B5EF4-FFF2-40B4-BE49-F238E27FC236}">
-                <a16:creationId xmlns:a16="http://schemas.microsoft.com/office/drawing/2014/main" id="{48992091-FDAF-47DE-8BA6-CDFF2CA42014}"/>
-              </a:ext>
-            </a:extLst>
-          </p:cNvPr>
-          <p:cNvPicPr>
-            <a:picLocks noChangeAspect="1"/>
-          </p:cNvPicPr>
-          <p:nvPr/>
-        </p:nvPicPr>
-        <p:blipFill>
-          <a:blip r:embed="rId6">
-            <a:extLst>
-              <a:ext uri="{28A0092B-C50C-407E-A947-70E740481C1C}">
-                <a14:useLocalDpi xmlns:a14="http://schemas.microsoft.com/office/drawing/2010/main" val="0"/>
-              </a:ext>
-            </a:extLst>
-          </a:blip>
-          <a:stretch>
-            <a:fillRect/>
-          </a:stretch>
-        </p:blipFill>
-        <p:spPr>
-          <a:xfrm>
-            <a:off x="1770937" y="2270528"/>
-            <a:ext cx="752550" cy="717274"/>
-          </a:xfrm>
-          <a:prstGeom prst="rect">
-            <a:avLst/>
-          </a:prstGeom>
-        </p:spPr>
-      </p:pic>
-      <p:pic>
-        <p:nvPicPr>
-          <p:cNvPr id="47" name="תמונה 46">
-            <a:extLst>
-              <a:ext uri="{FF2B5EF4-FFF2-40B4-BE49-F238E27FC236}">
-                <a16:creationId xmlns:a16="http://schemas.microsoft.com/office/drawing/2014/main" id="{44A62A51-7F52-4FCD-90B5-F1B5A07F1FB6}"/>
-              </a:ext>
-            </a:extLst>
-          </p:cNvPr>
-          <p:cNvPicPr>
-            <a:picLocks noChangeAspect="1"/>
-          </p:cNvPicPr>
-          <p:nvPr/>
-        </p:nvPicPr>
-        <p:blipFill>
-          <a:blip r:embed="rId6">
-            <a:extLst>
-              <a:ext uri="{28A0092B-C50C-407E-A947-70E740481C1C}">
-                <a14:useLocalDpi xmlns:a14="http://schemas.microsoft.com/office/drawing/2010/main" val="0"/>
-              </a:ext>
-            </a:extLst>
-          </a:blip>
-          <a:stretch>
-            <a:fillRect/>
-          </a:stretch>
-        </p:blipFill>
-        <p:spPr>
-          <a:xfrm>
-            <a:off x="1862546" y="1100061"/>
-            <a:ext cx="752550" cy="717274"/>
-          </a:xfrm>
-          <a:prstGeom prst="rect">
-            <a:avLst/>
-          </a:prstGeom>
-        </p:spPr>
-      </p:pic>
-      <p:pic>
-        <p:nvPicPr>
-          <p:cNvPr id="49" name="תמונה 48">
-            <a:extLst>
-              <a:ext uri="{FF2B5EF4-FFF2-40B4-BE49-F238E27FC236}">
-                <a16:creationId xmlns:a16="http://schemas.microsoft.com/office/drawing/2014/main" id="{4821D080-8E9C-464D-9DE1-50911AFCC31C}"/>
-              </a:ext>
-            </a:extLst>
-          </p:cNvPr>
-          <p:cNvPicPr>
-            <a:picLocks noChangeAspect="1"/>
-          </p:cNvPicPr>
-          <p:nvPr/>
-        </p:nvPicPr>
-        <p:blipFill>
-          <a:blip r:embed="rId3">
-            <a:extLst>
-              <a:ext uri="{28A0092B-C50C-407E-A947-70E740481C1C}">
-                <a14:useLocalDpi xmlns:a14="http://schemas.microsoft.com/office/drawing/2010/main" val="0"/>
-              </a:ext>
-            </a:extLst>
-          </a:blip>
-          <a:stretch>
-            <a:fillRect/>
-          </a:stretch>
-        </p:blipFill>
-        <p:spPr>
-          <a:xfrm>
-            <a:off x="7478858" y="1952226"/>
-            <a:ext cx="1084614" cy="719146"/>
-          </a:xfrm>
-          <a:prstGeom prst="rect">
-            <a:avLst/>
-          </a:prstGeom>
-        </p:spPr>
-      </p:pic>
-      <p:pic>
-        <p:nvPicPr>
-          <p:cNvPr id="51" name="תמונה 50">
-            <a:extLst>
-              <a:ext uri="{FF2B5EF4-FFF2-40B4-BE49-F238E27FC236}">
-                <a16:creationId xmlns:a16="http://schemas.microsoft.com/office/drawing/2014/main" id="{B11D6A07-56A2-4A43-BA61-D459B8963EAE}"/>
-              </a:ext>
-            </a:extLst>
-          </p:cNvPr>
-          <p:cNvPicPr>
-            <a:picLocks noChangeAspect="1"/>
-          </p:cNvPicPr>
-          <p:nvPr/>
-        </p:nvPicPr>
-        <p:blipFill>
-          <a:blip r:embed="rId7">
-            <a:extLst>
-              <a:ext uri="{28A0092B-C50C-407E-A947-70E740481C1C}">
-                <a14:useLocalDpi xmlns:a14="http://schemas.microsoft.com/office/drawing/2010/main" val="0"/>
-              </a:ext>
-            </a:extLst>
-          </a:blip>
-          <a:stretch>
-            <a:fillRect/>
-          </a:stretch>
-        </p:blipFill>
-        <p:spPr>
-          <a:xfrm>
-            <a:off x="4167189" y="1266065"/>
-            <a:ext cx="325298" cy="325298"/>
-          </a:xfrm>
-          <a:prstGeom prst="rect">
-            <a:avLst/>
-          </a:prstGeom>
-        </p:spPr>
-      </p:pic>
-      <p:pic>
-        <p:nvPicPr>
-          <p:cNvPr id="52" name="תמונה 51">
-            <a:extLst>
-              <a:ext uri="{FF2B5EF4-FFF2-40B4-BE49-F238E27FC236}">
-                <a16:creationId xmlns:a16="http://schemas.microsoft.com/office/drawing/2014/main" id="{60F570FF-2F55-4A52-9640-4B1A8C8A2F36}"/>
-              </a:ext>
-            </a:extLst>
-          </p:cNvPr>
-          <p:cNvPicPr>
-            <a:picLocks noChangeAspect="1"/>
-          </p:cNvPicPr>
-          <p:nvPr/>
-        </p:nvPicPr>
-        <p:blipFill>
-          <a:blip r:embed="rId7">
-            <a:extLst>
-              <a:ext uri="{28A0092B-C50C-407E-A947-70E740481C1C}">
-                <a14:useLocalDpi xmlns:a14="http://schemas.microsoft.com/office/drawing/2010/main" val="0"/>
-              </a:ext>
-            </a:extLst>
-          </a:blip>
-          <a:stretch>
-            <a:fillRect/>
-          </a:stretch>
-        </p:blipFill>
-        <p:spPr>
-          <a:xfrm>
-            <a:off x="7785453" y="3305907"/>
-            <a:ext cx="325298" cy="325298"/>
-          </a:xfrm>
-          <a:prstGeom prst="rect">
-            <a:avLst/>
-          </a:prstGeom>
-        </p:spPr>
-      </p:pic>
-      <p:pic>
-        <p:nvPicPr>
-          <p:cNvPr id="54" name="תמונה 53">
-            <a:extLst>
-              <a:ext uri="{FF2B5EF4-FFF2-40B4-BE49-F238E27FC236}">
-                <a16:creationId xmlns:a16="http://schemas.microsoft.com/office/drawing/2014/main" id="{1E1EAB5C-67CC-42BC-92EA-5CD0B44291CC}"/>
-              </a:ext>
-            </a:extLst>
-          </p:cNvPr>
-          <p:cNvPicPr>
-            <a:picLocks noChangeAspect="1"/>
-          </p:cNvPicPr>
-          <p:nvPr/>
-        </p:nvPicPr>
-        <p:blipFill>
-          <a:blip r:embed="rId8">
-            <a:extLst>
-              <a:ext uri="{28A0092B-C50C-407E-A947-70E740481C1C}">
-                <a14:useLocalDpi xmlns:a14="http://schemas.microsoft.com/office/drawing/2010/main" val="0"/>
-              </a:ext>
-            </a:extLst>
-          </a:blip>
-          <a:stretch>
-            <a:fillRect/>
-          </a:stretch>
-        </p:blipFill>
-        <p:spPr>
-          <a:xfrm flipH="1">
-            <a:off x="4802692" y="1603133"/>
-            <a:ext cx="418668" cy="452161"/>
-          </a:xfrm>
-          <a:prstGeom prst="rect">
-            <a:avLst/>
-          </a:prstGeom>
-        </p:spPr>
-      </p:pic>
-      <p:pic>
-        <p:nvPicPr>
-          <p:cNvPr id="55" name="תמונה 54">
-            <a:extLst>
-              <a:ext uri="{FF2B5EF4-FFF2-40B4-BE49-F238E27FC236}">
-                <a16:creationId xmlns:a16="http://schemas.microsoft.com/office/drawing/2014/main" id="{C23DD0DE-B276-472D-887C-205E98C65E52}"/>
-              </a:ext>
-            </a:extLst>
-          </p:cNvPr>
-          <p:cNvPicPr>
-            <a:picLocks noChangeAspect="1"/>
-          </p:cNvPicPr>
-          <p:nvPr/>
-        </p:nvPicPr>
-        <p:blipFill>
-          <a:blip r:embed="rId8">
-            <a:extLst>
-              <a:ext uri="{28A0092B-C50C-407E-A947-70E740481C1C}">
-                <a14:useLocalDpi xmlns:a14="http://schemas.microsoft.com/office/drawing/2010/main" val="0"/>
-              </a:ext>
-            </a:extLst>
-          </a:blip>
-          <a:stretch>
-            <a:fillRect/>
-          </a:stretch>
-        </p:blipFill>
-        <p:spPr>
-          <a:xfrm flipH="1">
-            <a:off x="4741322" y="4561700"/>
-            <a:ext cx="418668" cy="452161"/>
-          </a:xfrm>
-          <a:prstGeom prst="rect">
-            <a:avLst/>
-          </a:prstGeom>
-        </p:spPr>
-      </p:pic>
-      <p:pic>
-        <p:nvPicPr>
-          <p:cNvPr id="56" name="תמונה 55">
-            <a:extLst>
-              <a:ext uri="{FF2B5EF4-FFF2-40B4-BE49-F238E27FC236}">
-                <a16:creationId xmlns:a16="http://schemas.microsoft.com/office/drawing/2014/main" id="{9D504991-748C-4CAB-B3A9-24CCA9643E7C}"/>
-              </a:ext>
-            </a:extLst>
-          </p:cNvPr>
-          <p:cNvPicPr>
-            <a:picLocks noChangeAspect="1"/>
-          </p:cNvPicPr>
-          <p:nvPr/>
-        </p:nvPicPr>
-        <p:blipFill>
-          <a:blip r:embed="rId8">
-            <a:extLst>
-              <a:ext uri="{28A0092B-C50C-407E-A947-70E740481C1C}">
-                <a14:useLocalDpi xmlns:a14="http://schemas.microsoft.com/office/drawing/2010/main" val="0"/>
-              </a:ext>
-            </a:extLst>
-          </a:blip>
-          <a:stretch>
-            <a:fillRect/>
-          </a:stretch>
-        </p:blipFill>
-        <p:spPr>
-          <a:xfrm flipH="1">
-            <a:off x="3640725" y="4976222"/>
-            <a:ext cx="418668" cy="452161"/>
-          </a:xfrm>
-          <a:prstGeom prst="rect">
-            <a:avLst/>
-          </a:prstGeom>
-        </p:spPr>
-      </p:pic>
-      <p:cxnSp>
-        <p:nvCxnSpPr>
-          <p:cNvPr id="58" name="מחבר: מעוקל 57">
-            <a:extLst>
-              <a:ext uri="{FF2B5EF4-FFF2-40B4-BE49-F238E27FC236}">
-                <a16:creationId xmlns:a16="http://schemas.microsoft.com/office/drawing/2014/main" id="{BC76E7C4-6B56-49C3-87C3-AEB725CDCCF5}"/>
-              </a:ext>
-            </a:extLst>
-          </p:cNvPr>
-          <p:cNvCxnSpPr>
-            <a:cxnSpLocks/>
-          </p:cNvCxnSpPr>
-          <p:nvPr/>
-        </p:nvCxnSpPr>
-        <p:spPr>
-          <a:xfrm>
-            <a:off x="2744698" y="1175818"/>
-            <a:ext cx="2652206" cy="1481270"/>
-          </a:xfrm>
-          <a:prstGeom prst="curvedConnector3">
-            <a:avLst>
-              <a:gd name="adj1" fmla="val 66489"/>
-            </a:avLst>
-          </a:prstGeom>
-          <a:ln>
-            <a:solidFill>
-              <a:schemeClr val="bg2">
-                <a:lumMod val="10000"/>
-              </a:schemeClr>
-            </a:solidFill>
-            <a:tailEnd type="triangle"/>
-          </a:ln>
-        </p:spPr>
-        <p:style>
-          <a:lnRef idx="1">
-            <a:schemeClr val="accent1"/>
-          </a:lnRef>
-          <a:fillRef idx="0">
-            <a:schemeClr val="accent1"/>
-          </a:fillRef>
-          <a:effectRef idx="0">
-            <a:schemeClr val="accent1"/>
-          </a:effectRef>
-          <a:fontRef idx="minor">
-            <a:schemeClr val="tx1"/>
-          </a:fontRef>
-        </p:style>
-      </p:cxnSp>
-      <p:cxnSp>
-        <p:nvCxnSpPr>
-          <p:cNvPr id="61" name="מחבר: מעוקל 60">
-            <a:extLst>
-              <a:ext uri="{FF2B5EF4-FFF2-40B4-BE49-F238E27FC236}">
-                <a16:creationId xmlns:a16="http://schemas.microsoft.com/office/drawing/2014/main" id="{D9A9B7E5-E78C-4298-9C95-09FCB81A962F}"/>
-              </a:ext>
-            </a:extLst>
-          </p:cNvPr>
-          <p:cNvCxnSpPr>
-            <a:cxnSpLocks/>
-          </p:cNvCxnSpPr>
-          <p:nvPr/>
-        </p:nvCxnSpPr>
-        <p:spPr>
-          <a:xfrm flipV="1">
-            <a:off x="2621126" y="3747543"/>
-            <a:ext cx="3012399" cy="1694959"/>
-          </a:xfrm>
-          <a:prstGeom prst="curvedConnector3">
-            <a:avLst>
-              <a:gd name="adj1" fmla="val 96632"/>
-            </a:avLst>
-          </a:prstGeom>
-          <a:ln>
-            <a:solidFill>
-              <a:schemeClr val="bg2">
-                <a:lumMod val="10000"/>
-              </a:schemeClr>
-            </a:solidFill>
-            <a:tailEnd type="triangle"/>
-          </a:ln>
-        </p:spPr>
-        <p:style>
-          <a:lnRef idx="1">
-            <a:schemeClr val="accent1"/>
-          </a:lnRef>
-          <a:fillRef idx="0">
-            <a:schemeClr val="accent1"/>
-          </a:fillRef>
-          <a:effectRef idx="0">
-            <a:schemeClr val="accent1"/>
-          </a:effectRef>
-          <a:fontRef idx="minor">
-            <a:schemeClr val="tx1"/>
-          </a:fontRef>
-        </p:style>
-      </p:cxnSp>
-      <p:cxnSp>
-        <p:nvCxnSpPr>
-          <p:cNvPr id="68" name="מחבר: מרפקי 67">
-            <a:extLst>
-              <a:ext uri="{FF2B5EF4-FFF2-40B4-BE49-F238E27FC236}">
-                <a16:creationId xmlns:a16="http://schemas.microsoft.com/office/drawing/2014/main" id="{42CCE2BC-7747-41F9-BC6D-AD03FCD023E8}"/>
-              </a:ext>
-            </a:extLst>
-          </p:cNvPr>
-          <p:cNvCxnSpPr/>
-          <p:nvPr/>
-        </p:nvCxnSpPr>
-        <p:spPr>
-          <a:xfrm>
-            <a:off x="6113231" y="3445771"/>
-            <a:ext cx="2643016" cy="188476"/>
-          </a:xfrm>
-          <a:prstGeom prst="bentConnector3">
-            <a:avLst/>
-          </a:prstGeom>
-          <a:ln>
-            <a:solidFill>
-              <a:schemeClr val="bg2">
-                <a:lumMod val="10000"/>
-              </a:schemeClr>
-            </a:solidFill>
-            <a:tailEnd type="triangle"/>
-          </a:ln>
-        </p:spPr>
-        <p:style>
-          <a:lnRef idx="1">
-            <a:schemeClr val="accent1"/>
-          </a:lnRef>
-          <a:fillRef idx="0">
-            <a:schemeClr val="accent1"/>
-          </a:fillRef>
-          <a:effectRef idx="0">
-            <a:schemeClr val="accent1"/>
-          </a:effectRef>
-          <a:fontRef idx="minor">
-            <a:schemeClr val="tx1"/>
-          </a:fontRef>
-        </p:style>
-      </p:cxnSp>
       <p:cxnSp>
         <p:nvCxnSpPr>
           <p:cNvPr id="70" name="מחבר: מרפקי 69">
@@ -15682,6 +15541,365 @@
     <p:extLst>
       <p:ext uri="{BB962C8B-B14F-4D97-AF65-F5344CB8AC3E}">
         <p14:creationId xmlns:p14="http://schemas.microsoft.com/office/powerpoint/2010/main" val="2806039916"/>
+      </p:ext>
+    </p:extLst>
+  </p:cSld>
+  <p:clrMapOvr>
+    <a:masterClrMapping/>
+  </p:clrMapOvr>
+</p:sld>
+</file>
+
+<file path=ppt/slides/slide9.xml><?xml version="1.0" encoding="utf-8"?>
+<p:sld xmlns:a="http://schemas.openxmlformats.org/drawingml/2006/main" xmlns:r="http://schemas.openxmlformats.org/officeDocument/2006/relationships" xmlns:p="http://schemas.openxmlformats.org/presentationml/2006/main">
+  <p:cSld>
+    <p:bg>
+      <p:bgPr>
+        <a:solidFill>
+          <a:schemeClr val="bg1"/>
+        </a:solidFill>
+        <a:effectLst/>
+      </p:bgPr>
+    </p:bg>
+    <p:spTree>
+      <p:nvGrpSpPr>
+        <p:cNvPr id="1" name=""/>
+        <p:cNvGrpSpPr/>
+        <p:nvPr/>
+      </p:nvGrpSpPr>
+      <p:grpSpPr>
+        <a:xfrm>
+          <a:off x="0" y="0"/>
+          <a:ext cx="0" cy="0"/>
+          <a:chOff x="0" y="0"/>
+          <a:chExt cx="0" cy="0"/>
+        </a:xfrm>
+      </p:grpSpPr>
+      <p:sp>
+        <p:nvSpPr>
+          <p:cNvPr id="12" name="Rectangle 11">
+            <a:extLst>
+              <a:ext uri="{FF2B5EF4-FFF2-40B4-BE49-F238E27FC236}">
+                <a16:creationId xmlns:a16="http://schemas.microsoft.com/office/drawing/2014/main" id="{6753252F-4873-4F63-801D-CC719279A7D5}"/>
+              </a:ext>
+              <a:ext uri="{C183D7F6-B498-43B3-948B-1728B52AA6E4}">
+                <adec:decorative xmlns:adec="http://schemas.microsoft.com/office/drawing/2017/decorative" val="1"/>
+              </a:ext>
+            </a:extLst>
+          </p:cNvPr>
+          <p:cNvSpPr>
+            <a:spLocks noGrp="1" noRot="1" noChangeAspect="1" noMove="1" noResize="1" noEditPoints="1" noAdjustHandles="1" noChangeArrowheads="1" noChangeShapeType="1" noTextEdit="1"/>
+          </p:cNvSpPr>
+          <p:nvPr>
+            <p:extLst>
+              <p:ext uri="{386F3935-93C4-4BCD-93E2-E3B085C9AB24}">
+                <p16:designElem xmlns:p16="http://schemas.microsoft.com/office/powerpoint/2015/main" val="1"/>
+              </p:ext>
+            </p:extLst>
+          </p:nvPr>
+        </p:nvSpPr>
+        <p:spPr>
+          <a:xfrm>
+            <a:off x="0" y="0"/>
+            <a:ext cx="12192000" cy="6858000"/>
+          </a:xfrm>
+          <a:prstGeom prst="rect">
+            <a:avLst/>
+          </a:prstGeom>
+          <a:solidFill>
+            <a:srgbClr val="FFFFFF"/>
+          </a:solidFill>
+          <a:ln>
+            <a:noFill/>
+          </a:ln>
+        </p:spPr>
+        <p:style>
+          <a:lnRef idx="2">
+            <a:schemeClr val="accent1">
+              <a:shade val="50000"/>
+            </a:schemeClr>
+          </a:lnRef>
+          <a:fillRef idx="1">
+            <a:schemeClr val="accent1"/>
+          </a:fillRef>
+          <a:effectRef idx="0">
+            <a:schemeClr val="accent1"/>
+          </a:effectRef>
+          <a:fontRef idx="minor">
+            <a:schemeClr val="lt1"/>
+          </a:fontRef>
+        </p:style>
+        <p:txBody>
+          <a:bodyPr rtlCol="0" anchor="ctr"/>
+          <a:lstStyle/>
+          <a:p>
+            <a:pPr algn="ctr"/>
+            <a:endParaRPr lang="en-US"/>
+          </a:p>
+        </p:txBody>
+      </p:sp>
+      <p:sp>
+        <p:nvSpPr>
+          <p:cNvPr id="14" name="Rectangle 13">
+            <a:extLst>
+              <a:ext uri="{FF2B5EF4-FFF2-40B4-BE49-F238E27FC236}">
+                <a16:creationId xmlns:a16="http://schemas.microsoft.com/office/drawing/2014/main" id="{047C8CCB-F95D-4249-92DD-651249D3535A}"/>
+              </a:ext>
+              <a:ext uri="{C183D7F6-B498-43B3-948B-1728B52AA6E4}">
+                <adec:decorative xmlns:adec="http://schemas.microsoft.com/office/drawing/2017/decorative" val="1"/>
+              </a:ext>
+            </a:extLst>
+          </p:cNvPr>
+          <p:cNvSpPr>
+            <a:spLocks noGrp="1" noRot="1" noChangeAspect="1" noMove="1" noResize="1" noEditPoints="1" noAdjustHandles="1" noChangeArrowheads="1" noChangeShapeType="1" noTextEdit="1"/>
+          </p:cNvSpPr>
+          <p:nvPr>
+            <p:extLst>
+              <p:ext uri="{386F3935-93C4-4BCD-93E2-E3B085C9AB24}">
+                <p16:designElem xmlns:p16="http://schemas.microsoft.com/office/powerpoint/2015/main" val="1"/>
+              </p:ext>
+            </p:extLst>
+          </p:nvPr>
+        </p:nvSpPr>
+        <p:spPr>
+          <a:xfrm>
+            <a:off x="0" y="0"/>
+            <a:ext cx="2013557" cy="6858000"/>
+          </a:xfrm>
+          <a:prstGeom prst="rect">
+            <a:avLst/>
+          </a:prstGeom>
+          <a:solidFill>
+            <a:srgbClr val="533942"/>
+          </a:solidFill>
+          <a:ln>
+            <a:noFill/>
+          </a:ln>
+        </p:spPr>
+        <p:style>
+          <a:lnRef idx="2">
+            <a:schemeClr val="accent1">
+              <a:shade val="50000"/>
+            </a:schemeClr>
+          </a:lnRef>
+          <a:fillRef idx="1">
+            <a:schemeClr val="accent1"/>
+          </a:fillRef>
+          <a:effectRef idx="0">
+            <a:schemeClr val="accent1"/>
+          </a:effectRef>
+          <a:fontRef idx="minor">
+            <a:schemeClr val="lt1"/>
+          </a:fontRef>
+        </p:style>
+        <p:txBody>
+          <a:bodyPr rtlCol="0" anchor="ctr"/>
+          <a:lstStyle/>
+          <a:p>
+            <a:pPr algn="ctr"/>
+            <a:endParaRPr lang="en-US"/>
+          </a:p>
+        </p:txBody>
+      </p:sp>
+      <p:sp>
+        <p:nvSpPr>
+          <p:cNvPr id="2" name="כותרת 1">
+            <a:extLst>
+              <a:ext uri="{FF2B5EF4-FFF2-40B4-BE49-F238E27FC236}">
+                <a16:creationId xmlns:a16="http://schemas.microsoft.com/office/drawing/2014/main" id="{98605F97-7B13-44CB-AD05-F48D89D54701}"/>
+              </a:ext>
+            </a:extLst>
+          </p:cNvPr>
+          <p:cNvSpPr>
+            <a:spLocks noGrp="1"/>
+          </p:cNvSpPr>
+          <p:nvPr>
+            <p:ph type="title"/>
+          </p:nvPr>
+        </p:nvSpPr>
+        <p:spPr>
+          <a:xfrm>
+            <a:off x="640080" y="2074363"/>
+            <a:ext cx="2752354" cy="2709275"/>
+          </a:xfrm>
+          <a:prstGeom prst="ellipse">
+            <a:avLst/>
+          </a:prstGeom>
+          <a:solidFill>
+            <a:srgbClr val="262626"/>
+          </a:solidFill>
+          <a:ln w="174625" cmpd="thinThick">
+            <a:solidFill>
+              <a:srgbClr val="262626"/>
+            </a:solidFill>
+          </a:ln>
+        </p:spPr>
+        <p:txBody>
+          <a:bodyPr vert="horz" lIns="91440" tIns="45720" rIns="91440" bIns="45720" rtlCol="0" anchor="ctr">
+            <a:normAutofit/>
+          </a:bodyPr>
+          <a:lstStyle/>
+          <a:p>
+            <a:pPr algn="ctr" rtl="0"/>
+            <a:r>
+              <a:rPr lang="en-US" sz="2600" kern="1200" dirty="0">
+                <a:solidFill>
+                  <a:srgbClr val="FFFFFF"/>
+                </a:solidFill>
+                <a:latin typeface="+mj-lt"/>
+                <a:ea typeface="+mj-ea"/>
+                <a:cs typeface="+mj-cs"/>
+              </a:rPr>
+              <a:t>Mining Pools</a:t>
+            </a:r>
+            <a:br>
+              <a:rPr lang="en-US" sz="2600" dirty="0">
+                <a:solidFill>
+                  <a:srgbClr val="FFFFFF"/>
+                </a:solidFill>
+              </a:rPr>
+            </a:br>
+            <a:r>
+              <a:rPr lang="en-US" sz="2600" dirty="0">
+                <a:solidFill>
+                  <a:srgbClr val="FFFFFF"/>
+                </a:solidFill>
+              </a:rPr>
+              <a:t>distribution</a:t>
+            </a:r>
+            <a:endParaRPr lang="en-US" sz="2600" kern="1200" dirty="0">
+              <a:solidFill>
+                <a:srgbClr val="FFFFFF"/>
+              </a:solidFill>
+              <a:latin typeface="+mj-lt"/>
+              <a:ea typeface="+mj-ea"/>
+              <a:cs typeface="+mj-cs"/>
+            </a:endParaRPr>
+          </a:p>
+        </p:txBody>
+      </p:sp>
+      <p:pic>
+        <p:nvPicPr>
+          <p:cNvPr id="7" name="מציין מיקום תוכן 6">
+            <a:extLst>
+              <a:ext uri="{FF2B5EF4-FFF2-40B4-BE49-F238E27FC236}">
+                <a16:creationId xmlns:a16="http://schemas.microsoft.com/office/drawing/2014/main" id="{1CE73F96-6766-4EAB-AF57-EE664581038D}"/>
+              </a:ext>
+            </a:extLst>
+          </p:cNvPr>
+          <p:cNvPicPr>
+            <a:picLocks noGrp="1" noChangeAspect="1"/>
+          </p:cNvPicPr>
+          <p:nvPr>
+            <p:ph idx="1"/>
+          </p:nvPr>
+        </p:nvPicPr>
+        <p:blipFill>
+          <a:blip r:embed="rId2">
+            <a:extLst>
+              <a:ext uri="{28A0092B-C50C-407E-A947-70E740481C1C}">
+                <a14:useLocalDpi xmlns:a14="http://schemas.microsoft.com/office/drawing/2010/main" val="0"/>
+              </a:ext>
+            </a:extLst>
+          </a:blip>
+          <a:stretch>
+            <a:fillRect/>
+          </a:stretch>
+        </p:blipFill>
+        <p:spPr>
+          <a:xfrm>
+            <a:off x="4038600" y="1145052"/>
+            <a:ext cx="7188199" cy="4564506"/>
+          </a:xfrm>
+          <a:prstGeom prst="rect">
+            <a:avLst/>
+          </a:prstGeom>
+        </p:spPr>
+      </p:pic>
+      <p:sp>
+        <p:nvSpPr>
+          <p:cNvPr id="9" name="מלבן 8">
+            <a:extLst>
+              <a:ext uri="{FF2B5EF4-FFF2-40B4-BE49-F238E27FC236}">
+                <a16:creationId xmlns:a16="http://schemas.microsoft.com/office/drawing/2014/main" id="{12BE9AB3-739E-4530-8F1A-478666B5E6FF}"/>
+              </a:ext>
+            </a:extLst>
+          </p:cNvPr>
+          <p:cNvSpPr/>
+          <p:nvPr/>
+        </p:nvSpPr>
+        <p:spPr>
+          <a:xfrm>
+            <a:off x="9462052" y="5709558"/>
+            <a:ext cx="2582904" cy="384313"/>
+          </a:xfrm>
+          <a:prstGeom prst="rect">
+            <a:avLst/>
+          </a:prstGeom>
+          <a:solidFill>
+            <a:schemeClr val="bg1"/>
+          </a:solidFill>
+          <a:ln>
+            <a:solidFill>
+              <a:schemeClr val="bg1"/>
+            </a:solidFill>
+          </a:ln>
+        </p:spPr>
+        <p:style>
+          <a:lnRef idx="2">
+            <a:schemeClr val="accent1">
+              <a:shade val="50000"/>
+            </a:schemeClr>
+          </a:lnRef>
+          <a:fillRef idx="1">
+            <a:schemeClr val="accent1"/>
+          </a:fillRef>
+          <a:effectRef idx="0">
+            <a:schemeClr val="accent1"/>
+          </a:effectRef>
+          <a:fontRef idx="minor">
+            <a:schemeClr val="lt1"/>
+          </a:fontRef>
+        </p:style>
+        <p:txBody>
+          <a:bodyPr rtlCol="0" anchor="ctr"/>
+          <a:lstStyle/>
+          <a:p>
+            <a:pPr algn="ctr"/>
+            <a:r>
+              <a:rPr lang="he-IL" dirty="0">
+                <a:solidFill>
+                  <a:schemeClr val="tx1"/>
+                </a:solidFill>
+              </a:rPr>
+              <a:t>נלקח מ</a:t>
+            </a:r>
+            <a:r>
+              <a:rPr lang="en-US" dirty="0">
+                <a:solidFill>
+                  <a:schemeClr val="tx1"/>
+                </a:solidFill>
+              </a:rPr>
+              <a:t> blockchain.com/en/pools</a:t>
+            </a:r>
+          </a:p>
+          <a:p>
+            <a:pPr algn="ctr"/>
+            <a:r>
+              <a:rPr lang="en-US" dirty="0">
+                <a:solidFill>
+                  <a:schemeClr val="tx1"/>
+                </a:solidFill>
+              </a:rPr>
+              <a:t>21/12/18</a:t>
+            </a:r>
+          </a:p>
+        </p:txBody>
+      </p:sp>
+    </p:spTree>
+    <p:extLst>
+      <p:ext uri="{BB962C8B-B14F-4D97-AF65-F5344CB8AC3E}">
+        <p14:creationId xmlns:p14="http://schemas.microsoft.com/office/powerpoint/2010/main" val="1179653674"/>
       </p:ext>
     </p:extLst>
   </p:cSld>

--- a/The miner’s dilemma.pptx
+++ b/The miner’s dilemma.pptx
@@ -240,7 +240,7 @@
           <a:p>
             <a:fld id="{FF61DEA7-F1E6-454B-87DB-58B10850CF92}" type="datetimeFigureOut">
               <a:rPr lang="en-US" smtClean="0"/>
-              <a:t>12/23/2018</a:t>
+              <a:t>12/25/2018</a:t>
             </a:fld>
             <a:endParaRPr lang="en-US"/>
           </a:p>
@@ -657,7 +657,7 @@
           <a:p>
             <a:fld id="{DF6A03F8-23AB-4376-ADEC-E9B1DB750C39}" type="datetimeFigureOut">
               <a:rPr lang="en-US" smtClean="0"/>
-              <a:t>12/23/2018</a:t>
+              <a:t>12/25/2018</a:t>
             </a:fld>
             <a:endParaRPr lang="en-US"/>
           </a:p>
@@ -857,7 +857,7 @@
           <a:p>
             <a:fld id="{DF6A03F8-23AB-4376-ADEC-E9B1DB750C39}" type="datetimeFigureOut">
               <a:rPr lang="en-US" smtClean="0"/>
-              <a:t>12/23/2018</a:t>
+              <a:t>12/25/2018</a:t>
             </a:fld>
             <a:endParaRPr lang="en-US"/>
           </a:p>
@@ -1067,7 +1067,7 @@
           <a:p>
             <a:fld id="{DF6A03F8-23AB-4376-ADEC-E9B1DB750C39}" type="datetimeFigureOut">
               <a:rPr lang="en-US" smtClean="0"/>
-              <a:t>12/23/2018</a:t>
+              <a:t>12/25/2018</a:t>
             </a:fld>
             <a:endParaRPr lang="en-US"/>
           </a:p>
@@ -1267,7 +1267,7 @@
           <a:p>
             <a:fld id="{DF6A03F8-23AB-4376-ADEC-E9B1DB750C39}" type="datetimeFigureOut">
               <a:rPr lang="en-US" smtClean="0"/>
-              <a:t>12/23/2018</a:t>
+              <a:t>12/25/2018</a:t>
             </a:fld>
             <a:endParaRPr lang="en-US"/>
           </a:p>
@@ -1543,7 +1543,7 @@
           <a:p>
             <a:fld id="{DF6A03F8-23AB-4376-ADEC-E9B1DB750C39}" type="datetimeFigureOut">
               <a:rPr lang="en-US" smtClean="0"/>
-              <a:t>12/23/2018</a:t>
+              <a:t>12/25/2018</a:t>
             </a:fld>
             <a:endParaRPr lang="en-US"/>
           </a:p>
@@ -1811,7 +1811,7 @@
           <a:p>
             <a:fld id="{DF6A03F8-23AB-4376-ADEC-E9B1DB750C39}" type="datetimeFigureOut">
               <a:rPr lang="en-US" smtClean="0"/>
-              <a:t>12/23/2018</a:t>
+              <a:t>12/25/2018</a:t>
             </a:fld>
             <a:endParaRPr lang="en-US"/>
           </a:p>
@@ -2226,7 +2226,7 @@
           <a:p>
             <a:fld id="{DF6A03F8-23AB-4376-ADEC-E9B1DB750C39}" type="datetimeFigureOut">
               <a:rPr lang="en-US" smtClean="0"/>
-              <a:t>12/23/2018</a:t>
+              <a:t>12/25/2018</a:t>
             </a:fld>
             <a:endParaRPr lang="en-US"/>
           </a:p>
@@ -2368,7 +2368,7 @@
           <a:p>
             <a:fld id="{DF6A03F8-23AB-4376-ADEC-E9B1DB750C39}" type="datetimeFigureOut">
               <a:rPr lang="en-US" smtClean="0"/>
-              <a:t>12/23/2018</a:t>
+              <a:t>12/25/2018</a:t>
             </a:fld>
             <a:endParaRPr lang="en-US"/>
           </a:p>
@@ -2481,7 +2481,7 @@
           <a:p>
             <a:fld id="{DF6A03F8-23AB-4376-ADEC-E9B1DB750C39}" type="datetimeFigureOut">
               <a:rPr lang="en-US" smtClean="0"/>
-              <a:t>12/23/2018</a:t>
+              <a:t>12/25/2018</a:t>
             </a:fld>
             <a:endParaRPr lang="en-US"/>
           </a:p>
@@ -2794,7 +2794,7 @@
           <a:p>
             <a:fld id="{DF6A03F8-23AB-4376-ADEC-E9B1DB750C39}" type="datetimeFigureOut">
               <a:rPr lang="en-US" smtClean="0"/>
-              <a:t>12/23/2018</a:t>
+              <a:t>12/25/2018</a:t>
             </a:fld>
             <a:endParaRPr lang="en-US"/>
           </a:p>
@@ -3083,7 +3083,7 @@
           <a:p>
             <a:fld id="{DF6A03F8-23AB-4376-ADEC-E9B1DB750C39}" type="datetimeFigureOut">
               <a:rPr lang="en-US" smtClean="0"/>
-              <a:t>12/23/2018</a:t>
+              <a:t>12/25/2018</a:t>
             </a:fld>
             <a:endParaRPr lang="en-US"/>
           </a:p>
@@ -3326,7 +3326,7 @@
           <a:p>
             <a:fld id="{DF6A03F8-23AB-4376-ADEC-E9B1DB750C39}" type="datetimeFigureOut">
               <a:rPr lang="en-US" smtClean="0"/>
-              <a:t>12/23/2018</a:t>
+              <a:t>12/25/2018</a:t>
             </a:fld>
             <a:endParaRPr lang="en-US"/>
           </a:p>
@@ -8450,6 +8450,42 @@
           </p:sp>
         </mc:Fallback>
       </mc:AlternateContent>
+      <p:sp>
+        <p:nvSpPr>
+          <p:cNvPr id="3" name="TextBox 2">
+            <a:extLst>
+              <a:ext uri="{FF2B5EF4-FFF2-40B4-BE49-F238E27FC236}">
+                <a16:creationId xmlns:a16="http://schemas.microsoft.com/office/drawing/2014/main" id="{CE3715BF-D6E2-4CBB-966B-BC1FAB9A1D2D}"/>
+              </a:ext>
+            </a:extLst>
+          </p:cNvPr>
+          <p:cNvSpPr txBox="1"/>
+          <p:nvPr/>
+        </p:nvSpPr>
+        <p:spPr>
+          <a:xfrm>
+            <a:off x="292911" y="6069496"/>
+            <a:ext cx="1588898" cy="369332"/>
+          </a:xfrm>
+          <a:prstGeom prst="rect">
+            <a:avLst/>
+          </a:prstGeom>
+          <a:noFill/>
+        </p:spPr>
+        <p:txBody>
+          <a:bodyPr wrap="none" rtlCol="0">
+            <a:spAutoFit/>
+          </a:bodyPr>
+          <a:lstStyle/>
+          <a:p>
+            <a:r>
+              <a:rPr lang="he-IL" dirty="0"/>
+              <a:t>דוגמא מהמאמר</a:t>
+            </a:r>
+            <a:endParaRPr lang="en-US" dirty="0"/>
+          </a:p>
+        </p:txBody>
+      </p:sp>
     </p:spTree>
     <p:extLst>
       <p:ext uri="{BB962C8B-B14F-4D97-AF65-F5344CB8AC3E}">
@@ -8739,8 +8775,8 @@
           </a:p>
         </p:txBody>
       </p:sp>
-      <mc:AlternateContent xmlns:mc="http://schemas.openxmlformats.org/markup-compatibility/2006">
-        <mc:Choice xmlns:a14="http://schemas.microsoft.com/office/drawing/2010/main" Requires="a14">
+      <mc:AlternateContent xmlns:mc="http://schemas.openxmlformats.org/markup-compatibility/2006" xmlns:a14="http://schemas.microsoft.com/office/drawing/2010/main">
+        <mc:Choice Requires="a14">
           <p:sp>
             <p:nvSpPr>
               <p:cNvPr id="3" name="מציין מיקום תוכן 2">
@@ -9448,7 +9484,7 @@
             </p:txBody>
           </p:sp>
         </mc:Choice>
-        <mc:Fallback>
+        <mc:Fallback xmlns="">
           <p:sp>
             <p:nvSpPr>
               <p:cNvPr id="3" name="מציין מיקום תוכן 2">
@@ -9474,6 +9510,534 @@
                 <a:blip r:embed="rId2"/>
                 <a:stretch>
                   <a:fillRect t="-1090" r="-580"/>
+                </a:stretch>
+              </a:blipFill>
+            </p:spPr>
+            <p:txBody>
+              <a:bodyPr/>
+              <a:lstStyle/>
+              <a:p>
+                <a:r>
+                  <a:rPr lang="en-US">
+                    <a:noFill/>
+                  </a:rPr>
+                  <a:t> </a:t>
+                </a:r>
+              </a:p>
+            </p:txBody>
+          </p:sp>
+        </mc:Fallback>
+      </mc:AlternateContent>
+      <mc:AlternateContent xmlns:mc="http://schemas.openxmlformats.org/markup-compatibility/2006">
+        <mc:Choice xmlns:a14="http://schemas.microsoft.com/office/drawing/2010/main" Requires="a14">
+          <p:sp>
+            <p:nvSpPr>
+              <p:cNvPr id="4" name="TextBox 3">
+                <a:extLst>
+                  <a:ext uri="{FF2B5EF4-FFF2-40B4-BE49-F238E27FC236}">
+                    <a16:creationId xmlns:a16="http://schemas.microsoft.com/office/drawing/2014/main" id="{874A82FD-F20C-4A1D-8009-83E7D8FE9D01}"/>
+                  </a:ext>
+                </a:extLst>
+              </p:cNvPr>
+              <p:cNvSpPr txBox="1"/>
+              <p:nvPr/>
+            </p:nvSpPr>
+            <p:spPr>
+              <a:xfrm>
+                <a:off x="9447147" y="2297620"/>
+                <a:ext cx="2279373" cy="369332"/>
+              </a:xfrm>
+              <a:prstGeom prst="rect">
+                <a:avLst/>
+              </a:prstGeom>
+              <a:noFill/>
+            </p:spPr>
+            <p:txBody>
+              <a:bodyPr wrap="square" rtlCol="0">
+                <a:spAutoFit/>
+              </a:bodyPr>
+              <a:lstStyle/>
+              <a:p>
+                <a:pPr algn="l"/>
+                <a:r>
+                  <a:rPr lang="he-IL" dirty="0"/>
+                  <a:t>רווח של קבוצה </a:t>
+                </a:r>
+                <a:r>
+                  <a:rPr lang="en-US" dirty="0" err="1"/>
+                  <a:t>i</a:t>
+                </a:r>
+                <a:r>
+                  <a:rPr lang="he-IL" dirty="0"/>
+                  <a:t> =</a:t>
+                </a:r>
+                <a14:m>
+                  <m:oMath xmlns:m="http://schemas.openxmlformats.org/officeDocument/2006/math">
+                    <m:sSub>
+                      <m:sSubPr>
+                        <m:ctrlPr>
+                          <a:rPr lang="en-US" i="1" dirty="0" smtClean="0">
+                            <a:latin typeface="Cambria Math" panose="02040503050406030204" pitchFamily="18" charset="0"/>
+                          </a:rPr>
+                        </m:ctrlPr>
+                      </m:sSubPr>
+                      <m:e>
+                        <m:r>
+                          <a:rPr lang="en-US" i="1" dirty="0" smtClean="0">
+                            <a:latin typeface="Cambria Math" panose="02040503050406030204" pitchFamily="18" charset="0"/>
+                          </a:rPr>
+                          <m:t>𝑅</m:t>
+                        </m:r>
+                      </m:e>
+                      <m:sub>
+                        <m:r>
+                          <m:rPr>
+                            <m:sty m:val="p"/>
+                          </m:rPr>
+                          <a:rPr lang="en-US" b="0" i="0" dirty="0" smtClean="0">
+                            <a:latin typeface="Cambria Math" panose="02040503050406030204" pitchFamily="18" charset="0"/>
+                          </a:rPr>
+                          <m:t>i</m:t>
+                        </m:r>
+                      </m:sub>
+                    </m:sSub>
+                  </m:oMath>
+                </a14:m>
+                <a:endParaRPr lang="en-US" dirty="0"/>
+              </a:p>
+            </p:txBody>
+          </p:sp>
+        </mc:Choice>
+        <mc:Fallback>
+          <p:sp>
+            <p:nvSpPr>
+              <p:cNvPr id="4" name="TextBox 3">
+                <a:extLst>
+                  <a:ext uri="{FF2B5EF4-FFF2-40B4-BE49-F238E27FC236}">
+                    <a16:creationId xmlns:a16="http://schemas.microsoft.com/office/drawing/2014/main" id="{874A82FD-F20C-4A1D-8009-83E7D8FE9D01}"/>
+                  </a:ext>
+                </a:extLst>
+              </p:cNvPr>
+              <p:cNvSpPr txBox="1">
+                <a:spLocks noRot="1" noChangeAspect="1" noMove="1" noResize="1" noEditPoints="1" noAdjustHandles="1" noChangeArrowheads="1" noChangeShapeType="1" noTextEdit="1"/>
+              </p:cNvSpPr>
+              <p:nvPr/>
+            </p:nvSpPr>
+            <p:spPr>
+              <a:xfrm>
+                <a:off x="9447147" y="2297620"/>
+                <a:ext cx="2279373" cy="369332"/>
+              </a:xfrm>
+              <a:prstGeom prst="rect">
+                <a:avLst/>
+              </a:prstGeom>
+              <a:blipFill>
+                <a:blip r:embed="rId3"/>
+                <a:stretch>
+                  <a:fillRect t="-11667" b="-26667"/>
+                </a:stretch>
+              </a:blipFill>
+            </p:spPr>
+            <p:txBody>
+              <a:bodyPr/>
+              <a:lstStyle/>
+              <a:p>
+                <a:r>
+                  <a:rPr lang="en-US">
+                    <a:noFill/>
+                  </a:rPr>
+                  <a:t> </a:t>
+                </a:r>
+              </a:p>
+            </p:txBody>
+          </p:sp>
+        </mc:Fallback>
+      </mc:AlternateContent>
+      <mc:AlternateContent xmlns:mc="http://schemas.openxmlformats.org/markup-compatibility/2006">
+        <mc:Choice xmlns:a14="http://schemas.microsoft.com/office/drawing/2010/main" Requires="a14">
+          <p:sp>
+            <p:nvSpPr>
+              <p:cNvPr id="5" name="TextBox 4">
+                <a:extLst>
+                  <a:ext uri="{FF2B5EF4-FFF2-40B4-BE49-F238E27FC236}">
+                    <a16:creationId xmlns:a16="http://schemas.microsoft.com/office/drawing/2014/main" id="{68F955DC-65FB-420B-8534-D799B0B0F20C}"/>
+                  </a:ext>
+                </a:extLst>
+              </p:cNvPr>
+              <p:cNvSpPr txBox="1"/>
+              <p:nvPr/>
+            </p:nvSpPr>
+            <p:spPr>
+              <a:xfrm>
+                <a:off x="8930309" y="2569356"/>
+                <a:ext cx="2623931" cy="369332"/>
+              </a:xfrm>
+              <a:prstGeom prst="rect">
+                <a:avLst/>
+              </a:prstGeom>
+              <a:noFill/>
+            </p:spPr>
+            <p:txBody>
+              <a:bodyPr wrap="square" rtlCol="0">
+                <a:spAutoFit/>
+              </a:bodyPr>
+              <a:lstStyle/>
+              <a:p>
+                <a:pPr algn="l"/>
+                <a:r>
+                  <a:rPr lang="he-IL" dirty="0"/>
+                  <a:t>כוח כרייה של קבוצה </a:t>
+                </a:r>
+                <a:r>
+                  <a:rPr lang="en-US" dirty="0" err="1"/>
+                  <a:t>i</a:t>
+                </a:r>
+                <a:r>
+                  <a:rPr lang="he-IL" dirty="0"/>
+                  <a:t> =</a:t>
+                </a:r>
+                <a14:m>
+                  <m:oMath xmlns:m="http://schemas.openxmlformats.org/officeDocument/2006/math">
+                    <m:sSub>
+                      <m:sSubPr>
+                        <m:ctrlPr>
+                          <a:rPr lang="en-US" i="1" dirty="0" smtClean="0">
+                            <a:latin typeface="Cambria Math" panose="02040503050406030204" pitchFamily="18" charset="0"/>
+                          </a:rPr>
+                        </m:ctrlPr>
+                      </m:sSubPr>
+                      <m:e>
+                        <m:r>
+                          <a:rPr lang="en-US" b="0" i="1" dirty="0" smtClean="0">
+                            <a:latin typeface="Cambria Math" panose="02040503050406030204" pitchFamily="18" charset="0"/>
+                          </a:rPr>
+                          <m:t>𝑀</m:t>
+                        </m:r>
+                      </m:e>
+                      <m:sub>
+                        <m:r>
+                          <m:rPr>
+                            <m:sty m:val="p"/>
+                          </m:rPr>
+                          <a:rPr lang="en-US" b="0" i="0" dirty="0" smtClean="0">
+                            <a:latin typeface="Cambria Math" panose="02040503050406030204" pitchFamily="18" charset="0"/>
+                          </a:rPr>
+                          <m:t>i</m:t>
+                        </m:r>
+                      </m:sub>
+                    </m:sSub>
+                  </m:oMath>
+                </a14:m>
+                <a:endParaRPr lang="en-US" dirty="0"/>
+              </a:p>
+            </p:txBody>
+          </p:sp>
+        </mc:Choice>
+        <mc:Fallback>
+          <p:sp>
+            <p:nvSpPr>
+              <p:cNvPr id="5" name="TextBox 4">
+                <a:extLst>
+                  <a:ext uri="{FF2B5EF4-FFF2-40B4-BE49-F238E27FC236}">
+                    <a16:creationId xmlns:a16="http://schemas.microsoft.com/office/drawing/2014/main" id="{68F955DC-65FB-420B-8534-D799B0B0F20C}"/>
+                  </a:ext>
+                </a:extLst>
+              </p:cNvPr>
+              <p:cNvSpPr txBox="1">
+                <a:spLocks noRot="1" noChangeAspect="1" noMove="1" noResize="1" noEditPoints="1" noAdjustHandles="1" noChangeArrowheads="1" noChangeShapeType="1" noTextEdit="1"/>
+              </p:cNvSpPr>
+              <p:nvPr/>
+            </p:nvSpPr>
+            <p:spPr>
+              <a:xfrm>
+                <a:off x="8930309" y="2569356"/>
+                <a:ext cx="2623931" cy="369332"/>
+              </a:xfrm>
+              <a:prstGeom prst="rect">
+                <a:avLst/>
+              </a:prstGeom>
+              <a:blipFill>
+                <a:blip r:embed="rId4"/>
+                <a:stretch>
+                  <a:fillRect t="-9836" b="-24590"/>
+                </a:stretch>
+              </a:blipFill>
+            </p:spPr>
+            <p:txBody>
+              <a:bodyPr/>
+              <a:lstStyle/>
+              <a:p>
+                <a:r>
+                  <a:rPr lang="en-US">
+                    <a:noFill/>
+                  </a:rPr>
+                  <a:t> </a:t>
+                </a:r>
+              </a:p>
+            </p:txBody>
+          </p:sp>
+        </mc:Fallback>
+      </mc:AlternateContent>
+      <mc:AlternateContent xmlns:mc="http://schemas.openxmlformats.org/markup-compatibility/2006">
+        <mc:Choice xmlns:a14="http://schemas.microsoft.com/office/drawing/2010/main" Requires="a14">
+          <p:sp>
+            <p:nvSpPr>
+              <p:cNvPr id="6" name="TextBox 5">
+                <a:extLst>
+                  <a:ext uri="{FF2B5EF4-FFF2-40B4-BE49-F238E27FC236}">
+                    <a16:creationId xmlns:a16="http://schemas.microsoft.com/office/drawing/2014/main" id="{A5281419-3696-461E-B54E-A9D04D070C9D}"/>
+                  </a:ext>
+                </a:extLst>
+              </p:cNvPr>
+              <p:cNvSpPr txBox="1"/>
+              <p:nvPr/>
+            </p:nvSpPr>
+            <p:spPr>
+              <a:xfrm>
+                <a:off x="6612836" y="2871384"/>
+                <a:ext cx="5141844" cy="391646"/>
+              </a:xfrm>
+              <a:prstGeom prst="rect">
+                <a:avLst/>
+              </a:prstGeom>
+              <a:noFill/>
+            </p:spPr>
+            <p:txBody>
+              <a:bodyPr wrap="square" rtlCol="0">
+                <a:spAutoFit/>
+              </a:bodyPr>
+              <a:lstStyle/>
+              <a:p>
+                <a:pPr algn="l"/>
+                <a:r>
+                  <a:rPr lang="he-IL" dirty="0"/>
+                  <a:t>כוח כרייה מגודל </a:t>
+                </a:r>
+                <a:r>
+                  <a:rPr lang="en-US" dirty="0"/>
+                  <a:t>x</a:t>
+                </a:r>
+                <a:r>
+                  <a:rPr lang="he-IL" dirty="0"/>
+                  <a:t> של קבוצה </a:t>
+                </a:r>
+                <a:r>
+                  <a:rPr lang="en-US" dirty="0" err="1"/>
+                  <a:t>i</a:t>
+                </a:r>
+                <a:r>
+                  <a:rPr lang="he-IL" dirty="0"/>
+                  <a:t> תוקף את קבוצה </a:t>
+                </a:r>
+                <a:r>
+                  <a:rPr lang="en-US" dirty="0"/>
+                  <a:t>j</a:t>
+                </a:r>
+                <a:r>
+                  <a:rPr lang="he-IL" dirty="0"/>
+                  <a:t>=</a:t>
+                </a:r>
+                <a14:m>
+                  <m:oMath xmlns:m="http://schemas.openxmlformats.org/officeDocument/2006/math">
+                    <m:sSub>
+                      <m:sSubPr>
+                        <m:ctrlPr>
+                          <a:rPr lang="en-US" i="1" dirty="0">
+                            <a:latin typeface="Cambria Math" panose="02040503050406030204" pitchFamily="18" charset="0"/>
+                          </a:rPr>
+                        </m:ctrlPr>
+                      </m:sSubPr>
+                      <m:e>
+                        <m:r>
+                          <a:rPr lang="en-US" i="1" dirty="0">
+                            <a:latin typeface="Cambria Math" panose="02040503050406030204" pitchFamily="18" charset="0"/>
+                          </a:rPr>
+                          <m:t>𝑥</m:t>
+                        </m:r>
+                      </m:e>
+                      <m:sub>
+                        <m:r>
+                          <m:rPr>
+                            <m:sty m:val="p"/>
+                          </m:rPr>
+                          <a:rPr lang="en-US" b="0" i="0" dirty="0" smtClean="0">
+                            <a:latin typeface="Cambria Math" panose="02040503050406030204" pitchFamily="18" charset="0"/>
+                          </a:rPr>
+                          <m:t>i</m:t>
+                        </m:r>
+                        <m:r>
+                          <a:rPr lang="en-US" dirty="0">
+                            <a:latin typeface="Cambria Math" panose="02040503050406030204" pitchFamily="18" charset="0"/>
+                          </a:rPr>
+                          <m:t>,</m:t>
+                        </m:r>
+                        <m:r>
+                          <a:rPr lang="en-US" b="0" i="1" dirty="0" smtClean="0">
+                            <a:latin typeface="Cambria Math" panose="02040503050406030204" pitchFamily="18" charset="0"/>
+                          </a:rPr>
+                          <m:t>𝑗</m:t>
+                        </m:r>
+                      </m:sub>
+                    </m:sSub>
+                  </m:oMath>
+                </a14:m>
+                <a:endParaRPr lang="en-US" dirty="0"/>
+              </a:p>
+            </p:txBody>
+          </p:sp>
+        </mc:Choice>
+        <mc:Fallback>
+          <p:sp>
+            <p:nvSpPr>
+              <p:cNvPr id="6" name="TextBox 5">
+                <a:extLst>
+                  <a:ext uri="{FF2B5EF4-FFF2-40B4-BE49-F238E27FC236}">
+                    <a16:creationId xmlns:a16="http://schemas.microsoft.com/office/drawing/2014/main" id="{A5281419-3696-461E-B54E-A9D04D070C9D}"/>
+                  </a:ext>
+                </a:extLst>
+              </p:cNvPr>
+              <p:cNvSpPr txBox="1">
+                <a:spLocks noRot="1" noChangeAspect="1" noMove="1" noResize="1" noEditPoints="1" noAdjustHandles="1" noChangeArrowheads="1" noChangeShapeType="1" noTextEdit="1"/>
+              </p:cNvSpPr>
+              <p:nvPr/>
+            </p:nvSpPr>
+            <p:spPr>
+              <a:xfrm>
+                <a:off x="6612836" y="2871384"/>
+                <a:ext cx="5141844" cy="391646"/>
+              </a:xfrm>
+              <a:prstGeom prst="rect">
+                <a:avLst/>
+              </a:prstGeom>
+              <a:blipFill>
+                <a:blip r:embed="rId5"/>
+                <a:stretch>
+                  <a:fillRect t="-7813" b="-20313"/>
+                </a:stretch>
+              </a:blipFill>
+            </p:spPr>
+            <p:txBody>
+              <a:bodyPr/>
+              <a:lstStyle/>
+              <a:p>
+                <a:r>
+                  <a:rPr lang="en-US">
+                    <a:noFill/>
+                  </a:rPr>
+                  <a:t> </a:t>
+                </a:r>
+              </a:p>
+            </p:txBody>
+          </p:sp>
+        </mc:Fallback>
+      </mc:AlternateContent>
+      <mc:AlternateContent xmlns:mc="http://schemas.openxmlformats.org/markup-compatibility/2006">
+        <mc:Choice xmlns:a14="http://schemas.microsoft.com/office/drawing/2010/main" Requires="a14">
+          <p:sp>
+            <p:nvSpPr>
+              <p:cNvPr id="7" name="TextBox 6">
+                <a:extLst>
+                  <a:ext uri="{FF2B5EF4-FFF2-40B4-BE49-F238E27FC236}">
+                    <a16:creationId xmlns:a16="http://schemas.microsoft.com/office/drawing/2014/main" id="{D5D695EF-9FCC-41ED-AD41-A04F9F9650D0}"/>
+                  </a:ext>
+                </a:extLst>
+              </p:cNvPr>
+              <p:cNvSpPr txBox="1"/>
+              <p:nvPr/>
+            </p:nvSpPr>
+            <p:spPr>
+              <a:xfrm>
+                <a:off x="8610607" y="3138948"/>
+                <a:ext cx="3074503" cy="369332"/>
+              </a:xfrm>
+              <a:prstGeom prst="rect">
+                <a:avLst/>
+              </a:prstGeom>
+              <a:noFill/>
+            </p:spPr>
+            <p:txBody>
+              <a:bodyPr wrap="square" rtlCol="0">
+                <a:spAutoFit/>
+              </a:bodyPr>
+              <a:lstStyle/>
+              <a:p>
+                <a:pPr algn="l"/>
+                <a:r>
+                  <a:rPr lang="he-IL" dirty="0"/>
+                  <a:t>רווח שכורה מקבוצה </a:t>
+                </a:r>
+                <a:r>
+                  <a:rPr lang="en-US" dirty="0" err="1"/>
+                  <a:t>i</a:t>
+                </a:r>
+                <a:r>
+                  <a:rPr lang="he-IL" dirty="0"/>
+                  <a:t> מקבל=</a:t>
+                </a:r>
+                <a14:m>
+                  <m:oMath xmlns:m="http://schemas.openxmlformats.org/officeDocument/2006/math">
+                    <m:sSub>
+                      <m:sSubPr>
+                        <m:ctrlPr>
+                          <a:rPr lang="en-US" i="1" dirty="0">
+                            <a:latin typeface="Cambria Math" panose="02040503050406030204" pitchFamily="18" charset="0"/>
+                          </a:rPr>
+                        </m:ctrlPr>
+                      </m:sSubPr>
+                      <m:e>
+                        <m:r>
+                          <a:rPr lang="en-US" i="1" dirty="0">
+                            <a:latin typeface="Cambria Math" panose="02040503050406030204" pitchFamily="18" charset="0"/>
+                          </a:rPr>
+                          <m:t>𝑟</m:t>
+                        </m:r>
+                      </m:e>
+                      <m:sub>
+                        <m:r>
+                          <m:rPr>
+                            <m:sty m:val="p"/>
+                          </m:rPr>
+                          <a:rPr lang="en-US" b="0" i="0" dirty="0" smtClean="0">
+                            <a:latin typeface="Cambria Math" panose="02040503050406030204" pitchFamily="18" charset="0"/>
+                          </a:rPr>
+                          <m:t>i</m:t>
+                        </m:r>
+                      </m:sub>
+                    </m:sSub>
+                  </m:oMath>
+                </a14:m>
+                <a:endParaRPr lang="en-US" dirty="0"/>
+              </a:p>
+            </p:txBody>
+          </p:sp>
+        </mc:Choice>
+        <mc:Fallback>
+          <p:sp>
+            <p:nvSpPr>
+              <p:cNvPr id="7" name="TextBox 6">
+                <a:extLst>
+                  <a:ext uri="{FF2B5EF4-FFF2-40B4-BE49-F238E27FC236}">
+                    <a16:creationId xmlns:a16="http://schemas.microsoft.com/office/drawing/2014/main" id="{D5D695EF-9FCC-41ED-AD41-A04F9F9650D0}"/>
+                  </a:ext>
+                </a:extLst>
+              </p:cNvPr>
+              <p:cNvSpPr txBox="1">
+                <a:spLocks noRot="1" noChangeAspect="1" noMove="1" noResize="1" noEditPoints="1" noAdjustHandles="1" noChangeArrowheads="1" noChangeShapeType="1" noTextEdit="1"/>
+              </p:cNvSpPr>
+              <p:nvPr/>
+            </p:nvSpPr>
+            <p:spPr>
+              <a:xfrm>
+                <a:off x="8610607" y="3138948"/>
+                <a:ext cx="3074503" cy="369332"/>
+              </a:xfrm>
+              <a:prstGeom prst="rect">
+                <a:avLst/>
+              </a:prstGeom>
+              <a:blipFill>
+                <a:blip r:embed="rId6"/>
+                <a:stretch>
+                  <a:fillRect t="-11475" b="-24590"/>
                 </a:stretch>
               </a:blipFill>
             </p:spPr>
@@ -9714,6 +10278,21 @@
               <a:rPr lang="he-IL" dirty="0"/>
               <a:t>קבוצה 1 תוקפת עם כורה 1 את קבוצה שתיים.</a:t>
             </a:r>
+          </a:p>
+          <a:p>
+            <a:pPr marL="0" indent="0">
+              <a:buNone/>
+            </a:pPr>
+            <a:endParaRPr lang="he-IL" dirty="0"/>
+          </a:p>
+          <a:p>
+            <a:pPr marL="0" indent="0">
+              <a:buNone/>
+            </a:pPr>
+            <a:r>
+              <a:rPr lang="he-IL" dirty="0"/>
+              <a:t>הנחה: לכל כורה יש את אותו כוח כרייה</a:t>
+            </a:r>
             <a:endParaRPr lang="en-US" dirty="0"/>
           </a:p>
         </p:txBody>
@@ -9777,8 +10356,8 @@
           </a:p>
         </p:txBody>
       </p:sp>
-      <mc:AlternateContent xmlns:mc="http://schemas.openxmlformats.org/markup-compatibility/2006">
-        <mc:Choice xmlns:a14="http://schemas.microsoft.com/office/drawing/2010/main" Requires="a14">
+      <mc:AlternateContent xmlns:mc="http://schemas.openxmlformats.org/markup-compatibility/2006" xmlns:a14="http://schemas.microsoft.com/office/drawing/2010/main">
+        <mc:Choice Requires="a14">
           <p:sp>
             <p:nvSpPr>
               <p:cNvPr id="3" name="מציין מיקום תוכן 2">
@@ -10173,7 +10752,7 @@
             </p:txBody>
           </p:sp>
         </mc:Choice>
-        <mc:Fallback>
+        <mc:Fallback xmlns="">
           <p:sp>
             <p:nvSpPr>
               <p:cNvPr id="3" name="מציין מיקום תוכן 2">
@@ -10379,6 +10958,42 @@
           </a:p>
         </p:txBody>
       </p:sp>
+      <p:sp>
+        <p:nvSpPr>
+          <p:cNvPr id="3" name="TextBox 2">
+            <a:extLst>
+              <a:ext uri="{FF2B5EF4-FFF2-40B4-BE49-F238E27FC236}">
+                <a16:creationId xmlns:a16="http://schemas.microsoft.com/office/drawing/2014/main" id="{B9F9FF4E-6104-4642-AF9C-8253CFB8CE61}"/>
+              </a:ext>
+            </a:extLst>
+          </p:cNvPr>
+          <p:cNvSpPr txBox="1"/>
+          <p:nvPr/>
+        </p:nvSpPr>
+        <p:spPr>
+          <a:xfrm>
+            <a:off x="0" y="2747713"/>
+            <a:ext cx="2739853" cy="369332"/>
+          </a:xfrm>
+          <a:prstGeom prst="rect">
+            <a:avLst/>
+          </a:prstGeom>
+          <a:noFill/>
+        </p:spPr>
+        <p:txBody>
+          <a:bodyPr wrap="none" rtlCol="0">
+            <a:spAutoFit/>
+          </a:bodyPr>
+          <a:lstStyle/>
+          <a:p>
+            <a:r>
+              <a:rPr lang="he-IL" dirty="0"/>
+              <a:t>משוואה נלקחה מגוף המאמר</a:t>
+            </a:r>
+            <a:endParaRPr lang="en-US" dirty="0"/>
+          </a:p>
+        </p:txBody>
+      </p:sp>
     </p:spTree>
     <p:extLst>
       <p:ext uri="{BB962C8B-B14F-4D97-AF65-F5344CB8AC3E}">
@@ -15765,7 +16380,7 @@
                   <a:srgbClr val="FFFFFF"/>
                 </a:solidFill>
               </a:rPr>
-              <a:t>distribution</a:t>
+              <a:t>Distribution</a:t>
             </a:r>
             <a:endParaRPr lang="en-US" sz="2600" kern="1200" dirty="0">
               <a:solidFill>
